--- a/doc/Diapo.pptx
+++ b/doc/Diapo.pptx
@@ -5,7 +5,7 @@
     <p:sldMasterId id="2147483660" r:id="rId1"/>
   </p:sldMasterIdLst>
   <p:notesMasterIdLst>
-    <p:notesMasterId r:id="rId11"/>
+    <p:notesMasterId r:id="rId14"/>
   </p:notesMasterIdLst>
   <p:sldIdLst>
     <p:sldId id="256" r:id="rId2"/>
@@ -17,6 +17,9 @@
     <p:sldId id="262" r:id="rId8"/>
     <p:sldId id="263" r:id="rId9"/>
     <p:sldId id="264" r:id="rId10"/>
+    <p:sldId id="266" r:id="rId11"/>
+    <p:sldId id="265" r:id="rId12"/>
+    <p:sldId id="267" r:id="rId13"/>
   </p:sldIdLst>
   <p:sldSz cx="9144000" cy="6858000" type="screen4x3"/>
   <p:notesSz cx="6858000" cy="9144000"/>
@@ -200,7 +203,8 @@
           <a:p>
             <a:fld id="{BEF45B8F-C0FF-44EC-BB50-2DC2F163B972}" type="datetimeFigureOut">
               <a:rPr lang="fr-FR" smtClean="0"/>
-              <a:t>11/05/2017</a:t>
+              <a:pPr/>
+              <a:t>12/05/2017</a:t>
             </a:fld>
             <a:endParaRPr lang="fr-FR"/>
           </a:p>
@@ -361,6 +365,7 @@
           <a:p>
             <a:fld id="{7E6209E1-ABC8-4D7E-BDD9-246DCBE30A3E}" type="slidenum">
               <a:rPr lang="fr-FR" smtClean="0"/>
+              <a:pPr/>
               <a:t>‹N°›</a:t>
             </a:fld>
             <a:endParaRPr lang="fr-FR"/>
@@ -561,6 +566,7 @@
           <a:p>
             <a:fld id="{7E6209E1-ABC8-4D7E-BDD9-246DCBE30A3E}" type="slidenum">
               <a:rPr lang="fr-FR" smtClean="0"/>
+              <a:pPr/>
               <a:t>2</a:t>
             </a:fld>
             <a:endParaRPr lang="fr-FR"/>
@@ -654,6 +660,7 @@
           <a:p>
             <a:fld id="{7E6209E1-ABC8-4D7E-BDD9-246DCBE30A3E}" type="slidenum">
               <a:rPr lang="fr-FR" smtClean="0"/>
+              <a:pPr/>
               <a:t>6</a:t>
             </a:fld>
             <a:endParaRPr lang="fr-FR"/>
@@ -735,6 +742,7 @@
           <a:p>
             <a:fld id="{7E6209E1-ABC8-4D7E-BDD9-246DCBE30A3E}" type="slidenum">
               <a:rPr lang="fr-FR" smtClean="0"/>
+              <a:pPr/>
               <a:t>7</a:t>
             </a:fld>
             <a:endParaRPr lang="fr-FR"/>
@@ -816,6 +824,7 @@
           <a:p>
             <a:fld id="{7E6209E1-ABC8-4D7E-BDD9-246DCBE30A3E}" type="slidenum">
               <a:rPr lang="fr-FR" smtClean="0"/>
+              <a:pPr/>
               <a:t>8</a:t>
             </a:fld>
             <a:endParaRPr lang="fr-FR"/>
@@ -958,7 +967,315 @@
           <a:p>
             <a:fld id="{7E6209E1-ABC8-4D7E-BDD9-246DCBE30A3E}" type="slidenum">
               <a:rPr lang="fr-FR" smtClean="0"/>
+              <a:pPr/>
               <a:t>9</a:t>
+            </a:fld>
+            <a:endParaRPr lang="fr-FR"/>
+          </a:p>
+        </p:txBody>
+      </p:sp>
+    </p:spTree>
+  </p:cSld>
+  <p:clrMapOvr>
+    <a:masterClrMapping/>
+  </p:clrMapOvr>
+</p:notes>
+</file>
+
+<file path=ppt/notesSlides/notesSlide6.xml><?xml version="1.0" encoding="utf-8"?>
+<p:notes xmlns:a="http://schemas.openxmlformats.org/drawingml/2006/main" xmlns:r="http://schemas.openxmlformats.org/officeDocument/2006/relationships" xmlns:p="http://schemas.openxmlformats.org/presentationml/2006/main">
+  <p:cSld>
+    <p:spTree>
+      <p:nvGrpSpPr>
+        <p:cNvPr id="1" name=""/>
+        <p:cNvGrpSpPr/>
+        <p:nvPr/>
+      </p:nvGrpSpPr>
+      <p:grpSpPr>
+        <a:xfrm>
+          <a:off x="0" y="0"/>
+          <a:ext cx="0" cy="0"/>
+          <a:chOff x="0" y="0"/>
+          <a:chExt cx="0" cy="0"/>
+        </a:xfrm>
+      </p:grpSpPr>
+      <p:sp>
+        <p:nvSpPr>
+          <p:cNvPr id="2" name="Espace réservé de l'image des diapositives 1"/>
+          <p:cNvSpPr>
+            <a:spLocks noGrp="1" noRot="1" noChangeAspect="1"/>
+          </p:cNvSpPr>
+          <p:nvPr>
+            <p:ph type="sldImg"/>
+          </p:nvPr>
+        </p:nvSpPr>
+        <p:spPr/>
+      </p:sp>
+      <p:sp>
+        <p:nvSpPr>
+          <p:cNvPr id="3" name="Espace réservé des commentaires 2"/>
+          <p:cNvSpPr>
+            <a:spLocks noGrp="1"/>
+          </p:cNvSpPr>
+          <p:nvPr>
+            <p:ph type="body" idx="1"/>
+          </p:nvPr>
+        </p:nvSpPr>
+        <p:spPr/>
+        <p:txBody>
+          <a:bodyPr>
+            <a:normAutofit/>
+          </a:bodyPr>
+          <a:lstStyle/>
+          <a:p>
+            <a:r>
+              <a:rPr lang="fr-FR" dirty="0" err="1" smtClean="0"/>
+              <a:t>AbsMedical</a:t>
+            </a:r>
+            <a:r>
+              <a:rPr lang="fr-FR" baseline="0" dirty="0" smtClean="0"/>
+              <a:t> -&gt; contient l’application bureau</a:t>
+            </a:r>
+          </a:p>
+          <a:p>
+            <a:r>
+              <a:rPr lang="fr-FR" baseline="0" dirty="0" err="1" smtClean="0"/>
+              <a:t>AbsMedical.Data</a:t>
+            </a:r>
+            <a:r>
+              <a:rPr lang="fr-FR" baseline="0" dirty="0" smtClean="0"/>
+              <a:t> -&gt; contient la couche d’</a:t>
+            </a:r>
+            <a:r>
+              <a:rPr lang="fr-FR" baseline="0" dirty="0" err="1" smtClean="0"/>
+              <a:t>access</a:t>
+            </a:r>
+            <a:r>
+              <a:rPr lang="fr-FR" baseline="0" dirty="0" smtClean="0"/>
+              <a:t> aux données</a:t>
+            </a:r>
+          </a:p>
+          <a:p>
+            <a:r>
+              <a:rPr lang="fr-FR" baseline="0" dirty="0" err="1" smtClean="0"/>
+              <a:t>AbsMedical.Shared</a:t>
+            </a:r>
+            <a:r>
+              <a:rPr lang="fr-FR" baseline="0" dirty="0" smtClean="0"/>
+              <a:t> -&gt; contient des classes partagé entre les différents projets</a:t>
+            </a:r>
+          </a:p>
+          <a:p>
+            <a:r>
+              <a:rPr lang="fr-FR" baseline="0" dirty="0" smtClean="0"/>
+              <a:t>AbsMedical.NFC -&gt; contient les classes pour la connexion/</a:t>
+            </a:r>
+            <a:r>
+              <a:rPr lang="fr-FR" baseline="0" dirty="0" err="1" smtClean="0"/>
+              <a:t>recuperation</a:t>
+            </a:r>
+            <a:r>
+              <a:rPr lang="fr-FR" baseline="0" dirty="0" smtClean="0"/>
+              <a:t> de l’id de la carte </a:t>
+            </a:r>
+            <a:r>
+              <a:rPr lang="fr-FR" baseline="0" dirty="0" err="1" smtClean="0"/>
+              <a:t>rfid</a:t>
+            </a:r>
+            <a:endParaRPr lang="fr-FR" baseline="0" dirty="0" smtClean="0"/>
+          </a:p>
+          <a:p>
+            <a:r>
+              <a:rPr lang="fr-FR" baseline="0" dirty="0" smtClean="0"/>
+              <a:t>AbsMedical.WCF -&gt; contient les différents web services</a:t>
+            </a:r>
+            <a:endParaRPr lang="fr-FR" dirty="0"/>
+          </a:p>
+        </p:txBody>
+      </p:sp>
+      <p:sp>
+        <p:nvSpPr>
+          <p:cNvPr id="4" name="Espace réservé du numéro de diapositive 3"/>
+          <p:cNvSpPr>
+            <a:spLocks noGrp="1"/>
+          </p:cNvSpPr>
+          <p:nvPr>
+            <p:ph type="sldNum" sz="quarter" idx="10"/>
+          </p:nvPr>
+        </p:nvSpPr>
+        <p:spPr/>
+        <p:txBody>
+          <a:bodyPr/>
+          <a:lstStyle/>
+          <a:p>
+            <a:fld id="{7E6209E1-ABC8-4D7E-BDD9-246DCBE30A3E}" type="slidenum">
+              <a:rPr lang="fr-FR" smtClean="0"/>
+              <a:pPr/>
+              <a:t>10</a:t>
+            </a:fld>
+            <a:endParaRPr lang="fr-FR"/>
+          </a:p>
+        </p:txBody>
+      </p:sp>
+    </p:spTree>
+  </p:cSld>
+  <p:clrMapOvr>
+    <a:masterClrMapping/>
+  </p:clrMapOvr>
+</p:notes>
+</file>
+
+<file path=ppt/notesSlides/notesSlide7.xml><?xml version="1.0" encoding="utf-8"?>
+<p:notes xmlns:a="http://schemas.openxmlformats.org/drawingml/2006/main" xmlns:r="http://schemas.openxmlformats.org/officeDocument/2006/relationships" xmlns:p="http://schemas.openxmlformats.org/presentationml/2006/main">
+  <p:cSld>
+    <p:spTree>
+      <p:nvGrpSpPr>
+        <p:cNvPr id="1" name=""/>
+        <p:cNvGrpSpPr/>
+        <p:nvPr/>
+      </p:nvGrpSpPr>
+      <p:grpSpPr>
+        <a:xfrm>
+          <a:off x="0" y="0"/>
+          <a:ext cx="0" cy="0"/>
+          <a:chOff x="0" y="0"/>
+          <a:chExt cx="0" cy="0"/>
+        </a:xfrm>
+      </p:grpSpPr>
+      <p:sp>
+        <p:nvSpPr>
+          <p:cNvPr id="2" name="Espace réservé de l'image des diapositives 1"/>
+          <p:cNvSpPr>
+            <a:spLocks noGrp="1" noRot="1" noChangeAspect="1"/>
+          </p:cNvSpPr>
+          <p:nvPr>
+            <p:ph type="sldImg"/>
+          </p:nvPr>
+        </p:nvSpPr>
+        <p:spPr/>
+      </p:sp>
+      <p:sp>
+        <p:nvSpPr>
+          <p:cNvPr id="3" name="Espace réservé des commentaires 2"/>
+          <p:cNvSpPr>
+            <a:spLocks noGrp="1"/>
+          </p:cNvSpPr>
+          <p:nvPr>
+            <p:ph type="body" idx="1"/>
+          </p:nvPr>
+        </p:nvSpPr>
+        <p:spPr/>
+        <p:txBody>
+          <a:bodyPr>
+            <a:normAutofit/>
+          </a:bodyPr>
+          <a:lstStyle/>
+          <a:p>
+            <a:endParaRPr lang="fr-FR" dirty="0"/>
+          </a:p>
+        </p:txBody>
+      </p:sp>
+      <p:sp>
+        <p:nvSpPr>
+          <p:cNvPr id="4" name="Espace réservé du numéro de diapositive 3"/>
+          <p:cNvSpPr>
+            <a:spLocks noGrp="1"/>
+          </p:cNvSpPr>
+          <p:nvPr>
+            <p:ph type="sldNum" sz="quarter" idx="10"/>
+          </p:nvPr>
+        </p:nvSpPr>
+        <p:spPr/>
+        <p:txBody>
+          <a:bodyPr/>
+          <a:lstStyle/>
+          <a:p>
+            <a:fld id="{7E6209E1-ABC8-4D7E-BDD9-246DCBE30A3E}" type="slidenum">
+              <a:rPr lang="fr-FR" smtClean="0"/>
+              <a:pPr/>
+              <a:t>11</a:t>
+            </a:fld>
+            <a:endParaRPr lang="fr-FR"/>
+          </a:p>
+        </p:txBody>
+      </p:sp>
+    </p:spTree>
+  </p:cSld>
+  <p:clrMapOvr>
+    <a:masterClrMapping/>
+  </p:clrMapOvr>
+</p:notes>
+</file>
+
+<file path=ppt/notesSlides/notesSlide8.xml><?xml version="1.0" encoding="utf-8"?>
+<p:notes xmlns:a="http://schemas.openxmlformats.org/drawingml/2006/main" xmlns:r="http://schemas.openxmlformats.org/officeDocument/2006/relationships" xmlns:p="http://schemas.openxmlformats.org/presentationml/2006/main">
+  <p:cSld>
+    <p:spTree>
+      <p:nvGrpSpPr>
+        <p:cNvPr id="1" name=""/>
+        <p:cNvGrpSpPr/>
+        <p:nvPr/>
+      </p:nvGrpSpPr>
+      <p:grpSpPr>
+        <a:xfrm>
+          <a:off x="0" y="0"/>
+          <a:ext cx="0" cy="0"/>
+          <a:chOff x="0" y="0"/>
+          <a:chExt cx="0" cy="0"/>
+        </a:xfrm>
+      </p:grpSpPr>
+      <p:sp>
+        <p:nvSpPr>
+          <p:cNvPr id="2" name="Espace réservé de l'image des diapositives 1"/>
+          <p:cNvSpPr>
+            <a:spLocks noGrp="1" noRot="1" noChangeAspect="1"/>
+          </p:cNvSpPr>
+          <p:nvPr>
+            <p:ph type="sldImg"/>
+          </p:nvPr>
+        </p:nvSpPr>
+        <p:spPr/>
+      </p:sp>
+      <p:sp>
+        <p:nvSpPr>
+          <p:cNvPr id="3" name="Espace réservé des commentaires 2"/>
+          <p:cNvSpPr>
+            <a:spLocks noGrp="1"/>
+          </p:cNvSpPr>
+          <p:nvPr>
+            <p:ph type="body" idx="1"/>
+          </p:nvPr>
+        </p:nvSpPr>
+        <p:spPr/>
+        <p:txBody>
+          <a:bodyPr>
+            <a:normAutofit/>
+          </a:bodyPr>
+          <a:lstStyle/>
+          <a:p>
+            <a:endParaRPr lang="fr-FR" dirty="0"/>
+          </a:p>
+        </p:txBody>
+      </p:sp>
+      <p:sp>
+        <p:nvSpPr>
+          <p:cNvPr id="4" name="Espace réservé du numéro de diapositive 3"/>
+          <p:cNvSpPr>
+            <a:spLocks noGrp="1"/>
+          </p:cNvSpPr>
+          <p:nvPr>
+            <p:ph type="sldNum" sz="quarter" idx="10"/>
+          </p:nvPr>
+        </p:nvSpPr>
+        <p:spPr/>
+        <p:txBody>
+          <a:bodyPr/>
+          <a:lstStyle/>
+          <a:p>
+            <a:fld id="{7E6209E1-ABC8-4D7E-BDD9-246DCBE30A3E}" type="slidenum">
+              <a:rPr lang="fr-FR" smtClean="0"/>
+              <a:pPr/>
+              <a:t>12</a:t>
             </a:fld>
             <a:endParaRPr lang="fr-FR"/>
           </a:p>
@@ -1597,7 +1914,8 @@
           <a:p>
             <a:fld id="{D1AB72DB-2B36-4F14-9350-0913143174F8}" type="datetimeFigureOut">
               <a:rPr lang="fr-FR" smtClean="0"/>
-              <a:t>11/05/2017</a:t>
+              <a:pPr/>
+              <a:t>12/05/2017</a:t>
             </a:fld>
             <a:endParaRPr lang="fr-FR"/>
           </a:p>
@@ -1659,6 +1977,7 @@
           <a:p>
             <a:fld id="{A8C328B4-C016-4A25-B59B-906578B0868C}" type="slidenum">
               <a:rPr lang="fr-FR" smtClean="0"/>
+              <a:pPr/>
               <a:t>‹N°›</a:t>
             </a:fld>
             <a:endParaRPr lang="fr-FR"/>
@@ -1793,7 +2112,8 @@
           <a:p>
             <a:fld id="{D1AB72DB-2B36-4F14-9350-0913143174F8}" type="datetimeFigureOut">
               <a:rPr lang="fr-FR" smtClean="0"/>
-              <a:t>11/05/2017</a:t>
+              <a:pPr/>
+              <a:t>12/05/2017</a:t>
             </a:fld>
             <a:endParaRPr lang="fr-FR"/>
           </a:p>
@@ -1839,6 +2159,7 @@
           <a:p>
             <a:fld id="{A8C328B4-C016-4A25-B59B-906578B0868C}" type="slidenum">
               <a:rPr lang="fr-FR" smtClean="0"/>
+              <a:pPr/>
               <a:t>‹N°›</a:t>
             </a:fld>
             <a:endParaRPr lang="fr-FR"/>
@@ -1978,7 +2299,8 @@
           <a:p>
             <a:fld id="{D1AB72DB-2B36-4F14-9350-0913143174F8}" type="datetimeFigureOut">
               <a:rPr lang="fr-FR" smtClean="0"/>
-              <a:t>11/05/2017</a:t>
+              <a:pPr/>
+              <a:t>12/05/2017</a:t>
             </a:fld>
             <a:endParaRPr lang="fr-FR"/>
           </a:p>
@@ -2024,6 +2346,7 @@
           <a:p>
             <a:fld id="{A8C328B4-C016-4A25-B59B-906578B0868C}" type="slidenum">
               <a:rPr lang="fr-FR" smtClean="0"/>
+              <a:pPr/>
               <a:t>‹N°›</a:t>
             </a:fld>
             <a:endParaRPr lang="fr-FR"/>
@@ -2128,7 +2451,8 @@
           <a:p>
             <a:fld id="{D1AB72DB-2B36-4F14-9350-0913143174F8}" type="datetimeFigureOut">
               <a:rPr lang="fr-FR" smtClean="0"/>
-              <a:t>11/05/2017</a:t>
+              <a:pPr/>
+              <a:t>12/05/2017</a:t>
             </a:fld>
             <a:endParaRPr lang="fr-FR"/>
           </a:p>
@@ -2174,6 +2498,7 @@
           <a:p>
             <a:fld id="{A8C328B4-C016-4A25-B59B-906578B0868C}" type="slidenum">
               <a:rPr lang="fr-FR" smtClean="0"/>
+              <a:pPr/>
               <a:t>‹N°›</a:t>
             </a:fld>
             <a:endParaRPr lang="fr-FR"/>
@@ -2378,7 +2703,8 @@
           <a:p>
             <a:fld id="{D1AB72DB-2B36-4F14-9350-0913143174F8}" type="datetimeFigureOut">
               <a:rPr lang="fr-FR" smtClean="0"/>
-              <a:t>11/05/2017</a:t>
+              <a:pPr/>
+              <a:t>12/05/2017</a:t>
             </a:fld>
             <a:endParaRPr lang="fr-FR"/>
           </a:p>
@@ -2424,6 +2750,7 @@
           <a:p>
             <a:fld id="{A8C328B4-C016-4A25-B59B-906578B0868C}" type="slidenum">
               <a:rPr lang="fr-FR" smtClean="0"/>
+              <a:pPr/>
               <a:t>‹N°›</a:t>
             </a:fld>
             <a:endParaRPr lang="fr-FR"/>
@@ -2782,7 +3109,8 @@
           <a:p>
             <a:fld id="{D1AB72DB-2B36-4F14-9350-0913143174F8}" type="datetimeFigureOut">
               <a:rPr lang="fr-FR" smtClean="0"/>
-              <a:t>11/05/2017</a:t>
+              <a:pPr/>
+              <a:t>12/05/2017</a:t>
             </a:fld>
             <a:endParaRPr lang="fr-FR"/>
           </a:p>
@@ -2828,6 +3156,7 @@
           <a:p>
             <a:fld id="{A8C328B4-C016-4A25-B59B-906578B0868C}" type="slidenum">
               <a:rPr lang="fr-FR" smtClean="0"/>
+              <a:pPr/>
               <a:t>‹N°›</a:t>
             </a:fld>
             <a:endParaRPr lang="fr-FR"/>
@@ -3223,7 +3552,8 @@
           <a:p>
             <a:fld id="{D1AB72DB-2B36-4F14-9350-0913143174F8}" type="datetimeFigureOut">
               <a:rPr lang="fr-FR" smtClean="0"/>
-              <a:t>11/05/2017</a:t>
+              <a:pPr/>
+              <a:t>12/05/2017</a:t>
             </a:fld>
             <a:endParaRPr lang="fr-FR"/>
           </a:p>
@@ -3269,6 +3599,7 @@
           <a:p>
             <a:fld id="{A8C328B4-C016-4A25-B59B-906578B0868C}" type="slidenum">
               <a:rPr lang="fr-FR" smtClean="0"/>
+              <a:pPr/>
               <a:t>‹N°›</a:t>
             </a:fld>
             <a:endParaRPr lang="fr-FR"/>
@@ -3319,7 +3650,8 @@
           <a:p>
             <a:fld id="{D1AB72DB-2B36-4F14-9350-0913143174F8}" type="datetimeFigureOut">
               <a:rPr lang="fr-FR" smtClean="0"/>
-              <a:t>11/05/2017</a:t>
+              <a:pPr/>
+              <a:t>12/05/2017</a:t>
             </a:fld>
             <a:endParaRPr lang="fr-FR"/>
           </a:p>
@@ -3365,6 +3697,7 @@
           <a:p>
             <a:fld id="{A8C328B4-C016-4A25-B59B-906578B0868C}" type="slidenum">
               <a:rPr lang="fr-FR" smtClean="0"/>
+              <a:pPr/>
               <a:t>‹N°›</a:t>
             </a:fld>
             <a:endParaRPr lang="fr-FR"/>
@@ -3440,7 +3773,8 @@
           <a:p>
             <a:fld id="{D1AB72DB-2B36-4F14-9350-0913143174F8}" type="datetimeFigureOut">
               <a:rPr lang="fr-FR" smtClean="0"/>
-              <a:t>11/05/2017</a:t>
+              <a:pPr/>
+              <a:t>12/05/2017</a:t>
             </a:fld>
             <a:endParaRPr lang="fr-FR"/>
           </a:p>
@@ -3486,6 +3820,7 @@
           <a:p>
             <a:fld id="{A8C328B4-C016-4A25-B59B-906578B0868C}" type="slidenum">
               <a:rPr lang="fr-FR" smtClean="0"/>
+              <a:pPr/>
               <a:t>‹N°›</a:t>
             </a:fld>
             <a:endParaRPr lang="fr-FR"/>
@@ -3709,7 +4044,8 @@
           <a:p>
             <a:fld id="{D1AB72DB-2B36-4F14-9350-0913143174F8}" type="datetimeFigureOut">
               <a:rPr lang="fr-FR" smtClean="0"/>
-              <a:t>11/05/2017</a:t>
+              <a:pPr/>
+              <a:t>12/05/2017</a:t>
             </a:fld>
             <a:endParaRPr lang="fr-FR"/>
           </a:p>
@@ -3755,6 +4091,7 @@
           <a:p>
             <a:fld id="{A8C328B4-C016-4A25-B59B-906578B0868C}" type="slidenum">
               <a:rPr lang="fr-FR" smtClean="0"/>
+              <a:pPr/>
               <a:t>‹N°›</a:t>
             </a:fld>
             <a:endParaRPr lang="fr-FR"/>
@@ -3909,7 +4246,8 @@
           <a:p>
             <a:fld id="{D1AB72DB-2B36-4F14-9350-0913143174F8}" type="datetimeFigureOut">
               <a:rPr lang="fr-FR" smtClean="0"/>
-              <a:t>11/05/2017</a:t>
+              <a:pPr/>
+              <a:t>12/05/2017</a:t>
             </a:fld>
             <a:endParaRPr lang="fr-FR"/>
           </a:p>
@@ -3974,6 +4312,7 @@
           <a:p>
             <a:fld id="{A8C328B4-C016-4A25-B59B-906578B0868C}" type="slidenum">
               <a:rPr lang="fr-FR" smtClean="0"/>
+              <a:pPr/>
               <a:t>‹N°›</a:t>
             </a:fld>
             <a:endParaRPr lang="fr-FR"/>
@@ -5018,7 +5357,8 @@
           <a:p>
             <a:fld id="{D1AB72DB-2B36-4F14-9350-0913143174F8}" type="datetimeFigureOut">
               <a:rPr lang="fr-FR" smtClean="0"/>
-              <a:t>11/05/2017</a:t>
+              <a:pPr/>
+              <a:t>12/05/2017</a:t>
             </a:fld>
             <a:endParaRPr lang="fr-FR"/>
           </a:p>
@@ -5094,6 +5434,7 @@
           <a:p>
             <a:fld id="{A8C328B4-C016-4A25-B59B-906578B0868C}" type="slidenum">
               <a:rPr lang="fr-FR" smtClean="0"/>
+              <a:pPr/>
               <a:t>‹N°›</a:t>
             </a:fld>
             <a:endParaRPr lang="fr-FR"/>
@@ -5495,6 +5836,776 @@
 </p:sld>
 </file>
 
+<file path=ppt/slides/slide10.xml><?xml version="1.0" encoding="utf-8"?>
+<p:sld xmlns:a="http://schemas.openxmlformats.org/drawingml/2006/main" xmlns:r="http://schemas.openxmlformats.org/officeDocument/2006/relationships" xmlns:p="http://schemas.openxmlformats.org/presentationml/2006/main">
+  <p:cSld>
+    <p:spTree>
+      <p:nvGrpSpPr>
+        <p:cNvPr id="1" name=""/>
+        <p:cNvGrpSpPr/>
+        <p:nvPr/>
+      </p:nvGrpSpPr>
+      <p:grpSpPr>
+        <a:xfrm>
+          <a:off x="0" y="0"/>
+          <a:ext cx="0" cy="0"/>
+          <a:chOff x="0" y="0"/>
+          <a:chExt cx="0" cy="0"/>
+        </a:xfrm>
+      </p:grpSpPr>
+      <p:sp>
+        <p:nvSpPr>
+          <p:cNvPr id="3" name="Titre 2"/>
+          <p:cNvSpPr>
+            <a:spLocks noGrp="1"/>
+          </p:cNvSpPr>
+          <p:nvPr>
+            <p:ph type="title"/>
+          </p:nvPr>
+        </p:nvSpPr>
+        <p:spPr/>
+        <p:txBody>
+          <a:bodyPr>
+            <a:normAutofit/>
+          </a:bodyPr>
+          <a:lstStyle/>
+          <a:p>
+            <a:pPr algn="r"/>
+            <a:r>
+              <a:rPr lang="fr-FR" sz="1400" dirty="0" smtClean="0"/>
+              <a:t>Présentation de l’application</a:t>
+            </a:r>
+            <a:endParaRPr lang="fr-FR" sz="1400" dirty="0"/>
+          </a:p>
+        </p:txBody>
+      </p:sp>
+      <p:sp>
+        <p:nvSpPr>
+          <p:cNvPr id="10" name="Rectangle 9"/>
+          <p:cNvSpPr/>
+          <p:nvPr/>
+        </p:nvSpPr>
+        <p:spPr>
+          <a:xfrm>
+            <a:off x="467544" y="1268760"/>
+            <a:ext cx="3982180" cy="523220"/>
+          </a:xfrm>
+          <a:prstGeom prst="rect">
+            <a:avLst/>
+          </a:prstGeom>
+        </p:spPr>
+        <p:txBody>
+          <a:bodyPr wrap="none">
+            <a:spAutoFit/>
+          </a:bodyPr>
+          <a:lstStyle/>
+          <a:p>
+            <a:pPr lvl="0"/>
+            <a:r>
+              <a:rPr lang="fr-FR" sz="2800" dirty="0" smtClean="0">
+                <a:solidFill>
+                  <a:srgbClr val="002060"/>
+                </a:solidFill>
+              </a:rPr>
+              <a:t>Architecture logicielle</a:t>
+            </a:r>
+            <a:endParaRPr lang="fr-FR" sz="2800" dirty="0">
+              <a:solidFill>
+                <a:srgbClr val="002060"/>
+              </a:solidFill>
+            </a:endParaRPr>
+          </a:p>
+        </p:txBody>
+      </p:sp>
+      <p:pic>
+        <p:nvPicPr>
+          <p:cNvPr id="7" name="Image 6" descr="mysql-rename-forbid-disable-database-howto-logo.png"/>
+          <p:cNvPicPr>
+            <a:picLocks noChangeAspect="1"/>
+          </p:cNvPicPr>
+          <p:nvPr/>
+        </p:nvPicPr>
+        <p:blipFill>
+          <a:blip r:embed="rId3" cstate="print"/>
+          <a:stretch>
+            <a:fillRect/>
+          </a:stretch>
+        </p:blipFill>
+        <p:spPr>
+          <a:xfrm>
+            <a:off x="5580112" y="4509120"/>
+            <a:ext cx="392071" cy="392071"/>
+          </a:xfrm>
+          <a:prstGeom prst="rect">
+            <a:avLst/>
+          </a:prstGeom>
+        </p:spPr>
+      </p:pic>
+      <p:pic>
+        <p:nvPicPr>
+          <p:cNvPr id="8" name="Image 7" descr="managed-services-icon-png-3.png"/>
+          <p:cNvPicPr>
+            <a:picLocks noChangeAspect="1"/>
+          </p:cNvPicPr>
+          <p:nvPr/>
+        </p:nvPicPr>
+        <p:blipFill>
+          <a:blip r:embed="rId4" cstate="print"/>
+          <a:stretch>
+            <a:fillRect/>
+          </a:stretch>
+        </p:blipFill>
+        <p:spPr>
+          <a:xfrm>
+            <a:off x="4427984" y="5445224"/>
+            <a:ext cx="478351" cy="410951"/>
+          </a:xfrm>
+          <a:prstGeom prst="rect">
+            <a:avLst/>
+          </a:prstGeom>
+        </p:spPr>
+      </p:pic>
+      <p:pic>
+        <p:nvPicPr>
+          <p:cNvPr id="9" name="Image 8" descr="nfc-chip-payment-512.png"/>
+          <p:cNvPicPr>
+            <a:picLocks noChangeAspect="1"/>
+          </p:cNvPicPr>
+          <p:nvPr/>
+        </p:nvPicPr>
+        <p:blipFill>
+          <a:blip r:embed="rId5" cstate="print"/>
+          <a:stretch>
+            <a:fillRect/>
+          </a:stretch>
+        </p:blipFill>
+        <p:spPr>
+          <a:xfrm>
+            <a:off x="6732240" y="5301208"/>
+            <a:ext cx="403133" cy="403133"/>
+          </a:xfrm>
+          <a:prstGeom prst="rect">
+            <a:avLst/>
+          </a:prstGeom>
+        </p:spPr>
+      </p:pic>
+      <p:pic>
+        <p:nvPicPr>
+          <p:cNvPr id="11" name="Image 10" descr="red-share-icon-12.png"/>
+          <p:cNvPicPr>
+            <a:picLocks noChangeAspect="1"/>
+          </p:cNvPicPr>
+          <p:nvPr/>
+        </p:nvPicPr>
+        <p:blipFill>
+          <a:blip r:embed="rId6" cstate="print"/>
+          <a:stretch>
+            <a:fillRect/>
+          </a:stretch>
+        </p:blipFill>
+        <p:spPr>
+          <a:xfrm>
+            <a:off x="5724128" y="6309320"/>
+            <a:ext cx="409369" cy="409369"/>
+          </a:xfrm>
+          <a:prstGeom prst="rect">
+            <a:avLst/>
+          </a:prstGeom>
+        </p:spPr>
+      </p:pic>
+      <p:cxnSp>
+        <p:nvCxnSpPr>
+          <p:cNvPr id="13" name="Connecteur droit avec flèche 12"/>
+          <p:cNvCxnSpPr/>
+          <p:nvPr/>
+        </p:nvCxnSpPr>
+        <p:spPr>
+          <a:xfrm flipV="1">
+            <a:off x="5868144" y="5805264"/>
+            <a:ext cx="0" cy="432047"/>
+          </a:xfrm>
+          <a:prstGeom prst="straightConnector1">
+            <a:avLst/>
+          </a:prstGeom>
+          <a:ln>
+            <a:headEnd type="arrow"/>
+            <a:tailEnd type="arrow"/>
+          </a:ln>
+        </p:spPr>
+        <p:style>
+          <a:lnRef idx="1">
+            <a:schemeClr val="accent1"/>
+          </a:lnRef>
+          <a:fillRef idx="0">
+            <a:schemeClr val="accent1"/>
+          </a:fillRef>
+          <a:effectRef idx="0">
+            <a:schemeClr val="accent1"/>
+          </a:effectRef>
+          <a:fontRef idx="minor">
+            <a:schemeClr val="tx1"/>
+          </a:fontRef>
+        </p:style>
+      </p:cxnSp>
+      <p:cxnSp>
+        <p:nvCxnSpPr>
+          <p:cNvPr id="16" name="Connecteur droit avec flèche 15"/>
+          <p:cNvCxnSpPr/>
+          <p:nvPr/>
+        </p:nvCxnSpPr>
+        <p:spPr>
+          <a:xfrm>
+            <a:off x="6156176" y="5517232"/>
+            <a:ext cx="513023" cy="0"/>
+          </a:xfrm>
+          <a:prstGeom prst="straightConnector1">
+            <a:avLst/>
+          </a:prstGeom>
+          <a:ln>
+            <a:headEnd type="arrow"/>
+            <a:tailEnd type="arrow"/>
+          </a:ln>
+        </p:spPr>
+        <p:style>
+          <a:lnRef idx="1">
+            <a:schemeClr val="accent1"/>
+          </a:lnRef>
+          <a:fillRef idx="0">
+            <a:schemeClr val="accent1"/>
+          </a:fillRef>
+          <a:effectRef idx="0">
+            <a:schemeClr val="accent1"/>
+          </a:effectRef>
+          <a:fontRef idx="minor">
+            <a:schemeClr val="tx1"/>
+          </a:fontRef>
+        </p:style>
+      </p:cxnSp>
+      <p:cxnSp>
+        <p:nvCxnSpPr>
+          <p:cNvPr id="18" name="Connecteur droit avec flèche 17"/>
+          <p:cNvCxnSpPr/>
+          <p:nvPr/>
+        </p:nvCxnSpPr>
+        <p:spPr>
+          <a:xfrm>
+            <a:off x="5004048" y="5589240"/>
+            <a:ext cx="513023" cy="0"/>
+          </a:xfrm>
+          <a:prstGeom prst="straightConnector1">
+            <a:avLst/>
+          </a:prstGeom>
+          <a:ln>
+            <a:headEnd type="arrow"/>
+            <a:tailEnd type="arrow"/>
+          </a:ln>
+        </p:spPr>
+        <p:style>
+          <a:lnRef idx="1">
+            <a:schemeClr val="accent1"/>
+          </a:lnRef>
+          <a:fillRef idx="0">
+            <a:schemeClr val="accent1"/>
+          </a:fillRef>
+          <a:effectRef idx="0">
+            <a:schemeClr val="accent1"/>
+          </a:effectRef>
+          <a:fontRef idx="minor">
+            <a:schemeClr val="tx1"/>
+          </a:fontRef>
+        </p:style>
+      </p:cxnSp>
+      <p:cxnSp>
+        <p:nvCxnSpPr>
+          <p:cNvPr id="19" name="Connecteur droit avec flèche 18"/>
+          <p:cNvCxnSpPr/>
+          <p:nvPr/>
+        </p:nvCxnSpPr>
+        <p:spPr>
+          <a:xfrm flipV="1">
+            <a:off x="4788024" y="4869160"/>
+            <a:ext cx="802432" cy="576064"/>
+          </a:xfrm>
+          <a:prstGeom prst="straightConnector1">
+            <a:avLst/>
+          </a:prstGeom>
+          <a:ln>
+            <a:headEnd type="arrow"/>
+            <a:tailEnd type="arrow"/>
+          </a:ln>
+        </p:spPr>
+        <p:style>
+          <a:lnRef idx="1">
+            <a:schemeClr val="accent1"/>
+          </a:lnRef>
+          <a:fillRef idx="0">
+            <a:schemeClr val="accent1"/>
+          </a:fillRef>
+          <a:effectRef idx="0">
+            <a:schemeClr val="accent1"/>
+          </a:effectRef>
+          <a:fontRef idx="minor">
+            <a:schemeClr val="tx1"/>
+          </a:fontRef>
+        </p:style>
+      </p:cxnSp>
+      <p:cxnSp>
+        <p:nvCxnSpPr>
+          <p:cNvPr id="24" name="Connecteur droit avec flèche 23"/>
+          <p:cNvCxnSpPr/>
+          <p:nvPr/>
+        </p:nvCxnSpPr>
+        <p:spPr>
+          <a:xfrm>
+            <a:off x="4860032" y="5805264"/>
+            <a:ext cx="864096" cy="576064"/>
+          </a:xfrm>
+          <a:prstGeom prst="straightConnector1">
+            <a:avLst/>
+          </a:prstGeom>
+          <a:ln>
+            <a:headEnd type="arrow"/>
+            <a:tailEnd type="arrow"/>
+          </a:ln>
+        </p:spPr>
+        <p:style>
+          <a:lnRef idx="1">
+            <a:schemeClr val="accent1"/>
+          </a:lnRef>
+          <a:fillRef idx="0">
+            <a:schemeClr val="accent1"/>
+          </a:fillRef>
+          <a:effectRef idx="0">
+            <a:schemeClr val="accent1"/>
+          </a:effectRef>
+          <a:fontRef idx="minor">
+            <a:schemeClr val="tx1"/>
+          </a:fontRef>
+        </p:style>
+      </p:cxnSp>
+      <p:pic>
+        <p:nvPicPr>
+          <p:cNvPr id="27" name="Image 26" descr="app_store-512.png"/>
+          <p:cNvPicPr>
+            <a:picLocks noChangeAspect="1"/>
+          </p:cNvPicPr>
+          <p:nvPr/>
+        </p:nvPicPr>
+        <p:blipFill>
+          <a:blip r:embed="rId7" cstate="print"/>
+          <a:stretch>
+            <a:fillRect/>
+          </a:stretch>
+        </p:blipFill>
+        <p:spPr>
+          <a:xfrm>
+            <a:off x="5641686" y="5362782"/>
+            <a:ext cx="370474" cy="370474"/>
+          </a:xfrm>
+          <a:prstGeom prst="rect">
+            <a:avLst/>
+          </a:prstGeom>
+        </p:spPr>
+      </p:pic>
+      <p:pic>
+        <p:nvPicPr>
+          <p:cNvPr id="1026" name="Picture 2"/>
+          <p:cNvPicPr>
+            <a:picLocks noChangeAspect="1" noChangeArrowheads="1"/>
+          </p:cNvPicPr>
+          <p:nvPr/>
+        </p:nvPicPr>
+        <p:blipFill>
+          <a:blip r:embed="rId8" cstate="print"/>
+          <a:srcRect/>
+          <a:stretch>
+            <a:fillRect/>
+          </a:stretch>
+        </p:blipFill>
+        <p:spPr bwMode="auto">
+          <a:xfrm>
+            <a:off x="395536" y="1988840"/>
+            <a:ext cx="1916304" cy="3679304"/>
+          </a:xfrm>
+          <a:prstGeom prst="rect">
+            <a:avLst/>
+          </a:prstGeom>
+          <a:noFill/>
+          <a:ln w="9525">
+            <a:noFill/>
+            <a:miter lim="800000"/>
+            <a:headEnd/>
+            <a:tailEnd/>
+          </a:ln>
+        </p:spPr>
+      </p:pic>
+      <p:pic>
+        <p:nvPicPr>
+          <p:cNvPr id="1028" name="Picture 4"/>
+          <p:cNvPicPr>
+            <a:picLocks noChangeAspect="1" noChangeArrowheads="1"/>
+          </p:cNvPicPr>
+          <p:nvPr/>
+        </p:nvPicPr>
+        <p:blipFill>
+          <a:blip r:embed="rId9" cstate="print"/>
+          <a:srcRect/>
+          <a:stretch>
+            <a:fillRect/>
+          </a:stretch>
+        </p:blipFill>
+        <p:spPr bwMode="auto">
+          <a:xfrm>
+            <a:off x="2411760" y="1988840"/>
+            <a:ext cx="2295525" cy="2971800"/>
+          </a:xfrm>
+          <a:prstGeom prst="rect">
+            <a:avLst/>
+          </a:prstGeom>
+          <a:noFill/>
+          <a:ln w="9525">
+            <a:noFill/>
+            <a:miter lim="800000"/>
+            <a:headEnd/>
+            <a:tailEnd/>
+          </a:ln>
+        </p:spPr>
+      </p:pic>
+      <p:pic>
+        <p:nvPicPr>
+          <p:cNvPr id="1030" name="Picture 6"/>
+          <p:cNvPicPr>
+            <a:picLocks noChangeAspect="1" noChangeArrowheads="1"/>
+          </p:cNvPicPr>
+          <p:nvPr/>
+        </p:nvPicPr>
+        <p:blipFill>
+          <a:blip r:embed="rId10" cstate="print"/>
+          <a:srcRect/>
+          <a:stretch>
+            <a:fillRect/>
+          </a:stretch>
+        </p:blipFill>
+        <p:spPr bwMode="auto">
+          <a:xfrm>
+            <a:off x="4788024" y="1988840"/>
+            <a:ext cx="1733550" cy="914400"/>
+          </a:xfrm>
+          <a:prstGeom prst="rect">
+            <a:avLst/>
+          </a:prstGeom>
+          <a:noFill/>
+          <a:ln w="9525">
+            <a:noFill/>
+            <a:miter lim="800000"/>
+            <a:headEnd/>
+            <a:tailEnd/>
+          </a:ln>
+        </p:spPr>
+      </p:pic>
+      <p:pic>
+        <p:nvPicPr>
+          <p:cNvPr id="1031" name="Picture 7"/>
+          <p:cNvPicPr>
+            <a:picLocks noChangeAspect="1" noChangeArrowheads="1"/>
+          </p:cNvPicPr>
+          <p:nvPr/>
+        </p:nvPicPr>
+        <p:blipFill>
+          <a:blip r:embed="rId11" cstate="print"/>
+          <a:srcRect/>
+          <a:stretch>
+            <a:fillRect/>
+          </a:stretch>
+        </p:blipFill>
+        <p:spPr bwMode="auto">
+          <a:xfrm>
+            <a:off x="4788024" y="2996952"/>
+            <a:ext cx="1724025" cy="704850"/>
+          </a:xfrm>
+          <a:prstGeom prst="rect">
+            <a:avLst/>
+          </a:prstGeom>
+          <a:noFill/>
+          <a:ln w="9525">
+            <a:noFill/>
+            <a:miter lim="800000"/>
+            <a:headEnd/>
+            <a:tailEnd/>
+          </a:ln>
+        </p:spPr>
+      </p:pic>
+      <p:pic>
+        <p:nvPicPr>
+          <p:cNvPr id="1032" name="Picture 8"/>
+          <p:cNvPicPr>
+            <a:picLocks noChangeAspect="1" noChangeArrowheads="1"/>
+          </p:cNvPicPr>
+          <p:nvPr/>
+        </p:nvPicPr>
+        <p:blipFill>
+          <a:blip r:embed="rId12" cstate="print"/>
+          <a:srcRect/>
+          <a:stretch>
+            <a:fillRect/>
+          </a:stretch>
+        </p:blipFill>
+        <p:spPr bwMode="auto">
+          <a:xfrm>
+            <a:off x="6588224" y="1988840"/>
+            <a:ext cx="2019300" cy="3114675"/>
+          </a:xfrm>
+          <a:prstGeom prst="rect">
+            <a:avLst/>
+          </a:prstGeom>
+          <a:noFill/>
+          <a:ln w="9525">
+            <a:noFill/>
+            <a:miter lim="800000"/>
+            <a:headEnd/>
+            <a:tailEnd/>
+          </a:ln>
+        </p:spPr>
+      </p:pic>
+    </p:spTree>
+  </p:cSld>
+  <p:clrMapOvr>
+    <a:masterClrMapping/>
+  </p:clrMapOvr>
+</p:sld>
+</file>
+
+<file path=ppt/slides/slide11.xml><?xml version="1.0" encoding="utf-8"?>
+<p:sld xmlns:a="http://schemas.openxmlformats.org/drawingml/2006/main" xmlns:r="http://schemas.openxmlformats.org/officeDocument/2006/relationships" xmlns:p="http://schemas.openxmlformats.org/presentationml/2006/main">
+  <p:cSld>
+    <p:spTree>
+      <p:nvGrpSpPr>
+        <p:cNvPr id="1" name=""/>
+        <p:cNvGrpSpPr/>
+        <p:nvPr/>
+      </p:nvGrpSpPr>
+      <p:grpSpPr>
+        <a:xfrm>
+          <a:off x="0" y="0"/>
+          <a:ext cx="0" cy="0"/>
+          <a:chOff x="0" y="0"/>
+          <a:chExt cx="0" cy="0"/>
+        </a:xfrm>
+      </p:grpSpPr>
+      <p:sp>
+        <p:nvSpPr>
+          <p:cNvPr id="2" name="Espace réservé du contenu 1"/>
+          <p:cNvSpPr>
+            <a:spLocks noGrp="1"/>
+          </p:cNvSpPr>
+          <p:nvPr>
+            <p:ph idx="1"/>
+          </p:nvPr>
+        </p:nvSpPr>
+        <p:spPr>
+          <a:xfrm>
+            <a:off x="467544" y="1988840"/>
+            <a:ext cx="8229600" cy="3963896"/>
+          </a:xfrm>
+        </p:spPr>
+        <p:txBody>
+          <a:bodyPr>
+            <a:normAutofit/>
+          </a:bodyPr>
+          <a:lstStyle/>
+          <a:p>
+            <a:pPr>
+              <a:buNone/>
+            </a:pPr>
+            <a:r>
+              <a:rPr lang="fr-FR" sz="2000" b="1" dirty="0" smtClean="0"/>
+              <a:t>Ce projet a été mené à bien. </a:t>
+            </a:r>
+            <a:r>
+              <a:rPr lang="fr-FR" sz="2000" dirty="0" smtClean="0"/>
+              <a:t>La bonne coordination entre les membres de l’ équipe et les moyens mis en œuvres ont permis de remplir les objectifs que nous nous étions fixés.</a:t>
+            </a:r>
+          </a:p>
+          <a:p>
+            <a:pPr>
+              <a:buNone/>
+            </a:pPr>
+            <a:endParaRPr lang="fr-FR" sz="2000" dirty="0" smtClean="0"/>
+          </a:p>
+          <a:p>
+            <a:pPr>
+              <a:buNone/>
+            </a:pPr>
+            <a:r>
+              <a:rPr lang="fr-FR" sz="2000" dirty="0" smtClean="0"/>
+              <a:t>Toutefois, l’application aurait pu avoir des fonctionnalités supplémentaire, notamment sur la personnalisation du design par le médecin (changement de couleur, fond personnalisé, ajout d’une signature pour le doc PDF, …) ainsi que des interfaces graphiques un peu plus poussé.</a:t>
+            </a:r>
+            <a:endParaRPr lang="fr-FR" sz="2000" dirty="0" smtClean="0"/>
+          </a:p>
+          <a:p>
+            <a:pPr>
+              <a:buNone/>
+            </a:pPr>
+            <a:endParaRPr lang="fr-FR" sz="2000" b="1" dirty="0" smtClean="0"/>
+          </a:p>
+        </p:txBody>
+      </p:sp>
+      <p:sp>
+        <p:nvSpPr>
+          <p:cNvPr id="3" name="Titre 2"/>
+          <p:cNvSpPr>
+            <a:spLocks noGrp="1"/>
+          </p:cNvSpPr>
+          <p:nvPr>
+            <p:ph type="title"/>
+          </p:nvPr>
+        </p:nvSpPr>
+        <p:spPr/>
+        <p:txBody>
+          <a:bodyPr>
+            <a:normAutofit/>
+          </a:bodyPr>
+          <a:lstStyle/>
+          <a:p>
+            <a:pPr algn="r"/>
+            <a:r>
+              <a:rPr lang="fr-FR" sz="1400" dirty="0" smtClean="0"/>
+              <a:t>Conclusion</a:t>
+            </a:r>
+            <a:endParaRPr lang="fr-FR" sz="1400" dirty="0"/>
+          </a:p>
+        </p:txBody>
+      </p:sp>
+      <p:sp>
+        <p:nvSpPr>
+          <p:cNvPr id="10" name="Rectangle 9"/>
+          <p:cNvSpPr/>
+          <p:nvPr/>
+        </p:nvSpPr>
+        <p:spPr>
+          <a:xfrm>
+            <a:off x="467544" y="1268760"/>
+            <a:ext cx="2119491" cy="523220"/>
+          </a:xfrm>
+          <a:prstGeom prst="rect">
+            <a:avLst/>
+          </a:prstGeom>
+        </p:spPr>
+        <p:txBody>
+          <a:bodyPr wrap="none">
+            <a:spAutoFit/>
+          </a:bodyPr>
+          <a:lstStyle/>
+          <a:p>
+            <a:pPr lvl="0"/>
+            <a:r>
+              <a:rPr lang="fr-FR" sz="2800" dirty="0" smtClean="0">
+                <a:solidFill>
+                  <a:srgbClr val="002060"/>
+                </a:solidFill>
+              </a:rPr>
+              <a:t>Conclusion</a:t>
+            </a:r>
+            <a:endParaRPr lang="fr-FR" sz="2800" dirty="0">
+              <a:solidFill>
+                <a:srgbClr val="002060"/>
+              </a:solidFill>
+            </a:endParaRPr>
+          </a:p>
+        </p:txBody>
+      </p:sp>
+    </p:spTree>
+  </p:cSld>
+  <p:clrMapOvr>
+    <a:masterClrMapping/>
+  </p:clrMapOvr>
+</p:sld>
+</file>
+
+<file path=ppt/slides/slide12.xml><?xml version="1.0" encoding="utf-8"?>
+<p:sld xmlns:a="http://schemas.openxmlformats.org/drawingml/2006/main" xmlns:r="http://schemas.openxmlformats.org/officeDocument/2006/relationships" xmlns:p="http://schemas.openxmlformats.org/presentationml/2006/main">
+  <p:cSld>
+    <p:spTree>
+      <p:nvGrpSpPr>
+        <p:cNvPr id="1" name=""/>
+        <p:cNvGrpSpPr/>
+        <p:nvPr/>
+      </p:nvGrpSpPr>
+      <p:grpSpPr>
+        <a:xfrm>
+          <a:off x="0" y="0"/>
+          <a:ext cx="0" cy="0"/>
+          <a:chOff x="0" y="0"/>
+          <a:chExt cx="0" cy="0"/>
+        </a:xfrm>
+      </p:grpSpPr>
+      <p:sp>
+        <p:nvSpPr>
+          <p:cNvPr id="2" name="Espace réservé du contenu 1"/>
+          <p:cNvSpPr>
+            <a:spLocks noGrp="1"/>
+          </p:cNvSpPr>
+          <p:nvPr>
+            <p:ph idx="1"/>
+          </p:nvPr>
+        </p:nvSpPr>
+        <p:spPr>
+          <a:xfrm>
+            <a:off x="467544" y="1988840"/>
+            <a:ext cx="8229600" cy="3963896"/>
+          </a:xfrm>
+        </p:spPr>
+        <p:txBody>
+          <a:bodyPr>
+            <a:normAutofit/>
+          </a:bodyPr>
+          <a:lstStyle/>
+          <a:p>
+            <a:pPr>
+              <a:buNone/>
+            </a:pPr>
+            <a:r>
+              <a:rPr lang="fr-FR" sz="9600" b="1" dirty="0" smtClean="0"/>
+              <a:t>DES QUESTIONS ?</a:t>
+            </a:r>
+            <a:endParaRPr lang="fr-FR" sz="9600" b="1" dirty="0" smtClean="0"/>
+          </a:p>
+        </p:txBody>
+      </p:sp>
+      <p:sp>
+        <p:nvSpPr>
+          <p:cNvPr id="3" name="Titre 2"/>
+          <p:cNvSpPr>
+            <a:spLocks noGrp="1"/>
+          </p:cNvSpPr>
+          <p:nvPr>
+            <p:ph type="title"/>
+          </p:nvPr>
+        </p:nvSpPr>
+        <p:spPr/>
+        <p:txBody>
+          <a:bodyPr>
+            <a:normAutofit/>
+          </a:bodyPr>
+          <a:lstStyle/>
+          <a:p>
+            <a:pPr algn="r"/>
+            <a:r>
+              <a:rPr lang="fr-FR" sz="1400" dirty="0" smtClean="0"/>
+              <a:t>Question ?</a:t>
+            </a:r>
+            <a:endParaRPr lang="fr-FR" sz="1400" dirty="0"/>
+          </a:p>
+        </p:txBody>
+      </p:sp>
+    </p:spTree>
+  </p:cSld>
+  <p:clrMapOvr>
+    <a:masterClrMapping/>
+  </p:clrMapOvr>
+</p:sld>
+</file>
+
 <file path=ppt/slides/slide2.xml><?xml version="1.0" encoding="utf-8"?>
 <p:sld xmlns:a="http://schemas.openxmlformats.org/drawingml/2006/main" xmlns:r="http://schemas.openxmlformats.org/officeDocument/2006/relationships" xmlns:p="http://schemas.openxmlformats.org/presentationml/2006/main">
   <p:cSld>
@@ -5659,7 +6770,6 @@
               <a:rPr lang="fr-FR" sz="2000" dirty="0" smtClean="0"/>
               <a:t>	</a:t>
             </a:r>
-            <a:endParaRPr lang="fr-FR" sz="2000" dirty="0" smtClean="0"/>
           </a:p>
           <a:p>
             <a:pPr>
@@ -5667,11 +6777,7 @@
             </a:pPr>
             <a:r>
               <a:rPr lang="fr-FR" sz="2000" dirty="0" smtClean="0"/>
-              <a:t>	</a:t>
-            </a:r>
-            <a:r>
-              <a:rPr lang="fr-FR" sz="2000" dirty="0" smtClean="0"/>
-              <a:t>Justifier numériquement les absences scolaire d’un étudiant.</a:t>
+              <a:t>	Justifier numériquement les absences scolaire d’un étudiant.</a:t>
             </a:r>
             <a:endParaRPr lang="fr-FR" sz="2000" dirty="0"/>
           </a:p>
@@ -5733,11 +6839,6 @@
               </a:rPr>
               <a:t>Objectif</a:t>
             </a:r>
-            <a:endParaRPr lang="fr-FR" sz="2800" dirty="0">
-              <a:solidFill>
-                <a:srgbClr val="002060"/>
-              </a:solidFill>
-            </a:endParaRPr>
           </a:p>
         </p:txBody>
       </p:sp>
@@ -5880,13 +6981,8 @@
             </a:pPr>
             <a:r>
               <a:rPr lang="fr-FR" sz="2000" dirty="0" smtClean="0"/>
-              <a:t>Gestion </a:t>
-            </a:r>
-            <a:r>
-              <a:rPr lang="fr-FR" sz="2000" dirty="0" smtClean="0"/>
-              <a:t>du profil médecin.</a:t>
-            </a:r>
-            <a:endParaRPr lang="fr-FR" sz="2000" dirty="0" smtClean="0"/>
+              <a:t>Gestion du profil médecin.</a:t>
+            </a:r>
           </a:p>
           <a:p>
             <a:pPr lvl="1">
@@ -5895,15 +6991,7 @@
             </a:pPr>
             <a:r>
               <a:rPr lang="fr-FR" sz="1600" dirty="0" smtClean="0"/>
-              <a:t>Modification </a:t>
-            </a:r>
-            <a:r>
-              <a:rPr lang="fr-FR" sz="1600" dirty="0" smtClean="0"/>
-              <a:t>des informations d’un </a:t>
-            </a:r>
-            <a:r>
-              <a:rPr lang="fr-FR" sz="1600" dirty="0" smtClean="0"/>
-              <a:t>médecin.</a:t>
+              <a:t>Modification des informations d’un médecin.</a:t>
             </a:r>
           </a:p>
           <a:p>
@@ -5932,7 +7020,6 @@
               <a:rPr lang="fr-FR" sz="2000" dirty="0" smtClean="0"/>
               <a:t>Consultation de l’historique des absences d’un étudiant.</a:t>
             </a:r>
-            <a:endParaRPr lang="fr-FR" sz="2000" dirty="0" smtClean="0"/>
           </a:p>
           <a:p>
             <a:pPr lvl="1">
@@ -6457,7 +7544,6 @@
               <a:rPr lang="fr-FR" sz="2000" b="1" dirty="0" smtClean="0"/>
               <a:t>Langage de programmation: </a:t>
             </a:r>
-            <a:endParaRPr lang="fr-FR" sz="2000" b="1" dirty="0" smtClean="0"/>
           </a:p>
           <a:p>
             <a:pPr>

--- a/doc/Diapo.pptx
+++ b/doc/Diapo.pptx
@@ -5,7 +5,7 @@
     <p:sldMasterId id="2147483660" r:id="rId1"/>
   </p:sldMasterIdLst>
   <p:notesMasterIdLst>
-    <p:notesMasterId r:id="rId14"/>
+    <p:notesMasterId r:id="rId26"/>
   </p:notesMasterIdLst>
   <p:sldIdLst>
     <p:sldId id="256" r:id="rId2"/>
@@ -16,10 +16,22 @@
     <p:sldId id="261" r:id="rId7"/>
     <p:sldId id="262" r:id="rId8"/>
     <p:sldId id="263" r:id="rId9"/>
-    <p:sldId id="264" r:id="rId10"/>
-    <p:sldId id="266" r:id="rId11"/>
-    <p:sldId id="265" r:id="rId12"/>
-    <p:sldId id="267" r:id="rId13"/>
+    <p:sldId id="279" r:id="rId10"/>
+    <p:sldId id="280" r:id="rId11"/>
+    <p:sldId id="281" r:id="rId12"/>
+    <p:sldId id="264" r:id="rId13"/>
+    <p:sldId id="266" r:id="rId14"/>
+    <p:sldId id="265" r:id="rId15"/>
+    <p:sldId id="269" r:id="rId16"/>
+    <p:sldId id="270" r:id="rId17"/>
+    <p:sldId id="275" r:id="rId18"/>
+    <p:sldId id="276" r:id="rId19"/>
+    <p:sldId id="272" r:id="rId20"/>
+    <p:sldId id="273" r:id="rId21"/>
+    <p:sldId id="274" r:id="rId22"/>
+    <p:sldId id="278" r:id="rId23"/>
+    <p:sldId id="268" r:id="rId24"/>
+    <p:sldId id="267" r:id="rId25"/>
   </p:sldIdLst>
   <p:sldSz cx="9144000" cy="6858000" type="screen4x3"/>
   <p:notesSz cx="6858000" cy="9144000"/>
@@ -581,6 +593,826 @@
 </p:notes>
 </file>
 
+<file path=ppt/notesSlides/notesSlide10.xml><?xml version="1.0" encoding="utf-8"?>
+<p:notes xmlns:a="http://schemas.openxmlformats.org/drawingml/2006/main" xmlns:r="http://schemas.openxmlformats.org/officeDocument/2006/relationships" xmlns:p="http://schemas.openxmlformats.org/presentationml/2006/main">
+  <p:cSld>
+    <p:spTree>
+      <p:nvGrpSpPr>
+        <p:cNvPr id="1" name=""/>
+        <p:cNvGrpSpPr/>
+        <p:nvPr/>
+      </p:nvGrpSpPr>
+      <p:grpSpPr>
+        <a:xfrm>
+          <a:off x="0" y="0"/>
+          <a:ext cx="0" cy="0"/>
+          <a:chOff x="0" y="0"/>
+          <a:chExt cx="0" cy="0"/>
+        </a:xfrm>
+      </p:grpSpPr>
+      <p:sp>
+        <p:nvSpPr>
+          <p:cNvPr id="2" name="Espace réservé de l'image des diapositives 1"/>
+          <p:cNvSpPr>
+            <a:spLocks noGrp="1" noRot="1" noChangeAspect="1"/>
+          </p:cNvSpPr>
+          <p:nvPr>
+            <p:ph type="sldImg"/>
+          </p:nvPr>
+        </p:nvSpPr>
+        <p:spPr/>
+      </p:sp>
+      <p:sp>
+        <p:nvSpPr>
+          <p:cNvPr id="3" name="Espace réservé des commentaires 2"/>
+          <p:cNvSpPr>
+            <a:spLocks noGrp="1"/>
+          </p:cNvSpPr>
+          <p:nvPr>
+            <p:ph type="body" idx="1"/>
+          </p:nvPr>
+        </p:nvSpPr>
+        <p:spPr/>
+        <p:txBody>
+          <a:bodyPr>
+            <a:normAutofit/>
+          </a:bodyPr>
+          <a:lstStyle/>
+          <a:p>
+            <a:endParaRPr lang="fr-FR" dirty="0"/>
+          </a:p>
+        </p:txBody>
+      </p:sp>
+      <p:sp>
+        <p:nvSpPr>
+          <p:cNvPr id="4" name="Espace réservé du numéro de diapositive 3"/>
+          <p:cNvSpPr>
+            <a:spLocks noGrp="1"/>
+          </p:cNvSpPr>
+          <p:nvPr>
+            <p:ph type="sldNum" sz="quarter" idx="10"/>
+          </p:nvPr>
+        </p:nvSpPr>
+        <p:spPr/>
+        <p:txBody>
+          <a:bodyPr/>
+          <a:lstStyle/>
+          <a:p>
+            <a:fld id="{7E6209E1-ABC8-4D7E-BDD9-246DCBE30A3E}" type="slidenum">
+              <a:rPr lang="fr-FR" smtClean="0"/>
+              <a:pPr/>
+              <a:t>14</a:t>
+            </a:fld>
+            <a:endParaRPr lang="fr-FR"/>
+          </a:p>
+        </p:txBody>
+      </p:sp>
+    </p:spTree>
+  </p:cSld>
+  <p:clrMapOvr>
+    <a:masterClrMapping/>
+  </p:clrMapOvr>
+</p:notes>
+</file>
+
+<file path=ppt/notesSlides/notesSlide11.xml><?xml version="1.0" encoding="utf-8"?>
+<p:notes xmlns:a="http://schemas.openxmlformats.org/drawingml/2006/main" xmlns:r="http://schemas.openxmlformats.org/officeDocument/2006/relationships" xmlns:p="http://schemas.openxmlformats.org/presentationml/2006/main">
+  <p:cSld>
+    <p:spTree>
+      <p:nvGrpSpPr>
+        <p:cNvPr id="1" name=""/>
+        <p:cNvGrpSpPr/>
+        <p:nvPr/>
+      </p:nvGrpSpPr>
+      <p:grpSpPr>
+        <a:xfrm>
+          <a:off x="0" y="0"/>
+          <a:ext cx="0" cy="0"/>
+          <a:chOff x="0" y="0"/>
+          <a:chExt cx="0" cy="0"/>
+        </a:xfrm>
+      </p:grpSpPr>
+      <p:sp>
+        <p:nvSpPr>
+          <p:cNvPr id="2" name="Espace réservé de l'image des diapositives 1"/>
+          <p:cNvSpPr>
+            <a:spLocks noGrp="1" noRot="1" noChangeAspect="1"/>
+          </p:cNvSpPr>
+          <p:nvPr>
+            <p:ph type="sldImg"/>
+          </p:nvPr>
+        </p:nvSpPr>
+        <p:spPr/>
+      </p:sp>
+      <p:sp>
+        <p:nvSpPr>
+          <p:cNvPr id="3" name="Espace réservé des commentaires 2"/>
+          <p:cNvSpPr>
+            <a:spLocks noGrp="1"/>
+          </p:cNvSpPr>
+          <p:nvPr>
+            <p:ph type="body" idx="1"/>
+          </p:nvPr>
+        </p:nvSpPr>
+        <p:spPr/>
+        <p:txBody>
+          <a:bodyPr>
+            <a:normAutofit/>
+          </a:bodyPr>
+          <a:lstStyle/>
+          <a:p>
+            <a:endParaRPr lang="fr-FR" dirty="0"/>
+          </a:p>
+        </p:txBody>
+      </p:sp>
+      <p:sp>
+        <p:nvSpPr>
+          <p:cNvPr id="4" name="Espace réservé du numéro de diapositive 3"/>
+          <p:cNvSpPr>
+            <a:spLocks noGrp="1"/>
+          </p:cNvSpPr>
+          <p:nvPr>
+            <p:ph type="sldNum" sz="quarter" idx="10"/>
+          </p:nvPr>
+        </p:nvSpPr>
+        <p:spPr/>
+        <p:txBody>
+          <a:bodyPr/>
+          <a:lstStyle/>
+          <a:p>
+            <a:fld id="{7E6209E1-ABC8-4D7E-BDD9-246DCBE30A3E}" type="slidenum">
+              <a:rPr lang="fr-FR" smtClean="0"/>
+              <a:pPr/>
+              <a:t>15</a:t>
+            </a:fld>
+            <a:endParaRPr lang="fr-FR"/>
+          </a:p>
+        </p:txBody>
+      </p:sp>
+    </p:spTree>
+  </p:cSld>
+  <p:clrMapOvr>
+    <a:masterClrMapping/>
+  </p:clrMapOvr>
+</p:notes>
+</file>
+
+<file path=ppt/notesSlides/notesSlide12.xml><?xml version="1.0" encoding="utf-8"?>
+<p:notes xmlns:a="http://schemas.openxmlformats.org/drawingml/2006/main" xmlns:r="http://schemas.openxmlformats.org/officeDocument/2006/relationships" xmlns:p="http://schemas.openxmlformats.org/presentationml/2006/main">
+  <p:cSld>
+    <p:spTree>
+      <p:nvGrpSpPr>
+        <p:cNvPr id="1" name=""/>
+        <p:cNvGrpSpPr/>
+        <p:nvPr/>
+      </p:nvGrpSpPr>
+      <p:grpSpPr>
+        <a:xfrm>
+          <a:off x="0" y="0"/>
+          <a:ext cx="0" cy="0"/>
+          <a:chOff x="0" y="0"/>
+          <a:chExt cx="0" cy="0"/>
+        </a:xfrm>
+      </p:grpSpPr>
+      <p:sp>
+        <p:nvSpPr>
+          <p:cNvPr id="2" name="Espace réservé de l'image des diapositives 1"/>
+          <p:cNvSpPr>
+            <a:spLocks noGrp="1" noRot="1" noChangeAspect="1"/>
+          </p:cNvSpPr>
+          <p:nvPr>
+            <p:ph type="sldImg"/>
+          </p:nvPr>
+        </p:nvSpPr>
+        <p:spPr/>
+      </p:sp>
+      <p:sp>
+        <p:nvSpPr>
+          <p:cNvPr id="3" name="Espace réservé des commentaires 2"/>
+          <p:cNvSpPr>
+            <a:spLocks noGrp="1"/>
+          </p:cNvSpPr>
+          <p:nvPr>
+            <p:ph type="body" idx="1"/>
+          </p:nvPr>
+        </p:nvSpPr>
+        <p:spPr/>
+        <p:txBody>
+          <a:bodyPr>
+            <a:normAutofit/>
+          </a:bodyPr>
+          <a:lstStyle/>
+          <a:p>
+            <a:endParaRPr lang="fr-FR" dirty="0"/>
+          </a:p>
+        </p:txBody>
+      </p:sp>
+      <p:sp>
+        <p:nvSpPr>
+          <p:cNvPr id="4" name="Espace réservé du numéro de diapositive 3"/>
+          <p:cNvSpPr>
+            <a:spLocks noGrp="1"/>
+          </p:cNvSpPr>
+          <p:nvPr>
+            <p:ph type="sldNum" sz="quarter" idx="10"/>
+          </p:nvPr>
+        </p:nvSpPr>
+        <p:spPr/>
+        <p:txBody>
+          <a:bodyPr/>
+          <a:lstStyle/>
+          <a:p>
+            <a:fld id="{7E6209E1-ABC8-4D7E-BDD9-246DCBE30A3E}" type="slidenum">
+              <a:rPr lang="fr-FR" smtClean="0"/>
+              <a:pPr/>
+              <a:t>16</a:t>
+            </a:fld>
+            <a:endParaRPr lang="fr-FR"/>
+          </a:p>
+        </p:txBody>
+      </p:sp>
+    </p:spTree>
+  </p:cSld>
+  <p:clrMapOvr>
+    <a:masterClrMapping/>
+  </p:clrMapOvr>
+</p:notes>
+</file>
+
+<file path=ppt/notesSlides/notesSlide13.xml><?xml version="1.0" encoding="utf-8"?>
+<p:notes xmlns:a="http://schemas.openxmlformats.org/drawingml/2006/main" xmlns:r="http://schemas.openxmlformats.org/officeDocument/2006/relationships" xmlns:p="http://schemas.openxmlformats.org/presentationml/2006/main">
+  <p:cSld>
+    <p:spTree>
+      <p:nvGrpSpPr>
+        <p:cNvPr id="1" name=""/>
+        <p:cNvGrpSpPr/>
+        <p:nvPr/>
+      </p:nvGrpSpPr>
+      <p:grpSpPr>
+        <a:xfrm>
+          <a:off x="0" y="0"/>
+          <a:ext cx="0" cy="0"/>
+          <a:chOff x="0" y="0"/>
+          <a:chExt cx="0" cy="0"/>
+        </a:xfrm>
+      </p:grpSpPr>
+      <p:sp>
+        <p:nvSpPr>
+          <p:cNvPr id="2" name="Espace réservé de l'image des diapositives 1"/>
+          <p:cNvSpPr>
+            <a:spLocks noGrp="1" noRot="1" noChangeAspect="1"/>
+          </p:cNvSpPr>
+          <p:nvPr>
+            <p:ph type="sldImg"/>
+          </p:nvPr>
+        </p:nvSpPr>
+        <p:spPr/>
+      </p:sp>
+      <p:sp>
+        <p:nvSpPr>
+          <p:cNvPr id="3" name="Espace réservé des commentaires 2"/>
+          <p:cNvSpPr>
+            <a:spLocks noGrp="1"/>
+          </p:cNvSpPr>
+          <p:nvPr>
+            <p:ph type="body" idx="1"/>
+          </p:nvPr>
+        </p:nvSpPr>
+        <p:spPr/>
+        <p:txBody>
+          <a:bodyPr>
+            <a:normAutofit/>
+          </a:bodyPr>
+          <a:lstStyle/>
+          <a:p>
+            <a:endParaRPr lang="fr-FR" dirty="0"/>
+          </a:p>
+        </p:txBody>
+      </p:sp>
+      <p:sp>
+        <p:nvSpPr>
+          <p:cNvPr id="4" name="Espace réservé du numéro de diapositive 3"/>
+          <p:cNvSpPr>
+            <a:spLocks noGrp="1"/>
+          </p:cNvSpPr>
+          <p:nvPr>
+            <p:ph type="sldNum" sz="quarter" idx="10"/>
+          </p:nvPr>
+        </p:nvSpPr>
+        <p:spPr/>
+        <p:txBody>
+          <a:bodyPr/>
+          <a:lstStyle/>
+          <a:p>
+            <a:fld id="{7E6209E1-ABC8-4D7E-BDD9-246DCBE30A3E}" type="slidenum">
+              <a:rPr lang="fr-FR" smtClean="0"/>
+              <a:pPr/>
+              <a:t>17</a:t>
+            </a:fld>
+            <a:endParaRPr lang="fr-FR"/>
+          </a:p>
+        </p:txBody>
+      </p:sp>
+    </p:spTree>
+  </p:cSld>
+  <p:clrMapOvr>
+    <a:masterClrMapping/>
+  </p:clrMapOvr>
+</p:notes>
+</file>
+
+<file path=ppt/notesSlides/notesSlide14.xml><?xml version="1.0" encoding="utf-8"?>
+<p:notes xmlns:a="http://schemas.openxmlformats.org/drawingml/2006/main" xmlns:r="http://schemas.openxmlformats.org/officeDocument/2006/relationships" xmlns:p="http://schemas.openxmlformats.org/presentationml/2006/main">
+  <p:cSld>
+    <p:spTree>
+      <p:nvGrpSpPr>
+        <p:cNvPr id="1" name=""/>
+        <p:cNvGrpSpPr/>
+        <p:nvPr/>
+      </p:nvGrpSpPr>
+      <p:grpSpPr>
+        <a:xfrm>
+          <a:off x="0" y="0"/>
+          <a:ext cx="0" cy="0"/>
+          <a:chOff x="0" y="0"/>
+          <a:chExt cx="0" cy="0"/>
+        </a:xfrm>
+      </p:grpSpPr>
+      <p:sp>
+        <p:nvSpPr>
+          <p:cNvPr id="2" name="Espace réservé de l'image des diapositives 1"/>
+          <p:cNvSpPr>
+            <a:spLocks noGrp="1" noRot="1" noChangeAspect="1"/>
+          </p:cNvSpPr>
+          <p:nvPr>
+            <p:ph type="sldImg"/>
+          </p:nvPr>
+        </p:nvSpPr>
+        <p:spPr/>
+      </p:sp>
+      <p:sp>
+        <p:nvSpPr>
+          <p:cNvPr id="3" name="Espace réservé des commentaires 2"/>
+          <p:cNvSpPr>
+            <a:spLocks noGrp="1"/>
+          </p:cNvSpPr>
+          <p:nvPr>
+            <p:ph type="body" idx="1"/>
+          </p:nvPr>
+        </p:nvSpPr>
+        <p:spPr/>
+        <p:txBody>
+          <a:bodyPr>
+            <a:normAutofit/>
+          </a:bodyPr>
+          <a:lstStyle/>
+          <a:p>
+            <a:endParaRPr lang="fr-FR" dirty="0"/>
+          </a:p>
+        </p:txBody>
+      </p:sp>
+      <p:sp>
+        <p:nvSpPr>
+          <p:cNvPr id="4" name="Espace réservé du numéro de diapositive 3"/>
+          <p:cNvSpPr>
+            <a:spLocks noGrp="1"/>
+          </p:cNvSpPr>
+          <p:nvPr>
+            <p:ph type="sldNum" sz="quarter" idx="10"/>
+          </p:nvPr>
+        </p:nvSpPr>
+        <p:spPr/>
+        <p:txBody>
+          <a:bodyPr/>
+          <a:lstStyle/>
+          <a:p>
+            <a:fld id="{7E6209E1-ABC8-4D7E-BDD9-246DCBE30A3E}" type="slidenum">
+              <a:rPr lang="fr-FR" smtClean="0"/>
+              <a:pPr/>
+              <a:t>18</a:t>
+            </a:fld>
+            <a:endParaRPr lang="fr-FR"/>
+          </a:p>
+        </p:txBody>
+      </p:sp>
+    </p:spTree>
+  </p:cSld>
+  <p:clrMapOvr>
+    <a:masterClrMapping/>
+  </p:clrMapOvr>
+</p:notes>
+</file>
+
+<file path=ppt/notesSlides/notesSlide15.xml><?xml version="1.0" encoding="utf-8"?>
+<p:notes xmlns:a="http://schemas.openxmlformats.org/drawingml/2006/main" xmlns:r="http://schemas.openxmlformats.org/officeDocument/2006/relationships" xmlns:p="http://schemas.openxmlformats.org/presentationml/2006/main">
+  <p:cSld>
+    <p:spTree>
+      <p:nvGrpSpPr>
+        <p:cNvPr id="1" name=""/>
+        <p:cNvGrpSpPr/>
+        <p:nvPr/>
+      </p:nvGrpSpPr>
+      <p:grpSpPr>
+        <a:xfrm>
+          <a:off x="0" y="0"/>
+          <a:ext cx="0" cy="0"/>
+          <a:chOff x="0" y="0"/>
+          <a:chExt cx="0" cy="0"/>
+        </a:xfrm>
+      </p:grpSpPr>
+      <p:sp>
+        <p:nvSpPr>
+          <p:cNvPr id="2" name="Espace réservé de l'image des diapositives 1"/>
+          <p:cNvSpPr>
+            <a:spLocks noGrp="1" noRot="1" noChangeAspect="1"/>
+          </p:cNvSpPr>
+          <p:nvPr>
+            <p:ph type="sldImg"/>
+          </p:nvPr>
+        </p:nvSpPr>
+        <p:spPr/>
+      </p:sp>
+      <p:sp>
+        <p:nvSpPr>
+          <p:cNvPr id="3" name="Espace réservé des commentaires 2"/>
+          <p:cNvSpPr>
+            <a:spLocks noGrp="1"/>
+          </p:cNvSpPr>
+          <p:nvPr>
+            <p:ph type="body" idx="1"/>
+          </p:nvPr>
+        </p:nvSpPr>
+        <p:spPr/>
+        <p:txBody>
+          <a:bodyPr>
+            <a:normAutofit/>
+          </a:bodyPr>
+          <a:lstStyle/>
+          <a:p>
+            <a:endParaRPr lang="fr-FR" dirty="0"/>
+          </a:p>
+        </p:txBody>
+      </p:sp>
+      <p:sp>
+        <p:nvSpPr>
+          <p:cNvPr id="4" name="Espace réservé du numéro de diapositive 3"/>
+          <p:cNvSpPr>
+            <a:spLocks noGrp="1"/>
+          </p:cNvSpPr>
+          <p:nvPr>
+            <p:ph type="sldNum" sz="quarter" idx="10"/>
+          </p:nvPr>
+        </p:nvSpPr>
+        <p:spPr/>
+        <p:txBody>
+          <a:bodyPr/>
+          <a:lstStyle/>
+          <a:p>
+            <a:fld id="{7E6209E1-ABC8-4D7E-BDD9-246DCBE30A3E}" type="slidenum">
+              <a:rPr lang="fr-FR" smtClean="0"/>
+              <a:pPr/>
+              <a:t>19</a:t>
+            </a:fld>
+            <a:endParaRPr lang="fr-FR"/>
+          </a:p>
+        </p:txBody>
+      </p:sp>
+    </p:spTree>
+  </p:cSld>
+  <p:clrMapOvr>
+    <a:masterClrMapping/>
+  </p:clrMapOvr>
+</p:notes>
+</file>
+
+<file path=ppt/notesSlides/notesSlide16.xml><?xml version="1.0" encoding="utf-8"?>
+<p:notes xmlns:a="http://schemas.openxmlformats.org/drawingml/2006/main" xmlns:r="http://schemas.openxmlformats.org/officeDocument/2006/relationships" xmlns:p="http://schemas.openxmlformats.org/presentationml/2006/main">
+  <p:cSld>
+    <p:spTree>
+      <p:nvGrpSpPr>
+        <p:cNvPr id="1" name=""/>
+        <p:cNvGrpSpPr/>
+        <p:nvPr/>
+      </p:nvGrpSpPr>
+      <p:grpSpPr>
+        <a:xfrm>
+          <a:off x="0" y="0"/>
+          <a:ext cx="0" cy="0"/>
+          <a:chOff x="0" y="0"/>
+          <a:chExt cx="0" cy="0"/>
+        </a:xfrm>
+      </p:grpSpPr>
+      <p:sp>
+        <p:nvSpPr>
+          <p:cNvPr id="2" name="Espace réservé de l'image des diapositives 1"/>
+          <p:cNvSpPr>
+            <a:spLocks noGrp="1" noRot="1" noChangeAspect="1"/>
+          </p:cNvSpPr>
+          <p:nvPr>
+            <p:ph type="sldImg"/>
+          </p:nvPr>
+        </p:nvSpPr>
+        <p:spPr/>
+      </p:sp>
+      <p:sp>
+        <p:nvSpPr>
+          <p:cNvPr id="3" name="Espace réservé des commentaires 2"/>
+          <p:cNvSpPr>
+            <a:spLocks noGrp="1"/>
+          </p:cNvSpPr>
+          <p:nvPr>
+            <p:ph type="body" idx="1"/>
+          </p:nvPr>
+        </p:nvSpPr>
+        <p:spPr/>
+        <p:txBody>
+          <a:bodyPr>
+            <a:normAutofit/>
+          </a:bodyPr>
+          <a:lstStyle/>
+          <a:p>
+            <a:endParaRPr lang="fr-FR" dirty="0"/>
+          </a:p>
+        </p:txBody>
+      </p:sp>
+      <p:sp>
+        <p:nvSpPr>
+          <p:cNvPr id="4" name="Espace réservé du numéro de diapositive 3"/>
+          <p:cNvSpPr>
+            <a:spLocks noGrp="1"/>
+          </p:cNvSpPr>
+          <p:nvPr>
+            <p:ph type="sldNum" sz="quarter" idx="10"/>
+          </p:nvPr>
+        </p:nvSpPr>
+        <p:spPr/>
+        <p:txBody>
+          <a:bodyPr/>
+          <a:lstStyle/>
+          <a:p>
+            <a:fld id="{7E6209E1-ABC8-4D7E-BDD9-246DCBE30A3E}" type="slidenum">
+              <a:rPr lang="fr-FR" smtClean="0"/>
+              <a:pPr/>
+              <a:t>20</a:t>
+            </a:fld>
+            <a:endParaRPr lang="fr-FR"/>
+          </a:p>
+        </p:txBody>
+      </p:sp>
+    </p:spTree>
+  </p:cSld>
+  <p:clrMapOvr>
+    <a:masterClrMapping/>
+  </p:clrMapOvr>
+</p:notes>
+</file>
+
+<file path=ppt/notesSlides/notesSlide17.xml><?xml version="1.0" encoding="utf-8"?>
+<p:notes xmlns:a="http://schemas.openxmlformats.org/drawingml/2006/main" xmlns:r="http://schemas.openxmlformats.org/officeDocument/2006/relationships" xmlns:p="http://schemas.openxmlformats.org/presentationml/2006/main">
+  <p:cSld>
+    <p:spTree>
+      <p:nvGrpSpPr>
+        <p:cNvPr id="1" name=""/>
+        <p:cNvGrpSpPr/>
+        <p:nvPr/>
+      </p:nvGrpSpPr>
+      <p:grpSpPr>
+        <a:xfrm>
+          <a:off x="0" y="0"/>
+          <a:ext cx="0" cy="0"/>
+          <a:chOff x="0" y="0"/>
+          <a:chExt cx="0" cy="0"/>
+        </a:xfrm>
+      </p:grpSpPr>
+      <p:sp>
+        <p:nvSpPr>
+          <p:cNvPr id="2" name="Espace réservé de l'image des diapositives 1"/>
+          <p:cNvSpPr>
+            <a:spLocks noGrp="1" noRot="1" noChangeAspect="1"/>
+          </p:cNvSpPr>
+          <p:nvPr>
+            <p:ph type="sldImg"/>
+          </p:nvPr>
+        </p:nvSpPr>
+        <p:spPr/>
+      </p:sp>
+      <p:sp>
+        <p:nvSpPr>
+          <p:cNvPr id="3" name="Espace réservé des commentaires 2"/>
+          <p:cNvSpPr>
+            <a:spLocks noGrp="1"/>
+          </p:cNvSpPr>
+          <p:nvPr>
+            <p:ph type="body" idx="1"/>
+          </p:nvPr>
+        </p:nvSpPr>
+        <p:spPr/>
+        <p:txBody>
+          <a:bodyPr>
+            <a:normAutofit/>
+          </a:bodyPr>
+          <a:lstStyle/>
+          <a:p>
+            <a:endParaRPr lang="fr-FR" dirty="0"/>
+          </a:p>
+        </p:txBody>
+      </p:sp>
+      <p:sp>
+        <p:nvSpPr>
+          <p:cNvPr id="4" name="Espace réservé du numéro de diapositive 3"/>
+          <p:cNvSpPr>
+            <a:spLocks noGrp="1"/>
+          </p:cNvSpPr>
+          <p:nvPr>
+            <p:ph type="sldNum" sz="quarter" idx="10"/>
+          </p:nvPr>
+        </p:nvSpPr>
+        <p:spPr/>
+        <p:txBody>
+          <a:bodyPr/>
+          <a:lstStyle/>
+          <a:p>
+            <a:fld id="{7E6209E1-ABC8-4D7E-BDD9-246DCBE30A3E}" type="slidenum">
+              <a:rPr lang="fr-FR" smtClean="0"/>
+              <a:pPr/>
+              <a:t>21</a:t>
+            </a:fld>
+            <a:endParaRPr lang="fr-FR"/>
+          </a:p>
+        </p:txBody>
+      </p:sp>
+    </p:spTree>
+  </p:cSld>
+  <p:clrMapOvr>
+    <a:masterClrMapping/>
+  </p:clrMapOvr>
+</p:notes>
+</file>
+
+<file path=ppt/notesSlides/notesSlide18.xml><?xml version="1.0" encoding="utf-8"?>
+<p:notes xmlns:a="http://schemas.openxmlformats.org/drawingml/2006/main" xmlns:r="http://schemas.openxmlformats.org/officeDocument/2006/relationships" xmlns:p="http://schemas.openxmlformats.org/presentationml/2006/main">
+  <p:cSld>
+    <p:spTree>
+      <p:nvGrpSpPr>
+        <p:cNvPr id="1" name=""/>
+        <p:cNvGrpSpPr/>
+        <p:nvPr/>
+      </p:nvGrpSpPr>
+      <p:grpSpPr>
+        <a:xfrm>
+          <a:off x="0" y="0"/>
+          <a:ext cx="0" cy="0"/>
+          <a:chOff x="0" y="0"/>
+          <a:chExt cx="0" cy="0"/>
+        </a:xfrm>
+      </p:grpSpPr>
+      <p:sp>
+        <p:nvSpPr>
+          <p:cNvPr id="2" name="Espace réservé de l'image des diapositives 1"/>
+          <p:cNvSpPr>
+            <a:spLocks noGrp="1" noRot="1" noChangeAspect="1"/>
+          </p:cNvSpPr>
+          <p:nvPr>
+            <p:ph type="sldImg"/>
+          </p:nvPr>
+        </p:nvSpPr>
+        <p:spPr/>
+      </p:sp>
+      <p:sp>
+        <p:nvSpPr>
+          <p:cNvPr id="3" name="Espace réservé des commentaires 2"/>
+          <p:cNvSpPr>
+            <a:spLocks noGrp="1"/>
+          </p:cNvSpPr>
+          <p:nvPr>
+            <p:ph type="body" idx="1"/>
+          </p:nvPr>
+        </p:nvSpPr>
+        <p:spPr/>
+        <p:txBody>
+          <a:bodyPr>
+            <a:normAutofit/>
+          </a:bodyPr>
+          <a:lstStyle/>
+          <a:p>
+            <a:endParaRPr lang="fr-FR" dirty="0"/>
+          </a:p>
+        </p:txBody>
+      </p:sp>
+      <p:sp>
+        <p:nvSpPr>
+          <p:cNvPr id="4" name="Espace réservé du numéro de diapositive 3"/>
+          <p:cNvSpPr>
+            <a:spLocks noGrp="1"/>
+          </p:cNvSpPr>
+          <p:nvPr>
+            <p:ph type="sldNum" sz="quarter" idx="10"/>
+          </p:nvPr>
+        </p:nvSpPr>
+        <p:spPr/>
+        <p:txBody>
+          <a:bodyPr/>
+          <a:lstStyle/>
+          <a:p>
+            <a:fld id="{7E6209E1-ABC8-4D7E-BDD9-246DCBE30A3E}" type="slidenum">
+              <a:rPr lang="fr-FR" smtClean="0"/>
+              <a:pPr/>
+              <a:t>22</a:t>
+            </a:fld>
+            <a:endParaRPr lang="fr-FR"/>
+          </a:p>
+        </p:txBody>
+      </p:sp>
+    </p:spTree>
+  </p:cSld>
+  <p:clrMapOvr>
+    <a:masterClrMapping/>
+  </p:clrMapOvr>
+</p:notes>
+</file>
+
+<file path=ppt/notesSlides/notesSlide19.xml><?xml version="1.0" encoding="utf-8"?>
+<p:notes xmlns:a="http://schemas.openxmlformats.org/drawingml/2006/main" xmlns:r="http://schemas.openxmlformats.org/officeDocument/2006/relationships" xmlns:p="http://schemas.openxmlformats.org/presentationml/2006/main">
+  <p:cSld>
+    <p:spTree>
+      <p:nvGrpSpPr>
+        <p:cNvPr id="1" name=""/>
+        <p:cNvGrpSpPr/>
+        <p:nvPr/>
+      </p:nvGrpSpPr>
+      <p:grpSpPr>
+        <a:xfrm>
+          <a:off x="0" y="0"/>
+          <a:ext cx="0" cy="0"/>
+          <a:chOff x="0" y="0"/>
+          <a:chExt cx="0" cy="0"/>
+        </a:xfrm>
+      </p:grpSpPr>
+      <p:sp>
+        <p:nvSpPr>
+          <p:cNvPr id="2" name="Espace réservé de l'image des diapositives 1"/>
+          <p:cNvSpPr>
+            <a:spLocks noGrp="1" noRot="1" noChangeAspect="1"/>
+          </p:cNvSpPr>
+          <p:nvPr>
+            <p:ph type="sldImg"/>
+          </p:nvPr>
+        </p:nvSpPr>
+        <p:spPr/>
+      </p:sp>
+      <p:sp>
+        <p:nvSpPr>
+          <p:cNvPr id="3" name="Espace réservé des commentaires 2"/>
+          <p:cNvSpPr>
+            <a:spLocks noGrp="1"/>
+          </p:cNvSpPr>
+          <p:nvPr>
+            <p:ph type="body" idx="1"/>
+          </p:nvPr>
+        </p:nvSpPr>
+        <p:spPr/>
+        <p:txBody>
+          <a:bodyPr>
+            <a:normAutofit/>
+          </a:bodyPr>
+          <a:lstStyle/>
+          <a:p>
+            <a:endParaRPr lang="fr-FR" dirty="0"/>
+          </a:p>
+        </p:txBody>
+      </p:sp>
+      <p:sp>
+        <p:nvSpPr>
+          <p:cNvPr id="4" name="Espace réservé du numéro de diapositive 3"/>
+          <p:cNvSpPr>
+            <a:spLocks noGrp="1"/>
+          </p:cNvSpPr>
+          <p:nvPr>
+            <p:ph type="sldNum" sz="quarter" idx="10"/>
+          </p:nvPr>
+        </p:nvSpPr>
+        <p:spPr/>
+        <p:txBody>
+          <a:bodyPr/>
+          <a:lstStyle/>
+          <a:p>
+            <a:fld id="{7E6209E1-ABC8-4D7E-BDD9-246DCBE30A3E}" type="slidenum">
+              <a:rPr lang="fr-FR" smtClean="0"/>
+              <a:pPr/>
+              <a:t>23</a:t>
+            </a:fld>
+            <a:endParaRPr lang="fr-FR"/>
+          </a:p>
+        </p:txBody>
+      </p:sp>
+    </p:spTree>
+  </p:cSld>
+  <p:clrMapOvr>
+    <a:masterClrMapping/>
+  </p:clrMapOvr>
+</p:notes>
+</file>
+
 <file path=ppt/notesSlides/notesSlide2.xml><?xml version="1.0" encoding="utf-8"?>
 <p:notes xmlns:a="http://schemas.openxmlformats.org/drawingml/2006/main" xmlns:r="http://schemas.openxmlformats.org/officeDocument/2006/relationships" xmlns:p="http://schemas.openxmlformats.org/presentationml/2006/main">
   <p:cSld>
@@ -662,6 +1494,88 @@
               <a:rPr lang="fr-FR" smtClean="0"/>
               <a:pPr/>
               <a:t>6</a:t>
+            </a:fld>
+            <a:endParaRPr lang="fr-FR"/>
+          </a:p>
+        </p:txBody>
+      </p:sp>
+    </p:spTree>
+  </p:cSld>
+  <p:clrMapOvr>
+    <a:masterClrMapping/>
+  </p:clrMapOvr>
+</p:notes>
+</file>
+
+<file path=ppt/notesSlides/notesSlide20.xml><?xml version="1.0" encoding="utf-8"?>
+<p:notes xmlns:a="http://schemas.openxmlformats.org/drawingml/2006/main" xmlns:r="http://schemas.openxmlformats.org/officeDocument/2006/relationships" xmlns:p="http://schemas.openxmlformats.org/presentationml/2006/main">
+  <p:cSld>
+    <p:spTree>
+      <p:nvGrpSpPr>
+        <p:cNvPr id="1" name=""/>
+        <p:cNvGrpSpPr/>
+        <p:nvPr/>
+      </p:nvGrpSpPr>
+      <p:grpSpPr>
+        <a:xfrm>
+          <a:off x="0" y="0"/>
+          <a:ext cx="0" cy="0"/>
+          <a:chOff x="0" y="0"/>
+          <a:chExt cx="0" cy="0"/>
+        </a:xfrm>
+      </p:grpSpPr>
+      <p:sp>
+        <p:nvSpPr>
+          <p:cNvPr id="2" name="Espace réservé de l'image des diapositives 1"/>
+          <p:cNvSpPr>
+            <a:spLocks noGrp="1" noRot="1" noChangeAspect="1"/>
+          </p:cNvSpPr>
+          <p:nvPr>
+            <p:ph type="sldImg"/>
+          </p:nvPr>
+        </p:nvSpPr>
+        <p:spPr/>
+      </p:sp>
+      <p:sp>
+        <p:nvSpPr>
+          <p:cNvPr id="3" name="Espace réservé des commentaires 2"/>
+          <p:cNvSpPr>
+            <a:spLocks noGrp="1"/>
+          </p:cNvSpPr>
+          <p:nvPr>
+            <p:ph type="body" idx="1"/>
+          </p:nvPr>
+        </p:nvSpPr>
+        <p:spPr/>
+        <p:txBody>
+          <a:bodyPr>
+            <a:normAutofit/>
+          </a:bodyPr>
+          <a:lstStyle/>
+          <a:p>
+            <a:endParaRPr lang="fr-FR" dirty="0"/>
+          </a:p>
+        </p:txBody>
+      </p:sp>
+      <p:sp>
+        <p:nvSpPr>
+          <p:cNvPr id="4" name="Espace réservé du numéro de diapositive 3"/>
+          <p:cNvSpPr>
+            <a:spLocks noGrp="1"/>
+          </p:cNvSpPr>
+          <p:nvPr>
+            <p:ph type="sldNum" sz="quarter" idx="10"/>
+          </p:nvPr>
+        </p:nvSpPr>
+        <p:spPr/>
+        <p:txBody>
+          <a:bodyPr/>
+          <a:lstStyle/>
+          <a:p>
+            <a:fld id="{7E6209E1-ABC8-4D7E-BDD9-246DCBE30A3E}" type="slidenum">
+              <a:rPr lang="fr-FR" smtClean="0"/>
+              <a:pPr/>
+              <a:t>24</a:t>
             </a:fld>
             <a:endParaRPr lang="fr-FR"/>
           </a:p>
@@ -885,67 +1799,6 @@
           </a:bodyPr>
           <a:lstStyle/>
           <a:p>
-            <a:r>
-              <a:rPr lang="fr-FR" dirty="0" err="1" smtClean="0"/>
-              <a:t>AbsMedical</a:t>
-            </a:r>
-            <a:r>
-              <a:rPr lang="fr-FR" baseline="0" dirty="0" smtClean="0"/>
-              <a:t> -&gt; contient l’application bureau</a:t>
-            </a:r>
-          </a:p>
-          <a:p>
-            <a:r>
-              <a:rPr lang="fr-FR" baseline="0" dirty="0" err="1" smtClean="0"/>
-              <a:t>AbsMedical.Data</a:t>
-            </a:r>
-            <a:r>
-              <a:rPr lang="fr-FR" baseline="0" dirty="0" smtClean="0"/>
-              <a:t> -&gt; contient la couche d’</a:t>
-            </a:r>
-            <a:r>
-              <a:rPr lang="fr-FR" baseline="0" dirty="0" err="1" smtClean="0"/>
-              <a:t>access</a:t>
-            </a:r>
-            <a:r>
-              <a:rPr lang="fr-FR" baseline="0" dirty="0" smtClean="0"/>
-              <a:t> aux données</a:t>
-            </a:r>
-          </a:p>
-          <a:p>
-            <a:r>
-              <a:rPr lang="fr-FR" baseline="0" dirty="0" err="1" smtClean="0"/>
-              <a:t>AbsMedical.Shared</a:t>
-            </a:r>
-            <a:r>
-              <a:rPr lang="fr-FR" baseline="0" dirty="0" smtClean="0"/>
-              <a:t> -&gt; contient des classes partagé entre les différents projets</a:t>
-            </a:r>
-          </a:p>
-          <a:p>
-            <a:r>
-              <a:rPr lang="fr-FR" baseline="0" dirty="0" smtClean="0"/>
-              <a:t>AbsMedical.NFC -&gt; contient les classes pour la connexion/</a:t>
-            </a:r>
-            <a:r>
-              <a:rPr lang="fr-FR" baseline="0" dirty="0" err="1" smtClean="0"/>
-              <a:t>recuperation</a:t>
-            </a:r>
-            <a:r>
-              <a:rPr lang="fr-FR" baseline="0" dirty="0" smtClean="0"/>
-              <a:t> de l’id de la carte </a:t>
-            </a:r>
-            <a:r>
-              <a:rPr lang="fr-FR" baseline="0" dirty="0" err="1" smtClean="0"/>
-              <a:t>rfid</a:t>
-            </a:r>
-            <a:endParaRPr lang="fr-FR" baseline="0" dirty="0" smtClean="0"/>
-          </a:p>
-          <a:p>
-            <a:r>
-              <a:rPr lang="fr-FR" baseline="0" dirty="0" smtClean="0"/>
-              <a:t>AbsMedical.WCF -&gt; contient les différents web services</a:t>
-            </a:r>
             <a:endParaRPr lang="fr-FR" dirty="0"/>
           </a:p>
         </p:txBody>
@@ -1028,67 +1881,6 @@
           </a:bodyPr>
           <a:lstStyle/>
           <a:p>
-            <a:r>
-              <a:rPr lang="fr-FR" dirty="0" err="1" smtClean="0"/>
-              <a:t>AbsMedical</a:t>
-            </a:r>
-            <a:r>
-              <a:rPr lang="fr-FR" baseline="0" dirty="0" smtClean="0"/>
-              <a:t> -&gt; contient l’application bureau</a:t>
-            </a:r>
-          </a:p>
-          <a:p>
-            <a:r>
-              <a:rPr lang="fr-FR" baseline="0" dirty="0" err="1" smtClean="0"/>
-              <a:t>AbsMedical.Data</a:t>
-            </a:r>
-            <a:r>
-              <a:rPr lang="fr-FR" baseline="0" dirty="0" smtClean="0"/>
-              <a:t> -&gt; contient la couche d’</a:t>
-            </a:r>
-            <a:r>
-              <a:rPr lang="fr-FR" baseline="0" dirty="0" err="1" smtClean="0"/>
-              <a:t>access</a:t>
-            </a:r>
-            <a:r>
-              <a:rPr lang="fr-FR" baseline="0" dirty="0" smtClean="0"/>
-              <a:t> aux données</a:t>
-            </a:r>
-          </a:p>
-          <a:p>
-            <a:r>
-              <a:rPr lang="fr-FR" baseline="0" dirty="0" err="1" smtClean="0"/>
-              <a:t>AbsMedical.Shared</a:t>
-            </a:r>
-            <a:r>
-              <a:rPr lang="fr-FR" baseline="0" dirty="0" smtClean="0"/>
-              <a:t> -&gt; contient des classes partagé entre les différents projets</a:t>
-            </a:r>
-          </a:p>
-          <a:p>
-            <a:r>
-              <a:rPr lang="fr-FR" baseline="0" dirty="0" smtClean="0"/>
-              <a:t>AbsMedical.NFC -&gt; contient les classes pour la connexion/</a:t>
-            </a:r>
-            <a:r>
-              <a:rPr lang="fr-FR" baseline="0" dirty="0" err="1" smtClean="0"/>
-              <a:t>recuperation</a:t>
-            </a:r>
-            <a:r>
-              <a:rPr lang="fr-FR" baseline="0" dirty="0" smtClean="0"/>
-              <a:t> de l’id de la carte </a:t>
-            </a:r>
-            <a:r>
-              <a:rPr lang="fr-FR" baseline="0" dirty="0" err="1" smtClean="0"/>
-              <a:t>rfid</a:t>
-            </a:r>
-            <a:endParaRPr lang="fr-FR" baseline="0" dirty="0" smtClean="0"/>
-          </a:p>
-          <a:p>
-            <a:r>
-              <a:rPr lang="fr-FR" baseline="0" dirty="0" smtClean="0"/>
-              <a:t>AbsMedical.WCF -&gt; contient les différents web services</a:t>
-            </a:r>
             <a:endParaRPr lang="fr-FR" dirty="0"/>
           </a:p>
         </p:txBody>
@@ -1253,6 +2045,67 @@
           </a:bodyPr>
           <a:lstStyle/>
           <a:p>
+            <a:r>
+              <a:rPr lang="fr-FR" dirty="0" err="1" smtClean="0"/>
+              <a:t>AbsMedical</a:t>
+            </a:r>
+            <a:r>
+              <a:rPr lang="fr-FR" baseline="0" dirty="0" smtClean="0"/>
+              <a:t> -&gt; contient l’application bureau</a:t>
+            </a:r>
+          </a:p>
+          <a:p>
+            <a:r>
+              <a:rPr lang="fr-FR" baseline="0" dirty="0" err="1" smtClean="0"/>
+              <a:t>AbsMedical.Data</a:t>
+            </a:r>
+            <a:r>
+              <a:rPr lang="fr-FR" baseline="0" dirty="0" smtClean="0"/>
+              <a:t> -&gt; contient la couche d’</a:t>
+            </a:r>
+            <a:r>
+              <a:rPr lang="fr-FR" baseline="0" dirty="0" err="1" smtClean="0"/>
+              <a:t>access</a:t>
+            </a:r>
+            <a:r>
+              <a:rPr lang="fr-FR" baseline="0" dirty="0" smtClean="0"/>
+              <a:t> aux données</a:t>
+            </a:r>
+          </a:p>
+          <a:p>
+            <a:r>
+              <a:rPr lang="fr-FR" baseline="0" dirty="0" err="1" smtClean="0"/>
+              <a:t>AbsMedical.Shared</a:t>
+            </a:r>
+            <a:r>
+              <a:rPr lang="fr-FR" baseline="0" dirty="0" smtClean="0"/>
+              <a:t> -&gt; contient des classes partagé entre les différents projets</a:t>
+            </a:r>
+          </a:p>
+          <a:p>
+            <a:r>
+              <a:rPr lang="fr-FR" baseline="0" dirty="0" smtClean="0"/>
+              <a:t>AbsMedical.NFC -&gt; contient les classes pour la connexion/</a:t>
+            </a:r>
+            <a:r>
+              <a:rPr lang="fr-FR" baseline="0" dirty="0" err="1" smtClean="0"/>
+              <a:t>recuperation</a:t>
+            </a:r>
+            <a:r>
+              <a:rPr lang="fr-FR" baseline="0" dirty="0" smtClean="0"/>
+              <a:t> de l’id de la carte </a:t>
+            </a:r>
+            <a:r>
+              <a:rPr lang="fr-FR" baseline="0" dirty="0" err="1" smtClean="0"/>
+              <a:t>rfid</a:t>
+            </a:r>
+            <a:endParaRPr lang="fr-FR" baseline="0" dirty="0" smtClean="0"/>
+          </a:p>
+          <a:p>
+            <a:r>
+              <a:rPr lang="fr-FR" baseline="0" dirty="0" smtClean="0"/>
+              <a:t>AbsMedical.WCF -&gt; contient les différents web services</a:t>
+            </a:r>
             <a:endParaRPr lang="fr-FR" dirty="0"/>
           </a:p>
         </p:txBody>
@@ -1276,6 +2129,149 @@
               <a:rPr lang="fr-FR" smtClean="0"/>
               <a:pPr/>
               <a:t>12</a:t>
+            </a:fld>
+            <a:endParaRPr lang="fr-FR"/>
+          </a:p>
+        </p:txBody>
+      </p:sp>
+    </p:spTree>
+  </p:cSld>
+  <p:clrMapOvr>
+    <a:masterClrMapping/>
+  </p:clrMapOvr>
+</p:notes>
+</file>
+
+<file path=ppt/notesSlides/notesSlide9.xml><?xml version="1.0" encoding="utf-8"?>
+<p:notes xmlns:a="http://schemas.openxmlformats.org/drawingml/2006/main" xmlns:r="http://schemas.openxmlformats.org/officeDocument/2006/relationships" xmlns:p="http://schemas.openxmlformats.org/presentationml/2006/main">
+  <p:cSld>
+    <p:spTree>
+      <p:nvGrpSpPr>
+        <p:cNvPr id="1" name=""/>
+        <p:cNvGrpSpPr/>
+        <p:nvPr/>
+      </p:nvGrpSpPr>
+      <p:grpSpPr>
+        <a:xfrm>
+          <a:off x="0" y="0"/>
+          <a:ext cx="0" cy="0"/>
+          <a:chOff x="0" y="0"/>
+          <a:chExt cx="0" cy="0"/>
+        </a:xfrm>
+      </p:grpSpPr>
+      <p:sp>
+        <p:nvSpPr>
+          <p:cNvPr id="2" name="Espace réservé de l'image des diapositives 1"/>
+          <p:cNvSpPr>
+            <a:spLocks noGrp="1" noRot="1" noChangeAspect="1"/>
+          </p:cNvSpPr>
+          <p:nvPr>
+            <p:ph type="sldImg"/>
+          </p:nvPr>
+        </p:nvSpPr>
+        <p:spPr/>
+      </p:sp>
+      <p:sp>
+        <p:nvSpPr>
+          <p:cNvPr id="3" name="Espace réservé des commentaires 2"/>
+          <p:cNvSpPr>
+            <a:spLocks noGrp="1"/>
+          </p:cNvSpPr>
+          <p:nvPr>
+            <p:ph type="body" idx="1"/>
+          </p:nvPr>
+        </p:nvSpPr>
+        <p:spPr/>
+        <p:txBody>
+          <a:bodyPr>
+            <a:normAutofit/>
+          </a:bodyPr>
+          <a:lstStyle/>
+          <a:p>
+            <a:r>
+              <a:rPr lang="fr-FR" dirty="0" err="1" smtClean="0"/>
+              <a:t>AbsMedical</a:t>
+            </a:r>
+            <a:r>
+              <a:rPr lang="fr-FR" baseline="0" dirty="0" smtClean="0"/>
+              <a:t> -&gt; contient l’application bureau</a:t>
+            </a:r>
+          </a:p>
+          <a:p>
+            <a:r>
+              <a:rPr lang="fr-FR" baseline="0" dirty="0" err="1" smtClean="0"/>
+              <a:t>AbsMedical.Data</a:t>
+            </a:r>
+            <a:r>
+              <a:rPr lang="fr-FR" baseline="0" dirty="0" smtClean="0"/>
+              <a:t> -&gt; contient la couche d’</a:t>
+            </a:r>
+            <a:r>
+              <a:rPr lang="fr-FR" baseline="0" dirty="0" err="1" smtClean="0"/>
+              <a:t>access</a:t>
+            </a:r>
+            <a:r>
+              <a:rPr lang="fr-FR" baseline="0" dirty="0" smtClean="0"/>
+              <a:t> aux données</a:t>
+            </a:r>
+          </a:p>
+          <a:p>
+            <a:r>
+              <a:rPr lang="fr-FR" baseline="0" dirty="0" err="1" smtClean="0"/>
+              <a:t>AbsMedical.Shared</a:t>
+            </a:r>
+            <a:r>
+              <a:rPr lang="fr-FR" baseline="0" dirty="0" smtClean="0"/>
+              <a:t> -&gt; contient des classes partagé entre les différents projets</a:t>
+            </a:r>
+          </a:p>
+          <a:p>
+            <a:r>
+              <a:rPr lang="fr-FR" baseline="0" dirty="0" smtClean="0"/>
+              <a:t>AbsMedical.NFC -&gt; contient les classes pour la connexion/</a:t>
+            </a:r>
+            <a:r>
+              <a:rPr lang="fr-FR" baseline="0" dirty="0" err="1" smtClean="0"/>
+              <a:t>recuperation</a:t>
+            </a:r>
+            <a:r>
+              <a:rPr lang="fr-FR" baseline="0" dirty="0" smtClean="0"/>
+              <a:t> de l’id de la carte </a:t>
+            </a:r>
+            <a:r>
+              <a:rPr lang="fr-FR" baseline="0" dirty="0" err="1" smtClean="0"/>
+              <a:t>rfid</a:t>
+            </a:r>
+            <a:endParaRPr lang="fr-FR" baseline="0" dirty="0" smtClean="0"/>
+          </a:p>
+          <a:p>
+            <a:r>
+              <a:rPr lang="fr-FR" baseline="0" dirty="0" smtClean="0"/>
+              <a:t>AbsMedical.WCF -&gt; contient les différents web services</a:t>
+            </a:r>
+            <a:endParaRPr lang="fr-FR" dirty="0"/>
+          </a:p>
+        </p:txBody>
+      </p:sp>
+      <p:sp>
+        <p:nvSpPr>
+          <p:cNvPr id="4" name="Espace réservé du numéro de diapositive 3"/>
+          <p:cNvSpPr>
+            <a:spLocks noGrp="1"/>
+          </p:cNvSpPr>
+          <p:nvPr>
+            <p:ph type="sldNum" sz="quarter" idx="10"/>
+          </p:nvPr>
+        </p:nvSpPr>
+        <p:spPr/>
+        <p:txBody>
+          <a:bodyPr/>
+          <a:lstStyle/>
+          <a:p>
+            <a:fld id="{7E6209E1-ABC8-4D7E-BDD9-246DCBE30A3E}" type="slidenum">
+              <a:rPr lang="fr-FR" smtClean="0"/>
+              <a:pPr/>
+              <a:t>13</a:t>
             </a:fld>
             <a:endParaRPr lang="fr-FR"/>
           </a:p>
@@ -5873,6 +6869,358 @@
             <a:pPr algn="r"/>
             <a:r>
               <a:rPr lang="fr-FR" sz="1400" dirty="0" smtClean="0"/>
+              <a:t>Technologies utilisés</a:t>
+            </a:r>
+            <a:endParaRPr lang="fr-FR" sz="1400" dirty="0"/>
+          </a:p>
+        </p:txBody>
+      </p:sp>
+      <p:sp>
+        <p:nvSpPr>
+          <p:cNvPr id="10" name="Rectangle 9"/>
+          <p:cNvSpPr/>
+          <p:nvPr/>
+        </p:nvSpPr>
+        <p:spPr>
+          <a:xfrm>
+            <a:off x="467544" y="1268760"/>
+            <a:ext cx="4703532" cy="523220"/>
+          </a:xfrm>
+          <a:prstGeom prst="rect">
+            <a:avLst/>
+          </a:prstGeom>
+        </p:spPr>
+        <p:txBody>
+          <a:bodyPr wrap="none">
+            <a:spAutoFit/>
+          </a:bodyPr>
+          <a:lstStyle/>
+          <a:p>
+            <a:pPr lvl="0"/>
+            <a:r>
+              <a:rPr lang="fr-FR" sz="2800" dirty="0" err="1" smtClean="0">
+                <a:solidFill>
+                  <a:srgbClr val="002060"/>
+                </a:solidFill>
+              </a:rPr>
+              <a:t>Entity</a:t>
+            </a:r>
+            <a:r>
+              <a:rPr lang="fr-FR" sz="2800" dirty="0" smtClean="0">
+                <a:solidFill>
+                  <a:srgbClr val="002060"/>
+                </a:solidFill>
+              </a:rPr>
+              <a:t> Framework - Model</a:t>
+            </a:r>
+            <a:endParaRPr lang="fr-FR" sz="2800" dirty="0">
+              <a:solidFill>
+                <a:srgbClr val="002060"/>
+              </a:solidFill>
+            </a:endParaRPr>
+          </a:p>
+        </p:txBody>
+      </p:sp>
+      <p:pic>
+        <p:nvPicPr>
+          <p:cNvPr id="11266" name="Picture 2"/>
+          <p:cNvPicPr>
+            <a:picLocks noGrp="1" noChangeAspect="1" noChangeArrowheads="1"/>
+          </p:cNvPicPr>
+          <p:nvPr>
+            <p:ph idx="1"/>
+          </p:nvPr>
+        </p:nvPicPr>
+        <p:blipFill>
+          <a:blip r:embed="rId3" cstate="print"/>
+          <a:srcRect/>
+          <a:stretch>
+            <a:fillRect/>
+          </a:stretch>
+        </p:blipFill>
+        <p:spPr bwMode="auto">
+          <a:xfrm>
+            <a:off x="683568" y="1844824"/>
+            <a:ext cx="5544616" cy="4796800"/>
+          </a:xfrm>
+          <a:prstGeom prst="rect">
+            <a:avLst/>
+          </a:prstGeom>
+          <a:noFill/>
+          <a:ln w="9525">
+            <a:noFill/>
+            <a:miter lim="800000"/>
+            <a:headEnd/>
+            <a:tailEnd/>
+          </a:ln>
+        </p:spPr>
+      </p:pic>
+    </p:spTree>
+  </p:cSld>
+  <p:clrMapOvr>
+    <a:masterClrMapping/>
+  </p:clrMapOvr>
+</p:sld>
+</file>
+
+<file path=ppt/slides/slide11.xml><?xml version="1.0" encoding="utf-8"?>
+<p:sld xmlns:a="http://schemas.openxmlformats.org/drawingml/2006/main" xmlns:r="http://schemas.openxmlformats.org/officeDocument/2006/relationships" xmlns:p="http://schemas.openxmlformats.org/presentationml/2006/main">
+  <p:cSld>
+    <p:spTree>
+      <p:nvGrpSpPr>
+        <p:cNvPr id="1" name=""/>
+        <p:cNvGrpSpPr/>
+        <p:nvPr/>
+      </p:nvGrpSpPr>
+      <p:grpSpPr>
+        <a:xfrm>
+          <a:off x="0" y="0"/>
+          <a:ext cx="0" cy="0"/>
+          <a:chOff x="0" y="0"/>
+          <a:chExt cx="0" cy="0"/>
+        </a:xfrm>
+      </p:grpSpPr>
+      <p:sp>
+        <p:nvSpPr>
+          <p:cNvPr id="3" name="Titre 2"/>
+          <p:cNvSpPr>
+            <a:spLocks noGrp="1"/>
+          </p:cNvSpPr>
+          <p:nvPr>
+            <p:ph type="title"/>
+          </p:nvPr>
+        </p:nvSpPr>
+        <p:spPr/>
+        <p:txBody>
+          <a:bodyPr>
+            <a:normAutofit/>
+          </a:bodyPr>
+          <a:lstStyle/>
+          <a:p>
+            <a:pPr algn="r"/>
+            <a:r>
+              <a:rPr lang="fr-FR" sz="1400" dirty="0" smtClean="0"/>
+              <a:t>Technologies utilisés</a:t>
+            </a:r>
+            <a:endParaRPr lang="fr-FR" sz="1400" dirty="0"/>
+          </a:p>
+        </p:txBody>
+      </p:sp>
+      <p:sp>
+        <p:nvSpPr>
+          <p:cNvPr id="10" name="Rectangle 9"/>
+          <p:cNvSpPr/>
+          <p:nvPr/>
+        </p:nvSpPr>
+        <p:spPr>
+          <a:xfrm>
+            <a:off x="467544" y="1268760"/>
+            <a:ext cx="7281160" cy="523220"/>
+          </a:xfrm>
+          <a:prstGeom prst="rect">
+            <a:avLst/>
+          </a:prstGeom>
+        </p:spPr>
+        <p:txBody>
+          <a:bodyPr wrap="none">
+            <a:spAutoFit/>
+          </a:bodyPr>
+          <a:lstStyle/>
+          <a:p>
+            <a:pPr lvl="0"/>
+            <a:r>
+              <a:rPr lang="fr-FR" sz="2800" dirty="0" err="1" smtClean="0">
+                <a:solidFill>
+                  <a:srgbClr val="002060"/>
+                </a:solidFill>
+              </a:rPr>
+              <a:t>Entity</a:t>
+            </a:r>
+            <a:r>
+              <a:rPr lang="fr-FR" sz="2800" dirty="0" smtClean="0">
+                <a:solidFill>
+                  <a:srgbClr val="002060"/>
+                </a:solidFill>
+              </a:rPr>
+              <a:t> Framework – Exemple d’utilisation</a:t>
+            </a:r>
+            <a:endParaRPr lang="fr-FR" sz="2800" dirty="0">
+              <a:solidFill>
+                <a:srgbClr val="002060"/>
+              </a:solidFill>
+            </a:endParaRPr>
+          </a:p>
+        </p:txBody>
+      </p:sp>
+      <p:pic>
+        <p:nvPicPr>
+          <p:cNvPr id="12292" name="Picture 4"/>
+          <p:cNvPicPr>
+            <a:picLocks noChangeAspect="1" noChangeArrowheads="1"/>
+          </p:cNvPicPr>
+          <p:nvPr/>
+        </p:nvPicPr>
+        <p:blipFill>
+          <a:blip r:embed="rId3" cstate="print"/>
+          <a:srcRect/>
+          <a:stretch>
+            <a:fillRect/>
+          </a:stretch>
+        </p:blipFill>
+        <p:spPr bwMode="auto">
+          <a:xfrm>
+            <a:off x="251520" y="1988840"/>
+            <a:ext cx="8572450" cy="4278014"/>
+          </a:xfrm>
+          <a:prstGeom prst="rect">
+            <a:avLst/>
+          </a:prstGeom>
+          <a:noFill/>
+          <a:ln w="9525">
+            <a:noFill/>
+            <a:miter lim="800000"/>
+            <a:headEnd/>
+            <a:tailEnd/>
+          </a:ln>
+        </p:spPr>
+      </p:pic>
+    </p:spTree>
+  </p:cSld>
+  <p:clrMapOvr>
+    <a:masterClrMapping/>
+  </p:clrMapOvr>
+</p:sld>
+</file>
+
+<file path=ppt/slides/slide12.xml><?xml version="1.0" encoding="utf-8"?>
+<p:sld xmlns:a="http://schemas.openxmlformats.org/drawingml/2006/main" xmlns:r="http://schemas.openxmlformats.org/officeDocument/2006/relationships" xmlns:p="http://schemas.openxmlformats.org/presentationml/2006/main">
+  <p:cSld>
+    <p:spTree>
+      <p:nvGrpSpPr>
+        <p:cNvPr id="1" name=""/>
+        <p:cNvGrpSpPr/>
+        <p:nvPr/>
+      </p:nvGrpSpPr>
+      <p:grpSpPr>
+        <a:xfrm>
+          <a:off x="0" y="0"/>
+          <a:ext cx="0" cy="0"/>
+          <a:chOff x="0" y="0"/>
+          <a:chExt cx="0" cy="0"/>
+        </a:xfrm>
+      </p:grpSpPr>
+      <p:sp>
+        <p:nvSpPr>
+          <p:cNvPr id="2" name="Espace réservé du contenu 1"/>
+          <p:cNvSpPr>
+            <a:spLocks noGrp="1"/>
+          </p:cNvSpPr>
+          <p:nvPr>
+            <p:ph idx="1"/>
+          </p:nvPr>
+        </p:nvSpPr>
+        <p:spPr>
+          <a:xfrm>
+            <a:off x="467544" y="1988840"/>
+            <a:ext cx="8229600" cy="1872208"/>
+          </a:xfrm>
+        </p:spPr>
+        <p:txBody>
+          <a:bodyPr>
+            <a:normAutofit/>
+          </a:bodyPr>
+          <a:lstStyle/>
+          <a:p>
+            <a:pPr>
+              <a:buNone/>
+            </a:pPr>
+            <a:r>
+              <a:rPr lang="fr-FR" sz="2000" dirty="0" smtClean="0"/>
+              <a:t>L’application (solution) est composé de 5 projets:</a:t>
+            </a:r>
+          </a:p>
+          <a:p>
+            <a:pPr lvl="1">
+              <a:buFont typeface="Wingdings" pitchFamily="2" charset="2"/>
+              <a:buChar char="§"/>
+            </a:pPr>
+            <a:r>
+              <a:rPr lang="fr-FR" sz="1600" b="1" dirty="0" err="1" smtClean="0"/>
+              <a:t>AbsMedical</a:t>
+            </a:r>
+            <a:endParaRPr lang="fr-FR" sz="1600" b="1" dirty="0" smtClean="0"/>
+          </a:p>
+          <a:p>
+            <a:pPr lvl="1">
+              <a:buFont typeface="Wingdings" pitchFamily="2" charset="2"/>
+              <a:buChar char="§"/>
+            </a:pPr>
+            <a:r>
+              <a:rPr lang="fr-FR" sz="1600" b="1" dirty="0" err="1" smtClean="0"/>
+              <a:t>AbsMedical.Data</a:t>
+            </a:r>
+            <a:endParaRPr lang="fr-FR" sz="1600" b="1" dirty="0" smtClean="0"/>
+          </a:p>
+          <a:p>
+            <a:pPr lvl="1">
+              <a:buFont typeface="Wingdings" pitchFamily="2" charset="2"/>
+              <a:buChar char="§"/>
+            </a:pPr>
+            <a:r>
+              <a:rPr lang="fr-FR" sz="1600" b="1" dirty="0" err="1" smtClean="0"/>
+              <a:t>AbsMedical.Shared</a:t>
+            </a:r>
+            <a:endParaRPr lang="fr-FR" sz="1600" b="1" dirty="0" smtClean="0"/>
+          </a:p>
+          <a:p>
+            <a:pPr lvl="1">
+              <a:buFont typeface="Wingdings" pitchFamily="2" charset="2"/>
+              <a:buChar char="§"/>
+            </a:pPr>
+            <a:r>
+              <a:rPr lang="fr-FR" sz="1600" b="1" dirty="0" smtClean="0"/>
+              <a:t>AbsMedical.NFC</a:t>
+            </a:r>
+          </a:p>
+          <a:p>
+            <a:pPr lvl="1">
+              <a:buFont typeface="Wingdings" pitchFamily="2" charset="2"/>
+              <a:buChar char="§"/>
+            </a:pPr>
+            <a:r>
+              <a:rPr lang="fr-FR" sz="1600" b="1" dirty="0" smtClean="0"/>
+              <a:t>AbsMedical.WCF</a:t>
+            </a:r>
+            <a:endParaRPr lang="fr-FR" sz="2000" b="1" dirty="0" smtClean="0"/>
+          </a:p>
+          <a:p>
+            <a:pPr lvl="1">
+              <a:buNone/>
+            </a:pPr>
+            <a:endParaRPr lang="fr-FR" sz="2000" b="1" dirty="0" smtClean="0"/>
+          </a:p>
+        </p:txBody>
+      </p:sp>
+      <p:sp>
+        <p:nvSpPr>
+          <p:cNvPr id="3" name="Titre 2"/>
+          <p:cNvSpPr>
+            <a:spLocks noGrp="1"/>
+          </p:cNvSpPr>
+          <p:nvPr>
+            <p:ph type="title"/>
+          </p:nvPr>
+        </p:nvSpPr>
+        <p:spPr/>
+        <p:txBody>
+          <a:bodyPr>
+            <a:normAutofit/>
+          </a:bodyPr>
+          <a:lstStyle/>
+          <a:p>
+            <a:pPr algn="r"/>
+            <a:r>
+              <a:rPr lang="fr-FR" sz="1400" dirty="0" smtClean="0"/>
               <a:t>Présentation de l’application</a:t>
             </a:r>
             <a:endParaRPr lang="fr-FR" sz="1400" dirty="0"/>
@@ -5933,8 +7281,8 @@
         </p:blipFill>
         <p:spPr>
           <a:xfrm>
-            <a:off x="5580112" y="4509120"/>
-            <a:ext cx="392071" cy="392071"/>
+            <a:off x="4932040" y="3068960"/>
+            <a:ext cx="620688" cy="620688"/>
           </a:xfrm>
           <a:prstGeom prst="rect">
             <a:avLst/>
@@ -5957,8 +7305,8 @@
         </p:blipFill>
         <p:spPr>
           <a:xfrm>
-            <a:off x="4427984" y="5445224"/>
-            <a:ext cx="478351" cy="410951"/>
+            <a:off x="3131840" y="4509120"/>
+            <a:ext cx="757278" cy="650577"/>
           </a:xfrm>
           <a:prstGeom prst="rect">
             <a:avLst/>
@@ -5981,8 +7329,8 @@
         </p:blipFill>
         <p:spPr>
           <a:xfrm>
-            <a:off x="6732240" y="5301208"/>
-            <a:ext cx="403133" cy="403133"/>
+            <a:off x="6804248" y="4518992"/>
+            <a:ext cx="638200" cy="638200"/>
           </a:xfrm>
           <a:prstGeom prst="rect">
             <a:avLst/>
@@ -6005,8 +7353,8 @@
         </p:blipFill>
         <p:spPr>
           <a:xfrm>
-            <a:off x="5724128" y="6309320"/>
-            <a:ext cx="409369" cy="409369"/>
+            <a:off x="5004048" y="5877272"/>
+            <a:ext cx="648072" cy="648072"/>
           </a:xfrm>
           <a:prstGeom prst="rect">
             <a:avLst/>
@@ -6021,8 +7369,8 @@
         </p:nvCxnSpPr>
         <p:spPr>
           <a:xfrm flipV="1">
-            <a:off x="5868144" y="5805264"/>
-            <a:ext cx="0" cy="432047"/>
+            <a:off x="5292080" y="5157192"/>
+            <a:ext cx="0" cy="648072"/>
           </a:xfrm>
           <a:prstGeom prst="straightConnector1">
             <a:avLst/>
@@ -6055,8 +7403,8 @@
         </p:nvCxnSpPr>
         <p:spPr>
           <a:xfrm>
-            <a:off x="6156176" y="5517232"/>
-            <a:ext cx="513023" cy="0"/>
+            <a:off x="5652120" y="4797152"/>
+            <a:ext cx="1008112" cy="0"/>
           </a:xfrm>
           <a:prstGeom prst="straightConnector1">
             <a:avLst/>
@@ -6089,8 +7437,8 @@
         </p:nvCxnSpPr>
         <p:spPr>
           <a:xfrm>
-            <a:off x="5004048" y="5589240"/>
-            <a:ext cx="513023" cy="0"/>
+            <a:off x="3923928" y="4797152"/>
+            <a:ext cx="1008112" cy="0"/>
           </a:xfrm>
           <a:prstGeom prst="straightConnector1">
             <a:avLst/>
@@ -6123,8 +7471,8 @@
         </p:nvCxnSpPr>
         <p:spPr>
           <a:xfrm flipV="1">
-            <a:off x="4788024" y="4869160"/>
-            <a:ext cx="802432" cy="576064"/>
+            <a:off x="3779912" y="3645024"/>
+            <a:ext cx="1152128" cy="792088"/>
           </a:xfrm>
           <a:prstGeom prst="straightConnector1">
             <a:avLst/>
@@ -6157,8 +7505,8 @@
         </p:nvCxnSpPr>
         <p:spPr>
           <a:xfrm>
-            <a:off x="4860032" y="5805264"/>
-            <a:ext cx="864096" cy="576064"/>
+            <a:off x="3779912" y="5157192"/>
+            <a:ext cx="1152128" cy="720080"/>
           </a:xfrm>
           <a:prstGeom prst="straightConnector1">
             <a:avLst/>
@@ -6199,172 +7547,12 @@
         </p:blipFill>
         <p:spPr>
           <a:xfrm>
-            <a:off x="5641686" y="5362782"/>
-            <a:ext cx="370474" cy="370474"/>
+            <a:off x="4993614" y="4509120"/>
+            <a:ext cx="586498" cy="586498"/>
           </a:xfrm>
           <a:prstGeom prst="rect">
             <a:avLst/>
           </a:prstGeom>
-        </p:spPr>
-      </p:pic>
-      <p:pic>
-        <p:nvPicPr>
-          <p:cNvPr id="1026" name="Picture 2"/>
-          <p:cNvPicPr>
-            <a:picLocks noChangeAspect="1" noChangeArrowheads="1"/>
-          </p:cNvPicPr>
-          <p:nvPr/>
-        </p:nvPicPr>
-        <p:blipFill>
-          <a:blip r:embed="rId8" cstate="print"/>
-          <a:srcRect/>
-          <a:stretch>
-            <a:fillRect/>
-          </a:stretch>
-        </p:blipFill>
-        <p:spPr bwMode="auto">
-          <a:xfrm>
-            <a:off x="395536" y="1988840"/>
-            <a:ext cx="1916304" cy="3679304"/>
-          </a:xfrm>
-          <a:prstGeom prst="rect">
-            <a:avLst/>
-          </a:prstGeom>
-          <a:noFill/>
-          <a:ln w="9525">
-            <a:noFill/>
-            <a:miter lim="800000"/>
-            <a:headEnd/>
-            <a:tailEnd/>
-          </a:ln>
-        </p:spPr>
-      </p:pic>
-      <p:pic>
-        <p:nvPicPr>
-          <p:cNvPr id="1028" name="Picture 4"/>
-          <p:cNvPicPr>
-            <a:picLocks noChangeAspect="1" noChangeArrowheads="1"/>
-          </p:cNvPicPr>
-          <p:nvPr/>
-        </p:nvPicPr>
-        <p:blipFill>
-          <a:blip r:embed="rId9" cstate="print"/>
-          <a:srcRect/>
-          <a:stretch>
-            <a:fillRect/>
-          </a:stretch>
-        </p:blipFill>
-        <p:spPr bwMode="auto">
-          <a:xfrm>
-            <a:off x="2411760" y="1988840"/>
-            <a:ext cx="2295525" cy="2971800"/>
-          </a:xfrm>
-          <a:prstGeom prst="rect">
-            <a:avLst/>
-          </a:prstGeom>
-          <a:noFill/>
-          <a:ln w="9525">
-            <a:noFill/>
-            <a:miter lim="800000"/>
-            <a:headEnd/>
-            <a:tailEnd/>
-          </a:ln>
-        </p:spPr>
-      </p:pic>
-      <p:pic>
-        <p:nvPicPr>
-          <p:cNvPr id="1030" name="Picture 6"/>
-          <p:cNvPicPr>
-            <a:picLocks noChangeAspect="1" noChangeArrowheads="1"/>
-          </p:cNvPicPr>
-          <p:nvPr/>
-        </p:nvPicPr>
-        <p:blipFill>
-          <a:blip r:embed="rId10" cstate="print"/>
-          <a:srcRect/>
-          <a:stretch>
-            <a:fillRect/>
-          </a:stretch>
-        </p:blipFill>
-        <p:spPr bwMode="auto">
-          <a:xfrm>
-            <a:off x="4788024" y="1988840"/>
-            <a:ext cx="1733550" cy="914400"/>
-          </a:xfrm>
-          <a:prstGeom prst="rect">
-            <a:avLst/>
-          </a:prstGeom>
-          <a:noFill/>
-          <a:ln w="9525">
-            <a:noFill/>
-            <a:miter lim="800000"/>
-            <a:headEnd/>
-            <a:tailEnd/>
-          </a:ln>
-        </p:spPr>
-      </p:pic>
-      <p:pic>
-        <p:nvPicPr>
-          <p:cNvPr id="1031" name="Picture 7"/>
-          <p:cNvPicPr>
-            <a:picLocks noChangeAspect="1" noChangeArrowheads="1"/>
-          </p:cNvPicPr>
-          <p:nvPr/>
-        </p:nvPicPr>
-        <p:blipFill>
-          <a:blip r:embed="rId11" cstate="print"/>
-          <a:srcRect/>
-          <a:stretch>
-            <a:fillRect/>
-          </a:stretch>
-        </p:blipFill>
-        <p:spPr bwMode="auto">
-          <a:xfrm>
-            <a:off x="4788024" y="2996952"/>
-            <a:ext cx="1724025" cy="704850"/>
-          </a:xfrm>
-          <a:prstGeom prst="rect">
-            <a:avLst/>
-          </a:prstGeom>
-          <a:noFill/>
-          <a:ln w="9525">
-            <a:noFill/>
-            <a:miter lim="800000"/>
-            <a:headEnd/>
-            <a:tailEnd/>
-          </a:ln>
-        </p:spPr>
-      </p:pic>
-      <p:pic>
-        <p:nvPicPr>
-          <p:cNvPr id="1032" name="Picture 8"/>
-          <p:cNvPicPr>
-            <a:picLocks noChangeAspect="1" noChangeArrowheads="1"/>
-          </p:cNvPicPr>
-          <p:nvPr/>
-        </p:nvPicPr>
-        <p:blipFill>
-          <a:blip r:embed="rId12" cstate="print"/>
-          <a:srcRect/>
-          <a:stretch>
-            <a:fillRect/>
-          </a:stretch>
-        </p:blipFill>
-        <p:spPr bwMode="auto">
-          <a:xfrm>
-            <a:off x="6588224" y="1988840"/>
-            <a:ext cx="2019300" cy="3114675"/>
-          </a:xfrm>
-          <a:prstGeom prst="rect">
-            <a:avLst/>
-          </a:prstGeom>
-          <a:noFill/>
-          <a:ln w="9525">
-            <a:noFill/>
-            <a:miter lim="800000"/>
-            <a:headEnd/>
-            <a:tailEnd/>
-          </a:ln>
         </p:spPr>
       </p:pic>
     </p:spTree>
@@ -6375,7 +7563,7 @@
 </p:sld>
 </file>
 
-<file path=ppt/slides/slide11.xml><?xml version="1.0" encoding="utf-8"?>
+<file path=ppt/slides/slide13.xml><?xml version="1.0" encoding="utf-8"?>
 <p:sld xmlns:a="http://schemas.openxmlformats.org/drawingml/2006/main" xmlns:r="http://schemas.openxmlformats.org/officeDocument/2006/relationships" xmlns:p="http://schemas.openxmlformats.org/presentationml/2006/main">
   <p:cSld>
     <p:spTree>
@@ -6394,1814 +7582,6 @@
       </p:grpSpPr>
       <p:sp>
         <p:nvSpPr>
-          <p:cNvPr id="2" name="Espace réservé du contenu 1"/>
-          <p:cNvSpPr>
-            <a:spLocks noGrp="1"/>
-          </p:cNvSpPr>
-          <p:nvPr>
-            <p:ph idx="1"/>
-          </p:nvPr>
-        </p:nvSpPr>
-        <p:spPr>
-          <a:xfrm>
-            <a:off x="467544" y="1988840"/>
-            <a:ext cx="8229600" cy="3963896"/>
-          </a:xfrm>
-        </p:spPr>
-        <p:txBody>
-          <a:bodyPr>
-            <a:normAutofit/>
-          </a:bodyPr>
-          <a:lstStyle/>
-          <a:p>
-            <a:pPr>
-              <a:buNone/>
-            </a:pPr>
-            <a:r>
-              <a:rPr lang="fr-FR" sz="2000" b="1" dirty="0" smtClean="0"/>
-              <a:t>Ce projet a été mené à bien. </a:t>
-            </a:r>
-            <a:r>
-              <a:rPr lang="fr-FR" sz="2000" dirty="0" smtClean="0"/>
-              <a:t>La bonne coordination entre les membres de l’ équipe et les moyens mis en œuvres ont permis de remplir les objectifs que nous nous étions fixés.</a:t>
-            </a:r>
-          </a:p>
-          <a:p>
-            <a:pPr>
-              <a:buNone/>
-            </a:pPr>
-            <a:endParaRPr lang="fr-FR" sz="2000" dirty="0" smtClean="0"/>
-          </a:p>
-          <a:p>
-            <a:pPr>
-              <a:buNone/>
-            </a:pPr>
-            <a:r>
-              <a:rPr lang="fr-FR" sz="2000" dirty="0" smtClean="0"/>
-              <a:t>Toutefois, l’application aurait pu avoir des fonctionnalités supplémentaire, notamment sur la personnalisation du design par le médecin (changement de couleur, fond personnalisé, ajout d’une signature pour le doc PDF, …) ainsi que des interfaces graphiques un peu plus poussé.</a:t>
-            </a:r>
-            <a:endParaRPr lang="fr-FR" sz="2000" dirty="0" smtClean="0"/>
-          </a:p>
-          <a:p>
-            <a:pPr>
-              <a:buNone/>
-            </a:pPr>
-            <a:endParaRPr lang="fr-FR" sz="2000" b="1" dirty="0" smtClean="0"/>
-          </a:p>
-        </p:txBody>
-      </p:sp>
-      <p:sp>
-        <p:nvSpPr>
-          <p:cNvPr id="3" name="Titre 2"/>
-          <p:cNvSpPr>
-            <a:spLocks noGrp="1"/>
-          </p:cNvSpPr>
-          <p:nvPr>
-            <p:ph type="title"/>
-          </p:nvPr>
-        </p:nvSpPr>
-        <p:spPr/>
-        <p:txBody>
-          <a:bodyPr>
-            <a:normAutofit/>
-          </a:bodyPr>
-          <a:lstStyle/>
-          <a:p>
-            <a:pPr algn="r"/>
-            <a:r>
-              <a:rPr lang="fr-FR" sz="1400" dirty="0" smtClean="0"/>
-              <a:t>Conclusion</a:t>
-            </a:r>
-            <a:endParaRPr lang="fr-FR" sz="1400" dirty="0"/>
-          </a:p>
-        </p:txBody>
-      </p:sp>
-      <p:sp>
-        <p:nvSpPr>
-          <p:cNvPr id="10" name="Rectangle 9"/>
-          <p:cNvSpPr/>
-          <p:nvPr/>
-        </p:nvSpPr>
-        <p:spPr>
-          <a:xfrm>
-            <a:off x="467544" y="1268760"/>
-            <a:ext cx="2119491" cy="523220"/>
-          </a:xfrm>
-          <a:prstGeom prst="rect">
-            <a:avLst/>
-          </a:prstGeom>
-        </p:spPr>
-        <p:txBody>
-          <a:bodyPr wrap="none">
-            <a:spAutoFit/>
-          </a:bodyPr>
-          <a:lstStyle/>
-          <a:p>
-            <a:pPr lvl="0"/>
-            <a:r>
-              <a:rPr lang="fr-FR" sz="2800" dirty="0" smtClean="0">
-                <a:solidFill>
-                  <a:srgbClr val="002060"/>
-                </a:solidFill>
-              </a:rPr>
-              <a:t>Conclusion</a:t>
-            </a:r>
-            <a:endParaRPr lang="fr-FR" sz="2800" dirty="0">
-              <a:solidFill>
-                <a:srgbClr val="002060"/>
-              </a:solidFill>
-            </a:endParaRPr>
-          </a:p>
-        </p:txBody>
-      </p:sp>
-    </p:spTree>
-  </p:cSld>
-  <p:clrMapOvr>
-    <a:masterClrMapping/>
-  </p:clrMapOvr>
-</p:sld>
-</file>
-
-<file path=ppt/slides/slide12.xml><?xml version="1.0" encoding="utf-8"?>
-<p:sld xmlns:a="http://schemas.openxmlformats.org/drawingml/2006/main" xmlns:r="http://schemas.openxmlformats.org/officeDocument/2006/relationships" xmlns:p="http://schemas.openxmlformats.org/presentationml/2006/main">
-  <p:cSld>
-    <p:spTree>
-      <p:nvGrpSpPr>
-        <p:cNvPr id="1" name=""/>
-        <p:cNvGrpSpPr/>
-        <p:nvPr/>
-      </p:nvGrpSpPr>
-      <p:grpSpPr>
-        <a:xfrm>
-          <a:off x="0" y="0"/>
-          <a:ext cx="0" cy="0"/>
-          <a:chOff x="0" y="0"/>
-          <a:chExt cx="0" cy="0"/>
-        </a:xfrm>
-      </p:grpSpPr>
-      <p:sp>
-        <p:nvSpPr>
-          <p:cNvPr id="2" name="Espace réservé du contenu 1"/>
-          <p:cNvSpPr>
-            <a:spLocks noGrp="1"/>
-          </p:cNvSpPr>
-          <p:nvPr>
-            <p:ph idx="1"/>
-          </p:nvPr>
-        </p:nvSpPr>
-        <p:spPr>
-          <a:xfrm>
-            <a:off x="467544" y="1988840"/>
-            <a:ext cx="8229600" cy="3963896"/>
-          </a:xfrm>
-        </p:spPr>
-        <p:txBody>
-          <a:bodyPr>
-            <a:normAutofit/>
-          </a:bodyPr>
-          <a:lstStyle/>
-          <a:p>
-            <a:pPr>
-              <a:buNone/>
-            </a:pPr>
-            <a:r>
-              <a:rPr lang="fr-FR" sz="9600" b="1" dirty="0" smtClean="0"/>
-              <a:t>DES QUESTIONS ?</a:t>
-            </a:r>
-            <a:endParaRPr lang="fr-FR" sz="9600" b="1" dirty="0" smtClean="0"/>
-          </a:p>
-        </p:txBody>
-      </p:sp>
-      <p:sp>
-        <p:nvSpPr>
-          <p:cNvPr id="3" name="Titre 2"/>
-          <p:cNvSpPr>
-            <a:spLocks noGrp="1"/>
-          </p:cNvSpPr>
-          <p:nvPr>
-            <p:ph type="title"/>
-          </p:nvPr>
-        </p:nvSpPr>
-        <p:spPr/>
-        <p:txBody>
-          <a:bodyPr>
-            <a:normAutofit/>
-          </a:bodyPr>
-          <a:lstStyle/>
-          <a:p>
-            <a:pPr algn="r"/>
-            <a:r>
-              <a:rPr lang="fr-FR" sz="1400" dirty="0" smtClean="0"/>
-              <a:t>Question ?</a:t>
-            </a:r>
-            <a:endParaRPr lang="fr-FR" sz="1400" dirty="0"/>
-          </a:p>
-        </p:txBody>
-      </p:sp>
-    </p:spTree>
-  </p:cSld>
-  <p:clrMapOvr>
-    <a:masterClrMapping/>
-  </p:clrMapOvr>
-</p:sld>
-</file>
-
-<file path=ppt/slides/slide2.xml><?xml version="1.0" encoding="utf-8"?>
-<p:sld xmlns:a="http://schemas.openxmlformats.org/drawingml/2006/main" xmlns:r="http://schemas.openxmlformats.org/officeDocument/2006/relationships" xmlns:p="http://schemas.openxmlformats.org/presentationml/2006/main">
-  <p:cSld>
-    <p:spTree>
-      <p:nvGrpSpPr>
-        <p:cNvPr id="1" name=""/>
-        <p:cNvGrpSpPr/>
-        <p:nvPr/>
-      </p:nvGrpSpPr>
-      <p:grpSpPr>
-        <a:xfrm>
-          <a:off x="0" y="0"/>
-          <a:ext cx="0" cy="0"/>
-          <a:chOff x="0" y="0"/>
-          <a:chExt cx="0" cy="0"/>
-        </a:xfrm>
-      </p:grpSpPr>
-      <p:sp>
-        <p:nvSpPr>
-          <p:cNvPr id="2" name="Espace réservé du contenu 1"/>
-          <p:cNvSpPr>
-            <a:spLocks noGrp="1"/>
-          </p:cNvSpPr>
-          <p:nvPr>
-            <p:ph idx="1"/>
-          </p:nvPr>
-        </p:nvSpPr>
-        <p:spPr/>
-        <p:txBody>
-          <a:bodyPr/>
-          <a:lstStyle/>
-          <a:p>
-            <a:r>
-              <a:rPr lang="fr-FR" dirty="0" smtClean="0"/>
-              <a:t>Présentation du projet</a:t>
-            </a:r>
-          </a:p>
-          <a:p>
-            <a:r>
-              <a:rPr lang="fr-FR" dirty="0" smtClean="0"/>
-              <a:t>Technologies utilisées</a:t>
-            </a:r>
-          </a:p>
-          <a:p>
-            <a:r>
-              <a:rPr lang="fr-FR" dirty="0" smtClean="0"/>
-              <a:t>Présentation de l’application</a:t>
-            </a:r>
-          </a:p>
-          <a:p>
-            <a:r>
-              <a:rPr lang="fr-FR" dirty="0" smtClean="0"/>
-              <a:t>Démo</a:t>
-            </a:r>
-          </a:p>
-          <a:p>
-            <a:r>
-              <a:rPr lang="fr-FR" dirty="0" smtClean="0"/>
-              <a:t>Conclusion</a:t>
-            </a:r>
-          </a:p>
-          <a:p>
-            <a:r>
-              <a:rPr lang="fr-FR" dirty="0" smtClean="0"/>
-              <a:t>Question ?</a:t>
-            </a:r>
-            <a:endParaRPr lang="fr-FR" dirty="0"/>
-          </a:p>
-        </p:txBody>
-      </p:sp>
-      <p:sp>
-        <p:nvSpPr>
-          <p:cNvPr id="3" name="Titre 2"/>
-          <p:cNvSpPr>
-            <a:spLocks noGrp="1"/>
-          </p:cNvSpPr>
-          <p:nvPr>
-            <p:ph type="title"/>
-          </p:nvPr>
-        </p:nvSpPr>
-        <p:spPr/>
-        <p:txBody>
-          <a:bodyPr/>
-          <a:lstStyle/>
-          <a:p>
-            <a:r>
-              <a:rPr lang="fr-FR" dirty="0" smtClean="0"/>
-              <a:t>Sommaire</a:t>
-            </a:r>
-            <a:endParaRPr lang="fr-FR" dirty="0"/>
-          </a:p>
-        </p:txBody>
-      </p:sp>
-    </p:spTree>
-  </p:cSld>
-  <p:clrMapOvr>
-    <a:masterClrMapping/>
-  </p:clrMapOvr>
-</p:sld>
-</file>
-
-<file path=ppt/slides/slide3.xml><?xml version="1.0" encoding="utf-8"?>
-<p:sld xmlns:a="http://schemas.openxmlformats.org/drawingml/2006/main" xmlns:r="http://schemas.openxmlformats.org/officeDocument/2006/relationships" xmlns:p="http://schemas.openxmlformats.org/presentationml/2006/main">
-  <p:cSld>
-    <p:spTree>
-      <p:nvGrpSpPr>
-        <p:cNvPr id="1" name=""/>
-        <p:cNvGrpSpPr/>
-        <p:nvPr/>
-      </p:nvGrpSpPr>
-      <p:grpSpPr>
-        <a:xfrm>
-          <a:off x="0" y="0"/>
-          <a:ext cx="0" cy="0"/>
-          <a:chOff x="0" y="0"/>
-          <a:chExt cx="0" cy="0"/>
-        </a:xfrm>
-      </p:grpSpPr>
-      <p:sp>
-        <p:nvSpPr>
-          <p:cNvPr id="2" name="Espace réservé du contenu 1"/>
-          <p:cNvSpPr>
-            <a:spLocks noGrp="1"/>
-          </p:cNvSpPr>
-          <p:nvPr>
-            <p:ph idx="1"/>
-          </p:nvPr>
-        </p:nvSpPr>
-        <p:spPr>
-          <a:xfrm>
-            <a:off x="467544" y="1988840"/>
-            <a:ext cx="8229600" cy="3963896"/>
-          </a:xfrm>
-        </p:spPr>
-        <p:txBody>
-          <a:bodyPr>
-            <a:normAutofit/>
-          </a:bodyPr>
-          <a:lstStyle/>
-          <a:p>
-            <a:pPr>
-              <a:buNone/>
-            </a:pPr>
-            <a:r>
-              <a:rPr lang="fr-FR" sz="2000" dirty="0" smtClean="0"/>
-              <a:t>	</a:t>
-            </a:r>
-            <a:r>
-              <a:rPr lang="fr-FR" sz="2000" dirty="0" err="1" smtClean="0"/>
-              <a:t>AbsMedical</a:t>
-            </a:r>
-            <a:r>
-              <a:rPr lang="fr-FR" sz="2000" dirty="0" smtClean="0"/>
-              <a:t> est une application bureau à destination des médecins dont le but est simple: </a:t>
-            </a:r>
-          </a:p>
-          <a:p>
-            <a:pPr>
-              <a:buNone/>
-            </a:pPr>
-            <a:r>
-              <a:rPr lang="fr-FR" sz="2000" dirty="0" smtClean="0"/>
-              <a:t>	</a:t>
-            </a:r>
-          </a:p>
-          <a:p>
-            <a:pPr>
-              <a:buNone/>
-            </a:pPr>
-            <a:r>
-              <a:rPr lang="fr-FR" sz="2000" dirty="0" smtClean="0"/>
-              <a:t>	Justifier numériquement les absences scolaire d’un étudiant.</a:t>
-            </a:r>
-            <a:endParaRPr lang="fr-FR" sz="2000" dirty="0"/>
-          </a:p>
-        </p:txBody>
-      </p:sp>
-      <p:sp>
-        <p:nvSpPr>
-          <p:cNvPr id="3" name="Titre 2"/>
-          <p:cNvSpPr>
-            <a:spLocks noGrp="1"/>
-          </p:cNvSpPr>
-          <p:nvPr>
-            <p:ph type="title"/>
-          </p:nvPr>
-        </p:nvSpPr>
-        <p:spPr/>
-        <p:txBody>
-          <a:bodyPr>
-            <a:normAutofit/>
-          </a:bodyPr>
-          <a:lstStyle/>
-          <a:p>
-            <a:pPr algn="r"/>
-            <a:r>
-              <a:rPr lang="fr-FR" sz="1400" dirty="0" smtClean="0"/>
-              <a:t>Présentation et objectif</a:t>
-            </a:r>
-            <a:endParaRPr lang="fr-FR" sz="1400" dirty="0"/>
-          </a:p>
-        </p:txBody>
-      </p:sp>
-      <p:sp>
-        <p:nvSpPr>
-          <p:cNvPr id="10" name="Rectangle 9"/>
-          <p:cNvSpPr/>
-          <p:nvPr/>
-        </p:nvSpPr>
-        <p:spPr>
-          <a:xfrm>
-            <a:off x="467544" y="1268760"/>
-            <a:ext cx="1553630" cy="523220"/>
-          </a:xfrm>
-          <a:prstGeom prst="rect">
-            <a:avLst/>
-          </a:prstGeom>
-        </p:spPr>
-        <p:txBody>
-          <a:bodyPr wrap="none">
-            <a:spAutoFit/>
-          </a:bodyPr>
-          <a:lstStyle/>
-          <a:p>
-            <a:pPr lvl="0"/>
-            <a:r>
-              <a:rPr lang="fr-FR" sz="2800" dirty="0">
-                <a:solidFill>
-                  <a:srgbClr val="002060"/>
-                </a:solidFill>
-              </a:rPr>
-              <a:t>Objectif</a:t>
-            </a:r>
-          </a:p>
-        </p:txBody>
-      </p:sp>
-    </p:spTree>
-  </p:cSld>
-  <p:clrMapOvr>
-    <a:masterClrMapping/>
-  </p:clrMapOvr>
-</p:sld>
-</file>
-
-<file path=ppt/slides/slide4.xml><?xml version="1.0" encoding="utf-8"?>
-<p:sld xmlns:a="http://schemas.openxmlformats.org/drawingml/2006/main" xmlns:r="http://schemas.openxmlformats.org/officeDocument/2006/relationships" xmlns:p="http://schemas.openxmlformats.org/presentationml/2006/main">
-  <p:cSld>
-    <p:spTree>
-      <p:nvGrpSpPr>
-        <p:cNvPr id="1" name=""/>
-        <p:cNvGrpSpPr/>
-        <p:nvPr/>
-      </p:nvGrpSpPr>
-      <p:grpSpPr>
-        <a:xfrm>
-          <a:off x="0" y="0"/>
-          <a:ext cx="0" cy="0"/>
-          <a:chOff x="0" y="0"/>
-          <a:chExt cx="0" cy="0"/>
-        </a:xfrm>
-      </p:grpSpPr>
-      <p:sp>
-        <p:nvSpPr>
-          <p:cNvPr id="2" name="Espace réservé du contenu 1"/>
-          <p:cNvSpPr>
-            <a:spLocks noGrp="1"/>
-          </p:cNvSpPr>
-          <p:nvPr>
-            <p:ph idx="1"/>
-          </p:nvPr>
-        </p:nvSpPr>
-        <p:spPr>
-          <a:xfrm>
-            <a:off x="467544" y="1988840"/>
-            <a:ext cx="8229600" cy="3963896"/>
-          </a:xfrm>
-        </p:spPr>
-        <p:txBody>
-          <a:bodyPr>
-            <a:normAutofit lnSpcReduction="10000"/>
-          </a:bodyPr>
-          <a:lstStyle/>
-          <a:p>
-            <a:pPr>
-              <a:buFont typeface="Wingdings" pitchFamily="2" charset="2"/>
-              <a:buChar char="q"/>
-            </a:pPr>
-            <a:r>
-              <a:rPr lang="fr-FR" sz="2000" dirty="0" smtClean="0"/>
-              <a:t>Enregistrement d’un certificat médical pour un étudiant.</a:t>
-            </a:r>
-          </a:p>
-          <a:p>
-            <a:pPr lvl="1">
-              <a:buFont typeface="Wingdings" pitchFamily="2" charset="2"/>
-              <a:buChar char="§"/>
-            </a:pPr>
-            <a:r>
-              <a:rPr lang="fr-FR" sz="1600" dirty="0" smtClean="0"/>
-              <a:t>Enregistrement en base de données.</a:t>
-            </a:r>
-          </a:p>
-          <a:p>
-            <a:pPr lvl="1">
-              <a:buFont typeface="Wingdings" pitchFamily="2" charset="2"/>
-              <a:buChar char="§"/>
-            </a:pPr>
-            <a:r>
-              <a:rPr lang="fr-FR" sz="1600" dirty="0" smtClean="0"/>
-              <a:t>Exportation du certificat au format PDF.</a:t>
-            </a:r>
-          </a:p>
-          <a:p>
-            <a:pPr lvl="1">
-              <a:buNone/>
-            </a:pPr>
-            <a:r>
-              <a:rPr lang="fr-FR" sz="1600" dirty="0" smtClean="0"/>
-              <a:t>	</a:t>
-            </a:r>
-          </a:p>
-          <a:p>
-            <a:pPr>
-              <a:buFont typeface="Wingdings" pitchFamily="2" charset="2"/>
-              <a:buChar char="q"/>
-            </a:pPr>
-            <a:r>
-              <a:rPr lang="fr-FR" sz="2000" dirty="0" smtClean="0"/>
-              <a:t>Gestion des étudiants.</a:t>
-            </a:r>
-          </a:p>
-          <a:p>
-            <a:pPr lvl="1">
-              <a:buFont typeface="Wingdings" pitchFamily="2" charset="2"/>
-              <a:buChar char="§"/>
-            </a:pPr>
-            <a:r>
-              <a:rPr lang="fr-FR" sz="1600" dirty="0" smtClean="0"/>
-              <a:t>Enregistrement d’un nouvel étudiant.</a:t>
-            </a:r>
-          </a:p>
-          <a:p>
-            <a:pPr lvl="1">
-              <a:buFont typeface="Wingdings" pitchFamily="2" charset="2"/>
-              <a:buChar char="§"/>
-            </a:pPr>
-            <a:r>
-              <a:rPr lang="fr-FR" sz="1600" dirty="0" smtClean="0"/>
-              <a:t>Modification des informations d’un étudiant.</a:t>
-            </a:r>
-          </a:p>
-          <a:p>
-            <a:pPr lvl="1">
-              <a:buFont typeface="Wingdings" pitchFamily="2" charset="2"/>
-              <a:buChar char="§"/>
-            </a:pPr>
-            <a:r>
-              <a:rPr lang="fr-FR" sz="1600" dirty="0" smtClean="0"/>
-              <a:t>Suppression d’un étudiant.</a:t>
-            </a:r>
-          </a:p>
-          <a:p>
-            <a:pPr lvl="1">
-              <a:buFont typeface="Wingdings" pitchFamily="2" charset="2"/>
-              <a:buChar char="§"/>
-            </a:pPr>
-            <a:endParaRPr lang="fr-FR" sz="1600" dirty="0" smtClean="0"/>
-          </a:p>
-          <a:p>
-            <a:pPr>
-              <a:buFont typeface="Wingdings" pitchFamily="2" charset="2"/>
-              <a:buChar char="q"/>
-            </a:pPr>
-            <a:r>
-              <a:rPr lang="fr-FR" sz="2000" dirty="0" smtClean="0"/>
-              <a:t>Gestion du profil médecin.</a:t>
-            </a:r>
-          </a:p>
-          <a:p>
-            <a:pPr lvl="1">
-              <a:buFont typeface="Wingdings" pitchFamily="2" charset="2"/>
-              <a:buChar char="§"/>
-            </a:pPr>
-            <a:r>
-              <a:rPr lang="fr-FR" sz="1600" dirty="0" smtClean="0"/>
-              <a:t>Modification des informations d’un médecin.</a:t>
-            </a:r>
-          </a:p>
-          <a:p>
-            <a:pPr lvl="1">
-              <a:buFont typeface="Wingdings" pitchFamily="2" charset="2"/>
-              <a:buChar char="§"/>
-            </a:pPr>
-            <a:r>
-              <a:rPr lang="fr-FR" sz="1600" dirty="0" smtClean="0"/>
-              <a:t>Paramétrage de l’adresse mail d’un médecin. </a:t>
-            </a:r>
-          </a:p>
-          <a:p>
-            <a:pPr lvl="1">
-              <a:buFont typeface="Wingdings" pitchFamily="2" charset="2"/>
-              <a:buChar char="§"/>
-            </a:pPr>
-            <a:endParaRPr lang="fr-FR" sz="1600" dirty="0" smtClean="0"/>
-          </a:p>
-          <a:p>
-            <a:pPr>
-              <a:buFont typeface="Wingdings" pitchFamily="2" charset="2"/>
-              <a:buChar char="q"/>
-            </a:pPr>
-            <a:r>
-              <a:rPr lang="fr-FR" sz="2000" dirty="0" smtClean="0"/>
-              <a:t>Consultation de l’historique des absences d’un étudiant.</a:t>
-            </a:r>
-          </a:p>
-          <a:p>
-            <a:pPr lvl="1">
-              <a:buNone/>
-            </a:pPr>
-            <a:endParaRPr lang="fr-FR" sz="1600" dirty="0" smtClean="0"/>
-          </a:p>
-          <a:p>
-            <a:pPr lvl="1">
-              <a:buNone/>
-            </a:pPr>
-            <a:endParaRPr lang="fr-FR" sz="1600" dirty="0" smtClean="0"/>
-          </a:p>
-        </p:txBody>
-      </p:sp>
-      <p:sp>
-        <p:nvSpPr>
-          <p:cNvPr id="3" name="Titre 2"/>
-          <p:cNvSpPr>
-            <a:spLocks noGrp="1"/>
-          </p:cNvSpPr>
-          <p:nvPr>
-            <p:ph type="title"/>
-          </p:nvPr>
-        </p:nvSpPr>
-        <p:spPr/>
-        <p:txBody>
-          <a:bodyPr>
-            <a:normAutofit/>
-          </a:bodyPr>
-          <a:lstStyle/>
-          <a:p>
-            <a:pPr algn="r"/>
-            <a:r>
-              <a:rPr lang="fr-FR" sz="1400" dirty="0" smtClean="0"/>
-              <a:t>Présentation et objectif</a:t>
-            </a:r>
-            <a:endParaRPr lang="fr-FR" sz="1400" dirty="0"/>
-          </a:p>
-        </p:txBody>
-      </p:sp>
-      <p:sp>
-        <p:nvSpPr>
-          <p:cNvPr id="10" name="Rectangle 9"/>
-          <p:cNvSpPr/>
-          <p:nvPr/>
-        </p:nvSpPr>
-        <p:spPr>
-          <a:xfrm>
-            <a:off x="467544" y="1268760"/>
-            <a:ext cx="2836033" cy="523220"/>
-          </a:xfrm>
-          <a:prstGeom prst="rect">
-            <a:avLst/>
-          </a:prstGeom>
-        </p:spPr>
-        <p:txBody>
-          <a:bodyPr wrap="none">
-            <a:spAutoFit/>
-          </a:bodyPr>
-          <a:lstStyle/>
-          <a:p>
-            <a:pPr lvl="0"/>
-            <a:r>
-              <a:rPr lang="fr-FR" sz="2800" dirty="0" smtClean="0">
-                <a:solidFill>
-                  <a:srgbClr val="002060"/>
-                </a:solidFill>
-              </a:rPr>
-              <a:t>Fonctionnalités</a:t>
-            </a:r>
-            <a:endParaRPr lang="fr-FR" sz="2800" dirty="0">
-              <a:solidFill>
-                <a:srgbClr val="002060"/>
-              </a:solidFill>
-            </a:endParaRPr>
-          </a:p>
-        </p:txBody>
-      </p:sp>
-    </p:spTree>
-  </p:cSld>
-  <p:clrMapOvr>
-    <a:masterClrMapping/>
-  </p:clrMapOvr>
-</p:sld>
-</file>
-
-<file path=ppt/slides/slide5.xml><?xml version="1.0" encoding="utf-8"?>
-<p:sld xmlns:a="http://schemas.openxmlformats.org/drawingml/2006/main" xmlns:r="http://schemas.openxmlformats.org/officeDocument/2006/relationships" xmlns:p="http://schemas.openxmlformats.org/presentationml/2006/main">
-  <p:cSld>
-    <p:spTree>
-      <p:nvGrpSpPr>
-        <p:cNvPr id="1" name=""/>
-        <p:cNvGrpSpPr/>
-        <p:nvPr/>
-      </p:nvGrpSpPr>
-      <p:grpSpPr>
-        <a:xfrm>
-          <a:off x="0" y="0"/>
-          <a:ext cx="0" cy="0"/>
-          <a:chOff x="0" y="0"/>
-          <a:chExt cx="0" cy="0"/>
-        </a:xfrm>
-      </p:grpSpPr>
-      <p:sp>
-        <p:nvSpPr>
-          <p:cNvPr id="2" name="Espace réservé du contenu 1"/>
-          <p:cNvSpPr>
-            <a:spLocks noGrp="1"/>
-          </p:cNvSpPr>
-          <p:nvPr>
-            <p:ph idx="1"/>
-          </p:nvPr>
-        </p:nvSpPr>
-        <p:spPr>
-          <a:xfrm>
-            <a:off x="467544" y="1988840"/>
-            <a:ext cx="8229600" cy="3963896"/>
-          </a:xfrm>
-        </p:spPr>
-        <p:txBody>
-          <a:bodyPr>
-            <a:normAutofit/>
-          </a:bodyPr>
-          <a:lstStyle/>
-          <a:p>
-            <a:pPr>
-              <a:buFont typeface="Wingdings" pitchFamily="2" charset="2"/>
-              <a:buChar char="ü"/>
-            </a:pPr>
-            <a:r>
-              <a:rPr lang="fr-FR" sz="2000" b="1" dirty="0" smtClean="0"/>
-              <a:t>Evite</a:t>
-            </a:r>
-            <a:r>
-              <a:rPr lang="fr-FR" sz="2000" dirty="0" smtClean="0"/>
-              <a:t> la paperasse tant pour l’école que pour le médecin.</a:t>
-            </a:r>
-          </a:p>
-          <a:p>
-            <a:pPr>
-              <a:buFont typeface="Wingdings" pitchFamily="2" charset="2"/>
-              <a:buChar char="ü"/>
-            </a:pPr>
-            <a:r>
-              <a:rPr lang="fr-FR" sz="2000" dirty="0" smtClean="0"/>
-              <a:t>L’école </a:t>
-            </a:r>
-            <a:r>
-              <a:rPr lang="fr-FR" sz="2000" b="1" dirty="0" smtClean="0"/>
-              <a:t>notifiée par email en temps réel !</a:t>
-            </a:r>
-          </a:p>
-          <a:p>
-            <a:pPr>
-              <a:buFont typeface="Wingdings" pitchFamily="2" charset="2"/>
-              <a:buChar char="ü"/>
-            </a:pPr>
-            <a:r>
-              <a:rPr lang="fr-FR" sz="2000" b="1" dirty="0" smtClean="0"/>
-              <a:t>Certification</a:t>
-            </a:r>
-            <a:r>
-              <a:rPr lang="fr-FR" sz="2000" dirty="0" smtClean="0"/>
-              <a:t> de l’absence via </a:t>
-            </a:r>
-            <a:r>
-              <a:rPr lang="fr-FR" sz="2000" b="1" dirty="0" smtClean="0"/>
-              <a:t>l’authentification</a:t>
-            </a:r>
-            <a:r>
-              <a:rPr lang="fr-FR" sz="2000" dirty="0" smtClean="0"/>
-              <a:t> du médecin.</a:t>
-            </a:r>
-          </a:p>
-          <a:p>
-            <a:pPr>
-              <a:buFont typeface="Wingdings" pitchFamily="2" charset="2"/>
-              <a:buChar char="ü"/>
-            </a:pPr>
-            <a:endParaRPr lang="fr-FR" sz="2000" dirty="0" smtClean="0"/>
-          </a:p>
-          <a:p>
-            <a:pPr>
-              <a:buFont typeface="Lucida Sans Unicode" pitchFamily="34" charset="0"/>
-              <a:buChar char="×"/>
-            </a:pPr>
-            <a:r>
-              <a:rPr lang="fr-FR" sz="2000" b="1" dirty="0" smtClean="0"/>
-              <a:t>Impossible</a:t>
-            </a:r>
-            <a:r>
-              <a:rPr lang="fr-FR" sz="2000" dirty="0" smtClean="0"/>
-              <a:t> de rédiger une absence par le biais de ce logiciel sans la carte de l’étudiant.</a:t>
-            </a:r>
-            <a:endParaRPr lang="fr-FR" sz="2000" dirty="0"/>
-          </a:p>
-        </p:txBody>
-      </p:sp>
-      <p:sp>
-        <p:nvSpPr>
-          <p:cNvPr id="3" name="Titre 2"/>
-          <p:cNvSpPr>
-            <a:spLocks noGrp="1"/>
-          </p:cNvSpPr>
-          <p:nvPr>
-            <p:ph type="title"/>
-          </p:nvPr>
-        </p:nvSpPr>
-        <p:spPr/>
-        <p:txBody>
-          <a:bodyPr>
-            <a:normAutofit/>
-          </a:bodyPr>
-          <a:lstStyle/>
-          <a:p>
-            <a:pPr algn="r"/>
-            <a:r>
-              <a:rPr lang="fr-FR" sz="1400" dirty="0" smtClean="0"/>
-              <a:t>Présentation et objectif</a:t>
-            </a:r>
-            <a:endParaRPr lang="fr-FR" sz="1400" dirty="0"/>
-          </a:p>
-        </p:txBody>
-      </p:sp>
-      <p:sp>
-        <p:nvSpPr>
-          <p:cNvPr id="10" name="Rectangle 9"/>
-          <p:cNvSpPr/>
-          <p:nvPr/>
-        </p:nvSpPr>
-        <p:spPr>
-          <a:xfrm>
-            <a:off x="467544" y="1268760"/>
-            <a:ext cx="4868640" cy="523220"/>
-          </a:xfrm>
-          <a:prstGeom prst="rect">
-            <a:avLst/>
-          </a:prstGeom>
-        </p:spPr>
-        <p:txBody>
-          <a:bodyPr wrap="none">
-            <a:spAutoFit/>
-          </a:bodyPr>
-          <a:lstStyle/>
-          <a:p>
-            <a:pPr lvl="0"/>
-            <a:r>
-              <a:rPr lang="fr-FR" sz="2800" dirty="0" smtClean="0">
-                <a:solidFill>
-                  <a:srgbClr val="002060"/>
-                </a:solidFill>
-              </a:rPr>
-              <a:t>Avantages &amp; Inconvénients</a:t>
-            </a:r>
-            <a:endParaRPr lang="fr-FR" sz="2800" dirty="0">
-              <a:solidFill>
-                <a:srgbClr val="002060"/>
-              </a:solidFill>
-            </a:endParaRPr>
-          </a:p>
-        </p:txBody>
-      </p:sp>
-    </p:spTree>
-  </p:cSld>
-  <p:clrMapOvr>
-    <a:masterClrMapping/>
-  </p:clrMapOvr>
-</p:sld>
-</file>
-
-<file path=ppt/slides/slide6.xml><?xml version="1.0" encoding="utf-8"?>
-<p:sld xmlns:a="http://schemas.openxmlformats.org/drawingml/2006/main" xmlns:r="http://schemas.openxmlformats.org/officeDocument/2006/relationships" xmlns:p="http://schemas.openxmlformats.org/presentationml/2006/main">
-  <p:cSld>
-    <p:spTree>
-      <p:nvGrpSpPr>
-        <p:cNvPr id="1" name=""/>
-        <p:cNvGrpSpPr/>
-        <p:nvPr/>
-      </p:nvGrpSpPr>
-      <p:grpSpPr>
-        <a:xfrm>
-          <a:off x="0" y="0"/>
-          <a:ext cx="0" cy="0"/>
-          <a:chOff x="0" y="0"/>
-          <a:chExt cx="0" cy="0"/>
-        </a:xfrm>
-      </p:grpSpPr>
-      <p:sp>
-        <p:nvSpPr>
-          <p:cNvPr id="2" name="Espace réservé du contenu 1"/>
-          <p:cNvSpPr>
-            <a:spLocks noGrp="1"/>
-          </p:cNvSpPr>
-          <p:nvPr>
-            <p:ph idx="1"/>
-          </p:nvPr>
-        </p:nvSpPr>
-        <p:spPr>
-          <a:xfrm>
-            <a:off x="467544" y="1988840"/>
-            <a:ext cx="8229600" cy="3963896"/>
-          </a:xfrm>
-        </p:spPr>
-        <p:txBody>
-          <a:bodyPr>
-            <a:normAutofit/>
-          </a:bodyPr>
-          <a:lstStyle/>
-          <a:p>
-            <a:pPr>
-              <a:buNone/>
-            </a:pPr>
-            <a:r>
-              <a:rPr lang="fr-FR" sz="2000" dirty="0" smtClean="0"/>
-              <a:t>Application bureau de type client lourd développé en </a:t>
-            </a:r>
-            <a:r>
-              <a:rPr lang="fr-FR" sz="2000" b="1" dirty="0" smtClean="0"/>
-              <a:t>WPF</a:t>
-            </a:r>
-            <a:r>
-              <a:rPr lang="fr-FR" sz="2000" dirty="0" smtClean="0"/>
-              <a:t> </a:t>
-            </a:r>
-            <a:r>
-              <a:rPr lang="fr-FR" sz="2000" b="1" dirty="0" smtClean="0"/>
-              <a:t>(Windows </a:t>
-            </a:r>
-            <a:r>
-              <a:rPr lang="fr-FR" sz="2000" b="1" dirty="0" err="1" smtClean="0"/>
-              <a:t>Presentation</a:t>
-            </a:r>
-            <a:r>
-              <a:rPr lang="fr-FR" sz="2000" b="1" dirty="0" smtClean="0"/>
-              <a:t> </a:t>
-            </a:r>
-            <a:r>
-              <a:rPr lang="fr-FR" sz="2000" b="1" dirty="0" err="1" smtClean="0"/>
-              <a:t>Foundation</a:t>
-            </a:r>
-            <a:r>
-              <a:rPr lang="fr-FR" sz="2000" b="1" dirty="0" smtClean="0"/>
-              <a:t>).</a:t>
-            </a:r>
-          </a:p>
-          <a:p>
-            <a:pPr>
-              <a:buNone/>
-            </a:pPr>
-            <a:endParaRPr lang="fr-FR" sz="2000" b="1" dirty="0" smtClean="0"/>
-          </a:p>
-          <a:p>
-            <a:pPr>
-              <a:buNone/>
-            </a:pPr>
-            <a:r>
-              <a:rPr lang="fr-FR" sz="2000" b="1" dirty="0" smtClean="0"/>
-              <a:t>Pourquoi WPF ?</a:t>
-            </a:r>
-          </a:p>
-          <a:p>
-            <a:pPr>
-              <a:buNone/>
-            </a:pPr>
-            <a:endParaRPr lang="fr-FR" sz="2000" dirty="0" smtClean="0"/>
-          </a:p>
-          <a:p>
-            <a:pPr lvl="1">
-              <a:buFont typeface="Courier New" pitchFamily="49" charset="0"/>
-              <a:buChar char="o"/>
-            </a:pPr>
-            <a:r>
-              <a:rPr lang="fr-FR" sz="1600" dirty="0" smtClean="0"/>
-              <a:t>Interface et composant graphique jolie.</a:t>
-            </a:r>
-          </a:p>
-          <a:p>
-            <a:pPr lvl="1">
-              <a:buFont typeface="Courier New" pitchFamily="49" charset="0"/>
-              <a:buChar char="o"/>
-            </a:pPr>
-            <a:r>
-              <a:rPr lang="fr-FR" sz="1600" dirty="0" smtClean="0"/>
-              <a:t>Facilité pour l’équipe de travailler en C#.</a:t>
-            </a:r>
-          </a:p>
-          <a:p>
-            <a:pPr lvl="1">
-              <a:buFont typeface="Courier New" pitchFamily="49" charset="0"/>
-              <a:buChar char="o"/>
-            </a:pPr>
-            <a:r>
-              <a:rPr lang="fr-FR" sz="1600" dirty="0" smtClean="0"/>
-              <a:t>A la découverte d’une nouvelle technologie.</a:t>
-            </a:r>
-          </a:p>
-          <a:p>
-            <a:pPr>
-              <a:buNone/>
-            </a:pPr>
-            <a:endParaRPr lang="fr-FR" sz="2000" b="1" dirty="0"/>
-          </a:p>
-        </p:txBody>
-      </p:sp>
-      <p:sp>
-        <p:nvSpPr>
-          <p:cNvPr id="3" name="Titre 2"/>
-          <p:cNvSpPr>
-            <a:spLocks noGrp="1"/>
-          </p:cNvSpPr>
-          <p:nvPr>
-            <p:ph type="title"/>
-          </p:nvPr>
-        </p:nvSpPr>
-        <p:spPr/>
-        <p:txBody>
-          <a:bodyPr>
-            <a:normAutofit/>
-          </a:bodyPr>
-          <a:lstStyle/>
-          <a:p>
-            <a:pPr algn="r"/>
-            <a:r>
-              <a:rPr lang="fr-FR" sz="1400" dirty="0" smtClean="0"/>
-              <a:t>Technologies utilisés</a:t>
-            </a:r>
-            <a:endParaRPr lang="fr-FR" sz="1400" dirty="0"/>
-          </a:p>
-        </p:txBody>
-      </p:sp>
-      <p:sp>
-        <p:nvSpPr>
-          <p:cNvPr id="10" name="Rectangle 9"/>
-          <p:cNvSpPr/>
-          <p:nvPr/>
-        </p:nvSpPr>
-        <p:spPr>
-          <a:xfrm>
-            <a:off x="467544" y="1268760"/>
-            <a:ext cx="3405099" cy="523220"/>
-          </a:xfrm>
-          <a:prstGeom prst="rect">
-            <a:avLst/>
-          </a:prstGeom>
-        </p:spPr>
-        <p:txBody>
-          <a:bodyPr wrap="none">
-            <a:spAutoFit/>
-          </a:bodyPr>
-          <a:lstStyle/>
-          <a:p>
-            <a:pPr lvl="0"/>
-            <a:r>
-              <a:rPr lang="fr-FR" sz="2800" dirty="0" smtClean="0">
-                <a:solidFill>
-                  <a:srgbClr val="002060"/>
-                </a:solidFill>
-              </a:rPr>
-              <a:t>Type d’application</a:t>
-            </a:r>
-            <a:endParaRPr lang="fr-FR" sz="2800" dirty="0">
-              <a:solidFill>
-                <a:srgbClr val="002060"/>
-              </a:solidFill>
-            </a:endParaRPr>
-          </a:p>
-        </p:txBody>
-      </p:sp>
-    </p:spTree>
-  </p:cSld>
-  <p:clrMapOvr>
-    <a:masterClrMapping/>
-  </p:clrMapOvr>
-</p:sld>
-</file>
-
-<file path=ppt/slides/slide7.xml><?xml version="1.0" encoding="utf-8"?>
-<p:sld xmlns:a="http://schemas.openxmlformats.org/drawingml/2006/main" xmlns:r="http://schemas.openxmlformats.org/officeDocument/2006/relationships" xmlns:p="http://schemas.openxmlformats.org/presentationml/2006/main">
-  <p:cSld>
-    <p:spTree>
-      <p:nvGrpSpPr>
-        <p:cNvPr id="1" name=""/>
-        <p:cNvGrpSpPr/>
-        <p:nvPr/>
-      </p:nvGrpSpPr>
-      <p:grpSpPr>
-        <a:xfrm>
-          <a:off x="0" y="0"/>
-          <a:ext cx="0" cy="0"/>
-          <a:chOff x="0" y="0"/>
-          <a:chExt cx="0" cy="0"/>
-        </a:xfrm>
-      </p:grpSpPr>
-      <p:sp>
-        <p:nvSpPr>
-          <p:cNvPr id="2" name="Espace réservé du contenu 1"/>
-          <p:cNvSpPr>
-            <a:spLocks noGrp="1"/>
-          </p:cNvSpPr>
-          <p:nvPr>
-            <p:ph idx="1"/>
-          </p:nvPr>
-        </p:nvSpPr>
-        <p:spPr>
-          <a:xfrm>
-            <a:off x="467544" y="1988840"/>
-            <a:ext cx="8229600" cy="3963896"/>
-          </a:xfrm>
-        </p:spPr>
-        <p:txBody>
-          <a:bodyPr>
-            <a:normAutofit fontScale="77500" lnSpcReduction="20000"/>
-          </a:bodyPr>
-          <a:lstStyle/>
-          <a:p>
-            <a:pPr>
-              <a:buFont typeface="Wingdings" pitchFamily="2" charset="2"/>
-              <a:buChar char="§"/>
-            </a:pPr>
-            <a:r>
-              <a:rPr lang="fr-FR" sz="2000" b="1" dirty="0" smtClean="0"/>
-              <a:t>Langage de programmation: </a:t>
-            </a:r>
-          </a:p>
-          <a:p>
-            <a:pPr>
-              <a:buFont typeface="Wingdings" pitchFamily="2" charset="2"/>
-              <a:buChar char="§"/>
-            </a:pPr>
-            <a:endParaRPr lang="fr-FR" sz="2000" b="1" dirty="0" smtClean="0"/>
-          </a:p>
-          <a:p>
-            <a:pPr>
-              <a:buFont typeface="Wingdings" pitchFamily="2" charset="2"/>
-              <a:buChar char="§"/>
-            </a:pPr>
-            <a:r>
-              <a:rPr lang="fr-FR" sz="2000" b="1" dirty="0" smtClean="0"/>
-              <a:t>IDE: 		</a:t>
-            </a:r>
-          </a:p>
-          <a:p>
-            <a:pPr>
-              <a:buFont typeface="Wingdings" pitchFamily="2" charset="2"/>
-              <a:buChar char="§"/>
-            </a:pPr>
-            <a:endParaRPr lang="fr-FR" sz="2000" b="1" dirty="0" smtClean="0"/>
-          </a:p>
-          <a:p>
-            <a:pPr>
-              <a:buFont typeface="Wingdings" pitchFamily="2" charset="2"/>
-              <a:buChar char="§"/>
-            </a:pPr>
-            <a:r>
-              <a:rPr lang="fr-FR" sz="2000" b="1" dirty="0" smtClean="0"/>
-              <a:t>Base de données: </a:t>
-            </a:r>
-          </a:p>
-          <a:p>
-            <a:pPr>
-              <a:buNone/>
-            </a:pPr>
-            <a:endParaRPr lang="fr-FR" sz="2000" b="1" dirty="0" smtClean="0"/>
-          </a:p>
-          <a:p>
-            <a:pPr>
-              <a:buFont typeface="Wingdings" pitchFamily="2" charset="2"/>
-              <a:buChar char="§"/>
-            </a:pPr>
-            <a:r>
-              <a:rPr lang="fr-FR" sz="2000" b="1" dirty="0" err="1" smtClean="0"/>
-              <a:t>Versioning</a:t>
-            </a:r>
-            <a:r>
-              <a:rPr lang="fr-FR" sz="2000" b="1" dirty="0" smtClean="0"/>
-              <a:t>:</a:t>
-            </a:r>
-          </a:p>
-          <a:p>
-            <a:pPr>
-              <a:buFont typeface="Wingdings" pitchFamily="2" charset="2"/>
-              <a:buChar char="§"/>
-            </a:pPr>
-            <a:endParaRPr lang="fr-FR" sz="2000" b="1" dirty="0" smtClean="0"/>
-          </a:p>
-          <a:p>
-            <a:pPr>
-              <a:buFont typeface="Wingdings" pitchFamily="2" charset="2"/>
-              <a:buChar char="§"/>
-            </a:pPr>
-            <a:r>
-              <a:rPr lang="fr-FR" sz="2000" b="1" dirty="0" smtClean="0"/>
-              <a:t>User Interface:        </a:t>
-            </a:r>
-            <a:r>
-              <a:rPr lang="fr-FR" sz="2000" b="1" dirty="0" err="1" smtClean="0"/>
-              <a:t>MahApps</a:t>
-            </a:r>
-            <a:r>
-              <a:rPr lang="fr-FR" sz="2000" b="1" dirty="0" smtClean="0"/>
-              <a:t> + Windows</a:t>
-            </a:r>
-          </a:p>
-          <a:p>
-            <a:pPr>
-              <a:buFont typeface="Wingdings" pitchFamily="2" charset="2"/>
-              <a:buChar char="§"/>
-            </a:pPr>
-            <a:endParaRPr lang="fr-FR" sz="2000" b="1" dirty="0" smtClean="0"/>
-          </a:p>
-          <a:p>
-            <a:pPr>
-              <a:buFont typeface="Wingdings" pitchFamily="2" charset="2"/>
-              <a:buChar char="§"/>
-            </a:pPr>
-            <a:r>
-              <a:rPr lang="fr-FR" sz="2000" b="1" dirty="0" err="1" smtClean="0"/>
-              <a:t>Entity</a:t>
-            </a:r>
-            <a:r>
-              <a:rPr lang="fr-FR" sz="2000" b="1" dirty="0" smtClean="0"/>
-              <a:t> Framework</a:t>
-            </a:r>
-          </a:p>
-          <a:p>
-            <a:pPr>
-              <a:buFont typeface="Wingdings" pitchFamily="2" charset="2"/>
-              <a:buChar char="§"/>
-            </a:pPr>
-            <a:endParaRPr lang="fr-FR" sz="2000" b="1" dirty="0" smtClean="0"/>
-          </a:p>
-          <a:p>
-            <a:pPr>
-              <a:buFont typeface="Wingdings" pitchFamily="2" charset="2"/>
-              <a:buChar char="§"/>
-            </a:pPr>
-            <a:r>
-              <a:rPr lang="fr-FR" sz="2000" b="1" dirty="0" smtClean="0"/>
-              <a:t>Service Web de type SOAP avec WCF (Windows Communication </a:t>
-            </a:r>
-            <a:r>
-              <a:rPr lang="fr-FR" sz="2000" b="1" dirty="0" err="1" smtClean="0"/>
-              <a:t>Foundation</a:t>
-            </a:r>
-            <a:r>
-              <a:rPr lang="fr-FR" sz="2000" b="1" dirty="0" smtClean="0"/>
-              <a:t>)</a:t>
-            </a:r>
-          </a:p>
-          <a:p>
-            <a:pPr>
-              <a:buFont typeface="Wingdings" pitchFamily="2" charset="2"/>
-              <a:buChar char="§"/>
-            </a:pPr>
-            <a:endParaRPr lang="fr-FR" sz="2000" b="1" dirty="0" smtClean="0"/>
-          </a:p>
-          <a:p>
-            <a:pPr>
-              <a:buFont typeface="Wingdings" pitchFamily="2" charset="2"/>
-              <a:buChar char="§"/>
-            </a:pPr>
-            <a:r>
-              <a:rPr lang="fr-FR" sz="2000" b="1" dirty="0" smtClean="0"/>
-              <a:t>Lecteur de carte a puce + carte a puce.</a:t>
-            </a:r>
-          </a:p>
-        </p:txBody>
-      </p:sp>
-      <p:sp>
-        <p:nvSpPr>
-          <p:cNvPr id="3" name="Titre 2"/>
-          <p:cNvSpPr>
-            <a:spLocks noGrp="1"/>
-          </p:cNvSpPr>
-          <p:nvPr>
-            <p:ph type="title"/>
-          </p:nvPr>
-        </p:nvSpPr>
-        <p:spPr/>
-        <p:txBody>
-          <a:bodyPr>
-            <a:normAutofit/>
-          </a:bodyPr>
-          <a:lstStyle/>
-          <a:p>
-            <a:pPr algn="r"/>
-            <a:r>
-              <a:rPr lang="fr-FR" sz="1400" dirty="0" smtClean="0"/>
-              <a:t>Technologies utilisés</a:t>
-            </a:r>
-            <a:endParaRPr lang="fr-FR" sz="1400" dirty="0"/>
-          </a:p>
-        </p:txBody>
-      </p:sp>
-      <p:sp>
-        <p:nvSpPr>
-          <p:cNvPr id="10" name="Rectangle 9"/>
-          <p:cNvSpPr/>
-          <p:nvPr/>
-        </p:nvSpPr>
-        <p:spPr>
-          <a:xfrm>
-            <a:off x="467544" y="1268760"/>
-            <a:ext cx="2561920" cy="523220"/>
-          </a:xfrm>
-          <a:prstGeom prst="rect">
-            <a:avLst/>
-          </a:prstGeom>
-        </p:spPr>
-        <p:txBody>
-          <a:bodyPr wrap="none">
-            <a:spAutoFit/>
-          </a:bodyPr>
-          <a:lstStyle/>
-          <a:p>
-            <a:pPr lvl="0"/>
-            <a:r>
-              <a:rPr lang="fr-FR" sz="2800" dirty="0" smtClean="0">
-                <a:solidFill>
-                  <a:srgbClr val="002060"/>
-                </a:solidFill>
-              </a:rPr>
-              <a:t>Outils utilisés</a:t>
-            </a:r>
-            <a:endParaRPr lang="fr-FR" sz="2800" dirty="0">
-              <a:solidFill>
-                <a:srgbClr val="002060"/>
-              </a:solidFill>
-            </a:endParaRPr>
-          </a:p>
-        </p:txBody>
-      </p:sp>
-      <p:pic>
-        <p:nvPicPr>
-          <p:cNvPr id="5" name="Image 4" descr="csharp.png"/>
-          <p:cNvPicPr>
-            <a:picLocks noChangeAspect="1"/>
-          </p:cNvPicPr>
-          <p:nvPr/>
-        </p:nvPicPr>
-        <p:blipFill>
-          <a:blip r:embed="rId3" cstate="print"/>
-          <a:stretch>
-            <a:fillRect/>
-          </a:stretch>
-        </p:blipFill>
-        <p:spPr>
-          <a:xfrm>
-            <a:off x="3779912" y="1844824"/>
-            <a:ext cx="504056" cy="504056"/>
-          </a:xfrm>
-          <a:prstGeom prst="rect">
-            <a:avLst/>
-          </a:prstGeom>
-        </p:spPr>
-      </p:pic>
-      <p:pic>
-        <p:nvPicPr>
-          <p:cNvPr id="6" name="Image 5" descr="VisualStudio.png"/>
-          <p:cNvPicPr>
-            <a:picLocks noChangeAspect="1"/>
-          </p:cNvPicPr>
-          <p:nvPr/>
-        </p:nvPicPr>
-        <p:blipFill>
-          <a:blip r:embed="rId4" cstate="print"/>
-          <a:stretch>
-            <a:fillRect/>
-          </a:stretch>
-        </p:blipFill>
-        <p:spPr>
-          <a:xfrm>
-            <a:off x="1403649" y="2348880"/>
-            <a:ext cx="934234" cy="464103"/>
-          </a:xfrm>
-          <a:prstGeom prst="rect">
-            <a:avLst/>
-          </a:prstGeom>
-        </p:spPr>
-      </p:pic>
-      <p:pic>
-        <p:nvPicPr>
-          <p:cNvPr id="8" name="Image 7" descr="OracleMySQLCloudService.png"/>
-          <p:cNvPicPr>
-            <a:picLocks noChangeAspect="1"/>
-          </p:cNvPicPr>
-          <p:nvPr/>
-        </p:nvPicPr>
-        <p:blipFill>
-          <a:blip r:embed="rId5" cstate="print"/>
-          <a:stretch>
-            <a:fillRect/>
-          </a:stretch>
-        </p:blipFill>
-        <p:spPr>
-          <a:xfrm>
-            <a:off x="2771800" y="2832774"/>
-            <a:ext cx="734690" cy="380202"/>
-          </a:xfrm>
-          <a:prstGeom prst="rect">
-            <a:avLst/>
-          </a:prstGeom>
-        </p:spPr>
-      </p:pic>
-      <p:pic>
-        <p:nvPicPr>
-          <p:cNvPr id="9" name="Image 8" descr="3cd5679f54dc60811383649f9f6ea37d.png"/>
-          <p:cNvPicPr>
-            <a:picLocks noChangeAspect="1"/>
-          </p:cNvPicPr>
-          <p:nvPr/>
-        </p:nvPicPr>
-        <p:blipFill>
-          <a:blip r:embed="rId6" cstate="print"/>
-          <a:stretch>
-            <a:fillRect/>
-          </a:stretch>
-        </p:blipFill>
-        <p:spPr>
-          <a:xfrm>
-            <a:off x="2123728" y="3356992"/>
-            <a:ext cx="1152128" cy="434461"/>
-          </a:xfrm>
-          <a:prstGeom prst="rect">
-            <a:avLst/>
-          </a:prstGeom>
-        </p:spPr>
-      </p:pic>
-      <p:pic>
-        <p:nvPicPr>
-          <p:cNvPr id="11" name="Image 10" descr="1130789.png"/>
-          <p:cNvPicPr>
-            <a:picLocks noChangeAspect="1"/>
-          </p:cNvPicPr>
-          <p:nvPr/>
-        </p:nvPicPr>
-        <p:blipFill>
-          <a:blip r:embed="rId7" cstate="print"/>
-          <a:stretch>
-            <a:fillRect/>
-          </a:stretch>
-        </p:blipFill>
-        <p:spPr>
-          <a:xfrm>
-            <a:off x="2483768" y="3861048"/>
-            <a:ext cx="360040" cy="360040"/>
-          </a:xfrm>
-          <a:prstGeom prst="rect">
-            <a:avLst/>
-          </a:prstGeom>
-        </p:spPr>
-      </p:pic>
-    </p:spTree>
-  </p:cSld>
-  <p:clrMapOvr>
-    <a:masterClrMapping/>
-  </p:clrMapOvr>
-</p:sld>
-</file>
-
-<file path=ppt/slides/slide8.xml><?xml version="1.0" encoding="utf-8"?>
-<p:sld xmlns:a="http://schemas.openxmlformats.org/drawingml/2006/main" xmlns:r="http://schemas.openxmlformats.org/officeDocument/2006/relationships" xmlns:p="http://schemas.openxmlformats.org/presentationml/2006/main">
-  <p:cSld>
-    <p:spTree>
-      <p:nvGrpSpPr>
-        <p:cNvPr id="1" name=""/>
-        <p:cNvGrpSpPr/>
-        <p:nvPr/>
-      </p:nvGrpSpPr>
-      <p:grpSpPr>
-        <a:xfrm>
-          <a:off x="0" y="0"/>
-          <a:ext cx="0" cy="0"/>
-          <a:chOff x="0" y="0"/>
-          <a:chExt cx="0" cy="0"/>
-        </a:xfrm>
-      </p:grpSpPr>
-      <p:sp>
-        <p:nvSpPr>
-          <p:cNvPr id="2" name="Espace réservé du contenu 1"/>
-          <p:cNvSpPr>
-            <a:spLocks noGrp="1"/>
-          </p:cNvSpPr>
-          <p:nvPr>
-            <p:ph idx="1"/>
-          </p:nvPr>
-        </p:nvSpPr>
-        <p:spPr>
-          <a:xfrm>
-            <a:off x="467544" y="1988840"/>
-            <a:ext cx="8229600" cy="3963896"/>
-          </a:xfrm>
-        </p:spPr>
-        <p:txBody>
-          <a:bodyPr>
-            <a:normAutofit/>
-          </a:bodyPr>
-          <a:lstStyle/>
-          <a:p>
-            <a:pPr>
-              <a:buNone/>
-            </a:pPr>
-            <a:r>
-              <a:rPr lang="fr-FR" sz="2000" dirty="0" smtClean="0"/>
-              <a:t>Les Web Services utilisés lors du développement de l’application sont de type SOAP (Simple Object Access Protocol) et utilisent l’infrastructure </a:t>
-            </a:r>
-            <a:r>
-              <a:rPr lang="fr-FR" sz="2000" b="1" dirty="0" smtClean="0"/>
-              <a:t>WCF</a:t>
-            </a:r>
-            <a:r>
-              <a:rPr lang="fr-FR" sz="2000" dirty="0" smtClean="0"/>
-              <a:t> </a:t>
-            </a:r>
-            <a:r>
-              <a:rPr lang="fr-FR" sz="2000" b="1" dirty="0" smtClean="0"/>
-              <a:t>(Windows Communication </a:t>
-            </a:r>
-            <a:r>
-              <a:rPr lang="fr-FR" sz="2000" b="1" dirty="0" err="1" smtClean="0"/>
-              <a:t>Foundation</a:t>
-            </a:r>
-            <a:r>
-              <a:rPr lang="fr-FR" sz="2000" b="1" dirty="0" smtClean="0"/>
-              <a:t>).</a:t>
-            </a:r>
-          </a:p>
-          <a:p>
-            <a:pPr>
-              <a:buNone/>
-            </a:pPr>
-            <a:endParaRPr lang="fr-FR" sz="2000" b="1" dirty="0" smtClean="0"/>
-          </a:p>
-          <a:p>
-            <a:pPr>
-              <a:buNone/>
-            </a:pPr>
-            <a:r>
-              <a:rPr lang="fr-FR" sz="2000" b="1" dirty="0" smtClean="0"/>
-              <a:t>Pourquoi le protocole SOAP avec WCF ?</a:t>
-            </a:r>
-          </a:p>
-          <a:p>
-            <a:pPr>
-              <a:buNone/>
-            </a:pPr>
-            <a:endParaRPr lang="fr-FR" sz="2000" dirty="0" smtClean="0"/>
-          </a:p>
-          <a:p>
-            <a:pPr lvl="1">
-              <a:buFont typeface="Courier New" pitchFamily="49" charset="0"/>
-              <a:buChar char="o"/>
-            </a:pPr>
-            <a:r>
-              <a:rPr lang="fr-FR" sz="1600" dirty="0" smtClean="0"/>
-              <a:t>Rapidité à mettre en place.</a:t>
-            </a:r>
-          </a:p>
-          <a:p>
-            <a:pPr lvl="1">
-              <a:buFont typeface="Courier New" pitchFamily="49" charset="0"/>
-              <a:buChar char="o"/>
-            </a:pPr>
-            <a:r>
-              <a:rPr lang="fr-FR" sz="1600" dirty="0" smtClean="0"/>
-              <a:t>Retourne des objets et non pas du JSON/XML.</a:t>
-            </a:r>
-          </a:p>
-          <a:p>
-            <a:pPr lvl="1">
-              <a:buFont typeface="Courier New" pitchFamily="49" charset="0"/>
-              <a:buChar char="o"/>
-            </a:pPr>
-            <a:r>
-              <a:rPr lang="fr-FR" sz="1600" dirty="0" smtClean="0"/>
-              <a:t>Meilleure manipulation des données.</a:t>
-            </a:r>
-          </a:p>
-          <a:p>
-            <a:pPr lvl="1">
-              <a:buFont typeface="Courier New" pitchFamily="49" charset="0"/>
-              <a:buChar char="o"/>
-            </a:pPr>
-            <a:r>
-              <a:rPr lang="fr-FR" sz="1600" dirty="0" smtClean="0"/>
-              <a:t>Meilleure </a:t>
-            </a:r>
-            <a:r>
-              <a:rPr lang="fr-FR" sz="1600" dirty="0" err="1" smtClean="0"/>
-              <a:t>lisibilitée</a:t>
-            </a:r>
-            <a:r>
-              <a:rPr lang="fr-FR" sz="1600" dirty="0" smtClean="0"/>
-              <a:t> dans le code.</a:t>
-            </a:r>
-          </a:p>
-        </p:txBody>
-      </p:sp>
-      <p:sp>
-        <p:nvSpPr>
-          <p:cNvPr id="3" name="Titre 2"/>
-          <p:cNvSpPr>
-            <a:spLocks noGrp="1"/>
-          </p:cNvSpPr>
-          <p:nvPr>
-            <p:ph type="title"/>
-          </p:nvPr>
-        </p:nvSpPr>
-        <p:spPr/>
-        <p:txBody>
-          <a:bodyPr>
-            <a:normAutofit/>
-          </a:bodyPr>
-          <a:lstStyle/>
-          <a:p>
-            <a:pPr algn="r"/>
-            <a:r>
-              <a:rPr lang="fr-FR" sz="1400" dirty="0" smtClean="0"/>
-              <a:t>Technologies utilisés</a:t>
-            </a:r>
-            <a:endParaRPr lang="fr-FR" sz="1400" dirty="0"/>
-          </a:p>
-        </p:txBody>
-      </p:sp>
-      <p:sp>
-        <p:nvSpPr>
-          <p:cNvPr id="10" name="Rectangle 9"/>
-          <p:cNvSpPr/>
-          <p:nvPr/>
-        </p:nvSpPr>
-        <p:spPr>
-          <a:xfrm>
-            <a:off x="467544" y="1268760"/>
-            <a:ext cx="3119765" cy="523220"/>
-          </a:xfrm>
-          <a:prstGeom prst="rect">
-            <a:avLst/>
-          </a:prstGeom>
-        </p:spPr>
-        <p:txBody>
-          <a:bodyPr wrap="none">
-            <a:spAutoFit/>
-          </a:bodyPr>
-          <a:lstStyle/>
-          <a:p>
-            <a:pPr lvl="0"/>
-            <a:r>
-              <a:rPr lang="fr-FR" sz="2800" dirty="0" smtClean="0">
-                <a:solidFill>
-                  <a:srgbClr val="002060"/>
-                </a:solidFill>
-              </a:rPr>
-              <a:t>Les Web Services</a:t>
-            </a:r>
-            <a:endParaRPr lang="fr-FR" sz="2800" dirty="0">
-              <a:solidFill>
-                <a:srgbClr val="002060"/>
-              </a:solidFill>
-            </a:endParaRPr>
-          </a:p>
-        </p:txBody>
-      </p:sp>
-    </p:spTree>
-  </p:cSld>
-  <p:clrMapOvr>
-    <a:masterClrMapping/>
-  </p:clrMapOvr>
-</p:sld>
-</file>
-
-<file path=ppt/slides/slide9.xml><?xml version="1.0" encoding="utf-8"?>
-<p:sld xmlns:a="http://schemas.openxmlformats.org/drawingml/2006/main" xmlns:r="http://schemas.openxmlformats.org/officeDocument/2006/relationships" xmlns:p="http://schemas.openxmlformats.org/presentationml/2006/main">
-  <p:cSld>
-    <p:spTree>
-      <p:nvGrpSpPr>
-        <p:cNvPr id="1" name=""/>
-        <p:cNvGrpSpPr/>
-        <p:nvPr/>
-      </p:nvGrpSpPr>
-      <p:grpSpPr>
-        <a:xfrm>
-          <a:off x="0" y="0"/>
-          <a:ext cx="0" cy="0"/>
-          <a:chOff x="0" y="0"/>
-          <a:chExt cx="0" cy="0"/>
-        </a:xfrm>
-      </p:grpSpPr>
-      <p:sp>
-        <p:nvSpPr>
-          <p:cNvPr id="2" name="Espace réservé du contenu 1"/>
-          <p:cNvSpPr>
-            <a:spLocks noGrp="1"/>
-          </p:cNvSpPr>
-          <p:nvPr>
-            <p:ph idx="1"/>
-          </p:nvPr>
-        </p:nvSpPr>
-        <p:spPr>
-          <a:xfrm>
-            <a:off x="467544" y="1988840"/>
-            <a:ext cx="8229600" cy="1872208"/>
-          </a:xfrm>
-        </p:spPr>
-        <p:txBody>
-          <a:bodyPr>
-            <a:normAutofit/>
-          </a:bodyPr>
-          <a:lstStyle/>
-          <a:p>
-            <a:pPr>
-              <a:buNone/>
-            </a:pPr>
-            <a:r>
-              <a:rPr lang="fr-FR" sz="2000" dirty="0" smtClean="0"/>
-              <a:t>L’application (solution) est composé de 5 projets:</a:t>
-            </a:r>
-          </a:p>
-          <a:p>
-            <a:pPr lvl="1">
-              <a:buFont typeface="Wingdings" pitchFamily="2" charset="2"/>
-              <a:buChar char="§"/>
-            </a:pPr>
-            <a:r>
-              <a:rPr lang="fr-FR" sz="1600" b="1" dirty="0" err="1" smtClean="0"/>
-              <a:t>AbsMedical</a:t>
-            </a:r>
-            <a:endParaRPr lang="fr-FR" sz="1600" b="1" dirty="0" smtClean="0"/>
-          </a:p>
-          <a:p>
-            <a:pPr lvl="1">
-              <a:buFont typeface="Wingdings" pitchFamily="2" charset="2"/>
-              <a:buChar char="§"/>
-            </a:pPr>
-            <a:r>
-              <a:rPr lang="fr-FR" sz="1600" b="1" dirty="0" err="1" smtClean="0"/>
-              <a:t>AbsMedical.Data</a:t>
-            </a:r>
-            <a:endParaRPr lang="fr-FR" sz="1600" b="1" dirty="0" smtClean="0"/>
-          </a:p>
-          <a:p>
-            <a:pPr lvl="1">
-              <a:buFont typeface="Wingdings" pitchFamily="2" charset="2"/>
-              <a:buChar char="§"/>
-            </a:pPr>
-            <a:r>
-              <a:rPr lang="fr-FR" sz="1600" b="1" dirty="0" err="1" smtClean="0"/>
-              <a:t>AbsMedical.Shared</a:t>
-            </a:r>
-            <a:endParaRPr lang="fr-FR" sz="1600" b="1" dirty="0" smtClean="0"/>
-          </a:p>
-          <a:p>
-            <a:pPr lvl="1">
-              <a:buFont typeface="Wingdings" pitchFamily="2" charset="2"/>
-              <a:buChar char="§"/>
-            </a:pPr>
-            <a:r>
-              <a:rPr lang="fr-FR" sz="1600" b="1" dirty="0" smtClean="0"/>
-              <a:t>AbsMedical.NFC</a:t>
-            </a:r>
-          </a:p>
-          <a:p>
-            <a:pPr lvl="1">
-              <a:buFont typeface="Wingdings" pitchFamily="2" charset="2"/>
-              <a:buChar char="§"/>
-            </a:pPr>
-            <a:r>
-              <a:rPr lang="fr-FR" sz="1600" b="1" dirty="0" smtClean="0"/>
-              <a:t>AbsMedical.WCF</a:t>
-            </a:r>
-            <a:endParaRPr lang="fr-FR" sz="2000" b="1" dirty="0" smtClean="0"/>
-          </a:p>
-          <a:p>
-            <a:pPr lvl="1">
-              <a:buNone/>
-            </a:pPr>
-            <a:endParaRPr lang="fr-FR" sz="2000" b="1" dirty="0" smtClean="0"/>
-          </a:p>
-        </p:txBody>
-      </p:sp>
-      <p:sp>
-        <p:nvSpPr>
           <p:cNvPr id="3" name="Titre 2"/>
           <p:cNvSpPr>
             <a:spLocks noGrp="1"/>
@@ -8280,8 +7660,8 @@
         </p:blipFill>
         <p:spPr>
           <a:xfrm>
-            <a:off x="4932040" y="3068960"/>
-            <a:ext cx="620688" cy="620688"/>
+            <a:off x="5580112" y="4509120"/>
+            <a:ext cx="392071" cy="392071"/>
           </a:xfrm>
           <a:prstGeom prst="rect">
             <a:avLst/>
@@ -8304,8 +7684,8 @@
         </p:blipFill>
         <p:spPr>
           <a:xfrm>
-            <a:off x="3131840" y="4509120"/>
-            <a:ext cx="757278" cy="650577"/>
+            <a:off x="4427984" y="5445224"/>
+            <a:ext cx="478351" cy="410951"/>
           </a:xfrm>
           <a:prstGeom prst="rect">
             <a:avLst/>
@@ -8328,8 +7708,8 @@
         </p:blipFill>
         <p:spPr>
           <a:xfrm>
-            <a:off x="6804248" y="4518992"/>
-            <a:ext cx="638200" cy="638200"/>
+            <a:off x="6732240" y="5301208"/>
+            <a:ext cx="403133" cy="403133"/>
           </a:xfrm>
           <a:prstGeom prst="rect">
             <a:avLst/>
@@ -8352,8 +7732,8 @@
         </p:blipFill>
         <p:spPr>
           <a:xfrm>
-            <a:off x="5004048" y="5877272"/>
-            <a:ext cx="648072" cy="648072"/>
+            <a:off x="5652120" y="6309320"/>
+            <a:ext cx="409369" cy="409369"/>
           </a:xfrm>
           <a:prstGeom prst="rect">
             <a:avLst/>
@@ -8368,8 +7748,8 @@
         </p:nvCxnSpPr>
         <p:spPr>
           <a:xfrm flipV="1">
-            <a:off x="5292080" y="5157192"/>
-            <a:ext cx="0" cy="648072"/>
+            <a:off x="5868144" y="5805264"/>
+            <a:ext cx="0" cy="432047"/>
           </a:xfrm>
           <a:prstGeom prst="straightConnector1">
             <a:avLst/>
@@ -8402,8 +7782,8 @@
         </p:nvCxnSpPr>
         <p:spPr>
           <a:xfrm>
-            <a:off x="5652120" y="4797152"/>
-            <a:ext cx="1008112" cy="0"/>
+            <a:off x="6156176" y="5517232"/>
+            <a:ext cx="513023" cy="0"/>
           </a:xfrm>
           <a:prstGeom prst="straightConnector1">
             <a:avLst/>
@@ -8436,8 +7816,8 @@
         </p:nvCxnSpPr>
         <p:spPr>
           <a:xfrm>
-            <a:off x="3923928" y="4797152"/>
-            <a:ext cx="1008112" cy="0"/>
+            <a:off x="5004048" y="5589240"/>
+            <a:ext cx="513023" cy="0"/>
           </a:xfrm>
           <a:prstGeom prst="straightConnector1">
             <a:avLst/>
@@ -8470,8 +7850,8 @@
         </p:nvCxnSpPr>
         <p:spPr>
           <a:xfrm flipV="1">
-            <a:off x="3779912" y="3645024"/>
-            <a:ext cx="1152128" cy="792088"/>
+            <a:off x="4788024" y="4869160"/>
+            <a:ext cx="802432" cy="576064"/>
           </a:xfrm>
           <a:prstGeom prst="straightConnector1">
             <a:avLst/>
@@ -8504,8 +7884,8 @@
         </p:nvCxnSpPr>
         <p:spPr>
           <a:xfrm>
-            <a:off x="3779912" y="5157192"/>
-            <a:ext cx="1152128" cy="720080"/>
+            <a:off x="4860032" y="5805264"/>
+            <a:ext cx="720080" cy="504056"/>
           </a:xfrm>
           <a:prstGeom prst="straightConnector1">
             <a:avLst/>
@@ -8546,14 +7926,3606 @@
         </p:blipFill>
         <p:spPr>
           <a:xfrm>
-            <a:off x="4993614" y="4509120"/>
-            <a:ext cx="586498" cy="586498"/>
+            <a:off x="5641686" y="5362782"/>
+            <a:ext cx="370474" cy="370474"/>
           </a:xfrm>
           <a:prstGeom prst="rect">
             <a:avLst/>
           </a:prstGeom>
         </p:spPr>
       </p:pic>
+      <p:pic>
+        <p:nvPicPr>
+          <p:cNvPr id="1026" name="Picture 2"/>
+          <p:cNvPicPr>
+            <a:picLocks noChangeAspect="1" noChangeArrowheads="1"/>
+          </p:cNvPicPr>
+          <p:nvPr/>
+        </p:nvPicPr>
+        <p:blipFill>
+          <a:blip r:embed="rId8" cstate="print"/>
+          <a:srcRect/>
+          <a:stretch>
+            <a:fillRect/>
+          </a:stretch>
+        </p:blipFill>
+        <p:spPr bwMode="auto">
+          <a:xfrm>
+            <a:off x="395536" y="1988840"/>
+            <a:ext cx="1916304" cy="3679304"/>
+          </a:xfrm>
+          <a:prstGeom prst="rect">
+            <a:avLst/>
+          </a:prstGeom>
+          <a:noFill/>
+          <a:ln w="9525">
+            <a:noFill/>
+            <a:miter lim="800000"/>
+            <a:headEnd/>
+            <a:tailEnd/>
+          </a:ln>
+        </p:spPr>
+      </p:pic>
+      <p:pic>
+        <p:nvPicPr>
+          <p:cNvPr id="1028" name="Picture 4"/>
+          <p:cNvPicPr>
+            <a:picLocks noChangeAspect="1" noChangeArrowheads="1"/>
+          </p:cNvPicPr>
+          <p:nvPr/>
+        </p:nvPicPr>
+        <p:blipFill>
+          <a:blip r:embed="rId9" cstate="print"/>
+          <a:srcRect/>
+          <a:stretch>
+            <a:fillRect/>
+          </a:stretch>
+        </p:blipFill>
+        <p:spPr bwMode="auto">
+          <a:xfrm>
+            <a:off x="2411760" y="1988840"/>
+            <a:ext cx="2295525" cy="2971800"/>
+          </a:xfrm>
+          <a:prstGeom prst="rect">
+            <a:avLst/>
+          </a:prstGeom>
+          <a:noFill/>
+          <a:ln w="9525">
+            <a:noFill/>
+            <a:miter lim="800000"/>
+            <a:headEnd/>
+            <a:tailEnd/>
+          </a:ln>
+        </p:spPr>
+      </p:pic>
+      <p:pic>
+        <p:nvPicPr>
+          <p:cNvPr id="1030" name="Picture 6"/>
+          <p:cNvPicPr>
+            <a:picLocks noChangeAspect="1" noChangeArrowheads="1"/>
+          </p:cNvPicPr>
+          <p:nvPr/>
+        </p:nvPicPr>
+        <p:blipFill>
+          <a:blip r:embed="rId10" cstate="print"/>
+          <a:srcRect/>
+          <a:stretch>
+            <a:fillRect/>
+          </a:stretch>
+        </p:blipFill>
+        <p:spPr bwMode="auto">
+          <a:xfrm>
+            <a:off x="4788024" y="1988840"/>
+            <a:ext cx="1733550" cy="914400"/>
+          </a:xfrm>
+          <a:prstGeom prst="rect">
+            <a:avLst/>
+          </a:prstGeom>
+          <a:noFill/>
+          <a:ln w="9525">
+            <a:noFill/>
+            <a:miter lim="800000"/>
+            <a:headEnd/>
+            <a:tailEnd/>
+          </a:ln>
+        </p:spPr>
+      </p:pic>
+      <p:pic>
+        <p:nvPicPr>
+          <p:cNvPr id="1031" name="Picture 7"/>
+          <p:cNvPicPr>
+            <a:picLocks noChangeAspect="1" noChangeArrowheads="1"/>
+          </p:cNvPicPr>
+          <p:nvPr/>
+        </p:nvPicPr>
+        <p:blipFill>
+          <a:blip r:embed="rId11" cstate="print"/>
+          <a:srcRect/>
+          <a:stretch>
+            <a:fillRect/>
+          </a:stretch>
+        </p:blipFill>
+        <p:spPr bwMode="auto">
+          <a:xfrm>
+            <a:off x="4788024" y="2996952"/>
+            <a:ext cx="1724025" cy="704850"/>
+          </a:xfrm>
+          <a:prstGeom prst="rect">
+            <a:avLst/>
+          </a:prstGeom>
+          <a:noFill/>
+          <a:ln w="9525">
+            <a:noFill/>
+            <a:miter lim="800000"/>
+            <a:headEnd/>
+            <a:tailEnd/>
+          </a:ln>
+        </p:spPr>
+      </p:pic>
+      <p:pic>
+        <p:nvPicPr>
+          <p:cNvPr id="1032" name="Picture 8"/>
+          <p:cNvPicPr>
+            <a:picLocks noChangeAspect="1" noChangeArrowheads="1"/>
+          </p:cNvPicPr>
+          <p:nvPr/>
+        </p:nvPicPr>
+        <p:blipFill>
+          <a:blip r:embed="rId12" cstate="print"/>
+          <a:srcRect/>
+          <a:stretch>
+            <a:fillRect/>
+          </a:stretch>
+        </p:blipFill>
+        <p:spPr bwMode="auto">
+          <a:xfrm>
+            <a:off x="6588224" y="1988840"/>
+            <a:ext cx="2019300" cy="3114675"/>
+          </a:xfrm>
+          <a:prstGeom prst="rect">
+            <a:avLst/>
+          </a:prstGeom>
+          <a:noFill/>
+          <a:ln w="9525">
+            <a:noFill/>
+            <a:miter lim="800000"/>
+            <a:headEnd/>
+            <a:tailEnd/>
+          </a:ln>
+        </p:spPr>
+      </p:pic>
+    </p:spTree>
+  </p:cSld>
+  <p:clrMapOvr>
+    <a:masterClrMapping/>
+  </p:clrMapOvr>
+</p:sld>
+</file>
+
+<file path=ppt/slides/slide14.xml><?xml version="1.0" encoding="utf-8"?>
+<p:sld xmlns:a="http://schemas.openxmlformats.org/drawingml/2006/main" xmlns:r="http://schemas.openxmlformats.org/officeDocument/2006/relationships" xmlns:p="http://schemas.openxmlformats.org/presentationml/2006/main">
+  <p:cSld>
+    <p:spTree>
+      <p:nvGrpSpPr>
+        <p:cNvPr id="1" name=""/>
+        <p:cNvGrpSpPr/>
+        <p:nvPr/>
+      </p:nvGrpSpPr>
+      <p:grpSpPr>
+        <a:xfrm>
+          <a:off x="0" y="0"/>
+          <a:ext cx="0" cy="0"/>
+          <a:chOff x="0" y="0"/>
+          <a:chExt cx="0" cy="0"/>
+        </a:xfrm>
+      </p:grpSpPr>
+      <p:sp>
+        <p:nvSpPr>
+          <p:cNvPr id="2" name="Espace réservé du contenu 1"/>
+          <p:cNvSpPr>
+            <a:spLocks noGrp="1"/>
+          </p:cNvSpPr>
+          <p:nvPr>
+            <p:ph idx="1"/>
+          </p:nvPr>
+        </p:nvSpPr>
+        <p:spPr>
+          <a:xfrm>
+            <a:off x="467544" y="1988840"/>
+            <a:ext cx="8229600" cy="3963896"/>
+          </a:xfrm>
+        </p:spPr>
+        <p:txBody>
+          <a:bodyPr>
+            <a:normAutofit/>
+          </a:bodyPr>
+          <a:lstStyle/>
+          <a:p>
+            <a:pPr>
+              <a:buFont typeface="Wingdings" pitchFamily="2" charset="2"/>
+              <a:buChar char="q"/>
+            </a:pPr>
+            <a:r>
+              <a:rPr lang="fr-FR" sz="2000" b="1" dirty="0" smtClean="0"/>
+              <a:t>Connexion à l’application</a:t>
+            </a:r>
+            <a:endParaRPr lang="fr-FR" sz="2000" b="1" dirty="0" smtClean="0"/>
+          </a:p>
+        </p:txBody>
+      </p:sp>
+      <p:sp>
+        <p:nvSpPr>
+          <p:cNvPr id="3" name="Titre 2"/>
+          <p:cNvSpPr>
+            <a:spLocks noGrp="1"/>
+          </p:cNvSpPr>
+          <p:nvPr>
+            <p:ph type="title"/>
+          </p:nvPr>
+        </p:nvSpPr>
+        <p:spPr/>
+        <p:txBody>
+          <a:bodyPr>
+            <a:normAutofit/>
+          </a:bodyPr>
+          <a:lstStyle/>
+          <a:p>
+            <a:pPr algn="r"/>
+            <a:r>
+              <a:rPr lang="fr-FR" sz="1400" dirty="0" smtClean="0"/>
+              <a:t>Présentation de l’application</a:t>
+            </a:r>
+            <a:endParaRPr lang="fr-FR" sz="1400" dirty="0"/>
+          </a:p>
+        </p:txBody>
+      </p:sp>
+      <p:sp>
+        <p:nvSpPr>
+          <p:cNvPr id="10" name="Rectangle 9"/>
+          <p:cNvSpPr/>
+          <p:nvPr/>
+        </p:nvSpPr>
+        <p:spPr>
+          <a:xfrm>
+            <a:off x="467544" y="1268760"/>
+            <a:ext cx="3961341" cy="523220"/>
+          </a:xfrm>
+          <a:prstGeom prst="rect">
+            <a:avLst/>
+          </a:prstGeom>
+        </p:spPr>
+        <p:txBody>
+          <a:bodyPr wrap="none">
+            <a:spAutoFit/>
+          </a:bodyPr>
+          <a:lstStyle/>
+          <a:p>
+            <a:pPr lvl="0"/>
+            <a:r>
+              <a:rPr lang="fr-FR" sz="2800" dirty="0" smtClean="0">
+                <a:solidFill>
+                  <a:srgbClr val="002060"/>
+                </a:solidFill>
+              </a:rPr>
+              <a:t>Interfaces graphiques</a:t>
+            </a:r>
+            <a:endParaRPr lang="fr-FR" sz="2800" dirty="0">
+              <a:solidFill>
+                <a:srgbClr val="002060"/>
+              </a:solidFill>
+            </a:endParaRPr>
+          </a:p>
+        </p:txBody>
+      </p:sp>
+      <p:pic>
+        <p:nvPicPr>
+          <p:cNvPr id="2052" name="Picture 4"/>
+          <p:cNvPicPr>
+            <a:picLocks noChangeAspect="1" noChangeArrowheads="1"/>
+          </p:cNvPicPr>
+          <p:nvPr/>
+        </p:nvPicPr>
+        <p:blipFill>
+          <a:blip r:embed="rId3" cstate="print"/>
+          <a:srcRect/>
+          <a:stretch>
+            <a:fillRect/>
+          </a:stretch>
+        </p:blipFill>
+        <p:spPr bwMode="auto">
+          <a:xfrm>
+            <a:off x="971600" y="2636912"/>
+            <a:ext cx="5000625" cy="2228850"/>
+          </a:xfrm>
+          <a:prstGeom prst="rect">
+            <a:avLst/>
+          </a:prstGeom>
+          <a:noFill/>
+          <a:ln w="9525">
+            <a:noFill/>
+            <a:miter lim="800000"/>
+            <a:headEnd/>
+            <a:tailEnd/>
+          </a:ln>
+        </p:spPr>
+      </p:pic>
+    </p:spTree>
+  </p:cSld>
+  <p:clrMapOvr>
+    <a:masterClrMapping/>
+  </p:clrMapOvr>
+</p:sld>
+</file>
+
+<file path=ppt/slides/slide15.xml><?xml version="1.0" encoding="utf-8"?>
+<p:sld xmlns:a="http://schemas.openxmlformats.org/drawingml/2006/main" xmlns:r="http://schemas.openxmlformats.org/officeDocument/2006/relationships" xmlns:p="http://schemas.openxmlformats.org/presentationml/2006/main">
+  <p:cSld>
+    <p:spTree>
+      <p:nvGrpSpPr>
+        <p:cNvPr id="1" name=""/>
+        <p:cNvGrpSpPr/>
+        <p:nvPr/>
+      </p:nvGrpSpPr>
+      <p:grpSpPr>
+        <a:xfrm>
+          <a:off x="0" y="0"/>
+          <a:ext cx="0" cy="0"/>
+          <a:chOff x="0" y="0"/>
+          <a:chExt cx="0" cy="0"/>
+        </a:xfrm>
+      </p:grpSpPr>
+      <p:sp>
+        <p:nvSpPr>
+          <p:cNvPr id="2" name="Espace réservé du contenu 1"/>
+          <p:cNvSpPr>
+            <a:spLocks noGrp="1"/>
+          </p:cNvSpPr>
+          <p:nvPr>
+            <p:ph idx="1"/>
+          </p:nvPr>
+        </p:nvSpPr>
+        <p:spPr>
+          <a:xfrm>
+            <a:off x="467544" y="1988840"/>
+            <a:ext cx="8229600" cy="3963896"/>
+          </a:xfrm>
+        </p:spPr>
+        <p:txBody>
+          <a:bodyPr>
+            <a:normAutofit/>
+          </a:bodyPr>
+          <a:lstStyle/>
+          <a:p>
+            <a:pPr>
+              <a:buFont typeface="Wingdings" pitchFamily="2" charset="2"/>
+              <a:buChar char="q"/>
+            </a:pPr>
+            <a:r>
+              <a:rPr lang="fr-FR" sz="2000" b="1" dirty="0" smtClean="0"/>
+              <a:t>Menu principal</a:t>
+            </a:r>
+            <a:endParaRPr lang="fr-FR" sz="2000" b="1" dirty="0" smtClean="0"/>
+          </a:p>
+        </p:txBody>
+      </p:sp>
+      <p:sp>
+        <p:nvSpPr>
+          <p:cNvPr id="3" name="Titre 2"/>
+          <p:cNvSpPr>
+            <a:spLocks noGrp="1"/>
+          </p:cNvSpPr>
+          <p:nvPr>
+            <p:ph type="title"/>
+          </p:nvPr>
+        </p:nvSpPr>
+        <p:spPr/>
+        <p:txBody>
+          <a:bodyPr>
+            <a:normAutofit/>
+          </a:bodyPr>
+          <a:lstStyle/>
+          <a:p>
+            <a:pPr algn="r"/>
+            <a:r>
+              <a:rPr lang="fr-FR" sz="1400" dirty="0" smtClean="0"/>
+              <a:t>Présentation de l’application</a:t>
+            </a:r>
+            <a:endParaRPr lang="fr-FR" sz="1400" dirty="0"/>
+          </a:p>
+        </p:txBody>
+      </p:sp>
+      <p:sp>
+        <p:nvSpPr>
+          <p:cNvPr id="10" name="Rectangle 9"/>
+          <p:cNvSpPr/>
+          <p:nvPr/>
+        </p:nvSpPr>
+        <p:spPr>
+          <a:xfrm>
+            <a:off x="467544" y="1268760"/>
+            <a:ext cx="3961341" cy="523220"/>
+          </a:xfrm>
+          <a:prstGeom prst="rect">
+            <a:avLst/>
+          </a:prstGeom>
+        </p:spPr>
+        <p:txBody>
+          <a:bodyPr wrap="none">
+            <a:spAutoFit/>
+          </a:bodyPr>
+          <a:lstStyle/>
+          <a:p>
+            <a:pPr lvl="0"/>
+            <a:r>
+              <a:rPr lang="fr-FR" sz="2800" dirty="0" smtClean="0">
+                <a:solidFill>
+                  <a:srgbClr val="002060"/>
+                </a:solidFill>
+              </a:rPr>
+              <a:t>Interfaces graphiques</a:t>
+            </a:r>
+            <a:endParaRPr lang="fr-FR" sz="2800" dirty="0">
+              <a:solidFill>
+                <a:srgbClr val="002060"/>
+              </a:solidFill>
+            </a:endParaRPr>
+          </a:p>
+        </p:txBody>
+      </p:sp>
+      <p:pic>
+        <p:nvPicPr>
+          <p:cNvPr id="3074" name="Picture 2"/>
+          <p:cNvPicPr>
+            <a:picLocks noChangeAspect="1" noChangeArrowheads="1"/>
+          </p:cNvPicPr>
+          <p:nvPr/>
+        </p:nvPicPr>
+        <p:blipFill>
+          <a:blip r:embed="rId3" cstate="print"/>
+          <a:srcRect/>
+          <a:stretch>
+            <a:fillRect/>
+          </a:stretch>
+        </p:blipFill>
+        <p:spPr bwMode="auto">
+          <a:xfrm>
+            <a:off x="987904" y="2564904"/>
+            <a:ext cx="6104376" cy="2748905"/>
+          </a:xfrm>
+          <a:prstGeom prst="rect">
+            <a:avLst/>
+          </a:prstGeom>
+          <a:noFill/>
+          <a:ln w="9525">
+            <a:noFill/>
+            <a:miter lim="800000"/>
+            <a:headEnd/>
+            <a:tailEnd/>
+          </a:ln>
+        </p:spPr>
+      </p:pic>
+    </p:spTree>
+  </p:cSld>
+  <p:clrMapOvr>
+    <a:masterClrMapping/>
+  </p:clrMapOvr>
+</p:sld>
+</file>
+
+<file path=ppt/slides/slide16.xml><?xml version="1.0" encoding="utf-8"?>
+<p:sld xmlns:a="http://schemas.openxmlformats.org/drawingml/2006/main" xmlns:r="http://schemas.openxmlformats.org/officeDocument/2006/relationships" xmlns:p="http://schemas.openxmlformats.org/presentationml/2006/main">
+  <p:cSld>
+    <p:spTree>
+      <p:nvGrpSpPr>
+        <p:cNvPr id="1" name=""/>
+        <p:cNvGrpSpPr/>
+        <p:nvPr/>
+      </p:nvGrpSpPr>
+      <p:grpSpPr>
+        <a:xfrm>
+          <a:off x="0" y="0"/>
+          <a:ext cx="0" cy="0"/>
+          <a:chOff x="0" y="0"/>
+          <a:chExt cx="0" cy="0"/>
+        </a:xfrm>
+      </p:grpSpPr>
+      <p:sp>
+        <p:nvSpPr>
+          <p:cNvPr id="2" name="Espace réservé du contenu 1"/>
+          <p:cNvSpPr>
+            <a:spLocks noGrp="1"/>
+          </p:cNvSpPr>
+          <p:nvPr>
+            <p:ph idx="1"/>
+          </p:nvPr>
+        </p:nvSpPr>
+        <p:spPr>
+          <a:xfrm>
+            <a:off x="467544" y="1988840"/>
+            <a:ext cx="5256584" cy="504056"/>
+          </a:xfrm>
+        </p:spPr>
+        <p:txBody>
+          <a:bodyPr>
+            <a:normAutofit/>
+          </a:bodyPr>
+          <a:lstStyle/>
+          <a:p>
+            <a:pPr>
+              <a:buFont typeface="Wingdings" pitchFamily="2" charset="2"/>
+              <a:buChar char="q"/>
+            </a:pPr>
+            <a:r>
+              <a:rPr lang="fr-FR" sz="2000" b="1" dirty="0" smtClean="0"/>
+              <a:t>Enregistrement d’un certificat médical</a:t>
+            </a:r>
+            <a:endParaRPr lang="fr-FR" sz="2000" b="1" dirty="0" smtClean="0"/>
+          </a:p>
+        </p:txBody>
+      </p:sp>
+      <p:sp>
+        <p:nvSpPr>
+          <p:cNvPr id="3" name="Titre 2"/>
+          <p:cNvSpPr>
+            <a:spLocks noGrp="1"/>
+          </p:cNvSpPr>
+          <p:nvPr>
+            <p:ph type="title"/>
+          </p:nvPr>
+        </p:nvSpPr>
+        <p:spPr/>
+        <p:txBody>
+          <a:bodyPr>
+            <a:normAutofit/>
+          </a:bodyPr>
+          <a:lstStyle/>
+          <a:p>
+            <a:pPr algn="r"/>
+            <a:r>
+              <a:rPr lang="fr-FR" sz="1400" dirty="0" smtClean="0"/>
+              <a:t>Présentation de l’application</a:t>
+            </a:r>
+            <a:endParaRPr lang="fr-FR" sz="1400" dirty="0"/>
+          </a:p>
+        </p:txBody>
+      </p:sp>
+      <p:sp>
+        <p:nvSpPr>
+          <p:cNvPr id="10" name="Rectangle 9"/>
+          <p:cNvSpPr/>
+          <p:nvPr/>
+        </p:nvSpPr>
+        <p:spPr>
+          <a:xfrm>
+            <a:off x="467544" y="1268760"/>
+            <a:ext cx="3961341" cy="523220"/>
+          </a:xfrm>
+          <a:prstGeom prst="rect">
+            <a:avLst/>
+          </a:prstGeom>
+        </p:spPr>
+        <p:txBody>
+          <a:bodyPr wrap="none">
+            <a:spAutoFit/>
+          </a:bodyPr>
+          <a:lstStyle/>
+          <a:p>
+            <a:pPr lvl="0"/>
+            <a:r>
+              <a:rPr lang="fr-FR" sz="2800" dirty="0" smtClean="0">
+                <a:solidFill>
+                  <a:srgbClr val="002060"/>
+                </a:solidFill>
+              </a:rPr>
+              <a:t>Interfaces graphiques</a:t>
+            </a:r>
+            <a:endParaRPr lang="fr-FR" sz="2800" dirty="0">
+              <a:solidFill>
+                <a:srgbClr val="002060"/>
+              </a:solidFill>
+            </a:endParaRPr>
+          </a:p>
+        </p:txBody>
+      </p:sp>
+      <p:pic>
+        <p:nvPicPr>
+          <p:cNvPr id="4099" name="Picture 3"/>
+          <p:cNvPicPr>
+            <a:picLocks noChangeAspect="1" noChangeArrowheads="1"/>
+          </p:cNvPicPr>
+          <p:nvPr/>
+        </p:nvPicPr>
+        <p:blipFill>
+          <a:blip r:embed="rId3" cstate="print"/>
+          <a:srcRect/>
+          <a:stretch>
+            <a:fillRect/>
+          </a:stretch>
+        </p:blipFill>
+        <p:spPr bwMode="auto">
+          <a:xfrm>
+            <a:off x="5724128" y="1916832"/>
+            <a:ext cx="1368152" cy="463027"/>
+          </a:xfrm>
+          <a:prstGeom prst="rect">
+            <a:avLst/>
+          </a:prstGeom>
+          <a:noFill/>
+          <a:ln w="9525">
+            <a:noFill/>
+            <a:miter lim="800000"/>
+            <a:headEnd/>
+            <a:tailEnd/>
+          </a:ln>
+        </p:spPr>
+      </p:pic>
+      <p:pic>
+        <p:nvPicPr>
+          <p:cNvPr id="4100" name="Picture 4"/>
+          <p:cNvPicPr>
+            <a:picLocks noChangeAspect="1" noChangeArrowheads="1"/>
+          </p:cNvPicPr>
+          <p:nvPr/>
+        </p:nvPicPr>
+        <p:blipFill>
+          <a:blip r:embed="rId4" cstate="print"/>
+          <a:srcRect/>
+          <a:stretch>
+            <a:fillRect/>
+          </a:stretch>
+        </p:blipFill>
+        <p:spPr bwMode="auto">
+          <a:xfrm>
+            <a:off x="827584" y="2564904"/>
+            <a:ext cx="5832648" cy="4191842"/>
+          </a:xfrm>
+          <a:prstGeom prst="rect">
+            <a:avLst/>
+          </a:prstGeom>
+          <a:noFill/>
+          <a:ln w="9525">
+            <a:noFill/>
+            <a:miter lim="800000"/>
+            <a:headEnd/>
+            <a:tailEnd/>
+          </a:ln>
+        </p:spPr>
+      </p:pic>
+    </p:spTree>
+  </p:cSld>
+  <p:clrMapOvr>
+    <a:masterClrMapping/>
+  </p:clrMapOvr>
+</p:sld>
+</file>
+
+<file path=ppt/slides/slide17.xml><?xml version="1.0" encoding="utf-8"?>
+<p:sld xmlns:a="http://schemas.openxmlformats.org/drawingml/2006/main" xmlns:r="http://schemas.openxmlformats.org/officeDocument/2006/relationships" xmlns:p="http://schemas.openxmlformats.org/presentationml/2006/main">
+  <p:cSld>
+    <p:spTree>
+      <p:nvGrpSpPr>
+        <p:cNvPr id="1" name=""/>
+        <p:cNvGrpSpPr/>
+        <p:nvPr/>
+      </p:nvGrpSpPr>
+      <p:grpSpPr>
+        <a:xfrm>
+          <a:off x="0" y="0"/>
+          <a:ext cx="0" cy="0"/>
+          <a:chOff x="0" y="0"/>
+          <a:chExt cx="0" cy="0"/>
+        </a:xfrm>
+      </p:grpSpPr>
+      <p:sp>
+        <p:nvSpPr>
+          <p:cNvPr id="2" name="Espace réservé du contenu 1"/>
+          <p:cNvSpPr>
+            <a:spLocks noGrp="1"/>
+          </p:cNvSpPr>
+          <p:nvPr>
+            <p:ph idx="1"/>
+          </p:nvPr>
+        </p:nvSpPr>
+        <p:spPr>
+          <a:xfrm>
+            <a:off x="467544" y="1988840"/>
+            <a:ext cx="5256584" cy="504056"/>
+          </a:xfrm>
+        </p:spPr>
+        <p:txBody>
+          <a:bodyPr>
+            <a:normAutofit/>
+          </a:bodyPr>
+          <a:lstStyle/>
+          <a:p>
+            <a:pPr>
+              <a:buFont typeface="Wingdings" pitchFamily="2" charset="2"/>
+              <a:buChar char="q"/>
+            </a:pPr>
+            <a:r>
+              <a:rPr lang="fr-FR" sz="2000" b="1" dirty="0" smtClean="0"/>
+              <a:t>Gestion du profil médecin</a:t>
+            </a:r>
+            <a:endParaRPr lang="fr-FR" sz="2000" b="1" dirty="0" smtClean="0"/>
+          </a:p>
+        </p:txBody>
+      </p:sp>
+      <p:sp>
+        <p:nvSpPr>
+          <p:cNvPr id="3" name="Titre 2"/>
+          <p:cNvSpPr>
+            <a:spLocks noGrp="1"/>
+          </p:cNvSpPr>
+          <p:nvPr>
+            <p:ph type="title"/>
+          </p:nvPr>
+        </p:nvSpPr>
+        <p:spPr/>
+        <p:txBody>
+          <a:bodyPr>
+            <a:normAutofit/>
+          </a:bodyPr>
+          <a:lstStyle/>
+          <a:p>
+            <a:pPr algn="r"/>
+            <a:r>
+              <a:rPr lang="fr-FR" sz="1400" dirty="0" smtClean="0"/>
+              <a:t>Présentation de l’application</a:t>
+            </a:r>
+            <a:endParaRPr lang="fr-FR" sz="1400" dirty="0"/>
+          </a:p>
+        </p:txBody>
+      </p:sp>
+      <p:sp>
+        <p:nvSpPr>
+          <p:cNvPr id="10" name="Rectangle 9"/>
+          <p:cNvSpPr/>
+          <p:nvPr/>
+        </p:nvSpPr>
+        <p:spPr>
+          <a:xfrm>
+            <a:off x="467544" y="1268760"/>
+            <a:ext cx="3961341" cy="523220"/>
+          </a:xfrm>
+          <a:prstGeom prst="rect">
+            <a:avLst/>
+          </a:prstGeom>
+        </p:spPr>
+        <p:txBody>
+          <a:bodyPr wrap="none">
+            <a:spAutoFit/>
+          </a:bodyPr>
+          <a:lstStyle/>
+          <a:p>
+            <a:pPr lvl="0"/>
+            <a:r>
+              <a:rPr lang="fr-FR" sz="2800" dirty="0" smtClean="0">
+                <a:solidFill>
+                  <a:srgbClr val="002060"/>
+                </a:solidFill>
+              </a:rPr>
+              <a:t>Interfaces graphiques</a:t>
+            </a:r>
+            <a:endParaRPr lang="fr-FR" sz="2800" dirty="0">
+              <a:solidFill>
+                <a:srgbClr val="002060"/>
+              </a:solidFill>
+            </a:endParaRPr>
+          </a:p>
+        </p:txBody>
+      </p:sp>
+      <p:pic>
+        <p:nvPicPr>
+          <p:cNvPr id="8194" name="Picture 2"/>
+          <p:cNvPicPr>
+            <a:picLocks noChangeAspect="1" noChangeArrowheads="1"/>
+          </p:cNvPicPr>
+          <p:nvPr/>
+        </p:nvPicPr>
+        <p:blipFill>
+          <a:blip r:embed="rId3" cstate="print"/>
+          <a:srcRect/>
+          <a:stretch>
+            <a:fillRect/>
+          </a:stretch>
+        </p:blipFill>
+        <p:spPr bwMode="auto">
+          <a:xfrm>
+            <a:off x="4355976" y="1844824"/>
+            <a:ext cx="1016636" cy="664468"/>
+          </a:xfrm>
+          <a:prstGeom prst="rect">
+            <a:avLst/>
+          </a:prstGeom>
+          <a:noFill/>
+          <a:ln w="9525">
+            <a:noFill/>
+            <a:miter lim="800000"/>
+            <a:headEnd/>
+            <a:tailEnd/>
+          </a:ln>
+        </p:spPr>
+      </p:pic>
+      <p:pic>
+        <p:nvPicPr>
+          <p:cNvPr id="8195" name="Picture 3"/>
+          <p:cNvPicPr>
+            <a:picLocks noChangeAspect="1" noChangeArrowheads="1"/>
+          </p:cNvPicPr>
+          <p:nvPr/>
+        </p:nvPicPr>
+        <p:blipFill>
+          <a:blip r:embed="rId4" cstate="print"/>
+          <a:srcRect/>
+          <a:stretch>
+            <a:fillRect/>
+          </a:stretch>
+        </p:blipFill>
+        <p:spPr bwMode="auto">
+          <a:xfrm>
+            <a:off x="899592" y="2708919"/>
+            <a:ext cx="5832648" cy="3993649"/>
+          </a:xfrm>
+          <a:prstGeom prst="rect">
+            <a:avLst/>
+          </a:prstGeom>
+          <a:noFill/>
+          <a:ln w="9525">
+            <a:noFill/>
+            <a:miter lim="800000"/>
+            <a:headEnd/>
+            <a:tailEnd/>
+          </a:ln>
+        </p:spPr>
+      </p:pic>
+    </p:spTree>
+  </p:cSld>
+  <p:clrMapOvr>
+    <a:masterClrMapping/>
+  </p:clrMapOvr>
+</p:sld>
+</file>
+
+<file path=ppt/slides/slide18.xml><?xml version="1.0" encoding="utf-8"?>
+<p:sld xmlns:a="http://schemas.openxmlformats.org/drawingml/2006/main" xmlns:r="http://schemas.openxmlformats.org/officeDocument/2006/relationships" xmlns:p="http://schemas.openxmlformats.org/presentationml/2006/main">
+  <p:cSld>
+    <p:spTree>
+      <p:nvGrpSpPr>
+        <p:cNvPr id="1" name=""/>
+        <p:cNvGrpSpPr/>
+        <p:nvPr/>
+      </p:nvGrpSpPr>
+      <p:grpSpPr>
+        <a:xfrm>
+          <a:off x="0" y="0"/>
+          <a:ext cx="0" cy="0"/>
+          <a:chOff x="0" y="0"/>
+          <a:chExt cx="0" cy="0"/>
+        </a:xfrm>
+      </p:grpSpPr>
+      <p:sp>
+        <p:nvSpPr>
+          <p:cNvPr id="2" name="Espace réservé du contenu 1"/>
+          <p:cNvSpPr>
+            <a:spLocks noGrp="1"/>
+          </p:cNvSpPr>
+          <p:nvPr>
+            <p:ph idx="1"/>
+          </p:nvPr>
+        </p:nvSpPr>
+        <p:spPr>
+          <a:xfrm>
+            <a:off x="467544" y="1988840"/>
+            <a:ext cx="5256584" cy="504056"/>
+          </a:xfrm>
+        </p:spPr>
+        <p:txBody>
+          <a:bodyPr>
+            <a:normAutofit/>
+          </a:bodyPr>
+          <a:lstStyle/>
+          <a:p>
+            <a:pPr>
+              <a:buFont typeface="Wingdings" pitchFamily="2" charset="2"/>
+              <a:buChar char="q"/>
+            </a:pPr>
+            <a:r>
+              <a:rPr lang="fr-FR" sz="2000" b="1" dirty="0" smtClean="0"/>
+              <a:t>Historique des certificats médical</a:t>
+            </a:r>
+            <a:endParaRPr lang="fr-FR" sz="2000" b="1" dirty="0" smtClean="0"/>
+          </a:p>
+        </p:txBody>
+      </p:sp>
+      <p:sp>
+        <p:nvSpPr>
+          <p:cNvPr id="3" name="Titre 2"/>
+          <p:cNvSpPr>
+            <a:spLocks noGrp="1"/>
+          </p:cNvSpPr>
+          <p:nvPr>
+            <p:ph type="title"/>
+          </p:nvPr>
+        </p:nvSpPr>
+        <p:spPr/>
+        <p:txBody>
+          <a:bodyPr>
+            <a:normAutofit/>
+          </a:bodyPr>
+          <a:lstStyle/>
+          <a:p>
+            <a:pPr algn="r"/>
+            <a:r>
+              <a:rPr lang="fr-FR" sz="1400" dirty="0" smtClean="0"/>
+              <a:t>Présentation de l’application</a:t>
+            </a:r>
+            <a:endParaRPr lang="fr-FR" sz="1400" dirty="0"/>
+          </a:p>
+        </p:txBody>
+      </p:sp>
+      <p:sp>
+        <p:nvSpPr>
+          <p:cNvPr id="10" name="Rectangle 9"/>
+          <p:cNvSpPr/>
+          <p:nvPr/>
+        </p:nvSpPr>
+        <p:spPr>
+          <a:xfrm>
+            <a:off x="467544" y="1268760"/>
+            <a:ext cx="3961341" cy="523220"/>
+          </a:xfrm>
+          <a:prstGeom prst="rect">
+            <a:avLst/>
+          </a:prstGeom>
+        </p:spPr>
+        <p:txBody>
+          <a:bodyPr wrap="none">
+            <a:spAutoFit/>
+          </a:bodyPr>
+          <a:lstStyle/>
+          <a:p>
+            <a:pPr lvl="0"/>
+            <a:r>
+              <a:rPr lang="fr-FR" sz="2800" dirty="0" smtClean="0">
+                <a:solidFill>
+                  <a:srgbClr val="002060"/>
+                </a:solidFill>
+              </a:rPr>
+              <a:t>Interfaces graphiques</a:t>
+            </a:r>
+            <a:endParaRPr lang="fr-FR" sz="2800" dirty="0">
+              <a:solidFill>
+                <a:srgbClr val="002060"/>
+              </a:solidFill>
+            </a:endParaRPr>
+          </a:p>
+        </p:txBody>
+      </p:sp>
+      <p:pic>
+        <p:nvPicPr>
+          <p:cNvPr id="9218" name="Picture 2"/>
+          <p:cNvPicPr>
+            <a:picLocks noChangeAspect="1" noChangeArrowheads="1"/>
+          </p:cNvPicPr>
+          <p:nvPr/>
+        </p:nvPicPr>
+        <p:blipFill>
+          <a:blip r:embed="rId3" cstate="print"/>
+          <a:srcRect/>
+          <a:stretch>
+            <a:fillRect/>
+          </a:stretch>
+        </p:blipFill>
+        <p:spPr bwMode="auto">
+          <a:xfrm>
+            <a:off x="5221147" y="1844824"/>
+            <a:ext cx="1151053" cy="648072"/>
+          </a:xfrm>
+          <a:prstGeom prst="rect">
+            <a:avLst/>
+          </a:prstGeom>
+          <a:noFill/>
+          <a:ln w="9525">
+            <a:noFill/>
+            <a:miter lim="800000"/>
+            <a:headEnd/>
+            <a:tailEnd/>
+          </a:ln>
+        </p:spPr>
+      </p:pic>
+      <p:pic>
+        <p:nvPicPr>
+          <p:cNvPr id="9219" name="Picture 3"/>
+          <p:cNvPicPr>
+            <a:picLocks noChangeAspect="1" noChangeArrowheads="1"/>
+          </p:cNvPicPr>
+          <p:nvPr/>
+        </p:nvPicPr>
+        <p:blipFill>
+          <a:blip r:embed="rId4" cstate="print"/>
+          <a:srcRect/>
+          <a:stretch>
+            <a:fillRect/>
+          </a:stretch>
+        </p:blipFill>
+        <p:spPr bwMode="auto">
+          <a:xfrm>
+            <a:off x="899592" y="2708920"/>
+            <a:ext cx="6912768" cy="3984345"/>
+          </a:xfrm>
+          <a:prstGeom prst="rect">
+            <a:avLst/>
+          </a:prstGeom>
+          <a:noFill/>
+          <a:ln w="9525">
+            <a:noFill/>
+            <a:miter lim="800000"/>
+            <a:headEnd/>
+            <a:tailEnd/>
+          </a:ln>
+        </p:spPr>
+      </p:pic>
+    </p:spTree>
+  </p:cSld>
+  <p:clrMapOvr>
+    <a:masterClrMapping/>
+  </p:clrMapOvr>
+</p:sld>
+</file>
+
+<file path=ppt/slides/slide19.xml><?xml version="1.0" encoding="utf-8"?>
+<p:sld xmlns:a="http://schemas.openxmlformats.org/drawingml/2006/main" xmlns:r="http://schemas.openxmlformats.org/officeDocument/2006/relationships" xmlns:p="http://schemas.openxmlformats.org/presentationml/2006/main">
+  <p:cSld>
+    <p:spTree>
+      <p:nvGrpSpPr>
+        <p:cNvPr id="1" name=""/>
+        <p:cNvGrpSpPr/>
+        <p:nvPr/>
+      </p:nvGrpSpPr>
+      <p:grpSpPr>
+        <a:xfrm>
+          <a:off x="0" y="0"/>
+          <a:ext cx="0" cy="0"/>
+          <a:chOff x="0" y="0"/>
+          <a:chExt cx="0" cy="0"/>
+        </a:xfrm>
+      </p:grpSpPr>
+      <p:sp>
+        <p:nvSpPr>
+          <p:cNvPr id="2" name="Espace réservé du contenu 1"/>
+          <p:cNvSpPr>
+            <a:spLocks noGrp="1"/>
+          </p:cNvSpPr>
+          <p:nvPr>
+            <p:ph idx="1"/>
+          </p:nvPr>
+        </p:nvSpPr>
+        <p:spPr>
+          <a:xfrm>
+            <a:off x="467544" y="1988840"/>
+            <a:ext cx="5256584" cy="504056"/>
+          </a:xfrm>
+        </p:spPr>
+        <p:txBody>
+          <a:bodyPr>
+            <a:normAutofit/>
+          </a:bodyPr>
+          <a:lstStyle/>
+          <a:p>
+            <a:pPr>
+              <a:buFont typeface="Wingdings" pitchFamily="2" charset="2"/>
+              <a:buChar char="q"/>
+            </a:pPr>
+            <a:r>
+              <a:rPr lang="fr-FR" sz="2000" b="1" dirty="0" smtClean="0"/>
+              <a:t>Gestion des étudiants</a:t>
+            </a:r>
+            <a:endParaRPr lang="fr-FR" sz="2000" b="1" dirty="0" smtClean="0"/>
+          </a:p>
+        </p:txBody>
+      </p:sp>
+      <p:sp>
+        <p:nvSpPr>
+          <p:cNvPr id="3" name="Titre 2"/>
+          <p:cNvSpPr>
+            <a:spLocks noGrp="1"/>
+          </p:cNvSpPr>
+          <p:nvPr>
+            <p:ph type="title"/>
+          </p:nvPr>
+        </p:nvSpPr>
+        <p:spPr/>
+        <p:txBody>
+          <a:bodyPr>
+            <a:normAutofit/>
+          </a:bodyPr>
+          <a:lstStyle/>
+          <a:p>
+            <a:pPr algn="r"/>
+            <a:r>
+              <a:rPr lang="fr-FR" sz="1400" dirty="0" smtClean="0"/>
+              <a:t>Présentation de l’application</a:t>
+            </a:r>
+            <a:endParaRPr lang="fr-FR" sz="1400" dirty="0"/>
+          </a:p>
+        </p:txBody>
+      </p:sp>
+      <p:sp>
+        <p:nvSpPr>
+          <p:cNvPr id="10" name="Rectangle 9"/>
+          <p:cNvSpPr/>
+          <p:nvPr/>
+        </p:nvSpPr>
+        <p:spPr>
+          <a:xfrm>
+            <a:off x="467544" y="1268760"/>
+            <a:ext cx="3961341" cy="523220"/>
+          </a:xfrm>
+          <a:prstGeom prst="rect">
+            <a:avLst/>
+          </a:prstGeom>
+        </p:spPr>
+        <p:txBody>
+          <a:bodyPr wrap="none">
+            <a:spAutoFit/>
+          </a:bodyPr>
+          <a:lstStyle/>
+          <a:p>
+            <a:pPr lvl="0"/>
+            <a:r>
+              <a:rPr lang="fr-FR" sz="2800" dirty="0" smtClean="0">
+                <a:solidFill>
+                  <a:srgbClr val="002060"/>
+                </a:solidFill>
+              </a:rPr>
+              <a:t>Interfaces graphiques</a:t>
+            </a:r>
+            <a:endParaRPr lang="fr-FR" sz="2800" dirty="0">
+              <a:solidFill>
+                <a:srgbClr val="002060"/>
+              </a:solidFill>
+            </a:endParaRPr>
+          </a:p>
+        </p:txBody>
+      </p:sp>
+      <p:pic>
+        <p:nvPicPr>
+          <p:cNvPr id="5122" name="Picture 2"/>
+          <p:cNvPicPr>
+            <a:picLocks noChangeAspect="1" noChangeArrowheads="1"/>
+          </p:cNvPicPr>
+          <p:nvPr/>
+        </p:nvPicPr>
+        <p:blipFill>
+          <a:blip r:embed="rId3" cstate="print"/>
+          <a:srcRect/>
+          <a:stretch>
+            <a:fillRect/>
+          </a:stretch>
+        </p:blipFill>
+        <p:spPr bwMode="auto">
+          <a:xfrm>
+            <a:off x="3851920" y="1916832"/>
+            <a:ext cx="1136724" cy="485564"/>
+          </a:xfrm>
+          <a:prstGeom prst="rect">
+            <a:avLst/>
+          </a:prstGeom>
+          <a:noFill/>
+          <a:ln w="9525">
+            <a:noFill/>
+            <a:miter lim="800000"/>
+            <a:headEnd/>
+            <a:tailEnd/>
+          </a:ln>
+        </p:spPr>
+      </p:pic>
+      <p:pic>
+        <p:nvPicPr>
+          <p:cNvPr id="5123" name="Picture 3"/>
+          <p:cNvPicPr>
+            <a:picLocks noChangeAspect="1" noChangeArrowheads="1"/>
+          </p:cNvPicPr>
+          <p:nvPr/>
+        </p:nvPicPr>
+        <p:blipFill>
+          <a:blip r:embed="rId4" cstate="print"/>
+          <a:srcRect/>
+          <a:stretch>
+            <a:fillRect/>
+          </a:stretch>
+        </p:blipFill>
+        <p:spPr bwMode="auto">
+          <a:xfrm>
+            <a:off x="251520" y="2924944"/>
+            <a:ext cx="8572500" cy="2038350"/>
+          </a:xfrm>
+          <a:prstGeom prst="rect">
+            <a:avLst/>
+          </a:prstGeom>
+          <a:noFill/>
+          <a:ln w="9525">
+            <a:noFill/>
+            <a:miter lim="800000"/>
+            <a:headEnd/>
+            <a:tailEnd/>
+          </a:ln>
+        </p:spPr>
+      </p:pic>
+    </p:spTree>
+  </p:cSld>
+  <p:clrMapOvr>
+    <a:masterClrMapping/>
+  </p:clrMapOvr>
+</p:sld>
+</file>
+
+<file path=ppt/slides/slide2.xml><?xml version="1.0" encoding="utf-8"?>
+<p:sld xmlns:a="http://schemas.openxmlformats.org/drawingml/2006/main" xmlns:r="http://schemas.openxmlformats.org/officeDocument/2006/relationships" xmlns:p="http://schemas.openxmlformats.org/presentationml/2006/main">
+  <p:cSld>
+    <p:spTree>
+      <p:nvGrpSpPr>
+        <p:cNvPr id="1" name=""/>
+        <p:cNvGrpSpPr/>
+        <p:nvPr/>
+      </p:nvGrpSpPr>
+      <p:grpSpPr>
+        <a:xfrm>
+          <a:off x="0" y="0"/>
+          <a:ext cx="0" cy="0"/>
+          <a:chOff x="0" y="0"/>
+          <a:chExt cx="0" cy="0"/>
+        </a:xfrm>
+      </p:grpSpPr>
+      <p:sp>
+        <p:nvSpPr>
+          <p:cNvPr id="2" name="Espace réservé du contenu 1"/>
+          <p:cNvSpPr>
+            <a:spLocks noGrp="1"/>
+          </p:cNvSpPr>
+          <p:nvPr>
+            <p:ph idx="1"/>
+          </p:nvPr>
+        </p:nvSpPr>
+        <p:spPr/>
+        <p:txBody>
+          <a:bodyPr/>
+          <a:lstStyle/>
+          <a:p>
+            <a:r>
+              <a:rPr lang="fr-FR" dirty="0" smtClean="0"/>
+              <a:t>Présentation du projet</a:t>
+            </a:r>
+          </a:p>
+          <a:p>
+            <a:r>
+              <a:rPr lang="fr-FR" dirty="0" smtClean="0"/>
+              <a:t>Technologies utilisées</a:t>
+            </a:r>
+          </a:p>
+          <a:p>
+            <a:r>
+              <a:rPr lang="fr-FR" dirty="0" smtClean="0"/>
+              <a:t>Présentation de l’application</a:t>
+            </a:r>
+          </a:p>
+          <a:p>
+            <a:r>
+              <a:rPr lang="fr-FR" dirty="0" smtClean="0"/>
+              <a:t>Démo</a:t>
+            </a:r>
+          </a:p>
+          <a:p>
+            <a:r>
+              <a:rPr lang="fr-FR" dirty="0" smtClean="0"/>
+              <a:t>Conclusion</a:t>
+            </a:r>
+          </a:p>
+          <a:p>
+            <a:r>
+              <a:rPr lang="fr-FR" dirty="0" smtClean="0"/>
+              <a:t>Question ?</a:t>
+            </a:r>
+            <a:endParaRPr lang="fr-FR" dirty="0"/>
+          </a:p>
+        </p:txBody>
+      </p:sp>
+      <p:sp>
+        <p:nvSpPr>
+          <p:cNvPr id="3" name="Titre 2"/>
+          <p:cNvSpPr>
+            <a:spLocks noGrp="1"/>
+          </p:cNvSpPr>
+          <p:nvPr>
+            <p:ph type="title"/>
+          </p:nvPr>
+        </p:nvSpPr>
+        <p:spPr/>
+        <p:txBody>
+          <a:bodyPr/>
+          <a:lstStyle/>
+          <a:p>
+            <a:r>
+              <a:rPr lang="fr-FR" dirty="0" smtClean="0"/>
+              <a:t>Sommaire</a:t>
+            </a:r>
+            <a:endParaRPr lang="fr-FR" dirty="0"/>
+          </a:p>
+        </p:txBody>
+      </p:sp>
+    </p:spTree>
+  </p:cSld>
+  <p:clrMapOvr>
+    <a:masterClrMapping/>
+  </p:clrMapOvr>
+</p:sld>
+</file>
+
+<file path=ppt/slides/slide20.xml><?xml version="1.0" encoding="utf-8"?>
+<p:sld xmlns:a="http://schemas.openxmlformats.org/drawingml/2006/main" xmlns:r="http://schemas.openxmlformats.org/officeDocument/2006/relationships" xmlns:p="http://schemas.openxmlformats.org/presentationml/2006/main">
+  <p:cSld>
+    <p:spTree>
+      <p:nvGrpSpPr>
+        <p:cNvPr id="1" name=""/>
+        <p:cNvGrpSpPr/>
+        <p:nvPr/>
+      </p:nvGrpSpPr>
+      <p:grpSpPr>
+        <a:xfrm>
+          <a:off x="0" y="0"/>
+          <a:ext cx="0" cy="0"/>
+          <a:chOff x="0" y="0"/>
+          <a:chExt cx="0" cy="0"/>
+        </a:xfrm>
+      </p:grpSpPr>
+      <p:sp>
+        <p:nvSpPr>
+          <p:cNvPr id="2" name="Espace réservé du contenu 1"/>
+          <p:cNvSpPr>
+            <a:spLocks noGrp="1"/>
+          </p:cNvSpPr>
+          <p:nvPr>
+            <p:ph idx="1"/>
+          </p:nvPr>
+        </p:nvSpPr>
+        <p:spPr>
+          <a:xfrm>
+            <a:off x="467544" y="1988840"/>
+            <a:ext cx="5256584" cy="504056"/>
+          </a:xfrm>
+        </p:spPr>
+        <p:txBody>
+          <a:bodyPr>
+            <a:normAutofit/>
+          </a:bodyPr>
+          <a:lstStyle/>
+          <a:p>
+            <a:pPr>
+              <a:buFont typeface="Wingdings" pitchFamily="2" charset="2"/>
+              <a:buChar char="q"/>
+            </a:pPr>
+            <a:r>
+              <a:rPr lang="fr-FR" sz="2000" b="1" dirty="0" smtClean="0"/>
+              <a:t>Enregistrement d’un nouvel étudiant</a:t>
+            </a:r>
+            <a:endParaRPr lang="fr-FR" sz="2000" b="1" dirty="0" smtClean="0"/>
+          </a:p>
+        </p:txBody>
+      </p:sp>
+      <p:sp>
+        <p:nvSpPr>
+          <p:cNvPr id="3" name="Titre 2"/>
+          <p:cNvSpPr>
+            <a:spLocks noGrp="1"/>
+          </p:cNvSpPr>
+          <p:nvPr>
+            <p:ph type="title"/>
+          </p:nvPr>
+        </p:nvSpPr>
+        <p:spPr/>
+        <p:txBody>
+          <a:bodyPr>
+            <a:normAutofit/>
+          </a:bodyPr>
+          <a:lstStyle/>
+          <a:p>
+            <a:pPr algn="r"/>
+            <a:r>
+              <a:rPr lang="fr-FR" sz="1400" dirty="0" smtClean="0"/>
+              <a:t>Présentation de l’application</a:t>
+            </a:r>
+            <a:endParaRPr lang="fr-FR" sz="1400" dirty="0"/>
+          </a:p>
+        </p:txBody>
+      </p:sp>
+      <p:sp>
+        <p:nvSpPr>
+          <p:cNvPr id="10" name="Rectangle 9"/>
+          <p:cNvSpPr/>
+          <p:nvPr/>
+        </p:nvSpPr>
+        <p:spPr>
+          <a:xfrm>
+            <a:off x="467544" y="1268760"/>
+            <a:ext cx="3961341" cy="523220"/>
+          </a:xfrm>
+          <a:prstGeom prst="rect">
+            <a:avLst/>
+          </a:prstGeom>
+        </p:spPr>
+        <p:txBody>
+          <a:bodyPr wrap="none">
+            <a:spAutoFit/>
+          </a:bodyPr>
+          <a:lstStyle/>
+          <a:p>
+            <a:pPr lvl="0"/>
+            <a:r>
+              <a:rPr lang="fr-FR" sz="2800" dirty="0" smtClean="0">
+                <a:solidFill>
+                  <a:srgbClr val="002060"/>
+                </a:solidFill>
+              </a:rPr>
+              <a:t>Interfaces graphiques</a:t>
+            </a:r>
+            <a:endParaRPr lang="fr-FR" sz="2800" dirty="0">
+              <a:solidFill>
+                <a:srgbClr val="002060"/>
+              </a:solidFill>
+            </a:endParaRPr>
+          </a:p>
+        </p:txBody>
+      </p:sp>
+      <p:pic>
+        <p:nvPicPr>
+          <p:cNvPr id="6146" name="Picture 2"/>
+          <p:cNvPicPr>
+            <a:picLocks noChangeAspect="1" noChangeArrowheads="1"/>
+          </p:cNvPicPr>
+          <p:nvPr/>
+        </p:nvPicPr>
+        <p:blipFill>
+          <a:blip r:embed="rId3" cstate="print"/>
+          <a:srcRect/>
+          <a:stretch>
+            <a:fillRect/>
+          </a:stretch>
+        </p:blipFill>
+        <p:spPr bwMode="auto">
+          <a:xfrm>
+            <a:off x="5652120" y="1844824"/>
+            <a:ext cx="1006253" cy="636464"/>
+          </a:xfrm>
+          <a:prstGeom prst="rect">
+            <a:avLst/>
+          </a:prstGeom>
+          <a:noFill/>
+          <a:ln w="9525">
+            <a:noFill/>
+            <a:miter lim="800000"/>
+            <a:headEnd/>
+            <a:tailEnd/>
+          </a:ln>
+        </p:spPr>
+      </p:pic>
+      <p:pic>
+        <p:nvPicPr>
+          <p:cNvPr id="6147" name="Picture 3"/>
+          <p:cNvPicPr>
+            <a:picLocks noChangeAspect="1" noChangeArrowheads="1"/>
+          </p:cNvPicPr>
+          <p:nvPr/>
+        </p:nvPicPr>
+        <p:blipFill>
+          <a:blip r:embed="rId4" cstate="print"/>
+          <a:srcRect/>
+          <a:stretch>
+            <a:fillRect/>
+          </a:stretch>
+        </p:blipFill>
+        <p:spPr bwMode="auto">
+          <a:xfrm>
+            <a:off x="842963" y="2589458"/>
+            <a:ext cx="5961285" cy="4088391"/>
+          </a:xfrm>
+          <a:prstGeom prst="rect">
+            <a:avLst/>
+          </a:prstGeom>
+          <a:noFill/>
+          <a:ln w="9525">
+            <a:noFill/>
+            <a:miter lim="800000"/>
+            <a:headEnd/>
+            <a:tailEnd/>
+          </a:ln>
+        </p:spPr>
+      </p:pic>
+    </p:spTree>
+  </p:cSld>
+  <p:clrMapOvr>
+    <a:masterClrMapping/>
+  </p:clrMapOvr>
+</p:sld>
+</file>
+
+<file path=ppt/slides/slide21.xml><?xml version="1.0" encoding="utf-8"?>
+<p:sld xmlns:a="http://schemas.openxmlformats.org/drawingml/2006/main" xmlns:r="http://schemas.openxmlformats.org/officeDocument/2006/relationships" xmlns:p="http://schemas.openxmlformats.org/presentationml/2006/main">
+  <p:cSld>
+    <p:spTree>
+      <p:nvGrpSpPr>
+        <p:cNvPr id="1" name=""/>
+        <p:cNvGrpSpPr/>
+        <p:nvPr/>
+      </p:nvGrpSpPr>
+      <p:grpSpPr>
+        <a:xfrm>
+          <a:off x="0" y="0"/>
+          <a:ext cx="0" cy="0"/>
+          <a:chOff x="0" y="0"/>
+          <a:chExt cx="0" cy="0"/>
+        </a:xfrm>
+      </p:grpSpPr>
+      <p:sp>
+        <p:nvSpPr>
+          <p:cNvPr id="2" name="Espace réservé du contenu 1"/>
+          <p:cNvSpPr>
+            <a:spLocks noGrp="1"/>
+          </p:cNvSpPr>
+          <p:nvPr>
+            <p:ph idx="1"/>
+          </p:nvPr>
+        </p:nvSpPr>
+        <p:spPr>
+          <a:xfrm>
+            <a:off x="467544" y="1988840"/>
+            <a:ext cx="5256584" cy="504056"/>
+          </a:xfrm>
+        </p:spPr>
+        <p:txBody>
+          <a:bodyPr>
+            <a:normAutofit/>
+          </a:bodyPr>
+          <a:lstStyle/>
+          <a:p>
+            <a:pPr>
+              <a:buFont typeface="Wingdings" pitchFamily="2" charset="2"/>
+              <a:buChar char="q"/>
+            </a:pPr>
+            <a:r>
+              <a:rPr lang="fr-FR" sz="2000" b="1" dirty="0" smtClean="0"/>
+              <a:t>Edition/Suppression d’un étudiant</a:t>
+            </a:r>
+            <a:endParaRPr lang="fr-FR" sz="2000" b="1" dirty="0" smtClean="0"/>
+          </a:p>
+        </p:txBody>
+      </p:sp>
+      <p:sp>
+        <p:nvSpPr>
+          <p:cNvPr id="3" name="Titre 2"/>
+          <p:cNvSpPr>
+            <a:spLocks noGrp="1"/>
+          </p:cNvSpPr>
+          <p:nvPr>
+            <p:ph type="title"/>
+          </p:nvPr>
+        </p:nvSpPr>
+        <p:spPr/>
+        <p:txBody>
+          <a:bodyPr>
+            <a:normAutofit/>
+          </a:bodyPr>
+          <a:lstStyle/>
+          <a:p>
+            <a:pPr algn="r"/>
+            <a:r>
+              <a:rPr lang="fr-FR" sz="1400" dirty="0" smtClean="0"/>
+              <a:t>Présentation de l’application</a:t>
+            </a:r>
+            <a:endParaRPr lang="fr-FR" sz="1400" dirty="0"/>
+          </a:p>
+        </p:txBody>
+      </p:sp>
+      <p:sp>
+        <p:nvSpPr>
+          <p:cNvPr id="10" name="Rectangle 9"/>
+          <p:cNvSpPr/>
+          <p:nvPr/>
+        </p:nvSpPr>
+        <p:spPr>
+          <a:xfrm>
+            <a:off x="467544" y="1268760"/>
+            <a:ext cx="3961341" cy="523220"/>
+          </a:xfrm>
+          <a:prstGeom prst="rect">
+            <a:avLst/>
+          </a:prstGeom>
+        </p:spPr>
+        <p:txBody>
+          <a:bodyPr wrap="none">
+            <a:spAutoFit/>
+          </a:bodyPr>
+          <a:lstStyle/>
+          <a:p>
+            <a:pPr lvl="0"/>
+            <a:r>
+              <a:rPr lang="fr-FR" sz="2800" dirty="0" smtClean="0">
+                <a:solidFill>
+                  <a:srgbClr val="002060"/>
+                </a:solidFill>
+              </a:rPr>
+              <a:t>Interfaces graphiques</a:t>
+            </a:r>
+            <a:endParaRPr lang="fr-FR" sz="2800" dirty="0">
+              <a:solidFill>
+                <a:srgbClr val="002060"/>
+              </a:solidFill>
+            </a:endParaRPr>
+          </a:p>
+        </p:txBody>
+      </p:sp>
+      <p:pic>
+        <p:nvPicPr>
+          <p:cNvPr id="7170" name="Picture 2"/>
+          <p:cNvPicPr>
+            <a:picLocks noChangeAspect="1" noChangeArrowheads="1"/>
+          </p:cNvPicPr>
+          <p:nvPr/>
+        </p:nvPicPr>
+        <p:blipFill>
+          <a:blip r:embed="rId3" cstate="print"/>
+          <a:srcRect/>
+          <a:stretch>
+            <a:fillRect/>
+          </a:stretch>
+        </p:blipFill>
+        <p:spPr bwMode="auto">
+          <a:xfrm>
+            <a:off x="5364088" y="1916832"/>
+            <a:ext cx="936104" cy="549725"/>
+          </a:xfrm>
+          <a:prstGeom prst="rect">
+            <a:avLst/>
+          </a:prstGeom>
+          <a:noFill/>
+          <a:ln w="9525">
+            <a:noFill/>
+            <a:miter lim="800000"/>
+            <a:headEnd/>
+            <a:tailEnd/>
+          </a:ln>
+        </p:spPr>
+      </p:pic>
+      <p:pic>
+        <p:nvPicPr>
+          <p:cNvPr id="7171" name="Picture 3"/>
+          <p:cNvPicPr>
+            <a:picLocks noChangeAspect="1" noChangeArrowheads="1"/>
+          </p:cNvPicPr>
+          <p:nvPr/>
+        </p:nvPicPr>
+        <p:blipFill>
+          <a:blip r:embed="rId4" cstate="print"/>
+          <a:srcRect/>
+          <a:stretch>
+            <a:fillRect/>
+          </a:stretch>
+        </p:blipFill>
+        <p:spPr bwMode="auto">
+          <a:xfrm>
+            <a:off x="827584" y="2564904"/>
+            <a:ext cx="6996226" cy="4032448"/>
+          </a:xfrm>
+          <a:prstGeom prst="rect">
+            <a:avLst/>
+          </a:prstGeom>
+          <a:noFill/>
+          <a:ln w="9525">
+            <a:noFill/>
+            <a:miter lim="800000"/>
+            <a:headEnd/>
+            <a:tailEnd/>
+          </a:ln>
+        </p:spPr>
+      </p:pic>
+    </p:spTree>
+  </p:cSld>
+  <p:clrMapOvr>
+    <a:masterClrMapping/>
+  </p:clrMapOvr>
+</p:sld>
+</file>
+
+<file path=ppt/slides/slide22.xml><?xml version="1.0" encoding="utf-8"?>
+<p:sld xmlns:a="http://schemas.openxmlformats.org/drawingml/2006/main" xmlns:r="http://schemas.openxmlformats.org/officeDocument/2006/relationships" xmlns:p="http://schemas.openxmlformats.org/presentationml/2006/main">
+  <p:cSld>
+    <p:spTree>
+      <p:nvGrpSpPr>
+        <p:cNvPr id="1" name=""/>
+        <p:cNvGrpSpPr/>
+        <p:nvPr/>
+      </p:nvGrpSpPr>
+      <p:grpSpPr>
+        <a:xfrm>
+          <a:off x="0" y="0"/>
+          <a:ext cx="0" cy="0"/>
+          <a:chOff x="0" y="0"/>
+          <a:chExt cx="0" cy="0"/>
+        </a:xfrm>
+      </p:grpSpPr>
+      <p:sp>
+        <p:nvSpPr>
+          <p:cNvPr id="2" name="Espace réservé du contenu 1"/>
+          <p:cNvSpPr>
+            <a:spLocks noGrp="1"/>
+          </p:cNvSpPr>
+          <p:nvPr>
+            <p:ph idx="1"/>
+          </p:nvPr>
+        </p:nvSpPr>
+        <p:spPr>
+          <a:xfrm>
+            <a:off x="467544" y="1988840"/>
+            <a:ext cx="8229600" cy="3963896"/>
+          </a:xfrm>
+        </p:spPr>
+        <p:txBody>
+          <a:bodyPr>
+            <a:normAutofit/>
+          </a:bodyPr>
+          <a:lstStyle/>
+          <a:p>
+            <a:pPr>
+              <a:buNone/>
+            </a:pPr>
+            <a:r>
+              <a:rPr lang="fr-FR" sz="8000" b="1" dirty="0" smtClean="0"/>
+              <a:t>Démonstration</a:t>
+            </a:r>
+            <a:endParaRPr lang="fr-FR" sz="8000" b="1" dirty="0" smtClean="0"/>
+          </a:p>
+        </p:txBody>
+      </p:sp>
+      <p:sp>
+        <p:nvSpPr>
+          <p:cNvPr id="3" name="Titre 2"/>
+          <p:cNvSpPr>
+            <a:spLocks noGrp="1"/>
+          </p:cNvSpPr>
+          <p:nvPr>
+            <p:ph type="title"/>
+          </p:nvPr>
+        </p:nvSpPr>
+        <p:spPr/>
+        <p:txBody>
+          <a:bodyPr>
+            <a:normAutofit/>
+          </a:bodyPr>
+          <a:lstStyle/>
+          <a:p>
+            <a:pPr algn="r"/>
+            <a:r>
+              <a:rPr lang="fr-FR" sz="1400" dirty="0" smtClean="0"/>
+              <a:t>Démo</a:t>
+            </a:r>
+            <a:endParaRPr lang="fr-FR" sz="1400" dirty="0"/>
+          </a:p>
+        </p:txBody>
+      </p:sp>
+    </p:spTree>
+  </p:cSld>
+  <p:clrMapOvr>
+    <a:masterClrMapping/>
+  </p:clrMapOvr>
+</p:sld>
+</file>
+
+<file path=ppt/slides/slide23.xml><?xml version="1.0" encoding="utf-8"?>
+<p:sld xmlns:a="http://schemas.openxmlformats.org/drawingml/2006/main" xmlns:r="http://schemas.openxmlformats.org/officeDocument/2006/relationships" xmlns:p="http://schemas.openxmlformats.org/presentationml/2006/main">
+  <p:cSld>
+    <p:spTree>
+      <p:nvGrpSpPr>
+        <p:cNvPr id="1" name=""/>
+        <p:cNvGrpSpPr/>
+        <p:nvPr/>
+      </p:nvGrpSpPr>
+      <p:grpSpPr>
+        <a:xfrm>
+          <a:off x="0" y="0"/>
+          <a:ext cx="0" cy="0"/>
+          <a:chOff x="0" y="0"/>
+          <a:chExt cx="0" cy="0"/>
+        </a:xfrm>
+      </p:grpSpPr>
+      <p:sp>
+        <p:nvSpPr>
+          <p:cNvPr id="2" name="Espace réservé du contenu 1"/>
+          <p:cNvSpPr>
+            <a:spLocks noGrp="1"/>
+          </p:cNvSpPr>
+          <p:nvPr>
+            <p:ph idx="1"/>
+          </p:nvPr>
+        </p:nvSpPr>
+        <p:spPr>
+          <a:xfrm>
+            <a:off x="467544" y="1988840"/>
+            <a:ext cx="8229600" cy="3963896"/>
+          </a:xfrm>
+        </p:spPr>
+        <p:txBody>
+          <a:bodyPr>
+            <a:normAutofit/>
+          </a:bodyPr>
+          <a:lstStyle/>
+          <a:p>
+            <a:pPr>
+              <a:buNone/>
+            </a:pPr>
+            <a:r>
+              <a:rPr lang="fr-FR" sz="2000" b="1" dirty="0" smtClean="0"/>
+              <a:t>Ce projet a été mené à bien. </a:t>
+            </a:r>
+            <a:r>
+              <a:rPr lang="fr-FR" sz="2000" dirty="0" smtClean="0"/>
+              <a:t>La bonne coordination entre les membres de l’ équipe et les moyens mis en œuvres ont permis de remplir les objectifs que nous nous étions fixés.</a:t>
+            </a:r>
+          </a:p>
+          <a:p>
+            <a:pPr>
+              <a:buNone/>
+            </a:pPr>
+            <a:endParaRPr lang="fr-FR" sz="2000" dirty="0" smtClean="0"/>
+          </a:p>
+          <a:p>
+            <a:pPr>
+              <a:buNone/>
+            </a:pPr>
+            <a:r>
+              <a:rPr lang="fr-FR" sz="2000" dirty="0" smtClean="0"/>
+              <a:t>Toutefois, l’application aurait pu avoir des fonctionnalités supplémentaire, notamment sur la personnalisation du design par le médecin (changement de couleur, fond personnalisé, ajout d’une signature pour le doc PDF, …) ainsi que des interfaces graphiques un peu plus poussé.</a:t>
+            </a:r>
+            <a:endParaRPr lang="fr-FR" sz="2000" dirty="0" smtClean="0"/>
+          </a:p>
+          <a:p>
+            <a:pPr>
+              <a:buNone/>
+            </a:pPr>
+            <a:endParaRPr lang="fr-FR" sz="2000" b="1" dirty="0" smtClean="0"/>
+          </a:p>
+        </p:txBody>
+      </p:sp>
+      <p:sp>
+        <p:nvSpPr>
+          <p:cNvPr id="3" name="Titre 2"/>
+          <p:cNvSpPr>
+            <a:spLocks noGrp="1"/>
+          </p:cNvSpPr>
+          <p:nvPr>
+            <p:ph type="title"/>
+          </p:nvPr>
+        </p:nvSpPr>
+        <p:spPr/>
+        <p:txBody>
+          <a:bodyPr>
+            <a:normAutofit/>
+          </a:bodyPr>
+          <a:lstStyle/>
+          <a:p>
+            <a:pPr algn="r"/>
+            <a:r>
+              <a:rPr lang="fr-FR" sz="1400" dirty="0" smtClean="0"/>
+              <a:t>Conclusion</a:t>
+            </a:r>
+            <a:endParaRPr lang="fr-FR" sz="1400" dirty="0"/>
+          </a:p>
+        </p:txBody>
+      </p:sp>
+      <p:sp>
+        <p:nvSpPr>
+          <p:cNvPr id="10" name="Rectangle 9"/>
+          <p:cNvSpPr/>
+          <p:nvPr/>
+        </p:nvSpPr>
+        <p:spPr>
+          <a:xfrm>
+            <a:off x="467544" y="1268760"/>
+            <a:ext cx="2119491" cy="523220"/>
+          </a:xfrm>
+          <a:prstGeom prst="rect">
+            <a:avLst/>
+          </a:prstGeom>
+        </p:spPr>
+        <p:txBody>
+          <a:bodyPr wrap="none">
+            <a:spAutoFit/>
+          </a:bodyPr>
+          <a:lstStyle/>
+          <a:p>
+            <a:pPr lvl="0"/>
+            <a:r>
+              <a:rPr lang="fr-FR" sz="2800" dirty="0" smtClean="0">
+                <a:solidFill>
+                  <a:srgbClr val="002060"/>
+                </a:solidFill>
+              </a:rPr>
+              <a:t>Conclusion</a:t>
+            </a:r>
+            <a:endParaRPr lang="fr-FR" sz="2800" dirty="0">
+              <a:solidFill>
+                <a:srgbClr val="002060"/>
+              </a:solidFill>
+            </a:endParaRPr>
+          </a:p>
+        </p:txBody>
+      </p:sp>
+    </p:spTree>
+  </p:cSld>
+  <p:clrMapOvr>
+    <a:masterClrMapping/>
+  </p:clrMapOvr>
+</p:sld>
+</file>
+
+<file path=ppt/slides/slide24.xml><?xml version="1.0" encoding="utf-8"?>
+<p:sld xmlns:a="http://schemas.openxmlformats.org/drawingml/2006/main" xmlns:r="http://schemas.openxmlformats.org/officeDocument/2006/relationships" xmlns:p="http://schemas.openxmlformats.org/presentationml/2006/main">
+  <p:cSld>
+    <p:spTree>
+      <p:nvGrpSpPr>
+        <p:cNvPr id="1" name=""/>
+        <p:cNvGrpSpPr/>
+        <p:nvPr/>
+      </p:nvGrpSpPr>
+      <p:grpSpPr>
+        <a:xfrm>
+          <a:off x="0" y="0"/>
+          <a:ext cx="0" cy="0"/>
+          <a:chOff x="0" y="0"/>
+          <a:chExt cx="0" cy="0"/>
+        </a:xfrm>
+      </p:grpSpPr>
+      <p:sp>
+        <p:nvSpPr>
+          <p:cNvPr id="2" name="Espace réservé du contenu 1"/>
+          <p:cNvSpPr>
+            <a:spLocks noGrp="1"/>
+          </p:cNvSpPr>
+          <p:nvPr>
+            <p:ph idx="1"/>
+          </p:nvPr>
+        </p:nvSpPr>
+        <p:spPr>
+          <a:xfrm>
+            <a:off x="467544" y="1988840"/>
+            <a:ext cx="8229600" cy="3963896"/>
+          </a:xfrm>
+        </p:spPr>
+        <p:txBody>
+          <a:bodyPr>
+            <a:normAutofit/>
+          </a:bodyPr>
+          <a:lstStyle/>
+          <a:p>
+            <a:pPr>
+              <a:buNone/>
+            </a:pPr>
+            <a:r>
+              <a:rPr lang="fr-FR" sz="9600" b="1" dirty="0" smtClean="0"/>
+              <a:t>DES QUESTIONS ?</a:t>
+            </a:r>
+            <a:endParaRPr lang="fr-FR" sz="9600" b="1" dirty="0" smtClean="0"/>
+          </a:p>
+        </p:txBody>
+      </p:sp>
+      <p:sp>
+        <p:nvSpPr>
+          <p:cNvPr id="3" name="Titre 2"/>
+          <p:cNvSpPr>
+            <a:spLocks noGrp="1"/>
+          </p:cNvSpPr>
+          <p:nvPr>
+            <p:ph type="title"/>
+          </p:nvPr>
+        </p:nvSpPr>
+        <p:spPr/>
+        <p:txBody>
+          <a:bodyPr>
+            <a:normAutofit/>
+          </a:bodyPr>
+          <a:lstStyle/>
+          <a:p>
+            <a:pPr algn="r"/>
+            <a:r>
+              <a:rPr lang="fr-FR" sz="1400" dirty="0" smtClean="0"/>
+              <a:t>Question ?</a:t>
+            </a:r>
+            <a:endParaRPr lang="fr-FR" sz="1400" dirty="0"/>
+          </a:p>
+        </p:txBody>
+      </p:sp>
+    </p:spTree>
+  </p:cSld>
+  <p:clrMapOvr>
+    <a:masterClrMapping/>
+  </p:clrMapOvr>
+</p:sld>
+</file>
+
+<file path=ppt/slides/slide3.xml><?xml version="1.0" encoding="utf-8"?>
+<p:sld xmlns:a="http://schemas.openxmlformats.org/drawingml/2006/main" xmlns:r="http://schemas.openxmlformats.org/officeDocument/2006/relationships" xmlns:p="http://schemas.openxmlformats.org/presentationml/2006/main">
+  <p:cSld>
+    <p:spTree>
+      <p:nvGrpSpPr>
+        <p:cNvPr id="1" name=""/>
+        <p:cNvGrpSpPr/>
+        <p:nvPr/>
+      </p:nvGrpSpPr>
+      <p:grpSpPr>
+        <a:xfrm>
+          <a:off x="0" y="0"/>
+          <a:ext cx="0" cy="0"/>
+          <a:chOff x="0" y="0"/>
+          <a:chExt cx="0" cy="0"/>
+        </a:xfrm>
+      </p:grpSpPr>
+      <p:sp>
+        <p:nvSpPr>
+          <p:cNvPr id="2" name="Espace réservé du contenu 1"/>
+          <p:cNvSpPr>
+            <a:spLocks noGrp="1"/>
+          </p:cNvSpPr>
+          <p:nvPr>
+            <p:ph idx="1"/>
+          </p:nvPr>
+        </p:nvSpPr>
+        <p:spPr>
+          <a:xfrm>
+            <a:off x="467544" y="1988840"/>
+            <a:ext cx="8229600" cy="3963896"/>
+          </a:xfrm>
+        </p:spPr>
+        <p:txBody>
+          <a:bodyPr>
+            <a:normAutofit/>
+          </a:bodyPr>
+          <a:lstStyle/>
+          <a:p>
+            <a:pPr>
+              <a:buNone/>
+            </a:pPr>
+            <a:r>
+              <a:rPr lang="fr-FR" sz="2000" dirty="0" smtClean="0"/>
+              <a:t>	</a:t>
+            </a:r>
+            <a:r>
+              <a:rPr lang="fr-FR" sz="2000" dirty="0" err="1" smtClean="0"/>
+              <a:t>AbsMedical</a:t>
+            </a:r>
+            <a:r>
+              <a:rPr lang="fr-FR" sz="2000" dirty="0" smtClean="0"/>
+              <a:t> est une application bureau à destination des médecins dont le but est simple: </a:t>
+            </a:r>
+          </a:p>
+          <a:p>
+            <a:pPr>
+              <a:buNone/>
+            </a:pPr>
+            <a:r>
+              <a:rPr lang="fr-FR" sz="2000" dirty="0" smtClean="0"/>
+              <a:t>	</a:t>
+            </a:r>
+          </a:p>
+          <a:p>
+            <a:pPr>
+              <a:buNone/>
+            </a:pPr>
+            <a:r>
+              <a:rPr lang="fr-FR" sz="2000" dirty="0" smtClean="0"/>
+              <a:t>	Justifier numériquement les absences scolaire d’un étudiant.</a:t>
+            </a:r>
+            <a:endParaRPr lang="fr-FR" sz="2000" dirty="0"/>
+          </a:p>
+        </p:txBody>
+      </p:sp>
+      <p:sp>
+        <p:nvSpPr>
+          <p:cNvPr id="3" name="Titre 2"/>
+          <p:cNvSpPr>
+            <a:spLocks noGrp="1"/>
+          </p:cNvSpPr>
+          <p:nvPr>
+            <p:ph type="title"/>
+          </p:nvPr>
+        </p:nvSpPr>
+        <p:spPr/>
+        <p:txBody>
+          <a:bodyPr>
+            <a:normAutofit/>
+          </a:bodyPr>
+          <a:lstStyle/>
+          <a:p>
+            <a:pPr algn="r"/>
+            <a:r>
+              <a:rPr lang="fr-FR" sz="1400" dirty="0" smtClean="0"/>
+              <a:t>Présentation et objectif</a:t>
+            </a:r>
+            <a:endParaRPr lang="fr-FR" sz="1400" dirty="0"/>
+          </a:p>
+        </p:txBody>
+      </p:sp>
+      <p:sp>
+        <p:nvSpPr>
+          <p:cNvPr id="10" name="Rectangle 9"/>
+          <p:cNvSpPr/>
+          <p:nvPr/>
+        </p:nvSpPr>
+        <p:spPr>
+          <a:xfrm>
+            <a:off x="467544" y="1268760"/>
+            <a:ext cx="1553630" cy="523220"/>
+          </a:xfrm>
+          <a:prstGeom prst="rect">
+            <a:avLst/>
+          </a:prstGeom>
+        </p:spPr>
+        <p:txBody>
+          <a:bodyPr wrap="none">
+            <a:spAutoFit/>
+          </a:bodyPr>
+          <a:lstStyle/>
+          <a:p>
+            <a:pPr lvl="0"/>
+            <a:r>
+              <a:rPr lang="fr-FR" sz="2800" dirty="0">
+                <a:solidFill>
+                  <a:srgbClr val="002060"/>
+                </a:solidFill>
+              </a:rPr>
+              <a:t>Objectif</a:t>
+            </a:r>
+          </a:p>
+        </p:txBody>
+      </p:sp>
+    </p:spTree>
+  </p:cSld>
+  <p:clrMapOvr>
+    <a:masterClrMapping/>
+  </p:clrMapOvr>
+</p:sld>
+</file>
+
+<file path=ppt/slides/slide4.xml><?xml version="1.0" encoding="utf-8"?>
+<p:sld xmlns:a="http://schemas.openxmlformats.org/drawingml/2006/main" xmlns:r="http://schemas.openxmlformats.org/officeDocument/2006/relationships" xmlns:p="http://schemas.openxmlformats.org/presentationml/2006/main">
+  <p:cSld>
+    <p:spTree>
+      <p:nvGrpSpPr>
+        <p:cNvPr id="1" name=""/>
+        <p:cNvGrpSpPr/>
+        <p:nvPr/>
+      </p:nvGrpSpPr>
+      <p:grpSpPr>
+        <a:xfrm>
+          <a:off x="0" y="0"/>
+          <a:ext cx="0" cy="0"/>
+          <a:chOff x="0" y="0"/>
+          <a:chExt cx="0" cy="0"/>
+        </a:xfrm>
+      </p:grpSpPr>
+      <p:sp>
+        <p:nvSpPr>
+          <p:cNvPr id="2" name="Espace réservé du contenu 1"/>
+          <p:cNvSpPr>
+            <a:spLocks noGrp="1"/>
+          </p:cNvSpPr>
+          <p:nvPr>
+            <p:ph idx="1"/>
+          </p:nvPr>
+        </p:nvSpPr>
+        <p:spPr>
+          <a:xfrm>
+            <a:off x="467544" y="1988840"/>
+            <a:ext cx="8229600" cy="3963896"/>
+          </a:xfrm>
+        </p:spPr>
+        <p:txBody>
+          <a:bodyPr>
+            <a:normAutofit lnSpcReduction="10000"/>
+          </a:bodyPr>
+          <a:lstStyle/>
+          <a:p>
+            <a:pPr>
+              <a:buFont typeface="Wingdings" pitchFamily="2" charset="2"/>
+              <a:buChar char="q"/>
+            </a:pPr>
+            <a:r>
+              <a:rPr lang="fr-FR" sz="2000" dirty="0" smtClean="0"/>
+              <a:t>Enregistrement d’un certificat médical pour un étudiant.</a:t>
+            </a:r>
+          </a:p>
+          <a:p>
+            <a:pPr lvl="1">
+              <a:buFont typeface="Wingdings" pitchFamily="2" charset="2"/>
+              <a:buChar char="§"/>
+            </a:pPr>
+            <a:r>
+              <a:rPr lang="fr-FR" sz="1600" dirty="0" smtClean="0"/>
+              <a:t>Exportation </a:t>
+            </a:r>
+            <a:r>
+              <a:rPr lang="fr-FR" sz="1600" dirty="0" smtClean="0"/>
+              <a:t>du certificat au format PDF</a:t>
+            </a:r>
+            <a:r>
+              <a:rPr lang="fr-FR" sz="1600" dirty="0" smtClean="0"/>
+              <a:t>.</a:t>
+            </a:r>
+          </a:p>
+          <a:p>
+            <a:pPr lvl="1">
+              <a:buFont typeface="Wingdings" pitchFamily="2" charset="2"/>
+              <a:buChar char="§"/>
+            </a:pPr>
+            <a:r>
+              <a:rPr lang="fr-FR" sz="1600" dirty="0" smtClean="0"/>
+              <a:t>Notification par email en temps réel.</a:t>
+            </a:r>
+            <a:endParaRPr lang="fr-FR" sz="1600" dirty="0" smtClean="0"/>
+          </a:p>
+          <a:p>
+            <a:pPr lvl="1">
+              <a:buNone/>
+            </a:pPr>
+            <a:r>
+              <a:rPr lang="fr-FR" sz="1600" dirty="0" smtClean="0"/>
+              <a:t>	</a:t>
+            </a:r>
+          </a:p>
+          <a:p>
+            <a:pPr>
+              <a:buFont typeface="Wingdings" pitchFamily="2" charset="2"/>
+              <a:buChar char="q"/>
+            </a:pPr>
+            <a:r>
+              <a:rPr lang="fr-FR" sz="2000" dirty="0" smtClean="0"/>
+              <a:t>Gestion des </a:t>
+            </a:r>
+            <a:r>
+              <a:rPr lang="fr-FR" sz="2000" dirty="0" smtClean="0"/>
+              <a:t>étudiants:</a:t>
+            </a:r>
+            <a:endParaRPr lang="fr-FR" sz="2000" dirty="0" smtClean="0"/>
+          </a:p>
+          <a:p>
+            <a:pPr lvl="1">
+              <a:buFont typeface="Wingdings" pitchFamily="2" charset="2"/>
+              <a:buChar char="§"/>
+            </a:pPr>
+            <a:r>
+              <a:rPr lang="fr-FR" sz="1600" dirty="0" smtClean="0"/>
+              <a:t>Enregistrement d’un nouvel étudiant.</a:t>
+            </a:r>
+          </a:p>
+          <a:p>
+            <a:pPr lvl="1">
+              <a:buFont typeface="Wingdings" pitchFamily="2" charset="2"/>
+              <a:buChar char="§"/>
+            </a:pPr>
+            <a:r>
+              <a:rPr lang="fr-FR" sz="1600" dirty="0" smtClean="0"/>
+              <a:t>Modification des informations d’un étudiant.</a:t>
+            </a:r>
+          </a:p>
+          <a:p>
+            <a:pPr lvl="1">
+              <a:buFont typeface="Wingdings" pitchFamily="2" charset="2"/>
+              <a:buChar char="§"/>
+            </a:pPr>
+            <a:r>
+              <a:rPr lang="fr-FR" sz="1600" dirty="0" smtClean="0"/>
+              <a:t>Suppression d’un étudiant.</a:t>
+            </a:r>
+          </a:p>
+          <a:p>
+            <a:pPr lvl="1">
+              <a:buFont typeface="Wingdings" pitchFamily="2" charset="2"/>
+              <a:buChar char="§"/>
+            </a:pPr>
+            <a:endParaRPr lang="fr-FR" sz="1600" dirty="0" smtClean="0"/>
+          </a:p>
+          <a:p>
+            <a:pPr>
+              <a:buFont typeface="Wingdings" pitchFamily="2" charset="2"/>
+              <a:buChar char="q"/>
+            </a:pPr>
+            <a:r>
+              <a:rPr lang="fr-FR" sz="2000" dirty="0" smtClean="0"/>
+              <a:t>Gestion du profil </a:t>
+            </a:r>
+            <a:r>
+              <a:rPr lang="fr-FR" sz="2000" dirty="0" smtClean="0"/>
+              <a:t>médecin:</a:t>
+            </a:r>
+            <a:endParaRPr lang="fr-FR" sz="2000" dirty="0" smtClean="0"/>
+          </a:p>
+          <a:p>
+            <a:pPr lvl="1">
+              <a:buFont typeface="Wingdings" pitchFamily="2" charset="2"/>
+              <a:buChar char="§"/>
+            </a:pPr>
+            <a:r>
+              <a:rPr lang="fr-FR" sz="1600" dirty="0" smtClean="0"/>
+              <a:t>Modification des informations d’un médecin.</a:t>
+            </a:r>
+          </a:p>
+          <a:p>
+            <a:pPr lvl="1">
+              <a:buFont typeface="Wingdings" pitchFamily="2" charset="2"/>
+              <a:buChar char="§"/>
+            </a:pPr>
+            <a:r>
+              <a:rPr lang="fr-FR" sz="1600" dirty="0" smtClean="0"/>
+              <a:t>Paramétrage de l’adresse mail d’un médecin. </a:t>
+            </a:r>
+          </a:p>
+          <a:p>
+            <a:pPr lvl="1">
+              <a:buFont typeface="Wingdings" pitchFamily="2" charset="2"/>
+              <a:buChar char="§"/>
+            </a:pPr>
+            <a:endParaRPr lang="fr-FR" sz="1600" dirty="0" smtClean="0"/>
+          </a:p>
+          <a:p>
+            <a:pPr>
+              <a:buFont typeface="Wingdings" pitchFamily="2" charset="2"/>
+              <a:buChar char="q"/>
+            </a:pPr>
+            <a:r>
+              <a:rPr lang="fr-FR" sz="2000" dirty="0" smtClean="0"/>
+              <a:t>Consultation de l’historique des absences d’un étudiant.</a:t>
+            </a:r>
+          </a:p>
+          <a:p>
+            <a:pPr lvl="1">
+              <a:buNone/>
+            </a:pPr>
+            <a:endParaRPr lang="fr-FR" sz="1600" dirty="0" smtClean="0"/>
+          </a:p>
+          <a:p>
+            <a:pPr lvl="1">
+              <a:buNone/>
+            </a:pPr>
+            <a:endParaRPr lang="fr-FR" sz="1600" dirty="0" smtClean="0"/>
+          </a:p>
+        </p:txBody>
+      </p:sp>
+      <p:sp>
+        <p:nvSpPr>
+          <p:cNvPr id="3" name="Titre 2"/>
+          <p:cNvSpPr>
+            <a:spLocks noGrp="1"/>
+          </p:cNvSpPr>
+          <p:nvPr>
+            <p:ph type="title"/>
+          </p:nvPr>
+        </p:nvSpPr>
+        <p:spPr/>
+        <p:txBody>
+          <a:bodyPr>
+            <a:normAutofit/>
+          </a:bodyPr>
+          <a:lstStyle/>
+          <a:p>
+            <a:pPr algn="r"/>
+            <a:r>
+              <a:rPr lang="fr-FR" sz="1400" dirty="0" smtClean="0"/>
+              <a:t>Présentation et objectif</a:t>
+            </a:r>
+            <a:endParaRPr lang="fr-FR" sz="1400" dirty="0"/>
+          </a:p>
+        </p:txBody>
+      </p:sp>
+      <p:sp>
+        <p:nvSpPr>
+          <p:cNvPr id="10" name="Rectangle 9"/>
+          <p:cNvSpPr/>
+          <p:nvPr/>
+        </p:nvSpPr>
+        <p:spPr>
+          <a:xfrm>
+            <a:off x="467544" y="1268760"/>
+            <a:ext cx="2836033" cy="523220"/>
+          </a:xfrm>
+          <a:prstGeom prst="rect">
+            <a:avLst/>
+          </a:prstGeom>
+        </p:spPr>
+        <p:txBody>
+          <a:bodyPr wrap="none">
+            <a:spAutoFit/>
+          </a:bodyPr>
+          <a:lstStyle/>
+          <a:p>
+            <a:pPr lvl="0"/>
+            <a:r>
+              <a:rPr lang="fr-FR" sz="2800" dirty="0" smtClean="0">
+                <a:solidFill>
+                  <a:srgbClr val="002060"/>
+                </a:solidFill>
+              </a:rPr>
+              <a:t>Fonctionnalités</a:t>
+            </a:r>
+            <a:endParaRPr lang="fr-FR" sz="2800" dirty="0">
+              <a:solidFill>
+                <a:srgbClr val="002060"/>
+              </a:solidFill>
+            </a:endParaRPr>
+          </a:p>
+        </p:txBody>
+      </p:sp>
+    </p:spTree>
+  </p:cSld>
+  <p:clrMapOvr>
+    <a:masterClrMapping/>
+  </p:clrMapOvr>
+</p:sld>
+</file>
+
+<file path=ppt/slides/slide5.xml><?xml version="1.0" encoding="utf-8"?>
+<p:sld xmlns:a="http://schemas.openxmlformats.org/drawingml/2006/main" xmlns:r="http://schemas.openxmlformats.org/officeDocument/2006/relationships" xmlns:p="http://schemas.openxmlformats.org/presentationml/2006/main">
+  <p:cSld>
+    <p:spTree>
+      <p:nvGrpSpPr>
+        <p:cNvPr id="1" name=""/>
+        <p:cNvGrpSpPr/>
+        <p:nvPr/>
+      </p:nvGrpSpPr>
+      <p:grpSpPr>
+        <a:xfrm>
+          <a:off x="0" y="0"/>
+          <a:ext cx="0" cy="0"/>
+          <a:chOff x="0" y="0"/>
+          <a:chExt cx="0" cy="0"/>
+        </a:xfrm>
+      </p:grpSpPr>
+      <p:sp>
+        <p:nvSpPr>
+          <p:cNvPr id="2" name="Espace réservé du contenu 1"/>
+          <p:cNvSpPr>
+            <a:spLocks noGrp="1"/>
+          </p:cNvSpPr>
+          <p:nvPr>
+            <p:ph idx="1"/>
+          </p:nvPr>
+        </p:nvSpPr>
+        <p:spPr>
+          <a:xfrm>
+            <a:off x="467544" y="1988840"/>
+            <a:ext cx="8229600" cy="3963896"/>
+          </a:xfrm>
+        </p:spPr>
+        <p:txBody>
+          <a:bodyPr>
+            <a:normAutofit/>
+          </a:bodyPr>
+          <a:lstStyle/>
+          <a:p>
+            <a:pPr>
+              <a:buFont typeface="Wingdings" pitchFamily="2" charset="2"/>
+              <a:buChar char="ü"/>
+            </a:pPr>
+            <a:r>
+              <a:rPr lang="fr-FR" sz="2000" b="1" dirty="0" smtClean="0"/>
+              <a:t>Evite</a:t>
+            </a:r>
+            <a:r>
+              <a:rPr lang="fr-FR" sz="2000" dirty="0" smtClean="0"/>
+              <a:t> la paperasse tant pour l’école que pour le médecin.</a:t>
+            </a:r>
+          </a:p>
+          <a:p>
+            <a:pPr>
+              <a:buFont typeface="Wingdings" pitchFamily="2" charset="2"/>
+              <a:buChar char="ü"/>
+            </a:pPr>
+            <a:r>
+              <a:rPr lang="fr-FR" sz="2000" dirty="0" smtClean="0"/>
+              <a:t>L’école </a:t>
+            </a:r>
+            <a:r>
+              <a:rPr lang="fr-FR" sz="2000" b="1" dirty="0" smtClean="0"/>
+              <a:t>notifiée par email en temps réel !</a:t>
+            </a:r>
+          </a:p>
+          <a:p>
+            <a:pPr>
+              <a:buFont typeface="Wingdings" pitchFamily="2" charset="2"/>
+              <a:buChar char="ü"/>
+            </a:pPr>
+            <a:r>
+              <a:rPr lang="fr-FR" sz="2000" b="1" dirty="0" smtClean="0"/>
+              <a:t>Certification</a:t>
+            </a:r>
+            <a:r>
+              <a:rPr lang="fr-FR" sz="2000" dirty="0" smtClean="0"/>
+              <a:t> de l’absence via </a:t>
+            </a:r>
+            <a:r>
+              <a:rPr lang="fr-FR" sz="2000" b="1" dirty="0" smtClean="0"/>
+              <a:t>l’authentification</a:t>
+            </a:r>
+            <a:r>
+              <a:rPr lang="fr-FR" sz="2000" dirty="0" smtClean="0"/>
+              <a:t> du médecin.</a:t>
+            </a:r>
+          </a:p>
+          <a:p>
+            <a:pPr>
+              <a:buFont typeface="Wingdings" pitchFamily="2" charset="2"/>
+              <a:buChar char="ü"/>
+            </a:pPr>
+            <a:endParaRPr lang="fr-FR" sz="2000" dirty="0" smtClean="0"/>
+          </a:p>
+          <a:p>
+            <a:pPr>
+              <a:buFont typeface="Lucida Sans Unicode" pitchFamily="34" charset="0"/>
+              <a:buChar char="×"/>
+            </a:pPr>
+            <a:r>
+              <a:rPr lang="fr-FR" sz="2000" b="1" dirty="0" smtClean="0"/>
+              <a:t>Impossible</a:t>
+            </a:r>
+            <a:r>
+              <a:rPr lang="fr-FR" sz="2000" dirty="0" smtClean="0"/>
+              <a:t> de rédiger une absence par le biais de ce logiciel sans la carte de l’étudiant.</a:t>
+            </a:r>
+            <a:endParaRPr lang="fr-FR" sz="2000" dirty="0"/>
+          </a:p>
+        </p:txBody>
+      </p:sp>
+      <p:sp>
+        <p:nvSpPr>
+          <p:cNvPr id="3" name="Titre 2"/>
+          <p:cNvSpPr>
+            <a:spLocks noGrp="1"/>
+          </p:cNvSpPr>
+          <p:nvPr>
+            <p:ph type="title"/>
+          </p:nvPr>
+        </p:nvSpPr>
+        <p:spPr/>
+        <p:txBody>
+          <a:bodyPr>
+            <a:normAutofit/>
+          </a:bodyPr>
+          <a:lstStyle/>
+          <a:p>
+            <a:pPr algn="r"/>
+            <a:r>
+              <a:rPr lang="fr-FR" sz="1400" dirty="0" smtClean="0"/>
+              <a:t>Présentation et objectif</a:t>
+            </a:r>
+            <a:endParaRPr lang="fr-FR" sz="1400" dirty="0"/>
+          </a:p>
+        </p:txBody>
+      </p:sp>
+      <p:sp>
+        <p:nvSpPr>
+          <p:cNvPr id="10" name="Rectangle 9"/>
+          <p:cNvSpPr/>
+          <p:nvPr/>
+        </p:nvSpPr>
+        <p:spPr>
+          <a:xfrm>
+            <a:off x="467544" y="1268760"/>
+            <a:ext cx="4868640" cy="523220"/>
+          </a:xfrm>
+          <a:prstGeom prst="rect">
+            <a:avLst/>
+          </a:prstGeom>
+        </p:spPr>
+        <p:txBody>
+          <a:bodyPr wrap="none">
+            <a:spAutoFit/>
+          </a:bodyPr>
+          <a:lstStyle/>
+          <a:p>
+            <a:pPr lvl="0"/>
+            <a:r>
+              <a:rPr lang="fr-FR" sz="2800" dirty="0" smtClean="0">
+                <a:solidFill>
+                  <a:srgbClr val="002060"/>
+                </a:solidFill>
+              </a:rPr>
+              <a:t>Avantages &amp; Inconvénients</a:t>
+            </a:r>
+            <a:endParaRPr lang="fr-FR" sz="2800" dirty="0">
+              <a:solidFill>
+                <a:srgbClr val="002060"/>
+              </a:solidFill>
+            </a:endParaRPr>
+          </a:p>
+        </p:txBody>
+      </p:sp>
+    </p:spTree>
+  </p:cSld>
+  <p:clrMapOvr>
+    <a:masterClrMapping/>
+  </p:clrMapOvr>
+</p:sld>
+</file>
+
+<file path=ppt/slides/slide6.xml><?xml version="1.0" encoding="utf-8"?>
+<p:sld xmlns:a="http://schemas.openxmlformats.org/drawingml/2006/main" xmlns:r="http://schemas.openxmlformats.org/officeDocument/2006/relationships" xmlns:p="http://schemas.openxmlformats.org/presentationml/2006/main">
+  <p:cSld>
+    <p:spTree>
+      <p:nvGrpSpPr>
+        <p:cNvPr id="1" name=""/>
+        <p:cNvGrpSpPr/>
+        <p:nvPr/>
+      </p:nvGrpSpPr>
+      <p:grpSpPr>
+        <a:xfrm>
+          <a:off x="0" y="0"/>
+          <a:ext cx="0" cy="0"/>
+          <a:chOff x="0" y="0"/>
+          <a:chExt cx="0" cy="0"/>
+        </a:xfrm>
+      </p:grpSpPr>
+      <p:sp>
+        <p:nvSpPr>
+          <p:cNvPr id="2" name="Espace réservé du contenu 1"/>
+          <p:cNvSpPr>
+            <a:spLocks noGrp="1"/>
+          </p:cNvSpPr>
+          <p:nvPr>
+            <p:ph idx="1"/>
+          </p:nvPr>
+        </p:nvSpPr>
+        <p:spPr>
+          <a:xfrm>
+            <a:off x="467544" y="1988840"/>
+            <a:ext cx="8229600" cy="3963896"/>
+          </a:xfrm>
+        </p:spPr>
+        <p:txBody>
+          <a:bodyPr>
+            <a:normAutofit/>
+          </a:bodyPr>
+          <a:lstStyle/>
+          <a:p>
+            <a:pPr>
+              <a:buNone/>
+            </a:pPr>
+            <a:r>
+              <a:rPr lang="fr-FR" sz="2000" dirty="0" smtClean="0"/>
+              <a:t>Application bureau de type client lourd développé en </a:t>
+            </a:r>
+            <a:r>
+              <a:rPr lang="fr-FR" sz="2000" b="1" dirty="0" smtClean="0"/>
+              <a:t>WPF</a:t>
+            </a:r>
+            <a:r>
+              <a:rPr lang="fr-FR" sz="2000" dirty="0" smtClean="0"/>
+              <a:t> </a:t>
+            </a:r>
+            <a:r>
+              <a:rPr lang="fr-FR" sz="2000" b="1" dirty="0" smtClean="0"/>
+              <a:t>(Windows </a:t>
+            </a:r>
+            <a:r>
+              <a:rPr lang="fr-FR" sz="2000" b="1" dirty="0" err="1" smtClean="0"/>
+              <a:t>Presentation</a:t>
+            </a:r>
+            <a:r>
+              <a:rPr lang="fr-FR" sz="2000" b="1" dirty="0" smtClean="0"/>
+              <a:t> </a:t>
+            </a:r>
+            <a:r>
+              <a:rPr lang="fr-FR" sz="2000" b="1" dirty="0" err="1" smtClean="0"/>
+              <a:t>Foundation</a:t>
+            </a:r>
+            <a:r>
+              <a:rPr lang="fr-FR" sz="2000" b="1" dirty="0" smtClean="0"/>
+              <a:t>).</a:t>
+            </a:r>
+          </a:p>
+          <a:p>
+            <a:pPr>
+              <a:buNone/>
+            </a:pPr>
+            <a:endParaRPr lang="fr-FR" sz="2000" b="1" dirty="0" smtClean="0"/>
+          </a:p>
+          <a:p>
+            <a:pPr>
+              <a:buNone/>
+            </a:pPr>
+            <a:r>
+              <a:rPr lang="fr-FR" sz="2000" b="1" dirty="0" smtClean="0"/>
+              <a:t>Pourquoi WPF ?</a:t>
+            </a:r>
+          </a:p>
+          <a:p>
+            <a:pPr>
+              <a:buNone/>
+            </a:pPr>
+            <a:endParaRPr lang="fr-FR" sz="2000" dirty="0" smtClean="0"/>
+          </a:p>
+          <a:p>
+            <a:pPr lvl="1">
+              <a:buFont typeface="Courier New" pitchFamily="49" charset="0"/>
+              <a:buChar char="o"/>
+            </a:pPr>
+            <a:r>
+              <a:rPr lang="fr-FR" sz="1600" dirty="0" smtClean="0"/>
+              <a:t>Interface et composant graphique jolie.</a:t>
+            </a:r>
+          </a:p>
+          <a:p>
+            <a:pPr lvl="1">
+              <a:buFont typeface="Courier New" pitchFamily="49" charset="0"/>
+              <a:buChar char="o"/>
+            </a:pPr>
+            <a:r>
+              <a:rPr lang="fr-FR" sz="1600" dirty="0" smtClean="0"/>
+              <a:t>Facilité pour l’équipe de travailler en C#.</a:t>
+            </a:r>
+          </a:p>
+          <a:p>
+            <a:pPr lvl="1">
+              <a:buFont typeface="Courier New" pitchFamily="49" charset="0"/>
+              <a:buChar char="o"/>
+            </a:pPr>
+            <a:r>
+              <a:rPr lang="fr-FR" sz="1600" dirty="0" smtClean="0"/>
+              <a:t>A la découverte d’une nouvelle technologie.</a:t>
+            </a:r>
+          </a:p>
+          <a:p>
+            <a:pPr>
+              <a:buNone/>
+            </a:pPr>
+            <a:endParaRPr lang="fr-FR" sz="2000" b="1" dirty="0"/>
+          </a:p>
+        </p:txBody>
+      </p:sp>
+      <p:sp>
+        <p:nvSpPr>
+          <p:cNvPr id="3" name="Titre 2"/>
+          <p:cNvSpPr>
+            <a:spLocks noGrp="1"/>
+          </p:cNvSpPr>
+          <p:nvPr>
+            <p:ph type="title"/>
+          </p:nvPr>
+        </p:nvSpPr>
+        <p:spPr/>
+        <p:txBody>
+          <a:bodyPr>
+            <a:normAutofit/>
+          </a:bodyPr>
+          <a:lstStyle/>
+          <a:p>
+            <a:pPr algn="r"/>
+            <a:r>
+              <a:rPr lang="fr-FR" sz="1400" dirty="0" smtClean="0"/>
+              <a:t>Technologies utilisés</a:t>
+            </a:r>
+            <a:endParaRPr lang="fr-FR" sz="1400" dirty="0"/>
+          </a:p>
+        </p:txBody>
+      </p:sp>
+      <p:sp>
+        <p:nvSpPr>
+          <p:cNvPr id="10" name="Rectangle 9"/>
+          <p:cNvSpPr/>
+          <p:nvPr/>
+        </p:nvSpPr>
+        <p:spPr>
+          <a:xfrm>
+            <a:off x="467544" y="1268760"/>
+            <a:ext cx="3405099" cy="523220"/>
+          </a:xfrm>
+          <a:prstGeom prst="rect">
+            <a:avLst/>
+          </a:prstGeom>
+        </p:spPr>
+        <p:txBody>
+          <a:bodyPr wrap="none">
+            <a:spAutoFit/>
+          </a:bodyPr>
+          <a:lstStyle/>
+          <a:p>
+            <a:pPr lvl="0"/>
+            <a:r>
+              <a:rPr lang="fr-FR" sz="2800" dirty="0" smtClean="0">
+                <a:solidFill>
+                  <a:srgbClr val="002060"/>
+                </a:solidFill>
+              </a:rPr>
+              <a:t>Type d’application</a:t>
+            </a:r>
+            <a:endParaRPr lang="fr-FR" sz="2800" dirty="0">
+              <a:solidFill>
+                <a:srgbClr val="002060"/>
+              </a:solidFill>
+            </a:endParaRPr>
+          </a:p>
+        </p:txBody>
+      </p:sp>
+    </p:spTree>
+  </p:cSld>
+  <p:clrMapOvr>
+    <a:masterClrMapping/>
+  </p:clrMapOvr>
+</p:sld>
+</file>
+
+<file path=ppt/slides/slide7.xml><?xml version="1.0" encoding="utf-8"?>
+<p:sld xmlns:a="http://schemas.openxmlformats.org/drawingml/2006/main" xmlns:r="http://schemas.openxmlformats.org/officeDocument/2006/relationships" xmlns:p="http://schemas.openxmlformats.org/presentationml/2006/main">
+  <p:cSld>
+    <p:spTree>
+      <p:nvGrpSpPr>
+        <p:cNvPr id="1" name=""/>
+        <p:cNvGrpSpPr/>
+        <p:nvPr/>
+      </p:nvGrpSpPr>
+      <p:grpSpPr>
+        <a:xfrm>
+          <a:off x="0" y="0"/>
+          <a:ext cx="0" cy="0"/>
+          <a:chOff x="0" y="0"/>
+          <a:chExt cx="0" cy="0"/>
+        </a:xfrm>
+      </p:grpSpPr>
+      <p:sp>
+        <p:nvSpPr>
+          <p:cNvPr id="2" name="Espace réservé du contenu 1"/>
+          <p:cNvSpPr>
+            <a:spLocks noGrp="1"/>
+          </p:cNvSpPr>
+          <p:nvPr>
+            <p:ph idx="1"/>
+          </p:nvPr>
+        </p:nvSpPr>
+        <p:spPr>
+          <a:xfrm>
+            <a:off x="467544" y="1988840"/>
+            <a:ext cx="8229600" cy="3963896"/>
+          </a:xfrm>
+        </p:spPr>
+        <p:txBody>
+          <a:bodyPr>
+            <a:normAutofit fontScale="85000" lnSpcReduction="20000"/>
+          </a:bodyPr>
+          <a:lstStyle/>
+          <a:p>
+            <a:pPr>
+              <a:buFont typeface="Wingdings" pitchFamily="2" charset="2"/>
+              <a:buChar char="§"/>
+            </a:pPr>
+            <a:r>
+              <a:rPr lang="fr-FR" sz="2000" b="1" dirty="0" smtClean="0"/>
+              <a:t>Langage de programmation: </a:t>
+            </a:r>
+          </a:p>
+          <a:p>
+            <a:pPr>
+              <a:buFont typeface="Wingdings" pitchFamily="2" charset="2"/>
+              <a:buChar char="§"/>
+            </a:pPr>
+            <a:endParaRPr lang="fr-FR" sz="2000" b="1" dirty="0" smtClean="0"/>
+          </a:p>
+          <a:p>
+            <a:pPr>
+              <a:buFont typeface="Wingdings" pitchFamily="2" charset="2"/>
+              <a:buChar char="§"/>
+            </a:pPr>
+            <a:r>
+              <a:rPr lang="fr-FR" sz="2000" b="1" dirty="0" smtClean="0"/>
+              <a:t>IDE: 		</a:t>
+            </a:r>
+          </a:p>
+          <a:p>
+            <a:pPr>
+              <a:buFont typeface="Wingdings" pitchFamily="2" charset="2"/>
+              <a:buChar char="§"/>
+            </a:pPr>
+            <a:endParaRPr lang="fr-FR" sz="2000" b="1" dirty="0" smtClean="0"/>
+          </a:p>
+          <a:p>
+            <a:pPr>
+              <a:buFont typeface="Wingdings" pitchFamily="2" charset="2"/>
+              <a:buChar char="§"/>
+            </a:pPr>
+            <a:r>
+              <a:rPr lang="fr-FR" sz="2000" b="1" dirty="0" smtClean="0"/>
+              <a:t>Base de données: </a:t>
+            </a:r>
+          </a:p>
+          <a:p>
+            <a:pPr>
+              <a:buNone/>
+            </a:pPr>
+            <a:endParaRPr lang="fr-FR" sz="2000" b="1" dirty="0" smtClean="0"/>
+          </a:p>
+          <a:p>
+            <a:pPr>
+              <a:buFont typeface="Wingdings" pitchFamily="2" charset="2"/>
+              <a:buChar char="§"/>
+            </a:pPr>
+            <a:r>
+              <a:rPr lang="fr-FR" sz="2000" b="1" dirty="0" err="1" smtClean="0"/>
+              <a:t>Versioning</a:t>
+            </a:r>
+            <a:r>
+              <a:rPr lang="fr-FR" sz="2000" b="1" dirty="0" smtClean="0"/>
+              <a:t>:</a:t>
+            </a:r>
+          </a:p>
+          <a:p>
+            <a:pPr>
+              <a:buFont typeface="Wingdings" pitchFamily="2" charset="2"/>
+              <a:buChar char="§"/>
+            </a:pPr>
+            <a:endParaRPr lang="fr-FR" sz="2000" b="1" dirty="0" smtClean="0"/>
+          </a:p>
+          <a:p>
+            <a:pPr>
+              <a:buFont typeface="Wingdings" pitchFamily="2" charset="2"/>
+              <a:buChar char="§"/>
+            </a:pPr>
+            <a:r>
+              <a:rPr lang="fr-FR" sz="2000" b="1" dirty="0" smtClean="0"/>
+              <a:t>User Interface:        </a:t>
+            </a:r>
+            <a:r>
+              <a:rPr lang="fr-FR" sz="2000" b="1" dirty="0" err="1" smtClean="0"/>
+              <a:t>MahApps</a:t>
+            </a:r>
+            <a:r>
+              <a:rPr lang="fr-FR" sz="2000" b="1" dirty="0" smtClean="0"/>
+              <a:t> + Windows</a:t>
+            </a:r>
+          </a:p>
+          <a:p>
+            <a:pPr>
+              <a:buFont typeface="Wingdings" pitchFamily="2" charset="2"/>
+              <a:buChar char="§"/>
+            </a:pPr>
+            <a:endParaRPr lang="fr-FR" sz="2000" b="1" dirty="0" smtClean="0"/>
+          </a:p>
+          <a:p>
+            <a:pPr>
+              <a:buFont typeface="Wingdings" pitchFamily="2" charset="2"/>
+              <a:buChar char="§"/>
+            </a:pPr>
+            <a:r>
+              <a:rPr lang="fr-FR" sz="2000" b="1" dirty="0" err="1" smtClean="0"/>
+              <a:t>Entity</a:t>
+            </a:r>
+            <a:r>
+              <a:rPr lang="fr-FR" sz="2000" b="1" dirty="0" smtClean="0"/>
+              <a:t> Framework</a:t>
+            </a:r>
+          </a:p>
+          <a:p>
+            <a:pPr>
+              <a:buFont typeface="Wingdings" pitchFamily="2" charset="2"/>
+              <a:buChar char="§"/>
+            </a:pPr>
+            <a:endParaRPr lang="fr-FR" sz="2000" b="1" dirty="0" smtClean="0"/>
+          </a:p>
+          <a:p>
+            <a:pPr>
+              <a:buFont typeface="Wingdings" pitchFamily="2" charset="2"/>
+              <a:buChar char="§"/>
+            </a:pPr>
+            <a:r>
+              <a:rPr lang="fr-FR" sz="2000" b="1" dirty="0" smtClean="0"/>
+              <a:t>Service Web de type SOAP avec </a:t>
+            </a:r>
+            <a:r>
+              <a:rPr lang="fr-FR" sz="2000" b="1" dirty="0" smtClean="0"/>
+              <a:t>WCF</a:t>
+            </a:r>
+            <a:endParaRPr lang="fr-FR" sz="2000" b="1" dirty="0" smtClean="0"/>
+          </a:p>
+          <a:p>
+            <a:pPr>
+              <a:buFont typeface="Wingdings" pitchFamily="2" charset="2"/>
+              <a:buChar char="§"/>
+            </a:pPr>
+            <a:endParaRPr lang="fr-FR" sz="2000" b="1" dirty="0" smtClean="0"/>
+          </a:p>
+          <a:p>
+            <a:pPr>
+              <a:buFont typeface="Wingdings" pitchFamily="2" charset="2"/>
+              <a:buChar char="§"/>
+            </a:pPr>
+            <a:r>
+              <a:rPr lang="fr-FR" sz="2000" b="1" dirty="0" smtClean="0"/>
+              <a:t>Lecteur de carte a puce + carte a puce.</a:t>
+            </a:r>
+          </a:p>
+        </p:txBody>
+      </p:sp>
+      <p:sp>
+        <p:nvSpPr>
+          <p:cNvPr id="3" name="Titre 2"/>
+          <p:cNvSpPr>
+            <a:spLocks noGrp="1"/>
+          </p:cNvSpPr>
+          <p:nvPr>
+            <p:ph type="title"/>
+          </p:nvPr>
+        </p:nvSpPr>
+        <p:spPr/>
+        <p:txBody>
+          <a:bodyPr>
+            <a:normAutofit/>
+          </a:bodyPr>
+          <a:lstStyle/>
+          <a:p>
+            <a:pPr algn="r"/>
+            <a:r>
+              <a:rPr lang="fr-FR" sz="1400" dirty="0" smtClean="0"/>
+              <a:t>Technologies utilisés</a:t>
+            </a:r>
+            <a:endParaRPr lang="fr-FR" sz="1400" dirty="0"/>
+          </a:p>
+        </p:txBody>
+      </p:sp>
+      <p:sp>
+        <p:nvSpPr>
+          <p:cNvPr id="10" name="Rectangle 9"/>
+          <p:cNvSpPr/>
+          <p:nvPr/>
+        </p:nvSpPr>
+        <p:spPr>
+          <a:xfrm>
+            <a:off x="467544" y="1268760"/>
+            <a:ext cx="2561920" cy="523220"/>
+          </a:xfrm>
+          <a:prstGeom prst="rect">
+            <a:avLst/>
+          </a:prstGeom>
+        </p:spPr>
+        <p:txBody>
+          <a:bodyPr wrap="none">
+            <a:spAutoFit/>
+          </a:bodyPr>
+          <a:lstStyle/>
+          <a:p>
+            <a:pPr lvl="0"/>
+            <a:r>
+              <a:rPr lang="fr-FR" sz="2800" dirty="0" smtClean="0">
+                <a:solidFill>
+                  <a:srgbClr val="002060"/>
+                </a:solidFill>
+              </a:rPr>
+              <a:t>Outils utilisés</a:t>
+            </a:r>
+            <a:endParaRPr lang="fr-FR" sz="2800" dirty="0">
+              <a:solidFill>
+                <a:srgbClr val="002060"/>
+              </a:solidFill>
+            </a:endParaRPr>
+          </a:p>
+        </p:txBody>
+      </p:sp>
+      <p:pic>
+        <p:nvPicPr>
+          <p:cNvPr id="5" name="Image 4" descr="csharp.png"/>
+          <p:cNvPicPr>
+            <a:picLocks noChangeAspect="1"/>
+          </p:cNvPicPr>
+          <p:nvPr/>
+        </p:nvPicPr>
+        <p:blipFill>
+          <a:blip r:embed="rId3" cstate="print"/>
+          <a:stretch>
+            <a:fillRect/>
+          </a:stretch>
+        </p:blipFill>
+        <p:spPr>
+          <a:xfrm>
+            <a:off x="3779912" y="1844824"/>
+            <a:ext cx="504056" cy="504056"/>
+          </a:xfrm>
+          <a:prstGeom prst="rect">
+            <a:avLst/>
+          </a:prstGeom>
+        </p:spPr>
+      </p:pic>
+      <p:pic>
+        <p:nvPicPr>
+          <p:cNvPr id="6" name="Image 5" descr="VisualStudio.png"/>
+          <p:cNvPicPr>
+            <a:picLocks noChangeAspect="1"/>
+          </p:cNvPicPr>
+          <p:nvPr/>
+        </p:nvPicPr>
+        <p:blipFill>
+          <a:blip r:embed="rId4" cstate="print"/>
+          <a:stretch>
+            <a:fillRect/>
+          </a:stretch>
+        </p:blipFill>
+        <p:spPr>
+          <a:xfrm>
+            <a:off x="1403649" y="2348880"/>
+            <a:ext cx="934234" cy="464103"/>
+          </a:xfrm>
+          <a:prstGeom prst="rect">
+            <a:avLst/>
+          </a:prstGeom>
+        </p:spPr>
+      </p:pic>
+      <p:pic>
+        <p:nvPicPr>
+          <p:cNvPr id="8" name="Image 7" descr="OracleMySQLCloudService.png"/>
+          <p:cNvPicPr>
+            <a:picLocks noChangeAspect="1"/>
+          </p:cNvPicPr>
+          <p:nvPr/>
+        </p:nvPicPr>
+        <p:blipFill>
+          <a:blip r:embed="rId5" cstate="print"/>
+          <a:stretch>
+            <a:fillRect/>
+          </a:stretch>
+        </p:blipFill>
+        <p:spPr>
+          <a:xfrm>
+            <a:off x="2771800" y="2832774"/>
+            <a:ext cx="734690" cy="380202"/>
+          </a:xfrm>
+          <a:prstGeom prst="rect">
+            <a:avLst/>
+          </a:prstGeom>
+        </p:spPr>
+      </p:pic>
+      <p:pic>
+        <p:nvPicPr>
+          <p:cNvPr id="9" name="Image 8" descr="3cd5679f54dc60811383649f9f6ea37d.png"/>
+          <p:cNvPicPr>
+            <a:picLocks noChangeAspect="1"/>
+          </p:cNvPicPr>
+          <p:nvPr/>
+        </p:nvPicPr>
+        <p:blipFill>
+          <a:blip r:embed="rId6" cstate="print"/>
+          <a:stretch>
+            <a:fillRect/>
+          </a:stretch>
+        </p:blipFill>
+        <p:spPr>
+          <a:xfrm>
+            <a:off x="2123728" y="3356992"/>
+            <a:ext cx="1152128" cy="434461"/>
+          </a:xfrm>
+          <a:prstGeom prst="rect">
+            <a:avLst/>
+          </a:prstGeom>
+        </p:spPr>
+      </p:pic>
+      <p:pic>
+        <p:nvPicPr>
+          <p:cNvPr id="11" name="Image 10" descr="1130789.png"/>
+          <p:cNvPicPr>
+            <a:picLocks noChangeAspect="1"/>
+          </p:cNvPicPr>
+          <p:nvPr/>
+        </p:nvPicPr>
+        <p:blipFill>
+          <a:blip r:embed="rId7" cstate="print"/>
+          <a:stretch>
+            <a:fillRect/>
+          </a:stretch>
+        </p:blipFill>
+        <p:spPr>
+          <a:xfrm>
+            <a:off x="2483768" y="3861048"/>
+            <a:ext cx="360040" cy="360040"/>
+          </a:xfrm>
+          <a:prstGeom prst="rect">
+            <a:avLst/>
+          </a:prstGeom>
+        </p:spPr>
+      </p:pic>
+    </p:spTree>
+  </p:cSld>
+  <p:clrMapOvr>
+    <a:masterClrMapping/>
+  </p:clrMapOvr>
+</p:sld>
+</file>
+
+<file path=ppt/slides/slide8.xml><?xml version="1.0" encoding="utf-8"?>
+<p:sld xmlns:a="http://schemas.openxmlformats.org/drawingml/2006/main" xmlns:r="http://schemas.openxmlformats.org/officeDocument/2006/relationships" xmlns:p="http://schemas.openxmlformats.org/presentationml/2006/main">
+  <p:cSld>
+    <p:spTree>
+      <p:nvGrpSpPr>
+        <p:cNvPr id="1" name=""/>
+        <p:cNvGrpSpPr/>
+        <p:nvPr/>
+      </p:nvGrpSpPr>
+      <p:grpSpPr>
+        <a:xfrm>
+          <a:off x="0" y="0"/>
+          <a:ext cx="0" cy="0"/>
+          <a:chOff x="0" y="0"/>
+          <a:chExt cx="0" cy="0"/>
+        </a:xfrm>
+      </p:grpSpPr>
+      <p:sp>
+        <p:nvSpPr>
+          <p:cNvPr id="2" name="Espace réservé du contenu 1"/>
+          <p:cNvSpPr>
+            <a:spLocks noGrp="1"/>
+          </p:cNvSpPr>
+          <p:nvPr>
+            <p:ph idx="1"/>
+          </p:nvPr>
+        </p:nvSpPr>
+        <p:spPr>
+          <a:xfrm>
+            <a:off x="467544" y="1988840"/>
+            <a:ext cx="8229600" cy="3963896"/>
+          </a:xfrm>
+        </p:spPr>
+        <p:txBody>
+          <a:bodyPr>
+            <a:normAutofit/>
+          </a:bodyPr>
+          <a:lstStyle/>
+          <a:p>
+            <a:pPr>
+              <a:buNone/>
+            </a:pPr>
+            <a:r>
+              <a:rPr lang="fr-FR" sz="2000" dirty="0" smtClean="0"/>
+              <a:t>Les Web Services utilisés lors du développement de l’application sont de type SOAP (Simple Object Access Protocol) et utilisent l’infrastructure </a:t>
+            </a:r>
+            <a:r>
+              <a:rPr lang="fr-FR" sz="2000" b="1" dirty="0" smtClean="0"/>
+              <a:t>WCF</a:t>
+            </a:r>
+            <a:r>
+              <a:rPr lang="fr-FR" sz="2000" dirty="0" smtClean="0"/>
+              <a:t> </a:t>
+            </a:r>
+            <a:r>
+              <a:rPr lang="fr-FR" sz="2000" b="1" dirty="0" smtClean="0"/>
+              <a:t>(Windows Communication </a:t>
+            </a:r>
+            <a:r>
+              <a:rPr lang="fr-FR" sz="2000" b="1" dirty="0" err="1" smtClean="0"/>
+              <a:t>Foundation</a:t>
+            </a:r>
+            <a:r>
+              <a:rPr lang="fr-FR" sz="2000" b="1" dirty="0" smtClean="0"/>
+              <a:t>).</a:t>
+            </a:r>
+          </a:p>
+          <a:p>
+            <a:pPr>
+              <a:buNone/>
+            </a:pPr>
+            <a:endParaRPr lang="fr-FR" sz="2000" b="1" dirty="0" smtClean="0"/>
+          </a:p>
+          <a:p>
+            <a:pPr>
+              <a:buNone/>
+            </a:pPr>
+            <a:r>
+              <a:rPr lang="fr-FR" sz="2000" b="1" dirty="0" smtClean="0"/>
+              <a:t>Pourquoi </a:t>
+            </a:r>
+            <a:r>
+              <a:rPr lang="fr-FR" sz="2000" b="1" dirty="0" smtClean="0"/>
+              <a:t>le protocole SOAP avec WCF ?</a:t>
+            </a:r>
+          </a:p>
+          <a:p>
+            <a:pPr>
+              <a:buNone/>
+            </a:pPr>
+            <a:endParaRPr lang="fr-FR" sz="2000" dirty="0" smtClean="0"/>
+          </a:p>
+          <a:p>
+            <a:pPr lvl="1">
+              <a:buFont typeface="Courier New" pitchFamily="49" charset="0"/>
+              <a:buChar char="o"/>
+            </a:pPr>
+            <a:r>
+              <a:rPr lang="fr-FR" sz="1600" dirty="0" smtClean="0"/>
+              <a:t>Rapidité à mettre en place.</a:t>
+            </a:r>
+          </a:p>
+          <a:p>
+            <a:pPr lvl="1">
+              <a:buFont typeface="Courier New" pitchFamily="49" charset="0"/>
+              <a:buChar char="o"/>
+            </a:pPr>
+            <a:r>
+              <a:rPr lang="fr-FR" sz="1600" dirty="0" smtClean="0"/>
+              <a:t>Retourne des objets et non pas du JSON/XML.</a:t>
+            </a:r>
+          </a:p>
+          <a:p>
+            <a:pPr lvl="1">
+              <a:buFont typeface="Courier New" pitchFamily="49" charset="0"/>
+              <a:buChar char="o"/>
+            </a:pPr>
+            <a:r>
+              <a:rPr lang="fr-FR" sz="1600" dirty="0" smtClean="0"/>
+              <a:t>Meilleure manipulation des données.</a:t>
+            </a:r>
+          </a:p>
+          <a:p>
+            <a:pPr lvl="1">
+              <a:buFont typeface="Courier New" pitchFamily="49" charset="0"/>
+              <a:buChar char="o"/>
+            </a:pPr>
+            <a:r>
+              <a:rPr lang="fr-FR" sz="1600" dirty="0" smtClean="0"/>
+              <a:t>Meilleure </a:t>
+            </a:r>
+            <a:r>
+              <a:rPr lang="fr-FR" sz="1600" dirty="0" smtClean="0"/>
+              <a:t>lisibilité </a:t>
+            </a:r>
+            <a:r>
+              <a:rPr lang="fr-FR" sz="1600" dirty="0" smtClean="0"/>
+              <a:t>dans le code.</a:t>
+            </a:r>
+          </a:p>
+        </p:txBody>
+      </p:sp>
+      <p:sp>
+        <p:nvSpPr>
+          <p:cNvPr id="3" name="Titre 2"/>
+          <p:cNvSpPr>
+            <a:spLocks noGrp="1"/>
+          </p:cNvSpPr>
+          <p:nvPr>
+            <p:ph type="title"/>
+          </p:nvPr>
+        </p:nvSpPr>
+        <p:spPr/>
+        <p:txBody>
+          <a:bodyPr>
+            <a:normAutofit/>
+          </a:bodyPr>
+          <a:lstStyle/>
+          <a:p>
+            <a:pPr algn="r"/>
+            <a:r>
+              <a:rPr lang="fr-FR" sz="1400" dirty="0" smtClean="0"/>
+              <a:t>Technologies utilisés</a:t>
+            </a:r>
+            <a:endParaRPr lang="fr-FR" sz="1400" dirty="0"/>
+          </a:p>
+        </p:txBody>
+      </p:sp>
+      <p:sp>
+        <p:nvSpPr>
+          <p:cNvPr id="10" name="Rectangle 9"/>
+          <p:cNvSpPr/>
+          <p:nvPr/>
+        </p:nvSpPr>
+        <p:spPr>
+          <a:xfrm>
+            <a:off x="467544" y="1268760"/>
+            <a:ext cx="3119765" cy="523220"/>
+          </a:xfrm>
+          <a:prstGeom prst="rect">
+            <a:avLst/>
+          </a:prstGeom>
+        </p:spPr>
+        <p:txBody>
+          <a:bodyPr wrap="none">
+            <a:spAutoFit/>
+          </a:bodyPr>
+          <a:lstStyle/>
+          <a:p>
+            <a:pPr lvl="0"/>
+            <a:r>
+              <a:rPr lang="fr-FR" sz="2800" dirty="0" smtClean="0">
+                <a:solidFill>
+                  <a:srgbClr val="002060"/>
+                </a:solidFill>
+              </a:rPr>
+              <a:t>Les Web Services</a:t>
+            </a:r>
+            <a:endParaRPr lang="fr-FR" sz="2800" dirty="0">
+              <a:solidFill>
+                <a:srgbClr val="002060"/>
+              </a:solidFill>
+            </a:endParaRPr>
+          </a:p>
+        </p:txBody>
+      </p:sp>
+    </p:spTree>
+  </p:cSld>
+  <p:clrMapOvr>
+    <a:masterClrMapping/>
+  </p:clrMapOvr>
+</p:sld>
+</file>
+
+<file path=ppt/slides/slide9.xml><?xml version="1.0" encoding="utf-8"?>
+<p:sld xmlns:a="http://schemas.openxmlformats.org/drawingml/2006/main" xmlns:r="http://schemas.openxmlformats.org/officeDocument/2006/relationships" xmlns:p="http://schemas.openxmlformats.org/presentationml/2006/main">
+  <p:cSld>
+    <p:spTree>
+      <p:nvGrpSpPr>
+        <p:cNvPr id="1" name=""/>
+        <p:cNvGrpSpPr/>
+        <p:nvPr/>
+      </p:nvGrpSpPr>
+      <p:grpSpPr>
+        <a:xfrm>
+          <a:off x="0" y="0"/>
+          <a:ext cx="0" cy="0"/>
+          <a:chOff x="0" y="0"/>
+          <a:chExt cx="0" cy="0"/>
+        </a:xfrm>
+      </p:grpSpPr>
+      <p:sp>
+        <p:nvSpPr>
+          <p:cNvPr id="2" name="Espace réservé du contenu 1"/>
+          <p:cNvSpPr>
+            <a:spLocks noGrp="1"/>
+          </p:cNvSpPr>
+          <p:nvPr>
+            <p:ph idx="1"/>
+          </p:nvPr>
+        </p:nvSpPr>
+        <p:spPr>
+          <a:xfrm>
+            <a:off x="467544" y="1988840"/>
+            <a:ext cx="8229600" cy="3963896"/>
+          </a:xfrm>
+        </p:spPr>
+        <p:txBody>
+          <a:bodyPr>
+            <a:normAutofit/>
+          </a:bodyPr>
+          <a:lstStyle/>
+          <a:p>
+            <a:pPr>
+              <a:buNone/>
+            </a:pPr>
+            <a:r>
+              <a:rPr lang="fr-FR" sz="2000" dirty="0" err="1" smtClean="0"/>
+              <a:t>Entity</a:t>
+            </a:r>
+            <a:r>
+              <a:rPr lang="fr-FR" sz="2000" dirty="0" smtClean="0"/>
+              <a:t> Framework est un outil permettant de créer une couche d’accès aux données lié à une base de données.</a:t>
+            </a:r>
+          </a:p>
+          <a:p>
+            <a:pPr>
+              <a:buNone/>
+            </a:pPr>
+            <a:r>
+              <a:rPr lang="fr-FR" sz="2000" dirty="0" smtClean="0"/>
+              <a:t>	</a:t>
+            </a:r>
+          </a:p>
+          <a:p>
+            <a:pPr>
+              <a:buNone/>
+            </a:pPr>
+            <a:r>
+              <a:rPr lang="fr-FR" sz="2000" dirty="0" smtClean="0"/>
+              <a:t>Il propose ainsi </a:t>
+            </a:r>
+            <a:r>
+              <a:rPr lang="fr-FR" sz="2000" dirty="0" smtClean="0"/>
+              <a:t>la création d'un schéma conceptuel composé d'entités qui permettent la manipulation d'une source de données, </a:t>
+            </a:r>
+            <a:r>
+              <a:rPr lang="fr-FR" sz="2000" b="1" dirty="0" smtClean="0"/>
+              <a:t>sans écrire une seule ligne de SQL</a:t>
+            </a:r>
+            <a:r>
+              <a:rPr lang="fr-FR" sz="2000" dirty="0" smtClean="0"/>
+              <a:t>, grâce à </a:t>
+            </a:r>
+            <a:r>
+              <a:rPr lang="fr-FR" sz="2000" dirty="0" err="1" smtClean="0"/>
+              <a:t>LinQ</a:t>
+            </a:r>
+            <a:r>
+              <a:rPr lang="fr-FR" sz="2000" dirty="0" smtClean="0"/>
+              <a:t> To </a:t>
+            </a:r>
+            <a:r>
+              <a:rPr lang="fr-FR" sz="2000" dirty="0" err="1" smtClean="0"/>
+              <a:t>Entities</a:t>
+            </a:r>
+            <a:r>
+              <a:rPr lang="fr-FR" sz="2000" dirty="0" smtClean="0"/>
+              <a:t>.</a:t>
+            </a:r>
+            <a:endParaRPr lang="fr-FR" sz="2000" b="1" dirty="0" smtClean="0"/>
+          </a:p>
+        </p:txBody>
+      </p:sp>
+      <p:sp>
+        <p:nvSpPr>
+          <p:cNvPr id="3" name="Titre 2"/>
+          <p:cNvSpPr>
+            <a:spLocks noGrp="1"/>
+          </p:cNvSpPr>
+          <p:nvPr>
+            <p:ph type="title"/>
+          </p:nvPr>
+        </p:nvSpPr>
+        <p:spPr/>
+        <p:txBody>
+          <a:bodyPr>
+            <a:normAutofit/>
+          </a:bodyPr>
+          <a:lstStyle/>
+          <a:p>
+            <a:pPr algn="r"/>
+            <a:r>
+              <a:rPr lang="fr-FR" sz="1400" dirty="0" smtClean="0"/>
+              <a:t>Technologies utilisés</a:t>
+            </a:r>
+            <a:endParaRPr lang="fr-FR" sz="1400" dirty="0"/>
+          </a:p>
+        </p:txBody>
+      </p:sp>
+      <p:sp>
+        <p:nvSpPr>
+          <p:cNvPr id="10" name="Rectangle 9"/>
+          <p:cNvSpPr/>
+          <p:nvPr/>
+        </p:nvSpPr>
+        <p:spPr>
+          <a:xfrm>
+            <a:off x="467544" y="1268760"/>
+            <a:ext cx="3206327" cy="523220"/>
+          </a:xfrm>
+          <a:prstGeom prst="rect">
+            <a:avLst/>
+          </a:prstGeom>
+        </p:spPr>
+        <p:txBody>
+          <a:bodyPr wrap="none">
+            <a:spAutoFit/>
+          </a:bodyPr>
+          <a:lstStyle/>
+          <a:p>
+            <a:pPr lvl="0"/>
+            <a:r>
+              <a:rPr lang="fr-FR" sz="2800" dirty="0" err="1" smtClean="0">
+                <a:solidFill>
+                  <a:srgbClr val="002060"/>
+                </a:solidFill>
+              </a:rPr>
+              <a:t>Entity</a:t>
+            </a:r>
+            <a:r>
+              <a:rPr lang="fr-FR" sz="2800" dirty="0" smtClean="0">
+                <a:solidFill>
+                  <a:srgbClr val="002060"/>
+                </a:solidFill>
+              </a:rPr>
+              <a:t> Framework</a:t>
+            </a:r>
+            <a:endParaRPr lang="fr-FR" sz="2800" dirty="0">
+              <a:solidFill>
+                <a:srgbClr val="002060"/>
+              </a:solidFill>
+            </a:endParaRPr>
+          </a:p>
+        </p:txBody>
+      </p:sp>
     </p:spTree>
   </p:cSld>
   <p:clrMapOvr>

--- a/doc/Diapo.pptx
+++ b/doc/Diapo.pptx
@@ -11076,7 +11076,7 @@
         </p:blipFill>
         <p:spPr>
           <a:xfrm>
-            <a:off x="2771800" y="2832774"/>
+            <a:off x="2829198" y="2904782"/>
             <a:ext cx="734690" cy="380202"/>
           </a:xfrm>
           <a:prstGeom prst="rect">
@@ -11100,7 +11100,7 @@
         </p:blipFill>
         <p:spPr>
           <a:xfrm>
-            <a:off x="2123728" y="3356992"/>
+            <a:off x="2123728" y="3426587"/>
             <a:ext cx="1152128" cy="434461"/>
           </a:xfrm>
           <a:prstGeom prst="rect">
@@ -11124,7 +11124,7 @@
         </p:blipFill>
         <p:spPr>
           <a:xfrm>
-            <a:off x="2483768" y="3861048"/>
+            <a:off x="2555776" y="3933056"/>
             <a:ext cx="360040" cy="360040"/>
           </a:xfrm>
           <a:prstGeom prst="rect">

--- a/doc/Diapo.pptx
+++ b/doc/Diapo.pptx
@@ -130,6 +130,22 @@
       </a:defRPr>
     </a:lvl9pPr>
   </p:defaultTextStyle>
+  <p:extLst>
+    <p:ext uri="{EFAFB233-063F-42B5-8137-9DF3F51BA10A}">
+      <p15:sldGuideLst xmlns:p15="http://schemas.microsoft.com/office/powerpoint/2012/main">
+        <p15:guide id="1" orient="horz" pos="2160">
+          <p15:clr>
+            <a:srgbClr val="A4A3A4"/>
+          </p15:clr>
+        </p15:guide>
+        <p15:guide id="2" pos="2880">
+          <p15:clr>
+            <a:srgbClr val="A4A3A4"/>
+          </p15:clr>
+        </p15:guide>
+      </p15:sldGuideLst>
+    </p:ext>
+  </p:extLst>
 </p:presentation>
 </file>
 
@@ -385,6 +401,11 @@
         </p:txBody>
       </p:sp>
     </p:spTree>
+    <p:extLst>
+      <p:ext uri="{BB962C8B-B14F-4D97-AF65-F5344CB8AC3E}">
+        <p14:creationId xmlns:p14="http://schemas.microsoft.com/office/powerpoint/2010/main" val="45641624"/>
+      </p:ext>
+    </p:extLst>
   </p:cSld>
   <p:clrMap bg1="lt1" tx1="dk1" bg2="lt2" tx2="dk2" accent1="accent1" accent2="accent2" accent3="accent3" accent4="accent4" accent5="accent5" accent6="accent6" hlink="hlink" folHlink="folHlink"/>
   <p:notesStyle>
@@ -586,6 +607,11 @@
         </p:txBody>
       </p:sp>
     </p:spTree>
+    <p:extLst>
+      <p:ext uri="{BB962C8B-B14F-4D97-AF65-F5344CB8AC3E}">
+        <p14:creationId xmlns:p14="http://schemas.microsoft.com/office/powerpoint/2010/main" val="2228747940"/>
+      </p:ext>
+    </p:extLst>
   </p:cSld>
   <p:clrMapOvr>
     <a:masterClrMapping/>
@@ -668,6 +694,11 @@
         </p:txBody>
       </p:sp>
     </p:spTree>
+    <p:extLst>
+      <p:ext uri="{BB962C8B-B14F-4D97-AF65-F5344CB8AC3E}">
+        <p14:creationId xmlns:p14="http://schemas.microsoft.com/office/powerpoint/2010/main" val="1398145928"/>
+      </p:ext>
+    </p:extLst>
   </p:cSld>
   <p:clrMapOvr>
     <a:masterClrMapping/>
@@ -750,6 +781,11 @@
         </p:txBody>
       </p:sp>
     </p:spTree>
+    <p:extLst>
+      <p:ext uri="{BB962C8B-B14F-4D97-AF65-F5344CB8AC3E}">
+        <p14:creationId xmlns:p14="http://schemas.microsoft.com/office/powerpoint/2010/main" val="2215035958"/>
+      </p:ext>
+    </p:extLst>
   </p:cSld>
   <p:clrMapOvr>
     <a:masterClrMapping/>
@@ -832,6 +868,11 @@
         </p:txBody>
       </p:sp>
     </p:spTree>
+    <p:extLst>
+      <p:ext uri="{BB962C8B-B14F-4D97-AF65-F5344CB8AC3E}">
+        <p14:creationId xmlns:p14="http://schemas.microsoft.com/office/powerpoint/2010/main" val="4078183470"/>
+      </p:ext>
+    </p:extLst>
   </p:cSld>
   <p:clrMapOvr>
     <a:masterClrMapping/>
@@ -914,6 +955,11 @@
         </p:txBody>
       </p:sp>
     </p:spTree>
+    <p:extLst>
+      <p:ext uri="{BB962C8B-B14F-4D97-AF65-F5344CB8AC3E}">
+        <p14:creationId xmlns:p14="http://schemas.microsoft.com/office/powerpoint/2010/main" val="511339895"/>
+      </p:ext>
+    </p:extLst>
   </p:cSld>
   <p:clrMapOvr>
     <a:masterClrMapping/>
@@ -996,6 +1042,11 @@
         </p:txBody>
       </p:sp>
     </p:spTree>
+    <p:extLst>
+      <p:ext uri="{BB962C8B-B14F-4D97-AF65-F5344CB8AC3E}">
+        <p14:creationId xmlns:p14="http://schemas.microsoft.com/office/powerpoint/2010/main" val="1329930481"/>
+      </p:ext>
+    </p:extLst>
   </p:cSld>
   <p:clrMapOvr>
     <a:masterClrMapping/>
@@ -1078,6 +1129,11 @@
         </p:txBody>
       </p:sp>
     </p:spTree>
+    <p:extLst>
+      <p:ext uri="{BB962C8B-B14F-4D97-AF65-F5344CB8AC3E}">
+        <p14:creationId xmlns:p14="http://schemas.microsoft.com/office/powerpoint/2010/main" val="1420921446"/>
+      </p:ext>
+    </p:extLst>
   </p:cSld>
   <p:clrMapOvr>
     <a:masterClrMapping/>
@@ -1160,6 +1216,11 @@
         </p:txBody>
       </p:sp>
     </p:spTree>
+    <p:extLst>
+      <p:ext uri="{BB962C8B-B14F-4D97-AF65-F5344CB8AC3E}">
+        <p14:creationId xmlns:p14="http://schemas.microsoft.com/office/powerpoint/2010/main" val="2537194441"/>
+      </p:ext>
+    </p:extLst>
   </p:cSld>
   <p:clrMapOvr>
     <a:masterClrMapping/>
@@ -1242,6 +1303,11 @@
         </p:txBody>
       </p:sp>
     </p:spTree>
+    <p:extLst>
+      <p:ext uri="{BB962C8B-B14F-4D97-AF65-F5344CB8AC3E}">
+        <p14:creationId xmlns:p14="http://schemas.microsoft.com/office/powerpoint/2010/main" val="4069220086"/>
+      </p:ext>
+    </p:extLst>
   </p:cSld>
   <p:clrMapOvr>
     <a:masterClrMapping/>
@@ -1324,6 +1390,11 @@
         </p:txBody>
       </p:sp>
     </p:spTree>
+    <p:extLst>
+      <p:ext uri="{BB962C8B-B14F-4D97-AF65-F5344CB8AC3E}">
+        <p14:creationId xmlns:p14="http://schemas.microsoft.com/office/powerpoint/2010/main" val="2188083174"/>
+      </p:ext>
+    </p:extLst>
   </p:cSld>
   <p:clrMapOvr>
     <a:masterClrMapping/>
@@ -1406,6 +1477,11 @@
         </p:txBody>
       </p:sp>
     </p:spTree>
+    <p:extLst>
+      <p:ext uri="{BB962C8B-B14F-4D97-AF65-F5344CB8AC3E}">
+        <p14:creationId xmlns:p14="http://schemas.microsoft.com/office/powerpoint/2010/main" val="1537290242"/>
+      </p:ext>
+    </p:extLst>
   </p:cSld>
   <p:clrMapOvr>
     <a:masterClrMapping/>
@@ -1500,6 +1576,11 @@
         </p:txBody>
       </p:sp>
     </p:spTree>
+    <p:extLst>
+      <p:ext uri="{BB962C8B-B14F-4D97-AF65-F5344CB8AC3E}">
+        <p14:creationId xmlns:p14="http://schemas.microsoft.com/office/powerpoint/2010/main" val="1628508158"/>
+      </p:ext>
+    </p:extLst>
   </p:cSld>
   <p:clrMapOvr>
     <a:masterClrMapping/>
@@ -1582,6 +1663,11 @@
         </p:txBody>
       </p:sp>
     </p:spTree>
+    <p:extLst>
+      <p:ext uri="{BB962C8B-B14F-4D97-AF65-F5344CB8AC3E}">
+        <p14:creationId xmlns:p14="http://schemas.microsoft.com/office/powerpoint/2010/main" val="725683917"/>
+      </p:ext>
+    </p:extLst>
   </p:cSld>
   <p:clrMapOvr>
     <a:masterClrMapping/>
@@ -1664,6 +1750,11 @@
         </p:txBody>
       </p:sp>
     </p:spTree>
+    <p:extLst>
+      <p:ext uri="{BB962C8B-B14F-4D97-AF65-F5344CB8AC3E}">
+        <p14:creationId xmlns:p14="http://schemas.microsoft.com/office/powerpoint/2010/main" val="3526639435"/>
+      </p:ext>
+    </p:extLst>
   </p:cSld>
   <p:clrMapOvr>
     <a:masterClrMapping/>
@@ -1746,6 +1837,11 @@
         </p:txBody>
       </p:sp>
     </p:spTree>
+    <p:extLst>
+      <p:ext uri="{BB962C8B-B14F-4D97-AF65-F5344CB8AC3E}">
+        <p14:creationId xmlns:p14="http://schemas.microsoft.com/office/powerpoint/2010/main" val="1321478154"/>
+      </p:ext>
+    </p:extLst>
   </p:cSld>
   <p:clrMapOvr>
     <a:masterClrMapping/>
@@ -1828,6 +1924,11 @@
         </p:txBody>
       </p:sp>
     </p:spTree>
+    <p:extLst>
+      <p:ext uri="{BB962C8B-B14F-4D97-AF65-F5344CB8AC3E}">
+        <p14:creationId xmlns:p14="http://schemas.microsoft.com/office/powerpoint/2010/main" val="2004548286"/>
+      </p:ext>
+    </p:extLst>
   </p:cSld>
   <p:clrMapOvr>
     <a:masterClrMapping/>
@@ -1910,6 +2011,11 @@
         </p:txBody>
       </p:sp>
     </p:spTree>
+    <p:extLst>
+      <p:ext uri="{BB962C8B-B14F-4D97-AF65-F5344CB8AC3E}">
+        <p14:creationId xmlns:p14="http://schemas.microsoft.com/office/powerpoint/2010/main" val="3448461766"/>
+      </p:ext>
+    </p:extLst>
   </p:cSld>
   <p:clrMapOvr>
     <a:masterClrMapping/>
@@ -1992,6 +2098,11 @@
         </p:txBody>
       </p:sp>
     </p:spTree>
+    <p:extLst>
+      <p:ext uri="{BB962C8B-B14F-4D97-AF65-F5344CB8AC3E}">
+        <p14:creationId xmlns:p14="http://schemas.microsoft.com/office/powerpoint/2010/main" val="212553317"/>
+      </p:ext>
+    </p:extLst>
   </p:cSld>
   <p:clrMapOvr>
     <a:masterClrMapping/>
@@ -2135,6 +2246,11 @@
         </p:txBody>
       </p:sp>
     </p:spTree>
+    <p:extLst>
+      <p:ext uri="{BB962C8B-B14F-4D97-AF65-F5344CB8AC3E}">
+        <p14:creationId xmlns:p14="http://schemas.microsoft.com/office/powerpoint/2010/main" val="1461847046"/>
+      </p:ext>
+    </p:extLst>
   </p:cSld>
   <p:clrMapOvr>
     <a:masterClrMapping/>
@@ -2278,6 +2394,11 @@
         </p:txBody>
       </p:sp>
     </p:spTree>
+    <p:extLst>
+      <p:ext uri="{BB962C8B-B14F-4D97-AF65-F5344CB8AC3E}">
+        <p14:creationId xmlns:p14="http://schemas.microsoft.com/office/powerpoint/2010/main" val="1520764927"/>
+      </p:ext>
+    </p:extLst>
   </p:cSld>
   <p:clrMapOvr>
     <a:masterClrMapping/>
@@ -6824,6 +6945,36 @@
           </a:p>
         </p:txBody>
       </p:sp>
+      <p:pic>
+        <p:nvPicPr>
+          <p:cNvPr id="5" name="Image 4"/>
+          <p:cNvPicPr>
+            <a:picLocks noChangeAspect="1"/>
+          </p:cNvPicPr>
+          <p:nvPr/>
+        </p:nvPicPr>
+        <p:blipFill>
+          <a:blip r:embed="rId2">
+            <a:extLst>
+              <a:ext uri="{28A0092B-C50C-407E-A947-70E740481C1C}">
+                <a14:useLocalDpi xmlns:a14="http://schemas.microsoft.com/office/drawing/2010/main" val="0"/>
+              </a:ext>
+            </a:extLst>
+          </a:blip>
+          <a:stretch>
+            <a:fillRect/>
+          </a:stretch>
+        </p:blipFill>
+        <p:spPr>
+          <a:xfrm>
+            <a:off x="321786" y="5661248"/>
+            <a:ext cx="1480234" cy="954990"/>
+          </a:xfrm>
+          <a:prstGeom prst="rect">
+            <a:avLst/>
+          </a:prstGeom>
+        </p:spPr>
+      </p:pic>
     </p:spTree>
   </p:cSld>
   <p:clrMapOvr>
@@ -6953,6 +7104,36 @@
             <a:headEnd/>
             <a:tailEnd/>
           </a:ln>
+        </p:spPr>
+      </p:pic>
+      <p:pic>
+        <p:nvPicPr>
+          <p:cNvPr id="5" name="Image 4"/>
+          <p:cNvPicPr>
+            <a:picLocks noChangeAspect="1"/>
+          </p:cNvPicPr>
+          <p:nvPr/>
+        </p:nvPicPr>
+        <p:blipFill>
+          <a:blip r:embed="rId4" cstate="print">
+            <a:extLst>
+              <a:ext uri="{28A0092B-C50C-407E-A947-70E740481C1C}">
+                <a14:useLocalDpi xmlns:a14="http://schemas.microsoft.com/office/drawing/2010/main" val="0"/>
+              </a:ext>
+            </a:extLst>
+          </a:blip>
+          <a:stretch>
+            <a:fillRect/>
+          </a:stretch>
+        </p:blipFill>
+        <p:spPr>
+          <a:xfrm>
+            <a:off x="7956376" y="6070981"/>
+            <a:ext cx="943868" cy="608947"/>
+          </a:xfrm>
+          <a:prstGeom prst="rect">
+            <a:avLst/>
+          </a:prstGeom>
         </p:spPr>
       </p:pic>
     </p:spTree>
@@ -6980,6 +7161,36 @@
           <a:chExt cx="0" cy="0"/>
         </a:xfrm>
       </p:grpSpPr>
+      <p:pic>
+        <p:nvPicPr>
+          <p:cNvPr id="5" name="Image 4"/>
+          <p:cNvPicPr>
+            <a:picLocks noChangeAspect="1"/>
+          </p:cNvPicPr>
+          <p:nvPr/>
+        </p:nvPicPr>
+        <p:blipFill>
+          <a:blip r:embed="rId3" cstate="print">
+            <a:extLst>
+              <a:ext uri="{28A0092B-C50C-407E-A947-70E740481C1C}">
+                <a14:useLocalDpi xmlns:a14="http://schemas.microsoft.com/office/drawing/2010/main" val="0"/>
+              </a:ext>
+            </a:extLst>
+          </a:blip>
+          <a:stretch>
+            <a:fillRect/>
+          </a:stretch>
+        </p:blipFill>
+        <p:spPr>
+          <a:xfrm>
+            <a:off x="7956376" y="6070981"/>
+            <a:ext cx="943868" cy="608947"/>
+          </a:xfrm>
+          <a:prstGeom prst="rect">
+            <a:avLst/>
+          </a:prstGeom>
+        </p:spPr>
+      </p:pic>
       <p:sp>
         <p:nvSpPr>
           <p:cNvPr id="3" name="Titre 2"/>
@@ -7061,7 +7272,7 @@
           <p:nvPr/>
         </p:nvPicPr>
         <p:blipFill>
-          <a:blip r:embed="rId3" cstate="print"/>
+          <a:blip r:embed="rId4" cstate="print"/>
           <a:srcRect/>
           <a:stretch>
             <a:fillRect/>
@@ -7555,6 +7766,36 @@
           </a:prstGeom>
         </p:spPr>
       </p:pic>
+      <p:pic>
+        <p:nvPicPr>
+          <p:cNvPr id="15" name="Image 14"/>
+          <p:cNvPicPr>
+            <a:picLocks noChangeAspect="1"/>
+          </p:cNvPicPr>
+          <p:nvPr/>
+        </p:nvPicPr>
+        <p:blipFill>
+          <a:blip r:embed="rId8" cstate="print">
+            <a:extLst>
+              <a:ext uri="{28A0092B-C50C-407E-A947-70E740481C1C}">
+                <a14:useLocalDpi xmlns:a14="http://schemas.microsoft.com/office/drawing/2010/main" val="0"/>
+              </a:ext>
+            </a:extLst>
+          </a:blip>
+          <a:stretch>
+            <a:fillRect/>
+          </a:stretch>
+        </p:blipFill>
+        <p:spPr>
+          <a:xfrm>
+            <a:off x="7956376" y="6070981"/>
+            <a:ext cx="943868" cy="608947"/>
+          </a:xfrm>
+          <a:prstGeom prst="rect">
+            <a:avLst/>
+          </a:prstGeom>
+        </p:spPr>
+      </p:pic>
     </p:spTree>
   </p:cSld>
   <p:clrMapOvr>
@@ -8094,6 +8335,36 @@
           </a:ln>
         </p:spPr>
       </p:pic>
+      <p:pic>
+        <p:nvPicPr>
+          <p:cNvPr id="20" name="Image 19"/>
+          <p:cNvPicPr>
+            <a:picLocks noChangeAspect="1"/>
+          </p:cNvPicPr>
+          <p:nvPr/>
+        </p:nvPicPr>
+        <p:blipFill>
+          <a:blip r:embed="rId13" cstate="print">
+            <a:extLst>
+              <a:ext uri="{28A0092B-C50C-407E-A947-70E740481C1C}">
+                <a14:useLocalDpi xmlns:a14="http://schemas.microsoft.com/office/drawing/2010/main" val="0"/>
+              </a:ext>
+            </a:extLst>
+          </a:blip>
+          <a:stretch>
+            <a:fillRect/>
+          </a:stretch>
+        </p:blipFill>
+        <p:spPr>
+          <a:xfrm>
+            <a:off x="7956376" y="6070981"/>
+            <a:ext cx="943868" cy="608947"/>
+          </a:xfrm>
+          <a:prstGeom prst="rect">
+            <a:avLst/>
+          </a:prstGeom>
+        </p:spPr>
+      </p:pic>
     </p:spTree>
   </p:cSld>
   <p:clrMapOvr>
@@ -8149,7 +8420,6 @@
               <a:rPr lang="fr-FR" sz="2000" b="1" dirty="0" smtClean="0"/>
               <a:t>Connexion à l’application</a:t>
             </a:r>
-            <a:endParaRPr lang="fr-FR" sz="2000" b="1" dirty="0" smtClean="0"/>
           </a:p>
         </p:txBody>
       </p:sp>
@@ -8247,6 +8517,36 @@
             <a:headEnd/>
             <a:tailEnd/>
           </a:ln>
+        </p:spPr>
+      </p:pic>
+      <p:pic>
+        <p:nvPicPr>
+          <p:cNvPr id="6" name="Image 5"/>
+          <p:cNvPicPr>
+            <a:picLocks noChangeAspect="1"/>
+          </p:cNvPicPr>
+          <p:nvPr/>
+        </p:nvPicPr>
+        <p:blipFill>
+          <a:blip r:embed="rId4" cstate="print">
+            <a:extLst>
+              <a:ext uri="{28A0092B-C50C-407E-A947-70E740481C1C}">
+                <a14:useLocalDpi xmlns:a14="http://schemas.microsoft.com/office/drawing/2010/main" val="0"/>
+              </a:ext>
+            </a:extLst>
+          </a:blip>
+          <a:stretch>
+            <a:fillRect/>
+          </a:stretch>
+        </p:blipFill>
+        <p:spPr>
+          <a:xfrm>
+            <a:off x="7956376" y="6070981"/>
+            <a:ext cx="943868" cy="608947"/>
+          </a:xfrm>
+          <a:prstGeom prst="rect">
+            <a:avLst/>
+          </a:prstGeom>
         </p:spPr>
       </p:pic>
     </p:spTree>
@@ -8304,7 +8604,6 @@
               <a:rPr lang="fr-FR" sz="2000" b="1" dirty="0" smtClean="0"/>
               <a:t>Menu principal</a:t>
             </a:r>
-            <a:endParaRPr lang="fr-FR" sz="2000" b="1" dirty="0" smtClean="0"/>
           </a:p>
         </p:txBody>
       </p:sp>
@@ -8402,6 +8701,36 @@
             <a:headEnd/>
             <a:tailEnd/>
           </a:ln>
+        </p:spPr>
+      </p:pic>
+      <p:pic>
+        <p:nvPicPr>
+          <p:cNvPr id="6" name="Image 5"/>
+          <p:cNvPicPr>
+            <a:picLocks noChangeAspect="1"/>
+          </p:cNvPicPr>
+          <p:nvPr/>
+        </p:nvPicPr>
+        <p:blipFill>
+          <a:blip r:embed="rId4" cstate="print">
+            <a:extLst>
+              <a:ext uri="{28A0092B-C50C-407E-A947-70E740481C1C}">
+                <a14:useLocalDpi xmlns:a14="http://schemas.microsoft.com/office/drawing/2010/main" val="0"/>
+              </a:ext>
+            </a:extLst>
+          </a:blip>
+          <a:stretch>
+            <a:fillRect/>
+          </a:stretch>
+        </p:blipFill>
+        <p:spPr>
+          <a:xfrm>
+            <a:off x="7956376" y="6070981"/>
+            <a:ext cx="943868" cy="608947"/>
+          </a:xfrm>
+          <a:prstGeom prst="rect">
+            <a:avLst/>
+          </a:prstGeom>
         </p:spPr>
       </p:pic>
     </p:spTree>
@@ -8459,7 +8788,6 @@
               <a:rPr lang="fr-FR" sz="2000" b="1" dirty="0" smtClean="0"/>
               <a:t>Enregistrement d’un certificat médical</a:t>
             </a:r>
-            <a:endParaRPr lang="fr-FR" sz="2000" b="1" dirty="0" smtClean="0"/>
           </a:p>
         </p:txBody>
       </p:sp>
@@ -8589,6 +8917,36 @@
             <a:headEnd/>
             <a:tailEnd/>
           </a:ln>
+        </p:spPr>
+      </p:pic>
+      <p:pic>
+        <p:nvPicPr>
+          <p:cNvPr id="7" name="Image 6"/>
+          <p:cNvPicPr>
+            <a:picLocks noChangeAspect="1"/>
+          </p:cNvPicPr>
+          <p:nvPr/>
+        </p:nvPicPr>
+        <p:blipFill>
+          <a:blip r:embed="rId5" cstate="print">
+            <a:extLst>
+              <a:ext uri="{28A0092B-C50C-407E-A947-70E740481C1C}">
+                <a14:useLocalDpi xmlns:a14="http://schemas.microsoft.com/office/drawing/2010/main" val="0"/>
+              </a:ext>
+            </a:extLst>
+          </a:blip>
+          <a:stretch>
+            <a:fillRect/>
+          </a:stretch>
+        </p:blipFill>
+        <p:spPr>
+          <a:xfrm>
+            <a:off x="7956376" y="6070981"/>
+            <a:ext cx="943868" cy="608947"/>
+          </a:xfrm>
+          <a:prstGeom prst="rect">
+            <a:avLst/>
+          </a:prstGeom>
         </p:spPr>
       </p:pic>
     </p:spTree>
@@ -8646,7 +9004,6 @@
               <a:rPr lang="fr-FR" sz="2000" b="1" dirty="0" smtClean="0"/>
               <a:t>Gestion du profil médecin</a:t>
             </a:r>
-            <a:endParaRPr lang="fr-FR" sz="2000" b="1" dirty="0" smtClean="0"/>
           </a:p>
         </p:txBody>
       </p:sp>
@@ -8776,6 +9133,36 @@
             <a:headEnd/>
             <a:tailEnd/>
           </a:ln>
+        </p:spPr>
+      </p:pic>
+      <p:pic>
+        <p:nvPicPr>
+          <p:cNvPr id="7" name="Image 6"/>
+          <p:cNvPicPr>
+            <a:picLocks noChangeAspect="1"/>
+          </p:cNvPicPr>
+          <p:nvPr/>
+        </p:nvPicPr>
+        <p:blipFill>
+          <a:blip r:embed="rId5" cstate="print">
+            <a:extLst>
+              <a:ext uri="{28A0092B-C50C-407E-A947-70E740481C1C}">
+                <a14:useLocalDpi xmlns:a14="http://schemas.microsoft.com/office/drawing/2010/main" val="0"/>
+              </a:ext>
+            </a:extLst>
+          </a:blip>
+          <a:stretch>
+            <a:fillRect/>
+          </a:stretch>
+        </p:blipFill>
+        <p:spPr>
+          <a:xfrm>
+            <a:off x="7956376" y="6070981"/>
+            <a:ext cx="943868" cy="608947"/>
+          </a:xfrm>
+          <a:prstGeom prst="rect">
+            <a:avLst/>
+          </a:prstGeom>
         </p:spPr>
       </p:pic>
     </p:spTree>
@@ -8833,7 +9220,6 @@
               <a:rPr lang="fr-FR" sz="2000" b="1" dirty="0" smtClean="0"/>
               <a:t>Historique des certificats médical</a:t>
             </a:r>
-            <a:endParaRPr lang="fr-FR" sz="2000" b="1" dirty="0" smtClean="0"/>
           </a:p>
         </p:txBody>
       </p:sp>
@@ -8963,6 +9349,36 @@
             <a:headEnd/>
             <a:tailEnd/>
           </a:ln>
+        </p:spPr>
+      </p:pic>
+      <p:pic>
+        <p:nvPicPr>
+          <p:cNvPr id="7" name="Image 6"/>
+          <p:cNvPicPr>
+            <a:picLocks noChangeAspect="1"/>
+          </p:cNvPicPr>
+          <p:nvPr/>
+        </p:nvPicPr>
+        <p:blipFill>
+          <a:blip r:embed="rId5" cstate="print">
+            <a:extLst>
+              <a:ext uri="{28A0092B-C50C-407E-A947-70E740481C1C}">
+                <a14:useLocalDpi xmlns:a14="http://schemas.microsoft.com/office/drawing/2010/main" val="0"/>
+              </a:ext>
+            </a:extLst>
+          </a:blip>
+          <a:stretch>
+            <a:fillRect/>
+          </a:stretch>
+        </p:blipFill>
+        <p:spPr>
+          <a:xfrm>
+            <a:off x="7956376" y="6070981"/>
+            <a:ext cx="943868" cy="608947"/>
+          </a:xfrm>
+          <a:prstGeom prst="rect">
+            <a:avLst/>
+          </a:prstGeom>
         </p:spPr>
       </p:pic>
     </p:spTree>
@@ -9020,7 +9436,6 @@
               <a:rPr lang="fr-FR" sz="2000" b="1" dirty="0" smtClean="0"/>
               <a:t>Gestion des étudiants</a:t>
             </a:r>
-            <a:endParaRPr lang="fr-FR" sz="2000" b="1" dirty="0" smtClean="0"/>
           </a:p>
         </p:txBody>
       </p:sp>
@@ -9150,6 +9565,36 @@
             <a:headEnd/>
             <a:tailEnd/>
           </a:ln>
+        </p:spPr>
+      </p:pic>
+      <p:pic>
+        <p:nvPicPr>
+          <p:cNvPr id="7" name="Image 6"/>
+          <p:cNvPicPr>
+            <a:picLocks noChangeAspect="1"/>
+          </p:cNvPicPr>
+          <p:nvPr/>
+        </p:nvPicPr>
+        <p:blipFill>
+          <a:blip r:embed="rId5" cstate="print">
+            <a:extLst>
+              <a:ext uri="{28A0092B-C50C-407E-A947-70E740481C1C}">
+                <a14:useLocalDpi xmlns:a14="http://schemas.microsoft.com/office/drawing/2010/main" val="0"/>
+              </a:ext>
+            </a:extLst>
+          </a:blip>
+          <a:stretch>
+            <a:fillRect/>
+          </a:stretch>
+        </p:blipFill>
+        <p:spPr>
+          <a:xfrm>
+            <a:off x="7956376" y="6070981"/>
+            <a:ext cx="943868" cy="608947"/>
+          </a:xfrm>
+          <a:prstGeom prst="rect">
+            <a:avLst/>
+          </a:prstGeom>
         </p:spPr>
       </p:pic>
     </p:spTree>
@@ -9253,6 +9698,36 @@
           </a:p>
         </p:txBody>
       </p:sp>
+      <p:pic>
+        <p:nvPicPr>
+          <p:cNvPr id="4" name="Image 3"/>
+          <p:cNvPicPr>
+            <a:picLocks noChangeAspect="1"/>
+          </p:cNvPicPr>
+          <p:nvPr/>
+        </p:nvPicPr>
+        <p:blipFill>
+          <a:blip r:embed="rId3" cstate="print">
+            <a:extLst>
+              <a:ext uri="{28A0092B-C50C-407E-A947-70E740481C1C}">
+                <a14:useLocalDpi xmlns:a14="http://schemas.microsoft.com/office/drawing/2010/main" val="0"/>
+              </a:ext>
+            </a:extLst>
+          </a:blip>
+          <a:stretch>
+            <a:fillRect/>
+          </a:stretch>
+        </p:blipFill>
+        <p:spPr>
+          <a:xfrm>
+            <a:off x="7956376" y="6070981"/>
+            <a:ext cx="943868" cy="608947"/>
+          </a:xfrm>
+          <a:prstGeom prst="rect">
+            <a:avLst/>
+          </a:prstGeom>
+        </p:spPr>
+      </p:pic>
     </p:spTree>
   </p:cSld>
   <p:clrMapOvr>
@@ -9308,7 +9783,6 @@
               <a:rPr lang="fr-FR" sz="2000" b="1" dirty="0" smtClean="0"/>
               <a:t>Enregistrement d’un nouvel étudiant</a:t>
             </a:r>
-            <a:endParaRPr lang="fr-FR" sz="2000" b="1" dirty="0" smtClean="0"/>
           </a:p>
         </p:txBody>
       </p:sp>
@@ -9438,6 +9912,36 @@
             <a:headEnd/>
             <a:tailEnd/>
           </a:ln>
+        </p:spPr>
+      </p:pic>
+      <p:pic>
+        <p:nvPicPr>
+          <p:cNvPr id="7" name="Image 6"/>
+          <p:cNvPicPr>
+            <a:picLocks noChangeAspect="1"/>
+          </p:cNvPicPr>
+          <p:nvPr/>
+        </p:nvPicPr>
+        <p:blipFill>
+          <a:blip r:embed="rId5" cstate="print">
+            <a:extLst>
+              <a:ext uri="{28A0092B-C50C-407E-A947-70E740481C1C}">
+                <a14:useLocalDpi xmlns:a14="http://schemas.microsoft.com/office/drawing/2010/main" val="0"/>
+              </a:ext>
+            </a:extLst>
+          </a:blip>
+          <a:stretch>
+            <a:fillRect/>
+          </a:stretch>
+        </p:blipFill>
+        <p:spPr>
+          <a:xfrm>
+            <a:off x="7956376" y="6070981"/>
+            <a:ext cx="943868" cy="608947"/>
+          </a:xfrm>
+          <a:prstGeom prst="rect">
+            <a:avLst/>
+          </a:prstGeom>
         </p:spPr>
       </p:pic>
     </p:spTree>
@@ -9495,7 +9999,6 @@
               <a:rPr lang="fr-FR" sz="2000" b="1" dirty="0" smtClean="0"/>
               <a:t>Edition/Suppression d’un étudiant</a:t>
             </a:r>
-            <a:endParaRPr lang="fr-FR" sz="2000" b="1" dirty="0" smtClean="0"/>
           </a:p>
         </p:txBody>
       </p:sp>
@@ -9625,6 +10128,36 @@
             <a:headEnd/>
             <a:tailEnd/>
           </a:ln>
+        </p:spPr>
+      </p:pic>
+      <p:pic>
+        <p:nvPicPr>
+          <p:cNvPr id="7" name="Image 6"/>
+          <p:cNvPicPr>
+            <a:picLocks noChangeAspect="1"/>
+          </p:cNvPicPr>
+          <p:nvPr/>
+        </p:nvPicPr>
+        <p:blipFill>
+          <a:blip r:embed="rId5" cstate="print">
+            <a:extLst>
+              <a:ext uri="{28A0092B-C50C-407E-A947-70E740481C1C}">
+                <a14:useLocalDpi xmlns:a14="http://schemas.microsoft.com/office/drawing/2010/main" val="0"/>
+              </a:ext>
+            </a:extLst>
+          </a:blip>
+          <a:stretch>
+            <a:fillRect/>
+          </a:stretch>
+        </p:blipFill>
+        <p:spPr>
+          <a:xfrm>
+            <a:off x="7956376" y="6070981"/>
+            <a:ext cx="943868" cy="608947"/>
+          </a:xfrm>
+          <a:prstGeom prst="rect">
+            <a:avLst/>
+          </a:prstGeom>
         </p:spPr>
       </p:pic>
     </p:spTree>
@@ -9681,7 +10214,6 @@
               <a:rPr lang="fr-FR" sz="8000" b="1" dirty="0" smtClean="0"/>
               <a:t>Démonstration</a:t>
             </a:r>
-            <a:endParaRPr lang="fr-FR" sz="8000" b="1" dirty="0" smtClean="0"/>
           </a:p>
         </p:txBody>
       </p:sp>
@@ -9711,6 +10243,36 @@
           </a:p>
         </p:txBody>
       </p:sp>
+      <p:pic>
+        <p:nvPicPr>
+          <p:cNvPr id="4" name="Image 3"/>
+          <p:cNvPicPr>
+            <a:picLocks noChangeAspect="1"/>
+          </p:cNvPicPr>
+          <p:nvPr/>
+        </p:nvPicPr>
+        <p:blipFill>
+          <a:blip r:embed="rId3" cstate="print">
+            <a:extLst>
+              <a:ext uri="{28A0092B-C50C-407E-A947-70E740481C1C}">
+                <a14:useLocalDpi xmlns:a14="http://schemas.microsoft.com/office/drawing/2010/main" val="0"/>
+              </a:ext>
+            </a:extLst>
+          </a:blip>
+          <a:stretch>
+            <a:fillRect/>
+          </a:stretch>
+        </p:blipFill>
+        <p:spPr>
+          <a:xfrm>
+            <a:off x="7956376" y="6070981"/>
+            <a:ext cx="943868" cy="608947"/>
+          </a:xfrm>
+          <a:prstGeom prst="rect">
+            <a:avLst/>
+          </a:prstGeom>
+        </p:spPr>
+      </p:pic>
     </p:spTree>
   </p:cSld>
   <p:clrMapOvr>
@@ -9784,7 +10346,6 @@
               <a:rPr lang="fr-FR" sz="2000" dirty="0" smtClean="0"/>
               <a:t>Toutefois, l’application aurait pu avoir des fonctionnalités supplémentaire, notamment sur la personnalisation du design par le médecin (changement de couleur, fond personnalisé, ajout d’une signature pour le doc PDF, …) ainsi que des interfaces graphiques un peu plus poussé.</a:t>
             </a:r>
-            <a:endParaRPr lang="fr-FR" sz="2000" dirty="0" smtClean="0"/>
           </a:p>
           <a:p>
             <a:pPr>
@@ -9858,6 +10419,36 @@
           </a:p>
         </p:txBody>
       </p:sp>
+      <p:pic>
+        <p:nvPicPr>
+          <p:cNvPr id="5" name="Image 4"/>
+          <p:cNvPicPr>
+            <a:picLocks noChangeAspect="1"/>
+          </p:cNvPicPr>
+          <p:nvPr/>
+        </p:nvPicPr>
+        <p:blipFill>
+          <a:blip r:embed="rId3" cstate="print">
+            <a:extLst>
+              <a:ext uri="{28A0092B-C50C-407E-A947-70E740481C1C}">
+                <a14:useLocalDpi xmlns:a14="http://schemas.microsoft.com/office/drawing/2010/main" val="0"/>
+              </a:ext>
+            </a:extLst>
+          </a:blip>
+          <a:stretch>
+            <a:fillRect/>
+          </a:stretch>
+        </p:blipFill>
+        <p:spPr>
+          <a:xfrm>
+            <a:off x="7956376" y="6070981"/>
+            <a:ext cx="943868" cy="608947"/>
+          </a:xfrm>
+          <a:prstGeom prst="rect">
+            <a:avLst/>
+          </a:prstGeom>
+        </p:spPr>
+      </p:pic>
     </p:spTree>
   </p:cSld>
   <p:clrMapOvr>
@@ -9912,7 +10503,6 @@
               <a:rPr lang="fr-FR" sz="9600" b="1" dirty="0" smtClean="0"/>
               <a:t>DES QUESTIONS ?</a:t>
             </a:r>
-            <a:endParaRPr lang="fr-FR" sz="9600" b="1" dirty="0" smtClean="0"/>
           </a:p>
         </p:txBody>
       </p:sp>
@@ -9942,6 +10532,36 @@
           </a:p>
         </p:txBody>
       </p:sp>
+      <p:pic>
+        <p:nvPicPr>
+          <p:cNvPr id="4" name="Image 3"/>
+          <p:cNvPicPr>
+            <a:picLocks noChangeAspect="1"/>
+          </p:cNvPicPr>
+          <p:nvPr/>
+        </p:nvPicPr>
+        <p:blipFill>
+          <a:blip r:embed="rId3" cstate="print">
+            <a:extLst>
+              <a:ext uri="{28A0092B-C50C-407E-A947-70E740481C1C}">
+                <a14:useLocalDpi xmlns:a14="http://schemas.microsoft.com/office/drawing/2010/main" val="0"/>
+              </a:ext>
+            </a:extLst>
+          </a:blip>
+          <a:stretch>
+            <a:fillRect/>
+          </a:stretch>
+        </p:blipFill>
+        <p:spPr>
+          <a:xfrm>
+            <a:off x="7956376" y="6070981"/>
+            <a:ext cx="943868" cy="608947"/>
+          </a:xfrm>
+          <a:prstGeom prst="rect">
+            <a:avLst/>
+          </a:prstGeom>
+        </p:spPr>
+      </p:pic>
     </p:spTree>
   </p:cSld>
   <p:clrMapOvr>
@@ -10085,6 +10705,36 @@
           </a:p>
         </p:txBody>
       </p:sp>
+      <p:pic>
+        <p:nvPicPr>
+          <p:cNvPr id="6" name="Image 5"/>
+          <p:cNvPicPr>
+            <a:picLocks noChangeAspect="1"/>
+          </p:cNvPicPr>
+          <p:nvPr/>
+        </p:nvPicPr>
+        <p:blipFill>
+          <a:blip r:embed="rId2" cstate="print">
+            <a:extLst>
+              <a:ext uri="{28A0092B-C50C-407E-A947-70E740481C1C}">
+                <a14:useLocalDpi xmlns:a14="http://schemas.microsoft.com/office/drawing/2010/main" val="0"/>
+              </a:ext>
+            </a:extLst>
+          </a:blip>
+          <a:stretch>
+            <a:fillRect/>
+          </a:stretch>
+        </p:blipFill>
+        <p:spPr>
+          <a:xfrm>
+            <a:off x="7956376" y="6093296"/>
+            <a:ext cx="943868" cy="608947"/>
+          </a:xfrm>
+          <a:prstGeom prst="rect">
+            <a:avLst/>
+          </a:prstGeom>
+        </p:spPr>
+      </p:pic>
     </p:spTree>
   </p:cSld>
   <p:clrMapOvr>
@@ -10148,15 +10798,7 @@
             </a:pPr>
             <a:r>
               <a:rPr lang="fr-FR" sz="1600" dirty="0" smtClean="0"/>
-              <a:t>Exportation </a:t>
-            </a:r>
-            <a:r>
-              <a:rPr lang="fr-FR" sz="1600" dirty="0" smtClean="0"/>
-              <a:t>du certificat au format PDF</a:t>
-            </a:r>
-            <a:r>
-              <a:rPr lang="fr-FR" sz="1600" dirty="0" smtClean="0"/>
-              <a:t>.</a:t>
+              <a:t>Exportation du certificat au format PDF.</a:t>
             </a:r>
           </a:p>
           <a:p>
@@ -10168,7 +10810,6 @@
               <a:rPr lang="fr-FR" sz="1600" dirty="0" smtClean="0"/>
               <a:t>Notification par email en temps réel.</a:t>
             </a:r>
-            <a:endParaRPr lang="fr-FR" sz="1600" dirty="0" smtClean="0"/>
           </a:p>
           <a:p>
             <a:pPr lvl="1">
@@ -10186,13 +10827,8 @@
             </a:pPr>
             <a:r>
               <a:rPr lang="fr-FR" sz="2000" dirty="0" smtClean="0"/>
-              <a:t>Gestion des </a:t>
-            </a:r>
-            <a:r>
-              <a:rPr lang="fr-FR" sz="2000" dirty="0" smtClean="0"/>
-              <a:t>étudiants:</a:t>
-            </a:r>
-            <a:endParaRPr lang="fr-FR" sz="2000" dirty="0" smtClean="0"/>
+              <a:t>Gestion des étudiants:</a:t>
+            </a:r>
           </a:p>
           <a:p>
             <a:pPr lvl="1">
@@ -10238,13 +10874,8 @@
             </a:pPr>
             <a:r>
               <a:rPr lang="fr-FR" sz="2000" dirty="0" smtClean="0"/>
-              <a:t>Gestion du profil </a:t>
-            </a:r>
-            <a:r>
-              <a:rPr lang="fr-FR" sz="2000" dirty="0" smtClean="0"/>
-              <a:t>médecin:</a:t>
-            </a:r>
-            <a:endParaRPr lang="fr-FR" sz="2000" dirty="0" smtClean="0"/>
+              <a:t>Gestion du profil médecin:</a:t>
+            </a:r>
           </a:p>
           <a:p>
             <a:pPr lvl="1">
@@ -10361,6 +10992,36 @@
           </a:p>
         </p:txBody>
       </p:sp>
+      <p:pic>
+        <p:nvPicPr>
+          <p:cNvPr id="6" name="Image 5"/>
+          <p:cNvPicPr>
+            <a:picLocks noChangeAspect="1"/>
+          </p:cNvPicPr>
+          <p:nvPr/>
+        </p:nvPicPr>
+        <p:blipFill>
+          <a:blip r:embed="rId2" cstate="print">
+            <a:extLst>
+              <a:ext uri="{28A0092B-C50C-407E-A947-70E740481C1C}">
+                <a14:useLocalDpi xmlns:a14="http://schemas.microsoft.com/office/drawing/2010/main" val="0"/>
+              </a:ext>
+            </a:extLst>
+          </a:blip>
+          <a:stretch>
+            <a:fillRect/>
+          </a:stretch>
+        </p:blipFill>
+        <p:spPr>
+          <a:xfrm>
+            <a:off x="7956376" y="6070981"/>
+            <a:ext cx="943868" cy="608947"/>
+          </a:xfrm>
+          <a:prstGeom prst="rect">
+            <a:avLst/>
+          </a:prstGeom>
+        </p:spPr>
+      </p:pic>
     </p:spTree>
   </p:cSld>
   <p:clrMapOvr>
@@ -10545,6 +11206,36 @@
           </a:p>
         </p:txBody>
       </p:sp>
+      <p:pic>
+        <p:nvPicPr>
+          <p:cNvPr id="6" name="Image 5"/>
+          <p:cNvPicPr>
+            <a:picLocks noChangeAspect="1"/>
+          </p:cNvPicPr>
+          <p:nvPr/>
+        </p:nvPicPr>
+        <p:blipFill>
+          <a:blip r:embed="rId2" cstate="print">
+            <a:extLst>
+              <a:ext uri="{28A0092B-C50C-407E-A947-70E740481C1C}">
+                <a14:useLocalDpi xmlns:a14="http://schemas.microsoft.com/office/drawing/2010/main" val="0"/>
+              </a:ext>
+            </a:extLst>
+          </a:blip>
+          <a:stretch>
+            <a:fillRect/>
+          </a:stretch>
+        </p:blipFill>
+        <p:spPr>
+          <a:xfrm>
+            <a:off x="7956376" y="6070981"/>
+            <a:ext cx="943868" cy="608947"/>
+          </a:xfrm>
+          <a:prstGeom prst="rect">
+            <a:avLst/>
+          </a:prstGeom>
+        </p:spPr>
+      </p:pic>
     </p:spTree>
   </p:cSld>
   <p:clrMapOvr>
@@ -10751,6 +11442,36 @@
           </a:p>
         </p:txBody>
       </p:sp>
+      <p:pic>
+        <p:nvPicPr>
+          <p:cNvPr id="6" name="Image 5"/>
+          <p:cNvPicPr>
+            <a:picLocks noChangeAspect="1"/>
+          </p:cNvPicPr>
+          <p:nvPr/>
+        </p:nvPicPr>
+        <p:blipFill>
+          <a:blip r:embed="rId3" cstate="print">
+            <a:extLst>
+              <a:ext uri="{28A0092B-C50C-407E-A947-70E740481C1C}">
+                <a14:useLocalDpi xmlns:a14="http://schemas.microsoft.com/office/drawing/2010/main" val="0"/>
+              </a:ext>
+            </a:extLst>
+          </a:blip>
+          <a:stretch>
+            <a:fillRect/>
+          </a:stretch>
+        </p:blipFill>
+        <p:spPr>
+          <a:xfrm>
+            <a:off x="7956376" y="6070981"/>
+            <a:ext cx="943868" cy="608947"/>
+          </a:xfrm>
+          <a:prstGeom prst="rect">
+            <a:avLst/>
+          </a:prstGeom>
+        </p:spPr>
+      </p:pic>
     </p:spTree>
   </p:cSld>
   <p:clrMapOvr>
@@ -10921,13 +11642,8 @@
             </a:pPr>
             <a:r>
               <a:rPr lang="fr-FR" sz="2000" b="1" dirty="0" smtClean="0"/>
-              <a:t>Service Web de type SOAP avec </a:t>
-            </a:r>
-            <a:r>
-              <a:rPr lang="fr-FR" sz="2000" b="1" dirty="0" smtClean="0"/>
-              <a:t>WCF</a:t>
-            </a:r>
-            <a:endParaRPr lang="fr-FR" sz="2000" b="1" dirty="0" smtClean="0"/>
+              <a:t>Service Web de type SOAP avec WCF</a:t>
+            </a:r>
           </a:p>
           <a:p>
             <a:pPr>
@@ -11126,6 +11842,36 @@
           <a:xfrm>
             <a:off x="2555776" y="3933056"/>
             <a:ext cx="360040" cy="360040"/>
+          </a:xfrm>
+          <a:prstGeom prst="rect">
+            <a:avLst/>
+          </a:prstGeom>
+        </p:spPr>
+      </p:pic>
+      <p:pic>
+        <p:nvPicPr>
+          <p:cNvPr id="13" name="Image 12"/>
+          <p:cNvPicPr>
+            <a:picLocks noChangeAspect="1"/>
+          </p:cNvPicPr>
+          <p:nvPr/>
+        </p:nvPicPr>
+        <p:blipFill>
+          <a:blip r:embed="rId8" cstate="print">
+            <a:extLst>
+              <a:ext uri="{28A0092B-C50C-407E-A947-70E740481C1C}">
+                <a14:useLocalDpi xmlns:a14="http://schemas.microsoft.com/office/drawing/2010/main" val="0"/>
+              </a:ext>
+            </a:extLst>
+          </a:blip>
+          <a:stretch>
+            <a:fillRect/>
+          </a:stretch>
+        </p:blipFill>
+        <p:spPr>
+          <a:xfrm>
+            <a:off x="7956376" y="6070981"/>
+            <a:ext cx="943868" cy="608947"/>
           </a:xfrm>
           <a:prstGeom prst="rect">
             <a:avLst/>
@@ -11219,11 +11965,7 @@
             </a:pPr>
             <a:r>
               <a:rPr lang="fr-FR" sz="2000" b="1" dirty="0" smtClean="0"/>
-              <a:t>Pourquoi </a:t>
-            </a:r>
-            <a:r>
-              <a:rPr lang="fr-FR" sz="2000" b="1" dirty="0" smtClean="0"/>
-              <a:t>le protocole SOAP avec WCF ?</a:t>
+              <a:t>Pourquoi le protocole SOAP avec WCF ?</a:t>
             </a:r>
           </a:p>
           <a:p>
@@ -11269,15 +12011,7 @@
             </a:pPr>
             <a:r>
               <a:rPr lang="fr-FR" sz="1600" dirty="0" smtClean="0"/>
-              <a:t>Meilleure </a:t>
-            </a:r>
-            <a:r>
-              <a:rPr lang="fr-FR" sz="1600" dirty="0" smtClean="0"/>
-              <a:t>lisibilité </a:t>
-            </a:r>
-            <a:r>
-              <a:rPr lang="fr-FR" sz="1600" dirty="0" smtClean="0"/>
-              <a:t>dans le code.</a:t>
+              <a:t>Meilleure lisibilité dans le code.</a:t>
             </a:r>
           </a:p>
         </p:txBody>
@@ -11346,6 +12080,36 @@
           </a:p>
         </p:txBody>
       </p:sp>
+      <p:pic>
+        <p:nvPicPr>
+          <p:cNvPr id="6" name="Image 5"/>
+          <p:cNvPicPr>
+            <a:picLocks noChangeAspect="1"/>
+          </p:cNvPicPr>
+          <p:nvPr/>
+        </p:nvPicPr>
+        <p:blipFill>
+          <a:blip r:embed="rId3" cstate="print">
+            <a:extLst>
+              <a:ext uri="{28A0092B-C50C-407E-A947-70E740481C1C}">
+                <a14:useLocalDpi xmlns:a14="http://schemas.microsoft.com/office/drawing/2010/main" val="0"/>
+              </a:ext>
+            </a:extLst>
+          </a:blip>
+          <a:stretch>
+            <a:fillRect/>
+          </a:stretch>
+        </p:blipFill>
+        <p:spPr>
+          <a:xfrm>
+            <a:off x="7956376" y="6070981"/>
+            <a:ext cx="943868" cy="608947"/>
+          </a:xfrm>
+          <a:prstGeom prst="rect">
+            <a:avLst/>
+          </a:prstGeom>
+        </p:spPr>
+      </p:pic>
     </p:spTree>
   </p:cSld>
   <p:clrMapOvr>
@@ -11420,11 +12184,7 @@
             </a:pPr>
             <a:r>
               <a:rPr lang="fr-FR" sz="2000" dirty="0" smtClean="0"/>
-              <a:t>Il propose ainsi </a:t>
-            </a:r>
-            <a:r>
-              <a:rPr lang="fr-FR" sz="2000" dirty="0" smtClean="0"/>
-              <a:t>la création d'un schéma conceptuel composé d'entités qui permettent la manipulation d'une source de données, </a:t>
+              <a:t>Il propose ainsi la création d'un schéma conceptuel composé d'entités qui permettent la manipulation d'une source de données, </a:t>
             </a:r>
             <a:r>
               <a:rPr lang="fr-FR" sz="2000" b="1" dirty="0" smtClean="0"/>
@@ -11526,6 +12286,36 @@
           </a:p>
         </p:txBody>
       </p:sp>
+      <p:pic>
+        <p:nvPicPr>
+          <p:cNvPr id="6" name="Image 5"/>
+          <p:cNvPicPr>
+            <a:picLocks noChangeAspect="1"/>
+          </p:cNvPicPr>
+          <p:nvPr/>
+        </p:nvPicPr>
+        <p:blipFill>
+          <a:blip r:embed="rId3" cstate="print">
+            <a:extLst>
+              <a:ext uri="{28A0092B-C50C-407E-A947-70E740481C1C}">
+                <a14:useLocalDpi xmlns:a14="http://schemas.microsoft.com/office/drawing/2010/main" val="0"/>
+              </a:ext>
+            </a:extLst>
+          </a:blip>
+          <a:stretch>
+            <a:fillRect/>
+          </a:stretch>
+        </p:blipFill>
+        <p:spPr>
+          <a:xfrm>
+            <a:off x="7956376" y="6070981"/>
+            <a:ext cx="943868" cy="608947"/>
+          </a:xfrm>
+          <a:prstGeom prst="rect">
+            <a:avLst/>
+          </a:prstGeom>
+        </p:spPr>
+      </p:pic>
     </p:spTree>
   </p:cSld>
   <p:clrMapOvr>

--- a/doc/Diapo.pptx
+++ b/doc/Diapo.pptx
@@ -216,7 +216,7 @@
             <a:fld id="{BEF45B8F-C0FF-44EC-BB50-2DC2F163B972}" type="datetimeFigureOut">
               <a:rPr lang="fr-FR" smtClean="0"/>
               <a:pPr/>
-              <a:t>12/05/2017</a:t>
+              <a:t>13/05/2017</a:t>
             </a:fld>
             <a:endParaRPr lang="fr-FR"/>
           </a:p>
@@ -2911,7 +2911,7 @@
             <a:fld id="{D1AB72DB-2B36-4F14-9350-0913143174F8}" type="datetimeFigureOut">
               <a:rPr lang="fr-FR" smtClean="0"/>
               <a:pPr/>
-              <a:t>12/05/2017</a:t>
+              <a:t>13/05/2017</a:t>
             </a:fld>
             <a:endParaRPr lang="fr-FR"/>
           </a:p>
@@ -3109,7 +3109,7 @@
             <a:fld id="{D1AB72DB-2B36-4F14-9350-0913143174F8}" type="datetimeFigureOut">
               <a:rPr lang="fr-FR" smtClean="0"/>
               <a:pPr/>
-              <a:t>12/05/2017</a:t>
+              <a:t>13/05/2017</a:t>
             </a:fld>
             <a:endParaRPr lang="fr-FR"/>
           </a:p>
@@ -3296,7 +3296,7 @@
             <a:fld id="{D1AB72DB-2B36-4F14-9350-0913143174F8}" type="datetimeFigureOut">
               <a:rPr lang="fr-FR" smtClean="0"/>
               <a:pPr/>
-              <a:t>12/05/2017</a:t>
+              <a:t>13/05/2017</a:t>
             </a:fld>
             <a:endParaRPr lang="fr-FR"/>
           </a:p>
@@ -3448,7 +3448,7 @@
             <a:fld id="{D1AB72DB-2B36-4F14-9350-0913143174F8}" type="datetimeFigureOut">
               <a:rPr lang="fr-FR" smtClean="0"/>
               <a:pPr/>
-              <a:t>12/05/2017</a:t>
+              <a:t>13/05/2017</a:t>
             </a:fld>
             <a:endParaRPr lang="fr-FR"/>
           </a:p>
@@ -3700,7 +3700,7 @@
             <a:fld id="{D1AB72DB-2B36-4F14-9350-0913143174F8}" type="datetimeFigureOut">
               <a:rPr lang="fr-FR" smtClean="0"/>
               <a:pPr/>
-              <a:t>12/05/2017</a:t>
+              <a:t>13/05/2017</a:t>
             </a:fld>
             <a:endParaRPr lang="fr-FR"/>
           </a:p>
@@ -4106,7 +4106,7 @@
             <a:fld id="{D1AB72DB-2B36-4F14-9350-0913143174F8}" type="datetimeFigureOut">
               <a:rPr lang="fr-FR" smtClean="0"/>
               <a:pPr/>
-              <a:t>12/05/2017</a:t>
+              <a:t>13/05/2017</a:t>
             </a:fld>
             <a:endParaRPr lang="fr-FR"/>
           </a:p>
@@ -4549,7 +4549,7 @@
             <a:fld id="{D1AB72DB-2B36-4F14-9350-0913143174F8}" type="datetimeFigureOut">
               <a:rPr lang="fr-FR" smtClean="0"/>
               <a:pPr/>
-              <a:t>12/05/2017</a:t>
+              <a:t>13/05/2017</a:t>
             </a:fld>
             <a:endParaRPr lang="fr-FR"/>
           </a:p>
@@ -4647,7 +4647,7 @@
             <a:fld id="{D1AB72DB-2B36-4F14-9350-0913143174F8}" type="datetimeFigureOut">
               <a:rPr lang="fr-FR" smtClean="0"/>
               <a:pPr/>
-              <a:t>12/05/2017</a:t>
+              <a:t>13/05/2017</a:t>
             </a:fld>
             <a:endParaRPr lang="fr-FR"/>
           </a:p>
@@ -4770,7 +4770,7 @@
             <a:fld id="{D1AB72DB-2B36-4F14-9350-0913143174F8}" type="datetimeFigureOut">
               <a:rPr lang="fr-FR" smtClean="0"/>
               <a:pPr/>
-              <a:t>12/05/2017</a:t>
+              <a:t>13/05/2017</a:t>
             </a:fld>
             <a:endParaRPr lang="fr-FR"/>
           </a:p>
@@ -5041,7 +5041,7 @@
             <a:fld id="{D1AB72DB-2B36-4F14-9350-0913143174F8}" type="datetimeFigureOut">
               <a:rPr lang="fr-FR" smtClean="0"/>
               <a:pPr/>
-              <a:t>12/05/2017</a:t>
+              <a:t>13/05/2017</a:t>
             </a:fld>
             <a:endParaRPr lang="fr-FR"/>
           </a:p>
@@ -5243,7 +5243,7 @@
             <a:fld id="{D1AB72DB-2B36-4F14-9350-0913143174F8}" type="datetimeFigureOut">
               <a:rPr lang="fr-FR" smtClean="0"/>
               <a:pPr/>
-              <a:t>12/05/2017</a:t>
+              <a:t>13/05/2017</a:t>
             </a:fld>
             <a:endParaRPr lang="fr-FR"/>
           </a:p>
@@ -6354,7 +6354,7 @@
             <a:fld id="{D1AB72DB-2B36-4F14-9350-0913143174F8}" type="datetimeFigureOut">
               <a:rPr lang="fr-FR" smtClean="0"/>
               <a:pPr/>
-              <a:t>12/05/2017</a:t>
+              <a:t>13/05/2017</a:t>
             </a:fld>
             <a:endParaRPr lang="fr-FR"/>
           </a:p>
@@ -8149,7 +8149,6 @@
               <a:rPr lang="fr-FR" sz="2000" b="1" dirty="0" smtClean="0"/>
               <a:t>Connexion à l’application</a:t>
             </a:r>
-            <a:endParaRPr lang="fr-FR" sz="2000" b="1" dirty="0" smtClean="0"/>
           </a:p>
         </p:txBody>
       </p:sp>
@@ -8304,7 +8303,6 @@
               <a:rPr lang="fr-FR" sz="2000" b="1" dirty="0" smtClean="0"/>
               <a:t>Menu principal</a:t>
             </a:r>
-            <a:endParaRPr lang="fr-FR" sz="2000" b="1" dirty="0" smtClean="0"/>
           </a:p>
         </p:txBody>
       </p:sp>
@@ -8459,7 +8457,6 @@
               <a:rPr lang="fr-FR" sz="2000" b="1" dirty="0" smtClean="0"/>
               <a:t>Enregistrement d’un certificat médical</a:t>
             </a:r>
-            <a:endParaRPr lang="fr-FR" sz="2000" b="1" dirty="0" smtClean="0"/>
           </a:p>
         </p:txBody>
       </p:sp>
@@ -8646,7 +8643,6 @@
               <a:rPr lang="fr-FR" sz="2000" b="1" dirty="0" smtClean="0"/>
               <a:t>Gestion du profil médecin</a:t>
             </a:r>
-            <a:endParaRPr lang="fr-FR" sz="2000" b="1" dirty="0" smtClean="0"/>
           </a:p>
         </p:txBody>
       </p:sp>
@@ -8833,7 +8829,6 @@
               <a:rPr lang="fr-FR" sz="2000" b="1" dirty="0" smtClean="0"/>
               <a:t>Historique des certificats médical</a:t>
             </a:r>
-            <a:endParaRPr lang="fr-FR" sz="2000" b="1" dirty="0" smtClean="0"/>
           </a:p>
         </p:txBody>
       </p:sp>
@@ -9020,7 +9015,6 @@
               <a:rPr lang="fr-FR" sz="2000" b="1" dirty="0" smtClean="0"/>
               <a:t>Gestion des étudiants</a:t>
             </a:r>
-            <a:endParaRPr lang="fr-FR" sz="2000" b="1" dirty="0" smtClean="0"/>
           </a:p>
         </p:txBody>
       </p:sp>
@@ -9308,7 +9302,6 @@
               <a:rPr lang="fr-FR" sz="2000" b="1" dirty="0" smtClean="0"/>
               <a:t>Enregistrement d’un nouvel étudiant</a:t>
             </a:r>
-            <a:endParaRPr lang="fr-FR" sz="2000" b="1" dirty="0" smtClean="0"/>
           </a:p>
         </p:txBody>
       </p:sp>
@@ -9495,7 +9488,6 @@
               <a:rPr lang="fr-FR" sz="2000" b="1" dirty="0" smtClean="0"/>
               <a:t>Edition/Suppression d’un étudiant</a:t>
             </a:r>
-            <a:endParaRPr lang="fr-FR" sz="2000" b="1" dirty="0" smtClean="0"/>
           </a:p>
         </p:txBody>
       </p:sp>
@@ -9681,7 +9673,6 @@
               <a:rPr lang="fr-FR" sz="8000" b="1" dirty="0" smtClean="0"/>
               <a:t>Démonstration</a:t>
             </a:r>
-            <a:endParaRPr lang="fr-FR" sz="8000" b="1" dirty="0" smtClean="0"/>
           </a:p>
         </p:txBody>
       </p:sp>
@@ -9763,11 +9754,31 @@
             </a:pPr>
             <a:r>
               <a:rPr lang="fr-FR" sz="2000" b="1" dirty="0" smtClean="0"/>
-              <a:t>Ce projet a été mené à bien. </a:t>
+              <a:t>Ce projet a été mené à </a:t>
+            </a:r>
+            <a:r>
+              <a:rPr lang="fr-FR" sz="2000" b="1" dirty="0" smtClean="0"/>
+              <a:t>bien, </a:t>
             </a:r>
             <a:r>
               <a:rPr lang="fr-FR" sz="2000" dirty="0" smtClean="0"/>
-              <a:t>La bonne coordination entre les membres de l’ équipe et les moyens mis en œuvres ont permis de remplir les objectifs que nous nous étions fixés.</a:t>
+              <a:t>grâce a la </a:t>
+            </a:r>
+            <a:r>
+              <a:rPr lang="fr-FR" sz="2000" dirty="0" smtClean="0"/>
+              <a:t>bonne coordination entre les membres de l’ équipe et les moyens mis en </a:t>
+            </a:r>
+            <a:r>
+              <a:rPr lang="fr-FR" sz="2000" dirty="0" smtClean="0"/>
+              <a:t>œuvres, cela </a:t>
+            </a:r>
+            <a:r>
+              <a:rPr lang="fr-FR" sz="2000" smtClean="0"/>
+              <a:t>nous a permis </a:t>
+            </a:r>
+            <a:r>
+              <a:rPr lang="fr-FR" sz="2000" dirty="0" smtClean="0"/>
+              <a:t>de remplir les objectifs que nous nous étions fixés.</a:t>
             </a:r>
           </a:p>
           <a:p>
@@ -9784,7 +9795,6 @@
               <a:rPr lang="fr-FR" sz="2000" dirty="0" smtClean="0"/>
               <a:t>Toutefois, l’application aurait pu avoir des fonctionnalités supplémentaire, notamment sur la personnalisation du design par le médecin (changement de couleur, fond personnalisé, ajout d’une signature pour le doc PDF, …) ainsi que des interfaces graphiques un peu plus poussé.</a:t>
             </a:r>
-            <a:endParaRPr lang="fr-FR" sz="2000" dirty="0" smtClean="0"/>
           </a:p>
           <a:p>
             <a:pPr>
@@ -9912,7 +9922,6 @@
               <a:rPr lang="fr-FR" sz="9600" b="1" dirty="0" smtClean="0"/>
               <a:t>DES QUESTIONS ?</a:t>
             </a:r>
-            <a:endParaRPr lang="fr-FR" sz="9600" b="1" dirty="0" smtClean="0"/>
           </a:p>
         </p:txBody>
       </p:sp>
@@ -10148,15 +10157,7 @@
             </a:pPr>
             <a:r>
               <a:rPr lang="fr-FR" sz="1600" dirty="0" smtClean="0"/>
-              <a:t>Exportation </a:t>
-            </a:r>
-            <a:r>
-              <a:rPr lang="fr-FR" sz="1600" dirty="0" smtClean="0"/>
-              <a:t>du certificat au format PDF</a:t>
-            </a:r>
-            <a:r>
-              <a:rPr lang="fr-FR" sz="1600" dirty="0" smtClean="0"/>
-              <a:t>.</a:t>
+              <a:t>Exportation du certificat au format PDF.</a:t>
             </a:r>
           </a:p>
           <a:p>
@@ -10168,7 +10169,6 @@
               <a:rPr lang="fr-FR" sz="1600" dirty="0" smtClean="0"/>
               <a:t>Notification par email en temps réel.</a:t>
             </a:r>
-            <a:endParaRPr lang="fr-FR" sz="1600" dirty="0" smtClean="0"/>
           </a:p>
           <a:p>
             <a:pPr lvl="1">
@@ -10186,13 +10186,8 @@
             </a:pPr>
             <a:r>
               <a:rPr lang="fr-FR" sz="2000" dirty="0" smtClean="0"/>
-              <a:t>Gestion des </a:t>
-            </a:r>
-            <a:r>
-              <a:rPr lang="fr-FR" sz="2000" dirty="0" smtClean="0"/>
-              <a:t>étudiants:</a:t>
-            </a:r>
-            <a:endParaRPr lang="fr-FR" sz="2000" dirty="0" smtClean="0"/>
+              <a:t>Gestion des étudiants:</a:t>
+            </a:r>
           </a:p>
           <a:p>
             <a:pPr lvl="1">
@@ -10238,13 +10233,8 @@
             </a:pPr>
             <a:r>
               <a:rPr lang="fr-FR" sz="2000" dirty="0" smtClean="0"/>
-              <a:t>Gestion du profil </a:t>
-            </a:r>
-            <a:r>
-              <a:rPr lang="fr-FR" sz="2000" dirty="0" smtClean="0"/>
-              <a:t>médecin:</a:t>
-            </a:r>
-            <a:endParaRPr lang="fr-FR" sz="2000" dirty="0" smtClean="0"/>
+              <a:t>Gestion du profil médecin:</a:t>
+            </a:r>
           </a:p>
           <a:p>
             <a:pPr lvl="1">
@@ -10656,8 +10646,17 @@
             </a:pPr>
             <a:r>
               <a:rPr lang="fr-FR" sz="1600" dirty="0" smtClean="0"/>
-              <a:t>Interface et composant graphique jolie.</a:t>
-            </a:r>
+              <a:t>Interfaces </a:t>
+            </a:r>
+            <a:r>
+              <a:rPr lang="fr-FR" sz="1600" dirty="0" smtClean="0"/>
+              <a:t>et </a:t>
+            </a:r>
+            <a:r>
+              <a:rPr lang="fr-FR" sz="1600" dirty="0" smtClean="0"/>
+              <a:t>composants graphiques plus moderne.</a:t>
+            </a:r>
+            <a:endParaRPr lang="fr-FR" sz="1600" dirty="0" smtClean="0"/>
           </a:p>
           <a:p>
             <a:pPr lvl="1">
@@ -10921,13 +10920,8 @@
             </a:pPr>
             <a:r>
               <a:rPr lang="fr-FR" sz="2000" b="1" dirty="0" smtClean="0"/>
-              <a:t>Service Web de type SOAP avec </a:t>
-            </a:r>
-            <a:r>
-              <a:rPr lang="fr-FR" sz="2000" b="1" dirty="0" smtClean="0"/>
-              <a:t>WCF</a:t>
-            </a:r>
-            <a:endParaRPr lang="fr-FR" sz="2000" b="1" dirty="0" smtClean="0"/>
+              <a:t>Service Web de type SOAP avec WCF</a:t>
+            </a:r>
           </a:p>
           <a:p>
             <a:pPr>
@@ -11219,11 +11213,7 @@
             </a:pPr>
             <a:r>
               <a:rPr lang="fr-FR" sz="2000" b="1" dirty="0" smtClean="0"/>
-              <a:t>Pourquoi </a:t>
-            </a:r>
-            <a:r>
-              <a:rPr lang="fr-FR" sz="2000" b="1" dirty="0" smtClean="0"/>
-              <a:t>le protocole SOAP avec WCF ?</a:t>
+              <a:t>Pourquoi le protocole SOAP avec WCF ?</a:t>
             </a:r>
           </a:p>
           <a:p>
@@ -11269,15 +11259,7 @@
             </a:pPr>
             <a:r>
               <a:rPr lang="fr-FR" sz="1600" dirty="0" smtClean="0"/>
-              <a:t>Meilleure </a:t>
-            </a:r>
-            <a:r>
-              <a:rPr lang="fr-FR" sz="1600" dirty="0" smtClean="0"/>
-              <a:t>lisibilité </a:t>
-            </a:r>
-            <a:r>
-              <a:rPr lang="fr-FR" sz="1600" dirty="0" smtClean="0"/>
-              <a:t>dans le code.</a:t>
+              <a:t>Meilleure lisibilité dans le code.</a:t>
             </a:r>
           </a:p>
         </p:txBody>
@@ -11402,7 +11384,15 @@
             </a:r>
             <a:r>
               <a:rPr lang="fr-FR" sz="2000" dirty="0" smtClean="0"/>
-              <a:t> Framework est un outil permettant de créer une couche d’accès aux données lié à une base de données.</a:t>
+              <a:t> Framework est un outil permettant de créer une couche d’accès aux données </a:t>
+            </a:r>
+            <a:r>
+              <a:rPr lang="fr-FR" sz="2000" dirty="0" smtClean="0"/>
+              <a:t>lié </a:t>
+            </a:r>
+            <a:r>
+              <a:rPr lang="fr-FR" sz="2000" dirty="0" smtClean="0"/>
+              <a:t>à une base de données.</a:t>
             </a:r>
           </a:p>
           <a:p>
@@ -11420,11 +11410,7 @@
             </a:pPr>
             <a:r>
               <a:rPr lang="fr-FR" sz="2000" dirty="0" smtClean="0"/>
-              <a:t>Il propose ainsi </a:t>
-            </a:r>
-            <a:r>
-              <a:rPr lang="fr-FR" sz="2000" dirty="0" smtClean="0"/>
-              <a:t>la création d'un schéma conceptuel composé d'entités qui permettent la manipulation d'une source de données, </a:t>
+              <a:t>Il propose ainsi la création d'un schéma conceptuel composé d'entités qui permettent la manipulation d'une source de données, </a:t>
             </a:r>
             <a:r>
               <a:rPr lang="fr-FR" sz="2000" b="1" dirty="0" smtClean="0"/>

--- a/doc/Diapo.pptx
+++ b/doc/Diapo.pptx
@@ -132,7 +132,7 @@
   </p:defaultTextStyle>
   <p:extLst>
     <p:ext uri="{EFAFB233-063F-42B5-8137-9DF3F51BA10A}">
-      <p15:sldGuideLst xmlns:p15="http://schemas.microsoft.com/office/powerpoint/2012/main">
+      <p15:sldGuideLst xmlns:p15="http://schemas.microsoft.com/office/powerpoint/2012/main" xmlns="">
         <p15:guide id="1" orient="horz" pos="2160">
           <p15:clr>
             <a:srgbClr val="A4A3A4"/>
@@ -232,7 +232,7 @@
             <a:fld id="{BEF45B8F-C0FF-44EC-BB50-2DC2F163B972}" type="datetimeFigureOut">
               <a:rPr lang="fr-FR" smtClean="0"/>
               <a:pPr/>
-              <a:t>12/05/2017</a:t>
+              <a:t>15/05/2017</a:t>
             </a:fld>
             <a:endParaRPr lang="fr-FR"/>
           </a:p>
@@ -403,7 +403,7 @@
     </p:spTree>
     <p:extLst>
       <p:ext uri="{BB962C8B-B14F-4D97-AF65-F5344CB8AC3E}">
-        <p14:creationId xmlns:p14="http://schemas.microsoft.com/office/powerpoint/2010/main" val="45641624"/>
+        <p14:creationId xmlns:p14="http://schemas.microsoft.com/office/powerpoint/2010/main" xmlns="" val="45641624"/>
       </p:ext>
     </p:extLst>
   </p:cSld>
@@ -609,7 +609,7 @@
     </p:spTree>
     <p:extLst>
       <p:ext uri="{BB962C8B-B14F-4D97-AF65-F5344CB8AC3E}">
-        <p14:creationId xmlns:p14="http://schemas.microsoft.com/office/powerpoint/2010/main" val="2228747940"/>
+        <p14:creationId xmlns:p14="http://schemas.microsoft.com/office/powerpoint/2010/main" xmlns="" val="2228747940"/>
       </p:ext>
     </p:extLst>
   </p:cSld>
@@ -696,7 +696,7 @@
     </p:spTree>
     <p:extLst>
       <p:ext uri="{BB962C8B-B14F-4D97-AF65-F5344CB8AC3E}">
-        <p14:creationId xmlns:p14="http://schemas.microsoft.com/office/powerpoint/2010/main" val="1398145928"/>
+        <p14:creationId xmlns:p14="http://schemas.microsoft.com/office/powerpoint/2010/main" xmlns="" val="1398145928"/>
       </p:ext>
     </p:extLst>
   </p:cSld>
@@ -783,7 +783,7 @@
     </p:spTree>
     <p:extLst>
       <p:ext uri="{BB962C8B-B14F-4D97-AF65-F5344CB8AC3E}">
-        <p14:creationId xmlns:p14="http://schemas.microsoft.com/office/powerpoint/2010/main" val="2215035958"/>
+        <p14:creationId xmlns:p14="http://schemas.microsoft.com/office/powerpoint/2010/main" xmlns="" val="2215035958"/>
       </p:ext>
     </p:extLst>
   </p:cSld>
@@ -870,7 +870,7 @@
     </p:spTree>
     <p:extLst>
       <p:ext uri="{BB962C8B-B14F-4D97-AF65-F5344CB8AC3E}">
-        <p14:creationId xmlns:p14="http://schemas.microsoft.com/office/powerpoint/2010/main" val="4078183470"/>
+        <p14:creationId xmlns:p14="http://schemas.microsoft.com/office/powerpoint/2010/main" xmlns="" val="4078183470"/>
       </p:ext>
     </p:extLst>
   </p:cSld>
@@ -957,7 +957,7 @@
     </p:spTree>
     <p:extLst>
       <p:ext uri="{BB962C8B-B14F-4D97-AF65-F5344CB8AC3E}">
-        <p14:creationId xmlns:p14="http://schemas.microsoft.com/office/powerpoint/2010/main" val="511339895"/>
+        <p14:creationId xmlns:p14="http://schemas.microsoft.com/office/powerpoint/2010/main" xmlns="" val="511339895"/>
       </p:ext>
     </p:extLst>
   </p:cSld>
@@ -1044,7 +1044,7 @@
     </p:spTree>
     <p:extLst>
       <p:ext uri="{BB962C8B-B14F-4D97-AF65-F5344CB8AC3E}">
-        <p14:creationId xmlns:p14="http://schemas.microsoft.com/office/powerpoint/2010/main" val="1329930481"/>
+        <p14:creationId xmlns:p14="http://schemas.microsoft.com/office/powerpoint/2010/main" xmlns="" val="1329930481"/>
       </p:ext>
     </p:extLst>
   </p:cSld>
@@ -1131,7 +1131,7 @@
     </p:spTree>
     <p:extLst>
       <p:ext uri="{BB962C8B-B14F-4D97-AF65-F5344CB8AC3E}">
-        <p14:creationId xmlns:p14="http://schemas.microsoft.com/office/powerpoint/2010/main" val="1420921446"/>
+        <p14:creationId xmlns:p14="http://schemas.microsoft.com/office/powerpoint/2010/main" xmlns="" val="1420921446"/>
       </p:ext>
     </p:extLst>
   </p:cSld>
@@ -1218,7 +1218,7 @@
     </p:spTree>
     <p:extLst>
       <p:ext uri="{BB962C8B-B14F-4D97-AF65-F5344CB8AC3E}">
-        <p14:creationId xmlns:p14="http://schemas.microsoft.com/office/powerpoint/2010/main" val="2537194441"/>
+        <p14:creationId xmlns:p14="http://schemas.microsoft.com/office/powerpoint/2010/main" xmlns="" val="2537194441"/>
       </p:ext>
     </p:extLst>
   </p:cSld>
@@ -1305,7 +1305,7 @@
     </p:spTree>
     <p:extLst>
       <p:ext uri="{BB962C8B-B14F-4D97-AF65-F5344CB8AC3E}">
-        <p14:creationId xmlns:p14="http://schemas.microsoft.com/office/powerpoint/2010/main" val="4069220086"/>
+        <p14:creationId xmlns:p14="http://schemas.microsoft.com/office/powerpoint/2010/main" xmlns="" val="4069220086"/>
       </p:ext>
     </p:extLst>
   </p:cSld>
@@ -1392,7 +1392,7 @@
     </p:spTree>
     <p:extLst>
       <p:ext uri="{BB962C8B-B14F-4D97-AF65-F5344CB8AC3E}">
-        <p14:creationId xmlns:p14="http://schemas.microsoft.com/office/powerpoint/2010/main" val="2188083174"/>
+        <p14:creationId xmlns:p14="http://schemas.microsoft.com/office/powerpoint/2010/main" xmlns="" val="2188083174"/>
       </p:ext>
     </p:extLst>
   </p:cSld>
@@ -1479,7 +1479,7 @@
     </p:spTree>
     <p:extLst>
       <p:ext uri="{BB962C8B-B14F-4D97-AF65-F5344CB8AC3E}">
-        <p14:creationId xmlns:p14="http://schemas.microsoft.com/office/powerpoint/2010/main" val="1537290242"/>
+        <p14:creationId xmlns:p14="http://schemas.microsoft.com/office/powerpoint/2010/main" xmlns="" val="1537290242"/>
       </p:ext>
     </p:extLst>
   </p:cSld>
@@ -1578,7 +1578,7 @@
     </p:spTree>
     <p:extLst>
       <p:ext uri="{BB962C8B-B14F-4D97-AF65-F5344CB8AC3E}">
-        <p14:creationId xmlns:p14="http://schemas.microsoft.com/office/powerpoint/2010/main" val="1628508158"/>
+        <p14:creationId xmlns:p14="http://schemas.microsoft.com/office/powerpoint/2010/main" xmlns="" val="1628508158"/>
       </p:ext>
     </p:extLst>
   </p:cSld>
@@ -1665,7 +1665,7 @@
     </p:spTree>
     <p:extLst>
       <p:ext uri="{BB962C8B-B14F-4D97-AF65-F5344CB8AC3E}">
-        <p14:creationId xmlns:p14="http://schemas.microsoft.com/office/powerpoint/2010/main" val="725683917"/>
+        <p14:creationId xmlns:p14="http://schemas.microsoft.com/office/powerpoint/2010/main" xmlns="" val="725683917"/>
       </p:ext>
     </p:extLst>
   </p:cSld>
@@ -1752,7 +1752,7 @@
     </p:spTree>
     <p:extLst>
       <p:ext uri="{BB962C8B-B14F-4D97-AF65-F5344CB8AC3E}">
-        <p14:creationId xmlns:p14="http://schemas.microsoft.com/office/powerpoint/2010/main" val="3526639435"/>
+        <p14:creationId xmlns:p14="http://schemas.microsoft.com/office/powerpoint/2010/main" xmlns="" val="3526639435"/>
       </p:ext>
     </p:extLst>
   </p:cSld>
@@ -1839,7 +1839,7 @@
     </p:spTree>
     <p:extLst>
       <p:ext uri="{BB962C8B-B14F-4D97-AF65-F5344CB8AC3E}">
-        <p14:creationId xmlns:p14="http://schemas.microsoft.com/office/powerpoint/2010/main" val="1321478154"/>
+        <p14:creationId xmlns:p14="http://schemas.microsoft.com/office/powerpoint/2010/main" xmlns="" val="1321478154"/>
       </p:ext>
     </p:extLst>
   </p:cSld>
@@ -1926,7 +1926,7 @@
     </p:spTree>
     <p:extLst>
       <p:ext uri="{BB962C8B-B14F-4D97-AF65-F5344CB8AC3E}">
-        <p14:creationId xmlns:p14="http://schemas.microsoft.com/office/powerpoint/2010/main" val="2004548286"/>
+        <p14:creationId xmlns:p14="http://schemas.microsoft.com/office/powerpoint/2010/main" xmlns="" val="2004548286"/>
       </p:ext>
     </p:extLst>
   </p:cSld>
@@ -2013,7 +2013,7 @@
     </p:spTree>
     <p:extLst>
       <p:ext uri="{BB962C8B-B14F-4D97-AF65-F5344CB8AC3E}">
-        <p14:creationId xmlns:p14="http://schemas.microsoft.com/office/powerpoint/2010/main" val="3448461766"/>
+        <p14:creationId xmlns:p14="http://schemas.microsoft.com/office/powerpoint/2010/main" xmlns="" val="3448461766"/>
       </p:ext>
     </p:extLst>
   </p:cSld>
@@ -2100,7 +2100,7 @@
     </p:spTree>
     <p:extLst>
       <p:ext uri="{BB962C8B-B14F-4D97-AF65-F5344CB8AC3E}">
-        <p14:creationId xmlns:p14="http://schemas.microsoft.com/office/powerpoint/2010/main" val="212553317"/>
+        <p14:creationId xmlns:p14="http://schemas.microsoft.com/office/powerpoint/2010/main" xmlns="" val="212553317"/>
       </p:ext>
     </p:extLst>
   </p:cSld>
@@ -2248,7 +2248,7 @@
     </p:spTree>
     <p:extLst>
       <p:ext uri="{BB962C8B-B14F-4D97-AF65-F5344CB8AC3E}">
-        <p14:creationId xmlns:p14="http://schemas.microsoft.com/office/powerpoint/2010/main" val="1461847046"/>
+        <p14:creationId xmlns:p14="http://schemas.microsoft.com/office/powerpoint/2010/main" xmlns="" val="1461847046"/>
       </p:ext>
     </p:extLst>
   </p:cSld>
@@ -2396,7 +2396,7 @@
     </p:spTree>
     <p:extLst>
       <p:ext uri="{BB962C8B-B14F-4D97-AF65-F5344CB8AC3E}">
-        <p14:creationId xmlns:p14="http://schemas.microsoft.com/office/powerpoint/2010/main" val="1520764927"/>
+        <p14:creationId xmlns:p14="http://schemas.microsoft.com/office/powerpoint/2010/main" xmlns="" val="1520764927"/>
       </p:ext>
     </p:extLst>
   </p:cSld>
@@ -3032,7 +3032,7 @@
             <a:fld id="{D1AB72DB-2B36-4F14-9350-0913143174F8}" type="datetimeFigureOut">
               <a:rPr lang="fr-FR" smtClean="0"/>
               <a:pPr/>
-              <a:t>12/05/2017</a:t>
+              <a:t>15/05/2017</a:t>
             </a:fld>
             <a:endParaRPr lang="fr-FR"/>
           </a:p>
@@ -3230,7 +3230,7 @@
             <a:fld id="{D1AB72DB-2B36-4F14-9350-0913143174F8}" type="datetimeFigureOut">
               <a:rPr lang="fr-FR" smtClean="0"/>
               <a:pPr/>
-              <a:t>12/05/2017</a:t>
+              <a:t>15/05/2017</a:t>
             </a:fld>
             <a:endParaRPr lang="fr-FR"/>
           </a:p>
@@ -3417,7 +3417,7 @@
             <a:fld id="{D1AB72DB-2B36-4F14-9350-0913143174F8}" type="datetimeFigureOut">
               <a:rPr lang="fr-FR" smtClean="0"/>
               <a:pPr/>
-              <a:t>12/05/2017</a:t>
+              <a:t>15/05/2017</a:t>
             </a:fld>
             <a:endParaRPr lang="fr-FR"/>
           </a:p>
@@ -3569,7 +3569,7 @@
             <a:fld id="{D1AB72DB-2B36-4F14-9350-0913143174F8}" type="datetimeFigureOut">
               <a:rPr lang="fr-FR" smtClean="0"/>
               <a:pPr/>
-              <a:t>12/05/2017</a:t>
+              <a:t>15/05/2017</a:t>
             </a:fld>
             <a:endParaRPr lang="fr-FR"/>
           </a:p>
@@ -3821,7 +3821,7 @@
             <a:fld id="{D1AB72DB-2B36-4F14-9350-0913143174F8}" type="datetimeFigureOut">
               <a:rPr lang="fr-FR" smtClean="0"/>
               <a:pPr/>
-              <a:t>12/05/2017</a:t>
+              <a:t>15/05/2017</a:t>
             </a:fld>
             <a:endParaRPr lang="fr-FR"/>
           </a:p>
@@ -4227,7 +4227,7 @@
             <a:fld id="{D1AB72DB-2B36-4F14-9350-0913143174F8}" type="datetimeFigureOut">
               <a:rPr lang="fr-FR" smtClean="0"/>
               <a:pPr/>
-              <a:t>12/05/2017</a:t>
+              <a:t>15/05/2017</a:t>
             </a:fld>
             <a:endParaRPr lang="fr-FR"/>
           </a:p>
@@ -4670,7 +4670,7 @@
             <a:fld id="{D1AB72DB-2B36-4F14-9350-0913143174F8}" type="datetimeFigureOut">
               <a:rPr lang="fr-FR" smtClean="0"/>
               <a:pPr/>
-              <a:t>12/05/2017</a:t>
+              <a:t>15/05/2017</a:t>
             </a:fld>
             <a:endParaRPr lang="fr-FR"/>
           </a:p>
@@ -4768,7 +4768,7 @@
             <a:fld id="{D1AB72DB-2B36-4F14-9350-0913143174F8}" type="datetimeFigureOut">
               <a:rPr lang="fr-FR" smtClean="0"/>
               <a:pPr/>
-              <a:t>12/05/2017</a:t>
+              <a:t>15/05/2017</a:t>
             </a:fld>
             <a:endParaRPr lang="fr-FR"/>
           </a:p>
@@ -4891,7 +4891,7 @@
             <a:fld id="{D1AB72DB-2B36-4F14-9350-0913143174F8}" type="datetimeFigureOut">
               <a:rPr lang="fr-FR" smtClean="0"/>
               <a:pPr/>
-              <a:t>12/05/2017</a:t>
+              <a:t>15/05/2017</a:t>
             </a:fld>
             <a:endParaRPr lang="fr-FR"/>
           </a:p>
@@ -5162,7 +5162,7 @@
             <a:fld id="{D1AB72DB-2B36-4F14-9350-0913143174F8}" type="datetimeFigureOut">
               <a:rPr lang="fr-FR" smtClean="0"/>
               <a:pPr/>
-              <a:t>12/05/2017</a:t>
+              <a:t>15/05/2017</a:t>
             </a:fld>
             <a:endParaRPr lang="fr-FR"/>
           </a:p>
@@ -5364,7 +5364,7 @@
             <a:fld id="{D1AB72DB-2B36-4F14-9350-0913143174F8}" type="datetimeFigureOut">
               <a:rPr lang="fr-FR" smtClean="0"/>
               <a:pPr/>
-              <a:t>12/05/2017</a:t>
+              <a:t>15/05/2017</a:t>
             </a:fld>
             <a:endParaRPr lang="fr-FR"/>
           </a:p>
@@ -6475,7 +6475,7 @@
             <a:fld id="{D1AB72DB-2B36-4F14-9350-0913143174F8}" type="datetimeFigureOut">
               <a:rPr lang="fr-FR" smtClean="0"/>
               <a:pPr/>
-              <a:t>12/05/2017</a:t>
+              <a:t>15/05/2017</a:t>
             </a:fld>
             <a:endParaRPr lang="fr-FR"/>
           </a:p>
@@ -6954,10 +6954,10 @@
           <p:nvPr/>
         </p:nvPicPr>
         <p:blipFill>
-          <a:blip r:embed="rId2">
+          <a:blip r:embed="rId2" cstate="print">
             <a:extLst>
               <a:ext uri="{28A0092B-C50C-407E-A947-70E740481C1C}">
-                <a14:useLocalDpi xmlns:a14="http://schemas.microsoft.com/office/drawing/2010/main" val="0"/>
+                <a14:useLocalDpi xmlns:a14="http://schemas.microsoft.com/office/drawing/2010/main" xmlns="" val="0"/>
               </a:ext>
             </a:extLst>
           </a:blip>
@@ -7118,7 +7118,7 @@
           <a:blip r:embed="rId4" cstate="print">
             <a:extLst>
               <a:ext uri="{28A0092B-C50C-407E-A947-70E740481C1C}">
-                <a14:useLocalDpi xmlns:a14="http://schemas.microsoft.com/office/drawing/2010/main" val="0"/>
+                <a14:useLocalDpi xmlns:a14="http://schemas.microsoft.com/office/drawing/2010/main" xmlns="" val="0"/>
               </a:ext>
             </a:extLst>
           </a:blip>
@@ -7173,7 +7173,7 @@
           <a:blip r:embed="rId3" cstate="print">
             <a:extLst>
               <a:ext uri="{28A0092B-C50C-407E-A947-70E740481C1C}">
-                <a14:useLocalDpi xmlns:a14="http://schemas.microsoft.com/office/drawing/2010/main" val="0"/>
+                <a14:useLocalDpi xmlns:a14="http://schemas.microsoft.com/office/drawing/2010/main" xmlns="" val="0"/>
               </a:ext>
             </a:extLst>
           </a:blip>
@@ -7684,40 +7684,6 @@
           <a:xfrm flipV="1">
             <a:off x="3779912" y="3645024"/>
             <a:ext cx="1152128" cy="792088"/>
-          </a:xfrm>
-          <a:prstGeom prst="straightConnector1">
-            <a:avLst/>
-          </a:prstGeom>
-          <a:ln>
-            <a:headEnd type="arrow"/>
-            <a:tailEnd type="arrow"/>
-          </a:ln>
-        </p:spPr>
-        <p:style>
-          <a:lnRef idx="1">
-            <a:schemeClr val="accent1"/>
-          </a:lnRef>
-          <a:fillRef idx="0">
-            <a:schemeClr val="accent1"/>
-          </a:fillRef>
-          <a:effectRef idx="0">
-            <a:schemeClr val="accent1"/>
-          </a:effectRef>
-          <a:fontRef idx="minor">
-            <a:schemeClr val="tx1"/>
-          </a:fontRef>
-        </p:style>
-      </p:cxnSp>
-      <p:cxnSp>
-        <p:nvCxnSpPr>
-          <p:cNvPr id="24" name="Connecteur droit avec flèche 23"/>
-          <p:cNvCxnSpPr/>
-          <p:nvPr/>
-        </p:nvCxnSpPr>
-        <p:spPr>
-          <a:xfrm>
-            <a:off x="3779912" y="5157192"/>
-            <a:ext cx="1152128" cy="720080"/>
           </a:xfrm>
           <a:prstGeom prst="straightConnector1">
             <a:avLst/>
@@ -7778,7 +7744,7 @@
           <a:blip r:embed="rId8" cstate="print">
             <a:extLst>
               <a:ext uri="{28A0092B-C50C-407E-A947-70E740481C1C}">
-                <a14:useLocalDpi xmlns:a14="http://schemas.microsoft.com/office/drawing/2010/main" val="0"/>
+                <a14:useLocalDpi xmlns:a14="http://schemas.microsoft.com/office/drawing/2010/main" xmlns="" val="0"/>
               </a:ext>
             </a:extLst>
           </a:blip>
@@ -8093,40 +8059,6 @@
           <a:xfrm flipV="1">
             <a:off x="4788024" y="4869160"/>
             <a:ext cx="802432" cy="576064"/>
-          </a:xfrm>
-          <a:prstGeom prst="straightConnector1">
-            <a:avLst/>
-          </a:prstGeom>
-          <a:ln>
-            <a:headEnd type="arrow"/>
-            <a:tailEnd type="arrow"/>
-          </a:ln>
-        </p:spPr>
-        <p:style>
-          <a:lnRef idx="1">
-            <a:schemeClr val="accent1"/>
-          </a:lnRef>
-          <a:fillRef idx="0">
-            <a:schemeClr val="accent1"/>
-          </a:fillRef>
-          <a:effectRef idx="0">
-            <a:schemeClr val="accent1"/>
-          </a:effectRef>
-          <a:fontRef idx="minor">
-            <a:schemeClr val="tx1"/>
-          </a:fontRef>
-        </p:style>
-      </p:cxnSp>
-      <p:cxnSp>
-        <p:nvCxnSpPr>
-          <p:cNvPr id="24" name="Connecteur droit avec flèche 23"/>
-          <p:cNvCxnSpPr/>
-          <p:nvPr/>
-        </p:nvCxnSpPr>
-        <p:spPr>
-          <a:xfrm>
-            <a:off x="4860032" y="5805264"/>
-            <a:ext cx="720080" cy="504056"/>
           </a:xfrm>
           <a:prstGeom prst="straightConnector1">
             <a:avLst/>
@@ -8347,7 +8279,7 @@
           <a:blip r:embed="rId13" cstate="print">
             <a:extLst>
               <a:ext uri="{28A0092B-C50C-407E-A947-70E740481C1C}">
-                <a14:useLocalDpi xmlns:a14="http://schemas.microsoft.com/office/drawing/2010/main" val="0"/>
+                <a14:useLocalDpi xmlns:a14="http://schemas.microsoft.com/office/drawing/2010/main" xmlns="" val="0"/>
               </a:ext>
             </a:extLst>
           </a:blip>
@@ -8531,7 +8463,7 @@
           <a:blip r:embed="rId4" cstate="print">
             <a:extLst>
               <a:ext uri="{28A0092B-C50C-407E-A947-70E740481C1C}">
-                <a14:useLocalDpi xmlns:a14="http://schemas.microsoft.com/office/drawing/2010/main" val="0"/>
+                <a14:useLocalDpi xmlns:a14="http://schemas.microsoft.com/office/drawing/2010/main" xmlns="" val="0"/>
               </a:ext>
             </a:extLst>
           </a:blip>
@@ -8715,7 +8647,7 @@
           <a:blip r:embed="rId4" cstate="print">
             <a:extLst>
               <a:ext uri="{28A0092B-C50C-407E-A947-70E740481C1C}">
-                <a14:useLocalDpi xmlns:a14="http://schemas.microsoft.com/office/drawing/2010/main" val="0"/>
+                <a14:useLocalDpi xmlns:a14="http://schemas.microsoft.com/office/drawing/2010/main" xmlns="" val="0"/>
               </a:ext>
             </a:extLst>
           </a:blip>
@@ -8931,7 +8863,7 @@
           <a:blip r:embed="rId5" cstate="print">
             <a:extLst>
               <a:ext uri="{28A0092B-C50C-407E-A947-70E740481C1C}">
-                <a14:useLocalDpi xmlns:a14="http://schemas.microsoft.com/office/drawing/2010/main" val="0"/>
+                <a14:useLocalDpi xmlns:a14="http://schemas.microsoft.com/office/drawing/2010/main" xmlns="" val="0"/>
               </a:ext>
             </a:extLst>
           </a:blip>
@@ -9147,7 +9079,7 @@
           <a:blip r:embed="rId5" cstate="print">
             <a:extLst>
               <a:ext uri="{28A0092B-C50C-407E-A947-70E740481C1C}">
-                <a14:useLocalDpi xmlns:a14="http://schemas.microsoft.com/office/drawing/2010/main" val="0"/>
+                <a14:useLocalDpi xmlns:a14="http://schemas.microsoft.com/office/drawing/2010/main" xmlns="" val="0"/>
               </a:ext>
             </a:extLst>
           </a:blip>
@@ -9363,7 +9295,7 @@
           <a:blip r:embed="rId5" cstate="print">
             <a:extLst>
               <a:ext uri="{28A0092B-C50C-407E-A947-70E740481C1C}">
-                <a14:useLocalDpi xmlns:a14="http://schemas.microsoft.com/office/drawing/2010/main" val="0"/>
+                <a14:useLocalDpi xmlns:a14="http://schemas.microsoft.com/office/drawing/2010/main" xmlns="" val="0"/>
               </a:ext>
             </a:extLst>
           </a:blip>
@@ -9579,7 +9511,7 @@
           <a:blip r:embed="rId5" cstate="print">
             <a:extLst>
               <a:ext uri="{28A0092B-C50C-407E-A947-70E740481C1C}">
-                <a14:useLocalDpi xmlns:a14="http://schemas.microsoft.com/office/drawing/2010/main" val="0"/>
+                <a14:useLocalDpi xmlns:a14="http://schemas.microsoft.com/office/drawing/2010/main" xmlns="" val="0"/>
               </a:ext>
             </a:extLst>
           </a:blip>
@@ -9710,7 +9642,7 @@
           <a:blip r:embed="rId3" cstate="print">
             <a:extLst>
               <a:ext uri="{28A0092B-C50C-407E-A947-70E740481C1C}">
-                <a14:useLocalDpi xmlns:a14="http://schemas.microsoft.com/office/drawing/2010/main" val="0"/>
+                <a14:useLocalDpi xmlns:a14="http://schemas.microsoft.com/office/drawing/2010/main" xmlns="" val="0"/>
               </a:ext>
             </a:extLst>
           </a:blip>
@@ -9926,7 +9858,7 @@
           <a:blip r:embed="rId5" cstate="print">
             <a:extLst>
               <a:ext uri="{28A0092B-C50C-407E-A947-70E740481C1C}">
-                <a14:useLocalDpi xmlns:a14="http://schemas.microsoft.com/office/drawing/2010/main" val="0"/>
+                <a14:useLocalDpi xmlns:a14="http://schemas.microsoft.com/office/drawing/2010/main" xmlns="" val="0"/>
               </a:ext>
             </a:extLst>
           </a:blip>
@@ -10142,7 +10074,7 @@
           <a:blip r:embed="rId5" cstate="print">
             <a:extLst>
               <a:ext uri="{28A0092B-C50C-407E-A947-70E740481C1C}">
-                <a14:useLocalDpi xmlns:a14="http://schemas.microsoft.com/office/drawing/2010/main" val="0"/>
+                <a14:useLocalDpi xmlns:a14="http://schemas.microsoft.com/office/drawing/2010/main" xmlns="" val="0"/>
               </a:ext>
             </a:extLst>
           </a:blip>
@@ -10255,7 +10187,7 @@
           <a:blip r:embed="rId3" cstate="print">
             <a:extLst>
               <a:ext uri="{28A0092B-C50C-407E-A947-70E740481C1C}">
-                <a14:useLocalDpi xmlns:a14="http://schemas.microsoft.com/office/drawing/2010/main" val="0"/>
+                <a14:useLocalDpi xmlns:a14="http://schemas.microsoft.com/office/drawing/2010/main" xmlns="" val="0"/>
               </a:ext>
             </a:extLst>
           </a:blip>
@@ -10431,7 +10363,7 @@
           <a:blip r:embed="rId3" cstate="print">
             <a:extLst>
               <a:ext uri="{28A0092B-C50C-407E-A947-70E740481C1C}">
-                <a14:useLocalDpi xmlns:a14="http://schemas.microsoft.com/office/drawing/2010/main" val="0"/>
+                <a14:useLocalDpi xmlns:a14="http://schemas.microsoft.com/office/drawing/2010/main" xmlns="" val="0"/>
               </a:ext>
             </a:extLst>
           </a:blip>
@@ -10544,7 +10476,7 @@
           <a:blip r:embed="rId3" cstate="print">
             <a:extLst>
               <a:ext uri="{28A0092B-C50C-407E-A947-70E740481C1C}">
-                <a14:useLocalDpi xmlns:a14="http://schemas.microsoft.com/office/drawing/2010/main" val="0"/>
+                <a14:useLocalDpi xmlns:a14="http://schemas.microsoft.com/office/drawing/2010/main" xmlns="" val="0"/>
               </a:ext>
             </a:extLst>
           </a:blip>
@@ -10666,7 +10598,11 @@
             <a:pPr algn="r"/>
             <a:r>
               <a:rPr lang="fr-FR" sz="1400" dirty="0" smtClean="0"/>
-              <a:t>Présentation et objectif</a:t>
+              <a:t>Présentation </a:t>
+            </a:r>
+            <a:r>
+              <a:rPr lang="fr-FR" sz="1400" dirty="0" smtClean="0"/>
+              <a:t>du projet</a:t>
             </a:r>
             <a:endParaRPr lang="fr-FR" sz="1400" dirty="0"/>
           </a:p>
@@ -10717,7 +10653,7 @@
           <a:blip r:embed="rId2" cstate="print">
             <a:extLst>
               <a:ext uri="{28A0092B-C50C-407E-A947-70E740481C1C}">
-                <a14:useLocalDpi xmlns:a14="http://schemas.microsoft.com/office/drawing/2010/main" val="0"/>
+                <a14:useLocalDpi xmlns:a14="http://schemas.microsoft.com/office/drawing/2010/main" xmlns="" val="0"/>
               </a:ext>
             </a:extLst>
           </a:blip>
@@ -10948,7 +10884,7 @@
             <a:pPr algn="r"/>
             <a:r>
               <a:rPr lang="fr-FR" sz="1400" dirty="0" smtClean="0"/>
-              <a:t>Présentation et objectif</a:t>
+              <a:t>Présentation du projet</a:t>
             </a:r>
             <a:endParaRPr lang="fr-FR" sz="1400" dirty="0"/>
           </a:p>
@@ -11004,7 +10940,7 @@
           <a:blip r:embed="rId2" cstate="print">
             <a:extLst>
               <a:ext uri="{28A0092B-C50C-407E-A947-70E740481C1C}">
-                <a14:useLocalDpi xmlns:a14="http://schemas.microsoft.com/office/drawing/2010/main" val="0"/>
+                <a14:useLocalDpi xmlns:a14="http://schemas.microsoft.com/office/drawing/2010/main" xmlns="" val="0"/>
               </a:ext>
             </a:extLst>
           </a:blip>
@@ -11162,7 +11098,7 @@
             <a:pPr algn="r"/>
             <a:r>
               <a:rPr lang="fr-FR" sz="1400" dirty="0" smtClean="0"/>
-              <a:t>Présentation et objectif</a:t>
+              <a:t>Présentation du projet</a:t>
             </a:r>
             <a:endParaRPr lang="fr-FR" sz="1400" dirty="0"/>
           </a:p>
@@ -11218,7 +11154,7 @@
           <a:blip r:embed="rId2" cstate="print">
             <a:extLst>
               <a:ext uri="{28A0092B-C50C-407E-A947-70E740481C1C}">
-                <a14:useLocalDpi xmlns:a14="http://schemas.microsoft.com/office/drawing/2010/main" val="0"/>
+                <a14:useLocalDpi xmlns:a14="http://schemas.microsoft.com/office/drawing/2010/main" xmlns="" val="0"/>
               </a:ext>
             </a:extLst>
           </a:blip>
@@ -11347,8 +11283,13 @@
             </a:pPr>
             <a:r>
               <a:rPr lang="fr-FR" sz="1600" dirty="0" smtClean="0"/>
-              <a:t>Interface et composant graphique jolie.</a:t>
-            </a:r>
+              <a:t>Interface et composant graphique </a:t>
+            </a:r>
+            <a:r>
+              <a:rPr lang="fr-FR" sz="1600" dirty="0" smtClean="0"/>
+              <a:t>plus moderne.</a:t>
+            </a:r>
+            <a:endParaRPr lang="fr-FR" sz="1600" dirty="0" smtClean="0"/>
           </a:p>
           <a:p>
             <a:pPr lvl="1">
@@ -11454,7 +11395,7 @@
           <a:blip r:embed="rId3" cstate="print">
             <a:extLst>
               <a:ext uri="{28A0092B-C50C-407E-A947-70E740481C1C}">
-                <a14:useLocalDpi xmlns:a14="http://schemas.microsoft.com/office/drawing/2010/main" val="0"/>
+                <a14:useLocalDpi xmlns:a14="http://schemas.microsoft.com/office/drawing/2010/main" xmlns="" val="0"/>
               </a:ext>
             </a:extLst>
           </a:blip>
@@ -11744,7 +11685,7 @@
         </p:blipFill>
         <p:spPr>
           <a:xfrm>
-            <a:off x="3779912" y="1844824"/>
+            <a:off x="4067944" y="1844824"/>
             <a:ext cx="504056" cy="504056"/>
           </a:xfrm>
           <a:prstGeom prst="rect">
@@ -11768,7 +11709,7 @@
         </p:blipFill>
         <p:spPr>
           <a:xfrm>
-            <a:off x="1403649" y="2348880"/>
+            <a:off x="1403649" y="2388833"/>
             <a:ext cx="934234" cy="464103"/>
           </a:xfrm>
           <a:prstGeom prst="rect">
@@ -11792,7 +11733,7 @@
         </p:blipFill>
         <p:spPr>
           <a:xfrm>
-            <a:off x="2829198" y="2904782"/>
+            <a:off x="2901206" y="2852936"/>
             <a:ext cx="734690" cy="380202"/>
           </a:xfrm>
           <a:prstGeom prst="rect">
@@ -11816,7 +11757,7 @@
         </p:blipFill>
         <p:spPr>
           <a:xfrm>
-            <a:off x="2123728" y="3426587"/>
+            <a:off x="2195736" y="3426587"/>
             <a:ext cx="1152128" cy="434461"/>
           </a:xfrm>
           <a:prstGeom prst="rect">
@@ -11860,7 +11801,7 @@
           <a:blip r:embed="rId8" cstate="print">
             <a:extLst>
               <a:ext uri="{28A0092B-C50C-407E-A947-70E740481C1C}">
-                <a14:useLocalDpi xmlns:a14="http://schemas.microsoft.com/office/drawing/2010/main" val="0"/>
+                <a14:useLocalDpi xmlns:a14="http://schemas.microsoft.com/office/drawing/2010/main" xmlns="" val="0"/>
               </a:ext>
             </a:extLst>
           </a:blip>
@@ -12092,7 +12033,7 @@
           <a:blip r:embed="rId3" cstate="print">
             <a:extLst>
               <a:ext uri="{28A0092B-C50C-407E-A947-70E740481C1C}">
-                <a14:useLocalDpi xmlns:a14="http://schemas.microsoft.com/office/drawing/2010/main" val="0"/>
+                <a14:useLocalDpi xmlns:a14="http://schemas.microsoft.com/office/drawing/2010/main" xmlns="" val="0"/>
               </a:ext>
             </a:extLst>
           </a:blip>
@@ -12298,7 +12239,7 @@
           <a:blip r:embed="rId3" cstate="print">
             <a:extLst>
               <a:ext uri="{28A0092B-C50C-407E-A947-70E740481C1C}">
-                <a14:useLocalDpi xmlns:a14="http://schemas.microsoft.com/office/drawing/2010/main" val="0"/>
+                <a14:useLocalDpi xmlns:a14="http://schemas.microsoft.com/office/drawing/2010/main" xmlns="" val="0"/>
               </a:ext>
             </a:extLst>
           </a:blip>

--- a/doc/Diapo.pptx
+++ b/doc/Diapo.pptx
@@ -5,7 +5,7 @@
     <p:sldMasterId id="2147483660" r:id="rId1"/>
   </p:sldMasterIdLst>
   <p:notesMasterIdLst>
-    <p:notesMasterId r:id="rId26"/>
+    <p:notesMasterId r:id="rId27"/>
   </p:notesMasterIdLst>
   <p:sldIdLst>
     <p:sldId id="256" r:id="rId2"/>
@@ -13,25 +13,26 @@
     <p:sldId id="258" r:id="rId4"/>
     <p:sldId id="260" r:id="rId5"/>
     <p:sldId id="259" r:id="rId6"/>
-    <p:sldId id="261" r:id="rId7"/>
-    <p:sldId id="262" r:id="rId8"/>
-    <p:sldId id="263" r:id="rId9"/>
-    <p:sldId id="279" r:id="rId10"/>
-    <p:sldId id="280" r:id="rId11"/>
-    <p:sldId id="281" r:id="rId12"/>
-    <p:sldId id="264" r:id="rId13"/>
-    <p:sldId id="266" r:id="rId14"/>
-    <p:sldId id="265" r:id="rId15"/>
-    <p:sldId id="269" r:id="rId16"/>
-    <p:sldId id="270" r:id="rId17"/>
-    <p:sldId id="275" r:id="rId18"/>
-    <p:sldId id="276" r:id="rId19"/>
-    <p:sldId id="272" r:id="rId20"/>
-    <p:sldId id="273" r:id="rId21"/>
-    <p:sldId id="274" r:id="rId22"/>
-    <p:sldId id="278" r:id="rId23"/>
-    <p:sldId id="268" r:id="rId24"/>
-    <p:sldId id="267" r:id="rId25"/>
+    <p:sldId id="282" r:id="rId7"/>
+    <p:sldId id="261" r:id="rId8"/>
+    <p:sldId id="262" r:id="rId9"/>
+    <p:sldId id="263" r:id="rId10"/>
+    <p:sldId id="279" r:id="rId11"/>
+    <p:sldId id="280" r:id="rId12"/>
+    <p:sldId id="281" r:id="rId13"/>
+    <p:sldId id="264" r:id="rId14"/>
+    <p:sldId id="266" r:id="rId15"/>
+    <p:sldId id="265" r:id="rId16"/>
+    <p:sldId id="269" r:id="rId17"/>
+    <p:sldId id="270" r:id="rId18"/>
+    <p:sldId id="275" r:id="rId19"/>
+    <p:sldId id="276" r:id="rId20"/>
+    <p:sldId id="272" r:id="rId21"/>
+    <p:sldId id="273" r:id="rId22"/>
+    <p:sldId id="274" r:id="rId23"/>
+    <p:sldId id="278" r:id="rId24"/>
+    <p:sldId id="268" r:id="rId25"/>
+    <p:sldId id="267" r:id="rId26"/>
   </p:sldIdLst>
   <p:sldSz cx="9144000" cy="6858000" type="screen4x3"/>
   <p:notesSz cx="6858000" cy="9144000"/>
@@ -132,7 +133,7 @@
   </p:defaultTextStyle>
   <p:extLst>
     <p:ext uri="{EFAFB233-063F-42B5-8137-9DF3F51BA10A}">
-      <p15:sldGuideLst xmlns:p15="http://schemas.microsoft.com/office/powerpoint/2012/main" xmlns="">
+      <p15:sldGuideLst xmlns="" xmlns:p15="http://schemas.microsoft.com/office/powerpoint/2012/main">
         <p15:guide id="1" orient="horz" pos="2160">
           <p15:clr>
             <a:srgbClr val="A4A3A4"/>
@@ -403,7 +404,7 @@
     </p:spTree>
     <p:extLst>
       <p:ext uri="{BB962C8B-B14F-4D97-AF65-F5344CB8AC3E}">
-        <p14:creationId xmlns:p14="http://schemas.microsoft.com/office/powerpoint/2010/main" xmlns="" val="45641624"/>
+        <p14:creationId xmlns="" xmlns:p14="http://schemas.microsoft.com/office/powerpoint/2010/main" val="45641624"/>
       </p:ext>
     </p:extLst>
   </p:cSld>
@@ -555,15 +556,15 @@
             </a:r>
             <a:r>
               <a:rPr lang="fr-FR" baseline="0" dirty="0" smtClean="0"/>
-              <a:t> Description, </a:t>
-            </a:r>
-            <a:r>
-              <a:rPr lang="fr-FR" baseline="0" dirty="0" err="1" smtClean="0"/>
-              <a:t>Repartition</a:t>
+              <a:t> </a:t>
             </a:r>
             <a:r>
               <a:rPr lang="fr-FR" baseline="0" dirty="0" smtClean="0"/>
-              <a:t> des tâches &amp; Avantage et </a:t>
+              <a:t>Description &amp; </a:t>
+            </a:r>
+            <a:r>
+              <a:rPr lang="fr-FR" baseline="0" dirty="0" smtClean="0"/>
+              <a:t>Avantage et </a:t>
             </a:r>
             <a:r>
               <a:rPr lang="fr-FR" baseline="0" dirty="0" err="1" smtClean="0"/>
@@ -609,7 +610,7 @@
     </p:spTree>
     <p:extLst>
       <p:ext uri="{BB962C8B-B14F-4D97-AF65-F5344CB8AC3E}">
-        <p14:creationId xmlns:p14="http://schemas.microsoft.com/office/powerpoint/2010/main" xmlns="" val="2228747940"/>
+        <p14:creationId xmlns="" xmlns:p14="http://schemas.microsoft.com/office/powerpoint/2010/main" val="2228747940"/>
       </p:ext>
     </p:extLst>
   </p:cSld>
@@ -687,7 +688,7 @@
             <a:fld id="{7E6209E1-ABC8-4D7E-BDD9-246DCBE30A3E}" type="slidenum">
               <a:rPr lang="fr-FR" smtClean="0"/>
               <a:pPr/>
-              <a:t>14</a:t>
+              <a:t>15</a:t>
             </a:fld>
             <a:endParaRPr lang="fr-FR"/>
           </a:p>
@@ -696,7 +697,7 @@
     </p:spTree>
     <p:extLst>
       <p:ext uri="{BB962C8B-B14F-4D97-AF65-F5344CB8AC3E}">
-        <p14:creationId xmlns:p14="http://schemas.microsoft.com/office/powerpoint/2010/main" xmlns="" val="1398145928"/>
+        <p14:creationId xmlns="" xmlns:p14="http://schemas.microsoft.com/office/powerpoint/2010/main" val="1398145928"/>
       </p:ext>
     </p:extLst>
   </p:cSld>
@@ -774,7 +775,7 @@
             <a:fld id="{7E6209E1-ABC8-4D7E-BDD9-246DCBE30A3E}" type="slidenum">
               <a:rPr lang="fr-FR" smtClean="0"/>
               <a:pPr/>
-              <a:t>15</a:t>
+              <a:t>16</a:t>
             </a:fld>
             <a:endParaRPr lang="fr-FR"/>
           </a:p>
@@ -783,7 +784,7 @@
     </p:spTree>
     <p:extLst>
       <p:ext uri="{BB962C8B-B14F-4D97-AF65-F5344CB8AC3E}">
-        <p14:creationId xmlns:p14="http://schemas.microsoft.com/office/powerpoint/2010/main" xmlns="" val="2215035958"/>
+        <p14:creationId xmlns="" xmlns:p14="http://schemas.microsoft.com/office/powerpoint/2010/main" val="2215035958"/>
       </p:ext>
     </p:extLst>
   </p:cSld>
@@ -861,7 +862,7 @@
             <a:fld id="{7E6209E1-ABC8-4D7E-BDD9-246DCBE30A3E}" type="slidenum">
               <a:rPr lang="fr-FR" smtClean="0"/>
               <a:pPr/>
-              <a:t>16</a:t>
+              <a:t>17</a:t>
             </a:fld>
             <a:endParaRPr lang="fr-FR"/>
           </a:p>
@@ -870,7 +871,7 @@
     </p:spTree>
     <p:extLst>
       <p:ext uri="{BB962C8B-B14F-4D97-AF65-F5344CB8AC3E}">
-        <p14:creationId xmlns:p14="http://schemas.microsoft.com/office/powerpoint/2010/main" xmlns="" val="4078183470"/>
+        <p14:creationId xmlns="" xmlns:p14="http://schemas.microsoft.com/office/powerpoint/2010/main" val="4078183470"/>
       </p:ext>
     </p:extLst>
   </p:cSld>
@@ -948,7 +949,7 @@
             <a:fld id="{7E6209E1-ABC8-4D7E-BDD9-246DCBE30A3E}" type="slidenum">
               <a:rPr lang="fr-FR" smtClean="0"/>
               <a:pPr/>
-              <a:t>17</a:t>
+              <a:t>18</a:t>
             </a:fld>
             <a:endParaRPr lang="fr-FR"/>
           </a:p>
@@ -957,7 +958,7 @@
     </p:spTree>
     <p:extLst>
       <p:ext uri="{BB962C8B-B14F-4D97-AF65-F5344CB8AC3E}">
-        <p14:creationId xmlns:p14="http://schemas.microsoft.com/office/powerpoint/2010/main" xmlns="" val="511339895"/>
+        <p14:creationId xmlns="" xmlns:p14="http://schemas.microsoft.com/office/powerpoint/2010/main" val="511339895"/>
       </p:ext>
     </p:extLst>
   </p:cSld>
@@ -1035,7 +1036,7 @@
             <a:fld id="{7E6209E1-ABC8-4D7E-BDD9-246DCBE30A3E}" type="slidenum">
               <a:rPr lang="fr-FR" smtClean="0"/>
               <a:pPr/>
-              <a:t>18</a:t>
+              <a:t>19</a:t>
             </a:fld>
             <a:endParaRPr lang="fr-FR"/>
           </a:p>
@@ -1044,7 +1045,7 @@
     </p:spTree>
     <p:extLst>
       <p:ext uri="{BB962C8B-B14F-4D97-AF65-F5344CB8AC3E}">
-        <p14:creationId xmlns:p14="http://schemas.microsoft.com/office/powerpoint/2010/main" xmlns="" val="1329930481"/>
+        <p14:creationId xmlns="" xmlns:p14="http://schemas.microsoft.com/office/powerpoint/2010/main" val="1329930481"/>
       </p:ext>
     </p:extLst>
   </p:cSld>
@@ -1122,7 +1123,7 @@
             <a:fld id="{7E6209E1-ABC8-4D7E-BDD9-246DCBE30A3E}" type="slidenum">
               <a:rPr lang="fr-FR" smtClean="0"/>
               <a:pPr/>
-              <a:t>19</a:t>
+              <a:t>20</a:t>
             </a:fld>
             <a:endParaRPr lang="fr-FR"/>
           </a:p>
@@ -1131,7 +1132,7 @@
     </p:spTree>
     <p:extLst>
       <p:ext uri="{BB962C8B-B14F-4D97-AF65-F5344CB8AC3E}">
-        <p14:creationId xmlns:p14="http://schemas.microsoft.com/office/powerpoint/2010/main" xmlns="" val="1420921446"/>
+        <p14:creationId xmlns="" xmlns:p14="http://schemas.microsoft.com/office/powerpoint/2010/main" val="1420921446"/>
       </p:ext>
     </p:extLst>
   </p:cSld>
@@ -1209,7 +1210,7 @@
             <a:fld id="{7E6209E1-ABC8-4D7E-BDD9-246DCBE30A3E}" type="slidenum">
               <a:rPr lang="fr-FR" smtClean="0"/>
               <a:pPr/>
-              <a:t>20</a:t>
+              <a:t>21</a:t>
             </a:fld>
             <a:endParaRPr lang="fr-FR"/>
           </a:p>
@@ -1218,7 +1219,7 @@
     </p:spTree>
     <p:extLst>
       <p:ext uri="{BB962C8B-B14F-4D97-AF65-F5344CB8AC3E}">
-        <p14:creationId xmlns:p14="http://schemas.microsoft.com/office/powerpoint/2010/main" xmlns="" val="2537194441"/>
+        <p14:creationId xmlns="" xmlns:p14="http://schemas.microsoft.com/office/powerpoint/2010/main" val="2537194441"/>
       </p:ext>
     </p:extLst>
   </p:cSld>
@@ -1296,7 +1297,7 @@
             <a:fld id="{7E6209E1-ABC8-4D7E-BDD9-246DCBE30A3E}" type="slidenum">
               <a:rPr lang="fr-FR" smtClean="0"/>
               <a:pPr/>
-              <a:t>21</a:t>
+              <a:t>22</a:t>
             </a:fld>
             <a:endParaRPr lang="fr-FR"/>
           </a:p>
@@ -1305,7 +1306,7 @@
     </p:spTree>
     <p:extLst>
       <p:ext uri="{BB962C8B-B14F-4D97-AF65-F5344CB8AC3E}">
-        <p14:creationId xmlns:p14="http://schemas.microsoft.com/office/powerpoint/2010/main" xmlns="" val="4069220086"/>
+        <p14:creationId xmlns="" xmlns:p14="http://schemas.microsoft.com/office/powerpoint/2010/main" val="4069220086"/>
       </p:ext>
     </p:extLst>
   </p:cSld>
@@ -1383,7 +1384,7 @@
             <a:fld id="{7E6209E1-ABC8-4D7E-BDD9-246DCBE30A3E}" type="slidenum">
               <a:rPr lang="fr-FR" smtClean="0"/>
               <a:pPr/>
-              <a:t>22</a:t>
+              <a:t>23</a:t>
             </a:fld>
             <a:endParaRPr lang="fr-FR"/>
           </a:p>
@@ -1392,7 +1393,7 @@
     </p:spTree>
     <p:extLst>
       <p:ext uri="{BB962C8B-B14F-4D97-AF65-F5344CB8AC3E}">
-        <p14:creationId xmlns:p14="http://schemas.microsoft.com/office/powerpoint/2010/main" xmlns="" val="2188083174"/>
+        <p14:creationId xmlns="" xmlns:p14="http://schemas.microsoft.com/office/powerpoint/2010/main" val="2188083174"/>
       </p:ext>
     </p:extLst>
   </p:cSld>
@@ -1470,7 +1471,7 @@
             <a:fld id="{7E6209E1-ABC8-4D7E-BDD9-246DCBE30A3E}" type="slidenum">
               <a:rPr lang="fr-FR" smtClean="0"/>
               <a:pPr/>
-              <a:t>23</a:t>
+              <a:t>24</a:t>
             </a:fld>
             <a:endParaRPr lang="fr-FR"/>
           </a:p>
@@ -1479,7 +1480,7 @@
     </p:spTree>
     <p:extLst>
       <p:ext uri="{BB962C8B-B14F-4D97-AF65-F5344CB8AC3E}">
-        <p14:creationId xmlns:p14="http://schemas.microsoft.com/office/powerpoint/2010/main" xmlns="" val="1537290242"/>
+        <p14:creationId xmlns="" xmlns:p14="http://schemas.microsoft.com/office/powerpoint/2010/main" val="1537290242"/>
       </p:ext>
     </p:extLst>
   </p:cSld>
@@ -1569,7 +1570,7 @@
             <a:fld id="{7E6209E1-ABC8-4D7E-BDD9-246DCBE30A3E}" type="slidenum">
               <a:rPr lang="fr-FR" smtClean="0"/>
               <a:pPr/>
-              <a:t>6</a:t>
+              <a:t>7</a:t>
             </a:fld>
             <a:endParaRPr lang="fr-FR"/>
           </a:p>
@@ -1578,7 +1579,7 @@
     </p:spTree>
     <p:extLst>
       <p:ext uri="{BB962C8B-B14F-4D97-AF65-F5344CB8AC3E}">
-        <p14:creationId xmlns:p14="http://schemas.microsoft.com/office/powerpoint/2010/main" xmlns="" val="1628508158"/>
+        <p14:creationId xmlns="" xmlns:p14="http://schemas.microsoft.com/office/powerpoint/2010/main" val="1628508158"/>
       </p:ext>
     </p:extLst>
   </p:cSld>
@@ -1656,7 +1657,7 @@
             <a:fld id="{7E6209E1-ABC8-4D7E-BDD9-246DCBE30A3E}" type="slidenum">
               <a:rPr lang="fr-FR" smtClean="0"/>
               <a:pPr/>
-              <a:t>24</a:t>
+              <a:t>25</a:t>
             </a:fld>
             <a:endParaRPr lang="fr-FR"/>
           </a:p>
@@ -1665,7 +1666,7 @@
     </p:spTree>
     <p:extLst>
       <p:ext uri="{BB962C8B-B14F-4D97-AF65-F5344CB8AC3E}">
-        <p14:creationId xmlns:p14="http://schemas.microsoft.com/office/powerpoint/2010/main" xmlns="" val="725683917"/>
+        <p14:creationId xmlns="" xmlns:p14="http://schemas.microsoft.com/office/powerpoint/2010/main" val="725683917"/>
       </p:ext>
     </p:extLst>
   </p:cSld>
@@ -1743,7 +1744,7 @@
             <a:fld id="{7E6209E1-ABC8-4D7E-BDD9-246DCBE30A3E}" type="slidenum">
               <a:rPr lang="fr-FR" smtClean="0"/>
               <a:pPr/>
-              <a:t>7</a:t>
+              <a:t>8</a:t>
             </a:fld>
             <a:endParaRPr lang="fr-FR"/>
           </a:p>
@@ -1752,7 +1753,7 @@
     </p:spTree>
     <p:extLst>
       <p:ext uri="{BB962C8B-B14F-4D97-AF65-F5344CB8AC3E}">
-        <p14:creationId xmlns:p14="http://schemas.microsoft.com/office/powerpoint/2010/main" xmlns="" val="3526639435"/>
+        <p14:creationId xmlns="" xmlns:p14="http://schemas.microsoft.com/office/powerpoint/2010/main" val="3526639435"/>
       </p:ext>
     </p:extLst>
   </p:cSld>
@@ -1830,7 +1831,7 @@
             <a:fld id="{7E6209E1-ABC8-4D7E-BDD9-246DCBE30A3E}" type="slidenum">
               <a:rPr lang="fr-FR" smtClean="0"/>
               <a:pPr/>
-              <a:t>8</a:t>
+              <a:t>9</a:t>
             </a:fld>
             <a:endParaRPr lang="fr-FR"/>
           </a:p>
@@ -1839,7 +1840,7 @@
     </p:spTree>
     <p:extLst>
       <p:ext uri="{BB962C8B-B14F-4D97-AF65-F5344CB8AC3E}">
-        <p14:creationId xmlns:p14="http://schemas.microsoft.com/office/powerpoint/2010/main" xmlns="" val="1321478154"/>
+        <p14:creationId xmlns="" xmlns:p14="http://schemas.microsoft.com/office/powerpoint/2010/main" val="1321478154"/>
       </p:ext>
     </p:extLst>
   </p:cSld>
@@ -1917,7 +1918,7 @@
             <a:fld id="{7E6209E1-ABC8-4D7E-BDD9-246DCBE30A3E}" type="slidenum">
               <a:rPr lang="fr-FR" smtClean="0"/>
               <a:pPr/>
-              <a:t>9</a:t>
+              <a:t>10</a:t>
             </a:fld>
             <a:endParaRPr lang="fr-FR"/>
           </a:p>
@@ -1926,7 +1927,7 @@
     </p:spTree>
     <p:extLst>
       <p:ext uri="{BB962C8B-B14F-4D97-AF65-F5344CB8AC3E}">
-        <p14:creationId xmlns:p14="http://schemas.microsoft.com/office/powerpoint/2010/main" xmlns="" val="2004548286"/>
+        <p14:creationId xmlns="" xmlns:p14="http://schemas.microsoft.com/office/powerpoint/2010/main" val="2004548286"/>
       </p:ext>
     </p:extLst>
   </p:cSld>
@@ -2004,7 +2005,7 @@
             <a:fld id="{7E6209E1-ABC8-4D7E-BDD9-246DCBE30A3E}" type="slidenum">
               <a:rPr lang="fr-FR" smtClean="0"/>
               <a:pPr/>
-              <a:t>10</a:t>
+              <a:t>11</a:t>
             </a:fld>
             <a:endParaRPr lang="fr-FR"/>
           </a:p>
@@ -2013,7 +2014,7 @@
     </p:spTree>
     <p:extLst>
       <p:ext uri="{BB962C8B-B14F-4D97-AF65-F5344CB8AC3E}">
-        <p14:creationId xmlns:p14="http://schemas.microsoft.com/office/powerpoint/2010/main" xmlns="" val="3448461766"/>
+        <p14:creationId xmlns="" xmlns:p14="http://schemas.microsoft.com/office/powerpoint/2010/main" val="3448461766"/>
       </p:ext>
     </p:extLst>
   </p:cSld>
@@ -2091,7 +2092,7 @@
             <a:fld id="{7E6209E1-ABC8-4D7E-BDD9-246DCBE30A3E}" type="slidenum">
               <a:rPr lang="fr-FR" smtClean="0"/>
               <a:pPr/>
-              <a:t>11</a:t>
+              <a:t>12</a:t>
             </a:fld>
             <a:endParaRPr lang="fr-FR"/>
           </a:p>
@@ -2100,7 +2101,7 @@
     </p:spTree>
     <p:extLst>
       <p:ext uri="{BB962C8B-B14F-4D97-AF65-F5344CB8AC3E}">
-        <p14:creationId xmlns:p14="http://schemas.microsoft.com/office/powerpoint/2010/main" xmlns="" val="212553317"/>
+        <p14:creationId xmlns="" xmlns:p14="http://schemas.microsoft.com/office/powerpoint/2010/main" val="212553317"/>
       </p:ext>
     </p:extLst>
   </p:cSld>
@@ -2239,7 +2240,7 @@
             <a:fld id="{7E6209E1-ABC8-4D7E-BDD9-246DCBE30A3E}" type="slidenum">
               <a:rPr lang="fr-FR" smtClean="0"/>
               <a:pPr/>
-              <a:t>12</a:t>
+              <a:t>13</a:t>
             </a:fld>
             <a:endParaRPr lang="fr-FR"/>
           </a:p>
@@ -2248,7 +2249,7 @@
     </p:spTree>
     <p:extLst>
       <p:ext uri="{BB962C8B-B14F-4D97-AF65-F5344CB8AC3E}">
-        <p14:creationId xmlns:p14="http://schemas.microsoft.com/office/powerpoint/2010/main" xmlns="" val="1461847046"/>
+        <p14:creationId xmlns="" xmlns:p14="http://schemas.microsoft.com/office/powerpoint/2010/main" val="1461847046"/>
       </p:ext>
     </p:extLst>
   </p:cSld>
@@ -2387,7 +2388,7 @@
             <a:fld id="{7E6209E1-ABC8-4D7E-BDD9-246DCBE30A3E}" type="slidenum">
               <a:rPr lang="fr-FR" smtClean="0"/>
               <a:pPr/>
-              <a:t>13</a:t>
+              <a:t>14</a:t>
             </a:fld>
             <a:endParaRPr lang="fr-FR"/>
           </a:p>
@@ -2396,7 +2397,7 @@
     </p:spTree>
     <p:extLst>
       <p:ext uri="{BB962C8B-B14F-4D97-AF65-F5344CB8AC3E}">
-        <p14:creationId xmlns:p14="http://schemas.microsoft.com/office/powerpoint/2010/main" xmlns="" val="1520764927"/>
+        <p14:creationId xmlns="" xmlns:p14="http://schemas.microsoft.com/office/powerpoint/2010/main" val="1520764927"/>
       </p:ext>
     </p:extLst>
   </p:cSld>
@@ -6957,7 +6958,7 @@
           <a:blip r:embed="rId2" cstate="print">
             <a:extLst>
               <a:ext uri="{28A0092B-C50C-407E-A947-70E740481C1C}">
-                <a14:useLocalDpi xmlns:a14="http://schemas.microsoft.com/office/drawing/2010/main" xmlns="" val="0"/>
+                <a14:useLocalDpi xmlns="" xmlns:a14="http://schemas.microsoft.com/office/drawing/2010/main" val="0"/>
               </a:ext>
             </a:extLst>
           </a:blip>
@@ -7002,21 +7003,100 @@
       </p:grpSpPr>
       <p:sp>
         <p:nvSpPr>
-          <p:cNvPr id="3" name="Titre 2"/>
+          <p:cNvPr id="2" name="Espace réservé du contenu 1"/>
           <p:cNvSpPr>
             <a:spLocks noGrp="1"/>
           </p:cNvSpPr>
           <p:nvPr>
-            <p:ph type="title"/>
-          </p:nvPr>
-        </p:nvSpPr>
-        <p:spPr/>
+            <p:ph idx="1"/>
+          </p:nvPr>
+        </p:nvSpPr>
+        <p:spPr>
+          <a:xfrm>
+            <a:off x="467544" y="1988840"/>
+            <a:ext cx="8229600" cy="3963896"/>
+          </a:xfrm>
+        </p:spPr>
         <p:txBody>
           <a:bodyPr>
             <a:normAutofit/>
           </a:bodyPr>
           <a:lstStyle/>
           <a:p>
+            <a:pPr>
+              <a:buNone/>
+            </a:pPr>
+            <a:r>
+              <a:rPr lang="fr-FR" sz="2000" dirty="0" err="1" smtClean="0"/>
+              <a:t>Entity</a:t>
+            </a:r>
+            <a:r>
+              <a:rPr lang="fr-FR" sz="2000" dirty="0" smtClean="0"/>
+              <a:t> Framework est un outil permettant de créer une couche d’accès aux données lié à une base de données.</a:t>
+            </a:r>
+          </a:p>
+          <a:p>
+            <a:pPr>
+              <a:buNone/>
+            </a:pPr>
+            <a:r>
+              <a:rPr lang="fr-FR" sz="2000" dirty="0" smtClean="0"/>
+              <a:t>	</a:t>
+            </a:r>
+          </a:p>
+          <a:p>
+            <a:pPr>
+              <a:buNone/>
+            </a:pPr>
+            <a:r>
+              <a:rPr lang="fr-FR" sz="2000" dirty="0" smtClean="0"/>
+              <a:t>Il propose ainsi la création d'un schéma conceptuel composé d'entités qui permettent la manipulation d'une source de données, </a:t>
+            </a:r>
+            <a:r>
+              <a:rPr lang="fr-FR" sz="2000" b="1" dirty="0" smtClean="0"/>
+              <a:t>sans écrire une seule ligne de SQL</a:t>
+            </a:r>
+            <a:r>
+              <a:rPr lang="fr-FR" sz="2000" dirty="0" smtClean="0"/>
+              <a:t>, grâce à </a:t>
+            </a:r>
+            <a:r>
+              <a:rPr lang="fr-FR" sz="2000" dirty="0" err="1" smtClean="0"/>
+              <a:t>LinQ</a:t>
+            </a:r>
+            <a:r>
+              <a:rPr lang="fr-FR" sz="2000" dirty="0" smtClean="0"/>
+              <a:t> To </a:t>
+            </a:r>
+            <a:r>
+              <a:rPr lang="fr-FR" sz="2000" dirty="0" err="1" smtClean="0"/>
+              <a:t>Entities</a:t>
+            </a:r>
+            <a:r>
+              <a:rPr lang="fr-FR" sz="2000" dirty="0" smtClean="0"/>
+              <a:t>.</a:t>
+            </a:r>
+            <a:endParaRPr lang="fr-FR" sz="2000" b="1" dirty="0" smtClean="0"/>
+          </a:p>
+        </p:txBody>
+      </p:sp>
+      <p:sp>
+        <p:nvSpPr>
+          <p:cNvPr id="3" name="Titre 2"/>
+          <p:cNvSpPr>
+            <a:spLocks noGrp="1"/>
+          </p:cNvSpPr>
+          <p:nvPr>
+            <p:ph type="title"/>
+          </p:nvPr>
+        </p:nvSpPr>
+        <p:spPr/>
+        <p:txBody>
+          <a:bodyPr>
+            <a:normAutofit/>
+          </a:bodyPr>
+          <a:lstStyle/>
+          <a:p>
             <a:pPr algn="r"/>
             <a:r>
               <a:rPr lang="fr-FR" sz="1400" dirty="0" smtClean="0"/>
@@ -7035,7 +7115,7 @@
         <p:spPr>
           <a:xfrm>
             <a:off x="467544" y="1268760"/>
-            <a:ext cx="4703532" cy="523220"/>
+            <a:ext cx="3206327" cy="523220"/>
           </a:xfrm>
           <a:prstGeom prst="rect">
             <a:avLst/>
@@ -7062,7 +7142,7 @@
                   <a:srgbClr val="002060"/>
                 </a:solidFill>
               </a:rPr>
-              <a:t> Framework - Model</a:t>
+              <a:t> Framework</a:t>
             </a:r>
             <a:endParaRPr lang="fr-FR" sz="2800" dirty="0">
               <a:solidFill>
@@ -7074,51 +7154,17 @@
       </p:sp>
       <p:pic>
         <p:nvPicPr>
-          <p:cNvPr id="11266" name="Picture 2"/>
-          <p:cNvPicPr>
-            <a:picLocks noGrp="1" noChangeAspect="1" noChangeArrowheads="1"/>
-          </p:cNvPicPr>
-          <p:nvPr>
-            <p:ph idx="1"/>
-          </p:nvPr>
-        </p:nvPicPr>
-        <p:blipFill>
-          <a:blip r:embed="rId3" cstate="print"/>
-          <a:srcRect/>
-          <a:stretch>
-            <a:fillRect/>
-          </a:stretch>
-        </p:blipFill>
-        <p:spPr bwMode="auto">
-          <a:xfrm>
-            <a:off x="683568" y="1844824"/>
-            <a:ext cx="5544616" cy="4796800"/>
-          </a:xfrm>
-          <a:prstGeom prst="rect">
-            <a:avLst/>
-          </a:prstGeom>
-          <a:noFill/>
-          <a:ln w="9525">
-            <a:noFill/>
-            <a:miter lim="800000"/>
-            <a:headEnd/>
-            <a:tailEnd/>
-          </a:ln>
-        </p:spPr>
-      </p:pic>
-      <p:pic>
-        <p:nvPicPr>
-          <p:cNvPr id="5" name="Image 4"/>
+          <p:cNvPr id="6" name="Image 5"/>
           <p:cNvPicPr>
             <a:picLocks noChangeAspect="1"/>
           </p:cNvPicPr>
           <p:nvPr/>
         </p:nvPicPr>
         <p:blipFill>
-          <a:blip r:embed="rId4" cstate="print">
+          <a:blip r:embed="rId3" cstate="print">
             <a:extLst>
               <a:ext uri="{28A0092B-C50C-407E-A947-70E740481C1C}">
-                <a14:useLocalDpi xmlns:a14="http://schemas.microsoft.com/office/drawing/2010/main" xmlns="" val="0"/>
+                <a14:useLocalDpi xmlns="" xmlns:a14="http://schemas.microsoft.com/office/drawing/2010/main" val="0"/>
               </a:ext>
             </a:extLst>
           </a:blip>
@@ -7161,6 +7207,167 @@
           <a:chExt cx="0" cy="0"/>
         </a:xfrm>
       </p:grpSpPr>
+      <p:sp>
+        <p:nvSpPr>
+          <p:cNvPr id="3" name="Titre 2"/>
+          <p:cNvSpPr>
+            <a:spLocks noGrp="1"/>
+          </p:cNvSpPr>
+          <p:nvPr>
+            <p:ph type="title"/>
+          </p:nvPr>
+        </p:nvSpPr>
+        <p:spPr/>
+        <p:txBody>
+          <a:bodyPr>
+            <a:normAutofit/>
+          </a:bodyPr>
+          <a:lstStyle/>
+          <a:p>
+            <a:pPr algn="r"/>
+            <a:r>
+              <a:rPr lang="fr-FR" sz="1400" dirty="0" smtClean="0"/>
+              <a:t>Technologies utilisés</a:t>
+            </a:r>
+            <a:endParaRPr lang="fr-FR" sz="1400" dirty="0"/>
+          </a:p>
+        </p:txBody>
+      </p:sp>
+      <p:sp>
+        <p:nvSpPr>
+          <p:cNvPr id="10" name="Rectangle 9"/>
+          <p:cNvSpPr/>
+          <p:nvPr/>
+        </p:nvSpPr>
+        <p:spPr>
+          <a:xfrm>
+            <a:off x="467544" y="1268760"/>
+            <a:ext cx="4703532" cy="523220"/>
+          </a:xfrm>
+          <a:prstGeom prst="rect">
+            <a:avLst/>
+          </a:prstGeom>
+        </p:spPr>
+        <p:txBody>
+          <a:bodyPr wrap="none">
+            <a:spAutoFit/>
+          </a:bodyPr>
+          <a:lstStyle/>
+          <a:p>
+            <a:pPr lvl="0"/>
+            <a:r>
+              <a:rPr lang="fr-FR" sz="2800" dirty="0" err="1" smtClean="0">
+                <a:solidFill>
+                  <a:srgbClr val="002060"/>
+                </a:solidFill>
+              </a:rPr>
+              <a:t>Entity</a:t>
+            </a:r>
+            <a:r>
+              <a:rPr lang="fr-FR" sz="2800" dirty="0" smtClean="0">
+                <a:solidFill>
+                  <a:srgbClr val="002060"/>
+                </a:solidFill>
+              </a:rPr>
+              <a:t> Framework - Model</a:t>
+            </a:r>
+            <a:endParaRPr lang="fr-FR" sz="2800" dirty="0">
+              <a:solidFill>
+                <a:srgbClr val="002060"/>
+              </a:solidFill>
+            </a:endParaRPr>
+          </a:p>
+        </p:txBody>
+      </p:sp>
+      <p:pic>
+        <p:nvPicPr>
+          <p:cNvPr id="11266" name="Picture 2"/>
+          <p:cNvPicPr>
+            <a:picLocks noGrp="1" noChangeAspect="1" noChangeArrowheads="1"/>
+          </p:cNvPicPr>
+          <p:nvPr>
+            <p:ph idx="1"/>
+          </p:nvPr>
+        </p:nvPicPr>
+        <p:blipFill>
+          <a:blip r:embed="rId3" cstate="print"/>
+          <a:srcRect/>
+          <a:stretch>
+            <a:fillRect/>
+          </a:stretch>
+        </p:blipFill>
+        <p:spPr bwMode="auto">
+          <a:xfrm>
+            <a:off x="683568" y="1844824"/>
+            <a:ext cx="5544616" cy="4796800"/>
+          </a:xfrm>
+          <a:prstGeom prst="rect">
+            <a:avLst/>
+          </a:prstGeom>
+          <a:noFill/>
+          <a:ln w="9525">
+            <a:noFill/>
+            <a:miter lim="800000"/>
+            <a:headEnd/>
+            <a:tailEnd/>
+          </a:ln>
+        </p:spPr>
+      </p:pic>
+      <p:pic>
+        <p:nvPicPr>
+          <p:cNvPr id="5" name="Image 4"/>
+          <p:cNvPicPr>
+            <a:picLocks noChangeAspect="1"/>
+          </p:cNvPicPr>
+          <p:nvPr/>
+        </p:nvPicPr>
+        <p:blipFill>
+          <a:blip r:embed="rId4" cstate="print">
+            <a:extLst>
+              <a:ext uri="{28A0092B-C50C-407E-A947-70E740481C1C}">
+                <a14:useLocalDpi xmlns="" xmlns:a14="http://schemas.microsoft.com/office/drawing/2010/main" val="0"/>
+              </a:ext>
+            </a:extLst>
+          </a:blip>
+          <a:stretch>
+            <a:fillRect/>
+          </a:stretch>
+        </p:blipFill>
+        <p:spPr>
+          <a:xfrm>
+            <a:off x="7956376" y="6070981"/>
+            <a:ext cx="943868" cy="608947"/>
+          </a:xfrm>
+          <a:prstGeom prst="rect">
+            <a:avLst/>
+          </a:prstGeom>
+        </p:spPr>
+      </p:pic>
+    </p:spTree>
+  </p:cSld>
+  <p:clrMapOvr>
+    <a:masterClrMapping/>
+  </p:clrMapOvr>
+</p:sld>
+</file>
+
+<file path=ppt/slides/slide12.xml><?xml version="1.0" encoding="utf-8"?>
+<p:sld xmlns:a="http://schemas.openxmlformats.org/drawingml/2006/main" xmlns:r="http://schemas.openxmlformats.org/officeDocument/2006/relationships" xmlns:p="http://schemas.openxmlformats.org/presentationml/2006/main">
+  <p:cSld>
+    <p:spTree>
+      <p:nvGrpSpPr>
+        <p:cNvPr id="1" name=""/>
+        <p:cNvGrpSpPr/>
+        <p:nvPr/>
+      </p:nvGrpSpPr>
+      <p:grpSpPr>
+        <a:xfrm>
+          <a:off x="0" y="0"/>
+          <a:ext cx="0" cy="0"/>
+          <a:chOff x="0" y="0"/>
+          <a:chExt cx="0" cy="0"/>
+        </a:xfrm>
+      </p:grpSpPr>
       <p:pic>
         <p:nvPicPr>
           <p:cNvPr id="5" name="Image 4"/>
@@ -7173,7 +7380,7 @@
           <a:blip r:embed="rId3" cstate="print">
             <a:extLst>
               <a:ext uri="{28A0092B-C50C-407E-A947-70E740481C1C}">
-                <a14:useLocalDpi xmlns:a14="http://schemas.microsoft.com/office/drawing/2010/main" xmlns="" val="0"/>
+                <a14:useLocalDpi xmlns="" xmlns:a14="http://schemas.microsoft.com/office/drawing/2010/main" val="0"/>
               </a:ext>
             </a:extLst>
           </a:blip>
@@ -7303,7 +7510,7 @@
 </p:sld>
 </file>
 
-<file path=ppt/slides/slide12.xml><?xml version="1.0" encoding="utf-8"?>
+<file path=ppt/slides/slide13.xml><?xml version="1.0" encoding="utf-8"?>
 <p:sld xmlns:a="http://schemas.openxmlformats.org/drawingml/2006/main" xmlns:r="http://schemas.openxmlformats.org/officeDocument/2006/relationships" xmlns:p="http://schemas.openxmlformats.org/presentationml/2006/main">
   <p:cSld>
     <p:spTree>
@@ -7744,7 +7951,7 @@
           <a:blip r:embed="rId8" cstate="print">
             <a:extLst>
               <a:ext uri="{28A0092B-C50C-407E-A947-70E740481C1C}">
-                <a14:useLocalDpi xmlns:a14="http://schemas.microsoft.com/office/drawing/2010/main" xmlns="" val="0"/>
+                <a14:useLocalDpi xmlns="" xmlns:a14="http://schemas.microsoft.com/office/drawing/2010/main" val="0"/>
               </a:ext>
             </a:extLst>
           </a:blip>
@@ -7770,7 +7977,7 @@
 </p:sld>
 </file>
 
-<file path=ppt/slides/slide13.xml><?xml version="1.0" encoding="utf-8"?>
+<file path=ppt/slides/slide14.xml><?xml version="1.0" encoding="utf-8"?>
 <p:sld xmlns:a="http://schemas.openxmlformats.org/drawingml/2006/main" xmlns:r="http://schemas.openxmlformats.org/officeDocument/2006/relationships" xmlns:p="http://schemas.openxmlformats.org/presentationml/2006/main">
   <p:cSld>
     <p:spTree>
@@ -8279,7 +8486,7 @@
           <a:blip r:embed="rId13" cstate="print">
             <a:extLst>
               <a:ext uri="{28A0092B-C50C-407E-A947-70E740481C1C}">
-                <a14:useLocalDpi xmlns:a14="http://schemas.microsoft.com/office/drawing/2010/main" xmlns="" val="0"/>
+                <a14:useLocalDpi xmlns="" xmlns:a14="http://schemas.microsoft.com/office/drawing/2010/main" val="0"/>
               </a:ext>
             </a:extLst>
           </a:blip>
@@ -8305,7 +8512,7 @@
 </p:sld>
 </file>
 
-<file path=ppt/slides/slide14.xml><?xml version="1.0" encoding="utf-8"?>
+<file path=ppt/slides/slide15.xml><?xml version="1.0" encoding="utf-8"?>
 <p:sld xmlns:a="http://schemas.openxmlformats.org/drawingml/2006/main" xmlns:r="http://schemas.openxmlformats.org/officeDocument/2006/relationships" xmlns:p="http://schemas.openxmlformats.org/presentationml/2006/main">
   <p:cSld>
     <p:spTree>
@@ -8463,7 +8670,7 @@
           <a:blip r:embed="rId4" cstate="print">
             <a:extLst>
               <a:ext uri="{28A0092B-C50C-407E-A947-70E740481C1C}">
-                <a14:useLocalDpi xmlns:a14="http://schemas.microsoft.com/office/drawing/2010/main" xmlns="" val="0"/>
+                <a14:useLocalDpi xmlns="" xmlns:a14="http://schemas.microsoft.com/office/drawing/2010/main" val="0"/>
               </a:ext>
             </a:extLst>
           </a:blip>
@@ -8489,7 +8696,7 @@
 </p:sld>
 </file>
 
-<file path=ppt/slides/slide15.xml><?xml version="1.0" encoding="utf-8"?>
+<file path=ppt/slides/slide16.xml><?xml version="1.0" encoding="utf-8"?>
 <p:sld xmlns:a="http://schemas.openxmlformats.org/drawingml/2006/main" xmlns:r="http://schemas.openxmlformats.org/officeDocument/2006/relationships" xmlns:p="http://schemas.openxmlformats.org/presentationml/2006/main">
   <p:cSld>
     <p:spTree>
@@ -8647,7 +8854,7 @@
           <a:blip r:embed="rId4" cstate="print">
             <a:extLst>
               <a:ext uri="{28A0092B-C50C-407E-A947-70E740481C1C}">
-                <a14:useLocalDpi xmlns:a14="http://schemas.microsoft.com/office/drawing/2010/main" xmlns="" val="0"/>
+                <a14:useLocalDpi xmlns="" xmlns:a14="http://schemas.microsoft.com/office/drawing/2010/main" val="0"/>
               </a:ext>
             </a:extLst>
           </a:blip>
@@ -8673,7 +8880,7 @@
 </p:sld>
 </file>
 
-<file path=ppt/slides/slide16.xml><?xml version="1.0" encoding="utf-8"?>
+<file path=ppt/slides/slide17.xml><?xml version="1.0" encoding="utf-8"?>
 <p:sld xmlns:a="http://schemas.openxmlformats.org/drawingml/2006/main" xmlns:r="http://schemas.openxmlformats.org/officeDocument/2006/relationships" xmlns:p="http://schemas.openxmlformats.org/presentationml/2006/main">
   <p:cSld>
     <p:spTree>
@@ -8863,7 +9070,7 @@
           <a:blip r:embed="rId5" cstate="print">
             <a:extLst>
               <a:ext uri="{28A0092B-C50C-407E-A947-70E740481C1C}">
-                <a14:useLocalDpi xmlns:a14="http://schemas.microsoft.com/office/drawing/2010/main" xmlns="" val="0"/>
+                <a14:useLocalDpi xmlns="" xmlns:a14="http://schemas.microsoft.com/office/drawing/2010/main" val="0"/>
               </a:ext>
             </a:extLst>
           </a:blip>
@@ -8889,7 +9096,7 @@
 </p:sld>
 </file>
 
-<file path=ppt/slides/slide17.xml><?xml version="1.0" encoding="utf-8"?>
+<file path=ppt/slides/slide18.xml><?xml version="1.0" encoding="utf-8"?>
 <p:sld xmlns:a="http://schemas.openxmlformats.org/drawingml/2006/main" xmlns:r="http://schemas.openxmlformats.org/officeDocument/2006/relationships" xmlns:p="http://schemas.openxmlformats.org/presentationml/2006/main">
   <p:cSld>
     <p:spTree>
@@ -9079,7 +9286,7 @@
           <a:blip r:embed="rId5" cstate="print">
             <a:extLst>
               <a:ext uri="{28A0092B-C50C-407E-A947-70E740481C1C}">
-                <a14:useLocalDpi xmlns:a14="http://schemas.microsoft.com/office/drawing/2010/main" xmlns="" val="0"/>
+                <a14:useLocalDpi xmlns="" xmlns:a14="http://schemas.microsoft.com/office/drawing/2010/main" val="0"/>
               </a:ext>
             </a:extLst>
           </a:blip>
@@ -9105,7 +9312,7 @@
 </p:sld>
 </file>
 
-<file path=ppt/slides/slide18.xml><?xml version="1.0" encoding="utf-8"?>
+<file path=ppt/slides/slide19.xml><?xml version="1.0" encoding="utf-8"?>
 <p:sld xmlns:a="http://schemas.openxmlformats.org/drawingml/2006/main" xmlns:r="http://schemas.openxmlformats.org/officeDocument/2006/relationships" xmlns:p="http://schemas.openxmlformats.org/presentationml/2006/main">
   <p:cSld>
     <p:spTree>
@@ -9295,7 +9502,7 @@
           <a:blip r:embed="rId5" cstate="print">
             <a:extLst>
               <a:ext uri="{28A0092B-C50C-407E-A947-70E740481C1C}">
-                <a14:useLocalDpi xmlns:a14="http://schemas.microsoft.com/office/drawing/2010/main" xmlns="" val="0"/>
+                <a14:useLocalDpi xmlns="" xmlns:a14="http://schemas.microsoft.com/office/drawing/2010/main" val="0"/>
               </a:ext>
             </a:extLst>
           </a:blip>
@@ -9321,7 +9528,138 @@
 </p:sld>
 </file>
 
-<file path=ppt/slides/slide19.xml><?xml version="1.0" encoding="utf-8"?>
+<file path=ppt/slides/slide2.xml><?xml version="1.0" encoding="utf-8"?>
+<p:sld xmlns:a="http://schemas.openxmlformats.org/drawingml/2006/main" xmlns:r="http://schemas.openxmlformats.org/officeDocument/2006/relationships" xmlns:p="http://schemas.openxmlformats.org/presentationml/2006/main">
+  <p:cSld>
+    <p:spTree>
+      <p:nvGrpSpPr>
+        <p:cNvPr id="1" name=""/>
+        <p:cNvGrpSpPr/>
+        <p:nvPr/>
+      </p:nvGrpSpPr>
+      <p:grpSpPr>
+        <a:xfrm>
+          <a:off x="0" y="0"/>
+          <a:ext cx="0" cy="0"/>
+          <a:chOff x="0" y="0"/>
+          <a:chExt cx="0" cy="0"/>
+        </a:xfrm>
+      </p:grpSpPr>
+      <p:sp>
+        <p:nvSpPr>
+          <p:cNvPr id="2" name="Espace réservé du contenu 1"/>
+          <p:cNvSpPr>
+            <a:spLocks noGrp="1"/>
+          </p:cNvSpPr>
+          <p:nvPr>
+            <p:ph idx="1"/>
+          </p:nvPr>
+        </p:nvSpPr>
+        <p:spPr/>
+        <p:txBody>
+          <a:bodyPr/>
+          <a:lstStyle/>
+          <a:p>
+            <a:r>
+              <a:rPr lang="fr-FR" dirty="0" smtClean="0"/>
+              <a:t>Présentation du projet</a:t>
+            </a:r>
+          </a:p>
+          <a:p>
+            <a:r>
+              <a:rPr lang="fr-FR" dirty="0" smtClean="0"/>
+              <a:t>Technologies utilisées</a:t>
+            </a:r>
+          </a:p>
+          <a:p>
+            <a:r>
+              <a:rPr lang="fr-FR" dirty="0" smtClean="0"/>
+              <a:t>Présentation de l’application</a:t>
+            </a:r>
+          </a:p>
+          <a:p>
+            <a:r>
+              <a:rPr lang="fr-FR" dirty="0" smtClean="0"/>
+              <a:t>Démo</a:t>
+            </a:r>
+          </a:p>
+          <a:p>
+            <a:r>
+              <a:rPr lang="fr-FR" dirty="0" smtClean="0"/>
+              <a:t>Conclusion</a:t>
+            </a:r>
+          </a:p>
+          <a:p>
+            <a:r>
+              <a:rPr lang="fr-FR" dirty="0" smtClean="0"/>
+              <a:t>Question ?</a:t>
+            </a:r>
+            <a:endParaRPr lang="fr-FR" dirty="0"/>
+          </a:p>
+        </p:txBody>
+      </p:sp>
+      <p:sp>
+        <p:nvSpPr>
+          <p:cNvPr id="3" name="Titre 2"/>
+          <p:cNvSpPr>
+            <a:spLocks noGrp="1"/>
+          </p:cNvSpPr>
+          <p:nvPr>
+            <p:ph type="title"/>
+          </p:nvPr>
+        </p:nvSpPr>
+        <p:spPr/>
+        <p:txBody>
+          <a:bodyPr/>
+          <a:lstStyle/>
+          <a:p>
+            <a:r>
+              <a:rPr lang="fr-FR" dirty="0" smtClean="0"/>
+              <a:t>Sommaire</a:t>
+            </a:r>
+            <a:endParaRPr lang="fr-FR" dirty="0"/>
+          </a:p>
+        </p:txBody>
+      </p:sp>
+      <p:pic>
+        <p:nvPicPr>
+          <p:cNvPr id="4" name="Image 3"/>
+          <p:cNvPicPr>
+            <a:picLocks noChangeAspect="1"/>
+          </p:cNvPicPr>
+          <p:nvPr/>
+        </p:nvPicPr>
+        <p:blipFill>
+          <a:blip r:embed="rId3" cstate="print">
+            <a:extLst>
+              <a:ext uri="{28A0092B-C50C-407E-A947-70E740481C1C}">
+                <a14:useLocalDpi xmlns="" xmlns:a14="http://schemas.microsoft.com/office/drawing/2010/main" val="0"/>
+              </a:ext>
+            </a:extLst>
+          </a:blip>
+          <a:stretch>
+            <a:fillRect/>
+          </a:stretch>
+        </p:blipFill>
+        <p:spPr>
+          <a:xfrm>
+            <a:off x="7956376" y="6070981"/>
+            <a:ext cx="943868" cy="608947"/>
+          </a:xfrm>
+          <a:prstGeom prst="rect">
+            <a:avLst/>
+          </a:prstGeom>
+        </p:spPr>
+      </p:pic>
+    </p:spTree>
+  </p:cSld>
+  <p:clrMapOvr>
+    <a:masterClrMapping/>
+  </p:clrMapOvr>
+</p:sld>
+</file>
+
+<file path=ppt/slides/slide20.xml><?xml version="1.0" encoding="utf-8"?>
 <p:sld xmlns:a="http://schemas.openxmlformats.org/drawingml/2006/main" xmlns:r="http://schemas.openxmlformats.org/officeDocument/2006/relationships" xmlns:p="http://schemas.openxmlformats.org/presentationml/2006/main">
   <p:cSld>
     <p:spTree>
@@ -9511,7 +9849,7 @@
           <a:blip r:embed="rId5" cstate="print">
             <a:extLst>
               <a:ext uri="{28A0092B-C50C-407E-A947-70E740481C1C}">
-                <a14:useLocalDpi xmlns:a14="http://schemas.microsoft.com/office/drawing/2010/main" xmlns="" val="0"/>
+                <a14:useLocalDpi xmlns="" xmlns:a14="http://schemas.microsoft.com/office/drawing/2010/main" val="0"/>
               </a:ext>
             </a:extLst>
           </a:blip>
@@ -9537,138 +9875,7 @@
 </p:sld>
 </file>
 
-<file path=ppt/slides/slide2.xml><?xml version="1.0" encoding="utf-8"?>
-<p:sld xmlns:a="http://schemas.openxmlformats.org/drawingml/2006/main" xmlns:r="http://schemas.openxmlformats.org/officeDocument/2006/relationships" xmlns:p="http://schemas.openxmlformats.org/presentationml/2006/main">
-  <p:cSld>
-    <p:spTree>
-      <p:nvGrpSpPr>
-        <p:cNvPr id="1" name=""/>
-        <p:cNvGrpSpPr/>
-        <p:nvPr/>
-      </p:nvGrpSpPr>
-      <p:grpSpPr>
-        <a:xfrm>
-          <a:off x="0" y="0"/>
-          <a:ext cx="0" cy="0"/>
-          <a:chOff x="0" y="0"/>
-          <a:chExt cx="0" cy="0"/>
-        </a:xfrm>
-      </p:grpSpPr>
-      <p:sp>
-        <p:nvSpPr>
-          <p:cNvPr id="2" name="Espace réservé du contenu 1"/>
-          <p:cNvSpPr>
-            <a:spLocks noGrp="1"/>
-          </p:cNvSpPr>
-          <p:nvPr>
-            <p:ph idx="1"/>
-          </p:nvPr>
-        </p:nvSpPr>
-        <p:spPr/>
-        <p:txBody>
-          <a:bodyPr/>
-          <a:lstStyle/>
-          <a:p>
-            <a:r>
-              <a:rPr lang="fr-FR" dirty="0" smtClean="0"/>
-              <a:t>Présentation du projet</a:t>
-            </a:r>
-          </a:p>
-          <a:p>
-            <a:r>
-              <a:rPr lang="fr-FR" dirty="0" smtClean="0"/>
-              <a:t>Technologies utilisées</a:t>
-            </a:r>
-          </a:p>
-          <a:p>
-            <a:r>
-              <a:rPr lang="fr-FR" dirty="0" smtClean="0"/>
-              <a:t>Présentation de l’application</a:t>
-            </a:r>
-          </a:p>
-          <a:p>
-            <a:r>
-              <a:rPr lang="fr-FR" dirty="0" smtClean="0"/>
-              <a:t>Démo</a:t>
-            </a:r>
-          </a:p>
-          <a:p>
-            <a:r>
-              <a:rPr lang="fr-FR" dirty="0" smtClean="0"/>
-              <a:t>Conclusion</a:t>
-            </a:r>
-          </a:p>
-          <a:p>
-            <a:r>
-              <a:rPr lang="fr-FR" dirty="0" smtClean="0"/>
-              <a:t>Question ?</a:t>
-            </a:r>
-            <a:endParaRPr lang="fr-FR" dirty="0"/>
-          </a:p>
-        </p:txBody>
-      </p:sp>
-      <p:sp>
-        <p:nvSpPr>
-          <p:cNvPr id="3" name="Titre 2"/>
-          <p:cNvSpPr>
-            <a:spLocks noGrp="1"/>
-          </p:cNvSpPr>
-          <p:nvPr>
-            <p:ph type="title"/>
-          </p:nvPr>
-        </p:nvSpPr>
-        <p:spPr/>
-        <p:txBody>
-          <a:bodyPr/>
-          <a:lstStyle/>
-          <a:p>
-            <a:r>
-              <a:rPr lang="fr-FR" dirty="0" smtClean="0"/>
-              <a:t>Sommaire</a:t>
-            </a:r>
-            <a:endParaRPr lang="fr-FR" dirty="0"/>
-          </a:p>
-        </p:txBody>
-      </p:sp>
-      <p:pic>
-        <p:nvPicPr>
-          <p:cNvPr id="4" name="Image 3"/>
-          <p:cNvPicPr>
-            <a:picLocks noChangeAspect="1"/>
-          </p:cNvPicPr>
-          <p:nvPr/>
-        </p:nvPicPr>
-        <p:blipFill>
-          <a:blip r:embed="rId3" cstate="print">
-            <a:extLst>
-              <a:ext uri="{28A0092B-C50C-407E-A947-70E740481C1C}">
-                <a14:useLocalDpi xmlns:a14="http://schemas.microsoft.com/office/drawing/2010/main" xmlns="" val="0"/>
-              </a:ext>
-            </a:extLst>
-          </a:blip>
-          <a:stretch>
-            <a:fillRect/>
-          </a:stretch>
-        </p:blipFill>
-        <p:spPr>
-          <a:xfrm>
-            <a:off x="7956376" y="6070981"/>
-            <a:ext cx="943868" cy="608947"/>
-          </a:xfrm>
-          <a:prstGeom prst="rect">
-            <a:avLst/>
-          </a:prstGeom>
-        </p:spPr>
-      </p:pic>
-    </p:spTree>
-  </p:cSld>
-  <p:clrMapOvr>
-    <a:masterClrMapping/>
-  </p:clrMapOvr>
-</p:sld>
-</file>
-
-<file path=ppt/slides/slide20.xml><?xml version="1.0" encoding="utf-8"?>
+<file path=ppt/slides/slide21.xml><?xml version="1.0" encoding="utf-8"?>
 <p:sld xmlns:a="http://schemas.openxmlformats.org/drawingml/2006/main" xmlns:r="http://schemas.openxmlformats.org/officeDocument/2006/relationships" xmlns:p="http://schemas.openxmlformats.org/presentationml/2006/main">
   <p:cSld>
     <p:spTree>
@@ -9858,7 +10065,7 @@
           <a:blip r:embed="rId5" cstate="print">
             <a:extLst>
               <a:ext uri="{28A0092B-C50C-407E-A947-70E740481C1C}">
-                <a14:useLocalDpi xmlns:a14="http://schemas.microsoft.com/office/drawing/2010/main" xmlns="" val="0"/>
+                <a14:useLocalDpi xmlns="" xmlns:a14="http://schemas.microsoft.com/office/drawing/2010/main" val="0"/>
               </a:ext>
             </a:extLst>
           </a:blip>
@@ -9884,7 +10091,7 @@
 </p:sld>
 </file>
 
-<file path=ppt/slides/slide21.xml><?xml version="1.0" encoding="utf-8"?>
+<file path=ppt/slides/slide22.xml><?xml version="1.0" encoding="utf-8"?>
 <p:sld xmlns:a="http://schemas.openxmlformats.org/drawingml/2006/main" xmlns:r="http://schemas.openxmlformats.org/officeDocument/2006/relationships" xmlns:p="http://schemas.openxmlformats.org/presentationml/2006/main">
   <p:cSld>
     <p:spTree>
@@ -10074,120 +10281,7 @@
           <a:blip r:embed="rId5" cstate="print">
             <a:extLst>
               <a:ext uri="{28A0092B-C50C-407E-A947-70E740481C1C}">
-                <a14:useLocalDpi xmlns:a14="http://schemas.microsoft.com/office/drawing/2010/main" xmlns="" val="0"/>
-              </a:ext>
-            </a:extLst>
-          </a:blip>
-          <a:stretch>
-            <a:fillRect/>
-          </a:stretch>
-        </p:blipFill>
-        <p:spPr>
-          <a:xfrm>
-            <a:off x="7956376" y="6070981"/>
-            <a:ext cx="943868" cy="608947"/>
-          </a:xfrm>
-          <a:prstGeom prst="rect">
-            <a:avLst/>
-          </a:prstGeom>
-        </p:spPr>
-      </p:pic>
-    </p:spTree>
-  </p:cSld>
-  <p:clrMapOvr>
-    <a:masterClrMapping/>
-  </p:clrMapOvr>
-</p:sld>
-</file>
-
-<file path=ppt/slides/slide22.xml><?xml version="1.0" encoding="utf-8"?>
-<p:sld xmlns:a="http://schemas.openxmlformats.org/drawingml/2006/main" xmlns:r="http://schemas.openxmlformats.org/officeDocument/2006/relationships" xmlns:p="http://schemas.openxmlformats.org/presentationml/2006/main">
-  <p:cSld>
-    <p:spTree>
-      <p:nvGrpSpPr>
-        <p:cNvPr id="1" name=""/>
-        <p:cNvGrpSpPr/>
-        <p:nvPr/>
-      </p:nvGrpSpPr>
-      <p:grpSpPr>
-        <a:xfrm>
-          <a:off x="0" y="0"/>
-          <a:ext cx="0" cy="0"/>
-          <a:chOff x="0" y="0"/>
-          <a:chExt cx="0" cy="0"/>
-        </a:xfrm>
-      </p:grpSpPr>
-      <p:sp>
-        <p:nvSpPr>
-          <p:cNvPr id="2" name="Espace réservé du contenu 1"/>
-          <p:cNvSpPr>
-            <a:spLocks noGrp="1"/>
-          </p:cNvSpPr>
-          <p:nvPr>
-            <p:ph idx="1"/>
-          </p:nvPr>
-        </p:nvSpPr>
-        <p:spPr>
-          <a:xfrm>
-            <a:off x="467544" y="1988840"/>
-            <a:ext cx="8229600" cy="3963896"/>
-          </a:xfrm>
-        </p:spPr>
-        <p:txBody>
-          <a:bodyPr>
-            <a:normAutofit/>
-          </a:bodyPr>
-          <a:lstStyle/>
-          <a:p>
-            <a:pPr>
-              <a:buNone/>
-            </a:pPr>
-            <a:r>
-              <a:rPr lang="fr-FR" sz="8000" b="1" dirty="0" smtClean="0"/>
-              <a:t>Démonstration</a:t>
-            </a:r>
-          </a:p>
-        </p:txBody>
-      </p:sp>
-      <p:sp>
-        <p:nvSpPr>
-          <p:cNvPr id="3" name="Titre 2"/>
-          <p:cNvSpPr>
-            <a:spLocks noGrp="1"/>
-          </p:cNvSpPr>
-          <p:nvPr>
-            <p:ph type="title"/>
-          </p:nvPr>
-        </p:nvSpPr>
-        <p:spPr/>
-        <p:txBody>
-          <a:bodyPr>
-            <a:normAutofit/>
-          </a:bodyPr>
-          <a:lstStyle/>
-          <a:p>
-            <a:pPr algn="r"/>
-            <a:r>
-              <a:rPr lang="fr-FR" sz="1400" dirty="0" smtClean="0"/>
-              <a:t>Démo</a:t>
-            </a:r>
-            <a:endParaRPr lang="fr-FR" sz="1400" dirty="0"/>
-          </a:p>
-        </p:txBody>
-      </p:sp>
-      <p:pic>
-        <p:nvPicPr>
-          <p:cNvPr id="4" name="Image 3"/>
-          <p:cNvPicPr>
-            <a:picLocks noChangeAspect="1"/>
-          </p:cNvPicPr>
-          <p:nvPr/>
-        </p:nvPicPr>
-        <p:blipFill>
-          <a:blip r:embed="rId3" cstate="print">
-            <a:extLst>
-              <a:ext uri="{28A0092B-C50C-407E-A947-70E740481C1C}">
-                <a14:useLocalDpi xmlns:a14="http://schemas.microsoft.com/office/drawing/2010/main" xmlns="" val="0"/>
+                <a14:useLocalDpi xmlns="" xmlns:a14="http://schemas.microsoft.com/office/drawing/2010/main" val="0"/>
               </a:ext>
             </a:extLst>
           </a:blip>
@@ -10256,34 +10350,9 @@
               <a:buNone/>
             </a:pPr>
             <a:r>
-              <a:rPr lang="fr-FR" sz="2000" b="1" dirty="0" smtClean="0"/>
-              <a:t>Ce projet a été mené à bien. </a:t>
-            </a:r>
-            <a:r>
-              <a:rPr lang="fr-FR" sz="2000" dirty="0" smtClean="0"/>
-              <a:t>La bonne coordination entre les membres de l’ équipe et les moyens mis en œuvres ont permis de remplir les objectifs que nous nous étions fixés.</a:t>
-            </a:r>
-          </a:p>
-          <a:p>
-            <a:pPr>
-              <a:buNone/>
-            </a:pPr>
-            <a:endParaRPr lang="fr-FR" sz="2000" dirty="0" smtClean="0"/>
-          </a:p>
-          <a:p>
-            <a:pPr>
-              <a:buNone/>
-            </a:pPr>
-            <a:r>
-              <a:rPr lang="fr-FR" sz="2000" dirty="0" smtClean="0"/>
-              <a:t>Toutefois, l’application aurait pu avoir des fonctionnalités supplémentaire, notamment sur la personnalisation du design par le médecin (changement de couleur, fond personnalisé, ajout d’une signature pour le doc PDF, …) ainsi que des interfaces graphiques un peu plus poussé.</a:t>
-            </a:r>
-          </a:p>
-          <a:p>
-            <a:pPr>
-              <a:buNone/>
-            </a:pPr>
-            <a:endParaRPr lang="fr-FR" sz="2000" b="1" dirty="0" smtClean="0"/>
+              <a:rPr lang="fr-FR" sz="8000" b="1" dirty="0" smtClean="0"/>
+              <a:t>Démonstration</a:t>
+            </a:r>
           </a:p>
         </p:txBody>
       </p:sp>
@@ -10307,53 +10376,15 @@
             <a:pPr algn="r"/>
             <a:r>
               <a:rPr lang="fr-FR" sz="1400" dirty="0" smtClean="0"/>
-              <a:t>Conclusion</a:t>
+              <a:t>Démo</a:t>
             </a:r>
             <a:endParaRPr lang="fr-FR" sz="1400" dirty="0"/>
-          </a:p>
-        </p:txBody>
-      </p:sp>
-      <p:sp>
-        <p:nvSpPr>
-          <p:cNvPr id="10" name="Rectangle 9"/>
-          <p:cNvSpPr/>
-          <p:nvPr/>
-        </p:nvSpPr>
-        <p:spPr>
-          <a:xfrm>
-            <a:off x="467544" y="1268760"/>
-            <a:ext cx="2119491" cy="523220"/>
-          </a:xfrm>
-          <a:prstGeom prst="rect">
-            <a:avLst/>
-          </a:prstGeom>
-        </p:spPr>
-        <p:txBody>
-          <a:bodyPr wrap="none">
-            <a:spAutoFit/>
-          </a:bodyPr>
-          <a:lstStyle/>
-          <a:p>
-            <a:pPr lvl="0"/>
-            <a:r>
-              <a:rPr lang="fr-FR" sz="2800" dirty="0" smtClean="0">
-                <a:solidFill>
-                  <a:srgbClr val="002060"/>
-                </a:solidFill>
-              </a:rPr>
-              <a:t>Conclusion</a:t>
-            </a:r>
-            <a:endParaRPr lang="fr-FR" sz="2800" dirty="0">
-              <a:solidFill>
-                <a:srgbClr val="002060"/>
-              </a:solidFill>
-            </a:endParaRPr>
           </a:p>
         </p:txBody>
       </p:sp>
       <p:pic>
         <p:nvPicPr>
-          <p:cNvPr id="5" name="Image 4"/>
+          <p:cNvPr id="4" name="Image 3"/>
           <p:cNvPicPr>
             <a:picLocks noChangeAspect="1"/>
           </p:cNvPicPr>
@@ -10363,7 +10394,7 @@
           <a:blip r:embed="rId3" cstate="print">
             <a:extLst>
               <a:ext uri="{28A0092B-C50C-407E-A947-70E740481C1C}">
-                <a14:useLocalDpi xmlns:a14="http://schemas.microsoft.com/office/drawing/2010/main" xmlns="" val="0"/>
+                <a14:useLocalDpi xmlns="" xmlns:a14="http://schemas.microsoft.com/office/drawing/2010/main" val="0"/>
               </a:ext>
             </a:extLst>
           </a:blip>
@@ -10432,6 +10463,182 @@
               <a:buNone/>
             </a:pPr>
             <a:r>
+              <a:rPr lang="fr-FR" sz="2000" b="1" dirty="0" smtClean="0"/>
+              <a:t>Ce projet a été mené à bien. </a:t>
+            </a:r>
+            <a:r>
+              <a:rPr lang="fr-FR" sz="2000" dirty="0" smtClean="0"/>
+              <a:t>La bonne coordination entre les membres de l’ équipe et les moyens mis en œuvres ont permis de remplir les objectifs que nous nous étions fixés.</a:t>
+            </a:r>
+          </a:p>
+          <a:p>
+            <a:pPr>
+              <a:buNone/>
+            </a:pPr>
+            <a:endParaRPr lang="fr-FR" sz="2000" dirty="0" smtClean="0"/>
+          </a:p>
+          <a:p>
+            <a:pPr>
+              <a:buNone/>
+            </a:pPr>
+            <a:r>
+              <a:rPr lang="fr-FR" sz="2000" dirty="0" smtClean="0"/>
+              <a:t>Toutefois, l’application aurait pu avoir des fonctionnalités supplémentaire, notamment sur la personnalisation du design par le médecin (changement de couleur, fond personnalisé, ajout d’une signature pour le doc PDF, …) ainsi que des interfaces graphiques un peu plus poussé.</a:t>
+            </a:r>
+          </a:p>
+          <a:p>
+            <a:pPr>
+              <a:buNone/>
+            </a:pPr>
+            <a:endParaRPr lang="fr-FR" sz="2000" b="1" dirty="0" smtClean="0"/>
+          </a:p>
+        </p:txBody>
+      </p:sp>
+      <p:sp>
+        <p:nvSpPr>
+          <p:cNvPr id="3" name="Titre 2"/>
+          <p:cNvSpPr>
+            <a:spLocks noGrp="1"/>
+          </p:cNvSpPr>
+          <p:nvPr>
+            <p:ph type="title"/>
+          </p:nvPr>
+        </p:nvSpPr>
+        <p:spPr/>
+        <p:txBody>
+          <a:bodyPr>
+            <a:normAutofit/>
+          </a:bodyPr>
+          <a:lstStyle/>
+          <a:p>
+            <a:pPr algn="r"/>
+            <a:r>
+              <a:rPr lang="fr-FR" sz="1400" dirty="0" smtClean="0"/>
+              <a:t>Conclusion</a:t>
+            </a:r>
+            <a:endParaRPr lang="fr-FR" sz="1400" dirty="0"/>
+          </a:p>
+        </p:txBody>
+      </p:sp>
+      <p:sp>
+        <p:nvSpPr>
+          <p:cNvPr id="10" name="Rectangle 9"/>
+          <p:cNvSpPr/>
+          <p:nvPr/>
+        </p:nvSpPr>
+        <p:spPr>
+          <a:xfrm>
+            <a:off x="467544" y="1268760"/>
+            <a:ext cx="2119491" cy="523220"/>
+          </a:xfrm>
+          <a:prstGeom prst="rect">
+            <a:avLst/>
+          </a:prstGeom>
+        </p:spPr>
+        <p:txBody>
+          <a:bodyPr wrap="none">
+            <a:spAutoFit/>
+          </a:bodyPr>
+          <a:lstStyle/>
+          <a:p>
+            <a:pPr lvl="0"/>
+            <a:r>
+              <a:rPr lang="fr-FR" sz="2800" dirty="0" smtClean="0">
+                <a:solidFill>
+                  <a:srgbClr val="002060"/>
+                </a:solidFill>
+              </a:rPr>
+              <a:t>Conclusion</a:t>
+            </a:r>
+            <a:endParaRPr lang="fr-FR" sz="2800" dirty="0">
+              <a:solidFill>
+                <a:srgbClr val="002060"/>
+              </a:solidFill>
+            </a:endParaRPr>
+          </a:p>
+        </p:txBody>
+      </p:sp>
+      <p:pic>
+        <p:nvPicPr>
+          <p:cNvPr id="5" name="Image 4"/>
+          <p:cNvPicPr>
+            <a:picLocks noChangeAspect="1"/>
+          </p:cNvPicPr>
+          <p:nvPr/>
+        </p:nvPicPr>
+        <p:blipFill>
+          <a:blip r:embed="rId3" cstate="print">
+            <a:extLst>
+              <a:ext uri="{28A0092B-C50C-407E-A947-70E740481C1C}">
+                <a14:useLocalDpi xmlns="" xmlns:a14="http://schemas.microsoft.com/office/drawing/2010/main" val="0"/>
+              </a:ext>
+            </a:extLst>
+          </a:blip>
+          <a:stretch>
+            <a:fillRect/>
+          </a:stretch>
+        </p:blipFill>
+        <p:spPr>
+          <a:xfrm>
+            <a:off x="7956376" y="6070981"/>
+            <a:ext cx="943868" cy="608947"/>
+          </a:xfrm>
+          <a:prstGeom prst="rect">
+            <a:avLst/>
+          </a:prstGeom>
+        </p:spPr>
+      </p:pic>
+    </p:spTree>
+  </p:cSld>
+  <p:clrMapOvr>
+    <a:masterClrMapping/>
+  </p:clrMapOvr>
+</p:sld>
+</file>
+
+<file path=ppt/slides/slide25.xml><?xml version="1.0" encoding="utf-8"?>
+<p:sld xmlns:a="http://schemas.openxmlformats.org/drawingml/2006/main" xmlns:r="http://schemas.openxmlformats.org/officeDocument/2006/relationships" xmlns:p="http://schemas.openxmlformats.org/presentationml/2006/main">
+  <p:cSld>
+    <p:spTree>
+      <p:nvGrpSpPr>
+        <p:cNvPr id="1" name=""/>
+        <p:cNvGrpSpPr/>
+        <p:nvPr/>
+      </p:nvGrpSpPr>
+      <p:grpSpPr>
+        <a:xfrm>
+          <a:off x="0" y="0"/>
+          <a:ext cx="0" cy="0"/>
+          <a:chOff x="0" y="0"/>
+          <a:chExt cx="0" cy="0"/>
+        </a:xfrm>
+      </p:grpSpPr>
+      <p:sp>
+        <p:nvSpPr>
+          <p:cNvPr id="2" name="Espace réservé du contenu 1"/>
+          <p:cNvSpPr>
+            <a:spLocks noGrp="1"/>
+          </p:cNvSpPr>
+          <p:nvPr>
+            <p:ph idx="1"/>
+          </p:nvPr>
+        </p:nvSpPr>
+        <p:spPr>
+          <a:xfrm>
+            <a:off x="467544" y="1988840"/>
+            <a:ext cx="8229600" cy="3963896"/>
+          </a:xfrm>
+        </p:spPr>
+        <p:txBody>
+          <a:bodyPr>
+            <a:normAutofit/>
+          </a:bodyPr>
+          <a:lstStyle/>
+          <a:p>
+            <a:pPr>
+              <a:buNone/>
+            </a:pPr>
+            <a:r>
               <a:rPr lang="fr-FR" sz="9600" b="1" dirty="0" smtClean="0"/>
               <a:t>DES QUESTIONS ?</a:t>
             </a:r>
@@ -10476,7 +10683,7 @@
           <a:blip r:embed="rId3" cstate="print">
             <a:extLst>
               <a:ext uri="{28A0092B-C50C-407E-A947-70E740481C1C}">
-                <a14:useLocalDpi xmlns:a14="http://schemas.microsoft.com/office/drawing/2010/main" xmlns="" val="0"/>
+                <a14:useLocalDpi xmlns="" xmlns:a14="http://schemas.microsoft.com/office/drawing/2010/main" val="0"/>
               </a:ext>
             </a:extLst>
           </a:blip>
@@ -10598,11 +10805,7 @@
             <a:pPr algn="r"/>
             <a:r>
               <a:rPr lang="fr-FR" sz="1400" dirty="0" smtClean="0"/>
-              <a:t>Présentation </a:t>
-            </a:r>
-            <a:r>
-              <a:rPr lang="fr-FR" sz="1400" dirty="0" smtClean="0"/>
-              <a:t>du projet</a:t>
+              <a:t>Présentation du projet</a:t>
             </a:r>
             <a:endParaRPr lang="fr-FR" sz="1400" dirty="0"/>
           </a:p>
@@ -10653,7 +10856,7 @@
           <a:blip r:embed="rId2" cstate="print">
             <a:extLst>
               <a:ext uri="{28A0092B-C50C-407E-A947-70E740481C1C}">
-                <a14:useLocalDpi xmlns:a14="http://schemas.microsoft.com/office/drawing/2010/main" xmlns="" val="0"/>
+                <a14:useLocalDpi xmlns="" xmlns:a14="http://schemas.microsoft.com/office/drawing/2010/main" val="0"/>
               </a:ext>
             </a:extLst>
           </a:blip>
@@ -10940,7 +11143,7 @@
           <a:blip r:embed="rId2" cstate="print">
             <a:extLst>
               <a:ext uri="{28A0092B-C50C-407E-A947-70E740481C1C}">
-                <a14:useLocalDpi xmlns:a14="http://schemas.microsoft.com/office/drawing/2010/main" xmlns="" val="0"/>
+                <a14:useLocalDpi xmlns="" xmlns:a14="http://schemas.microsoft.com/office/drawing/2010/main" val="0"/>
               </a:ext>
             </a:extLst>
           </a:blip>
@@ -11154,7 +11357,7 @@
           <a:blip r:embed="rId2" cstate="print">
             <a:extLst>
               <a:ext uri="{28A0092B-C50C-407E-A947-70E740481C1C}">
-                <a14:useLocalDpi xmlns:a14="http://schemas.microsoft.com/office/drawing/2010/main" xmlns="" val="0"/>
+                <a14:useLocalDpi xmlns="" xmlns:a14="http://schemas.microsoft.com/office/drawing/2010/main" val="0"/>
               </a:ext>
             </a:extLst>
           </a:blip>
@@ -11199,6 +11402,3137 @@
       </p:grpSpPr>
       <p:sp>
         <p:nvSpPr>
+          <p:cNvPr id="3" name="Titre 2"/>
+          <p:cNvSpPr>
+            <a:spLocks noGrp="1"/>
+          </p:cNvSpPr>
+          <p:nvPr>
+            <p:ph type="title"/>
+          </p:nvPr>
+        </p:nvSpPr>
+        <p:spPr/>
+        <p:txBody>
+          <a:bodyPr>
+            <a:normAutofit/>
+          </a:bodyPr>
+          <a:lstStyle/>
+          <a:p>
+            <a:pPr algn="r"/>
+            <a:r>
+              <a:rPr lang="fr-FR" sz="1400" dirty="0" smtClean="0"/>
+              <a:t>Présentation du projet</a:t>
+            </a:r>
+            <a:endParaRPr lang="fr-FR" sz="1400" dirty="0"/>
+          </a:p>
+        </p:txBody>
+      </p:sp>
+      <p:sp>
+        <p:nvSpPr>
+          <p:cNvPr id="10" name="Rectangle 9"/>
+          <p:cNvSpPr/>
+          <p:nvPr/>
+        </p:nvSpPr>
+        <p:spPr>
+          <a:xfrm>
+            <a:off x="467544" y="1268760"/>
+            <a:ext cx="4067139" cy="523220"/>
+          </a:xfrm>
+          <a:prstGeom prst="rect">
+            <a:avLst/>
+          </a:prstGeom>
+        </p:spPr>
+        <p:txBody>
+          <a:bodyPr wrap="none">
+            <a:spAutoFit/>
+          </a:bodyPr>
+          <a:lstStyle/>
+          <a:p>
+            <a:pPr lvl="0"/>
+            <a:r>
+              <a:rPr lang="fr-FR" sz="2800" dirty="0" smtClean="0">
+                <a:solidFill>
+                  <a:srgbClr val="002060"/>
+                </a:solidFill>
+              </a:rPr>
+              <a:t>Répartition des tâches</a:t>
+            </a:r>
+            <a:endParaRPr lang="fr-FR" sz="2800" dirty="0">
+              <a:solidFill>
+                <a:srgbClr val="002060"/>
+              </a:solidFill>
+            </a:endParaRPr>
+          </a:p>
+        </p:txBody>
+      </p:sp>
+      <p:pic>
+        <p:nvPicPr>
+          <p:cNvPr id="6" name="Image 5"/>
+          <p:cNvPicPr>
+            <a:picLocks noChangeAspect="1"/>
+          </p:cNvPicPr>
+          <p:nvPr/>
+        </p:nvPicPr>
+        <p:blipFill>
+          <a:blip r:embed="rId2" cstate="print">
+            <a:extLst>
+              <a:ext uri="{28A0092B-C50C-407E-A947-70E740481C1C}">
+                <a14:useLocalDpi xmlns="" xmlns:a14="http://schemas.microsoft.com/office/drawing/2010/main" val="0"/>
+              </a:ext>
+            </a:extLst>
+          </a:blip>
+          <a:stretch>
+            <a:fillRect/>
+          </a:stretch>
+        </p:blipFill>
+        <p:spPr>
+          <a:xfrm>
+            <a:off x="7956376" y="6070981"/>
+            <a:ext cx="943868" cy="608947"/>
+          </a:xfrm>
+          <a:prstGeom prst="rect">
+            <a:avLst/>
+          </a:prstGeom>
+        </p:spPr>
+      </p:pic>
+      <p:graphicFrame>
+        <p:nvGraphicFramePr>
+          <p:cNvPr id="8" name="Tableau 7"/>
+          <p:cNvGraphicFramePr>
+            <a:graphicFrameLocks noGrp="1"/>
+          </p:cNvGraphicFramePr>
+          <p:nvPr/>
+        </p:nvGraphicFramePr>
+        <p:xfrm>
+          <a:off x="919424" y="1885280"/>
+          <a:ext cx="4156632" cy="4064000"/>
+        </p:xfrm>
+        <a:graphic>
+          <a:graphicData uri="http://schemas.openxmlformats.org/drawingml/2006/table">
+            <a:tbl>
+              <a:tblPr/>
+              <a:tblGrid>
+                <a:gridCol w="1575804"/>
+                <a:gridCol w="1290414"/>
+                <a:gridCol w="1290414"/>
+              </a:tblGrid>
+              <a:tr h="162560">
+                <a:tc>
+                  <a:txBody>
+                    <a:bodyPr/>
+                    <a:lstStyle/>
+                    <a:p>
+                      <a:pPr>
+                        <a:lnSpc>
+                          <a:spcPct val="115000"/>
+                        </a:lnSpc>
+                        <a:spcAft>
+                          <a:spcPts val="0"/>
+                        </a:spcAft>
+                      </a:pPr>
+                      <a:endParaRPr lang="fr-FR" sz="900" dirty="0">
+                        <a:latin typeface="Calibri"/>
+                        <a:ea typeface="Calibri"/>
+                        <a:cs typeface="Times New Roman"/>
+                      </a:endParaRPr>
+                    </a:p>
+                  </a:txBody>
+                  <a:tcPr marL="57828" marR="57828" marT="0" marB="0">
+                    <a:lnL w="12700" cap="flat" cmpd="sng" algn="ctr">
+                      <a:solidFill>
+                        <a:srgbClr val="000000"/>
+                      </a:solidFill>
+                      <a:prstDash val="solid"/>
+                      <a:round/>
+                      <a:headEnd type="none" w="med" len="med"/>
+                      <a:tailEnd type="none" w="med" len="med"/>
+                    </a:lnL>
+                    <a:lnR w="12700" cap="flat" cmpd="sng" algn="ctr">
+                      <a:solidFill>
+                        <a:srgbClr val="000000"/>
+                      </a:solidFill>
+                      <a:prstDash val="solid"/>
+                      <a:round/>
+                      <a:headEnd type="none" w="med" len="med"/>
+                      <a:tailEnd type="none" w="med" len="med"/>
+                    </a:lnR>
+                    <a:lnT w="12700" cap="flat" cmpd="sng" algn="ctr">
+                      <a:solidFill>
+                        <a:srgbClr val="000000"/>
+                      </a:solidFill>
+                      <a:prstDash val="solid"/>
+                      <a:round/>
+                      <a:headEnd type="none" w="med" len="med"/>
+                      <a:tailEnd type="none" w="med" len="med"/>
+                    </a:lnT>
+                    <a:lnB w="12700" cap="flat" cmpd="sng" algn="ctr">
+                      <a:solidFill>
+                        <a:srgbClr val="000000"/>
+                      </a:solidFill>
+                      <a:prstDash val="solid"/>
+                      <a:round/>
+                      <a:headEnd type="none" w="med" len="med"/>
+                      <a:tailEnd type="none" w="med" len="med"/>
+                    </a:lnB>
+                  </a:tcPr>
+                </a:tc>
+                <a:tc>
+                  <a:txBody>
+                    <a:bodyPr/>
+                    <a:lstStyle/>
+                    <a:p>
+                      <a:pPr algn="ctr">
+                        <a:lnSpc>
+                          <a:spcPct val="115000"/>
+                        </a:lnSpc>
+                        <a:spcAft>
+                          <a:spcPts val="0"/>
+                        </a:spcAft>
+                      </a:pPr>
+                      <a:r>
+                        <a:rPr lang="fr-FR" sz="900">
+                          <a:latin typeface="Calibri"/>
+                          <a:ea typeface="Calibri"/>
+                          <a:cs typeface="Times New Roman"/>
+                        </a:rPr>
+                        <a:t>MARTINES STEFANO</a:t>
+                      </a:r>
+                    </a:p>
+                  </a:txBody>
+                  <a:tcPr marL="57828" marR="57828" marT="0" marB="0">
+                    <a:lnL w="12700" cap="flat" cmpd="sng" algn="ctr">
+                      <a:solidFill>
+                        <a:srgbClr val="000000"/>
+                      </a:solidFill>
+                      <a:prstDash val="solid"/>
+                      <a:round/>
+                      <a:headEnd type="none" w="med" len="med"/>
+                      <a:tailEnd type="none" w="med" len="med"/>
+                    </a:lnL>
+                    <a:lnR w="12700" cap="flat" cmpd="sng" algn="ctr">
+                      <a:solidFill>
+                        <a:srgbClr val="000000"/>
+                      </a:solidFill>
+                      <a:prstDash val="solid"/>
+                      <a:round/>
+                      <a:headEnd type="none" w="med" len="med"/>
+                      <a:tailEnd type="none" w="med" len="med"/>
+                    </a:lnR>
+                    <a:lnT w="12700" cap="flat" cmpd="sng" algn="ctr">
+                      <a:solidFill>
+                        <a:srgbClr val="000000"/>
+                      </a:solidFill>
+                      <a:prstDash val="solid"/>
+                      <a:round/>
+                      <a:headEnd type="none" w="med" len="med"/>
+                      <a:tailEnd type="none" w="med" len="med"/>
+                    </a:lnT>
+                    <a:lnB w="12700" cap="flat" cmpd="sng" algn="ctr">
+                      <a:solidFill>
+                        <a:srgbClr val="000000"/>
+                      </a:solidFill>
+                      <a:prstDash val="solid"/>
+                      <a:round/>
+                      <a:headEnd type="none" w="med" len="med"/>
+                      <a:tailEnd type="none" w="med" len="med"/>
+                    </a:lnB>
+                  </a:tcPr>
+                </a:tc>
+                <a:tc>
+                  <a:txBody>
+                    <a:bodyPr/>
+                    <a:lstStyle/>
+                    <a:p>
+                      <a:pPr algn="ctr">
+                        <a:lnSpc>
+                          <a:spcPct val="115000"/>
+                        </a:lnSpc>
+                        <a:spcAft>
+                          <a:spcPts val="0"/>
+                        </a:spcAft>
+                      </a:pPr>
+                      <a:r>
+                        <a:rPr lang="fr-FR" sz="900">
+                          <a:latin typeface="Calibri"/>
+                          <a:ea typeface="Calibri"/>
+                          <a:cs typeface="Times New Roman"/>
+                        </a:rPr>
+                        <a:t>MAGNIN ADRIEN</a:t>
+                      </a:r>
+                    </a:p>
+                  </a:txBody>
+                  <a:tcPr marL="57828" marR="57828" marT="0" marB="0">
+                    <a:lnL w="12700" cap="flat" cmpd="sng" algn="ctr">
+                      <a:solidFill>
+                        <a:srgbClr val="000000"/>
+                      </a:solidFill>
+                      <a:prstDash val="solid"/>
+                      <a:round/>
+                      <a:headEnd type="none" w="med" len="med"/>
+                      <a:tailEnd type="none" w="med" len="med"/>
+                    </a:lnL>
+                    <a:lnR w="12700" cap="flat" cmpd="sng" algn="ctr">
+                      <a:solidFill>
+                        <a:srgbClr val="000000"/>
+                      </a:solidFill>
+                      <a:prstDash val="solid"/>
+                      <a:round/>
+                      <a:headEnd type="none" w="med" len="med"/>
+                      <a:tailEnd type="none" w="med" len="med"/>
+                    </a:lnR>
+                    <a:lnT w="12700" cap="flat" cmpd="sng" algn="ctr">
+                      <a:solidFill>
+                        <a:srgbClr val="000000"/>
+                      </a:solidFill>
+                      <a:prstDash val="solid"/>
+                      <a:round/>
+                      <a:headEnd type="none" w="med" len="med"/>
+                      <a:tailEnd type="none" w="med" len="med"/>
+                    </a:lnT>
+                    <a:lnB w="12700" cap="flat" cmpd="sng" algn="ctr">
+                      <a:solidFill>
+                        <a:srgbClr val="000000"/>
+                      </a:solidFill>
+                      <a:prstDash val="solid"/>
+                      <a:round/>
+                      <a:headEnd type="none" w="med" len="med"/>
+                      <a:tailEnd type="none" w="med" len="med"/>
+                    </a:lnB>
+                  </a:tcPr>
+                </a:tc>
+              </a:tr>
+              <a:tr h="325120">
+                <a:tc>
+                  <a:txBody>
+                    <a:bodyPr/>
+                    <a:lstStyle/>
+                    <a:p>
+                      <a:pPr>
+                        <a:lnSpc>
+                          <a:spcPct val="115000"/>
+                        </a:lnSpc>
+                        <a:spcAft>
+                          <a:spcPts val="0"/>
+                        </a:spcAft>
+                      </a:pPr>
+                      <a:r>
+                        <a:rPr lang="fr-FR" sz="900">
+                          <a:latin typeface="Calibri"/>
+                          <a:ea typeface="Calibri"/>
+                          <a:cs typeface="Times New Roman"/>
+                        </a:rPr>
+                        <a:t>Conception de la base de données</a:t>
+                      </a:r>
+                    </a:p>
+                  </a:txBody>
+                  <a:tcPr marL="57828" marR="57828" marT="0" marB="0">
+                    <a:lnL w="12700" cap="flat" cmpd="sng" algn="ctr">
+                      <a:solidFill>
+                        <a:srgbClr val="000000"/>
+                      </a:solidFill>
+                      <a:prstDash val="solid"/>
+                      <a:round/>
+                      <a:headEnd type="none" w="med" len="med"/>
+                      <a:tailEnd type="none" w="med" len="med"/>
+                    </a:lnL>
+                    <a:lnR w="12700" cap="flat" cmpd="sng" algn="ctr">
+                      <a:solidFill>
+                        <a:srgbClr val="000000"/>
+                      </a:solidFill>
+                      <a:prstDash val="solid"/>
+                      <a:round/>
+                      <a:headEnd type="none" w="med" len="med"/>
+                      <a:tailEnd type="none" w="med" len="med"/>
+                    </a:lnR>
+                    <a:lnT w="12700" cap="flat" cmpd="sng" algn="ctr">
+                      <a:solidFill>
+                        <a:srgbClr val="000000"/>
+                      </a:solidFill>
+                      <a:prstDash val="solid"/>
+                      <a:round/>
+                      <a:headEnd type="none" w="med" len="med"/>
+                      <a:tailEnd type="none" w="med" len="med"/>
+                    </a:lnT>
+                    <a:lnB w="12700" cap="flat" cmpd="sng" algn="ctr">
+                      <a:solidFill>
+                        <a:srgbClr val="000000"/>
+                      </a:solidFill>
+                      <a:prstDash val="solid"/>
+                      <a:round/>
+                      <a:headEnd type="none" w="med" len="med"/>
+                      <a:tailEnd type="none" w="med" len="med"/>
+                    </a:lnB>
+                  </a:tcPr>
+                </a:tc>
+                <a:tc>
+                  <a:txBody>
+                    <a:bodyPr/>
+                    <a:lstStyle/>
+                    <a:p>
+                      <a:pPr algn="ctr">
+                        <a:lnSpc>
+                          <a:spcPct val="115000"/>
+                        </a:lnSpc>
+                        <a:spcAft>
+                          <a:spcPts val="0"/>
+                        </a:spcAft>
+                        <a:tabLst>
+                          <a:tab pos="662305" algn="ctr"/>
+                        </a:tabLst>
+                      </a:pPr>
+                      <a:r>
+                        <a:rPr lang="fr-FR" sz="900">
+                          <a:latin typeface="Calibri"/>
+                          <a:ea typeface="Calibri"/>
+                          <a:cs typeface="Times New Roman"/>
+                        </a:rPr>
+                        <a:t>X</a:t>
+                      </a:r>
+                    </a:p>
+                  </a:txBody>
+                  <a:tcPr marL="57828" marR="57828" marT="0" marB="0">
+                    <a:lnL w="12700" cap="flat" cmpd="sng" algn="ctr">
+                      <a:solidFill>
+                        <a:srgbClr val="000000"/>
+                      </a:solidFill>
+                      <a:prstDash val="solid"/>
+                      <a:round/>
+                      <a:headEnd type="none" w="med" len="med"/>
+                      <a:tailEnd type="none" w="med" len="med"/>
+                    </a:lnL>
+                    <a:lnR w="12700" cap="flat" cmpd="sng" algn="ctr">
+                      <a:solidFill>
+                        <a:srgbClr val="000000"/>
+                      </a:solidFill>
+                      <a:prstDash val="solid"/>
+                      <a:round/>
+                      <a:headEnd type="none" w="med" len="med"/>
+                      <a:tailEnd type="none" w="med" len="med"/>
+                    </a:lnR>
+                    <a:lnT w="12700" cap="flat" cmpd="sng" algn="ctr">
+                      <a:solidFill>
+                        <a:srgbClr val="000000"/>
+                      </a:solidFill>
+                      <a:prstDash val="solid"/>
+                      <a:round/>
+                      <a:headEnd type="none" w="med" len="med"/>
+                      <a:tailEnd type="none" w="med" len="med"/>
+                    </a:lnT>
+                    <a:lnB w="12700" cap="flat" cmpd="sng" algn="ctr">
+                      <a:solidFill>
+                        <a:srgbClr val="000000"/>
+                      </a:solidFill>
+                      <a:prstDash val="solid"/>
+                      <a:round/>
+                      <a:headEnd type="none" w="med" len="med"/>
+                      <a:tailEnd type="none" w="med" len="med"/>
+                    </a:lnB>
+                  </a:tcPr>
+                </a:tc>
+                <a:tc>
+                  <a:txBody>
+                    <a:bodyPr/>
+                    <a:lstStyle/>
+                    <a:p>
+                      <a:pPr algn="ctr">
+                        <a:lnSpc>
+                          <a:spcPct val="115000"/>
+                        </a:lnSpc>
+                        <a:spcAft>
+                          <a:spcPts val="0"/>
+                        </a:spcAft>
+                      </a:pPr>
+                      <a:r>
+                        <a:rPr lang="fr-FR" sz="900">
+                          <a:latin typeface="Calibri"/>
+                          <a:ea typeface="Calibri"/>
+                          <a:cs typeface="Times New Roman"/>
+                        </a:rPr>
+                        <a:t>X</a:t>
+                      </a:r>
+                    </a:p>
+                  </a:txBody>
+                  <a:tcPr marL="57828" marR="57828" marT="0" marB="0">
+                    <a:lnL w="12700" cap="flat" cmpd="sng" algn="ctr">
+                      <a:solidFill>
+                        <a:srgbClr val="000000"/>
+                      </a:solidFill>
+                      <a:prstDash val="solid"/>
+                      <a:round/>
+                      <a:headEnd type="none" w="med" len="med"/>
+                      <a:tailEnd type="none" w="med" len="med"/>
+                    </a:lnL>
+                    <a:lnR w="12700" cap="flat" cmpd="sng" algn="ctr">
+                      <a:solidFill>
+                        <a:srgbClr val="000000"/>
+                      </a:solidFill>
+                      <a:prstDash val="solid"/>
+                      <a:round/>
+                      <a:headEnd type="none" w="med" len="med"/>
+                      <a:tailEnd type="none" w="med" len="med"/>
+                    </a:lnR>
+                    <a:lnT w="12700" cap="flat" cmpd="sng" algn="ctr">
+                      <a:solidFill>
+                        <a:srgbClr val="000000"/>
+                      </a:solidFill>
+                      <a:prstDash val="solid"/>
+                      <a:round/>
+                      <a:headEnd type="none" w="med" len="med"/>
+                      <a:tailEnd type="none" w="med" len="med"/>
+                    </a:lnT>
+                    <a:lnB w="12700" cap="flat" cmpd="sng" algn="ctr">
+                      <a:solidFill>
+                        <a:srgbClr val="000000"/>
+                      </a:solidFill>
+                      <a:prstDash val="solid"/>
+                      <a:round/>
+                      <a:headEnd type="none" w="med" len="med"/>
+                      <a:tailEnd type="none" w="med" len="med"/>
+                    </a:lnB>
+                  </a:tcPr>
+                </a:tc>
+              </a:tr>
+              <a:tr h="162560">
+                <a:tc>
+                  <a:txBody>
+                    <a:bodyPr/>
+                    <a:lstStyle/>
+                    <a:p>
+                      <a:pPr>
+                        <a:lnSpc>
+                          <a:spcPct val="115000"/>
+                        </a:lnSpc>
+                        <a:spcAft>
+                          <a:spcPts val="0"/>
+                        </a:spcAft>
+                      </a:pPr>
+                      <a:r>
+                        <a:rPr lang="fr-FR" sz="900">
+                          <a:latin typeface="Calibri"/>
+                          <a:ea typeface="Calibri"/>
+                          <a:cs typeface="Times New Roman"/>
+                        </a:rPr>
+                        <a:t>Architecture logicielle</a:t>
+                      </a:r>
+                    </a:p>
+                  </a:txBody>
+                  <a:tcPr marL="57828" marR="57828" marT="0" marB="0">
+                    <a:lnL w="12700" cap="flat" cmpd="sng" algn="ctr">
+                      <a:solidFill>
+                        <a:srgbClr val="000000"/>
+                      </a:solidFill>
+                      <a:prstDash val="solid"/>
+                      <a:round/>
+                      <a:headEnd type="none" w="med" len="med"/>
+                      <a:tailEnd type="none" w="med" len="med"/>
+                    </a:lnL>
+                    <a:lnR w="12700" cap="flat" cmpd="sng" algn="ctr">
+                      <a:solidFill>
+                        <a:srgbClr val="000000"/>
+                      </a:solidFill>
+                      <a:prstDash val="solid"/>
+                      <a:round/>
+                      <a:headEnd type="none" w="med" len="med"/>
+                      <a:tailEnd type="none" w="med" len="med"/>
+                    </a:lnR>
+                    <a:lnT w="12700" cap="flat" cmpd="sng" algn="ctr">
+                      <a:solidFill>
+                        <a:srgbClr val="000000"/>
+                      </a:solidFill>
+                      <a:prstDash val="solid"/>
+                      <a:round/>
+                      <a:headEnd type="none" w="med" len="med"/>
+                      <a:tailEnd type="none" w="med" len="med"/>
+                    </a:lnT>
+                    <a:lnB w="12700" cap="flat" cmpd="sng" algn="ctr">
+                      <a:solidFill>
+                        <a:srgbClr val="000000"/>
+                      </a:solidFill>
+                      <a:prstDash val="solid"/>
+                      <a:round/>
+                      <a:headEnd type="none" w="med" len="med"/>
+                      <a:tailEnd type="none" w="med" len="med"/>
+                    </a:lnB>
+                  </a:tcPr>
+                </a:tc>
+                <a:tc>
+                  <a:txBody>
+                    <a:bodyPr/>
+                    <a:lstStyle/>
+                    <a:p>
+                      <a:pPr algn="ctr">
+                        <a:lnSpc>
+                          <a:spcPct val="115000"/>
+                        </a:lnSpc>
+                        <a:spcAft>
+                          <a:spcPts val="0"/>
+                        </a:spcAft>
+                      </a:pPr>
+                      <a:r>
+                        <a:rPr lang="fr-FR" sz="900">
+                          <a:latin typeface="Calibri"/>
+                          <a:ea typeface="Calibri"/>
+                          <a:cs typeface="Times New Roman"/>
+                        </a:rPr>
+                        <a:t>X</a:t>
+                      </a:r>
+                    </a:p>
+                  </a:txBody>
+                  <a:tcPr marL="57828" marR="57828" marT="0" marB="0">
+                    <a:lnL w="12700" cap="flat" cmpd="sng" algn="ctr">
+                      <a:solidFill>
+                        <a:srgbClr val="000000"/>
+                      </a:solidFill>
+                      <a:prstDash val="solid"/>
+                      <a:round/>
+                      <a:headEnd type="none" w="med" len="med"/>
+                      <a:tailEnd type="none" w="med" len="med"/>
+                    </a:lnL>
+                    <a:lnR w="12700" cap="flat" cmpd="sng" algn="ctr">
+                      <a:solidFill>
+                        <a:srgbClr val="000000"/>
+                      </a:solidFill>
+                      <a:prstDash val="solid"/>
+                      <a:round/>
+                      <a:headEnd type="none" w="med" len="med"/>
+                      <a:tailEnd type="none" w="med" len="med"/>
+                    </a:lnR>
+                    <a:lnT w="12700" cap="flat" cmpd="sng" algn="ctr">
+                      <a:solidFill>
+                        <a:srgbClr val="000000"/>
+                      </a:solidFill>
+                      <a:prstDash val="solid"/>
+                      <a:round/>
+                      <a:headEnd type="none" w="med" len="med"/>
+                      <a:tailEnd type="none" w="med" len="med"/>
+                    </a:lnT>
+                    <a:lnB w="12700" cap="flat" cmpd="sng" algn="ctr">
+                      <a:solidFill>
+                        <a:srgbClr val="000000"/>
+                      </a:solidFill>
+                      <a:prstDash val="solid"/>
+                      <a:round/>
+                      <a:headEnd type="none" w="med" len="med"/>
+                      <a:tailEnd type="none" w="med" len="med"/>
+                    </a:lnB>
+                  </a:tcPr>
+                </a:tc>
+                <a:tc>
+                  <a:txBody>
+                    <a:bodyPr/>
+                    <a:lstStyle/>
+                    <a:p>
+                      <a:pPr>
+                        <a:lnSpc>
+                          <a:spcPct val="115000"/>
+                        </a:lnSpc>
+                        <a:spcAft>
+                          <a:spcPts val="0"/>
+                        </a:spcAft>
+                      </a:pPr>
+                      <a:endParaRPr lang="fr-FR" sz="900">
+                        <a:latin typeface="Calibri"/>
+                        <a:ea typeface="Calibri"/>
+                        <a:cs typeface="Times New Roman"/>
+                      </a:endParaRPr>
+                    </a:p>
+                  </a:txBody>
+                  <a:tcPr marL="57828" marR="57828" marT="0" marB="0">
+                    <a:lnL w="12700" cap="flat" cmpd="sng" algn="ctr">
+                      <a:solidFill>
+                        <a:srgbClr val="000000"/>
+                      </a:solidFill>
+                      <a:prstDash val="solid"/>
+                      <a:round/>
+                      <a:headEnd type="none" w="med" len="med"/>
+                      <a:tailEnd type="none" w="med" len="med"/>
+                    </a:lnL>
+                    <a:lnR w="12700" cap="flat" cmpd="sng" algn="ctr">
+                      <a:solidFill>
+                        <a:srgbClr val="000000"/>
+                      </a:solidFill>
+                      <a:prstDash val="solid"/>
+                      <a:round/>
+                      <a:headEnd type="none" w="med" len="med"/>
+                      <a:tailEnd type="none" w="med" len="med"/>
+                    </a:lnR>
+                    <a:lnT w="12700" cap="flat" cmpd="sng" algn="ctr">
+                      <a:solidFill>
+                        <a:srgbClr val="000000"/>
+                      </a:solidFill>
+                      <a:prstDash val="solid"/>
+                      <a:round/>
+                      <a:headEnd type="none" w="med" len="med"/>
+                      <a:tailEnd type="none" w="med" len="med"/>
+                    </a:lnT>
+                    <a:lnB w="12700" cap="flat" cmpd="sng" algn="ctr">
+                      <a:solidFill>
+                        <a:srgbClr val="000000"/>
+                      </a:solidFill>
+                      <a:prstDash val="solid"/>
+                      <a:round/>
+                      <a:headEnd type="none" w="med" len="med"/>
+                      <a:tailEnd type="none" w="med" len="med"/>
+                    </a:lnB>
+                  </a:tcPr>
+                </a:tc>
+              </a:tr>
+              <a:tr h="325120">
+                <a:tc>
+                  <a:txBody>
+                    <a:bodyPr/>
+                    <a:lstStyle/>
+                    <a:p>
+                      <a:pPr>
+                        <a:lnSpc>
+                          <a:spcPct val="115000"/>
+                        </a:lnSpc>
+                        <a:spcAft>
+                          <a:spcPts val="0"/>
+                        </a:spcAft>
+                      </a:pPr>
+                      <a:r>
+                        <a:rPr lang="fr-FR" sz="900">
+                          <a:latin typeface="Calibri"/>
+                          <a:ea typeface="Calibri"/>
+                          <a:cs typeface="Times New Roman"/>
+                        </a:rPr>
+                        <a:t>Mise en place du model Entity Framework</a:t>
+                      </a:r>
+                    </a:p>
+                  </a:txBody>
+                  <a:tcPr marL="57828" marR="57828" marT="0" marB="0">
+                    <a:lnL w="12700" cap="flat" cmpd="sng" algn="ctr">
+                      <a:solidFill>
+                        <a:srgbClr val="000000"/>
+                      </a:solidFill>
+                      <a:prstDash val="solid"/>
+                      <a:round/>
+                      <a:headEnd type="none" w="med" len="med"/>
+                      <a:tailEnd type="none" w="med" len="med"/>
+                    </a:lnL>
+                    <a:lnR w="12700" cap="flat" cmpd="sng" algn="ctr">
+                      <a:solidFill>
+                        <a:srgbClr val="000000"/>
+                      </a:solidFill>
+                      <a:prstDash val="solid"/>
+                      <a:round/>
+                      <a:headEnd type="none" w="med" len="med"/>
+                      <a:tailEnd type="none" w="med" len="med"/>
+                    </a:lnR>
+                    <a:lnT w="12700" cap="flat" cmpd="sng" algn="ctr">
+                      <a:solidFill>
+                        <a:srgbClr val="000000"/>
+                      </a:solidFill>
+                      <a:prstDash val="solid"/>
+                      <a:round/>
+                      <a:headEnd type="none" w="med" len="med"/>
+                      <a:tailEnd type="none" w="med" len="med"/>
+                    </a:lnT>
+                    <a:lnB w="12700" cap="flat" cmpd="sng" algn="ctr">
+                      <a:solidFill>
+                        <a:srgbClr val="000000"/>
+                      </a:solidFill>
+                      <a:prstDash val="solid"/>
+                      <a:round/>
+                      <a:headEnd type="none" w="med" len="med"/>
+                      <a:tailEnd type="none" w="med" len="med"/>
+                    </a:lnB>
+                  </a:tcPr>
+                </a:tc>
+                <a:tc>
+                  <a:txBody>
+                    <a:bodyPr/>
+                    <a:lstStyle/>
+                    <a:p>
+                      <a:pPr algn="ctr">
+                        <a:lnSpc>
+                          <a:spcPct val="115000"/>
+                        </a:lnSpc>
+                        <a:spcAft>
+                          <a:spcPts val="0"/>
+                        </a:spcAft>
+                      </a:pPr>
+                      <a:endParaRPr lang="fr-FR" sz="900">
+                        <a:latin typeface="Calibri"/>
+                        <a:ea typeface="Calibri"/>
+                        <a:cs typeface="Times New Roman"/>
+                      </a:endParaRPr>
+                    </a:p>
+                    <a:p>
+                      <a:pPr algn="ctr">
+                        <a:lnSpc>
+                          <a:spcPct val="115000"/>
+                        </a:lnSpc>
+                        <a:spcAft>
+                          <a:spcPts val="0"/>
+                        </a:spcAft>
+                      </a:pPr>
+                      <a:r>
+                        <a:rPr lang="fr-FR" sz="900">
+                          <a:latin typeface="Calibri"/>
+                          <a:ea typeface="Calibri"/>
+                          <a:cs typeface="Times New Roman"/>
+                        </a:rPr>
+                        <a:t>X</a:t>
+                      </a:r>
+                    </a:p>
+                  </a:txBody>
+                  <a:tcPr marL="57828" marR="57828" marT="0" marB="0">
+                    <a:lnL w="12700" cap="flat" cmpd="sng" algn="ctr">
+                      <a:solidFill>
+                        <a:srgbClr val="000000"/>
+                      </a:solidFill>
+                      <a:prstDash val="solid"/>
+                      <a:round/>
+                      <a:headEnd type="none" w="med" len="med"/>
+                      <a:tailEnd type="none" w="med" len="med"/>
+                    </a:lnL>
+                    <a:lnR w="12700" cap="flat" cmpd="sng" algn="ctr">
+                      <a:solidFill>
+                        <a:srgbClr val="000000"/>
+                      </a:solidFill>
+                      <a:prstDash val="solid"/>
+                      <a:round/>
+                      <a:headEnd type="none" w="med" len="med"/>
+                      <a:tailEnd type="none" w="med" len="med"/>
+                    </a:lnR>
+                    <a:lnT w="12700" cap="flat" cmpd="sng" algn="ctr">
+                      <a:solidFill>
+                        <a:srgbClr val="000000"/>
+                      </a:solidFill>
+                      <a:prstDash val="solid"/>
+                      <a:round/>
+                      <a:headEnd type="none" w="med" len="med"/>
+                      <a:tailEnd type="none" w="med" len="med"/>
+                    </a:lnT>
+                    <a:lnB w="12700" cap="flat" cmpd="sng" algn="ctr">
+                      <a:solidFill>
+                        <a:srgbClr val="000000"/>
+                      </a:solidFill>
+                      <a:prstDash val="solid"/>
+                      <a:round/>
+                      <a:headEnd type="none" w="med" len="med"/>
+                      <a:tailEnd type="none" w="med" len="med"/>
+                    </a:lnB>
+                  </a:tcPr>
+                </a:tc>
+                <a:tc>
+                  <a:txBody>
+                    <a:bodyPr/>
+                    <a:lstStyle/>
+                    <a:p>
+                      <a:pPr>
+                        <a:lnSpc>
+                          <a:spcPct val="115000"/>
+                        </a:lnSpc>
+                        <a:spcAft>
+                          <a:spcPts val="0"/>
+                        </a:spcAft>
+                      </a:pPr>
+                      <a:endParaRPr lang="fr-FR" sz="900">
+                        <a:latin typeface="Calibri"/>
+                        <a:ea typeface="Calibri"/>
+                        <a:cs typeface="Times New Roman"/>
+                      </a:endParaRPr>
+                    </a:p>
+                  </a:txBody>
+                  <a:tcPr marL="57828" marR="57828" marT="0" marB="0">
+                    <a:lnL w="12700" cap="flat" cmpd="sng" algn="ctr">
+                      <a:solidFill>
+                        <a:srgbClr val="000000"/>
+                      </a:solidFill>
+                      <a:prstDash val="solid"/>
+                      <a:round/>
+                      <a:headEnd type="none" w="med" len="med"/>
+                      <a:tailEnd type="none" w="med" len="med"/>
+                    </a:lnL>
+                    <a:lnR w="12700" cap="flat" cmpd="sng" algn="ctr">
+                      <a:solidFill>
+                        <a:srgbClr val="000000"/>
+                      </a:solidFill>
+                      <a:prstDash val="solid"/>
+                      <a:round/>
+                      <a:headEnd type="none" w="med" len="med"/>
+                      <a:tailEnd type="none" w="med" len="med"/>
+                    </a:lnR>
+                    <a:lnT w="12700" cap="flat" cmpd="sng" algn="ctr">
+                      <a:solidFill>
+                        <a:srgbClr val="000000"/>
+                      </a:solidFill>
+                      <a:prstDash val="solid"/>
+                      <a:round/>
+                      <a:headEnd type="none" w="med" len="med"/>
+                      <a:tailEnd type="none" w="med" len="med"/>
+                    </a:lnT>
+                    <a:lnB w="12700" cap="flat" cmpd="sng" algn="ctr">
+                      <a:solidFill>
+                        <a:srgbClr val="000000"/>
+                      </a:solidFill>
+                      <a:prstDash val="solid"/>
+                      <a:round/>
+                      <a:headEnd type="none" w="med" len="med"/>
+                      <a:tailEnd type="none" w="med" len="med"/>
+                    </a:lnB>
+                  </a:tcPr>
+                </a:tc>
+              </a:tr>
+              <a:tr h="162560">
+                <a:tc>
+                  <a:txBody>
+                    <a:bodyPr/>
+                    <a:lstStyle/>
+                    <a:p>
+                      <a:pPr>
+                        <a:lnSpc>
+                          <a:spcPct val="115000"/>
+                        </a:lnSpc>
+                        <a:spcAft>
+                          <a:spcPts val="0"/>
+                        </a:spcAft>
+                      </a:pPr>
+                      <a:r>
+                        <a:rPr lang="fr-FR" sz="900">
+                          <a:latin typeface="Calibri"/>
+                          <a:ea typeface="Calibri"/>
+                          <a:cs typeface="Times New Roman"/>
+                        </a:rPr>
+                        <a:t>Fenêtre - Certificat medical</a:t>
+                      </a:r>
+                    </a:p>
+                  </a:txBody>
+                  <a:tcPr marL="57828" marR="57828" marT="0" marB="0">
+                    <a:lnL w="12700" cap="flat" cmpd="sng" algn="ctr">
+                      <a:solidFill>
+                        <a:srgbClr val="000000"/>
+                      </a:solidFill>
+                      <a:prstDash val="solid"/>
+                      <a:round/>
+                      <a:headEnd type="none" w="med" len="med"/>
+                      <a:tailEnd type="none" w="med" len="med"/>
+                    </a:lnL>
+                    <a:lnR w="12700" cap="flat" cmpd="sng" algn="ctr">
+                      <a:solidFill>
+                        <a:srgbClr val="000000"/>
+                      </a:solidFill>
+                      <a:prstDash val="solid"/>
+                      <a:round/>
+                      <a:headEnd type="none" w="med" len="med"/>
+                      <a:tailEnd type="none" w="med" len="med"/>
+                    </a:lnR>
+                    <a:lnT w="12700" cap="flat" cmpd="sng" algn="ctr">
+                      <a:solidFill>
+                        <a:srgbClr val="000000"/>
+                      </a:solidFill>
+                      <a:prstDash val="solid"/>
+                      <a:round/>
+                      <a:headEnd type="none" w="med" len="med"/>
+                      <a:tailEnd type="none" w="med" len="med"/>
+                    </a:lnT>
+                    <a:lnB w="12700" cap="flat" cmpd="sng" algn="ctr">
+                      <a:solidFill>
+                        <a:srgbClr val="000000"/>
+                      </a:solidFill>
+                      <a:prstDash val="solid"/>
+                      <a:round/>
+                      <a:headEnd type="none" w="med" len="med"/>
+                      <a:tailEnd type="none" w="med" len="med"/>
+                    </a:lnB>
+                  </a:tcPr>
+                </a:tc>
+                <a:tc>
+                  <a:txBody>
+                    <a:bodyPr/>
+                    <a:lstStyle/>
+                    <a:p>
+                      <a:pPr>
+                        <a:lnSpc>
+                          <a:spcPct val="115000"/>
+                        </a:lnSpc>
+                        <a:spcAft>
+                          <a:spcPts val="0"/>
+                        </a:spcAft>
+                      </a:pPr>
+                      <a:endParaRPr lang="fr-FR" sz="900">
+                        <a:latin typeface="Calibri"/>
+                        <a:ea typeface="Calibri"/>
+                        <a:cs typeface="Times New Roman"/>
+                      </a:endParaRPr>
+                    </a:p>
+                  </a:txBody>
+                  <a:tcPr marL="57828" marR="57828" marT="0" marB="0">
+                    <a:lnL w="12700" cap="flat" cmpd="sng" algn="ctr">
+                      <a:solidFill>
+                        <a:srgbClr val="000000"/>
+                      </a:solidFill>
+                      <a:prstDash val="solid"/>
+                      <a:round/>
+                      <a:headEnd type="none" w="med" len="med"/>
+                      <a:tailEnd type="none" w="med" len="med"/>
+                    </a:lnL>
+                    <a:lnR w="12700" cap="flat" cmpd="sng" algn="ctr">
+                      <a:solidFill>
+                        <a:srgbClr val="000000"/>
+                      </a:solidFill>
+                      <a:prstDash val="solid"/>
+                      <a:round/>
+                      <a:headEnd type="none" w="med" len="med"/>
+                      <a:tailEnd type="none" w="med" len="med"/>
+                    </a:lnR>
+                    <a:lnT w="12700" cap="flat" cmpd="sng" algn="ctr">
+                      <a:solidFill>
+                        <a:srgbClr val="000000"/>
+                      </a:solidFill>
+                      <a:prstDash val="solid"/>
+                      <a:round/>
+                      <a:headEnd type="none" w="med" len="med"/>
+                      <a:tailEnd type="none" w="med" len="med"/>
+                    </a:lnT>
+                    <a:lnB w="12700" cap="flat" cmpd="sng" algn="ctr">
+                      <a:solidFill>
+                        <a:srgbClr val="000000"/>
+                      </a:solidFill>
+                      <a:prstDash val="solid"/>
+                      <a:round/>
+                      <a:headEnd type="none" w="med" len="med"/>
+                      <a:tailEnd type="none" w="med" len="med"/>
+                    </a:lnB>
+                  </a:tcPr>
+                </a:tc>
+                <a:tc>
+                  <a:txBody>
+                    <a:bodyPr/>
+                    <a:lstStyle/>
+                    <a:p>
+                      <a:pPr algn="ctr">
+                        <a:lnSpc>
+                          <a:spcPct val="115000"/>
+                        </a:lnSpc>
+                        <a:spcAft>
+                          <a:spcPts val="0"/>
+                        </a:spcAft>
+                      </a:pPr>
+                      <a:r>
+                        <a:rPr lang="fr-FR" sz="900">
+                          <a:latin typeface="Calibri"/>
+                          <a:ea typeface="Calibri"/>
+                          <a:cs typeface="Times New Roman"/>
+                        </a:rPr>
+                        <a:t>X</a:t>
+                      </a:r>
+                    </a:p>
+                  </a:txBody>
+                  <a:tcPr marL="57828" marR="57828" marT="0" marB="0">
+                    <a:lnL w="12700" cap="flat" cmpd="sng" algn="ctr">
+                      <a:solidFill>
+                        <a:srgbClr val="000000"/>
+                      </a:solidFill>
+                      <a:prstDash val="solid"/>
+                      <a:round/>
+                      <a:headEnd type="none" w="med" len="med"/>
+                      <a:tailEnd type="none" w="med" len="med"/>
+                    </a:lnL>
+                    <a:lnR w="12700" cap="flat" cmpd="sng" algn="ctr">
+                      <a:solidFill>
+                        <a:srgbClr val="000000"/>
+                      </a:solidFill>
+                      <a:prstDash val="solid"/>
+                      <a:round/>
+                      <a:headEnd type="none" w="med" len="med"/>
+                      <a:tailEnd type="none" w="med" len="med"/>
+                    </a:lnR>
+                    <a:lnT w="12700" cap="flat" cmpd="sng" algn="ctr">
+                      <a:solidFill>
+                        <a:srgbClr val="000000"/>
+                      </a:solidFill>
+                      <a:prstDash val="solid"/>
+                      <a:round/>
+                      <a:headEnd type="none" w="med" len="med"/>
+                      <a:tailEnd type="none" w="med" len="med"/>
+                    </a:lnT>
+                    <a:lnB w="12700" cap="flat" cmpd="sng" algn="ctr">
+                      <a:solidFill>
+                        <a:srgbClr val="000000"/>
+                      </a:solidFill>
+                      <a:prstDash val="solid"/>
+                      <a:round/>
+                      <a:headEnd type="none" w="med" len="med"/>
+                      <a:tailEnd type="none" w="med" len="med"/>
+                    </a:lnB>
+                  </a:tcPr>
+                </a:tc>
+              </a:tr>
+              <a:tr h="162560">
+                <a:tc>
+                  <a:txBody>
+                    <a:bodyPr/>
+                    <a:lstStyle/>
+                    <a:p>
+                      <a:pPr>
+                        <a:lnSpc>
+                          <a:spcPct val="115000"/>
+                        </a:lnSpc>
+                        <a:spcAft>
+                          <a:spcPts val="0"/>
+                        </a:spcAft>
+                      </a:pPr>
+                      <a:r>
+                        <a:rPr lang="fr-FR" sz="900">
+                          <a:latin typeface="Calibri"/>
+                          <a:ea typeface="Calibri"/>
+                          <a:cs typeface="Times New Roman"/>
+                        </a:rPr>
+                        <a:t>Fenêtre - Connexion</a:t>
+                      </a:r>
+                    </a:p>
+                  </a:txBody>
+                  <a:tcPr marL="57828" marR="57828" marT="0" marB="0">
+                    <a:lnL w="12700" cap="flat" cmpd="sng" algn="ctr">
+                      <a:solidFill>
+                        <a:srgbClr val="000000"/>
+                      </a:solidFill>
+                      <a:prstDash val="solid"/>
+                      <a:round/>
+                      <a:headEnd type="none" w="med" len="med"/>
+                      <a:tailEnd type="none" w="med" len="med"/>
+                    </a:lnL>
+                    <a:lnR w="12700" cap="flat" cmpd="sng" algn="ctr">
+                      <a:solidFill>
+                        <a:srgbClr val="000000"/>
+                      </a:solidFill>
+                      <a:prstDash val="solid"/>
+                      <a:round/>
+                      <a:headEnd type="none" w="med" len="med"/>
+                      <a:tailEnd type="none" w="med" len="med"/>
+                    </a:lnR>
+                    <a:lnT w="12700" cap="flat" cmpd="sng" algn="ctr">
+                      <a:solidFill>
+                        <a:srgbClr val="000000"/>
+                      </a:solidFill>
+                      <a:prstDash val="solid"/>
+                      <a:round/>
+                      <a:headEnd type="none" w="med" len="med"/>
+                      <a:tailEnd type="none" w="med" len="med"/>
+                    </a:lnT>
+                    <a:lnB w="12700" cap="flat" cmpd="sng" algn="ctr">
+                      <a:solidFill>
+                        <a:srgbClr val="000000"/>
+                      </a:solidFill>
+                      <a:prstDash val="solid"/>
+                      <a:round/>
+                      <a:headEnd type="none" w="med" len="med"/>
+                      <a:tailEnd type="none" w="med" len="med"/>
+                    </a:lnB>
+                  </a:tcPr>
+                </a:tc>
+                <a:tc>
+                  <a:txBody>
+                    <a:bodyPr/>
+                    <a:lstStyle/>
+                    <a:p>
+                      <a:pPr>
+                        <a:lnSpc>
+                          <a:spcPct val="115000"/>
+                        </a:lnSpc>
+                        <a:spcAft>
+                          <a:spcPts val="0"/>
+                        </a:spcAft>
+                      </a:pPr>
+                      <a:endParaRPr lang="fr-FR" sz="900">
+                        <a:latin typeface="Calibri"/>
+                        <a:ea typeface="Calibri"/>
+                        <a:cs typeface="Times New Roman"/>
+                      </a:endParaRPr>
+                    </a:p>
+                  </a:txBody>
+                  <a:tcPr marL="57828" marR="57828" marT="0" marB="0">
+                    <a:lnL w="12700" cap="flat" cmpd="sng" algn="ctr">
+                      <a:solidFill>
+                        <a:srgbClr val="000000"/>
+                      </a:solidFill>
+                      <a:prstDash val="solid"/>
+                      <a:round/>
+                      <a:headEnd type="none" w="med" len="med"/>
+                      <a:tailEnd type="none" w="med" len="med"/>
+                    </a:lnL>
+                    <a:lnR w="12700" cap="flat" cmpd="sng" algn="ctr">
+                      <a:solidFill>
+                        <a:srgbClr val="000000"/>
+                      </a:solidFill>
+                      <a:prstDash val="solid"/>
+                      <a:round/>
+                      <a:headEnd type="none" w="med" len="med"/>
+                      <a:tailEnd type="none" w="med" len="med"/>
+                    </a:lnR>
+                    <a:lnT w="12700" cap="flat" cmpd="sng" algn="ctr">
+                      <a:solidFill>
+                        <a:srgbClr val="000000"/>
+                      </a:solidFill>
+                      <a:prstDash val="solid"/>
+                      <a:round/>
+                      <a:headEnd type="none" w="med" len="med"/>
+                      <a:tailEnd type="none" w="med" len="med"/>
+                    </a:lnT>
+                    <a:lnB w="12700" cap="flat" cmpd="sng" algn="ctr">
+                      <a:solidFill>
+                        <a:srgbClr val="000000"/>
+                      </a:solidFill>
+                      <a:prstDash val="solid"/>
+                      <a:round/>
+                      <a:headEnd type="none" w="med" len="med"/>
+                      <a:tailEnd type="none" w="med" len="med"/>
+                    </a:lnB>
+                  </a:tcPr>
+                </a:tc>
+                <a:tc>
+                  <a:txBody>
+                    <a:bodyPr/>
+                    <a:lstStyle/>
+                    <a:p>
+                      <a:pPr algn="ctr">
+                        <a:lnSpc>
+                          <a:spcPct val="115000"/>
+                        </a:lnSpc>
+                        <a:spcAft>
+                          <a:spcPts val="0"/>
+                        </a:spcAft>
+                      </a:pPr>
+                      <a:r>
+                        <a:rPr lang="fr-FR" sz="900">
+                          <a:latin typeface="Calibri"/>
+                          <a:ea typeface="Calibri"/>
+                          <a:cs typeface="Times New Roman"/>
+                        </a:rPr>
+                        <a:t>X</a:t>
+                      </a:r>
+                    </a:p>
+                  </a:txBody>
+                  <a:tcPr marL="57828" marR="57828" marT="0" marB="0">
+                    <a:lnL w="12700" cap="flat" cmpd="sng" algn="ctr">
+                      <a:solidFill>
+                        <a:srgbClr val="000000"/>
+                      </a:solidFill>
+                      <a:prstDash val="solid"/>
+                      <a:round/>
+                      <a:headEnd type="none" w="med" len="med"/>
+                      <a:tailEnd type="none" w="med" len="med"/>
+                    </a:lnL>
+                    <a:lnR w="12700" cap="flat" cmpd="sng" algn="ctr">
+                      <a:solidFill>
+                        <a:srgbClr val="000000"/>
+                      </a:solidFill>
+                      <a:prstDash val="solid"/>
+                      <a:round/>
+                      <a:headEnd type="none" w="med" len="med"/>
+                      <a:tailEnd type="none" w="med" len="med"/>
+                    </a:lnR>
+                    <a:lnT w="12700" cap="flat" cmpd="sng" algn="ctr">
+                      <a:solidFill>
+                        <a:srgbClr val="000000"/>
+                      </a:solidFill>
+                      <a:prstDash val="solid"/>
+                      <a:round/>
+                      <a:headEnd type="none" w="med" len="med"/>
+                      <a:tailEnd type="none" w="med" len="med"/>
+                    </a:lnT>
+                    <a:lnB w="12700" cap="flat" cmpd="sng" algn="ctr">
+                      <a:solidFill>
+                        <a:srgbClr val="000000"/>
+                      </a:solidFill>
+                      <a:prstDash val="solid"/>
+                      <a:round/>
+                      <a:headEnd type="none" w="med" len="med"/>
+                      <a:tailEnd type="none" w="med" len="med"/>
+                    </a:lnB>
+                  </a:tcPr>
+                </a:tc>
+              </a:tr>
+              <a:tr h="162560">
+                <a:tc>
+                  <a:txBody>
+                    <a:bodyPr/>
+                    <a:lstStyle/>
+                    <a:p>
+                      <a:pPr>
+                        <a:lnSpc>
+                          <a:spcPct val="115000"/>
+                        </a:lnSpc>
+                        <a:spcAft>
+                          <a:spcPts val="0"/>
+                        </a:spcAft>
+                      </a:pPr>
+                      <a:r>
+                        <a:rPr lang="fr-FR" sz="900">
+                          <a:latin typeface="Calibri"/>
+                          <a:ea typeface="Calibri"/>
+                          <a:cs typeface="Times New Roman"/>
+                        </a:rPr>
+                        <a:t>Fenêtre - Home</a:t>
+                      </a:r>
+                    </a:p>
+                  </a:txBody>
+                  <a:tcPr marL="57828" marR="57828" marT="0" marB="0">
+                    <a:lnL w="12700" cap="flat" cmpd="sng" algn="ctr">
+                      <a:solidFill>
+                        <a:srgbClr val="000000"/>
+                      </a:solidFill>
+                      <a:prstDash val="solid"/>
+                      <a:round/>
+                      <a:headEnd type="none" w="med" len="med"/>
+                      <a:tailEnd type="none" w="med" len="med"/>
+                    </a:lnL>
+                    <a:lnR w="12700" cap="flat" cmpd="sng" algn="ctr">
+                      <a:solidFill>
+                        <a:srgbClr val="000000"/>
+                      </a:solidFill>
+                      <a:prstDash val="solid"/>
+                      <a:round/>
+                      <a:headEnd type="none" w="med" len="med"/>
+                      <a:tailEnd type="none" w="med" len="med"/>
+                    </a:lnR>
+                    <a:lnT w="12700" cap="flat" cmpd="sng" algn="ctr">
+                      <a:solidFill>
+                        <a:srgbClr val="000000"/>
+                      </a:solidFill>
+                      <a:prstDash val="solid"/>
+                      <a:round/>
+                      <a:headEnd type="none" w="med" len="med"/>
+                      <a:tailEnd type="none" w="med" len="med"/>
+                    </a:lnT>
+                    <a:lnB w="12700" cap="flat" cmpd="sng" algn="ctr">
+                      <a:solidFill>
+                        <a:srgbClr val="000000"/>
+                      </a:solidFill>
+                      <a:prstDash val="solid"/>
+                      <a:round/>
+                      <a:headEnd type="none" w="med" len="med"/>
+                      <a:tailEnd type="none" w="med" len="med"/>
+                    </a:lnB>
+                  </a:tcPr>
+                </a:tc>
+                <a:tc>
+                  <a:txBody>
+                    <a:bodyPr/>
+                    <a:lstStyle/>
+                    <a:p>
+                      <a:pPr algn="ctr">
+                        <a:lnSpc>
+                          <a:spcPct val="115000"/>
+                        </a:lnSpc>
+                        <a:spcAft>
+                          <a:spcPts val="0"/>
+                        </a:spcAft>
+                      </a:pPr>
+                      <a:r>
+                        <a:rPr lang="fr-FR" sz="900">
+                          <a:latin typeface="Calibri"/>
+                          <a:ea typeface="Calibri"/>
+                          <a:cs typeface="Times New Roman"/>
+                        </a:rPr>
+                        <a:t>X</a:t>
+                      </a:r>
+                    </a:p>
+                  </a:txBody>
+                  <a:tcPr marL="57828" marR="57828" marT="0" marB="0">
+                    <a:lnL w="12700" cap="flat" cmpd="sng" algn="ctr">
+                      <a:solidFill>
+                        <a:srgbClr val="000000"/>
+                      </a:solidFill>
+                      <a:prstDash val="solid"/>
+                      <a:round/>
+                      <a:headEnd type="none" w="med" len="med"/>
+                      <a:tailEnd type="none" w="med" len="med"/>
+                    </a:lnL>
+                    <a:lnR w="12700" cap="flat" cmpd="sng" algn="ctr">
+                      <a:solidFill>
+                        <a:srgbClr val="000000"/>
+                      </a:solidFill>
+                      <a:prstDash val="solid"/>
+                      <a:round/>
+                      <a:headEnd type="none" w="med" len="med"/>
+                      <a:tailEnd type="none" w="med" len="med"/>
+                    </a:lnR>
+                    <a:lnT w="12700" cap="flat" cmpd="sng" algn="ctr">
+                      <a:solidFill>
+                        <a:srgbClr val="000000"/>
+                      </a:solidFill>
+                      <a:prstDash val="solid"/>
+                      <a:round/>
+                      <a:headEnd type="none" w="med" len="med"/>
+                      <a:tailEnd type="none" w="med" len="med"/>
+                    </a:lnT>
+                    <a:lnB w="12700" cap="flat" cmpd="sng" algn="ctr">
+                      <a:solidFill>
+                        <a:srgbClr val="000000"/>
+                      </a:solidFill>
+                      <a:prstDash val="solid"/>
+                      <a:round/>
+                      <a:headEnd type="none" w="med" len="med"/>
+                      <a:tailEnd type="none" w="med" len="med"/>
+                    </a:lnB>
+                  </a:tcPr>
+                </a:tc>
+                <a:tc>
+                  <a:txBody>
+                    <a:bodyPr/>
+                    <a:lstStyle/>
+                    <a:p>
+                      <a:pPr algn="ctr">
+                        <a:lnSpc>
+                          <a:spcPct val="115000"/>
+                        </a:lnSpc>
+                        <a:spcAft>
+                          <a:spcPts val="0"/>
+                        </a:spcAft>
+                      </a:pPr>
+                      <a:endParaRPr lang="fr-FR" sz="900">
+                        <a:latin typeface="Calibri"/>
+                        <a:ea typeface="Calibri"/>
+                        <a:cs typeface="Times New Roman"/>
+                      </a:endParaRPr>
+                    </a:p>
+                  </a:txBody>
+                  <a:tcPr marL="57828" marR="57828" marT="0" marB="0">
+                    <a:lnL w="12700" cap="flat" cmpd="sng" algn="ctr">
+                      <a:solidFill>
+                        <a:srgbClr val="000000"/>
+                      </a:solidFill>
+                      <a:prstDash val="solid"/>
+                      <a:round/>
+                      <a:headEnd type="none" w="med" len="med"/>
+                      <a:tailEnd type="none" w="med" len="med"/>
+                    </a:lnL>
+                    <a:lnR w="12700" cap="flat" cmpd="sng" algn="ctr">
+                      <a:solidFill>
+                        <a:srgbClr val="000000"/>
+                      </a:solidFill>
+                      <a:prstDash val="solid"/>
+                      <a:round/>
+                      <a:headEnd type="none" w="med" len="med"/>
+                      <a:tailEnd type="none" w="med" len="med"/>
+                    </a:lnR>
+                    <a:lnT w="12700" cap="flat" cmpd="sng" algn="ctr">
+                      <a:solidFill>
+                        <a:srgbClr val="000000"/>
+                      </a:solidFill>
+                      <a:prstDash val="solid"/>
+                      <a:round/>
+                      <a:headEnd type="none" w="med" len="med"/>
+                      <a:tailEnd type="none" w="med" len="med"/>
+                    </a:lnT>
+                    <a:lnB w="12700" cap="flat" cmpd="sng" algn="ctr">
+                      <a:solidFill>
+                        <a:srgbClr val="000000"/>
+                      </a:solidFill>
+                      <a:prstDash val="solid"/>
+                      <a:round/>
+                      <a:headEnd type="none" w="med" len="med"/>
+                      <a:tailEnd type="none" w="med" len="med"/>
+                    </a:lnB>
+                  </a:tcPr>
+                </a:tc>
+              </a:tr>
+              <a:tr h="162560">
+                <a:tc>
+                  <a:txBody>
+                    <a:bodyPr/>
+                    <a:lstStyle/>
+                    <a:p>
+                      <a:pPr>
+                        <a:lnSpc>
+                          <a:spcPct val="115000"/>
+                        </a:lnSpc>
+                        <a:spcAft>
+                          <a:spcPts val="0"/>
+                        </a:spcAft>
+                      </a:pPr>
+                      <a:r>
+                        <a:rPr lang="fr-FR" sz="900">
+                          <a:latin typeface="Calibri"/>
+                          <a:ea typeface="Calibri"/>
+                          <a:cs typeface="Times New Roman"/>
+                        </a:rPr>
+                        <a:t>Fenêtre - Historique</a:t>
+                      </a:r>
+                    </a:p>
+                  </a:txBody>
+                  <a:tcPr marL="57828" marR="57828" marT="0" marB="0">
+                    <a:lnL w="12700" cap="flat" cmpd="sng" algn="ctr">
+                      <a:solidFill>
+                        <a:srgbClr val="000000"/>
+                      </a:solidFill>
+                      <a:prstDash val="solid"/>
+                      <a:round/>
+                      <a:headEnd type="none" w="med" len="med"/>
+                      <a:tailEnd type="none" w="med" len="med"/>
+                    </a:lnL>
+                    <a:lnR w="12700" cap="flat" cmpd="sng" algn="ctr">
+                      <a:solidFill>
+                        <a:srgbClr val="000000"/>
+                      </a:solidFill>
+                      <a:prstDash val="solid"/>
+                      <a:round/>
+                      <a:headEnd type="none" w="med" len="med"/>
+                      <a:tailEnd type="none" w="med" len="med"/>
+                    </a:lnR>
+                    <a:lnT w="12700" cap="flat" cmpd="sng" algn="ctr">
+                      <a:solidFill>
+                        <a:srgbClr val="000000"/>
+                      </a:solidFill>
+                      <a:prstDash val="solid"/>
+                      <a:round/>
+                      <a:headEnd type="none" w="med" len="med"/>
+                      <a:tailEnd type="none" w="med" len="med"/>
+                    </a:lnT>
+                    <a:lnB w="12700" cap="flat" cmpd="sng" algn="ctr">
+                      <a:solidFill>
+                        <a:srgbClr val="000000"/>
+                      </a:solidFill>
+                      <a:prstDash val="solid"/>
+                      <a:round/>
+                      <a:headEnd type="none" w="med" len="med"/>
+                      <a:tailEnd type="none" w="med" len="med"/>
+                    </a:lnB>
+                  </a:tcPr>
+                </a:tc>
+                <a:tc>
+                  <a:txBody>
+                    <a:bodyPr/>
+                    <a:lstStyle/>
+                    <a:p>
+                      <a:pPr algn="ctr">
+                        <a:lnSpc>
+                          <a:spcPct val="115000"/>
+                        </a:lnSpc>
+                        <a:spcAft>
+                          <a:spcPts val="0"/>
+                        </a:spcAft>
+                      </a:pPr>
+                      <a:endParaRPr lang="fr-FR" sz="900">
+                        <a:latin typeface="Calibri"/>
+                        <a:ea typeface="Calibri"/>
+                        <a:cs typeface="Times New Roman"/>
+                      </a:endParaRPr>
+                    </a:p>
+                  </a:txBody>
+                  <a:tcPr marL="57828" marR="57828" marT="0" marB="0">
+                    <a:lnL w="12700" cap="flat" cmpd="sng" algn="ctr">
+                      <a:solidFill>
+                        <a:srgbClr val="000000"/>
+                      </a:solidFill>
+                      <a:prstDash val="solid"/>
+                      <a:round/>
+                      <a:headEnd type="none" w="med" len="med"/>
+                      <a:tailEnd type="none" w="med" len="med"/>
+                    </a:lnL>
+                    <a:lnR w="12700" cap="flat" cmpd="sng" algn="ctr">
+                      <a:solidFill>
+                        <a:srgbClr val="000000"/>
+                      </a:solidFill>
+                      <a:prstDash val="solid"/>
+                      <a:round/>
+                      <a:headEnd type="none" w="med" len="med"/>
+                      <a:tailEnd type="none" w="med" len="med"/>
+                    </a:lnR>
+                    <a:lnT w="12700" cap="flat" cmpd="sng" algn="ctr">
+                      <a:solidFill>
+                        <a:srgbClr val="000000"/>
+                      </a:solidFill>
+                      <a:prstDash val="solid"/>
+                      <a:round/>
+                      <a:headEnd type="none" w="med" len="med"/>
+                      <a:tailEnd type="none" w="med" len="med"/>
+                    </a:lnT>
+                    <a:lnB w="12700" cap="flat" cmpd="sng" algn="ctr">
+                      <a:solidFill>
+                        <a:srgbClr val="000000"/>
+                      </a:solidFill>
+                      <a:prstDash val="solid"/>
+                      <a:round/>
+                      <a:headEnd type="none" w="med" len="med"/>
+                      <a:tailEnd type="none" w="med" len="med"/>
+                    </a:lnB>
+                  </a:tcPr>
+                </a:tc>
+                <a:tc>
+                  <a:txBody>
+                    <a:bodyPr/>
+                    <a:lstStyle/>
+                    <a:p>
+                      <a:pPr algn="ctr">
+                        <a:lnSpc>
+                          <a:spcPct val="115000"/>
+                        </a:lnSpc>
+                        <a:spcAft>
+                          <a:spcPts val="0"/>
+                        </a:spcAft>
+                      </a:pPr>
+                      <a:r>
+                        <a:rPr lang="fr-FR" sz="900">
+                          <a:latin typeface="Calibri"/>
+                          <a:ea typeface="Calibri"/>
+                          <a:cs typeface="Times New Roman"/>
+                        </a:rPr>
+                        <a:t>X</a:t>
+                      </a:r>
+                    </a:p>
+                  </a:txBody>
+                  <a:tcPr marL="57828" marR="57828" marT="0" marB="0">
+                    <a:lnL w="12700" cap="flat" cmpd="sng" algn="ctr">
+                      <a:solidFill>
+                        <a:srgbClr val="000000"/>
+                      </a:solidFill>
+                      <a:prstDash val="solid"/>
+                      <a:round/>
+                      <a:headEnd type="none" w="med" len="med"/>
+                      <a:tailEnd type="none" w="med" len="med"/>
+                    </a:lnL>
+                    <a:lnR w="12700" cap="flat" cmpd="sng" algn="ctr">
+                      <a:solidFill>
+                        <a:srgbClr val="000000"/>
+                      </a:solidFill>
+                      <a:prstDash val="solid"/>
+                      <a:round/>
+                      <a:headEnd type="none" w="med" len="med"/>
+                      <a:tailEnd type="none" w="med" len="med"/>
+                    </a:lnR>
+                    <a:lnT w="12700" cap="flat" cmpd="sng" algn="ctr">
+                      <a:solidFill>
+                        <a:srgbClr val="000000"/>
+                      </a:solidFill>
+                      <a:prstDash val="solid"/>
+                      <a:round/>
+                      <a:headEnd type="none" w="med" len="med"/>
+                      <a:tailEnd type="none" w="med" len="med"/>
+                    </a:lnT>
+                    <a:lnB w="12700" cap="flat" cmpd="sng" algn="ctr">
+                      <a:solidFill>
+                        <a:srgbClr val="000000"/>
+                      </a:solidFill>
+                      <a:prstDash val="solid"/>
+                      <a:round/>
+                      <a:headEnd type="none" w="med" len="med"/>
+                      <a:tailEnd type="none" w="med" len="med"/>
+                    </a:lnB>
+                  </a:tcPr>
+                </a:tc>
+              </a:tr>
+              <a:tr h="162560">
+                <a:tc>
+                  <a:txBody>
+                    <a:bodyPr/>
+                    <a:lstStyle/>
+                    <a:p>
+                      <a:pPr>
+                        <a:lnSpc>
+                          <a:spcPct val="115000"/>
+                        </a:lnSpc>
+                        <a:spcAft>
+                          <a:spcPts val="0"/>
+                        </a:spcAft>
+                      </a:pPr>
+                      <a:r>
+                        <a:rPr lang="fr-FR" sz="900">
+                          <a:latin typeface="Calibri"/>
+                          <a:ea typeface="Calibri"/>
+                          <a:cs typeface="Times New Roman"/>
+                        </a:rPr>
+                        <a:t>Fenêtre - Ajout étudiant</a:t>
+                      </a:r>
+                    </a:p>
+                  </a:txBody>
+                  <a:tcPr marL="57828" marR="57828" marT="0" marB="0">
+                    <a:lnL w="12700" cap="flat" cmpd="sng" algn="ctr">
+                      <a:solidFill>
+                        <a:srgbClr val="000000"/>
+                      </a:solidFill>
+                      <a:prstDash val="solid"/>
+                      <a:round/>
+                      <a:headEnd type="none" w="med" len="med"/>
+                      <a:tailEnd type="none" w="med" len="med"/>
+                    </a:lnL>
+                    <a:lnR w="12700" cap="flat" cmpd="sng" algn="ctr">
+                      <a:solidFill>
+                        <a:srgbClr val="000000"/>
+                      </a:solidFill>
+                      <a:prstDash val="solid"/>
+                      <a:round/>
+                      <a:headEnd type="none" w="med" len="med"/>
+                      <a:tailEnd type="none" w="med" len="med"/>
+                    </a:lnR>
+                    <a:lnT w="12700" cap="flat" cmpd="sng" algn="ctr">
+                      <a:solidFill>
+                        <a:srgbClr val="000000"/>
+                      </a:solidFill>
+                      <a:prstDash val="solid"/>
+                      <a:round/>
+                      <a:headEnd type="none" w="med" len="med"/>
+                      <a:tailEnd type="none" w="med" len="med"/>
+                    </a:lnT>
+                    <a:lnB w="12700" cap="flat" cmpd="sng" algn="ctr">
+                      <a:solidFill>
+                        <a:srgbClr val="000000"/>
+                      </a:solidFill>
+                      <a:prstDash val="solid"/>
+                      <a:round/>
+                      <a:headEnd type="none" w="med" len="med"/>
+                      <a:tailEnd type="none" w="med" len="med"/>
+                    </a:lnB>
+                  </a:tcPr>
+                </a:tc>
+                <a:tc>
+                  <a:txBody>
+                    <a:bodyPr/>
+                    <a:lstStyle/>
+                    <a:p>
+                      <a:pPr algn="ctr">
+                        <a:lnSpc>
+                          <a:spcPct val="115000"/>
+                        </a:lnSpc>
+                        <a:spcAft>
+                          <a:spcPts val="0"/>
+                        </a:spcAft>
+                      </a:pPr>
+                      <a:r>
+                        <a:rPr lang="fr-FR" sz="900">
+                          <a:latin typeface="Calibri"/>
+                          <a:ea typeface="Calibri"/>
+                          <a:cs typeface="Times New Roman"/>
+                        </a:rPr>
+                        <a:t>X</a:t>
+                      </a:r>
+                    </a:p>
+                  </a:txBody>
+                  <a:tcPr marL="57828" marR="57828" marT="0" marB="0">
+                    <a:lnL w="12700" cap="flat" cmpd="sng" algn="ctr">
+                      <a:solidFill>
+                        <a:srgbClr val="000000"/>
+                      </a:solidFill>
+                      <a:prstDash val="solid"/>
+                      <a:round/>
+                      <a:headEnd type="none" w="med" len="med"/>
+                      <a:tailEnd type="none" w="med" len="med"/>
+                    </a:lnL>
+                    <a:lnR w="12700" cap="flat" cmpd="sng" algn="ctr">
+                      <a:solidFill>
+                        <a:srgbClr val="000000"/>
+                      </a:solidFill>
+                      <a:prstDash val="solid"/>
+                      <a:round/>
+                      <a:headEnd type="none" w="med" len="med"/>
+                      <a:tailEnd type="none" w="med" len="med"/>
+                    </a:lnR>
+                    <a:lnT w="12700" cap="flat" cmpd="sng" algn="ctr">
+                      <a:solidFill>
+                        <a:srgbClr val="000000"/>
+                      </a:solidFill>
+                      <a:prstDash val="solid"/>
+                      <a:round/>
+                      <a:headEnd type="none" w="med" len="med"/>
+                      <a:tailEnd type="none" w="med" len="med"/>
+                    </a:lnT>
+                    <a:lnB w="12700" cap="flat" cmpd="sng" algn="ctr">
+                      <a:solidFill>
+                        <a:srgbClr val="000000"/>
+                      </a:solidFill>
+                      <a:prstDash val="solid"/>
+                      <a:round/>
+                      <a:headEnd type="none" w="med" len="med"/>
+                      <a:tailEnd type="none" w="med" len="med"/>
+                    </a:lnB>
+                  </a:tcPr>
+                </a:tc>
+                <a:tc>
+                  <a:txBody>
+                    <a:bodyPr/>
+                    <a:lstStyle/>
+                    <a:p>
+                      <a:pPr algn="ctr">
+                        <a:lnSpc>
+                          <a:spcPct val="115000"/>
+                        </a:lnSpc>
+                        <a:spcAft>
+                          <a:spcPts val="0"/>
+                        </a:spcAft>
+                      </a:pPr>
+                      <a:endParaRPr lang="fr-FR" sz="900">
+                        <a:latin typeface="Calibri"/>
+                        <a:ea typeface="Calibri"/>
+                        <a:cs typeface="Times New Roman"/>
+                      </a:endParaRPr>
+                    </a:p>
+                  </a:txBody>
+                  <a:tcPr marL="57828" marR="57828" marT="0" marB="0">
+                    <a:lnL w="12700" cap="flat" cmpd="sng" algn="ctr">
+                      <a:solidFill>
+                        <a:srgbClr val="000000"/>
+                      </a:solidFill>
+                      <a:prstDash val="solid"/>
+                      <a:round/>
+                      <a:headEnd type="none" w="med" len="med"/>
+                      <a:tailEnd type="none" w="med" len="med"/>
+                    </a:lnL>
+                    <a:lnR w="12700" cap="flat" cmpd="sng" algn="ctr">
+                      <a:solidFill>
+                        <a:srgbClr val="000000"/>
+                      </a:solidFill>
+                      <a:prstDash val="solid"/>
+                      <a:round/>
+                      <a:headEnd type="none" w="med" len="med"/>
+                      <a:tailEnd type="none" w="med" len="med"/>
+                    </a:lnR>
+                    <a:lnT w="12700" cap="flat" cmpd="sng" algn="ctr">
+                      <a:solidFill>
+                        <a:srgbClr val="000000"/>
+                      </a:solidFill>
+                      <a:prstDash val="solid"/>
+                      <a:round/>
+                      <a:headEnd type="none" w="med" len="med"/>
+                      <a:tailEnd type="none" w="med" len="med"/>
+                    </a:lnT>
+                    <a:lnB w="12700" cap="flat" cmpd="sng" algn="ctr">
+                      <a:solidFill>
+                        <a:srgbClr val="000000"/>
+                      </a:solidFill>
+                      <a:prstDash val="solid"/>
+                      <a:round/>
+                      <a:headEnd type="none" w="med" len="med"/>
+                      <a:tailEnd type="none" w="med" len="med"/>
+                    </a:lnB>
+                  </a:tcPr>
+                </a:tc>
+              </a:tr>
+              <a:tr h="162560">
+                <a:tc>
+                  <a:txBody>
+                    <a:bodyPr/>
+                    <a:lstStyle/>
+                    <a:p>
+                      <a:pPr>
+                        <a:lnSpc>
+                          <a:spcPct val="115000"/>
+                        </a:lnSpc>
+                        <a:spcAft>
+                          <a:spcPts val="0"/>
+                        </a:spcAft>
+                      </a:pPr>
+                      <a:r>
+                        <a:rPr lang="fr-FR" sz="900">
+                          <a:latin typeface="Calibri"/>
+                          <a:ea typeface="Calibri"/>
+                          <a:cs typeface="Times New Roman"/>
+                        </a:rPr>
+                        <a:t>Fenêtre - Edition étudiant</a:t>
+                      </a:r>
+                    </a:p>
+                  </a:txBody>
+                  <a:tcPr marL="57828" marR="57828" marT="0" marB="0">
+                    <a:lnL w="12700" cap="flat" cmpd="sng" algn="ctr">
+                      <a:solidFill>
+                        <a:srgbClr val="000000"/>
+                      </a:solidFill>
+                      <a:prstDash val="solid"/>
+                      <a:round/>
+                      <a:headEnd type="none" w="med" len="med"/>
+                      <a:tailEnd type="none" w="med" len="med"/>
+                    </a:lnL>
+                    <a:lnR w="12700" cap="flat" cmpd="sng" algn="ctr">
+                      <a:solidFill>
+                        <a:srgbClr val="000000"/>
+                      </a:solidFill>
+                      <a:prstDash val="solid"/>
+                      <a:round/>
+                      <a:headEnd type="none" w="med" len="med"/>
+                      <a:tailEnd type="none" w="med" len="med"/>
+                    </a:lnR>
+                    <a:lnT w="12700" cap="flat" cmpd="sng" algn="ctr">
+                      <a:solidFill>
+                        <a:srgbClr val="000000"/>
+                      </a:solidFill>
+                      <a:prstDash val="solid"/>
+                      <a:round/>
+                      <a:headEnd type="none" w="med" len="med"/>
+                      <a:tailEnd type="none" w="med" len="med"/>
+                    </a:lnT>
+                    <a:lnB w="12700" cap="flat" cmpd="sng" algn="ctr">
+                      <a:solidFill>
+                        <a:srgbClr val="000000"/>
+                      </a:solidFill>
+                      <a:prstDash val="solid"/>
+                      <a:round/>
+                      <a:headEnd type="none" w="med" len="med"/>
+                      <a:tailEnd type="none" w="med" len="med"/>
+                    </a:lnB>
+                  </a:tcPr>
+                </a:tc>
+                <a:tc>
+                  <a:txBody>
+                    <a:bodyPr/>
+                    <a:lstStyle/>
+                    <a:p>
+                      <a:pPr algn="ctr">
+                        <a:lnSpc>
+                          <a:spcPct val="115000"/>
+                        </a:lnSpc>
+                        <a:spcAft>
+                          <a:spcPts val="0"/>
+                        </a:spcAft>
+                      </a:pPr>
+                      <a:r>
+                        <a:rPr lang="fr-FR" sz="900">
+                          <a:latin typeface="Calibri"/>
+                          <a:ea typeface="Calibri"/>
+                          <a:cs typeface="Times New Roman"/>
+                        </a:rPr>
+                        <a:t>X</a:t>
+                      </a:r>
+                    </a:p>
+                  </a:txBody>
+                  <a:tcPr marL="57828" marR="57828" marT="0" marB="0">
+                    <a:lnL w="12700" cap="flat" cmpd="sng" algn="ctr">
+                      <a:solidFill>
+                        <a:srgbClr val="000000"/>
+                      </a:solidFill>
+                      <a:prstDash val="solid"/>
+                      <a:round/>
+                      <a:headEnd type="none" w="med" len="med"/>
+                      <a:tailEnd type="none" w="med" len="med"/>
+                    </a:lnL>
+                    <a:lnR w="12700" cap="flat" cmpd="sng" algn="ctr">
+                      <a:solidFill>
+                        <a:srgbClr val="000000"/>
+                      </a:solidFill>
+                      <a:prstDash val="solid"/>
+                      <a:round/>
+                      <a:headEnd type="none" w="med" len="med"/>
+                      <a:tailEnd type="none" w="med" len="med"/>
+                    </a:lnR>
+                    <a:lnT w="12700" cap="flat" cmpd="sng" algn="ctr">
+                      <a:solidFill>
+                        <a:srgbClr val="000000"/>
+                      </a:solidFill>
+                      <a:prstDash val="solid"/>
+                      <a:round/>
+                      <a:headEnd type="none" w="med" len="med"/>
+                      <a:tailEnd type="none" w="med" len="med"/>
+                    </a:lnT>
+                    <a:lnB w="12700" cap="flat" cmpd="sng" algn="ctr">
+                      <a:solidFill>
+                        <a:srgbClr val="000000"/>
+                      </a:solidFill>
+                      <a:prstDash val="solid"/>
+                      <a:round/>
+                      <a:headEnd type="none" w="med" len="med"/>
+                      <a:tailEnd type="none" w="med" len="med"/>
+                    </a:lnB>
+                  </a:tcPr>
+                </a:tc>
+                <a:tc>
+                  <a:txBody>
+                    <a:bodyPr/>
+                    <a:lstStyle/>
+                    <a:p>
+                      <a:pPr algn="ctr">
+                        <a:lnSpc>
+                          <a:spcPct val="115000"/>
+                        </a:lnSpc>
+                        <a:spcAft>
+                          <a:spcPts val="0"/>
+                        </a:spcAft>
+                      </a:pPr>
+                      <a:endParaRPr lang="fr-FR" sz="900">
+                        <a:latin typeface="Calibri"/>
+                        <a:ea typeface="Calibri"/>
+                        <a:cs typeface="Times New Roman"/>
+                      </a:endParaRPr>
+                    </a:p>
+                  </a:txBody>
+                  <a:tcPr marL="57828" marR="57828" marT="0" marB="0">
+                    <a:lnL w="12700" cap="flat" cmpd="sng" algn="ctr">
+                      <a:solidFill>
+                        <a:srgbClr val="000000"/>
+                      </a:solidFill>
+                      <a:prstDash val="solid"/>
+                      <a:round/>
+                      <a:headEnd type="none" w="med" len="med"/>
+                      <a:tailEnd type="none" w="med" len="med"/>
+                    </a:lnL>
+                    <a:lnR w="12700" cap="flat" cmpd="sng" algn="ctr">
+                      <a:solidFill>
+                        <a:srgbClr val="000000"/>
+                      </a:solidFill>
+                      <a:prstDash val="solid"/>
+                      <a:round/>
+                      <a:headEnd type="none" w="med" len="med"/>
+                      <a:tailEnd type="none" w="med" len="med"/>
+                    </a:lnR>
+                    <a:lnT w="12700" cap="flat" cmpd="sng" algn="ctr">
+                      <a:solidFill>
+                        <a:srgbClr val="000000"/>
+                      </a:solidFill>
+                      <a:prstDash val="solid"/>
+                      <a:round/>
+                      <a:headEnd type="none" w="med" len="med"/>
+                      <a:tailEnd type="none" w="med" len="med"/>
+                    </a:lnT>
+                    <a:lnB w="12700" cap="flat" cmpd="sng" algn="ctr">
+                      <a:solidFill>
+                        <a:srgbClr val="000000"/>
+                      </a:solidFill>
+                      <a:prstDash val="solid"/>
+                      <a:round/>
+                      <a:headEnd type="none" w="med" len="med"/>
+                      <a:tailEnd type="none" w="med" len="med"/>
+                    </a:lnB>
+                  </a:tcPr>
+                </a:tc>
+              </a:tr>
+              <a:tr h="325120">
+                <a:tc>
+                  <a:txBody>
+                    <a:bodyPr/>
+                    <a:lstStyle/>
+                    <a:p>
+                      <a:pPr>
+                        <a:lnSpc>
+                          <a:spcPct val="115000"/>
+                        </a:lnSpc>
+                        <a:spcAft>
+                          <a:spcPts val="0"/>
+                        </a:spcAft>
+                      </a:pPr>
+                      <a:r>
+                        <a:rPr lang="fr-FR" sz="900">
+                          <a:latin typeface="Calibri"/>
+                          <a:ea typeface="Calibri"/>
+                          <a:cs typeface="Times New Roman"/>
+                        </a:rPr>
+                        <a:t>Fenêtre - Gestion des étudiants</a:t>
+                      </a:r>
+                    </a:p>
+                  </a:txBody>
+                  <a:tcPr marL="57828" marR="57828" marT="0" marB="0">
+                    <a:lnL w="12700" cap="flat" cmpd="sng" algn="ctr">
+                      <a:solidFill>
+                        <a:srgbClr val="000000"/>
+                      </a:solidFill>
+                      <a:prstDash val="solid"/>
+                      <a:round/>
+                      <a:headEnd type="none" w="med" len="med"/>
+                      <a:tailEnd type="none" w="med" len="med"/>
+                    </a:lnL>
+                    <a:lnR w="12700" cap="flat" cmpd="sng" algn="ctr">
+                      <a:solidFill>
+                        <a:srgbClr val="000000"/>
+                      </a:solidFill>
+                      <a:prstDash val="solid"/>
+                      <a:round/>
+                      <a:headEnd type="none" w="med" len="med"/>
+                      <a:tailEnd type="none" w="med" len="med"/>
+                    </a:lnR>
+                    <a:lnT w="12700" cap="flat" cmpd="sng" algn="ctr">
+                      <a:solidFill>
+                        <a:srgbClr val="000000"/>
+                      </a:solidFill>
+                      <a:prstDash val="solid"/>
+                      <a:round/>
+                      <a:headEnd type="none" w="med" len="med"/>
+                      <a:tailEnd type="none" w="med" len="med"/>
+                    </a:lnT>
+                    <a:lnB w="12700" cap="flat" cmpd="sng" algn="ctr">
+                      <a:solidFill>
+                        <a:srgbClr val="000000"/>
+                      </a:solidFill>
+                      <a:prstDash val="solid"/>
+                      <a:round/>
+                      <a:headEnd type="none" w="med" len="med"/>
+                      <a:tailEnd type="none" w="med" len="med"/>
+                    </a:lnB>
+                  </a:tcPr>
+                </a:tc>
+                <a:tc>
+                  <a:txBody>
+                    <a:bodyPr/>
+                    <a:lstStyle/>
+                    <a:p>
+                      <a:pPr algn="ctr">
+                        <a:lnSpc>
+                          <a:spcPct val="115000"/>
+                        </a:lnSpc>
+                        <a:spcAft>
+                          <a:spcPts val="0"/>
+                        </a:spcAft>
+                      </a:pPr>
+                      <a:r>
+                        <a:rPr lang="fr-FR" sz="900">
+                          <a:latin typeface="Calibri"/>
+                          <a:ea typeface="Calibri"/>
+                          <a:cs typeface="Times New Roman"/>
+                        </a:rPr>
+                        <a:t>X</a:t>
+                      </a:r>
+                    </a:p>
+                  </a:txBody>
+                  <a:tcPr marL="57828" marR="57828" marT="0" marB="0">
+                    <a:lnL w="12700" cap="flat" cmpd="sng" algn="ctr">
+                      <a:solidFill>
+                        <a:srgbClr val="000000"/>
+                      </a:solidFill>
+                      <a:prstDash val="solid"/>
+                      <a:round/>
+                      <a:headEnd type="none" w="med" len="med"/>
+                      <a:tailEnd type="none" w="med" len="med"/>
+                    </a:lnL>
+                    <a:lnR w="12700" cap="flat" cmpd="sng" algn="ctr">
+                      <a:solidFill>
+                        <a:srgbClr val="000000"/>
+                      </a:solidFill>
+                      <a:prstDash val="solid"/>
+                      <a:round/>
+                      <a:headEnd type="none" w="med" len="med"/>
+                      <a:tailEnd type="none" w="med" len="med"/>
+                    </a:lnR>
+                    <a:lnT w="12700" cap="flat" cmpd="sng" algn="ctr">
+                      <a:solidFill>
+                        <a:srgbClr val="000000"/>
+                      </a:solidFill>
+                      <a:prstDash val="solid"/>
+                      <a:round/>
+                      <a:headEnd type="none" w="med" len="med"/>
+                      <a:tailEnd type="none" w="med" len="med"/>
+                    </a:lnT>
+                    <a:lnB w="12700" cap="flat" cmpd="sng" algn="ctr">
+                      <a:solidFill>
+                        <a:srgbClr val="000000"/>
+                      </a:solidFill>
+                      <a:prstDash val="solid"/>
+                      <a:round/>
+                      <a:headEnd type="none" w="med" len="med"/>
+                      <a:tailEnd type="none" w="med" len="med"/>
+                    </a:lnB>
+                  </a:tcPr>
+                </a:tc>
+                <a:tc>
+                  <a:txBody>
+                    <a:bodyPr/>
+                    <a:lstStyle/>
+                    <a:p>
+                      <a:pPr algn="ctr">
+                        <a:lnSpc>
+                          <a:spcPct val="115000"/>
+                        </a:lnSpc>
+                        <a:spcAft>
+                          <a:spcPts val="0"/>
+                        </a:spcAft>
+                      </a:pPr>
+                      <a:endParaRPr lang="fr-FR" sz="900">
+                        <a:latin typeface="Calibri"/>
+                        <a:ea typeface="Calibri"/>
+                        <a:cs typeface="Times New Roman"/>
+                      </a:endParaRPr>
+                    </a:p>
+                  </a:txBody>
+                  <a:tcPr marL="57828" marR="57828" marT="0" marB="0">
+                    <a:lnL w="12700" cap="flat" cmpd="sng" algn="ctr">
+                      <a:solidFill>
+                        <a:srgbClr val="000000"/>
+                      </a:solidFill>
+                      <a:prstDash val="solid"/>
+                      <a:round/>
+                      <a:headEnd type="none" w="med" len="med"/>
+                      <a:tailEnd type="none" w="med" len="med"/>
+                    </a:lnL>
+                    <a:lnR w="12700" cap="flat" cmpd="sng" algn="ctr">
+                      <a:solidFill>
+                        <a:srgbClr val="000000"/>
+                      </a:solidFill>
+                      <a:prstDash val="solid"/>
+                      <a:round/>
+                      <a:headEnd type="none" w="med" len="med"/>
+                      <a:tailEnd type="none" w="med" len="med"/>
+                    </a:lnR>
+                    <a:lnT w="12700" cap="flat" cmpd="sng" algn="ctr">
+                      <a:solidFill>
+                        <a:srgbClr val="000000"/>
+                      </a:solidFill>
+                      <a:prstDash val="solid"/>
+                      <a:round/>
+                      <a:headEnd type="none" w="med" len="med"/>
+                      <a:tailEnd type="none" w="med" len="med"/>
+                    </a:lnT>
+                    <a:lnB w="12700" cap="flat" cmpd="sng" algn="ctr">
+                      <a:solidFill>
+                        <a:srgbClr val="000000"/>
+                      </a:solidFill>
+                      <a:prstDash val="solid"/>
+                      <a:round/>
+                      <a:headEnd type="none" w="med" len="med"/>
+                      <a:tailEnd type="none" w="med" len="med"/>
+                    </a:lnB>
+                  </a:tcPr>
+                </a:tc>
+              </a:tr>
+              <a:tr h="325120">
+                <a:tc>
+                  <a:txBody>
+                    <a:bodyPr/>
+                    <a:lstStyle/>
+                    <a:p>
+                      <a:pPr>
+                        <a:lnSpc>
+                          <a:spcPct val="115000"/>
+                        </a:lnSpc>
+                        <a:spcAft>
+                          <a:spcPts val="0"/>
+                        </a:spcAft>
+                      </a:pPr>
+                      <a:r>
+                        <a:rPr lang="fr-FR" sz="900">
+                          <a:latin typeface="Calibri"/>
+                          <a:ea typeface="Calibri"/>
+                          <a:cs typeface="Times New Roman"/>
+                        </a:rPr>
+                        <a:t>Encryptions des mots de passes</a:t>
+                      </a:r>
+                    </a:p>
+                  </a:txBody>
+                  <a:tcPr marL="57828" marR="57828" marT="0" marB="0">
+                    <a:lnL w="12700" cap="flat" cmpd="sng" algn="ctr">
+                      <a:solidFill>
+                        <a:srgbClr val="000000"/>
+                      </a:solidFill>
+                      <a:prstDash val="solid"/>
+                      <a:round/>
+                      <a:headEnd type="none" w="med" len="med"/>
+                      <a:tailEnd type="none" w="med" len="med"/>
+                    </a:lnL>
+                    <a:lnR w="12700" cap="flat" cmpd="sng" algn="ctr">
+                      <a:solidFill>
+                        <a:srgbClr val="000000"/>
+                      </a:solidFill>
+                      <a:prstDash val="solid"/>
+                      <a:round/>
+                      <a:headEnd type="none" w="med" len="med"/>
+                      <a:tailEnd type="none" w="med" len="med"/>
+                    </a:lnR>
+                    <a:lnT w="12700" cap="flat" cmpd="sng" algn="ctr">
+                      <a:solidFill>
+                        <a:srgbClr val="000000"/>
+                      </a:solidFill>
+                      <a:prstDash val="solid"/>
+                      <a:round/>
+                      <a:headEnd type="none" w="med" len="med"/>
+                      <a:tailEnd type="none" w="med" len="med"/>
+                    </a:lnT>
+                    <a:lnB w="12700" cap="flat" cmpd="sng" algn="ctr">
+                      <a:solidFill>
+                        <a:srgbClr val="000000"/>
+                      </a:solidFill>
+                      <a:prstDash val="solid"/>
+                      <a:round/>
+                      <a:headEnd type="none" w="med" len="med"/>
+                      <a:tailEnd type="none" w="med" len="med"/>
+                    </a:lnB>
+                  </a:tcPr>
+                </a:tc>
+                <a:tc>
+                  <a:txBody>
+                    <a:bodyPr/>
+                    <a:lstStyle/>
+                    <a:p>
+                      <a:pPr algn="ctr">
+                        <a:lnSpc>
+                          <a:spcPct val="115000"/>
+                        </a:lnSpc>
+                        <a:spcAft>
+                          <a:spcPts val="0"/>
+                        </a:spcAft>
+                      </a:pPr>
+                      <a:endParaRPr lang="fr-FR" sz="900">
+                        <a:latin typeface="Calibri"/>
+                        <a:ea typeface="Calibri"/>
+                        <a:cs typeface="Times New Roman"/>
+                      </a:endParaRPr>
+                    </a:p>
+                  </a:txBody>
+                  <a:tcPr marL="57828" marR="57828" marT="0" marB="0">
+                    <a:lnL w="12700" cap="flat" cmpd="sng" algn="ctr">
+                      <a:solidFill>
+                        <a:srgbClr val="000000"/>
+                      </a:solidFill>
+                      <a:prstDash val="solid"/>
+                      <a:round/>
+                      <a:headEnd type="none" w="med" len="med"/>
+                      <a:tailEnd type="none" w="med" len="med"/>
+                    </a:lnL>
+                    <a:lnR w="12700" cap="flat" cmpd="sng" algn="ctr">
+                      <a:solidFill>
+                        <a:srgbClr val="000000"/>
+                      </a:solidFill>
+                      <a:prstDash val="solid"/>
+                      <a:round/>
+                      <a:headEnd type="none" w="med" len="med"/>
+                      <a:tailEnd type="none" w="med" len="med"/>
+                    </a:lnR>
+                    <a:lnT w="12700" cap="flat" cmpd="sng" algn="ctr">
+                      <a:solidFill>
+                        <a:srgbClr val="000000"/>
+                      </a:solidFill>
+                      <a:prstDash val="solid"/>
+                      <a:round/>
+                      <a:headEnd type="none" w="med" len="med"/>
+                      <a:tailEnd type="none" w="med" len="med"/>
+                    </a:lnT>
+                    <a:lnB w="12700" cap="flat" cmpd="sng" algn="ctr">
+                      <a:solidFill>
+                        <a:srgbClr val="000000"/>
+                      </a:solidFill>
+                      <a:prstDash val="solid"/>
+                      <a:round/>
+                      <a:headEnd type="none" w="med" len="med"/>
+                      <a:tailEnd type="none" w="med" len="med"/>
+                    </a:lnB>
+                  </a:tcPr>
+                </a:tc>
+                <a:tc>
+                  <a:txBody>
+                    <a:bodyPr/>
+                    <a:lstStyle/>
+                    <a:p>
+                      <a:pPr algn="ctr">
+                        <a:lnSpc>
+                          <a:spcPct val="115000"/>
+                        </a:lnSpc>
+                        <a:spcAft>
+                          <a:spcPts val="0"/>
+                        </a:spcAft>
+                      </a:pPr>
+                      <a:r>
+                        <a:rPr lang="fr-FR" sz="900">
+                          <a:latin typeface="Calibri"/>
+                          <a:ea typeface="Calibri"/>
+                          <a:cs typeface="Times New Roman"/>
+                        </a:rPr>
+                        <a:t>X</a:t>
+                      </a:r>
+                    </a:p>
+                  </a:txBody>
+                  <a:tcPr marL="57828" marR="57828" marT="0" marB="0">
+                    <a:lnL w="12700" cap="flat" cmpd="sng" algn="ctr">
+                      <a:solidFill>
+                        <a:srgbClr val="000000"/>
+                      </a:solidFill>
+                      <a:prstDash val="solid"/>
+                      <a:round/>
+                      <a:headEnd type="none" w="med" len="med"/>
+                      <a:tailEnd type="none" w="med" len="med"/>
+                    </a:lnL>
+                    <a:lnR w="12700" cap="flat" cmpd="sng" algn="ctr">
+                      <a:solidFill>
+                        <a:srgbClr val="000000"/>
+                      </a:solidFill>
+                      <a:prstDash val="solid"/>
+                      <a:round/>
+                      <a:headEnd type="none" w="med" len="med"/>
+                      <a:tailEnd type="none" w="med" len="med"/>
+                    </a:lnR>
+                    <a:lnT w="12700" cap="flat" cmpd="sng" algn="ctr">
+                      <a:solidFill>
+                        <a:srgbClr val="000000"/>
+                      </a:solidFill>
+                      <a:prstDash val="solid"/>
+                      <a:round/>
+                      <a:headEnd type="none" w="med" len="med"/>
+                      <a:tailEnd type="none" w="med" len="med"/>
+                    </a:lnT>
+                    <a:lnB w="12700" cap="flat" cmpd="sng" algn="ctr">
+                      <a:solidFill>
+                        <a:srgbClr val="000000"/>
+                      </a:solidFill>
+                      <a:prstDash val="solid"/>
+                      <a:round/>
+                      <a:headEnd type="none" w="med" len="med"/>
+                      <a:tailEnd type="none" w="med" len="med"/>
+                    </a:lnB>
+                  </a:tcPr>
+                </a:tc>
+              </a:tr>
+              <a:tr h="325120">
+                <a:tc>
+                  <a:txBody>
+                    <a:bodyPr/>
+                    <a:lstStyle/>
+                    <a:p>
+                      <a:pPr>
+                        <a:lnSpc>
+                          <a:spcPct val="115000"/>
+                        </a:lnSpc>
+                        <a:spcAft>
+                          <a:spcPts val="0"/>
+                        </a:spcAft>
+                      </a:pPr>
+                      <a:r>
+                        <a:rPr lang="fr-FR" sz="900">
+                          <a:latin typeface="Calibri"/>
+                          <a:ea typeface="Calibri"/>
+                          <a:cs typeface="Times New Roman"/>
+                        </a:rPr>
+                        <a:t>Ecriture des requêtes communiquant avec la BDD</a:t>
+                      </a:r>
+                    </a:p>
+                  </a:txBody>
+                  <a:tcPr marL="57828" marR="57828" marT="0" marB="0">
+                    <a:lnL w="12700" cap="flat" cmpd="sng" algn="ctr">
+                      <a:solidFill>
+                        <a:srgbClr val="000000"/>
+                      </a:solidFill>
+                      <a:prstDash val="solid"/>
+                      <a:round/>
+                      <a:headEnd type="none" w="med" len="med"/>
+                      <a:tailEnd type="none" w="med" len="med"/>
+                    </a:lnL>
+                    <a:lnR w="12700" cap="flat" cmpd="sng" algn="ctr">
+                      <a:solidFill>
+                        <a:srgbClr val="000000"/>
+                      </a:solidFill>
+                      <a:prstDash val="solid"/>
+                      <a:round/>
+                      <a:headEnd type="none" w="med" len="med"/>
+                      <a:tailEnd type="none" w="med" len="med"/>
+                    </a:lnR>
+                    <a:lnT w="12700" cap="flat" cmpd="sng" algn="ctr">
+                      <a:solidFill>
+                        <a:srgbClr val="000000"/>
+                      </a:solidFill>
+                      <a:prstDash val="solid"/>
+                      <a:round/>
+                      <a:headEnd type="none" w="med" len="med"/>
+                      <a:tailEnd type="none" w="med" len="med"/>
+                    </a:lnT>
+                    <a:lnB w="12700" cap="flat" cmpd="sng" algn="ctr">
+                      <a:solidFill>
+                        <a:srgbClr val="000000"/>
+                      </a:solidFill>
+                      <a:prstDash val="solid"/>
+                      <a:round/>
+                      <a:headEnd type="none" w="med" len="med"/>
+                      <a:tailEnd type="none" w="med" len="med"/>
+                    </a:lnB>
+                  </a:tcPr>
+                </a:tc>
+                <a:tc>
+                  <a:txBody>
+                    <a:bodyPr/>
+                    <a:lstStyle/>
+                    <a:p>
+                      <a:pPr algn="ctr">
+                        <a:lnSpc>
+                          <a:spcPct val="115000"/>
+                        </a:lnSpc>
+                        <a:spcAft>
+                          <a:spcPts val="0"/>
+                        </a:spcAft>
+                      </a:pPr>
+                      <a:r>
+                        <a:rPr lang="fr-FR" sz="900">
+                          <a:latin typeface="Calibri"/>
+                          <a:ea typeface="Calibri"/>
+                          <a:cs typeface="Times New Roman"/>
+                        </a:rPr>
+                        <a:t>X</a:t>
+                      </a:r>
+                    </a:p>
+                  </a:txBody>
+                  <a:tcPr marL="57828" marR="57828" marT="0" marB="0">
+                    <a:lnL w="12700" cap="flat" cmpd="sng" algn="ctr">
+                      <a:solidFill>
+                        <a:srgbClr val="000000"/>
+                      </a:solidFill>
+                      <a:prstDash val="solid"/>
+                      <a:round/>
+                      <a:headEnd type="none" w="med" len="med"/>
+                      <a:tailEnd type="none" w="med" len="med"/>
+                    </a:lnL>
+                    <a:lnR w="12700" cap="flat" cmpd="sng" algn="ctr">
+                      <a:solidFill>
+                        <a:srgbClr val="000000"/>
+                      </a:solidFill>
+                      <a:prstDash val="solid"/>
+                      <a:round/>
+                      <a:headEnd type="none" w="med" len="med"/>
+                      <a:tailEnd type="none" w="med" len="med"/>
+                    </a:lnR>
+                    <a:lnT w="12700" cap="flat" cmpd="sng" algn="ctr">
+                      <a:solidFill>
+                        <a:srgbClr val="000000"/>
+                      </a:solidFill>
+                      <a:prstDash val="solid"/>
+                      <a:round/>
+                      <a:headEnd type="none" w="med" len="med"/>
+                      <a:tailEnd type="none" w="med" len="med"/>
+                    </a:lnT>
+                    <a:lnB w="12700" cap="flat" cmpd="sng" algn="ctr">
+                      <a:solidFill>
+                        <a:srgbClr val="000000"/>
+                      </a:solidFill>
+                      <a:prstDash val="solid"/>
+                      <a:round/>
+                      <a:headEnd type="none" w="med" len="med"/>
+                      <a:tailEnd type="none" w="med" len="med"/>
+                    </a:lnB>
+                  </a:tcPr>
+                </a:tc>
+                <a:tc>
+                  <a:txBody>
+                    <a:bodyPr/>
+                    <a:lstStyle/>
+                    <a:p>
+                      <a:pPr algn="ctr">
+                        <a:lnSpc>
+                          <a:spcPct val="115000"/>
+                        </a:lnSpc>
+                        <a:spcAft>
+                          <a:spcPts val="0"/>
+                        </a:spcAft>
+                      </a:pPr>
+                      <a:r>
+                        <a:rPr lang="fr-FR" sz="900">
+                          <a:latin typeface="Calibri"/>
+                          <a:ea typeface="Calibri"/>
+                          <a:cs typeface="Times New Roman"/>
+                        </a:rPr>
+                        <a:t>X</a:t>
+                      </a:r>
+                    </a:p>
+                  </a:txBody>
+                  <a:tcPr marL="57828" marR="57828" marT="0" marB="0">
+                    <a:lnL w="12700" cap="flat" cmpd="sng" algn="ctr">
+                      <a:solidFill>
+                        <a:srgbClr val="000000"/>
+                      </a:solidFill>
+                      <a:prstDash val="solid"/>
+                      <a:round/>
+                      <a:headEnd type="none" w="med" len="med"/>
+                      <a:tailEnd type="none" w="med" len="med"/>
+                    </a:lnL>
+                    <a:lnR w="12700" cap="flat" cmpd="sng" algn="ctr">
+                      <a:solidFill>
+                        <a:srgbClr val="000000"/>
+                      </a:solidFill>
+                      <a:prstDash val="solid"/>
+                      <a:round/>
+                      <a:headEnd type="none" w="med" len="med"/>
+                      <a:tailEnd type="none" w="med" len="med"/>
+                    </a:lnR>
+                    <a:lnT w="12700" cap="flat" cmpd="sng" algn="ctr">
+                      <a:solidFill>
+                        <a:srgbClr val="000000"/>
+                      </a:solidFill>
+                      <a:prstDash val="solid"/>
+                      <a:round/>
+                      <a:headEnd type="none" w="med" len="med"/>
+                      <a:tailEnd type="none" w="med" len="med"/>
+                    </a:lnT>
+                    <a:lnB w="12700" cap="flat" cmpd="sng" algn="ctr">
+                      <a:solidFill>
+                        <a:srgbClr val="000000"/>
+                      </a:solidFill>
+                      <a:prstDash val="solid"/>
+                      <a:round/>
+                      <a:headEnd type="none" w="med" len="med"/>
+                      <a:tailEnd type="none" w="med" len="med"/>
+                    </a:lnB>
+                  </a:tcPr>
+                </a:tc>
+              </a:tr>
+              <a:tr h="325120">
+                <a:tc>
+                  <a:txBody>
+                    <a:bodyPr/>
+                    <a:lstStyle/>
+                    <a:p>
+                      <a:pPr>
+                        <a:lnSpc>
+                          <a:spcPct val="115000"/>
+                        </a:lnSpc>
+                        <a:spcAft>
+                          <a:spcPts val="0"/>
+                        </a:spcAft>
+                      </a:pPr>
+                      <a:r>
+                        <a:rPr lang="fr-FR" sz="900">
+                          <a:latin typeface="Calibri"/>
+                          <a:ea typeface="Calibri"/>
+                          <a:cs typeface="Times New Roman"/>
+                        </a:rPr>
+                        <a:t>Mise en place des différents services web WCF</a:t>
+                      </a:r>
+                    </a:p>
+                  </a:txBody>
+                  <a:tcPr marL="57828" marR="57828" marT="0" marB="0">
+                    <a:lnL w="12700" cap="flat" cmpd="sng" algn="ctr">
+                      <a:solidFill>
+                        <a:srgbClr val="000000"/>
+                      </a:solidFill>
+                      <a:prstDash val="solid"/>
+                      <a:round/>
+                      <a:headEnd type="none" w="med" len="med"/>
+                      <a:tailEnd type="none" w="med" len="med"/>
+                    </a:lnL>
+                    <a:lnR w="12700" cap="flat" cmpd="sng" algn="ctr">
+                      <a:solidFill>
+                        <a:srgbClr val="000000"/>
+                      </a:solidFill>
+                      <a:prstDash val="solid"/>
+                      <a:round/>
+                      <a:headEnd type="none" w="med" len="med"/>
+                      <a:tailEnd type="none" w="med" len="med"/>
+                    </a:lnR>
+                    <a:lnT w="12700" cap="flat" cmpd="sng" algn="ctr">
+                      <a:solidFill>
+                        <a:srgbClr val="000000"/>
+                      </a:solidFill>
+                      <a:prstDash val="solid"/>
+                      <a:round/>
+                      <a:headEnd type="none" w="med" len="med"/>
+                      <a:tailEnd type="none" w="med" len="med"/>
+                    </a:lnT>
+                    <a:lnB w="12700" cap="flat" cmpd="sng" algn="ctr">
+                      <a:solidFill>
+                        <a:srgbClr val="000000"/>
+                      </a:solidFill>
+                      <a:prstDash val="solid"/>
+                      <a:round/>
+                      <a:headEnd type="none" w="med" len="med"/>
+                      <a:tailEnd type="none" w="med" len="med"/>
+                    </a:lnB>
+                  </a:tcPr>
+                </a:tc>
+                <a:tc>
+                  <a:txBody>
+                    <a:bodyPr/>
+                    <a:lstStyle/>
+                    <a:p>
+                      <a:pPr algn="ctr">
+                        <a:lnSpc>
+                          <a:spcPct val="115000"/>
+                        </a:lnSpc>
+                        <a:spcAft>
+                          <a:spcPts val="0"/>
+                        </a:spcAft>
+                      </a:pPr>
+                      <a:r>
+                        <a:rPr lang="fr-FR" sz="900">
+                          <a:latin typeface="Calibri"/>
+                          <a:ea typeface="Calibri"/>
+                          <a:cs typeface="Times New Roman"/>
+                        </a:rPr>
+                        <a:t>X</a:t>
+                      </a:r>
+                    </a:p>
+                  </a:txBody>
+                  <a:tcPr marL="57828" marR="57828" marT="0" marB="0">
+                    <a:lnL w="12700" cap="flat" cmpd="sng" algn="ctr">
+                      <a:solidFill>
+                        <a:srgbClr val="000000"/>
+                      </a:solidFill>
+                      <a:prstDash val="solid"/>
+                      <a:round/>
+                      <a:headEnd type="none" w="med" len="med"/>
+                      <a:tailEnd type="none" w="med" len="med"/>
+                    </a:lnL>
+                    <a:lnR w="12700" cap="flat" cmpd="sng" algn="ctr">
+                      <a:solidFill>
+                        <a:srgbClr val="000000"/>
+                      </a:solidFill>
+                      <a:prstDash val="solid"/>
+                      <a:round/>
+                      <a:headEnd type="none" w="med" len="med"/>
+                      <a:tailEnd type="none" w="med" len="med"/>
+                    </a:lnR>
+                    <a:lnT w="12700" cap="flat" cmpd="sng" algn="ctr">
+                      <a:solidFill>
+                        <a:srgbClr val="000000"/>
+                      </a:solidFill>
+                      <a:prstDash val="solid"/>
+                      <a:round/>
+                      <a:headEnd type="none" w="med" len="med"/>
+                      <a:tailEnd type="none" w="med" len="med"/>
+                    </a:lnT>
+                    <a:lnB w="12700" cap="flat" cmpd="sng" algn="ctr">
+                      <a:solidFill>
+                        <a:srgbClr val="000000"/>
+                      </a:solidFill>
+                      <a:prstDash val="solid"/>
+                      <a:round/>
+                      <a:headEnd type="none" w="med" len="med"/>
+                      <a:tailEnd type="none" w="med" len="med"/>
+                    </a:lnB>
+                  </a:tcPr>
+                </a:tc>
+                <a:tc>
+                  <a:txBody>
+                    <a:bodyPr/>
+                    <a:lstStyle/>
+                    <a:p>
+                      <a:pPr algn="ctr">
+                        <a:lnSpc>
+                          <a:spcPct val="115000"/>
+                        </a:lnSpc>
+                        <a:spcAft>
+                          <a:spcPts val="0"/>
+                        </a:spcAft>
+                      </a:pPr>
+                      <a:r>
+                        <a:rPr lang="fr-FR" sz="900">
+                          <a:latin typeface="Calibri"/>
+                          <a:ea typeface="Calibri"/>
+                          <a:cs typeface="Times New Roman"/>
+                        </a:rPr>
+                        <a:t>X</a:t>
+                      </a:r>
+                    </a:p>
+                  </a:txBody>
+                  <a:tcPr marL="57828" marR="57828" marT="0" marB="0">
+                    <a:lnL w="12700" cap="flat" cmpd="sng" algn="ctr">
+                      <a:solidFill>
+                        <a:srgbClr val="000000"/>
+                      </a:solidFill>
+                      <a:prstDash val="solid"/>
+                      <a:round/>
+                      <a:headEnd type="none" w="med" len="med"/>
+                      <a:tailEnd type="none" w="med" len="med"/>
+                    </a:lnL>
+                    <a:lnR w="12700" cap="flat" cmpd="sng" algn="ctr">
+                      <a:solidFill>
+                        <a:srgbClr val="000000"/>
+                      </a:solidFill>
+                      <a:prstDash val="solid"/>
+                      <a:round/>
+                      <a:headEnd type="none" w="med" len="med"/>
+                      <a:tailEnd type="none" w="med" len="med"/>
+                    </a:lnR>
+                    <a:lnT w="12700" cap="flat" cmpd="sng" algn="ctr">
+                      <a:solidFill>
+                        <a:srgbClr val="000000"/>
+                      </a:solidFill>
+                      <a:prstDash val="solid"/>
+                      <a:round/>
+                      <a:headEnd type="none" w="med" len="med"/>
+                      <a:tailEnd type="none" w="med" len="med"/>
+                    </a:lnT>
+                    <a:lnB w="12700" cap="flat" cmpd="sng" algn="ctr">
+                      <a:solidFill>
+                        <a:srgbClr val="000000"/>
+                      </a:solidFill>
+                      <a:prstDash val="solid"/>
+                      <a:round/>
+                      <a:headEnd type="none" w="med" len="med"/>
+                      <a:tailEnd type="none" w="med" len="med"/>
+                    </a:lnB>
+                  </a:tcPr>
+                </a:tc>
+              </a:tr>
+              <a:tr h="487680">
+                <a:tc>
+                  <a:txBody>
+                    <a:bodyPr/>
+                    <a:lstStyle/>
+                    <a:p>
+                      <a:pPr>
+                        <a:lnSpc>
+                          <a:spcPct val="115000"/>
+                        </a:lnSpc>
+                        <a:spcAft>
+                          <a:spcPts val="0"/>
+                        </a:spcAft>
+                      </a:pPr>
+                      <a:r>
+                        <a:rPr lang="fr-FR" sz="900">
+                          <a:latin typeface="Calibri"/>
+                          <a:ea typeface="Calibri"/>
+                          <a:cs typeface="Times New Roman"/>
+                        </a:rPr>
+                        <a:t>Ecriture de la classe pour la création et l'enregistrement des PDF</a:t>
+                      </a:r>
+                    </a:p>
+                  </a:txBody>
+                  <a:tcPr marL="57828" marR="57828" marT="0" marB="0">
+                    <a:lnL w="12700" cap="flat" cmpd="sng" algn="ctr">
+                      <a:solidFill>
+                        <a:srgbClr val="000000"/>
+                      </a:solidFill>
+                      <a:prstDash val="solid"/>
+                      <a:round/>
+                      <a:headEnd type="none" w="med" len="med"/>
+                      <a:tailEnd type="none" w="med" len="med"/>
+                    </a:lnL>
+                    <a:lnR w="12700" cap="flat" cmpd="sng" algn="ctr">
+                      <a:solidFill>
+                        <a:srgbClr val="000000"/>
+                      </a:solidFill>
+                      <a:prstDash val="solid"/>
+                      <a:round/>
+                      <a:headEnd type="none" w="med" len="med"/>
+                      <a:tailEnd type="none" w="med" len="med"/>
+                    </a:lnR>
+                    <a:lnT w="12700" cap="flat" cmpd="sng" algn="ctr">
+                      <a:solidFill>
+                        <a:srgbClr val="000000"/>
+                      </a:solidFill>
+                      <a:prstDash val="solid"/>
+                      <a:round/>
+                      <a:headEnd type="none" w="med" len="med"/>
+                      <a:tailEnd type="none" w="med" len="med"/>
+                    </a:lnT>
+                    <a:lnB w="12700" cap="flat" cmpd="sng" algn="ctr">
+                      <a:solidFill>
+                        <a:srgbClr val="000000"/>
+                      </a:solidFill>
+                      <a:prstDash val="solid"/>
+                      <a:round/>
+                      <a:headEnd type="none" w="med" len="med"/>
+                      <a:tailEnd type="none" w="med" len="med"/>
+                    </a:lnB>
+                  </a:tcPr>
+                </a:tc>
+                <a:tc>
+                  <a:txBody>
+                    <a:bodyPr/>
+                    <a:lstStyle/>
+                    <a:p>
+                      <a:pPr algn="ctr">
+                        <a:lnSpc>
+                          <a:spcPct val="115000"/>
+                        </a:lnSpc>
+                        <a:spcAft>
+                          <a:spcPts val="0"/>
+                        </a:spcAft>
+                      </a:pPr>
+                      <a:r>
+                        <a:rPr lang="fr-FR" sz="900">
+                          <a:latin typeface="Calibri"/>
+                          <a:ea typeface="Calibri"/>
+                          <a:cs typeface="Times New Roman"/>
+                        </a:rPr>
+                        <a:t>X</a:t>
+                      </a:r>
+                    </a:p>
+                  </a:txBody>
+                  <a:tcPr marL="57828" marR="57828" marT="0" marB="0">
+                    <a:lnL w="12700" cap="flat" cmpd="sng" algn="ctr">
+                      <a:solidFill>
+                        <a:srgbClr val="000000"/>
+                      </a:solidFill>
+                      <a:prstDash val="solid"/>
+                      <a:round/>
+                      <a:headEnd type="none" w="med" len="med"/>
+                      <a:tailEnd type="none" w="med" len="med"/>
+                    </a:lnL>
+                    <a:lnR w="12700" cap="flat" cmpd="sng" algn="ctr">
+                      <a:solidFill>
+                        <a:srgbClr val="000000"/>
+                      </a:solidFill>
+                      <a:prstDash val="solid"/>
+                      <a:round/>
+                      <a:headEnd type="none" w="med" len="med"/>
+                      <a:tailEnd type="none" w="med" len="med"/>
+                    </a:lnR>
+                    <a:lnT w="12700" cap="flat" cmpd="sng" algn="ctr">
+                      <a:solidFill>
+                        <a:srgbClr val="000000"/>
+                      </a:solidFill>
+                      <a:prstDash val="solid"/>
+                      <a:round/>
+                      <a:headEnd type="none" w="med" len="med"/>
+                      <a:tailEnd type="none" w="med" len="med"/>
+                    </a:lnT>
+                    <a:lnB w="12700" cap="flat" cmpd="sng" algn="ctr">
+                      <a:solidFill>
+                        <a:srgbClr val="000000"/>
+                      </a:solidFill>
+                      <a:prstDash val="solid"/>
+                      <a:round/>
+                      <a:headEnd type="none" w="med" len="med"/>
+                      <a:tailEnd type="none" w="med" len="med"/>
+                    </a:lnB>
+                  </a:tcPr>
+                </a:tc>
+                <a:tc>
+                  <a:txBody>
+                    <a:bodyPr/>
+                    <a:lstStyle/>
+                    <a:p>
+                      <a:pPr algn="ctr">
+                        <a:lnSpc>
+                          <a:spcPct val="115000"/>
+                        </a:lnSpc>
+                        <a:spcAft>
+                          <a:spcPts val="0"/>
+                        </a:spcAft>
+                      </a:pPr>
+                      <a:endParaRPr lang="fr-FR" sz="900">
+                        <a:latin typeface="Calibri"/>
+                        <a:ea typeface="Calibri"/>
+                        <a:cs typeface="Times New Roman"/>
+                      </a:endParaRPr>
+                    </a:p>
+                  </a:txBody>
+                  <a:tcPr marL="57828" marR="57828" marT="0" marB="0">
+                    <a:lnL w="12700" cap="flat" cmpd="sng" algn="ctr">
+                      <a:solidFill>
+                        <a:srgbClr val="000000"/>
+                      </a:solidFill>
+                      <a:prstDash val="solid"/>
+                      <a:round/>
+                      <a:headEnd type="none" w="med" len="med"/>
+                      <a:tailEnd type="none" w="med" len="med"/>
+                    </a:lnL>
+                    <a:lnR w="12700" cap="flat" cmpd="sng" algn="ctr">
+                      <a:solidFill>
+                        <a:srgbClr val="000000"/>
+                      </a:solidFill>
+                      <a:prstDash val="solid"/>
+                      <a:round/>
+                      <a:headEnd type="none" w="med" len="med"/>
+                      <a:tailEnd type="none" w="med" len="med"/>
+                    </a:lnR>
+                    <a:lnT w="12700" cap="flat" cmpd="sng" algn="ctr">
+                      <a:solidFill>
+                        <a:srgbClr val="000000"/>
+                      </a:solidFill>
+                      <a:prstDash val="solid"/>
+                      <a:round/>
+                      <a:headEnd type="none" w="med" len="med"/>
+                      <a:tailEnd type="none" w="med" len="med"/>
+                    </a:lnT>
+                    <a:lnB w="12700" cap="flat" cmpd="sng" algn="ctr">
+                      <a:solidFill>
+                        <a:srgbClr val="000000"/>
+                      </a:solidFill>
+                      <a:prstDash val="solid"/>
+                      <a:round/>
+                      <a:headEnd type="none" w="med" len="med"/>
+                      <a:tailEnd type="none" w="med" len="med"/>
+                    </a:lnB>
+                  </a:tcPr>
+                </a:tc>
+              </a:tr>
+              <a:tr h="325120">
+                <a:tc>
+                  <a:txBody>
+                    <a:bodyPr/>
+                    <a:lstStyle/>
+                    <a:p>
+                      <a:pPr>
+                        <a:lnSpc>
+                          <a:spcPct val="115000"/>
+                        </a:lnSpc>
+                        <a:spcAft>
+                          <a:spcPts val="0"/>
+                        </a:spcAft>
+                      </a:pPr>
+                      <a:r>
+                        <a:rPr lang="fr-FR" sz="900">
+                          <a:latin typeface="Calibri"/>
+                          <a:ea typeface="Calibri"/>
+                          <a:cs typeface="Times New Roman"/>
+                        </a:rPr>
+                        <a:t>Ecriture de la classe pour l'envoi de mail</a:t>
+                      </a:r>
+                    </a:p>
+                  </a:txBody>
+                  <a:tcPr marL="57828" marR="57828" marT="0" marB="0">
+                    <a:lnL w="12700" cap="flat" cmpd="sng" algn="ctr">
+                      <a:solidFill>
+                        <a:srgbClr val="000000"/>
+                      </a:solidFill>
+                      <a:prstDash val="solid"/>
+                      <a:round/>
+                      <a:headEnd type="none" w="med" len="med"/>
+                      <a:tailEnd type="none" w="med" len="med"/>
+                    </a:lnL>
+                    <a:lnR w="12700" cap="flat" cmpd="sng" algn="ctr">
+                      <a:solidFill>
+                        <a:srgbClr val="000000"/>
+                      </a:solidFill>
+                      <a:prstDash val="solid"/>
+                      <a:round/>
+                      <a:headEnd type="none" w="med" len="med"/>
+                      <a:tailEnd type="none" w="med" len="med"/>
+                    </a:lnR>
+                    <a:lnT w="12700" cap="flat" cmpd="sng" algn="ctr">
+                      <a:solidFill>
+                        <a:srgbClr val="000000"/>
+                      </a:solidFill>
+                      <a:prstDash val="solid"/>
+                      <a:round/>
+                      <a:headEnd type="none" w="med" len="med"/>
+                      <a:tailEnd type="none" w="med" len="med"/>
+                    </a:lnT>
+                    <a:lnB w="12700" cap="flat" cmpd="sng" algn="ctr">
+                      <a:solidFill>
+                        <a:srgbClr val="000000"/>
+                      </a:solidFill>
+                      <a:prstDash val="solid"/>
+                      <a:round/>
+                      <a:headEnd type="none" w="med" len="med"/>
+                      <a:tailEnd type="none" w="med" len="med"/>
+                    </a:lnB>
+                  </a:tcPr>
+                </a:tc>
+                <a:tc>
+                  <a:txBody>
+                    <a:bodyPr/>
+                    <a:lstStyle/>
+                    <a:p>
+                      <a:pPr algn="ctr">
+                        <a:lnSpc>
+                          <a:spcPct val="115000"/>
+                        </a:lnSpc>
+                        <a:spcAft>
+                          <a:spcPts val="0"/>
+                        </a:spcAft>
+                      </a:pPr>
+                      <a:endParaRPr lang="fr-FR" sz="900">
+                        <a:latin typeface="Calibri"/>
+                        <a:ea typeface="Calibri"/>
+                        <a:cs typeface="Times New Roman"/>
+                      </a:endParaRPr>
+                    </a:p>
+                  </a:txBody>
+                  <a:tcPr marL="57828" marR="57828" marT="0" marB="0">
+                    <a:lnL w="12700" cap="flat" cmpd="sng" algn="ctr">
+                      <a:solidFill>
+                        <a:srgbClr val="000000"/>
+                      </a:solidFill>
+                      <a:prstDash val="solid"/>
+                      <a:round/>
+                      <a:headEnd type="none" w="med" len="med"/>
+                      <a:tailEnd type="none" w="med" len="med"/>
+                    </a:lnL>
+                    <a:lnR w="12700" cap="flat" cmpd="sng" algn="ctr">
+                      <a:solidFill>
+                        <a:srgbClr val="000000"/>
+                      </a:solidFill>
+                      <a:prstDash val="solid"/>
+                      <a:round/>
+                      <a:headEnd type="none" w="med" len="med"/>
+                      <a:tailEnd type="none" w="med" len="med"/>
+                    </a:lnR>
+                    <a:lnT w="12700" cap="flat" cmpd="sng" algn="ctr">
+                      <a:solidFill>
+                        <a:srgbClr val="000000"/>
+                      </a:solidFill>
+                      <a:prstDash val="solid"/>
+                      <a:round/>
+                      <a:headEnd type="none" w="med" len="med"/>
+                      <a:tailEnd type="none" w="med" len="med"/>
+                    </a:lnT>
+                    <a:lnB w="12700" cap="flat" cmpd="sng" algn="ctr">
+                      <a:solidFill>
+                        <a:srgbClr val="000000"/>
+                      </a:solidFill>
+                      <a:prstDash val="solid"/>
+                      <a:round/>
+                      <a:headEnd type="none" w="med" len="med"/>
+                      <a:tailEnd type="none" w="med" len="med"/>
+                    </a:lnB>
+                  </a:tcPr>
+                </a:tc>
+                <a:tc>
+                  <a:txBody>
+                    <a:bodyPr/>
+                    <a:lstStyle/>
+                    <a:p>
+                      <a:pPr algn="ctr">
+                        <a:lnSpc>
+                          <a:spcPct val="115000"/>
+                        </a:lnSpc>
+                        <a:spcAft>
+                          <a:spcPts val="0"/>
+                        </a:spcAft>
+                      </a:pPr>
+                      <a:r>
+                        <a:rPr lang="fr-FR" sz="900" dirty="0">
+                          <a:latin typeface="Calibri"/>
+                          <a:ea typeface="Calibri"/>
+                          <a:cs typeface="Times New Roman"/>
+                        </a:rPr>
+                        <a:t>X</a:t>
+                      </a:r>
+                    </a:p>
+                  </a:txBody>
+                  <a:tcPr marL="57828" marR="57828" marT="0" marB="0">
+                    <a:lnL w="12700" cap="flat" cmpd="sng" algn="ctr">
+                      <a:solidFill>
+                        <a:srgbClr val="000000"/>
+                      </a:solidFill>
+                      <a:prstDash val="solid"/>
+                      <a:round/>
+                      <a:headEnd type="none" w="med" len="med"/>
+                      <a:tailEnd type="none" w="med" len="med"/>
+                    </a:lnL>
+                    <a:lnR w="12700" cap="flat" cmpd="sng" algn="ctr">
+                      <a:solidFill>
+                        <a:srgbClr val="000000"/>
+                      </a:solidFill>
+                      <a:prstDash val="solid"/>
+                      <a:round/>
+                      <a:headEnd type="none" w="med" len="med"/>
+                      <a:tailEnd type="none" w="med" len="med"/>
+                    </a:lnR>
+                    <a:lnT w="12700" cap="flat" cmpd="sng" algn="ctr">
+                      <a:solidFill>
+                        <a:srgbClr val="000000"/>
+                      </a:solidFill>
+                      <a:prstDash val="solid"/>
+                      <a:round/>
+                      <a:headEnd type="none" w="med" len="med"/>
+                      <a:tailEnd type="none" w="med" len="med"/>
+                    </a:lnT>
+                    <a:lnB w="12700" cap="flat" cmpd="sng" algn="ctr">
+                      <a:solidFill>
+                        <a:srgbClr val="000000"/>
+                      </a:solidFill>
+                      <a:prstDash val="solid"/>
+                      <a:round/>
+                      <a:headEnd type="none" w="med" len="med"/>
+                      <a:tailEnd type="none" w="med" len="med"/>
+                    </a:lnB>
+                  </a:tcPr>
+                </a:tc>
+              </a:tr>
+            </a:tbl>
+          </a:graphicData>
+        </a:graphic>
+      </p:graphicFrame>
+    </p:spTree>
+  </p:cSld>
+  <p:clrMapOvr>
+    <a:masterClrMapping/>
+  </p:clrMapOvr>
+</p:sld>
+</file>
+
+<file path=ppt/slides/slide7.xml><?xml version="1.0" encoding="utf-8"?>
+<p:sld xmlns:a="http://schemas.openxmlformats.org/drawingml/2006/main" xmlns:r="http://schemas.openxmlformats.org/officeDocument/2006/relationships" xmlns:p="http://schemas.openxmlformats.org/presentationml/2006/main">
+  <p:cSld>
+    <p:spTree>
+      <p:nvGrpSpPr>
+        <p:cNvPr id="1" name=""/>
+        <p:cNvGrpSpPr/>
+        <p:nvPr/>
+      </p:nvGrpSpPr>
+      <p:grpSpPr>
+        <a:xfrm>
+          <a:off x="0" y="0"/>
+          <a:ext cx="0" cy="0"/>
+          <a:chOff x="0" y="0"/>
+          <a:chExt cx="0" cy="0"/>
+        </a:xfrm>
+      </p:grpSpPr>
+      <p:sp>
+        <p:nvSpPr>
           <p:cNvPr id="2" name="Espace réservé du contenu 1"/>
           <p:cNvSpPr>
             <a:spLocks noGrp="1"/>
@@ -11283,13 +14617,8 @@
             </a:pPr>
             <a:r>
               <a:rPr lang="fr-FR" sz="1600" dirty="0" smtClean="0"/>
-              <a:t>Interface et composant graphique </a:t>
-            </a:r>
-            <a:r>
-              <a:rPr lang="fr-FR" sz="1600" dirty="0" smtClean="0"/>
-              <a:t>plus moderne.</a:t>
-            </a:r>
-            <a:endParaRPr lang="fr-FR" sz="1600" dirty="0" smtClean="0"/>
+              <a:t>Interface et composant graphique plus moderne.</a:t>
+            </a:r>
           </a:p>
           <a:p>
             <a:pPr lvl="1">
@@ -11395,7 +14724,7 @@
           <a:blip r:embed="rId3" cstate="print">
             <a:extLst>
               <a:ext uri="{28A0092B-C50C-407E-A947-70E740481C1C}">
-                <a14:useLocalDpi xmlns:a14="http://schemas.microsoft.com/office/drawing/2010/main" xmlns="" val="0"/>
+                <a14:useLocalDpi xmlns="" xmlns:a14="http://schemas.microsoft.com/office/drawing/2010/main" val="0"/>
               </a:ext>
             </a:extLst>
           </a:blip>
@@ -11421,7 +14750,7 @@
 </p:sld>
 </file>
 
-<file path=ppt/slides/slide7.xml><?xml version="1.0" encoding="utf-8"?>
+<file path=ppt/slides/slide8.xml><?xml version="1.0" encoding="utf-8"?>
 <p:sld xmlns:a="http://schemas.openxmlformats.org/drawingml/2006/main" xmlns:r="http://schemas.openxmlformats.org/officeDocument/2006/relationships" xmlns:p="http://schemas.openxmlformats.org/presentationml/2006/main">
   <p:cSld>
     <p:spTree>
@@ -11801,239 +15130,7 @@
           <a:blip r:embed="rId8" cstate="print">
             <a:extLst>
               <a:ext uri="{28A0092B-C50C-407E-A947-70E740481C1C}">
-                <a14:useLocalDpi xmlns:a14="http://schemas.microsoft.com/office/drawing/2010/main" xmlns="" val="0"/>
-              </a:ext>
-            </a:extLst>
-          </a:blip>
-          <a:stretch>
-            <a:fillRect/>
-          </a:stretch>
-        </p:blipFill>
-        <p:spPr>
-          <a:xfrm>
-            <a:off x="7956376" y="6070981"/>
-            <a:ext cx="943868" cy="608947"/>
-          </a:xfrm>
-          <a:prstGeom prst="rect">
-            <a:avLst/>
-          </a:prstGeom>
-        </p:spPr>
-      </p:pic>
-    </p:spTree>
-  </p:cSld>
-  <p:clrMapOvr>
-    <a:masterClrMapping/>
-  </p:clrMapOvr>
-</p:sld>
-</file>
-
-<file path=ppt/slides/slide8.xml><?xml version="1.0" encoding="utf-8"?>
-<p:sld xmlns:a="http://schemas.openxmlformats.org/drawingml/2006/main" xmlns:r="http://schemas.openxmlformats.org/officeDocument/2006/relationships" xmlns:p="http://schemas.openxmlformats.org/presentationml/2006/main">
-  <p:cSld>
-    <p:spTree>
-      <p:nvGrpSpPr>
-        <p:cNvPr id="1" name=""/>
-        <p:cNvGrpSpPr/>
-        <p:nvPr/>
-      </p:nvGrpSpPr>
-      <p:grpSpPr>
-        <a:xfrm>
-          <a:off x="0" y="0"/>
-          <a:ext cx="0" cy="0"/>
-          <a:chOff x="0" y="0"/>
-          <a:chExt cx="0" cy="0"/>
-        </a:xfrm>
-      </p:grpSpPr>
-      <p:sp>
-        <p:nvSpPr>
-          <p:cNvPr id="2" name="Espace réservé du contenu 1"/>
-          <p:cNvSpPr>
-            <a:spLocks noGrp="1"/>
-          </p:cNvSpPr>
-          <p:nvPr>
-            <p:ph idx="1"/>
-          </p:nvPr>
-        </p:nvSpPr>
-        <p:spPr>
-          <a:xfrm>
-            <a:off x="467544" y="1988840"/>
-            <a:ext cx="8229600" cy="3963896"/>
-          </a:xfrm>
-        </p:spPr>
-        <p:txBody>
-          <a:bodyPr>
-            <a:normAutofit/>
-          </a:bodyPr>
-          <a:lstStyle/>
-          <a:p>
-            <a:pPr>
-              <a:buNone/>
-            </a:pPr>
-            <a:r>
-              <a:rPr lang="fr-FR" sz="2000" dirty="0" smtClean="0"/>
-              <a:t>Les Web Services utilisés lors du développement de l’application sont de type SOAP (Simple Object Access Protocol) et utilisent l’infrastructure </a:t>
-            </a:r>
-            <a:r>
-              <a:rPr lang="fr-FR" sz="2000" b="1" dirty="0" smtClean="0"/>
-              <a:t>WCF</a:t>
-            </a:r>
-            <a:r>
-              <a:rPr lang="fr-FR" sz="2000" dirty="0" smtClean="0"/>
-              <a:t> </a:t>
-            </a:r>
-            <a:r>
-              <a:rPr lang="fr-FR" sz="2000" b="1" dirty="0" smtClean="0"/>
-              <a:t>(Windows Communication </a:t>
-            </a:r>
-            <a:r>
-              <a:rPr lang="fr-FR" sz="2000" b="1" dirty="0" err="1" smtClean="0"/>
-              <a:t>Foundation</a:t>
-            </a:r>
-            <a:r>
-              <a:rPr lang="fr-FR" sz="2000" b="1" dirty="0" smtClean="0"/>
-              <a:t>).</a:t>
-            </a:r>
-          </a:p>
-          <a:p>
-            <a:pPr>
-              <a:buNone/>
-            </a:pPr>
-            <a:endParaRPr lang="fr-FR" sz="2000" b="1" dirty="0" smtClean="0"/>
-          </a:p>
-          <a:p>
-            <a:pPr>
-              <a:buNone/>
-            </a:pPr>
-            <a:r>
-              <a:rPr lang="fr-FR" sz="2000" b="1" dirty="0" smtClean="0"/>
-              <a:t>Pourquoi le protocole SOAP avec WCF ?</a:t>
-            </a:r>
-          </a:p>
-          <a:p>
-            <a:pPr>
-              <a:buNone/>
-            </a:pPr>
-            <a:endParaRPr lang="fr-FR" sz="2000" dirty="0" smtClean="0"/>
-          </a:p>
-          <a:p>
-            <a:pPr lvl="1">
-              <a:buFont typeface="Courier New" pitchFamily="49" charset="0"/>
-              <a:buChar char="o"/>
-            </a:pPr>
-            <a:r>
-              <a:rPr lang="fr-FR" sz="1600" dirty="0" smtClean="0"/>
-              <a:t>Rapidité à mettre en place.</a:t>
-            </a:r>
-          </a:p>
-          <a:p>
-            <a:pPr lvl="1">
-              <a:buFont typeface="Courier New" pitchFamily="49" charset="0"/>
-              <a:buChar char="o"/>
-            </a:pPr>
-            <a:r>
-              <a:rPr lang="fr-FR" sz="1600" dirty="0" smtClean="0"/>
-              <a:t>Retourne des objets et non pas du JSON/XML.</a:t>
-            </a:r>
-          </a:p>
-          <a:p>
-            <a:pPr lvl="1">
-              <a:buFont typeface="Courier New" pitchFamily="49" charset="0"/>
-              <a:buChar char="o"/>
-            </a:pPr>
-            <a:r>
-              <a:rPr lang="fr-FR" sz="1600" dirty="0" smtClean="0"/>
-              <a:t>Meilleure manipulation des données.</a:t>
-            </a:r>
-          </a:p>
-          <a:p>
-            <a:pPr lvl="1">
-              <a:buFont typeface="Courier New" pitchFamily="49" charset="0"/>
-              <a:buChar char="o"/>
-            </a:pPr>
-            <a:r>
-              <a:rPr lang="fr-FR" sz="1600" dirty="0" smtClean="0"/>
-              <a:t>Meilleure lisibilité dans le code.</a:t>
-            </a:r>
-          </a:p>
-        </p:txBody>
-      </p:sp>
-      <p:sp>
-        <p:nvSpPr>
-          <p:cNvPr id="3" name="Titre 2"/>
-          <p:cNvSpPr>
-            <a:spLocks noGrp="1"/>
-          </p:cNvSpPr>
-          <p:nvPr>
-            <p:ph type="title"/>
-          </p:nvPr>
-        </p:nvSpPr>
-        <p:spPr/>
-        <p:txBody>
-          <a:bodyPr>
-            <a:normAutofit/>
-          </a:bodyPr>
-          <a:lstStyle/>
-          <a:p>
-            <a:pPr algn="r"/>
-            <a:r>
-              <a:rPr lang="fr-FR" sz="1400" dirty="0" smtClean="0"/>
-              <a:t>Technologies utilisés</a:t>
-            </a:r>
-            <a:endParaRPr lang="fr-FR" sz="1400" dirty="0"/>
-          </a:p>
-        </p:txBody>
-      </p:sp>
-      <p:sp>
-        <p:nvSpPr>
-          <p:cNvPr id="10" name="Rectangle 9"/>
-          <p:cNvSpPr/>
-          <p:nvPr/>
-        </p:nvSpPr>
-        <p:spPr>
-          <a:xfrm>
-            <a:off x="467544" y="1268760"/>
-            <a:ext cx="3119765" cy="523220"/>
-          </a:xfrm>
-          <a:prstGeom prst="rect">
-            <a:avLst/>
-          </a:prstGeom>
-        </p:spPr>
-        <p:txBody>
-          <a:bodyPr wrap="none">
-            <a:spAutoFit/>
-          </a:bodyPr>
-          <a:lstStyle/>
-          <a:p>
-            <a:pPr lvl="0"/>
-            <a:r>
-              <a:rPr lang="fr-FR" sz="2800" dirty="0" smtClean="0">
-                <a:solidFill>
-                  <a:srgbClr val="002060"/>
-                </a:solidFill>
-              </a:rPr>
-              <a:t>Les Web Services</a:t>
-            </a:r>
-            <a:endParaRPr lang="fr-FR" sz="2800" dirty="0">
-              <a:solidFill>
-                <a:srgbClr val="002060"/>
-              </a:solidFill>
-            </a:endParaRPr>
-          </a:p>
-        </p:txBody>
-      </p:sp>
-      <p:pic>
-        <p:nvPicPr>
-          <p:cNvPr id="6" name="Image 5"/>
-          <p:cNvPicPr>
-            <a:picLocks noChangeAspect="1"/>
-          </p:cNvPicPr>
-          <p:nvPr/>
-        </p:nvPicPr>
-        <p:blipFill>
-          <a:blip r:embed="rId3" cstate="print">
-            <a:extLst>
-              <a:ext uri="{28A0092B-C50C-407E-A947-70E740481C1C}">
-                <a14:useLocalDpi xmlns:a14="http://schemas.microsoft.com/office/drawing/2010/main" xmlns="" val="0"/>
+                <a14:useLocalDpi xmlns="" xmlns:a14="http://schemas.microsoft.com/office/drawing/2010/main" val="0"/>
               </a:ext>
             </a:extLst>
           </a:blip>
@@ -12102,56 +15199,90 @@
               <a:buNone/>
             </a:pPr>
             <a:r>
-              <a:rPr lang="fr-FR" sz="2000" dirty="0" err="1" smtClean="0"/>
-              <a:t>Entity</a:t>
-            </a:r>
-            <a:r>
               <a:rPr lang="fr-FR" sz="2000" dirty="0" smtClean="0"/>
-              <a:t> Framework est un outil permettant de créer une couche d’accès aux données lié à une base de données.</a:t>
+              <a:t>Les Web Services utilisés lors du développement de l’application sont de type SOAP (Simple Object Access Protocol) et utilisent l’infrastructure </a:t>
+            </a:r>
+            <a:r>
+              <a:rPr lang="fr-FR" sz="2000" b="1" dirty="0" smtClean="0"/>
+              <a:t>WCF</a:t>
+            </a:r>
+            <a:r>
+              <a:rPr lang="fr-FR" sz="2000" dirty="0" smtClean="0"/>
+              <a:t> </a:t>
+            </a:r>
+            <a:r>
+              <a:rPr lang="fr-FR" sz="2000" b="1" dirty="0" smtClean="0"/>
+              <a:t>(Windows Communication </a:t>
+            </a:r>
+            <a:r>
+              <a:rPr lang="fr-FR" sz="2000" b="1" dirty="0" err="1" smtClean="0"/>
+              <a:t>Foundation</a:t>
+            </a:r>
+            <a:r>
+              <a:rPr lang="fr-FR" sz="2000" b="1" dirty="0" smtClean="0"/>
+              <a:t>).</a:t>
             </a:r>
           </a:p>
           <a:p>
             <a:pPr>
               <a:buNone/>
             </a:pPr>
-            <a:r>
-              <a:rPr lang="fr-FR" sz="2000" dirty="0" smtClean="0"/>
-              <a:t>	</a:t>
-            </a:r>
+            <a:endParaRPr lang="fr-FR" sz="2000" b="1" dirty="0" smtClean="0"/>
           </a:p>
           <a:p>
             <a:pPr>
               <a:buNone/>
             </a:pPr>
             <a:r>
-              <a:rPr lang="fr-FR" sz="2000" dirty="0" smtClean="0"/>
-              <a:t>Il propose ainsi la création d'un schéma conceptuel composé d'entités qui permettent la manipulation d'une source de données, </a:t>
-            </a:r>
-            <a:r>
               <a:rPr lang="fr-FR" sz="2000" b="1" dirty="0" smtClean="0"/>
-              <a:t>sans écrire une seule ligne de SQL</a:t>
-            </a:r>
-            <a:r>
-              <a:rPr lang="fr-FR" sz="2000" dirty="0" smtClean="0"/>
-              <a:t>, grâce à </a:t>
-            </a:r>
-            <a:r>
-              <a:rPr lang="fr-FR" sz="2000" dirty="0" err="1" smtClean="0"/>
-              <a:t>LinQ</a:t>
-            </a:r>
-            <a:r>
-              <a:rPr lang="fr-FR" sz="2000" dirty="0" smtClean="0"/>
-              <a:t> To </a:t>
-            </a:r>
-            <a:r>
-              <a:rPr lang="fr-FR" sz="2000" dirty="0" err="1" smtClean="0"/>
-              <a:t>Entities</a:t>
-            </a:r>
-            <a:r>
-              <a:rPr lang="fr-FR" sz="2000" dirty="0" smtClean="0"/>
-              <a:t>.</a:t>
-            </a:r>
-            <a:endParaRPr lang="fr-FR" sz="2000" b="1" dirty="0" smtClean="0"/>
+              <a:t>Pourquoi le protocole SOAP avec WCF ?</a:t>
+            </a:r>
+          </a:p>
+          <a:p>
+            <a:pPr>
+              <a:buNone/>
+            </a:pPr>
+            <a:endParaRPr lang="fr-FR" sz="2000" dirty="0" smtClean="0"/>
+          </a:p>
+          <a:p>
+            <a:pPr lvl="1">
+              <a:buFont typeface="Courier New" pitchFamily="49" charset="0"/>
+              <a:buChar char="o"/>
+            </a:pPr>
+            <a:r>
+              <a:rPr lang="fr-FR" sz="1600" dirty="0" smtClean="0"/>
+              <a:t>Rapidité à mettre en place.</a:t>
+            </a:r>
+          </a:p>
+          <a:p>
+            <a:pPr lvl="1">
+              <a:buFont typeface="Courier New" pitchFamily="49" charset="0"/>
+              <a:buChar char="o"/>
+            </a:pPr>
+            <a:r>
+              <a:rPr lang="fr-FR" sz="1600" dirty="0" smtClean="0"/>
+              <a:t>Retourne des objets et non pas du JSON/XML.</a:t>
+            </a:r>
+          </a:p>
+          <a:p>
+            <a:pPr lvl="1">
+              <a:buFont typeface="Courier New" pitchFamily="49" charset="0"/>
+              <a:buChar char="o"/>
+            </a:pPr>
+            <a:r>
+              <a:rPr lang="fr-FR" sz="1600" dirty="0" smtClean="0"/>
+              <a:t>Meilleure manipulation des données.</a:t>
+            </a:r>
+          </a:p>
+          <a:p>
+            <a:pPr lvl="1">
+              <a:buFont typeface="Courier New" pitchFamily="49" charset="0"/>
+              <a:buChar char="o"/>
+            </a:pPr>
+            <a:r>
+              <a:rPr lang="fr-FR" sz="1600" dirty="0" smtClean="0"/>
+              <a:t>Meilleure lisibilité dans le code.</a:t>
+            </a:r>
           </a:p>
         </p:txBody>
       </p:sp>
@@ -12190,7 +15321,7 @@
         <p:spPr>
           <a:xfrm>
             <a:off x="467544" y="1268760"/>
-            <a:ext cx="3206327" cy="523220"/>
+            <a:ext cx="3119765" cy="523220"/>
           </a:xfrm>
           <a:prstGeom prst="rect">
             <a:avLst/>
@@ -12204,20 +15335,12 @@
           <a:p>
             <a:pPr lvl="0"/>
             <a:r>
-              <a:rPr lang="fr-FR" sz="2800" dirty="0" err="1" smtClean="0">
-                <a:solidFill>
-                  <a:srgbClr val="002060"/>
-                </a:solidFill>
-              </a:rPr>
-              <a:t>Entity</a:t>
-            </a:r>
-            <a:r>
               <a:rPr lang="fr-FR" sz="2800" dirty="0" smtClean="0">
                 <a:solidFill>
                   <a:srgbClr val="002060"/>
                 </a:solidFill>
               </a:rPr>
-              <a:t> Framework</a:t>
+              <a:t>Les Web Services</a:t>
             </a:r>
             <a:endParaRPr lang="fr-FR" sz="2800" dirty="0">
               <a:solidFill>
@@ -12239,7 +15362,7 @@
           <a:blip r:embed="rId3" cstate="print">
             <a:extLst>
               <a:ext uri="{28A0092B-C50C-407E-A947-70E740481C1C}">
-                <a14:useLocalDpi xmlns:a14="http://schemas.microsoft.com/office/drawing/2010/main" xmlns="" val="0"/>
+                <a14:useLocalDpi xmlns="" xmlns:a14="http://schemas.microsoft.com/office/drawing/2010/main" val="0"/>
               </a:ext>
             </a:extLst>
           </a:blip>

--- a/doc/Diapo.pptx
+++ b/doc/Diapo.pptx
@@ -133,7 +133,7 @@
   </p:defaultTextStyle>
   <p:extLst>
     <p:ext uri="{EFAFB233-063F-42B5-8137-9DF3F51BA10A}">
-      <p15:sldGuideLst xmlns="" xmlns:p15="http://schemas.microsoft.com/office/powerpoint/2012/main">
+      <p15:sldGuideLst xmlns:p15="http://schemas.microsoft.com/office/powerpoint/2012/main" xmlns="">
         <p15:guide id="1" orient="horz" pos="2160">
           <p15:clr>
             <a:srgbClr val="A4A3A4"/>
@@ -404,7 +404,7 @@
     </p:spTree>
     <p:extLst>
       <p:ext uri="{BB962C8B-B14F-4D97-AF65-F5344CB8AC3E}">
-        <p14:creationId xmlns="" xmlns:p14="http://schemas.microsoft.com/office/powerpoint/2010/main" val="45641624"/>
+        <p14:creationId xmlns:p14="http://schemas.microsoft.com/office/powerpoint/2010/main" xmlns="" val="45641624"/>
       </p:ext>
     </p:extLst>
   </p:cSld>
@@ -556,15 +556,7 @@
             </a:r>
             <a:r>
               <a:rPr lang="fr-FR" baseline="0" dirty="0" smtClean="0"/>
-              <a:t> </a:t>
-            </a:r>
-            <a:r>
-              <a:rPr lang="fr-FR" baseline="0" dirty="0" smtClean="0"/>
-              <a:t>Description &amp; </a:t>
-            </a:r>
-            <a:r>
-              <a:rPr lang="fr-FR" baseline="0" dirty="0" smtClean="0"/>
-              <a:t>Avantage et </a:t>
+              <a:t> Description &amp; Avantage et </a:t>
             </a:r>
             <a:r>
               <a:rPr lang="fr-FR" baseline="0" dirty="0" err="1" smtClean="0"/>
@@ -575,8 +567,31 @@
           <a:p>
             <a:r>
               <a:rPr lang="fr-FR" baseline="0" dirty="0" smtClean="0"/>
-              <a:t>Technologies utilisés: Langage utilisé, Web Service utilisé, …</a:t>
-            </a:r>
+              <a:t>Technologies utilisés: Langage utilisé, Web Service utilisé, </a:t>
+            </a:r>
+            <a:r>
+              <a:rPr lang="fr-FR" baseline="0" dirty="0" smtClean="0"/>
+              <a:t>…</a:t>
+            </a:r>
+            <a:br>
+              <a:rPr lang="fr-FR" baseline="0" dirty="0" smtClean="0"/>
+            </a:br>
+            <a:r>
+              <a:rPr lang="fr-FR" baseline="0" dirty="0" smtClean="0"/>
+              <a:t/>
+            </a:r>
+            <a:br>
+              <a:rPr lang="fr-FR" baseline="0" dirty="0" smtClean="0"/>
+            </a:br>
+            <a:r>
+              <a:rPr lang="fr-FR" baseline="0" dirty="0" smtClean="0"/>
+              <a:t>= </a:t>
+            </a:r>
+            <a:r>
+              <a:rPr lang="fr-FR" baseline="0" dirty="0" err="1" smtClean="0"/>
+              <a:t>Adri</a:t>
+            </a:r>
+            <a:endParaRPr lang="fr-FR" baseline="0" dirty="0" smtClean="0"/>
           </a:p>
           <a:p>
             <a:endParaRPr lang="fr-FR" dirty="0"/>
@@ -610,7 +625,7 @@
     </p:spTree>
     <p:extLst>
       <p:ext uri="{BB962C8B-B14F-4D97-AF65-F5344CB8AC3E}">
-        <p14:creationId xmlns="" xmlns:p14="http://schemas.microsoft.com/office/powerpoint/2010/main" val="2228747940"/>
+        <p14:creationId xmlns:p14="http://schemas.microsoft.com/office/powerpoint/2010/main" xmlns="" val="2228747940"/>
       </p:ext>
     </p:extLst>
   </p:cSld>
@@ -666,6 +681,18 @@
           </a:bodyPr>
           <a:lstStyle/>
           <a:p>
+            <a:r>
+              <a:rPr lang="fr-FR" dirty="0" smtClean="0"/>
+              <a:t>= </a:t>
+            </a:r>
+            <a:r>
+              <a:rPr lang="fr-FR" dirty="0" err="1" smtClean="0"/>
+              <a:t>Stef</a:t>
+            </a:r>
+            <a:r>
+              <a:rPr lang="fr-FR" dirty="0" smtClean="0"/>
+              <a:t>	</a:t>
+            </a:r>
             <a:endParaRPr lang="fr-FR" dirty="0"/>
           </a:p>
         </p:txBody>
@@ -688,7 +715,7 @@
             <a:fld id="{7E6209E1-ABC8-4D7E-BDD9-246DCBE30A3E}" type="slidenum">
               <a:rPr lang="fr-FR" smtClean="0"/>
               <a:pPr/>
-              <a:t>15</a:t>
+              <a:t>11</a:t>
             </a:fld>
             <a:endParaRPr lang="fr-FR"/>
           </a:p>
@@ -697,7 +724,7 @@
     </p:spTree>
     <p:extLst>
       <p:ext uri="{BB962C8B-B14F-4D97-AF65-F5344CB8AC3E}">
-        <p14:creationId xmlns="" xmlns:p14="http://schemas.microsoft.com/office/powerpoint/2010/main" val="1398145928"/>
+        <p14:creationId xmlns:p14="http://schemas.microsoft.com/office/powerpoint/2010/main" xmlns="" val="3448461766"/>
       </p:ext>
     </p:extLst>
   </p:cSld>
@@ -753,6 +780,14 @@
           </a:bodyPr>
           <a:lstStyle/>
           <a:p>
+            <a:r>
+              <a:rPr lang="fr-FR" dirty="0" smtClean="0"/>
+              <a:t>=  </a:t>
+            </a:r>
+            <a:r>
+              <a:rPr lang="fr-FR" dirty="0" err="1" smtClean="0"/>
+              <a:t>Stef</a:t>
+            </a:r>
             <a:endParaRPr lang="fr-FR" dirty="0"/>
           </a:p>
         </p:txBody>
@@ -775,7 +810,7 @@
             <a:fld id="{7E6209E1-ABC8-4D7E-BDD9-246DCBE30A3E}" type="slidenum">
               <a:rPr lang="fr-FR" smtClean="0"/>
               <a:pPr/>
-              <a:t>16</a:t>
+              <a:t>12</a:t>
             </a:fld>
             <a:endParaRPr lang="fr-FR"/>
           </a:p>
@@ -784,7 +819,7 @@
     </p:spTree>
     <p:extLst>
       <p:ext uri="{BB962C8B-B14F-4D97-AF65-F5344CB8AC3E}">
-        <p14:creationId xmlns="" xmlns:p14="http://schemas.microsoft.com/office/powerpoint/2010/main" val="2215035958"/>
+        <p14:creationId xmlns:p14="http://schemas.microsoft.com/office/powerpoint/2010/main" xmlns="" val="212553317"/>
       </p:ext>
     </p:extLst>
   </p:cSld>
@@ -840,6 +875,84 @@
           </a:bodyPr>
           <a:lstStyle/>
           <a:p>
+            <a:r>
+              <a:rPr lang="fr-FR" dirty="0" err="1" smtClean="0"/>
+              <a:t>AbsMedical</a:t>
+            </a:r>
+            <a:r>
+              <a:rPr lang="fr-FR" baseline="0" dirty="0" smtClean="0"/>
+              <a:t> -&gt; contient l’application bureau</a:t>
+            </a:r>
+          </a:p>
+          <a:p>
+            <a:r>
+              <a:rPr lang="fr-FR" baseline="0" dirty="0" err="1" smtClean="0"/>
+              <a:t>AbsMedical.Data</a:t>
+            </a:r>
+            <a:r>
+              <a:rPr lang="fr-FR" baseline="0" dirty="0" smtClean="0"/>
+              <a:t> -&gt; contient la couche d’</a:t>
+            </a:r>
+            <a:r>
+              <a:rPr lang="fr-FR" baseline="0" dirty="0" err="1" smtClean="0"/>
+              <a:t>access</a:t>
+            </a:r>
+            <a:r>
+              <a:rPr lang="fr-FR" baseline="0" dirty="0" smtClean="0"/>
+              <a:t> aux données</a:t>
+            </a:r>
+          </a:p>
+          <a:p>
+            <a:r>
+              <a:rPr lang="fr-FR" baseline="0" dirty="0" err="1" smtClean="0"/>
+              <a:t>AbsMedical.Shared</a:t>
+            </a:r>
+            <a:r>
+              <a:rPr lang="fr-FR" baseline="0" dirty="0" smtClean="0"/>
+              <a:t> -&gt; contient des classes partagé entre les différents projets</a:t>
+            </a:r>
+          </a:p>
+          <a:p>
+            <a:r>
+              <a:rPr lang="fr-FR" baseline="0" dirty="0" smtClean="0"/>
+              <a:t>AbsMedical.NFC -&gt; contient les classes pour la connexion/</a:t>
+            </a:r>
+            <a:r>
+              <a:rPr lang="fr-FR" baseline="0" dirty="0" err="1" smtClean="0"/>
+              <a:t>recuperation</a:t>
+            </a:r>
+            <a:r>
+              <a:rPr lang="fr-FR" baseline="0" dirty="0" smtClean="0"/>
+              <a:t> de l’id de la carte </a:t>
+            </a:r>
+            <a:r>
+              <a:rPr lang="fr-FR" baseline="0" dirty="0" err="1" smtClean="0"/>
+              <a:t>rfid</a:t>
+            </a:r>
+            <a:endParaRPr lang="fr-FR" baseline="0" dirty="0" smtClean="0"/>
+          </a:p>
+          <a:p>
+            <a:r>
+              <a:rPr lang="fr-FR" baseline="0" dirty="0" smtClean="0"/>
+              <a:t>AbsMedical.WCF -&gt; contient les différents web </a:t>
+            </a:r>
+            <a:r>
+              <a:rPr lang="fr-FR" baseline="0" dirty="0" smtClean="0"/>
+              <a:t>services</a:t>
+            </a:r>
+          </a:p>
+          <a:p>
+            <a:endParaRPr lang="fr-FR" baseline="0" dirty="0" smtClean="0"/>
+          </a:p>
+          <a:p>
+            <a:r>
+              <a:rPr lang="fr-FR" baseline="0" dirty="0" smtClean="0"/>
+              <a:t>= </a:t>
+            </a:r>
+            <a:r>
+              <a:rPr lang="fr-FR" baseline="0" dirty="0" err="1" smtClean="0"/>
+              <a:t>Adri</a:t>
+            </a:r>
             <a:endParaRPr lang="fr-FR" dirty="0"/>
           </a:p>
         </p:txBody>
@@ -862,7 +975,7 @@
             <a:fld id="{7E6209E1-ABC8-4D7E-BDD9-246DCBE30A3E}" type="slidenum">
               <a:rPr lang="fr-FR" smtClean="0"/>
               <a:pPr/>
-              <a:t>17</a:t>
+              <a:t>13</a:t>
             </a:fld>
             <a:endParaRPr lang="fr-FR"/>
           </a:p>
@@ -871,7 +984,7 @@
     </p:spTree>
     <p:extLst>
       <p:ext uri="{BB962C8B-B14F-4D97-AF65-F5344CB8AC3E}">
-        <p14:creationId xmlns="" xmlns:p14="http://schemas.microsoft.com/office/powerpoint/2010/main" val="4078183470"/>
+        <p14:creationId xmlns:p14="http://schemas.microsoft.com/office/powerpoint/2010/main" xmlns="" val="1461847046"/>
       </p:ext>
     </p:extLst>
   </p:cSld>
@@ -927,6 +1040,84 @@
           </a:bodyPr>
           <a:lstStyle/>
           <a:p>
+            <a:r>
+              <a:rPr lang="fr-FR" dirty="0" err="1" smtClean="0"/>
+              <a:t>AbsMedical</a:t>
+            </a:r>
+            <a:r>
+              <a:rPr lang="fr-FR" baseline="0" dirty="0" smtClean="0"/>
+              <a:t> -&gt; contient l’application bureau</a:t>
+            </a:r>
+          </a:p>
+          <a:p>
+            <a:r>
+              <a:rPr lang="fr-FR" baseline="0" dirty="0" err="1" smtClean="0"/>
+              <a:t>AbsMedical.Data</a:t>
+            </a:r>
+            <a:r>
+              <a:rPr lang="fr-FR" baseline="0" dirty="0" smtClean="0"/>
+              <a:t> -&gt; contient la couche d’</a:t>
+            </a:r>
+            <a:r>
+              <a:rPr lang="fr-FR" baseline="0" dirty="0" err="1" smtClean="0"/>
+              <a:t>access</a:t>
+            </a:r>
+            <a:r>
+              <a:rPr lang="fr-FR" baseline="0" dirty="0" smtClean="0"/>
+              <a:t> aux données</a:t>
+            </a:r>
+          </a:p>
+          <a:p>
+            <a:r>
+              <a:rPr lang="fr-FR" baseline="0" dirty="0" err="1" smtClean="0"/>
+              <a:t>AbsMedical.Shared</a:t>
+            </a:r>
+            <a:r>
+              <a:rPr lang="fr-FR" baseline="0" dirty="0" smtClean="0"/>
+              <a:t> -&gt; contient des classes partagé entre les différents projets</a:t>
+            </a:r>
+          </a:p>
+          <a:p>
+            <a:r>
+              <a:rPr lang="fr-FR" baseline="0" dirty="0" smtClean="0"/>
+              <a:t>AbsMedical.NFC -&gt; contient les classes pour la connexion/</a:t>
+            </a:r>
+            <a:r>
+              <a:rPr lang="fr-FR" baseline="0" dirty="0" err="1" smtClean="0"/>
+              <a:t>recuperation</a:t>
+            </a:r>
+            <a:r>
+              <a:rPr lang="fr-FR" baseline="0" dirty="0" smtClean="0"/>
+              <a:t> de l’id de la carte </a:t>
+            </a:r>
+            <a:r>
+              <a:rPr lang="fr-FR" baseline="0" dirty="0" err="1" smtClean="0"/>
+              <a:t>rfid</a:t>
+            </a:r>
+            <a:endParaRPr lang="fr-FR" baseline="0" dirty="0" smtClean="0"/>
+          </a:p>
+          <a:p>
+            <a:r>
+              <a:rPr lang="fr-FR" baseline="0" dirty="0" smtClean="0"/>
+              <a:t>AbsMedical.WCF -&gt; contient les différents web </a:t>
+            </a:r>
+            <a:r>
+              <a:rPr lang="fr-FR" baseline="0" dirty="0" smtClean="0"/>
+              <a:t>services</a:t>
+            </a:r>
+          </a:p>
+          <a:p>
+            <a:endParaRPr lang="fr-FR" baseline="0" dirty="0" smtClean="0"/>
+          </a:p>
+          <a:p>
+            <a:r>
+              <a:rPr lang="fr-FR" baseline="0" dirty="0" smtClean="0"/>
+              <a:t>= </a:t>
+            </a:r>
+            <a:r>
+              <a:rPr lang="fr-FR" baseline="0" dirty="0" err="1" smtClean="0"/>
+              <a:t>Stef</a:t>
+            </a:r>
             <a:endParaRPr lang="fr-FR" dirty="0"/>
           </a:p>
         </p:txBody>
@@ -949,7 +1140,7 @@
             <a:fld id="{7E6209E1-ABC8-4D7E-BDD9-246DCBE30A3E}" type="slidenum">
               <a:rPr lang="fr-FR" smtClean="0"/>
               <a:pPr/>
-              <a:t>18</a:t>
+              <a:t>14</a:t>
             </a:fld>
             <a:endParaRPr lang="fr-FR"/>
           </a:p>
@@ -958,7 +1149,7 @@
     </p:spTree>
     <p:extLst>
       <p:ext uri="{BB962C8B-B14F-4D97-AF65-F5344CB8AC3E}">
-        <p14:creationId xmlns="" xmlns:p14="http://schemas.microsoft.com/office/powerpoint/2010/main" val="511339895"/>
+        <p14:creationId xmlns:p14="http://schemas.microsoft.com/office/powerpoint/2010/main" xmlns="" val="1520764927"/>
       </p:ext>
     </p:extLst>
   </p:cSld>
@@ -1036,7 +1227,7 @@
             <a:fld id="{7E6209E1-ABC8-4D7E-BDD9-246DCBE30A3E}" type="slidenum">
               <a:rPr lang="fr-FR" smtClean="0"/>
               <a:pPr/>
-              <a:t>19</a:t>
+              <a:t>15</a:t>
             </a:fld>
             <a:endParaRPr lang="fr-FR"/>
           </a:p>
@@ -1045,7 +1236,7 @@
     </p:spTree>
     <p:extLst>
       <p:ext uri="{BB962C8B-B14F-4D97-AF65-F5344CB8AC3E}">
-        <p14:creationId xmlns="" xmlns:p14="http://schemas.microsoft.com/office/powerpoint/2010/main" val="1329930481"/>
+        <p14:creationId xmlns:p14="http://schemas.microsoft.com/office/powerpoint/2010/main" xmlns="" val="1398145928"/>
       </p:ext>
     </p:extLst>
   </p:cSld>
@@ -1123,7 +1314,7 @@
             <a:fld id="{7E6209E1-ABC8-4D7E-BDD9-246DCBE30A3E}" type="slidenum">
               <a:rPr lang="fr-FR" smtClean="0"/>
               <a:pPr/>
-              <a:t>20</a:t>
+              <a:t>16</a:t>
             </a:fld>
             <a:endParaRPr lang="fr-FR"/>
           </a:p>
@@ -1132,7 +1323,7 @@
     </p:spTree>
     <p:extLst>
       <p:ext uri="{BB962C8B-B14F-4D97-AF65-F5344CB8AC3E}">
-        <p14:creationId xmlns="" xmlns:p14="http://schemas.microsoft.com/office/powerpoint/2010/main" val="1420921446"/>
+        <p14:creationId xmlns:p14="http://schemas.microsoft.com/office/powerpoint/2010/main" xmlns="" val="2215035958"/>
       </p:ext>
     </p:extLst>
   </p:cSld>
@@ -1210,7 +1401,7 @@
             <a:fld id="{7E6209E1-ABC8-4D7E-BDD9-246DCBE30A3E}" type="slidenum">
               <a:rPr lang="fr-FR" smtClean="0"/>
               <a:pPr/>
-              <a:t>21</a:t>
+              <a:t>17</a:t>
             </a:fld>
             <a:endParaRPr lang="fr-FR"/>
           </a:p>
@@ -1219,7 +1410,7 @@
     </p:spTree>
     <p:extLst>
       <p:ext uri="{BB962C8B-B14F-4D97-AF65-F5344CB8AC3E}">
-        <p14:creationId xmlns="" xmlns:p14="http://schemas.microsoft.com/office/powerpoint/2010/main" val="2537194441"/>
+        <p14:creationId xmlns:p14="http://schemas.microsoft.com/office/powerpoint/2010/main" xmlns="" val="4078183470"/>
       </p:ext>
     </p:extLst>
   </p:cSld>
@@ -1297,7 +1488,7 @@
             <a:fld id="{7E6209E1-ABC8-4D7E-BDD9-246DCBE30A3E}" type="slidenum">
               <a:rPr lang="fr-FR" smtClean="0"/>
               <a:pPr/>
-              <a:t>22</a:t>
+              <a:t>18</a:t>
             </a:fld>
             <a:endParaRPr lang="fr-FR"/>
           </a:p>
@@ -1306,7 +1497,7 @@
     </p:spTree>
     <p:extLst>
       <p:ext uri="{BB962C8B-B14F-4D97-AF65-F5344CB8AC3E}">
-        <p14:creationId xmlns="" xmlns:p14="http://schemas.microsoft.com/office/powerpoint/2010/main" val="4069220086"/>
+        <p14:creationId xmlns:p14="http://schemas.microsoft.com/office/powerpoint/2010/main" xmlns="" val="511339895"/>
       </p:ext>
     </p:extLst>
   </p:cSld>
@@ -1384,7 +1575,7 @@
             <a:fld id="{7E6209E1-ABC8-4D7E-BDD9-246DCBE30A3E}" type="slidenum">
               <a:rPr lang="fr-FR" smtClean="0"/>
               <a:pPr/>
-              <a:t>23</a:t>
+              <a:t>19</a:t>
             </a:fld>
             <a:endParaRPr lang="fr-FR"/>
           </a:p>
@@ -1393,7 +1584,7 @@
     </p:spTree>
     <p:extLst>
       <p:ext uri="{BB962C8B-B14F-4D97-AF65-F5344CB8AC3E}">
-        <p14:creationId xmlns="" xmlns:p14="http://schemas.microsoft.com/office/powerpoint/2010/main" val="2188083174"/>
+        <p14:creationId xmlns:p14="http://schemas.microsoft.com/office/powerpoint/2010/main" xmlns="" val="1329930481"/>
       </p:ext>
     </p:extLst>
   </p:cSld>
@@ -1471,7 +1662,7 @@
             <a:fld id="{7E6209E1-ABC8-4D7E-BDD9-246DCBE30A3E}" type="slidenum">
               <a:rPr lang="fr-FR" smtClean="0"/>
               <a:pPr/>
-              <a:t>24</a:t>
+              <a:t>20</a:t>
             </a:fld>
             <a:endParaRPr lang="fr-FR"/>
           </a:p>
@@ -1480,7 +1671,7 @@
     </p:spTree>
     <p:extLst>
       <p:ext uri="{BB962C8B-B14F-4D97-AF65-F5344CB8AC3E}">
-        <p14:creationId xmlns="" xmlns:p14="http://schemas.microsoft.com/office/powerpoint/2010/main" val="1537290242"/>
+        <p14:creationId xmlns:p14="http://schemas.microsoft.com/office/powerpoint/2010/main" xmlns="" val="1420921446"/>
       </p:ext>
     </p:extLst>
   </p:cSld>
@@ -1538,15 +1729,11 @@
           <a:p>
             <a:r>
               <a:rPr lang="fr-FR" dirty="0" smtClean="0"/>
-              <a:t>A la base</a:t>
-            </a:r>
-            <a:r>
-              <a:rPr lang="fr-FR" baseline="0" dirty="0" smtClean="0"/>
-              <a:t> on devais partir sur du </a:t>
-            </a:r>
-            <a:r>
-              <a:rPr lang="fr-FR" baseline="0" dirty="0" err="1" smtClean="0"/>
-              <a:t>WinForm</a:t>
+              <a:t>= </a:t>
+            </a:r>
+            <a:r>
+              <a:rPr lang="fr-FR" dirty="0" err="1" smtClean="0"/>
+              <a:t>Adri</a:t>
             </a:r>
             <a:endParaRPr lang="fr-FR" dirty="0"/>
           </a:p>
@@ -1570,18 +1757,13 @@
             <a:fld id="{7E6209E1-ABC8-4D7E-BDD9-246DCBE30A3E}" type="slidenum">
               <a:rPr lang="fr-FR" smtClean="0"/>
               <a:pPr/>
-              <a:t>7</a:t>
+              <a:t>3</a:t>
             </a:fld>
             <a:endParaRPr lang="fr-FR"/>
           </a:p>
         </p:txBody>
       </p:sp>
     </p:spTree>
-    <p:extLst>
-      <p:ext uri="{BB962C8B-B14F-4D97-AF65-F5344CB8AC3E}">
-        <p14:creationId xmlns="" xmlns:p14="http://schemas.microsoft.com/office/powerpoint/2010/main" val="1628508158"/>
-      </p:ext>
-    </p:extLst>
   </p:cSld>
   <p:clrMapOvr>
     <a:masterClrMapping/>
@@ -1657,6 +1839,354 @@
             <a:fld id="{7E6209E1-ABC8-4D7E-BDD9-246DCBE30A3E}" type="slidenum">
               <a:rPr lang="fr-FR" smtClean="0"/>
               <a:pPr/>
+              <a:t>21</a:t>
+            </a:fld>
+            <a:endParaRPr lang="fr-FR"/>
+          </a:p>
+        </p:txBody>
+      </p:sp>
+    </p:spTree>
+    <p:extLst>
+      <p:ext uri="{BB962C8B-B14F-4D97-AF65-F5344CB8AC3E}">
+        <p14:creationId xmlns:p14="http://schemas.microsoft.com/office/powerpoint/2010/main" xmlns="" val="2537194441"/>
+      </p:ext>
+    </p:extLst>
+  </p:cSld>
+  <p:clrMapOvr>
+    <a:masterClrMapping/>
+  </p:clrMapOvr>
+</p:notes>
+</file>
+
+<file path=ppt/notesSlides/notesSlide21.xml><?xml version="1.0" encoding="utf-8"?>
+<p:notes xmlns:a="http://schemas.openxmlformats.org/drawingml/2006/main" xmlns:r="http://schemas.openxmlformats.org/officeDocument/2006/relationships" xmlns:p="http://schemas.openxmlformats.org/presentationml/2006/main">
+  <p:cSld>
+    <p:spTree>
+      <p:nvGrpSpPr>
+        <p:cNvPr id="1" name=""/>
+        <p:cNvGrpSpPr/>
+        <p:nvPr/>
+      </p:nvGrpSpPr>
+      <p:grpSpPr>
+        <a:xfrm>
+          <a:off x="0" y="0"/>
+          <a:ext cx="0" cy="0"/>
+          <a:chOff x="0" y="0"/>
+          <a:chExt cx="0" cy="0"/>
+        </a:xfrm>
+      </p:grpSpPr>
+      <p:sp>
+        <p:nvSpPr>
+          <p:cNvPr id="2" name="Espace réservé de l'image des diapositives 1"/>
+          <p:cNvSpPr>
+            <a:spLocks noGrp="1" noRot="1" noChangeAspect="1"/>
+          </p:cNvSpPr>
+          <p:nvPr>
+            <p:ph type="sldImg"/>
+          </p:nvPr>
+        </p:nvSpPr>
+        <p:spPr/>
+      </p:sp>
+      <p:sp>
+        <p:nvSpPr>
+          <p:cNvPr id="3" name="Espace réservé des commentaires 2"/>
+          <p:cNvSpPr>
+            <a:spLocks noGrp="1"/>
+          </p:cNvSpPr>
+          <p:nvPr>
+            <p:ph type="body" idx="1"/>
+          </p:nvPr>
+        </p:nvSpPr>
+        <p:spPr/>
+        <p:txBody>
+          <a:bodyPr>
+            <a:normAutofit/>
+          </a:bodyPr>
+          <a:lstStyle/>
+          <a:p>
+            <a:endParaRPr lang="fr-FR" dirty="0"/>
+          </a:p>
+        </p:txBody>
+      </p:sp>
+      <p:sp>
+        <p:nvSpPr>
+          <p:cNvPr id="4" name="Espace réservé du numéro de diapositive 3"/>
+          <p:cNvSpPr>
+            <a:spLocks noGrp="1"/>
+          </p:cNvSpPr>
+          <p:nvPr>
+            <p:ph type="sldNum" sz="quarter" idx="10"/>
+          </p:nvPr>
+        </p:nvSpPr>
+        <p:spPr/>
+        <p:txBody>
+          <a:bodyPr/>
+          <a:lstStyle/>
+          <a:p>
+            <a:fld id="{7E6209E1-ABC8-4D7E-BDD9-246DCBE30A3E}" type="slidenum">
+              <a:rPr lang="fr-FR" smtClean="0"/>
+              <a:pPr/>
+              <a:t>22</a:t>
+            </a:fld>
+            <a:endParaRPr lang="fr-FR"/>
+          </a:p>
+        </p:txBody>
+      </p:sp>
+    </p:spTree>
+    <p:extLst>
+      <p:ext uri="{BB962C8B-B14F-4D97-AF65-F5344CB8AC3E}">
+        <p14:creationId xmlns:p14="http://schemas.microsoft.com/office/powerpoint/2010/main" xmlns="" val="4069220086"/>
+      </p:ext>
+    </p:extLst>
+  </p:cSld>
+  <p:clrMapOvr>
+    <a:masterClrMapping/>
+  </p:clrMapOvr>
+</p:notes>
+</file>
+
+<file path=ppt/notesSlides/notesSlide22.xml><?xml version="1.0" encoding="utf-8"?>
+<p:notes xmlns:a="http://schemas.openxmlformats.org/drawingml/2006/main" xmlns:r="http://schemas.openxmlformats.org/officeDocument/2006/relationships" xmlns:p="http://schemas.openxmlformats.org/presentationml/2006/main">
+  <p:cSld>
+    <p:spTree>
+      <p:nvGrpSpPr>
+        <p:cNvPr id="1" name=""/>
+        <p:cNvGrpSpPr/>
+        <p:nvPr/>
+      </p:nvGrpSpPr>
+      <p:grpSpPr>
+        <a:xfrm>
+          <a:off x="0" y="0"/>
+          <a:ext cx="0" cy="0"/>
+          <a:chOff x="0" y="0"/>
+          <a:chExt cx="0" cy="0"/>
+        </a:xfrm>
+      </p:grpSpPr>
+      <p:sp>
+        <p:nvSpPr>
+          <p:cNvPr id="2" name="Espace réservé de l'image des diapositives 1"/>
+          <p:cNvSpPr>
+            <a:spLocks noGrp="1" noRot="1" noChangeAspect="1"/>
+          </p:cNvSpPr>
+          <p:nvPr>
+            <p:ph type="sldImg"/>
+          </p:nvPr>
+        </p:nvSpPr>
+        <p:spPr/>
+      </p:sp>
+      <p:sp>
+        <p:nvSpPr>
+          <p:cNvPr id="3" name="Espace réservé des commentaires 2"/>
+          <p:cNvSpPr>
+            <a:spLocks noGrp="1"/>
+          </p:cNvSpPr>
+          <p:nvPr>
+            <p:ph type="body" idx="1"/>
+          </p:nvPr>
+        </p:nvSpPr>
+        <p:spPr/>
+        <p:txBody>
+          <a:bodyPr>
+            <a:normAutofit/>
+          </a:bodyPr>
+          <a:lstStyle/>
+          <a:p>
+            <a:endParaRPr lang="fr-FR" dirty="0"/>
+          </a:p>
+        </p:txBody>
+      </p:sp>
+      <p:sp>
+        <p:nvSpPr>
+          <p:cNvPr id="4" name="Espace réservé du numéro de diapositive 3"/>
+          <p:cNvSpPr>
+            <a:spLocks noGrp="1"/>
+          </p:cNvSpPr>
+          <p:nvPr>
+            <p:ph type="sldNum" sz="quarter" idx="10"/>
+          </p:nvPr>
+        </p:nvSpPr>
+        <p:spPr/>
+        <p:txBody>
+          <a:bodyPr/>
+          <a:lstStyle/>
+          <a:p>
+            <a:fld id="{7E6209E1-ABC8-4D7E-BDD9-246DCBE30A3E}" type="slidenum">
+              <a:rPr lang="fr-FR" smtClean="0"/>
+              <a:pPr/>
+              <a:t>23</a:t>
+            </a:fld>
+            <a:endParaRPr lang="fr-FR"/>
+          </a:p>
+        </p:txBody>
+      </p:sp>
+    </p:spTree>
+    <p:extLst>
+      <p:ext uri="{BB962C8B-B14F-4D97-AF65-F5344CB8AC3E}">
+        <p14:creationId xmlns:p14="http://schemas.microsoft.com/office/powerpoint/2010/main" xmlns="" val="2188083174"/>
+      </p:ext>
+    </p:extLst>
+  </p:cSld>
+  <p:clrMapOvr>
+    <a:masterClrMapping/>
+  </p:clrMapOvr>
+</p:notes>
+</file>
+
+<file path=ppt/notesSlides/notesSlide23.xml><?xml version="1.0" encoding="utf-8"?>
+<p:notes xmlns:a="http://schemas.openxmlformats.org/drawingml/2006/main" xmlns:r="http://schemas.openxmlformats.org/officeDocument/2006/relationships" xmlns:p="http://schemas.openxmlformats.org/presentationml/2006/main">
+  <p:cSld>
+    <p:spTree>
+      <p:nvGrpSpPr>
+        <p:cNvPr id="1" name=""/>
+        <p:cNvGrpSpPr/>
+        <p:nvPr/>
+      </p:nvGrpSpPr>
+      <p:grpSpPr>
+        <a:xfrm>
+          <a:off x="0" y="0"/>
+          <a:ext cx="0" cy="0"/>
+          <a:chOff x="0" y="0"/>
+          <a:chExt cx="0" cy="0"/>
+        </a:xfrm>
+      </p:grpSpPr>
+      <p:sp>
+        <p:nvSpPr>
+          <p:cNvPr id="2" name="Espace réservé de l'image des diapositives 1"/>
+          <p:cNvSpPr>
+            <a:spLocks noGrp="1" noRot="1" noChangeAspect="1"/>
+          </p:cNvSpPr>
+          <p:nvPr>
+            <p:ph type="sldImg"/>
+          </p:nvPr>
+        </p:nvSpPr>
+        <p:spPr/>
+      </p:sp>
+      <p:sp>
+        <p:nvSpPr>
+          <p:cNvPr id="3" name="Espace réservé des commentaires 2"/>
+          <p:cNvSpPr>
+            <a:spLocks noGrp="1"/>
+          </p:cNvSpPr>
+          <p:nvPr>
+            <p:ph type="body" idx="1"/>
+          </p:nvPr>
+        </p:nvSpPr>
+        <p:spPr/>
+        <p:txBody>
+          <a:bodyPr>
+            <a:normAutofit/>
+          </a:bodyPr>
+          <a:lstStyle/>
+          <a:p>
+            <a:endParaRPr lang="fr-FR" dirty="0"/>
+          </a:p>
+        </p:txBody>
+      </p:sp>
+      <p:sp>
+        <p:nvSpPr>
+          <p:cNvPr id="4" name="Espace réservé du numéro de diapositive 3"/>
+          <p:cNvSpPr>
+            <a:spLocks noGrp="1"/>
+          </p:cNvSpPr>
+          <p:nvPr>
+            <p:ph type="sldNum" sz="quarter" idx="10"/>
+          </p:nvPr>
+        </p:nvSpPr>
+        <p:spPr/>
+        <p:txBody>
+          <a:bodyPr/>
+          <a:lstStyle/>
+          <a:p>
+            <a:fld id="{7E6209E1-ABC8-4D7E-BDD9-246DCBE30A3E}" type="slidenum">
+              <a:rPr lang="fr-FR" smtClean="0"/>
+              <a:pPr/>
+              <a:t>24</a:t>
+            </a:fld>
+            <a:endParaRPr lang="fr-FR"/>
+          </a:p>
+        </p:txBody>
+      </p:sp>
+    </p:spTree>
+    <p:extLst>
+      <p:ext uri="{BB962C8B-B14F-4D97-AF65-F5344CB8AC3E}">
+        <p14:creationId xmlns:p14="http://schemas.microsoft.com/office/powerpoint/2010/main" xmlns="" val="1537290242"/>
+      </p:ext>
+    </p:extLst>
+  </p:cSld>
+  <p:clrMapOvr>
+    <a:masterClrMapping/>
+  </p:clrMapOvr>
+</p:notes>
+</file>
+
+<file path=ppt/notesSlides/notesSlide24.xml><?xml version="1.0" encoding="utf-8"?>
+<p:notes xmlns:a="http://schemas.openxmlformats.org/drawingml/2006/main" xmlns:r="http://schemas.openxmlformats.org/officeDocument/2006/relationships" xmlns:p="http://schemas.openxmlformats.org/presentationml/2006/main">
+  <p:cSld>
+    <p:spTree>
+      <p:nvGrpSpPr>
+        <p:cNvPr id="1" name=""/>
+        <p:cNvGrpSpPr/>
+        <p:nvPr/>
+      </p:nvGrpSpPr>
+      <p:grpSpPr>
+        <a:xfrm>
+          <a:off x="0" y="0"/>
+          <a:ext cx="0" cy="0"/>
+          <a:chOff x="0" y="0"/>
+          <a:chExt cx="0" cy="0"/>
+        </a:xfrm>
+      </p:grpSpPr>
+      <p:sp>
+        <p:nvSpPr>
+          <p:cNvPr id="2" name="Espace réservé de l'image des diapositives 1"/>
+          <p:cNvSpPr>
+            <a:spLocks noGrp="1" noRot="1" noChangeAspect="1"/>
+          </p:cNvSpPr>
+          <p:nvPr>
+            <p:ph type="sldImg"/>
+          </p:nvPr>
+        </p:nvSpPr>
+        <p:spPr/>
+      </p:sp>
+      <p:sp>
+        <p:nvSpPr>
+          <p:cNvPr id="3" name="Espace réservé des commentaires 2"/>
+          <p:cNvSpPr>
+            <a:spLocks noGrp="1"/>
+          </p:cNvSpPr>
+          <p:nvPr>
+            <p:ph type="body" idx="1"/>
+          </p:nvPr>
+        </p:nvSpPr>
+        <p:spPr/>
+        <p:txBody>
+          <a:bodyPr>
+            <a:normAutofit/>
+          </a:bodyPr>
+          <a:lstStyle/>
+          <a:p>
+            <a:endParaRPr lang="fr-FR" dirty="0"/>
+          </a:p>
+        </p:txBody>
+      </p:sp>
+      <p:sp>
+        <p:nvSpPr>
+          <p:cNvPr id="4" name="Espace réservé du numéro de diapositive 3"/>
+          <p:cNvSpPr>
+            <a:spLocks noGrp="1"/>
+          </p:cNvSpPr>
+          <p:nvPr>
+            <p:ph type="sldNum" sz="quarter" idx="10"/>
+          </p:nvPr>
+        </p:nvSpPr>
+        <p:spPr/>
+        <p:txBody>
+          <a:bodyPr/>
+          <a:lstStyle/>
+          <a:p>
+            <a:fld id="{7E6209E1-ABC8-4D7E-BDD9-246DCBE30A3E}" type="slidenum">
+              <a:rPr lang="fr-FR" smtClean="0"/>
+              <a:pPr/>
               <a:t>25</a:t>
             </a:fld>
             <a:endParaRPr lang="fr-FR"/>
@@ -1666,7 +2196,7 @@
     </p:spTree>
     <p:extLst>
       <p:ext uri="{BB962C8B-B14F-4D97-AF65-F5344CB8AC3E}">
-        <p14:creationId xmlns="" xmlns:p14="http://schemas.microsoft.com/office/powerpoint/2010/main" val="725683917"/>
+        <p14:creationId xmlns:p14="http://schemas.microsoft.com/office/powerpoint/2010/main" xmlns="" val="725683917"/>
       </p:ext>
     </p:extLst>
   </p:cSld>
@@ -1722,6 +2252,18 @@
           </a:bodyPr>
           <a:lstStyle/>
           <a:p>
+            <a:r>
+              <a:rPr lang="fr-FR" dirty="0" smtClean="0"/>
+              <a:t>= </a:t>
+            </a:r>
+            <a:r>
+              <a:rPr lang="fr-FR" dirty="0" err="1" smtClean="0"/>
+              <a:t>Stef</a:t>
+            </a:r>
+            <a:r>
+              <a:rPr lang="fr-FR" dirty="0" smtClean="0"/>
+              <a:t>	</a:t>
+            </a:r>
             <a:endParaRPr lang="fr-FR" dirty="0"/>
           </a:p>
         </p:txBody>
@@ -1744,18 +2286,13 @@
             <a:fld id="{7E6209E1-ABC8-4D7E-BDD9-246DCBE30A3E}" type="slidenum">
               <a:rPr lang="fr-FR" smtClean="0"/>
               <a:pPr/>
-              <a:t>8</a:t>
+              <a:t>4</a:t>
             </a:fld>
             <a:endParaRPr lang="fr-FR"/>
           </a:p>
         </p:txBody>
       </p:sp>
     </p:spTree>
-    <p:extLst>
-      <p:ext uri="{BB962C8B-B14F-4D97-AF65-F5344CB8AC3E}">
-        <p14:creationId xmlns="" xmlns:p14="http://schemas.microsoft.com/office/powerpoint/2010/main" val="3526639435"/>
-      </p:ext>
-    </p:extLst>
   </p:cSld>
   <p:clrMapOvr>
     <a:masterClrMapping/>
@@ -1809,6 +2346,14 @@
           </a:bodyPr>
           <a:lstStyle/>
           <a:p>
+            <a:r>
+              <a:rPr lang="fr-FR" dirty="0" smtClean="0"/>
+              <a:t>= </a:t>
+            </a:r>
+            <a:r>
+              <a:rPr lang="fr-FR" dirty="0" err="1" smtClean="0"/>
+              <a:t>Stef</a:t>
+            </a:r>
             <a:endParaRPr lang="fr-FR" dirty="0"/>
           </a:p>
         </p:txBody>
@@ -1831,18 +2376,13 @@
             <a:fld id="{7E6209E1-ABC8-4D7E-BDD9-246DCBE30A3E}" type="slidenum">
               <a:rPr lang="fr-FR" smtClean="0"/>
               <a:pPr/>
-              <a:t>9</a:t>
+              <a:t>5</a:t>
             </a:fld>
             <a:endParaRPr lang="fr-FR"/>
           </a:p>
         </p:txBody>
       </p:sp>
     </p:spTree>
-    <p:extLst>
-      <p:ext uri="{BB962C8B-B14F-4D97-AF65-F5344CB8AC3E}">
-        <p14:creationId xmlns="" xmlns:p14="http://schemas.microsoft.com/office/powerpoint/2010/main" val="1321478154"/>
-      </p:ext>
-    </p:extLst>
   </p:cSld>
   <p:clrMapOvr>
     <a:masterClrMapping/>
@@ -1896,6 +2436,14 @@
           </a:bodyPr>
           <a:lstStyle/>
           <a:p>
+            <a:r>
+              <a:rPr lang="fr-FR" dirty="0" smtClean="0"/>
+              <a:t>= </a:t>
+            </a:r>
+            <a:r>
+              <a:rPr lang="fr-FR" dirty="0" err="1" smtClean="0"/>
+              <a:t>Adri</a:t>
+            </a:r>
             <a:endParaRPr lang="fr-FR" dirty="0"/>
           </a:p>
         </p:txBody>
@@ -1918,18 +2466,13 @@
             <a:fld id="{7E6209E1-ABC8-4D7E-BDD9-246DCBE30A3E}" type="slidenum">
               <a:rPr lang="fr-FR" smtClean="0"/>
               <a:pPr/>
-              <a:t>10</a:t>
+              <a:t>6</a:t>
             </a:fld>
             <a:endParaRPr lang="fr-FR"/>
           </a:p>
         </p:txBody>
       </p:sp>
     </p:spTree>
-    <p:extLst>
-      <p:ext uri="{BB962C8B-B14F-4D97-AF65-F5344CB8AC3E}">
-        <p14:creationId xmlns="" xmlns:p14="http://schemas.microsoft.com/office/powerpoint/2010/main" val="2004548286"/>
-      </p:ext>
-    </p:extLst>
   </p:cSld>
   <p:clrMapOvr>
     <a:masterClrMapping/>
@@ -1983,6 +2526,29 @@
           </a:bodyPr>
           <a:lstStyle/>
           <a:p>
+            <a:r>
+              <a:rPr lang="fr-FR" dirty="0" smtClean="0"/>
+              <a:t>A la base</a:t>
+            </a:r>
+            <a:r>
+              <a:rPr lang="fr-FR" baseline="0" dirty="0" smtClean="0"/>
+              <a:t> on devais partir sur du </a:t>
+            </a:r>
+            <a:r>
+              <a:rPr lang="fr-FR" baseline="0" dirty="0" err="1" smtClean="0"/>
+              <a:t>WinForm</a:t>
+            </a:r>
+            <a:endParaRPr lang="fr-FR" baseline="0" dirty="0" smtClean="0"/>
+          </a:p>
+          <a:p>
+            <a:r>
+              <a:rPr lang="fr-FR" baseline="0" dirty="0" smtClean="0"/>
+              <a:t>=</a:t>
+            </a:r>
+            <a:r>
+              <a:rPr lang="fr-FR" baseline="0" dirty="0" err="1" smtClean="0"/>
+              <a:t>Stef</a:t>
+            </a:r>
             <a:endParaRPr lang="fr-FR" dirty="0"/>
           </a:p>
         </p:txBody>
@@ -2005,7 +2571,7 @@
             <a:fld id="{7E6209E1-ABC8-4D7E-BDD9-246DCBE30A3E}" type="slidenum">
               <a:rPr lang="fr-FR" smtClean="0"/>
               <a:pPr/>
-              <a:t>11</a:t>
+              <a:t>7</a:t>
             </a:fld>
             <a:endParaRPr lang="fr-FR"/>
           </a:p>
@@ -2014,7 +2580,7 @@
     </p:spTree>
     <p:extLst>
       <p:ext uri="{BB962C8B-B14F-4D97-AF65-F5344CB8AC3E}">
-        <p14:creationId xmlns="" xmlns:p14="http://schemas.microsoft.com/office/powerpoint/2010/main" val="3448461766"/>
+        <p14:creationId xmlns:p14="http://schemas.microsoft.com/office/powerpoint/2010/main" xmlns="" val="1628508158"/>
       </p:ext>
     </p:extLst>
   </p:cSld>
@@ -2070,6 +2636,14 @@
           </a:bodyPr>
           <a:lstStyle/>
           <a:p>
+            <a:r>
+              <a:rPr lang="fr-FR" dirty="0" smtClean="0"/>
+              <a:t>= </a:t>
+            </a:r>
+            <a:r>
+              <a:rPr lang="fr-FR" dirty="0" err="1" smtClean="0"/>
+              <a:t>Stef</a:t>
+            </a:r>
             <a:endParaRPr lang="fr-FR" dirty="0"/>
           </a:p>
         </p:txBody>
@@ -2092,7 +2666,7 @@
             <a:fld id="{7E6209E1-ABC8-4D7E-BDD9-246DCBE30A3E}" type="slidenum">
               <a:rPr lang="fr-FR" smtClean="0"/>
               <a:pPr/>
-              <a:t>12</a:t>
+              <a:t>8</a:t>
             </a:fld>
             <a:endParaRPr lang="fr-FR"/>
           </a:p>
@@ -2101,7 +2675,7 @@
     </p:spTree>
     <p:extLst>
       <p:ext uri="{BB962C8B-B14F-4D97-AF65-F5344CB8AC3E}">
-        <p14:creationId xmlns="" xmlns:p14="http://schemas.microsoft.com/office/powerpoint/2010/main" val="212553317"/>
+        <p14:creationId xmlns:p14="http://schemas.microsoft.com/office/powerpoint/2010/main" xmlns="" val="3526639435"/>
       </p:ext>
     </p:extLst>
   </p:cSld>
@@ -2158,65 +2732,12 @@
           <a:lstStyle/>
           <a:p>
             <a:r>
+              <a:rPr lang="fr-FR" dirty="0" smtClean="0"/>
+              <a:t>= </a:t>
+            </a:r>
+            <a:r>
               <a:rPr lang="fr-FR" dirty="0" err="1" smtClean="0"/>
-              <a:t>AbsMedical</a:t>
-            </a:r>
-            <a:r>
-              <a:rPr lang="fr-FR" baseline="0" dirty="0" smtClean="0"/>
-              <a:t> -&gt; contient l’application bureau</a:t>
-            </a:r>
-          </a:p>
-          <a:p>
-            <a:r>
-              <a:rPr lang="fr-FR" baseline="0" dirty="0" err="1" smtClean="0"/>
-              <a:t>AbsMedical.Data</a:t>
-            </a:r>
-            <a:r>
-              <a:rPr lang="fr-FR" baseline="0" dirty="0" smtClean="0"/>
-              <a:t> -&gt; contient la couche d’</a:t>
-            </a:r>
-            <a:r>
-              <a:rPr lang="fr-FR" baseline="0" dirty="0" err="1" smtClean="0"/>
-              <a:t>access</a:t>
-            </a:r>
-            <a:r>
-              <a:rPr lang="fr-FR" baseline="0" dirty="0" smtClean="0"/>
-              <a:t> aux données</a:t>
-            </a:r>
-          </a:p>
-          <a:p>
-            <a:r>
-              <a:rPr lang="fr-FR" baseline="0" dirty="0" err="1" smtClean="0"/>
-              <a:t>AbsMedical.Shared</a:t>
-            </a:r>
-            <a:r>
-              <a:rPr lang="fr-FR" baseline="0" dirty="0" smtClean="0"/>
-              <a:t> -&gt; contient des classes partagé entre les différents projets</a:t>
-            </a:r>
-          </a:p>
-          <a:p>
-            <a:r>
-              <a:rPr lang="fr-FR" baseline="0" dirty="0" smtClean="0"/>
-              <a:t>AbsMedical.NFC -&gt; contient les classes pour la connexion/</a:t>
-            </a:r>
-            <a:r>
-              <a:rPr lang="fr-FR" baseline="0" dirty="0" err="1" smtClean="0"/>
-              <a:t>recuperation</a:t>
-            </a:r>
-            <a:r>
-              <a:rPr lang="fr-FR" baseline="0" dirty="0" smtClean="0"/>
-              <a:t> de l’id de la carte </a:t>
-            </a:r>
-            <a:r>
-              <a:rPr lang="fr-FR" baseline="0" dirty="0" err="1" smtClean="0"/>
-              <a:t>rfid</a:t>
-            </a:r>
-            <a:endParaRPr lang="fr-FR" baseline="0" dirty="0" smtClean="0"/>
-          </a:p>
-          <a:p>
-            <a:r>
-              <a:rPr lang="fr-FR" baseline="0" dirty="0" smtClean="0"/>
-              <a:t>AbsMedical.WCF -&gt; contient les différents web services</a:t>
+              <a:t>Adri</a:t>
             </a:r>
             <a:endParaRPr lang="fr-FR" dirty="0"/>
           </a:p>
@@ -2240,7 +2761,7 @@
             <a:fld id="{7E6209E1-ABC8-4D7E-BDD9-246DCBE30A3E}" type="slidenum">
               <a:rPr lang="fr-FR" smtClean="0"/>
               <a:pPr/>
-              <a:t>13</a:t>
+              <a:t>9</a:t>
             </a:fld>
             <a:endParaRPr lang="fr-FR"/>
           </a:p>
@@ -2249,7 +2770,7 @@
     </p:spTree>
     <p:extLst>
       <p:ext uri="{BB962C8B-B14F-4D97-AF65-F5344CB8AC3E}">
-        <p14:creationId xmlns="" xmlns:p14="http://schemas.microsoft.com/office/powerpoint/2010/main" val="1461847046"/>
+        <p14:creationId xmlns:p14="http://schemas.microsoft.com/office/powerpoint/2010/main" xmlns="" val="1321478154"/>
       </p:ext>
     </p:extLst>
   </p:cSld>
@@ -2306,65 +2827,12 @@
           <a:lstStyle/>
           <a:p>
             <a:r>
+              <a:rPr lang="fr-FR" dirty="0" smtClean="0"/>
+              <a:t>= </a:t>
+            </a:r>
+            <a:r>
               <a:rPr lang="fr-FR" dirty="0" err="1" smtClean="0"/>
-              <a:t>AbsMedical</a:t>
-            </a:r>
-            <a:r>
-              <a:rPr lang="fr-FR" baseline="0" dirty="0" smtClean="0"/>
-              <a:t> -&gt; contient l’application bureau</a:t>
-            </a:r>
-          </a:p>
-          <a:p>
-            <a:r>
-              <a:rPr lang="fr-FR" baseline="0" dirty="0" err="1" smtClean="0"/>
-              <a:t>AbsMedical.Data</a:t>
-            </a:r>
-            <a:r>
-              <a:rPr lang="fr-FR" baseline="0" dirty="0" smtClean="0"/>
-              <a:t> -&gt; contient la couche d’</a:t>
-            </a:r>
-            <a:r>
-              <a:rPr lang="fr-FR" baseline="0" dirty="0" err="1" smtClean="0"/>
-              <a:t>access</a:t>
-            </a:r>
-            <a:r>
-              <a:rPr lang="fr-FR" baseline="0" dirty="0" smtClean="0"/>
-              <a:t> aux données</a:t>
-            </a:r>
-          </a:p>
-          <a:p>
-            <a:r>
-              <a:rPr lang="fr-FR" baseline="0" dirty="0" err="1" smtClean="0"/>
-              <a:t>AbsMedical.Shared</a:t>
-            </a:r>
-            <a:r>
-              <a:rPr lang="fr-FR" baseline="0" dirty="0" smtClean="0"/>
-              <a:t> -&gt; contient des classes partagé entre les différents projets</a:t>
-            </a:r>
-          </a:p>
-          <a:p>
-            <a:r>
-              <a:rPr lang="fr-FR" baseline="0" dirty="0" smtClean="0"/>
-              <a:t>AbsMedical.NFC -&gt; contient les classes pour la connexion/</a:t>
-            </a:r>
-            <a:r>
-              <a:rPr lang="fr-FR" baseline="0" dirty="0" err="1" smtClean="0"/>
-              <a:t>recuperation</a:t>
-            </a:r>
-            <a:r>
-              <a:rPr lang="fr-FR" baseline="0" dirty="0" smtClean="0"/>
-              <a:t> de l’id de la carte </a:t>
-            </a:r>
-            <a:r>
-              <a:rPr lang="fr-FR" baseline="0" dirty="0" err="1" smtClean="0"/>
-              <a:t>rfid</a:t>
-            </a:r>
-            <a:endParaRPr lang="fr-FR" baseline="0" dirty="0" smtClean="0"/>
-          </a:p>
-          <a:p>
-            <a:r>
-              <a:rPr lang="fr-FR" baseline="0" dirty="0" smtClean="0"/>
-              <a:t>AbsMedical.WCF -&gt; contient les différents web services</a:t>
+              <a:t>Stef</a:t>
             </a:r>
             <a:endParaRPr lang="fr-FR" dirty="0"/>
           </a:p>
@@ -2388,7 +2856,7 @@
             <a:fld id="{7E6209E1-ABC8-4D7E-BDD9-246DCBE30A3E}" type="slidenum">
               <a:rPr lang="fr-FR" smtClean="0"/>
               <a:pPr/>
-              <a:t>14</a:t>
+              <a:t>10</a:t>
             </a:fld>
             <a:endParaRPr lang="fr-FR"/>
           </a:p>
@@ -2397,7 +2865,7 @@
     </p:spTree>
     <p:extLst>
       <p:ext uri="{BB962C8B-B14F-4D97-AF65-F5344CB8AC3E}">
-        <p14:creationId xmlns="" xmlns:p14="http://schemas.microsoft.com/office/powerpoint/2010/main" val="1520764927"/>
+        <p14:creationId xmlns:p14="http://schemas.microsoft.com/office/powerpoint/2010/main" xmlns="" val="2004548286"/>
       </p:ext>
     </p:extLst>
   </p:cSld>
@@ -6958,7 +7426,7 @@
           <a:blip r:embed="rId2" cstate="print">
             <a:extLst>
               <a:ext uri="{28A0092B-C50C-407E-A947-70E740481C1C}">
-                <a14:useLocalDpi xmlns="" xmlns:a14="http://schemas.microsoft.com/office/drawing/2010/main" val="0"/>
+                <a14:useLocalDpi xmlns:a14="http://schemas.microsoft.com/office/drawing/2010/main" xmlns="" val="0"/>
               </a:ext>
             </a:extLst>
           </a:blip>
@@ -7164,7 +7632,7 @@
           <a:blip r:embed="rId3" cstate="print">
             <a:extLst>
               <a:ext uri="{28A0092B-C50C-407E-A947-70E740481C1C}">
-                <a14:useLocalDpi xmlns="" xmlns:a14="http://schemas.microsoft.com/office/drawing/2010/main" val="0"/>
+                <a14:useLocalDpi xmlns:a14="http://schemas.microsoft.com/office/drawing/2010/main" xmlns="" val="0"/>
               </a:ext>
             </a:extLst>
           </a:blip>
@@ -7325,7 +7793,7 @@
           <a:blip r:embed="rId4" cstate="print">
             <a:extLst>
               <a:ext uri="{28A0092B-C50C-407E-A947-70E740481C1C}">
-                <a14:useLocalDpi xmlns="" xmlns:a14="http://schemas.microsoft.com/office/drawing/2010/main" val="0"/>
+                <a14:useLocalDpi xmlns:a14="http://schemas.microsoft.com/office/drawing/2010/main" xmlns="" val="0"/>
               </a:ext>
             </a:extLst>
           </a:blip>
@@ -7380,7 +7848,7 @@
           <a:blip r:embed="rId3" cstate="print">
             <a:extLst>
               <a:ext uri="{28A0092B-C50C-407E-A947-70E740481C1C}">
-                <a14:useLocalDpi xmlns="" xmlns:a14="http://schemas.microsoft.com/office/drawing/2010/main" val="0"/>
+                <a14:useLocalDpi xmlns:a14="http://schemas.microsoft.com/office/drawing/2010/main" xmlns="" val="0"/>
               </a:ext>
             </a:extLst>
           </a:blip>
@@ -7951,7 +8419,7 @@
           <a:blip r:embed="rId8" cstate="print">
             <a:extLst>
               <a:ext uri="{28A0092B-C50C-407E-A947-70E740481C1C}">
-                <a14:useLocalDpi xmlns="" xmlns:a14="http://schemas.microsoft.com/office/drawing/2010/main" val="0"/>
+                <a14:useLocalDpi xmlns:a14="http://schemas.microsoft.com/office/drawing/2010/main" xmlns="" val="0"/>
               </a:ext>
             </a:extLst>
           </a:blip>
@@ -8486,7 +8954,7 @@
           <a:blip r:embed="rId13" cstate="print">
             <a:extLst>
               <a:ext uri="{28A0092B-C50C-407E-A947-70E740481C1C}">
-                <a14:useLocalDpi xmlns="" xmlns:a14="http://schemas.microsoft.com/office/drawing/2010/main" val="0"/>
+                <a14:useLocalDpi xmlns:a14="http://schemas.microsoft.com/office/drawing/2010/main" xmlns="" val="0"/>
               </a:ext>
             </a:extLst>
           </a:blip>
@@ -8670,7 +9138,7 @@
           <a:blip r:embed="rId4" cstate="print">
             <a:extLst>
               <a:ext uri="{28A0092B-C50C-407E-A947-70E740481C1C}">
-                <a14:useLocalDpi xmlns="" xmlns:a14="http://schemas.microsoft.com/office/drawing/2010/main" val="0"/>
+                <a14:useLocalDpi xmlns:a14="http://schemas.microsoft.com/office/drawing/2010/main" xmlns="" val="0"/>
               </a:ext>
             </a:extLst>
           </a:blip>
@@ -8854,7 +9322,7 @@
           <a:blip r:embed="rId4" cstate="print">
             <a:extLst>
               <a:ext uri="{28A0092B-C50C-407E-A947-70E740481C1C}">
-                <a14:useLocalDpi xmlns="" xmlns:a14="http://schemas.microsoft.com/office/drawing/2010/main" val="0"/>
+                <a14:useLocalDpi xmlns:a14="http://schemas.microsoft.com/office/drawing/2010/main" xmlns="" val="0"/>
               </a:ext>
             </a:extLst>
           </a:blip>
@@ -9070,7 +9538,7 @@
           <a:blip r:embed="rId5" cstate="print">
             <a:extLst>
               <a:ext uri="{28A0092B-C50C-407E-A947-70E740481C1C}">
-                <a14:useLocalDpi xmlns="" xmlns:a14="http://schemas.microsoft.com/office/drawing/2010/main" val="0"/>
+                <a14:useLocalDpi xmlns:a14="http://schemas.microsoft.com/office/drawing/2010/main" xmlns="" val="0"/>
               </a:ext>
             </a:extLst>
           </a:blip>
@@ -9286,7 +9754,7 @@
           <a:blip r:embed="rId5" cstate="print">
             <a:extLst>
               <a:ext uri="{28A0092B-C50C-407E-A947-70E740481C1C}">
-                <a14:useLocalDpi xmlns="" xmlns:a14="http://schemas.microsoft.com/office/drawing/2010/main" val="0"/>
+                <a14:useLocalDpi xmlns:a14="http://schemas.microsoft.com/office/drawing/2010/main" xmlns="" val="0"/>
               </a:ext>
             </a:extLst>
           </a:blip>
@@ -9502,7 +9970,7 @@
           <a:blip r:embed="rId5" cstate="print">
             <a:extLst>
               <a:ext uri="{28A0092B-C50C-407E-A947-70E740481C1C}">
-                <a14:useLocalDpi xmlns="" xmlns:a14="http://schemas.microsoft.com/office/drawing/2010/main" val="0"/>
+                <a14:useLocalDpi xmlns:a14="http://schemas.microsoft.com/office/drawing/2010/main" xmlns="" val="0"/>
               </a:ext>
             </a:extLst>
           </a:blip>
@@ -9633,7 +10101,7 @@
           <a:blip r:embed="rId3" cstate="print">
             <a:extLst>
               <a:ext uri="{28A0092B-C50C-407E-A947-70E740481C1C}">
-                <a14:useLocalDpi xmlns="" xmlns:a14="http://schemas.microsoft.com/office/drawing/2010/main" val="0"/>
+                <a14:useLocalDpi xmlns:a14="http://schemas.microsoft.com/office/drawing/2010/main" xmlns="" val="0"/>
               </a:ext>
             </a:extLst>
           </a:blip>
@@ -9849,7 +10317,7 @@
           <a:blip r:embed="rId5" cstate="print">
             <a:extLst>
               <a:ext uri="{28A0092B-C50C-407E-A947-70E740481C1C}">
-                <a14:useLocalDpi xmlns="" xmlns:a14="http://schemas.microsoft.com/office/drawing/2010/main" val="0"/>
+                <a14:useLocalDpi xmlns:a14="http://schemas.microsoft.com/office/drawing/2010/main" xmlns="" val="0"/>
               </a:ext>
             </a:extLst>
           </a:blip>
@@ -10065,7 +10533,7 @@
           <a:blip r:embed="rId5" cstate="print">
             <a:extLst>
               <a:ext uri="{28A0092B-C50C-407E-A947-70E740481C1C}">
-                <a14:useLocalDpi xmlns="" xmlns:a14="http://schemas.microsoft.com/office/drawing/2010/main" val="0"/>
+                <a14:useLocalDpi xmlns:a14="http://schemas.microsoft.com/office/drawing/2010/main" xmlns="" val="0"/>
               </a:ext>
             </a:extLst>
           </a:blip>
@@ -10281,7 +10749,7 @@
           <a:blip r:embed="rId5" cstate="print">
             <a:extLst>
               <a:ext uri="{28A0092B-C50C-407E-A947-70E740481C1C}">
-                <a14:useLocalDpi xmlns="" xmlns:a14="http://schemas.microsoft.com/office/drawing/2010/main" val="0"/>
+                <a14:useLocalDpi xmlns:a14="http://schemas.microsoft.com/office/drawing/2010/main" xmlns="" val="0"/>
               </a:ext>
             </a:extLst>
           </a:blip>
@@ -10394,7 +10862,7 @@
           <a:blip r:embed="rId3" cstate="print">
             <a:extLst>
               <a:ext uri="{28A0092B-C50C-407E-A947-70E740481C1C}">
-                <a14:useLocalDpi xmlns="" xmlns:a14="http://schemas.microsoft.com/office/drawing/2010/main" val="0"/>
+                <a14:useLocalDpi xmlns:a14="http://schemas.microsoft.com/office/drawing/2010/main" xmlns="" val="0"/>
               </a:ext>
             </a:extLst>
           </a:blip>
@@ -10570,7 +11038,7 @@
           <a:blip r:embed="rId3" cstate="print">
             <a:extLst>
               <a:ext uri="{28A0092B-C50C-407E-A947-70E740481C1C}">
-                <a14:useLocalDpi xmlns="" xmlns:a14="http://schemas.microsoft.com/office/drawing/2010/main" val="0"/>
+                <a14:useLocalDpi xmlns:a14="http://schemas.microsoft.com/office/drawing/2010/main" xmlns="" val="0"/>
               </a:ext>
             </a:extLst>
           </a:blip>
@@ -10683,7 +11151,7 @@
           <a:blip r:embed="rId3" cstate="print">
             <a:extLst>
               <a:ext uri="{28A0092B-C50C-407E-A947-70E740481C1C}">
-                <a14:useLocalDpi xmlns="" xmlns:a14="http://schemas.microsoft.com/office/drawing/2010/main" val="0"/>
+                <a14:useLocalDpi xmlns:a14="http://schemas.microsoft.com/office/drawing/2010/main" xmlns="" val="0"/>
               </a:ext>
             </a:extLst>
           </a:blip>
@@ -10853,10 +11321,10 @@
           <p:nvPr/>
         </p:nvPicPr>
         <p:blipFill>
-          <a:blip r:embed="rId2" cstate="print">
+          <a:blip r:embed="rId3" cstate="print">
             <a:extLst>
               <a:ext uri="{28A0092B-C50C-407E-A947-70E740481C1C}">
-                <a14:useLocalDpi xmlns="" xmlns:a14="http://schemas.microsoft.com/office/drawing/2010/main" val="0"/>
+                <a14:useLocalDpi xmlns:a14="http://schemas.microsoft.com/office/drawing/2010/main" xmlns="" val="0"/>
               </a:ext>
             </a:extLst>
           </a:blip>
@@ -11140,10 +11608,10 @@
           <p:nvPr/>
         </p:nvPicPr>
         <p:blipFill>
-          <a:blip r:embed="rId2" cstate="print">
+          <a:blip r:embed="rId3" cstate="print">
             <a:extLst>
               <a:ext uri="{28A0092B-C50C-407E-A947-70E740481C1C}">
-                <a14:useLocalDpi xmlns="" xmlns:a14="http://schemas.microsoft.com/office/drawing/2010/main" val="0"/>
+                <a14:useLocalDpi xmlns:a14="http://schemas.microsoft.com/office/drawing/2010/main" xmlns="" val="0"/>
               </a:ext>
             </a:extLst>
           </a:blip>
@@ -11354,10 +11822,10 @@
           <p:nvPr/>
         </p:nvPicPr>
         <p:blipFill>
-          <a:blip r:embed="rId2" cstate="print">
+          <a:blip r:embed="rId3" cstate="print">
             <a:extLst>
               <a:ext uri="{28A0092B-C50C-407E-A947-70E740481C1C}">
-                <a14:useLocalDpi xmlns="" xmlns:a14="http://schemas.microsoft.com/office/drawing/2010/main" val="0"/>
+                <a14:useLocalDpi xmlns:a14="http://schemas.microsoft.com/office/drawing/2010/main" xmlns="" val="0"/>
               </a:ext>
             </a:extLst>
           </a:blip>
@@ -11473,10 +11941,10 @@
           <p:nvPr/>
         </p:nvPicPr>
         <p:blipFill>
-          <a:blip r:embed="rId2" cstate="print">
+          <a:blip r:embed="rId3" cstate="print">
             <a:extLst>
               <a:ext uri="{28A0092B-C50C-407E-A947-70E740481C1C}">
-                <a14:useLocalDpi xmlns="" xmlns:a14="http://schemas.microsoft.com/office/drawing/2010/main" val="0"/>
+                <a14:useLocalDpi xmlns:a14="http://schemas.microsoft.com/office/drawing/2010/main" xmlns="" val="0"/>
               </a:ext>
             </a:extLst>
           </a:blip>
@@ -14724,7 +15192,7 @@
           <a:blip r:embed="rId3" cstate="print">
             <a:extLst>
               <a:ext uri="{28A0092B-C50C-407E-A947-70E740481C1C}">
-                <a14:useLocalDpi xmlns="" xmlns:a14="http://schemas.microsoft.com/office/drawing/2010/main" val="0"/>
+                <a14:useLocalDpi xmlns:a14="http://schemas.microsoft.com/office/drawing/2010/main" xmlns="" val="0"/>
               </a:ext>
             </a:extLst>
           </a:blip>
@@ -15130,7 +15598,7 @@
           <a:blip r:embed="rId8" cstate="print">
             <a:extLst>
               <a:ext uri="{28A0092B-C50C-407E-A947-70E740481C1C}">
-                <a14:useLocalDpi xmlns="" xmlns:a14="http://schemas.microsoft.com/office/drawing/2010/main" val="0"/>
+                <a14:useLocalDpi xmlns:a14="http://schemas.microsoft.com/office/drawing/2010/main" xmlns="" val="0"/>
               </a:ext>
             </a:extLst>
           </a:blip>
@@ -15362,7 +15830,7 @@
           <a:blip r:embed="rId3" cstate="print">
             <a:extLst>
               <a:ext uri="{28A0092B-C50C-407E-A947-70E740481C1C}">
-                <a14:useLocalDpi xmlns="" xmlns:a14="http://schemas.microsoft.com/office/drawing/2010/main" val="0"/>
+                <a14:useLocalDpi xmlns:a14="http://schemas.microsoft.com/office/drawing/2010/main" xmlns="" val="0"/>
               </a:ext>
             </a:extLst>
           </a:blip>

--- a/doc/Diapo.pptx
+++ b/doc/Diapo.pptx
@@ -5,7 +5,7 @@
     <p:sldMasterId id="2147483660" r:id="rId1"/>
   </p:sldMasterIdLst>
   <p:notesMasterIdLst>
-    <p:notesMasterId r:id="rId27"/>
+    <p:notesMasterId r:id="rId28"/>
   </p:notesMasterIdLst>
   <p:sldIdLst>
     <p:sldId id="256" r:id="rId2"/>
@@ -19,20 +19,21 @@
     <p:sldId id="263" r:id="rId10"/>
     <p:sldId id="279" r:id="rId11"/>
     <p:sldId id="280" r:id="rId12"/>
-    <p:sldId id="281" r:id="rId13"/>
-    <p:sldId id="264" r:id="rId14"/>
-    <p:sldId id="266" r:id="rId15"/>
-    <p:sldId id="265" r:id="rId16"/>
-    <p:sldId id="269" r:id="rId17"/>
-    <p:sldId id="270" r:id="rId18"/>
-    <p:sldId id="275" r:id="rId19"/>
-    <p:sldId id="276" r:id="rId20"/>
-    <p:sldId id="272" r:id="rId21"/>
-    <p:sldId id="273" r:id="rId22"/>
-    <p:sldId id="274" r:id="rId23"/>
-    <p:sldId id="278" r:id="rId24"/>
-    <p:sldId id="268" r:id="rId25"/>
-    <p:sldId id="267" r:id="rId26"/>
+    <p:sldId id="283" r:id="rId13"/>
+    <p:sldId id="281" r:id="rId14"/>
+    <p:sldId id="264" r:id="rId15"/>
+    <p:sldId id="266" r:id="rId16"/>
+    <p:sldId id="265" r:id="rId17"/>
+    <p:sldId id="269" r:id="rId18"/>
+    <p:sldId id="270" r:id="rId19"/>
+    <p:sldId id="275" r:id="rId20"/>
+    <p:sldId id="276" r:id="rId21"/>
+    <p:sldId id="272" r:id="rId22"/>
+    <p:sldId id="273" r:id="rId23"/>
+    <p:sldId id="274" r:id="rId24"/>
+    <p:sldId id="278" r:id="rId25"/>
+    <p:sldId id="268" r:id="rId26"/>
+    <p:sldId id="267" r:id="rId27"/>
   </p:sldIdLst>
   <p:sldSz cx="9144000" cy="6858000" type="screen4x3"/>
   <p:notesSz cx="6858000" cy="9144000"/>
@@ -567,11 +568,7 @@
           <a:p>
             <a:r>
               <a:rPr lang="fr-FR" baseline="0" dirty="0" smtClean="0"/>
-              <a:t>Technologies utilisés: Langage utilisé, Web Service utilisé, </a:t>
-            </a:r>
-            <a:r>
-              <a:rPr lang="fr-FR" baseline="0" dirty="0" smtClean="0"/>
-              <a:t>…</a:t>
+              <a:t>Technologies utilisés: Langage utilisé, Web Service utilisé, …</a:t>
             </a:r>
             <a:br>
               <a:rPr lang="fr-FR" baseline="0" dirty="0" smtClean="0"/>
@@ -782,11 +779,15 @@
           <a:p>
             <a:r>
               <a:rPr lang="fr-FR" dirty="0" smtClean="0"/>
-              <a:t>=  </a:t>
+              <a:t>= </a:t>
             </a:r>
             <a:r>
               <a:rPr lang="fr-FR" dirty="0" err="1" smtClean="0"/>
               <a:t>Stef</a:t>
+            </a:r>
+            <a:r>
+              <a:rPr lang="fr-FR" dirty="0" smtClean="0"/>
+              <a:t>	</a:t>
             </a:r>
             <a:endParaRPr lang="fr-FR" dirty="0"/>
           </a:p>
@@ -819,7 +820,7 @@
     </p:spTree>
     <p:extLst>
       <p:ext uri="{BB962C8B-B14F-4D97-AF65-F5344CB8AC3E}">
-        <p14:creationId xmlns:p14="http://schemas.microsoft.com/office/powerpoint/2010/main" xmlns="" val="212553317"/>
+        <p14:creationId xmlns:p14="http://schemas.microsoft.com/office/powerpoint/2010/main" xmlns="" val="3448461766"/>
       </p:ext>
     </p:extLst>
   </p:cSld>
@@ -876,82 +877,12 @@
           <a:lstStyle/>
           <a:p>
             <a:r>
+              <a:rPr lang="fr-FR" dirty="0" smtClean="0"/>
+              <a:t>=  </a:t>
+            </a:r>
+            <a:r>
               <a:rPr lang="fr-FR" dirty="0" err="1" smtClean="0"/>
-              <a:t>AbsMedical</a:t>
-            </a:r>
-            <a:r>
-              <a:rPr lang="fr-FR" baseline="0" dirty="0" smtClean="0"/>
-              <a:t> -&gt; contient l’application bureau</a:t>
-            </a:r>
-          </a:p>
-          <a:p>
-            <a:r>
-              <a:rPr lang="fr-FR" baseline="0" dirty="0" err="1" smtClean="0"/>
-              <a:t>AbsMedical.Data</a:t>
-            </a:r>
-            <a:r>
-              <a:rPr lang="fr-FR" baseline="0" dirty="0" smtClean="0"/>
-              <a:t> -&gt; contient la couche d’</a:t>
-            </a:r>
-            <a:r>
-              <a:rPr lang="fr-FR" baseline="0" dirty="0" err="1" smtClean="0"/>
-              <a:t>access</a:t>
-            </a:r>
-            <a:r>
-              <a:rPr lang="fr-FR" baseline="0" dirty="0" smtClean="0"/>
-              <a:t> aux données</a:t>
-            </a:r>
-          </a:p>
-          <a:p>
-            <a:r>
-              <a:rPr lang="fr-FR" baseline="0" dirty="0" err="1" smtClean="0"/>
-              <a:t>AbsMedical.Shared</a:t>
-            </a:r>
-            <a:r>
-              <a:rPr lang="fr-FR" baseline="0" dirty="0" smtClean="0"/>
-              <a:t> -&gt; contient des classes partagé entre les différents projets</a:t>
-            </a:r>
-          </a:p>
-          <a:p>
-            <a:r>
-              <a:rPr lang="fr-FR" baseline="0" dirty="0" smtClean="0"/>
-              <a:t>AbsMedical.NFC -&gt; contient les classes pour la connexion/</a:t>
-            </a:r>
-            <a:r>
-              <a:rPr lang="fr-FR" baseline="0" dirty="0" err="1" smtClean="0"/>
-              <a:t>recuperation</a:t>
-            </a:r>
-            <a:r>
-              <a:rPr lang="fr-FR" baseline="0" dirty="0" smtClean="0"/>
-              <a:t> de l’id de la carte </a:t>
-            </a:r>
-            <a:r>
-              <a:rPr lang="fr-FR" baseline="0" dirty="0" err="1" smtClean="0"/>
-              <a:t>rfid</a:t>
-            </a:r>
-            <a:endParaRPr lang="fr-FR" baseline="0" dirty="0" smtClean="0"/>
-          </a:p>
-          <a:p>
-            <a:r>
-              <a:rPr lang="fr-FR" baseline="0" dirty="0" smtClean="0"/>
-              <a:t>AbsMedical.WCF -&gt; contient les différents web </a:t>
-            </a:r>
-            <a:r>
-              <a:rPr lang="fr-FR" baseline="0" dirty="0" smtClean="0"/>
-              <a:t>services</a:t>
-            </a:r>
-          </a:p>
-          <a:p>
-            <a:endParaRPr lang="fr-FR" baseline="0" dirty="0" smtClean="0"/>
-          </a:p>
-          <a:p>
-            <a:r>
-              <a:rPr lang="fr-FR" baseline="0" dirty="0" smtClean="0"/>
-              <a:t>= </a:t>
-            </a:r>
-            <a:r>
-              <a:rPr lang="fr-FR" baseline="0" dirty="0" err="1" smtClean="0"/>
-              <a:t>Adri</a:t>
+              <a:t>Stef</a:t>
             </a:r>
             <a:endParaRPr lang="fr-FR" dirty="0"/>
           </a:p>
@@ -984,7 +915,7 @@
     </p:spTree>
     <p:extLst>
       <p:ext uri="{BB962C8B-B14F-4D97-AF65-F5344CB8AC3E}">
-        <p14:creationId xmlns:p14="http://schemas.microsoft.com/office/powerpoint/2010/main" xmlns="" val="1461847046"/>
+        <p14:creationId xmlns:p14="http://schemas.microsoft.com/office/powerpoint/2010/main" xmlns="" val="212553317"/>
       </p:ext>
     </p:extLst>
   </p:cSld>
@@ -1099,11 +1030,7 @@
           <a:p>
             <a:r>
               <a:rPr lang="fr-FR" baseline="0" dirty="0" smtClean="0"/>
-              <a:t>AbsMedical.WCF -&gt; contient les différents web </a:t>
-            </a:r>
-            <a:r>
-              <a:rPr lang="fr-FR" baseline="0" dirty="0" smtClean="0"/>
-              <a:t>services</a:t>
+              <a:t>AbsMedical.WCF -&gt; contient les différents web services</a:t>
             </a:r>
           </a:p>
           <a:p>
@@ -1116,7 +1043,7 @@
             </a:r>
             <a:r>
               <a:rPr lang="fr-FR" baseline="0" dirty="0" err="1" smtClean="0"/>
-              <a:t>Stef</a:t>
+              <a:t>Adri</a:t>
             </a:r>
             <a:endParaRPr lang="fr-FR" dirty="0"/>
           </a:p>
@@ -1149,7 +1076,7 @@
     </p:spTree>
     <p:extLst>
       <p:ext uri="{BB962C8B-B14F-4D97-AF65-F5344CB8AC3E}">
-        <p14:creationId xmlns:p14="http://schemas.microsoft.com/office/powerpoint/2010/main" xmlns="" val="1520764927"/>
+        <p14:creationId xmlns:p14="http://schemas.microsoft.com/office/powerpoint/2010/main" xmlns="" val="1461847046"/>
       </p:ext>
     </p:extLst>
   </p:cSld>
@@ -1205,6 +1132,80 @@
           </a:bodyPr>
           <a:lstStyle/>
           <a:p>
+            <a:r>
+              <a:rPr lang="fr-FR" dirty="0" err="1" smtClean="0"/>
+              <a:t>AbsMedical</a:t>
+            </a:r>
+            <a:r>
+              <a:rPr lang="fr-FR" baseline="0" dirty="0" smtClean="0"/>
+              <a:t> -&gt; contient l’application bureau</a:t>
+            </a:r>
+          </a:p>
+          <a:p>
+            <a:r>
+              <a:rPr lang="fr-FR" baseline="0" dirty="0" err="1" smtClean="0"/>
+              <a:t>AbsMedical.Data</a:t>
+            </a:r>
+            <a:r>
+              <a:rPr lang="fr-FR" baseline="0" dirty="0" smtClean="0"/>
+              <a:t> -&gt; contient la couche d’</a:t>
+            </a:r>
+            <a:r>
+              <a:rPr lang="fr-FR" baseline="0" dirty="0" err="1" smtClean="0"/>
+              <a:t>access</a:t>
+            </a:r>
+            <a:r>
+              <a:rPr lang="fr-FR" baseline="0" dirty="0" smtClean="0"/>
+              <a:t> aux données</a:t>
+            </a:r>
+          </a:p>
+          <a:p>
+            <a:r>
+              <a:rPr lang="fr-FR" baseline="0" dirty="0" err="1" smtClean="0"/>
+              <a:t>AbsMedical.Shared</a:t>
+            </a:r>
+            <a:r>
+              <a:rPr lang="fr-FR" baseline="0" dirty="0" smtClean="0"/>
+              <a:t> -&gt; contient des classes partagé entre les différents projets</a:t>
+            </a:r>
+          </a:p>
+          <a:p>
+            <a:r>
+              <a:rPr lang="fr-FR" baseline="0" dirty="0" smtClean="0"/>
+              <a:t>AbsMedical.NFC -&gt; contient les classes pour la connexion/</a:t>
+            </a:r>
+            <a:r>
+              <a:rPr lang="fr-FR" baseline="0" dirty="0" err="1" smtClean="0"/>
+              <a:t>recuperation</a:t>
+            </a:r>
+            <a:r>
+              <a:rPr lang="fr-FR" baseline="0" dirty="0" smtClean="0"/>
+              <a:t> de l’id de la carte </a:t>
+            </a:r>
+            <a:r>
+              <a:rPr lang="fr-FR" baseline="0" dirty="0" err="1" smtClean="0"/>
+              <a:t>rfid</a:t>
+            </a:r>
+            <a:endParaRPr lang="fr-FR" baseline="0" dirty="0" smtClean="0"/>
+          </a:p>
+          <a:p>
+            <a:r>
+              <a:rPr lang="fr-FR" baseline="0" dirty="0" smtClean="0"/>
+              <a:t>AbsMedical.WCF -&gt; contient les différents web services</a:t>
+            </a:r>
+          </a:p>
+          <a:p>
+            <a:endParaRPr lang="fr-FR" baseline="0" dirty="0" smtClean="0"/>
+          </a:p>
+          <a:p>
+            <a:r>
+              <a:rPr lang="fr-FR" baseline="0" dirty="0" smtClean="0"/>
+              <a:t>= </a:t>
+            </a:r>
+            <a:r>
+              <a:rPr lang="fr-FR" baseline="0" dirty="0" err="1" smtClean="0"/>
+              <a:t>Stef</a:t>
+            </a:r>
             <a:endParaRPr lang="fr-FR" dirty="0"/>
           </a:p>
         </p:txBody>
@@ -1236,7 +1237,7 @@
     </p:spTree>
     <p:extLst>
       <p:ext uri="{BB962C8B-B14F-4D97-AF65-F5344CB8AC3E}">
-        <p14:creationId xmlns:p14="http://schemas.microsoft.com/office/powerpoint/2010/main" xmlns="" val="1398145928"/>
+        <p14:creationId xmlns:p14="http://schemas.microsoft.com/office/powerpoint/2010/main" xmlns="" val="1520764927"/>
       </p:ext>
     </p:extLst>
   </p:cSld>
@@ -1323,7 +1324,7 @@
     </p:spTree>
     <p:extLst>
       <p:ext uri="{BB962C8B-B14F-4D97-AF65-F5344CB8AC3E}">
-        <p14:creationId xmlns:p14="http://schemas.microsoft.com/office/powerpoint/2010/main" xmlns="" val="2215035958"/>
+        <p14:creationId xmlns:p14="http://schemas.microsoft.com/office/powerpoint/2010/main" xmlns="" val="1398145928"/>
       </p:ext>
     </p:extLst>
   </p:cSld>
@@ -1410,7 +1411,7 @@
     </p:spTree>
     <p:extLst>
       <p:ext uri="{BB962C8B-B14F-4D97-AF65-F5344CB8AC3E}">
-        <p14:creationId xmlns:p14="http://schemas.microsoft.com/office/powerpoint/2010/main" xmlns="" val="4078183470"/>
+        <p14:creationId xmlns:p14="http://schemas.microsoft.com/office/powerpoint/2010/main" xmlns="" val="2215035958"/>
       </p:ext>
     </p:extLst>
   </p:cSld>
@@ -1497,7 +1498,7 @@
     </p:spTree>
     <p:extLst>
       <p:ext uri="{BB962C8B-B14F-4D97-AF65-F5344CB8AC3E}">
-        <p14:creationId xmlns:p14="http://schemas.microsoft.com/office/powerpoint/2010/main" xmlns="" val="511339895"/>
+        <p14:creationId xmlns:p14="http://schemas.microsoft.com/office/powerpoint/2010/main" xmlns="" val="4078183470"/>
       </p:ext>
     </p:extLst>
   </p:cSld>
@@ -1584,7 +1585,7 @@
     </p:spTree>
     <p:extLst>
       <p:ext uri="{BB962C8B-B14F-4D97-AF65-F5344CB8AC3E}">
-        <p14:creationId xmlns:p14="http://schemas.microsoft.com/office/powerpoint/2010/main" xmlns="" val="1329930481"/>
+        <p14:creationId xmlns:p14="http://schemas.microsoft.com/office/powerpoint/2010/main" xmlns="" val="511339895"/>
       </p:ext>
     </p:extLst>
   </p:cSld>
@@ -1671,7 +1672,7 @@
     </p:spTree>
     <p:extLst>
       <p:ext uri="{BB962C8B-B14F-4D97-AF65-F5344CB8AC3E}">
-        <p14:creationId xmlns:p14="http://schemas.microsoft.com/office/powerpoint/2010/main" xmlns="" val="1420921446"/>
+        <p14:creationId xmlns:p14="http://schemas.microsoft.com/office/powerpoint/2010/main" xmlns="" val="1329930481"/>
       </p:ext>
     </p:extLst>
   </p:cSld>
@@ -1848,7 +1849,7 @@
     </p:spTree>
     <p:extLst>
       <p:ext uri="{BB962C8B-B14F-4D97-AF65-F5344CB8AC3E}">
-        <p14:creationId xmlns:p14="http://schemas.microsoft.com/office/powerpoint/2010/main" xmlns="" val="2537194441"/>
+        <p14:creationId xmlns:p14="http://schemas.microsoft.com/office/powerpoint/2010/main" xmlns="" val="1420921446"/>
       </p:ext>
     </p:extLst>
   </p:cSld>
@@ -1935,7 +1936,7 @@
     </p:spTree>
     <p:extLst>
       <p:ext uri="{BB962C8B-B14F-4D97-AF65-F5344CB8AC3E}">
-        <p14:creationId xmlns:p14="http://schemas.microsoft.com/office/powerpoint/2010/main" xmlns="" val="4069220086"/>
+        <p14:creationId xmlns:p14="http://schemas.microsoft.com/office/powerpoint/2010/main" xmlns="" val="2537194441"/>
       </p:ext>
     </p:extLst>
   </p:cSld>
@@ -2022,7 +2023,7 @@
     </p:spTree>
     <p:extLst>
       <p:ext uri="{BB962C8B-B14F-4D97-AF65-F5344CB8AC3E}">
-        <p14:creationId xmlns:p14="http://schemas.microsoft.com/office/powerpoint/2010/main" xmlns="" val="2188083174"/>
+        <p14:creationId xmlns:p14="http://schemas.microsoft.com/office/powerpoint/2010/main" xmlns="" val="4069220086"/>
       </p:ext>
     </p:extLst>
   </p:cSld>
@@ -2109,7 +2110,7 @@
     </p:spTree>
     <p:extLst>
       <p:ext uri="{BB962C8B-B14F-4D97-AF65-F5344CB8AC3E}">
-        <p14:creationId xmlns:p14="http://schemas.microsoft.com/office/powerpoint/2010/main" xmlns="" val="1537290242"/>
+        <p14:creationId xmlns:p14="http://schemas.microsoft.com/office/powerpoint/2010/main" xmlns="" val="2188083174"/>
       </p:ext>
     </p:extLst>
   </p:cSld>
@@ -2188,6 +2189,93 @@
               <a:rPr lang="fr-FR" smtClean="0"/>
               <a:pPr/>
               <a:t>25</a:t>
+            </a:fld>
+            <a:endParaRPr lang="fr-FR"/>
+          </a:p>
+        </p:txBody>
+      </p:sp>
+    </p:spTree>
+    <p:extLst>
+      <p:ext uri="{BB962C8B-B14F-4D97-AF65-F5344CB8AC3E}">
+        <p14:creationId xmlns:p14="http://schemas.microsoft.com/office/powerpoint/2010/main" xmlns="" val="1537290242"/>
+      </p:ext>
+    </p:extLst>
+  </p:cSld>
+  <p:clrMapOvr>
+    <a:masterClrMapping/>
+  </p:clrMapOvr>
+</p:notes>
+</file>
+
+<file path=ppt/notesSlides/notesSlide25.xml><?xml version="1.0" encoding="utf-8"?>
+<p:notes xmlns:a="http://schemas.openxmlformats.org/drawingml/2006/main" xmlns:r="http://schemas.openxmlformats.org/officeDocument/2006/relationships" xmlns:p="http://schemas.openxmlformats.org/presentationml/2006/main">
+  <p:cSld>
+    <p:spTree>
+      <p:nvGrpSpPr>
+        <p:cNvPr id="1" name=""/>
+        <p:cNvGrpSpPr/>
+        <p:nvPr/>
+      </p:nvGrpSpPr>
+      <p:grpSpPr>
+        <a:xfrm>
+          <a:off x="0" y="0"/>
+          <a:ext cx="0" cy="0"/>
+          <a:chOff x="0" y="0"/>
+          <a:chExt cx="0" cy="0"/>
+        </a:xfrm>
+      </p:grpSpPr>
+      <p:sp>
+        <p:nvSpPr>
+          <p:cNvPr id="2" name="Espace réservé de l'image des diapositives 1"/>
+          <p:cNvSpPr>
+            <a:spLocks noGrp="1" noRot="1" noChangeAspect="1"/>
+          </p:cNvSpPr>
+          <p:nvPr>
+            <p:ph type="sldImg"/>
+          </p:nvPr>
+        </p:nvSpPr>
+        <p:spPr/>
+      </p:sp>
+      <p:sp>
+        <p:nvSpPr>
+          <p:cNvPr id="3" name="Espace réservé des commentaires 2"/>
+          <p:cNvSpPr>
+            <a:spLocks noGrp="1"/>
+          </p:cNvSpPr>
+          <p:nvPr>
+            <p:ph type="body" idx="1"/>
+          </p:nvPr>
+        </p:nvSpPr>
+        <p:spPr/>
+        <p:txBody>
+          <a:bodyPr>
+            <a:normAutofit/>
+          </a:bodyPr>
+          <a:lstStyle/>
+          <a:p>
+            <a:endParaRPr lang="fr-FR" dirty="0"/>
+          </a:p>
+        </p:txBody>
+      </p:sp>
+      <p:sp>
+        <p:nvSpPr>
+          <p:cNvPr id="4" name="Espace réservé du numéro de diapositive 3"/>
+          <p:cNvSpPr>
+            <a:spLocks noGrp="1"/>
+          </p:cNvSpPr>
+          <p:nvPr>
+            <p:ph type="sldNum" sz="quarter" idx="10"/>
+          </p:nvPr>
+        </p:nvSpPr>
+        <p:spPr/>
+        <p:txBody>
+          <a:bodyPr/>
+          <a:lstStyle/>
+          <a:p>
+            <a:fld id="{7E6209E1-ABC8-4D7E-BDD9-246DCBE30A3E}" type="slidenum">
+              <a:rPr lang="fr-FR" smtClean="0"/>
+              <a:pPr/>
+              <a:t>26</a:t>
             </a:fld>
             <a:endParaRPr lang="fr-FR"/>
           </a:p>
@@ -7836,6 +7924,167 @@
           <a:chExt cx="0" cy="0"/>
         </a:xfrm>
       </p:grpSpPr>
+      <p:sp>
+        <p:nvSpPr>
+          <p:cNvPr id="3" name="Titre 2"/>
+          <p:cNvSpPr>
+            <a:spLocks noGrp="1"/>
+          </p:cNvSpPr>
+          <p:nvPr>
+            <p:ph type="title"/>
+          </p:nvPr>
+        </p:nvSpPr>
+        <p:spPr/>
+        <p:txBody>
+          <a:bodyPr>
+            <a:normAutofit/>
+          </a:bodyPr>
+          <a:lstStyle/>
+          <a:p>
+            <a:pPr algn="r"/>
+            <a:r>
+              <a:rPr lang="fr-FR" sz="1400" dirty="0" smtClean="0"/>
+              <a:t>Technologies utilisés</a:t>
+            </a:r>
+            <a:endParaRPr lang="fr-FR" sz="1400" dirty="0"/>
+          </a:p>
+        </p:txBody>
+      </p:sp>
+      <p:sp>
+        <p:nvSpPr>
+          <p:cNvPr id="10" name="Rectangle 9"/>
+          <p:cNvSpPr/>
+          <p:nvPr/>
+        </p:nvSpPr>
+        <p:spPr>
+          <a:xfrm>
+            <a:off x="467544" y="1268760"/>
+            <a:ext cx="8335936" cy="523220"/>
+          </a:xfrm>
+          <a:prstGeom prst="rect">
+            <a:avLst/>
+          </a:prstGeom>
+        </p:spPr>
+        <p:txBody>
+          <a:bodyPr wrap="none">
+            <a:spAutoFit/>
+          </a:bodyPr>
+          <a:lstStyle/>
+          <a:p>
+            <a:pPr lvl="0"/>
+            <a:r>
+              <a:rPr lang="fr-FR" sz="2800" dirty="0" err="1" smtClean="0">
+                <a:solidFill>
+                  <a:srgbClr val="002060"/>
+                </a:solidFill>
+              </a:rPr>
+              <a:t>Entity</a:t>
+            </a:r>
+            <a:r>
+              <a:rPr lang="fr-FR" sz="2800" dirty="0" smtClean="0">
+                <a:solidFill>
+                  <a:srgbClr val="002060"/>
+                </a:solidFill>
+              </a:rPr>
+              <a:t> Framework – Exemple de classe généré</a:t>
+            </a:r>
+            <a:endParaRPr lang="fr-FR" sz="2800" dirty="0">
+              <a:solidFill>
+                <a:srgbClr val="002060"/>
+              </a:solidFill>
+            </a:endParaRPr>
+          </a:p>
+        </p:txBody>
+      </p:sp>
+      <p:pic>
+        <p:nvPicPr>
+          <p:cNvPr id="5" name="Image 4"/>
+          <p:cNvPicPr>
+            <a:picLocks noChangeAspect="1"/>
+          </p:cNvPicPr>
+          <p:nvPr/>
+        </p:nvPicPr>
+        <p:blipFill>
+          <a:blip r:embed="rId3" cstate="print">
+            <a:extLst>
+              <a:ext uri="{28A0092B-C50C-407E-A947-70E740481C1C}">
+                <a14:useLocalDpi xmlns:a14="http://schemas.microsoft.com/office/drawing/2010/main" xmlns="" val="0"/>
+              </a:ext>
+            </a:extLst>
+          </a:blip>
+          <a:stretch>
+            <a:fillRect/>
+          </a:stretch>
+        </p:blipFill>
+        <p:spPr>
+          <a:xfrm>
+            <a:off x="7956376" y="6070981"/>
+            <a:ext cx="943868" cy="608947"/>
+          </a:xfrm>
+          <a:prstGeom prst="rect">
+            <a:avLst/>
+          </a:prstGeom>
+        </p:spPr>
+      </p:pic>
+      <p:pic>
+        <p:nvPicPr>
+          <p:cNvPr id="1026" name="Picture 2"/>
+          <p:cNvPicPr>
+            <a:picLocks noGrp="1" noChangeAspect="1" noChangeArrowheads="1"/>
+          </p:cNvPicPr>
+          <p:nvPr>
+            <p:ph idx="1"/>
+          </p:nvPr>
+        </p:nvPicPr>
+        <p:blipFill>
+          <a:blip r:embed="rId4" cstate="print"/>
+          <a:srcRect/>
+          <a:stretch>
+            <a:fillRect/>
+          </a:stretch>
+        </p:blipFill>
+        <p:spPr bwMode="auto">
+          <a:xfrm>
+            <a:off x="755576" y="1844824"/>
+            <a:ext cx="6829210" cy="4525962"/>
+          </a:xfrm>
+          <a:prstGeom prst="rect">
+            <a:avLst/>
+          </a:prstGeom>
+          <a:noFill/>
+          <a:ln w="9525">
+            <a:noFill/>
+            <a:miter lim="800000"/>
+            <a:headEnd/>
+            <a:tailEnd/>
+          </a:ln>
+        </p:spPr>
+      </p:pic>
+    </p:spTree>
+  </p:cSld>
+  <p:clrMapOvr>
+    <a:masterClrMapping/>
+  </p:clrMapOvr>
+</p:sld>
+</file>
+
+<file path=ppt/slides/slide13.xml><?xml version="1.0" encoding="utf-8"?>
+<p:sld xmlns:a="http://schemas.openxmlformats.org/drawingml/2006/main" xmlns:r="http://schemas.openxmlformats.org/officeDocument/2006/relationships" xmlns:p="http://schemas.openxmlformats.org/presentationml/2006/main">
+  <p:cSld>
+    <p:spTree>
+      <p:nvGrpSpPr>
+        <p:cNvPr id="1" name=""/>
+        <p:cNvGrpSpPr/>
+        <p:nvPr/>
+      </p:nvGrpSpPr>
+      <p:grpSpPr>
+        <a:xfrm>
+          <a:off x="0" y="0"/>
+          <a:ext cx="0" cy="0"/>
+          <a:chOff x="0" y="0"/>
+          <a:chExt cx="0" cy="0"/>
+        </a:xfrm>
+      </p:grpSpPr>
       <p:pic>
         <p:nvPicPr>
           <p:cNvPr id="5" name="Image 4"/>
@@ -7978,7 +8227,7 @@
 </p:sld>
 </file>
 
-<file path=ppt/slides/slide13.xml><?xml version="1.0" encoding="utf-8"?>
+<file path=ppt/slides/slide14.xml><?xml version="1.0" encoding="utf-8"?>
 <p:sld xmlns:a="http://schemas.openxmlformats.org/drawingml/2006/main" xmlns:r="http://schemas.openxmlformats.org/officeDocument/2006/relationships" xmlns:p="http://schemas.openxmlformats.org/presentationml/2006/main">
   <p:cSld>
     <p:spTree>
@@ -8445,7 +8694,7 @@
 </p:sld>
 </file>
 
-<file path=ppt/slides/slide14.xml><?xml version="1.0" encoding="utf-8"?>
+<file path=ppt/slides/slide15.xml><?xml version="1.0" encoding="utf-8"?>
 <p:sld xmlns:a="http://schemas.openxmlformats.org/drawingml/2006/main" xmlns:r="http://schemas.openxmlformats.org/officeDocument/2006/relationships" xmlns:p="http://schemas.openxmlformats.org/presentationml/2006/main">
   <p:cSld>
     <p:spTree>
@@ -8980,7 +9229,7 @@
 </p:sld>
 </file>
 
-<file path=ppt/slides/slide15.xml><?xml version="1.0" encoding="utf-8"?>
+<file path=ppt/slides/slide16.xml><?xml version="1.0" encoding="utf-8"?>
 <p:sld xmlns:a="http://schemas.openxmlformats.org/drawingml/2006/main" xmlns:r="http://schemas.openxmlformats.org/officeDocument/2006/relationships" xmlns:p="http://schemas.openxmlformats.org/presentationml/2006/main">
   <p:cSld>
     <p:spTree>
@@ -9164,7 +9413,7 @@
 </p:sld>
 </file>
 
-<file path=ppt/slides/slide16.xml><?xml version="1.0" encoding="utf-8"?>
+<file path=ppt/slides/slide17.xml><?xml version="1.0" encoding="utf-8"?>
 <p:sld xmlns:a="http://schemas.openxmlformats.org/drawingml/2006/main" xmlns:r="http://schemas.openxmlformats.org/officeDocument/2006/relationships" xmlns:p="http://schemas.openxmlformats.org/presentationml/2006/main">
   <p:cSld>
     <p:spTree>
@@ -9348,7 +9597,7 @@
 </p:sld>
 </file>
 
-<file path=ppt/slides/slide17.xml><?xml version="1.0" encoding="utf-8"?>
+<file path=ppt/slides/slide18.xml><?xml version="1.0" encoding="utf-8"?>
 <p:sld xmlns:a="http://schemas.openxmlformats.org/drawingml/2006/main" xmlns:r="http://schemas.openxmlformats.org/officeDocument/2006/relationships" xmlns:p="http://schemas.openxmlformats.org/presentationml/2006/main">
   <p:cSld>
     <p:spTree>
@@ -9564,7 +9813,7 @@
 </p:sld>
 </file>
 
-<file path=ppt/slides/slide18.xml><?xml version="1.0" encoding="utf-8"?>
+<file path=ppt/slides/slide19.xml><?xml version="1.0" encoding="utf-8"?>
 <p:sld xmlns:a="http://schemas.openxmlformats.org/drawingml/2006/main" xmlns:r="http://schemas.openxmlformats.org/officeDocument/2006/relationships" xmlns:p="http://schemas.openxmlformats.org/presentationml/2006/main">
   <p:cSld>
     <p:spTree>
@@ -9780,7 +10029,138 @@
 </p:sld>
 </file>
 
-<file path=ppt/slides/slide19.xml><?xml version="1.0" encoding="utf-8"?>
+<file path=ppt/slides/slide2.xml><?xml version="1.0" encoding="utf-8"?>
+<p:sld xmlns:a="http://schemas.openxmlformats.org/drawingml/2006/main" xmlns:r="http://schemas.openxmlformats.org/officeDocument/2006/relationships" xmlns:p="http://schemas.openxmlformats.org/presentationml/2006/main">
+  <p:cSld>
+    <p:spTree>
+      <p:nvGrpSpPr>
+        <p:cNvPr id="1" name=""/>
+        <p:cNvGrpSpPr/>
+        <p:nvPr/>
+      </p:nvGrpSpPr>
+      <p:grpSpPr>
+        <a:xfrm>
+          <a:off x="0" y="0"/>
+          <a:ext cx="0" cy="0"/>
+          <a:chOff x="0" y="0"/>
+          <a:chExt cx="0" cy="0"/>
+        </a:xfrm>
+      </p:grpSpPr>
+      <p:sp>
+        <p:nvSpPr>
+          <p:cNvPr id="2" name="Espace réservé du contenu 1"/>
+          <p:cNvSpPr>
+            <a:spLocks noGrp="1"/>
+          </p:cNvSpPr>
+          <p:nvPr>
+            <p:ph idx="1"/>
+          </p:nvPr>
+        </p:nvSpPr>
+        <p:spPr/>
+        <p:txBody>
+          <a:bodyPr/>
+          <a:lstStyle/>
+          <a:p>
+            <a:r>
+              <a:rPr lang="fr-FR" dirty="0" smtClean="0"/>
+              <a:t>Présentation du projet</a:t>
+            </a:r>
+          </a:p>
+          <a:p>
+            <a:r>
+              <a:rPr lang="fr-FR" dirty="0" smtClean="0"/>
+              <a:t>Technologies utilisées</a:t>
+            </a:r>
+          </a:p>
+          <a:p>
+            <a:r>
+              <a:rPr lang="fr-FR" dirty="0" smtClean="0"/>
+              <a:t>Présentation de l’application</a:t>
+            </a:r>
+          </a:p>
+          <a:p>
+            <a:r>
+              <a:rPr lang="fr-FR" dirty="0" smtClean="0"/>
+              <a:t>Démo</a:t>
+            </a:r>
+          </a:p>
+          <a:p>
+            <a:r>
+              <a:rPr lang="fr-FR" dirty="0" smtClean="0"/>
+              <a:t>Conclusion</a:t>
+            </a:r>
+          </a:p>
+          <a:p>
+            <a:r>
+              <a:rPr lang="fr-FR" dirty="0" smtClean="0"/>
+              <a:t>Question ?</a:t>
+            </a:r>
+            <a:endParaRPr lang="fr-FR" dirty="0"/>
+          </a:p>
+        </p:txBody>
+      </p:sp>
+      <p:sp>
+        <p:nvSpPr>
+          <p:cNvPr id="3" name="Titre 2"/>
+          <p:cNvSpPr>
+            <a:spLocks noGrp="1"/>
+          </p:cNvSpPr>
+          <p:nvPr>
+            <p:ph type="title"/>
+          </p:nvPr>
+        </p:nvSpPr>
+        <p:spPr/>
+        <p:txBody>
+          <a:bodyPr/>
+          <a:lstStyle/>
+          <a:p>
+            <a:r>
+              <a:rPr lang="fr-FR" dirty="0" smtClean="0"/>
+              <a:t>Sommaire</a:t>
+            </a:r>
+            <a:endParaRPr lang="fr-FR" dirty="0"/>
+          </a:p>
+        </p:txBody>
+      </p:sp>
+      <p:pic>
+        <p:nvPicPr>
+          <p:cNvPr id="4" name="Image 3"/>
+          <p:cNvPicPr>
+            <a:picLocks noChangeAspect="1"/>
+          </p:cNvPicPr>
+          <p:nvPr/>
+        </p:nvPicPr>
+        <p:blipFill>
+          <a:blip r:embed="rId3" cstate="print">
+            <a:extLst>
+              <a:ext uri="{28A0092B-C50C-407E-A947-70E740481C1C}">
+                <a14:useLocalDpi xmlns:a14="http://schemas.microsoft.com/office/drawing/2010/main" xmlns="" val="0"/>
+              </a:ext>
+            </a:extLst>
+          </a:blip>
+          <a:stretch>
+            <a:fillRect/>
+          </a:stretch>
+        </p:blipFill>
+        <p:spPr>
+          <a:xfrm>
+            <a:off x="7956376" y="6070981"/>
+            <a:ext cx="943868" cy="608947"/>
+          </a:xfrm>
+          <a:prstGeom prst="rect">
+            <a:avLst/>
+          </a:prstGeom>
+        </p:spPr>
+      </p:pic>
+    </p:spTree>
+  </p:cSld>
+  <p:clrMapOvr>
+    <a:masterClrMapping/>
+  </p:clrMapOvr>
+</p:sld>
+</file>
+
+<file path=ppt/slides/slide20.xml><?xml version="1.0" encoding="utf-8"?>
 <p:sld xmlns:a="http://schemas.openxmlformats.org/drawingml/2006/main" xmlns:r="http://schemas.openxmlformats.org/officeDocument/2006/relationships" xmlns:p="http://schemas.openxmlformats.org/presentationml/2006/main">
   <p:cSld>
     <p:spTree>
@@ -9996,138 +10376,7 @@
 </p:sld>
 </file>
 
-<file path=ppt/slides/slide2.xml><?xml version="1.0" encoding="utf-8"?>
-<p:sld xmlns:a="http://schemas.openxmlformats.org/drawingml/2006/main" xmlns:r="http://schemas.openxmlformats.org/officeDocument/2006/relationships" xmlns:p="http://schemas.openxmlformats.org/presentationml/2006/main">
-  <p:cSld>
-    <p:spTree>
-      <p:nvGrpSpPr>
-        <p:cNvPr id="1" name=""/>
-        <p:cNvGrpSpPr/>
-        <p:nvPr/>
-      </p:nvGrpSpPr>
-      <p:grpSpPr>
-        <a:xfrm>
-          <a:off x="0" y="0"/>
-          <a:ext cx="0" cy="0"/>
-          <a:chOff x="0" y="0"/>
-          <a:chExt cx="0" cy="0"/>
-        </a:xfrm>
-      </p:grpSpPr>
-      <p:sp>
-        <p:nvSpPr>
-          <p:cNvPr id="2" name="Espace réservé du contenu 1"/>
-          <p:cNvSpPr>
-            <a:spLocks noGrp="1"/>
-          </p:cNvSpPr>
-          <p:nvPr>
-            <p:ph idx="1"/>
-          </p:nvPr>
-        </p:nvSpPr>
-        <p:spPr/>
-        <p:txBody>
-          <a:bodyPr/>
-          <a:lstStyle/>
-          <a:p>
-            <a:r>
-              <a:rPr lang="fr-FR" dirty="0" smtClean="0"/>
-              <a:t>Présentation du projet</a:t>
-            </a:r>
-          </a:p>
-          <a:p>
-            <a:r>
-              <a:rPr lang="fr-FR" dirty="0" smtClean="0"/>
-              <a:t>Technologies utilisées</a:t>
-            </a:r>
-          </a:p>
-          <a:p>
-            <a:r>
-              <a:rPr lang="fr-FR" dirty="0" smtClean="0"/>
-              <a:t>Présentation de l’application</a:t>
-            </a:r>
-          </a:p>
-          <a:p>
-            <a:r>
-              <a:rPr lang="fr-FR" dirty="0" smtClean="0"/>
-              <a:t>Démo</a:t>
-            </a:r>
-          </a:p>
-          <a:p>
-            <a:r>
-              <a:rPr lang="fr-FR" dirty="0" smtClean="0"/>
-              <a:t>Conclusion</a:t>
-            </a:r>
-          </a:p>
-          <a:p>
-            <a:r>
-              <a:rPr lang="fr-FR" dirty="0" smtClean="0"/>
-              <a:t>Question ?</a:t>
-            </a:r>
-            <a:endParaRPr lang="fr-FR" dirty="0"/>
-          </a:p>
-        </p:txBody>
-      </p:sp>
-      <p:sp>
-        <p:nvSpPr>
-          <p:cNvPr id="3" name="Titre 2"/>
-          <p:cNvSpPr>
-            <a:spLocks noGrp="1"/>
-          </p:cNvSpPr>
-          <p:nvPr>
-            <p:ph type="title"/>
-          </p:nvPr>
-        </p:nvSpPr>
-        <p:spPr/>
-        <p:txBody>
-          <a:bodyPr/>
-          <a:lstStyle/>
-          <a:p>
-            <a:r>
-              <a:rPr lang="fr-FR" dirty="0" smtClean="0"/>
-              <a:t>Sommaire</a:t>
-            </a:r>
-            <a:endParaRPr lang="fr-FR" dirty="0"/>
-          </a:p>
-        </p:txBody>
-      </p:sp>
-      <p:pic>
-        <p:nvPicPr>
-          <p:cNvPr id="4" name="Image 3"/>
-          <p:cNvPicPr>
-            <a:picLocks noChangeAspect="1"/>
-          </p:cNvPicPr>
-          <p:nvPr/>
-        </p:nvPicPr>
-        <p:blipFill>
-          <a:blip r:embed="rId3" cstate="print">
-            <a:extLst>
-              <a:ext uri="{28A0092B-C50C-407E-A947-70E740481C1C}">
-                <a14:useLocalDpi xmlns:a14="http://schemas.microsoft.com/office/drawing/2010/main" xmlns="" val="0"/>
-              </a:ext>
-            </a:extLst>
-          </a:blip>
-          <a:stretch>
-            <a:fillRect/>
-          </a:stretch>
-        </p:blipFill>
-        <p:spPr>
-          <a:xfrm>
-            <a:off x="7956376" y="6070981"/>
-            <a:ext cx="943868" cy="608947"/>
-          </a:xfrm>
-          <a:prstGeom prst="rect">
-            <a:avLst/>
-          </a:prstGeom>
-        </p:spPr>
-      </p:pic>
-    </p:spTree>
-  </p:cSld>
-  <p:clrMapOvr>
-    <a:masterClrMapping/>
-  </p:clrMapOvr>
-</p:sld>
-</file>
-
-<file path=ppt/slides/slide20.xml><?xml version="1.0" encoding="utf-8"?>
+<file path=ppt/slides/slide21.xml><?xml version="1.0" encoding="utf-8"?>
 <p:sld xmlns:a="http://schemas.openxmlformats.org/drawingml/2006/main" xmlns:r="http://schemas.openxmlformats.org/officeDocument/2006/relationships" xmlns:p="http://schemas.openxmlformats.org/presentationml/2006/main">
   <p:cSld>
     <p:spTree>
@@ -10343,7 +10592,7 @@
 </p:sld>
 </file>
 
-<file path=ppt/slides/slide21.xml><?xml version="1.0" encoding="utf-8"?>
+<file path=ppt/slides/slide22.xml><?xml version="1.0" encoding="utf-8"?>
 <p:sld xmlns:a="http://schemas.openxmlformats.org/drawingml/2006/main" xmlns:r="http://schemas.openxmlformats.org/officeDocument/2006/relationships" xmlns:p="http://schemas.openxmlformats.org/presentationml/2006/main">
   <p:cSld>
     <p:spTree>
@@ -10559,7 +10808,7 @@
 </p:sld>
 </file>
 
-<file path=ppt/slides/slide22.xml><?xml version="1.0" encoding="utf-8"?>
+<file path=ppt/slides/slide23.xml><?xml version="1.0" encoding="utf-8"?>
 <p:sld xmlns:a="http://schemas.openxmlformats.org/drawingml/2006/main" xmlns:r="http://schemas.openxmlformats.org/officeDocument/2006/relationships" xmlns:p="http://schemas.openxmlformats.org/presentationml/2006/main">
   <p:cSld>
     <p:spTree>
@@ -10775,7 +11024,7 @@
 </p:sld>
 </file>
 
-<file path=ppt/slides/slide23.xml><?xml version="1.0" encoding="utf-8"?>
+<file path=ppt/slides/slide24.xml><?xml version="1.0" encoding="utf-8"?>
 <p:sld xmlns:a="http://schemas.openxmlformats.org/drawingml/2006/main" xmlns:r="http://schemas.openxmlformats.org/officeDocument/2006/relationships" xmlns:p="http://schemas.openxmlformats.org/presentationml/2006/main">
   <p:cSld>
     <p:spTree>
@@ -10888,7 +11137,7 @@
 </p:sld>
 </file>
 
-<file path=ppt/slides/slide24.xml><?xml version="1.0" encoding="utf-8"?>
+<file path=ppt/slides/slide25.xml><?xml version="1.0" encoding="utf-8"?>
 <p:sld xmlns:a="http://schemas.openxmlformats.org/drawingml/2006/main" xmlns:r="http://schemas.openxmlformats.org/officeDocument/2006/relationships" xmlns:p="http://schemas.openxmlformats.org/presentationml/2006/main">
   <p:cSld>
     <p:spTree>
@@ -11064,7 +11313,7 @@
 </p:sld>
 </file>
 
-<file path=ppt/slides/slide25.xml><?xml version="1.0" encoding="utf-8"?>
+<file path=ppt/slides/slide26.xml><?xml version="1.0" encoding="utf-8"?>
 <p:sld xmlns:a="http://schemas.openxmlformats.org/drawingml/2006/main" xmlns:r="http://schemas.openxmlformats.org/officeDocument/2006/relationships" xmlns:p="http://schemas.openxmlformats.org/presentationml/2006/main">
   <p:cSld>
     <p:spTree>

--- a/doc/Diapo.pptx
+++ b/doc/Diapo.pptx
@@ -134,7 +134,7 @@
   </p:defaultTextStyle>
   <p:extLst>
     <p:ext uri="{EFAFB233-063F-42B5-8137-9DF3F51BA10A}">
-      <p15:sldGuideLst xmlns:p15="http://schemas.microsoft.com/office/powerpoint/2012/main" xmlns="">
+      <p15:sldGuideLst xmlns:p15="http://schemas.microsoft.com/office/powerpoint/2012/main">
         <p15:guide id="1" orient="horz" pos="2160">
           <p15:clr>
             <a:srgbClr val="A4A3A4"/>
@@ -405,7 +405,7 @@
     </p:spTree>
     <p:extLst>
       <p:ext uri="{BB962C8B-B14F-4D97-AF65-F5344CB8AC3E}">
-        <p14:creationId xmlns:p14="http://schemas.microsoft.com/office/powerpoint/2010/main" xmlns="" val="45641624"/>
+        <p14:creationId xmlns:p14="http://schemas.microsoft.com/office/powerpoint/2010/main" val="45641624"/>
       </p:ext>
     </p:extLst>
   </p:cSld>
@@ -622,7 +622,7 @@
     </p:spTree>
     <p:extLst>
       <p:ext uri="{BB962C8B-B14F-4D97-AF65-F5344CB8AC3E}">
-        <p14:creationId xmlns:p14="http://schemas.microsoft.com/office/powerpoint/2010/main" xmlns="" val="2228747940"/>
+        <p14:creationId xmlns:p14="http://schemas.microsoft.com/office/powerpoint/2010/main" val="2228747940"/>
       </p:ext>
     </p:extLst>
   </p:cSld>
@@ -721,7 +721,7 @@
     </p:spTree>
     <p:extLst>
       <p:ext uri="{BB962C8B-B14F-4D97-AF65-F5344CB8AC3E}">
-        <p14:creationId xmlns:p14="http://schemas.microsoft.com/office/powerpoint/2010/main" xmlns="" val="3448461766"/>
+        <p14:creationId xmlns:p14="http://schemas.microsoft.com/office/powerpoint/2010/main" val="3448461766"/>
       </p:ext>
     </p:extLst>
   </p:cSld>
@@ -820,7 +820,7 @@
     </p:spTree>
     <p:extLst>
       <p:ext uri="{BB962C8B-B14F-4D97-AF65-F5344CB8AC3E}">
-        <p14:creationId xmlns:p14="http://schemas.microsoft.com/office/powerpoint/2010/main" xmlns="" val="3448461766"/>
+        <p14:creationId xmlns:p14="http://schemas.microsoft.com/office/powerpoint/2010/main" val="3448461766"/>
       </p:ext>
     </p:extLst>
   </p:cSld>
@@ -915,7 +915,7 @@
     </p:spTree>
     <p:extLst>
       <p:ext uri="{BB962C8B-B14F-4D97-AF65-F5344CB8AC3E}">
-        <p14:creationId xmlns:p14="http://schemas.microsoft.com/office/powerpoint/2010/main" xmlns="" val="212553317"/>
+        <p14:creationId xmlns:p14="http://schemas.microsoft.com/office/powerpoint/2010/main" val="212553317"/>
       </p:ext>
     </p:extLst>
   </p:cSld>
@@ -1076,7 +1076,7 @@
     </p:spTree>
     <p:extLst>
       <p:ext uri="{BB962C8B-B14F-4D97-AF65-F5344CB8AC3E}">
-        <p14:creationId xmlns:p14="http://schemas.microsoft.com/office/powerpoint/2010/main" xmlns="" val="1461847046"/>
+        <p14:creationId xmlns:p14="http://schemas.microsoft.com/office/powerpoint/2010/main" val="1461847046"/>
       </p:ext>
     </p:extLst>
   </p:cSld>
@@ -1237,7 +1237,7 @@
     </p:spTree>
     <p:extLst>
       <p:ext uri="{BB962C8B-B14F-4D97-AF65-F5344CB8AC3E}">
-        <p14:creationId xmlns:p14="http://schemas.microsoft.com/office/powerpoint/2010/main" xmlns="" val="1520764927"/>
+        <p14:creationId xmlns:p14="http://schemas.microsoft.com/office/powerpoint/2010/main" val="1520764927"/>
       </p:ext>
     </p:extLst>
   </p:cSld>
@@ -1324,7 +1324,7 @@
     </p:spTree>
     <p:extLst>
       <p:ext uri="{BB962C8B-B14F-4D97-AF65-F5344CB8AC3E}">
-        <p14:creationId xmlns:p14="http://schemas.microsoft.com/office/powerpoint/2010/main" xmlns="" val="1398145928"/>
+        <p14:creationId xmlns:p14="http://schemas.microsoft.com/office/powerpoint/2010/main" val="1398145928"/>
       </p:ext>
     </p:extLst>
   </p:cSld>
@@ -1411,7 +1411,7 @@
     </p:spTree>
     <p:extLst>
       <p:ext uri="{BB962C8B-B14F-4D97-AF65-F5344CB8AC3E}">
-        <p14:creationId xmlns:p14="http://schemas.microsoft.com/office/powerpoint/2010/main" xmlns="" val="2215035958"/>
+        <p14:creationId xmlns:p14="http://schemas.microsoft.com/office/powerpoint/2010/main" val="2215035958"/>
       </p:ext>
     </p:extLst>
   </p:cSld>
@@ -1498,7 +1498,7 @@
     </p:spTree>
     <p:extLst>
       <p:ext uri="{BB962C8B-B14F-4D97-AF65-F5344CB8AC3E}">
-        <p14:creationId xmlns:p14="http://schemas.microsoft.com/office/powerpoint/2010/main" xmlns="" val="4078183470"/>
+        <p14:creationId xmlns:p14="http://schemas.microsoft.com/office/powerpoint/2010/main" val="4078183470"/>
       </p:ext>
     </p:extLst>
   </p:cSld>
@@ -1585,7 +1585,7 @@
     </p:spTree>
     <p:extLst>
       <p:ext uri="{BB962C8B-B14F-4D97-AF65-F5344CB8AC3E}">
-        <p14:creationId xmlns:p14="http://schemas.microsoft.com/office/powerpoint/2010/main" xmlns="" val="511339895"/>
+        <p14:creationId xmlns:p14="http://schemas.microsoft.com/office/powerpoint/2010/main" val="511339895"/>
       </p:ext>
     </p:extLst>
   </p:cSld>
@@ -1672,7 +1672,7 @@
     </p:spTree>
     <p:extLst>
       <p:ext uri="{BB962C8B-B14F-4D97-AF65-F5344CB8AC3E}">
-        <p14:creationId xmlns:p14="http://schemas.microsoft.com/office/powerpoint/2010/main" xmlns="" val="1329930481"/>
+        <p14:creationId xmlns:p14="http://schemas.microsoft.com/office/powerpoint/2010/main" val="1329930481"/>
       </p:ext>
     </p:extLst>
   </p:cSld>
@@ -1765,6 +1765,11 @@
         </p:txBody>
       </p:sp>
     </p:spTree>
+    <p:extLst>
+      <p:ext uri="{BB962C8B-B14F-4D97-AF65-F5344CB8AC3E}">
+        <p14:creationId xmlns:p14="http://schemas.microsoft.com/office/powerpoint/2010/main" val="3000610890"/>
+      </p:ext>
+    </p:extLst>
   </p:cSld>
   <p:clrMapOvr>
     <a:masterClrMapping/>
@@ -1849,7 +1854,7 @@
     </p:spTree>
     <p:extLst>
       <p:ext uri="{BB962C8B-B14F-4D97-AF65-F5344CB8AC3E}">
-        <p14:creationId xmlns:p14="http://schemas.microsoft.com/office/powerpoint/2010/main" xmlns="" val="1420921446"/>
+        <p14:creationId xmlns:p14="http://schemas.microsoft.com/office/powerpoint/2010/main" val="1420921446"/>
       </p:ext>
     </p:extLst>
   </p:cSld>
@@ -1936,7 +1941,7 @@
     </p:spTree>
     <p:extLst>
       <p:ext uri="{BB962C8B-B14F-4D97-AF65-F5344CB8AC3E}">
-        <p14:creationId xmlns:p14="http://schemas.microsoft.com/office/powerpoint/2010/main" xmlns="" val="2537194441"/>
+        <p14:creationId xmlns:p14="http://schemas.microsoft.com/office/powerpoint/2010/main" val="2537194441"/>
       </p:ext>
     </p:extLst>
   </p:cSld>
@@ -2023,7 +2028,7 @@
     </p:spTree>
     <p:extLst>
       <p:ext uri="{BB962C8B-B14F-4D97-AF65-F5344CB8AC3E}">
-        <p14:creationId xmlns:p14="http://schemas.microsoft.com/office/powerpoint/2010/main" xmlns="" val="4069220086"/>
+        <p14:creationId xmlns:p14="http://schemas.microsoft.com/office/powerpoint/2010/main" val="4069220086"/>
       </p:ext>
     </p:extLst>
   </p:cSld>
@@ -2110,7 +2115,7 @@
     </p:spTree>
     <p:extLst>
       <p:ext uri="{BB962C8B-B14F-4D97-AF65-F5344CB8AC3E}">
-        <p14:creationId xmlns:p14="http://schemas.microsoft.com/office/powerpoint/2010/main" xmlns="" val="2188083174"/>
+        <p14:creationId xmlns:p14="http://schemas.microsoft.com/office/powerpoint/2010/main" val="2188083174"/>
       </p:ext>
     </p:extLst>
   </p:cSld>
@@ -2197,7 +2202,7 @@
     </p:spTree>
     <p:extLst>
       <p:ext uri="{BB962C8B-B14F-4D97-AF65-F5344CB8AC3E}">
-        <p14:creationId xmlns:p14="http://schemas.microsoft.com/office/powerpoint/2010/main" xmlns="" val="1537290242"/>
+        <p14:creationId xmlns:p14="http://schemas.microsoft.com/office/powerpoint/2010/main" val="1537290242"/>
       </p:ext>
     </p:extLst>
   </p:cSld>
@@ -2284,7 +2289,7 @@
     </p:spTree>
     <p:extLst>
       <p:ext uri="{BB962C8B-B14F-4D97-AF65-F5344CB8AC3E}">
-        <p14:creationId xmlns:p14="http://schemas.microsoft.com/office/powerpoint/2010/main" xmlns="" val="725683917"/>
+        <p14:creationId xmlns:p14="http://schemas.microsoft.com/office/powerpoint/2010/main" val="725683917"/>
       </p:ext>
     </p:extLst>
   </p:cSld>
@@ -2381,6 +2386,11 @@
         </p:txBody>
       </p:sp>
     </p:spTree>
+    <p:extLst>
+      <p:ext uri="{BB962C8B-B14F-4D97-AF65-F5344CB8AC3E}">
+        <p14:creationId xmlns:p14="http://schemas.microsoft.com/office/powerpoint/2010/main" val="136092769"/>
+      </p:ext>
+    </p:extLst>
   </p:cSld>
   <p:clrMapOvr>
     <a:masterClrMapping/>
@@ -2471,6 +2481,11 @@
         </p:txBody>
       </p:sp>
     </p:spTree>
+    <p:extLst>
+      <p:ext uri="{BB962C8B-B14F-4D97-AF65-F5344CB8AC3E}">
+        <p14:creationId xmlns:p14="http://schemas.microsoft.com/office/powerpoint/2010/main" val="2419742369"/>
+      </p:ext>
+    </p:extLst>
   </p:cSld>
   <p:clrMapOvr>
     <a:masterClrMapping/>
@@ -2561,6 +2576,11 @@
         </p:txBody>
       </p:sp>
     </p:spTree>
+    <p:extLst>
+      <p:ext uri="{BB962C8B-B14F-4D97-AF65-F5344CB8AC3E}">
+        <p14:creationId xmlns:p14="http://schemas.microsoft.com/office/powerpoint/2010/main" val="947480110"/>
+      </p:ext>
+    </p:extLst>
   </p:cSld>
   <p:clrMapOvr>
     <a:masterClrMapping/>
@@ -2668,7 +2688,7 @@
     </p:spTree>
     <p:extLst>
       <p:ext uri="{BB962C8B-B14F-4D97-AF65-F5344CB8AC3E}">
-        <p14:creationId xmlns:p14="http://schemas.microsoft.com/office/powerpoint/2010/main" xmlns="" val="1628508158"/>
+        <p14:creationId xmlns:p14="http://schemas.microsoft.com/office/powerpoint/2010/main" val="1628508158"/>
       </p:ext>
     </p:extLst>
   </p:cSld>
@@ -2763,7 +2783,7 @@
     </p:spTree>
     <p:extLst>
       <p:ext uri="{BB962C8B-B14F-4D97-AF65-F5344CB8AC3E}">
-        <p14:creationId xmlns:p14="http://schemas.microsoft.com/office/powerpoint/2010/main" xmlns="" val="3526639435"/>
+        <p14:creationId xmlns:p14="http://schemas.microsoft.com/office/powerpoint/2010/main" val="3526639435"/>
       </p:ext>
     </p:extLst>
   </p:cSld>
@@ -2858,7 +2878,7 @@
     </p:spTree>
     <p:extLst>
       <p:ext uri="{BB962C8B-B14F-4D97-AF65-F5344CB8AC3E}">
-        <p14:creationId xmlns:p14="http://schemas.microsoft.com/office/powerpoint/2010/main" xmlns="" val="1321478154"/>
+        <p14:creationId xmlns:p14="http://schemas.microsoft.com/office/powerpoint/2010/main" val="1321478154"/>
       </p:ext>
     </p:extLst>
   </p:cSld>
@@ -2953,7 +2973,7 @@
     </p:spTree>
     <p:extLst>
       <p:ext uri="{BB962C8B-B14F-4D97-AF65-F5344CB8AC3E}">
-        <p14:creationId xmlns:p14="http://schemas.microsoft.com/office/powerpoint/2010/main" xmlns="" val="2004548286"/>
+        <p14:creationId xmlns:p14="http://schemas.microsoft.com/office/powerpoint/2010/main" val="2004548286"/>
       </p:ext>
     </p:extLst>
   </p:cSld>
@@ -3586,9 +3606,8 @@
             <a:extLst/>
           </a:lstStyle>
           <a:p>
-            <a:fld id="{D1AB72DB-2B36-4F14-9350-0913143174F8}" type="datetimeFigureOut">
+            <a:fld id="{9914D7AE-1CB8-4596-A87D-C5E175DA1138}" type="datetime1">
               <a:rPr lang="fr-FR" smtClean="0"/>
-              <a:pPr/>
               <a:t>15/05/2017</a:t>
             </a:fld>
             <a:endParaRPr lang="fr-FR"/>
@@ -3784,9 +3803,8 @@
             <a:extLst/>
           </a:lstStyle>
           <a:p>
-            <a:fld id="{D1AB72DB-2B36-4F14-9350-0913143174F8}" type="datetimeFigureOut">
+            <a:fld id="{8B7D30D0-9D34-41B2-A4E8-7F96044036A0}" type="datetime1">
               <a:rPr lang="fr-FR" smtClean="0"/>
-              <a:pPr/>
               <a:t>15/05/2017</a:t>
             </a:fld>
             <a:endParaRPr lang="fr-FR"/>
@@ -3971,9 +3989,8 @@
             <a:extLst/>
           </a:lstStyle>
           <a:p>
-            <a:fld id="{D1AB72DB-2B36-4F14-9350-0913143174F8}" type="datetimeFigureOut">
+            <a:fld id="{A6F5FFD1-736F-4169-8C64-616BB2879305}" type="datetime1">
               <a:rPr lang="fr-FR" smtClean="0"/>
-              <a:pPr/>
               <a:t>15/05/2017</a:t>
             </a:fld>
             <a:endParaRPr lang="fr-FR"/>
@@ -4123,9 +4140,8 @@
             <a:extLst/>
           </a:lstStyle>
           <a:p>
-            <a:fld id="{D1AB72DB-2B36-4F14-9350-0913143174F8}" type="datetimeFigureOut">
+            <a:fld id="{64A0632E-5759-4C23-87AF-34A93CD84791}" type="datetime1">
               <a:rPr lang="fr-FR" smtClean="0"/>
-              <a:pPr/>
               <a:t>15/05/2017</a:t>
             </a:fld>
             <a:endParaRPr lang="fr-FR"/>
@@ -4375,9 +4391,8 @@
             <a:extLst/>
           </a:lstStyle>
           <a:p>
-            <a:fld id="{D1AB72DB-2B36-4F14-9350-0913143174F8}" type="datetimeFigureOut">
+            <a:fld id="{005D6D87-77C0-4CD2-997A-732596456F8F}" type="datetime1">
               <a:rPr lang="fr-FR" smtClean="0"/>
-              <a:pPr/>
               <a:t>15/05/2017</a:t>
             </a:fld>
             <a:endParaRPr lang="fr-FR"/>
@@ -4781,9 +4796,8 @@
             <a:extLst/>
           </a:lstStyle>
           <a:p>
-            <a:fld id="{D1AB72DB-2B36-4F14-9350-0913143174F8}" type="datetimeFigureOut">
+            <a:fld id="{D9F9312C-7A37-4874-82C1-3A86F8B2C4A4}" type="datetime1">
               <a:rPr lang="fr-FR" smtClean="0"/>
-              <a:pPr/>
               <a:t>15/05/2017</a:t>
             </a:fld>
             <a:endParaRPr lang="fr-FR"/>
@@ -5224,9 +5238,8 @@
             <a:extLst/>
           </a:lstStyle>
           <a:p>
-            <a:fld id="{D1AB72DB-2B36-4F14-9350-0913143174F8}" type="datetimeFigureOut">
+            <a:fld id="{E9EFF3A9-40BF-48E2-8528-2F53C26E967A}" type="datetime1">
               <a:rPr lang="fr-FR" smtClean="0"/>
-              <a:pPr/>
               <a:t>15/05/2017</a:t>
             </a:fld>
             <a:endParaRPr lang="fr-FR"/>
@@ -5322,9 +5335,8 @@
             <a:extLst/>
           </a:lstStyle>
           <a:p>
-            <a:fld id="{D1AB72DB-2B36-4F14-9350-0913143174F8}" type="datetimeFigureOut">
+            <a:fld id="{44947D23-3BC1-4760-B315-0FBADAAA40CD}" type="datetime1">
               <a:rPr lang="fr-FR" smtClean="0"/>
-              <a:pPr/>
               <a:t>15/05/2017</a:t>
             </a:fld>
             <a:endParaRPr lang="fr-FR"/>
@@ -5445,9 +5457,8 @@
             <a:extLst/>
           </a:lstStyle>
           <a:p>
-            <a:fld id="{D1AB72DB-2B36-4F14-9350-0913143174F8}" type="datetimeFigureOut">
+            <a:fld id="{84FA350E-615C-4FA1-AA91-B1E5FB996769}" type="datetime1">
               <a:rPr lang="fr-FR" smtClean="0"/>
-              <a:pPr/>
               <a:t>15/05/2017</a:t>
             </a:fld>
             <a:endParaRPr lang="fr-FR"/>
@@ -5716,9 +5727,8 @@
             <a:extLst/>
           </a:lstStyle>
           <a:p>
-            <a:fld id="{D1AB72DB-2B36-4F14-9350-0913143174F8}" type="datetimeFigureOut">
+            <a:fld id="{870E496D-9F79-47C8-A626-E4EF1599FACC}" type="datetime1">
               <a:rPr lang="fr-FR" smtClean="0"/>
-              <a:pPr/>
               <a:t>15/05/2017</a:t>
             </a:fld>
             <a:endParaRPr lang="fr-FR"/>
@@ -5918,9 +5928,8 @@
             <a:extLst/>
           </a:lstStyle>
           <a:p>
-            <a:fld id="{D1AB72DB-2B36-4F14-9350-0913143174F8}" type="datetimeFigureOut">
+            <a:fld id="{C4FCB09E-D656-4225-9EB1-324D66E1FA00}" type="datetime1">
               <a:rPr lang="fr-FR" smtClean="0"/>
-              <a:pPr/>
               <a:t>15/05/2017</a:t>
             </a:fld>
             <a:endParaRPr lang="fr-FR"/>
@@ -7029,9 +7038,8 @@
             <a:extLst/>
           </a:lstStyle>
           <a:p>
-            <a:fld id="{D1AB72DB-2B36-4F14-9350-0913143174F8}" type="datetimeFigureOut">
+            <a:fld id="{D5C06CBD-2CB8-4DA8-A13B-4C712B7DC40F}" type="datetime1">
               <a:rPr lang="fr-FR" smtClean="0"/>
-              <a:pPr/>
               <a:t>15/05/2017</a:t>
             </a:fld>
             <a:endParaRPr lang="fr-FR"/>
@@ -7131,6 +7139,7 @@
     <p:sldLayoutId id="2147483670" r:id="rId10"/>
     <p:sldLayoutId id="2147483671" r:id="rId11"/>
   </p:sldLayoutIdLst>
+  <p:hf hdr="0" ftr="0" dt="0"/>
   <p:txStyles>
     <p:titleStyle>
       <a:lvl1pPr algn="l" rtl="0" eaLnBrk="1" latinLnBrk="0" hangingPunct="1">
@@ -7514,7 +7523,7 @@
           <a:blip r:embed="rId2" cstate="print">
             <a:extLst>
               <a:ext uri="{28A0092B-C50C-407E-A947-70E740481C1C}">
-                <a14:useLocalDpi xmlns:a14="http://schemas.microsoft.com/office/drawing/2010/main" xmlns="" val="0"/>
+                <a14:useLocalDpi xmlns:a14="http://schemas.microsoft.com/office/drawing/2010/main" val="0"/>
               </a:ext>
             </a:extLst>
           </a:blip>
@@ -7532,11 +7541,42 @@
           </a:prstGeom>
         </p:spPr>
       </p:pic>
+      <p:sp>
+        <p:nvSpPr>
+          <p:cNvPr id="4" name="Espace réservé du numéro de diapositive 3"/>
+          <p:cNvSpPr>
+            <a:spLocks noGrp="1"/>
+          </p:cNvSpPr>
+          <p:nvPr>
+            <p:ph type="sldNum" sz="quarter" idx="12"/>
+          </p:nvPr>
+        </p:nvSpPr>
+        <p:spPr/>
+        <p:txBody>
+          <a:bodyPr/>
+          <a:lstStyle/>
+          <a:p>
+            <a:fld id="{A8C328B4-C016-4A25-B59B-906578B0868C}" type="slidenum">
+              <a:rPr lang="fr-FR" smtClean="0"/>
+              <a:pPr/>
+              <a:t>1</a:t>
+            </a:fld>
+            <a:endParaRPr lang="fr-FR"/>
+          </a:p>
+        </p:txBody>
+      </p:sp>
     </p:spTree>
   </p:cSld>
   <p:clrMapOvr>
     <a:masterClrMapping/>
   </p:clrMapOvr>
+  <p:timing>
+    <p:tnLst>
+      <p:par>
+        <p:cTn id="1" dur="indefinite" restart="never" nodeType="tmRoot"/>
+      </p:par>
+    </p:tnLst>
+  </p:timing>
 </p:sld>
 </file>
 
@@ -7708,9 +7748,33 @@
           </a:p>
         </p:txBody>
       </p:sp>
+      <p:sp>
+        <p:nvSpPr>
+          <p:cNvPr id="4" name="Espace réservé du numéro de diapositive 3"/>
+          <p:cNvSpPr>
+            <a:spLocks noGrp="1"/>
+          </p:cNvSpPr>
+          <p:nvPr>
+            <p:ph type="sldNum" sz="quarter" idx="12"/>
+          </p:nvPr>
+        </p:nvSpPr>
+        <p:spPr/>
+        <p:txBody>
+          <a:bodyPr/>
+          <a:lstStyle/>
+          <a:p>
+            <a:fld id="{A8C328B4-C016-4A25-B59B-906578B0868C}" type="slidenum">
+              <a:rPr lang="fr-FR" smtClean="0"/>
+              <a:pPr/>
+              <a:t>10</a:t>
+            </a:fld>
+            <a:endParaRPr lang="fr-FR"/>
+          </a:p>
+        </p:txBody>
+      </p:sp>
       <p:pic>
         <p:nvPicPr>
-          <p:cNvPr id="6" name="Image 5"/>
+          <p:cNvPr id="7" name="Image 6"/>
           <p:cNvPicPr>
             <a:picLocks noChangeAspect="1"/>
           </p:cNvPicPr>
@@ -7720,7 +7784,7 @@
           <a:blip r:embed="rId3" cstate="print">
             <a:extLst>
               <a:ext uri="{28A0092B-C50C-407E-A947-70E740481C1C}">
-                <a14:useLocalDpi xmlns:a14="http://schemas.microsoft.com/office/drawing/2010/main" xmlns="" val="0"/>
+                <a14:useLocalDpi xmlns:a14="http://schemas.microsoft.com/office/drawing/2010/main" val="0"/>
               </a:ext>
             </a:extLst>
           </a:blip>
@@ -7730,8 +7794,8 @@
         </p:blipFill>
         <p:spPr>
           <a:xfrm>
-            <a:off x="7956376" y="6070981"/>
-            <a:ext cx="943868" cy="608947"/>
+            <a:off x="179512" y="6309320"/>
+            <a:ext cx="727871" cy="469594"/>
           </a:xfrm>
           <a:prstGeom prst="rect">
             <a:avLst/>
@@ -7743,6 +7807,13 @@
   <p:clrMapOvr>
     <a:masterClrMapping/>
   </p:clrMapOvr>
+  <p:timing>
+    <p:tnLst>
+      <p:par>
+        <p:cTn id="1" dur="indefinite" restart="never" nodeType="tmRoot"/>
+      </p:par>
+    </p:tnLst>
+  </p:timing>
 </p:sld>
 </file>
 
@@ -7763,6 +7834,36 @@
           <a:chExt cx="0" cy="0"/>
         </a:xfrm>
       </p:grpSpPr>
+      <p:pic>
+        <p:nvPicPr>
+          <p:cNvPr id="7" name="Image 6"/>
+          <p:cNvPicPr>
+            <a:picLocks noChangeAspect="1"/>
+          </p:cNvPicPr>
+          <p:nvPr/>
+        </p:nvPicPr>
+        <p:blipFill>
+          <a:blip r:embed="rId3" cstate="print">
+            <a:extLst>
+              <a:ext uri="{28A0092B-C50C-407E-A947-70E740481C1C}">
+                <a14:useLocalDpi xmlns:a14="http://schemas.microsoft.com/office/drawing/2010/main" val="0"/>
+              </a:ext>
+            </a:extLst>
+          </a:blip>
+          <a:stretch>
+            <a:fillRect/>
+          </a:stretch>
+        </p:blipFill>
+        <p:spPr>
+          <a:xfrm>
+            <a:off x="179512" y="6309320"/>
+            <a:ext cx="727871" cy="469594"/>
+          </a:xfrm>
+          <a:prstGeom prst="rect">
+            <a:avLst/>
+          </a:prstGeom>
+        </p:spPr>
+      </p:pic>
       <p:sp>
         <p:nvSpPr>
           <p:cNvPr id="3" name="Titre 2"/>
@@ -7846,7 +7947,7 @@
           </p:nvPr>
         </p:nvPicPr>
         <p:blipFill>
-          <a:blip r:embed="rId3" cstate="print"/>
+          <a:blip r:embed="rId4" cstate="print"/>
           <a:srcRect/>
           <a:stretch>
             <a:fillRect/>
@@ -7869,41 +7970,42 @@
           </a:ln>
         </p:spPr>
       </p:pic>
-      <p:pic>
-        <p:nvPicPr>
-          <p:cNvPr id="5" name="Image 4"/>
-          <p:cNvPicPr>
-            <a:picLocks noChangeAspect="1"/>
-          </p:cNvPicPr>
-          <p:nvPr/>
-        </p:nvPicPr>
-        <p:blipFill>
-          <a:blip r:embed="rId4" cstate="print">
-            <a:extLst>
-              <a:ext uri="{28A0092B-C50C-407E-A947-70E740481C1C}">
-                <a14:useLocalDpi xmlns:a14="http://schemas.microsoft.com/office/drawing/2010/main" xmlns="" val="0"/>
-              </a:ext>
-            </a:extLst>
-          </a:blip>
-          <a:stretch>
-            <a:fillRect/>
-          </a:stretch>
-        </p:blipFill>
-        <p:spPr>
-          <a:xfrm>
-            <a:off x="7956376" y="6070981"/>
-            <a:ext cx="943868" cy="608947"/>
-          </a:xfrm>
-          <a:prstGeom prst="rect">
-            <a:avLst/>
-          </a:prstGeom>
-        </p:spPr>
-      </p:pic>
+      <p:sp>
+        <p:nvSpPr>
+          <p:cNvPr id="2" name="Espace réservé du numéro de diapositive 1"/>
+          <p:cNvSpPr>
+            <a:spLocks noGrp="1"/>
+          </p:cNvSpPr>
+          <p:nvPr>
+            <p:ph type="sldNum" sz="quarter" idx="12"/>
+          </p:nvPr>
+        </p:nvSpPr>
+        <p:spPr/>
+        <p:txBody>
+          <a:bodyPr/>
+          <a:lstStyle/>
+          <a:p>
+            <a:fld id="{A8C328B4-C016-4A25-B59B-906578B0868C}" type="slidenum">
+              <a:rPr lang="fr-FR" smtClean="0"/>
+              <a:pPr/>
+              <a:t>11</a:t>
+            </a:fld>
+            <a:endParaRPr lang="fr-FR"/>
+          </a:p>
+        </p:txBody>
+      </p:sp>
     </p:spTree>
   </p:cSld>
   <p:clrMapOvr>
     <a:masterClrMapping/>
   </p:clrMapOvr>
+  <p:timing>
+    <p:tnLst>
+      <p:par>
+        <p:cTn id="1" dur="indefinite" restart="never" nodeType="tmRoot"/>
+      </p:par>
+    </p:tnLst>
+  </p:timing>
 </p:sld>
 </file>
 
@@ -7998,36 +8100,6 @@
       </p:sp>
       <p:pic>
         <p:nvPicPr>
-          <p:cNvPr id="5" name="Image 4"/>
-          <p:cNvPicPr>
-            <a:picLocks noChangeAspect="1"/>
-          </p:cNvPicPr>
-          <p:nvPr/>
-        </p:nvPicPr>
-        <p:blipFill>
-          <a:blip r:embed="rId3" cstate="print">
-            <a:extLst>
-              <a:ext uri="{28A0092B-C50C-407E-A947-70E740481C1C}">
-                <a14:useLocalDpi xmlns:a14="http://schemas.microsoft.com/office/drawing/2010/main" xmlns="" val="0"/>
-              </a:ext>
-            </a:extLst>
-          </a:blip>
-          <a:stretch>
-            <a:fillRect/>
-          </a:stretch>
-        </p:blipFill>
-        <p:spPr>
-          <a:xfrm>
-            <a:off x="7956376" y="6070981"/>
-            <a:ext cx="943868" cy="608947"/>
-          </a:xfrm>
-          <a:prstGeom prst="rect">
-            <a:avLst/>
-          </a:prstGeom>
-        </p:spPr>
-      </p:pic>
-      <p:pic>
-        <p:nvPicPr>
           <p:cNvPr id="1026" name="Picture 2"/>
           <p:cNvPicPr>
             <a:picLocks noGrp="1" noChangeAspect="1" noChangeArrowheads="1"/>
@@ -8037,7 +8109,7 @@
           </p:nvPr>
         </p:nvPicPr>
         <p:blipFill>
-          <a:blip r:embed="rId4" cstate="print"/>
+          <a:blip r:embed="rId3" cstate="print"/>
           <a:srcRect/>
           <a:stretch>
             <a:fillRect/>
@@ -8060,11 +8132,72 @@
           </a:ln>
         </p:spPr>
       </p:pic>
+      <p:sp>
+        <p:nvSpPr>
+          <p:cNvPr id="2" name="Espace réservé du numéro de diapositive 1"/>
+          <p:cNvSpPr>
+            <a:spLocks noGrp="1"/>
+          </p:cNvSpPr>
+          <p:nvPr>
+            <p:ph type="sldNum" sz="quarter" idx="12"/>
+          </p:nvPr>
+        </p:nvSpPr>
+        <p:spPr/>
+        <p:txBody>
+          <a:bodyPr/>
+          <a:lstStyle/>
+          <a:p>
+            <a:fld id="{A8C328B4-C016-4A25-B59B-906578B0868C}" type="slidenum">
+              <a:rPr lang="fr-FR" smtClean="0"/>
+              <a:pPr/>
+              <a:t>12</a:t>
+            </a:fld>
+            <a:endParaRPr lang="fr-FR"/>
+          </a:p>
+        </p:txBody>
+      </p:sp>
+      <p:pic>
+        <p:nvPicPr>
+          <p:cNvPr id="7" name="Image 6"/>
+          <p:cNvPicPr>
+            <a:picLocks noChangeAspect="1"/>
+          </p:cNvPicPr>
+          <p:nvPr/>
+        </p:nvPicPr>
+        <p:blipFill>
+          <a:blip r:embed="rId4" cstate="print">
+            <a:extLst>
+              <a:ext uri="{28A0092B-C50C-407E-A947-70E740481C1C}">
+                <a14:useLocalDpi xmlns:a14="http://schemas.microsoft.com/office/drawing/2010/main" val="0"/>
+              </a:ext>
+            </a:extLst>
+          </a:blip>
+          <a:stretch>
+            <a:fillRect/>
+          </a:stretch>
+        </p:blipFill>
+        <p:spPr>
+          <a:xfrm>
+            <a:off x="179512" y="6309320"/>
+            <a:ext cx="727871" cy="469594"/>
+          </a:xfrm>
+          <a:prstGeom prst="rect">
+            <a:avLst/>
+          </a:prstGeom>
+        </p:spPr>
+      </p:pic>
     </p:spTree>
   </p:cSld>
   <p:clrMapOvr>
     <a:masterClrMapping/>
   </p:clrMapOvr>
+  <p:timing>
+    <p:tnLst>
+      <p:par>
+        <p:cTn id="1" dur="indefinite" restart="never" nodeType="tmRoot"/>
+      </p:par>
+    </p:tnLst>
+  </p:timing>
 </p:sld>
 </file>
 
@@ -8085,36 +8218,6 @@
           <a:chExt cx="0" cy="0"/>
         </a:xfrm>
       </p:grpSpPr>
-      <p:pic>
-        <p:nvPicPr>
-          <p:cNvPr id="5" name="Image 4"/>
-          <p:cNvPicPr>
-            <a:picLocks noChangeAspect="1"/>
-          </p:cNvPicPr>
-          <p:nvPr/>
-        </p:nvPicPr>
-        <p:blipFill>
-          <a:blip r:embed="rId3" cstate="print">
-            <a:extLst>
-              <a:ext uri="{28A0092B-C50C-407E-A947-70E740481C1C}">
-                <a14:useLocalDpi xmlns:a14="http://schemas.microsoft.com/office/drawing/2010/main" xmlns="" val="0"/>
-              </a:ext>
-            </a:extLst>
-          </a:blip>
-          <a:stretch>
-            <a:fillRect/>
-          </a:stretch>
-        </p:blipFill>
-        <p:spPr>
-          <a:xfrm>
-            <a:off x="7956376" y="6070981"/>
-            <a:ext cx="943868" cy="608947"/>
-          </a:xfrm>
-          <a:prstGeom prst="rect">
-            <a:avLst/>
-          </a:prstGeom>
-        </p:spPr>
-      </p:pic>
       <p:sp>
         <p:nvSpPr>
           <p:cNvPr id="3" name="Titre 2"/>
@@ -8196,7 +8299,7 @@
           <p:nvPr/>
         </p:nvPicPr>
         <p:blipFill>
-          <a:blip r:embed="rId4" cstate="print"/>
+          <a:blip r:embed="rId3" cstate="print"/>
           <a:srcRect/>
           <a:stretch>
             <a:fillRect/>
@@ -8219,11 +8322,72 @@
           </a:ln>
         </p:spPr>
       </p:pic>
+      <p:sp>
+        <p:nvSpPr>
+          <p:cNvPr id="2" name="Espace réservé du numéro de diapositive 1"/>
+          <p:cNvSpPr>
+            <a:spLocks noGrp="1"/>
+          </p:cNvSpPr>
+          <p:nvPr>
+            <p:ph type="sldNum" sz="quarter" idx="12"/>
+          </p:nvPr>
+        </p:nvSpPr>
+        <p:spPr/>
+        <p:txBody>
+          <a:bodyPr/>
+          <a:lstStyle/>
+          <a:p>
+            <a:fld id="{A8C328B4-C016-4A25-B59B-906578B0868C}" type="slidenum">
+              <a:rPr lang="fr-FR" smtClean="0"/>
+              <a:pPr/>
+              <a:t>13</a:t>
+            </a:fld>
+            <a:endParaRPr lang="fr-FR"/>
+          </a:p>
+        </p:txBody>
+      </p:sp>
+      <p:pic>
+        <p:nvPicPr>
+          <p:cNvPr id="7" name="Image 6"/>
+          <p:cNvPicPr>
+            <a:picLocks noChangeAspect="1"/>
+          </p:cNvPicPr>
+          <p:nvPr/>
+        </p:nvPicPr>
+        <p:blipFill>
+          <a:blip r:embed="rId4" cstate="print">
+            <a:extLst>
+              <a:ext uri="{28A0092B-C50C-407E-A947-70E740481C1C}">
+                <a14:useLocalDpi xmlns:a14="http://schemas.microsoft.com/office/drawing/2010/main" val="0"/>
+              </a:ext>
+            </a:extLst>
+          </a:blip>
+          <a:stretch>
+            <a:fillRect/>
+          </a:stretch>
+        </p:blipFill>
+        <p:spPr>
+          <a:xfrm>
+            <a:off x="179512" y="6309320"/>
+            <a:ext cx="727871" cy="469594"/>
+          </a:xfrm>
+          <a:prstGeom prst="rect">
+            <a:avLst/>
+          </a:prstGeom>
+        </p:spPr>
+      </p:pic>
     </p:spTree>
   </p:cSld>
   <p:clrMapOvr>
     <a:masterClrMapping/>
   </p:clrMapOvr>
+  <p:timing>
+    <p:tnLst>
+      <p:par>
+        <p:cTn id="1" dur="indefinite" restart="never" nodeType="tmRoot"/>
+      </p:par>
+    </p:tnLst>
+  </p:timing>
 </p:sld>
 </file>
 
@@ -8656,9 +8820,33 @@
           </a:prstGeom>
         </p:spPr>
       </p:pic>
+      <p:sp>
+        <p:nvSpPr>
+          <p:cNvPr id="4" name="Espace réservé du numéro de diapositive 3"/>
+          <p:cNvSpPr>
+            <a:spLocks noGrp="1"/>
+          </p:cNvSpPr>
+          <p:nvPr>
+            <p:ph type="sldNum" sz="quarter" idx="12"/>
+          </p:nvPr>
+        </p:nvSpPr>
+        <p:spPr/>
+        <p:txBody>
+          <a:bodyPr/>
+          <a:lstStyle/>
+          <a:p>
+            <a:fld id="{A8C328B4-C016-4A25-B59B-906578B0868C}" type="slidenum">
+              <a:rPr lang="fr-FR" smtClean="0"/>
+              <a:pPr/>
+              <a:t>14</a:t>
+            </a:fld>
+            <a:endParaRPr lang="fr-FR"/>
+          </a:p>
+        </p:txBody>
+      </p:sp>
       <p:pic>
         <p:nvPicPr>
-          <p:cNvPr id="15" name="Image 14"/>
+          <p:cNvPr id="17" name="Image 16"/>
           <p:cNvPicPr>
             <a:picLocks noChangeAspect="1"/>
           </p:cNvPicPr>
@@ -8668,7 +8856,7 @@
           <a:blip r:embed="rId8" cstate="print">
             <a:extLst>
               <a:ext uri="{28A0092B-C50C-407E-A947-70E740481C1C}">
-                <a14:useLocalDpi xmlns:a14="http://schemas.microsoft.com/office/drawing/2010/main" xmlns="" val="0"/>
+                <a14:useLocalDpi xmlns:a14="http://schemas.microsoft.com/office/drawing/2010/main" val="0"/>
               </a:ext>
             </a:extLst>
           </a:blip>
@@ -8678,8 +8866,8 @@
         </p:blipFill>
         <p:spPr>
           <a:xfrm>
-            <a:off x="7956376" y="6070981"/>
-            <a:ext cx="943868" cy="608947"/>
+            <a:off x="179512" y="6309320"/>
+            <a:ext cx="727871" cy="469594"/>
           </a:xfrm>
           <a:prstGeom prst="rect">
             <a:avLst/>
@@ -8691,6 +8879,13 @@
   <p:clrMapOvr>
     <a:masterClrMapping/>
   </p:clrMapOvr>
+  <p:timing>
+    <p:tnLst>
+      <p:par>
+        <p:cTn id="1" dur="indefinite" restart="never" nodeType="tmRoot"/>
+      </p:par>
+    </p:tnLst>
+  </p:timing>
 </p:sld>
 </file>
 
@@ -9191,9 +9386,33 @@
           </a:ln>
         </p:spPr>
       </p:pic>
+      <p:sp>
+        <p:nvSpPr>
+          <p:cNvPr id="2" name="Espace réservé du numéro de diapositive 1"/>
+          <p:cNvSpPr>
+            <a:spLocks noGrp="1"/>
+          </p:cNvSpPr>
+          <p:nvPr>
+            <p:ph type="sldNum" sz="quarter" idx="12"/>
+          </p:nvPr>
+        </p:nvSpPr>
+        <p:spPr/>
+        <p:txBody>
+          <a:bodyPr/>
+          <a:lstStyle/>
+          <a:p>
+            <a:fld id="{A8C328B4-C016-4A25-B59B-906578B0868C}" type="slidenum">
+              <a:rPr lang="fr-FR" smtClean="0"/>
+              <a:pPr/>
+              <a:t>15</a:t>
+            </a:fld>
+            <a:endParaRPr lang="fr-FR"/>
+          </a:p>
+        </p:txBody>
+      </p:sp>
       <p:pic>
         <p:nvPicPr>
-          <p:cNvPr id="20" name="Image 19"/>
+          <p:cNvPr id="21" name="Image 20"/>
           <p:cNvPicPr>
             <a:picLocks noChangeAspect="1"/>
           </p:cNvPicPr>
@@ -9203,7 +9422,7 @@
           <a:blip r:embed="rId13" cstate="print">
             <a:extLst>
               <a:ext uri="{28A0092B-C50C-407E-A947-70E740481C1C}">
-                <a14:useLocalDpi xmlns:a14="http://schemas.microsoft.com/office/drawing/2010/main" xmlns="" val="0"/>
+                <a14:useLocalDpi xmlns:a14="http://schemas.microsoft.com/office/drawing/2010/main" val="0"/>
               </a:ext>
             </a:extLst>
           </a:blip>
@@ -9213,8 +9432,8 @@
         </p:blipFill>
         <p:spPr>
           <a:xfrm>
-            <a:off x="7956376" y="6070981"/>
-            <a:ext cx="943868" cy="608947"/>
+            <a:off x="179512" y="6309320"/>
+            <a:ext cx="727871" cy="469594"/>
           </a:xfrm>
           <a:prstGeom prst="rect">
             <a:avLst/>
@@ -9226,6 +9445,13 @@
   <p:clrMapOvr>
     <a:masterClrMapping/>
   </p:clrMapOvr>
+  <p:timing>
+    <p:tnLst>
+      <p:par>
+        <p:cTn id="1" dur="indefinite" restart="never" nodeType="tmRoot"/>
+      </p:par>
+    </p:tnLst>
+  </p:timing>
 </p:sld>
 </file>
 
@@ -9375,9 +9601,33 @@
           </a:ln>
         </p:spPr>
       </p:pic>
+      <p:sp>
+        <p:nvSpPr>
+          <p:cNvPr id="4" name="Espace réservé du numéro de diapositive 3"/>
+          <p:cNvSpPr>
+            <a:spLocks noGrp="1"/>
+          </p:cNvSpPr>
+          <p:nvPr>
+            <p:ph type="sldNum" sz="quarter" idx="12"/>
+          </p:nvPr>
+        </p:nvSpPr>
+        <p:spPr/>
+        <p:txBody>
+          <a:bodyPr/>
+          <a:lstStyle/>
+          <a:p>
+            <a:fld id="{A8C328B4-C016-4A25-B59B-906578B0868C}" type="slidenum">
+              <a:rPr lang="fr-FR" smtClean="0"/>
+              <a:pPr/>
+              <a:t>16</a:t>
+            </a:fld>
+            <a:endParaRPr lang="fr-FR"/>
+          </a:p>
+        </p:txBody>
+      </p:sp>
       <p:pic>
         <p:nvPicPr>
-          <p:cNvPr id="6" name="Image 5"/>
+          <p:cNvPr id="8" name="Image 7"/>
           <p:cNvPicPr>
             <a:picLocks noChangeAspect="1"/>
           </p:cNvPicPr>
@@ -9387,7 +9637,7 @@
           <a:blip r:embed="rId4" cstate="print">
             <a:extLst>
               <a:ext uri="{28A0092B-C50C-407E-A947-70E740481C1C}">
-                <a14:useLocalDpi xmlns:a14="http://schemas.microsoft.com/office/drawing/2010/main" xmlns="" val="0"/>
+                <a14:useLocalDpi xmlns:a14="http://schemas.microsoft.com/office/drawing/2010/main" val="0"/>
               </a:ext>
             </a:extLst>
           </a:blip>
@@ -9397,8 +9647,8 @@
         </p:blipFill>
         <p:spPr>
           <a:xfrm>
-            <a:off x="7956376" y="6070981"/>
-            <a:ext cx="943868" cy="608947"/>
+            <a:off x="179512" y="6309320"/>
+            <a:ext cx="727871" cy="469594"/>
           </a:xfrm>
           <a:prstGeom prst="rect">
             <a:avLst/>
@@ -9410,6 +9660,13 @@
   <p:clrMapOvr>
     <a:masterClrMapping/>
   </p:clrMapOvr>
+  <p:timing>
+    <p:tnLst>
+      <p:par>
+        <p:cTn id="1" dur="indefinite" restart="never" nodeType="tmRoot"/>
+      </p:par>
+    </p:tnLst>
+  </p:timing>
 </p:sld>
 </file>
 
@@ -9559,9 +9816,33 @@
           </a:ln>
         </p:spPr>
       </p:pic>
+      <p:sp>
+        <p:nvSpPr>
+          <p:cNvPr id="4" name="Espace réservé du numéro de diapositive 3"/>
+          <p:cNvSpPr>
+            <a:spLocks noGrp="1"/>
+          </p:cNvSpPr>
+          <p:nvPr>
+            <p:ph type="sldNum" sz="quarter" idx="12"/>
+          </p:nvPr>
+        </p:nvSpPr>
+        <p:spPr/>
+        <p:txBody>
+          <a:bodyPr/>
+          <a:lstStyle/>
+          <a:p>
+            <a:fld id="{A8C328B4-C016-4A25-B59B-906578B0868C}" type="slidenum">
+              <a:rPr lang="fr-FR" smtClean="0"/>
+              <a:pPr/>
+              <a:t>17</a:t>
+            </a:fld>
+            <a:endParaRPr lang="fr-FR"/>
+          </a:p>
+        </p:txBody>
+      </p:sp>
       <p:pic>
         <p:nvPicPr>
-          <p:cNvPr id="6" name="Image 5"/>
+          <p:cNvPr id="8" name="Image 7"/>
           <p:cNvPicPr>
             <a:picLocks noChangeAspect="1"/>
           </p:cNvPicPr>
@@ -9571,7 +9852,7 @@
           <a:blip r:embed="rId4" cstate="print">
             <a:extLst>
               <a:ext uri="{28A0092B-C50C-407E-A947-70E740481C1C}">
-                <a14:useLocalDpi xmlns:a14="http://schemas.microsoft.com/office/drawing/2010/main" xmlns="" val="0"/>
+                <a14:useLocalDpi xmlns:a14="http://schemas.microsoft.com/office/drawing/2010/main" val="0"/>
               </a:ext>
             </a:extLst>
           </a:blip>
@@ -9581,8 +9862,8 @@
         </p:blipFill>
         <p:spPr>
           <a:xfrm>
-            <a:off x="7956376" y="6070981"/>
-            <a:ext cx="943868" cy="608947"/>
+            <a:off x="179512" y="6309320"/>
+            <a:ext cx="727871" cy="469594"/>
           </a:xfrm>
           <a:prstGeom prst="rect">
             <a:avLst/>
@@ -9594,6 +9875,13 @@
   <p:clrMapOvr>
     <a:masterClrMapping/>
   </p:clrMapOvr>
+  <p:timing>
+    <p:tnLst>
+      <p:par>
+        <p:cTn id="1" dur="indefinite" restart="never" nodeType="tmRoot"/>
+      </p:par>
+    </p:tnLst>
+  </p:timing>
 </p:sld>
 </file>
 
@@ -9614,6 +9902,36 @@
           <a:chExt cx="0" cy="0"/>
         </a:xfrm>
       </p:grpSpPr>
+      <p:pic>
+        <p:nvPicPr>
+          <p:cNvPr id="9" name="Image 8"/>
+          <p:cNvPicPr>
+            <a:picLocks noChangeAspect="1"/>
+          </p:cNvPicPr>
+          <p:nvPr/>
+        </p:nvPicPr>
+        <p:blipFill>
+          <a:blip r:embed="rId3" cstate="print">
+            <a:extLst>
+              <a:ext uri="{28A0092B-C50C-407E-A947-70E740481C1C}">
+                <a14:useLocalDpi xmlns:a14="http://schemas.microsoft.com/office/drawing/2010/main" val="0"/>
+              </a:ext>
+            </a:extLst>
+          </a:blip>
+          <a:stretch>
+            <a:fillRect/>
+          </a:stretch>
+        </p:blipFill>
+        <p:spPr>
+          <a:xfrm>
+            <a:off x="179512" y="6309320"/>
+            <a:ext cx="727871" cy="469594"/>
+          </a:xfrm>
+          <a:prstGeom prst="rect">
+            <a:avLst/>
+          </a:prstGeom>
+        </p:spPr>
+      </p:pic>
       <p:sp>
         <p:nvSpPr>
           <p:cNvPr id="2" name="Espace réservé du contenu 1"/>
@@ -9720,7 +10038,7 @@
           <p:nvPr/>
         </p:nvPicPr>
         <p:blipFill>
-          <a:blip r:embed="rId3" cstate="print"/>
+          <a:blip r:embed="rId4" cstate="print"/>
           <a:srcRect/>
           <a:stretch>
             <a:fillRect/>
@@ -9752,7 +10070,7 @@
           <p:nvPr/>
         </p:nvPicPr>
         <p:blipFill>
-          <a:blip r:embed="rId4" cstate="print"/>
+          <a:blip r:embed="rId5" cstate="print"/>
           <a:srcRect/>
           <a:stretch>
             <a:fillRect/>
@@ -9775,41 +10093,42 @@
           </a:ln>
         </p:spPr>
       </p:pic>
-      <p:pic>
-        <p:nvPicPr>
-          <p:cNvPr id="7" name="Image 6"/>
-          <p:cNvPicPr>
-            <a:picLocks noChangeAspect="1"/>
-          </p:cNvPicPr>
-          <p:nvPr/>
-        </p:nvPicPr>
-        <p:blipFill>
-          <a:blip r:embed="rId5" cstate="print">
-            <a:extLst>
-              <a:ext uri="{28A0092B-C50C-407E-A947-70E740481C1C}">
-                <a14:useLocalDpi xmlns:a14="http://schemas.microsoft.com/office/drawing/2010/main" xmlns="" val="0"/>
-              </a:ext>
-            </a:extLst>
-          </a:blip>
-          <a:stretch>
-            <a:fillRect/>
-          </a:stretch>
-        </p:blipFill>
-        <p:spPr>
-          <a:xfrm>
-            <a:off x="7956376" y="6070981"/>
-            <a:ext cx="943868" cy="608947"/>
-          </a:xfrm>
-          <a:prstGeom prst="rect">
-            <a:avLst/>
-          </a:prstGeom>
-        </p:spPr>
-      </p:pic>
+      <p:sp>
+        <p:nvSpPr>
+          <p:cNvPr id="4" name="Espace réservé du numéro de diapositive 3"/>
+          <p:cNvSpPr>
+            <a:spLocks noGrp="1"/>
+          </p:cNvSpPr>
+          <p:nvPr>
+            <p:ph type="sldNum" sz="quarter" idx="12"/>
+          </p:nvPr>
+        </p:nvSpPr>
+        <p:spPr/>
+        <p:txBody>
+          <a:bodyPr/>
+          <a:lstStyle/>
+          <a:p>
+            <a:fld id="{A8C328B4-C016-4A25-B59B-906578B0868C}" type="slidenum">
+              <a:rPr lang="fr-FR" smtClean="0"/>
+              <a:pPr/>
+              <a:t>18</a:t>
+            </a:fld>
+            <a:endParaRPr lang="fr-FR"/>
+          </a:p>
+        </p:txBody>
+      </p:sp>
     </p:spTree>
   </p:cSld>
   <p:clrMapOvr>
     <a:masterClrMapping/>
   </p:clrMapOvr>
+  <p:timing>
+    <p:tnLst>
+      <p:par>
+        <p:cTn id="1" dur="indefinite" restart="never" nodeType="tmRoot"/>
+      </p:par>
+    </p:tnLst>
+  </p:timing>
 </p:sld>
 </file>
 
@@ -9830,6 +10149,36 @@
           <a:chExt cx="0" cy="0"/>
         </a:xfrm>
       </p:grpSpPr>
+      <p:pic>
+        <p:nvPicPr>
+          <p:cNvPr id="9" name="Image 8"/>
+          <p:cNvPicPr>
+            <a:picLocks noChangeAspect="1"/>
+          </p:cNvPicPr>
+          <p:nvPr/>
+        </p:nvPicPr>
+        <p:blipFill>
+          <a:blip r:embed="rId3" cstate="print">
+            <a:extLst>
+              <a:ext uri="{28A0092B-C50C-407E-A947-70E740481C1C}">
+                <a14:useLocalDpi xmlns:a14="http://schemas.microsoft.com/office/drawing/2010/main" val="0"/>
+              </a:ext>
+            </a:extLst>
+          </a:blip>
+          <a:stretch>
+            <a:fillRect/>
+          </a:stretch>
+        </p:blipFill>
+        <p:spPr>
+          <a:xfrm>
+            <a:off x="179512" y="6309320"/>
+            <a:ext cx="727871" cy="469594"/>
+          </a:xfrm>
+          <a:prstGeom prst="rect">
+            <a:avLst/>
+          </a:prstGeom>
+        </p:spPr>
+      </p:pic>
       <p:sp>
         <p:nvSpPr>
           <p:cNvPr id="2" name="Espace réservé du contenu 1"/>
@@ -9936,7 +10285,7 @@
           <p:nvPr/>
         </p:nvPicPr>
         <p:blipFill>
-          <a:blip r:embed="rId3" cstate="print"/>
+          <a:blip r:embed="rId4" cstate="print"/>
           <a:srcRect/>
           <a:stretch>
             <a:fillRect/>
@@ -9968,7 +10317,7 @@
           <p:nvPr/>
         </p:nvPicPr>
         <p:blipFill>
-          <a:blip r:embed="rId4" cstate="print"/>
+          <a:blip r:embed="rId5" cstate="print"/>
           <a:srcRect/>
           <a:stretch>
             <a:fillRect/>
@@ -9991,41 +10340,42 @@
           </a:ln>
         </p:spPr>
       </p:pic>
-      <p:pic>
-        <p:nvPicPr>
-          <p:cNvPr id="7" name="Image 6"/>
-          <p:cNvPicPr>
-            <a:picLocks noChangeAspect="1"/>
-          </p:cNvPicPr>
-          <p:nvPr/>
-        </p:nvPicPr>
-        <p:blipFill>
-          <a:blip r:embed="rId5" cstate="print">
-            <a:extLst>
-              <a:ext uri="{28A0092B-C50C-407E-A947-70E740481C1C}">
-                <a14:useLocalDpi xmlns:a14="http://schemas.microsoft.com/office/drawing/2010/main" xmlns="" val="0"/>
-              </a:ext>
-            </a:extLst>
-          </a:blip>
-          <a:stretch>
-            <a:fillRect/>
-          </a:stretch>
-        </p:blipFill>
-        <p:spPr>
-          <a:xfrm>
-            <a:off x="7956376" y="6070981"/>
-            <a:ext cx="943868" cy="608947"/>
-          </a:xfrm>
-          <a:prstGeom prst="rect">
-            <a:avLst/>
-          </a:prstGeom>
-        </p:spPr>
-      </p:pic>
+      <p:sp>
+        <p:nvSpPr>
+          <p:cNvPr id="4" name="Espace réservé du numéro de diapositive 3"/>
+          <p:cNvSpPr>
+            <a:spLocks noGrp="1"/>
+          </p:cNvSpPr>
+          <p:nvPr>
+            <p:ph type="sldNum" sz="quarter" idx="12"/>
+          </p:nvPr>
+        </p:nvSpPr>
+        <p:spPr/>
+        <p:txBody>
+          <a:bodyPr/>
+          <a:lstStyle/>
+          <a:p>
+            <a:fld id="{A8C328B4-C016-4A25-B59B-906578B0868C}" type="slidenum">
+              <a:rPr lang="fr-FR" smtClean="0"/>
+              <a:pPr/>
+              <a:t>19</a:t>
+            </a:fld>
+            <a:endParaRPr lang="fr-FR"/>
+          </a:p>
+        </p:txBody>
+      </p:sp>
     </p:spTree>
   </p:cSld>
   <p:clrMapOvr>
     <a:masterClrMapping/>
   </p:clrMapOvr>
+  <p:timing>
+    <p:tnLst>
+      <p:par>
+        <p:cTn id="1" dur="indefinite" restart="never" nodeType="tmRoot"/>
+      </p:par>
+    </p:tnLst>
+  </p:timing>
 </p:sld>
 </file>
 
@@ -10134,7 +10484,7 @@
           <a:blip r:embed="rId3" cstate="print">
             <a:extLst>
               <a:ext uri="{28A0092B-C50C-407E-A947-70E740481C1C}">
-                <a14:useLocalDpi xmlns:a14="http://schemas.microsoft.com/office/drawing/2010/main" xmlns="" val="0"/>
+                <a14:useLocalDpi xmlns:a14="http://schemas.microsoft.com/office/drawing/2010/main" val="0"/>
               </a:ext>
             </a:extLst>
           </a:blip>
@@ -10144,19 +10494,50 @@
         </p:blipFill>
         <p:spPr>
           <a:xfrm>
-            <a:off x="7956376" y="6070981"/>
-            <a:ext cx="943868" cy="608947"/>
+            <a:off x="179512" y="6309320"/>
+            <a:ext cx="727871" cy="469594"/>
           </a:xfrm>
           <a:prstGeom prst="rect">
             <a:avLst/>
           </a:prstGeom>
         </p:spPr>
       </p:pic>
+      <p:sp>
+        <p:nvSpPr>
+          <p:cNvPr id="5" name="Espace réservé du numéro de diapositive 4"/>
+          <p:cNvSpPr>
+            <a:spLocks noGrp="1"/>
+          </p:cNvSpPr>
+          <p:nvPr>
+            <p:ph type="sldNum" sz="quarter" idx="12"/>
+          </p:nvPr>
+        </p:nvSpPr>
+        <p:spPr/>
+        <p:txBody>
+          <a:bodyPr/>
+          <a:lstStyle/>
+          <a:p>
+            <a:fld id="{A8C328B4-C016-4A25-B59B-906578B0868C}" type="slidenum">
+              <a:rPr lang="fr-FR" smtClean="0"/>
+              <a:pPr/>
+              <a:t>2</a:t>
+            </a:fld>
+            <a:endParaRPr lang="fr-FR"/>
+          </a:p>
+        </p:txBody>
+      </p:sp>
     </p:spTree>
   </p:cSld>
   <p:clrMapOvr>
     <a:masterClrMapping/>
   </p:clrMapOvr>
+  <p:timing>
+    <p:tnLst>
+      <p:par>
+        <p:cTn id="1" dur="indefinite" restart="never" nodeType="tmRoot"/>
+      </p:par>
+    </p:tnLst>
+  </p:timing>
 </p:sld>
 </file>
 
@@ -10177,6 +10558,36 @@
           <a:chExt cx="0" cy="0"/>
         </a:xfrm>
       </p:grpSpPr>
+      <p:pic>
+        <p:nvPicPr>
+          <p:cNvPr id="9" name="Image 8"/>
+          <p:cNvPicPr>
+            <a:picLocks noChangeAspect="1"/>
+          </p:cNvPicPr>
+          <p:nvPr/>
+        </p:nvPicPr>
+        <p:blipFill>
+          <a:blip r:embed="rId3" cstate="print">
+            <a:extLst>
+              <a:ext uri="{28A0092B-C50C-407E-A947-70E740481C1C}">
+                <a14:useLocalDpi xmlns:a14="http://schemas.microsoft.com/office/drawing/2010/main" val="0"/>
+              </a:ext>
+            </a:extLst>
+          </a:blip>
+          <a:stretch>
+            <a:fillRect/>
+          </a:stretch>
+        </p:blipFill>
+        <p:spPr>
+          <a:xfrm>
+            <a:off x="179512" y="6309320"/>
+            <a:ext cx="727871" cy="469594"/>
+          </a:xfrm>
+          <a:prstGeom prst="rect">
+            <a:avLst/>
+          </a:prstGeom>
+        </p:spPr>
+      </p:pic>
       <p:sp>
         <p:nvSpPr>
           <p:cNvPr id="2" name="Espace réservé du contenu 1"/>
@@ -10283,7 +10694,7 @@
           <p:nvPr/>
         </p:nvPicPr>
         <p:blipFill>
-          <a:blip r:embed="rId3" cstate="print"/>
+          <a:blip r:embed="rId4" cstate="print"/>
           <a:srcRect/>
           <a:stretch>
             <a:fillRect/>
@@ -10315,7 +10726,7 @@
           <p:nvPr/>
         </p:nvPicPr>
         <p:blipFill>
-          <a:blip r:embed="rId4" cstate="print"/>
+          <a:blip r:embed="rId5" cstate="print"/>
           <a:srcRect/>
           <a:stretch>
             <a:fillRect/>
@@ -10338,41 +10749,42 @@
           </a:ln>
         </p:spPr>
       </p:pic>
-      <p:pic>
-        <p:nvPicPr>
-          <p:cNvPr id="7" name="Image 6"/>
-          <p:cNvPicPr>
-            <a:picLocks noChangeAspect="1"/>
-          </p:cNvPicPr>
-          <p:nvPr/>
-        </p:nvPicPr>
-        <p:blipFill>
-          <a:blip r:embed="rId5" cstate="print">
-            <a:extLst>
-              <a:ext uri="{28A0092B-C50C-407E-A947-70E740481C1C}">
-                <a14:useLocalDpi xmlns:a14="http://schemas.microsoft.com/office/drawing/2010/main" xmlns="" val="0"/>
-              </a:ext>
-            </a:extLst>
-          </a:blip>
-          <a:stretch>
-            <a:fillRect/>
-          </a:stretch>
-        </p:blipFill>
-        <p:spPr>
-          <a:xfrm>
-            <a:off x="7956376" y="6070981"/>
-            <a:ext cx="943868" cy="608947"/>
-          </a:xfrm>
-          <a:prstGeom prst="rect">
-            <a:avLst/>
-          </a:prstGeom>
-        </p:spPr>
-      </p:pic>
+      <p:sp>
+        <p:nvSpPr>
+          <p:cNvPr id="4" name="Espace réservé du numéro de diapositive 3"/>
+          <p:cNvSpPr>
+            <a:spLocks noGrp="1"/>
+          </p:cNvSpPr>
+          <p:nvPr>
+            <p:ph type="sldNum" sz="quarter" idx="12"/>
+          </p:nvPr>
+        </p:nvSpPr>
+        <p:spPr/>
+        <p:txBody>
+          <a:bodyPr/>
+          <a:lstStyle/>
+          <a:p>
+            <a:fld id="{A8C328B4-C016-4A25-B59B-906578B0868C}" type="slidenum">
+              <a:rPr lang="fr-FR" smtClean="0"/>
+              <a:pPr/>
+              <a:t>20</a:t>
+            </a:fld>
+            <a:endParaRPr lang="fr-FR"/>
+          </a:p>
+        </p:txBody>
+      </p:sp>
     </p:spTree>
   </p:cSld>
   <p:clrMapOvr>
     <a:masterClrMapping/>
   </p:clrMapOvr>
+  <p:timing>
+    <p:tnLst>
+      <p:par>
+        <p:cTn id="1" dur="indefinite" restart="never" nodeType="tmRoot"/>
+      </p:par>
+    </p:tnLst>
+  </p:timing>
 </p:sld>
 </file>
 
@@ -10554,9 +10966,33 @@
           </a:ln>
         </p:spPr>
       </p:pic>
+      <p:sp>
+        <p:nvSpPr>
+          <p:cNvPr id="4" name="Espace réservé du numéro de diapositive 3"/>
+          <p:cNvSpPr>
+            <a:spLocks noGrp="1"/>
+          </p:cNvSpPr>
+          <p:nvPr>
+            <p:ph type="sldNum" sz="quarter" idx="12"/>
+          </p:nvPr>
+        </p:nvSpPr>
+        <p:spPr/>
+        <p:txBody>
+          <a:bodyPr/>
+          <a:lstStyle/>
+          <a:p>
+            <a:fld id="{A8C328B4-C016-4A25-B59B-906578B0868C}" type="slidenum">
+              <a:rPr lang="fr-FR" smtClean="0"/>
+              <a:pPr/>
+              <a:t>21</a:t>
+            </a:fld>
+            <a:endParaRPr lang="fr-FR"/>
+          </a:p>
+        </p:txBody>
+      </p:sp>
       <p:pic>
         <p:nvPicPr>
-          <p:cNvPr id="7" name="Image 6"/>
+          <p:cNvPr id="9" name="Image 8"/>
           <p:cNvPicPr>
             <a:picLocks noChangeAspect="1"/>
           </p:cNvPicPr>
@@ -10566,7 +11002,7 @@
           <a:blip r:embed="rId5" cstate="print">
             <a:extLst>
               <a:ext uri="{28A0092B-C50C-407E-A947-70E740481C1C}">
-                <a14:useLocalDpi xmlns:a14="http://schemas.microsoft.com/office/drawing/2010/main" xmlns="" val="0"/>
+                <a14:useLocalDpi xmlns:a14="http://schemas.microsoft.com/office/drawing/2010/main" val="0"/>
               </a:ext>
             </a:extLst>
           </a:blip>
@@ -10576,8 +11012,8 @@
         </p:blipFill>
         <p:spPr>
           <a:xfrm>
-            <a:off x="7956376" y="6070981"/>
-            <a:ext cx="943868" cy="608947"/>
+            <a:off x="179512" y="6309320"/>
+            <a:ext cx="727871" cy="469594"/>
           </a:xfrm>
           <a:prstGeom prst="rect">
             <a:avLst/>
@@ -10589,6 +11025,13 @@
   <p:clrMapOvr>
     <a:masterClrMapping/>
   </p:clrMapOvr>
+  <p:timing>
+    <p:tnLst>
+      <p:par>
+        <p:cTn id="1" dur="indefinite" restart="never" nodeType="tmRoot"/>
+      </p:par>
+    </p:tnLst>
+  </p:timing>
 </p:sld>
 </file>
 
@@ -10609,6 +11052,36 @@
           <a:chExt cx="0" cy="0"/>
         </a:xfrm>
       </p:grpSpPr>
+      <p:pic>
+        <p:nvPicPr>
+          <p:cNvPr id="9" name="Image 8"/>
+          <p:cNvPicPr>
+            <a:picLocks noChangeAspect="1"/>
+          </p:cNvPicPr>
+          <p:nvPr/>
+        </p:nvPicPr>
+        <p:blipFill>
+          <a:blip r:embed="rId3" cstate="print">
+            <a:extLst>
+              <a:ext uri="{28A0092B-C50C-407E-A947-70E740481C1C}">
+                <a14:useLocalDpi xmlns:a14="http://schemas.microsoft.com/office/drawing/2010/main" val="0"/>
+              </a:ext>
+            </a:extLst>
+          </a:blip>
+          <a:stretch>
+            <a:fillRect/>
+          </a:stretch>
+        </p:blipFill>
+        <p:spPr>
+          <a:xfrm>
+            <a:off x="179512" y="6309320"/>
+            <a:ext cx="727871" cy="469594"/>
+          </a:xfrm>
+          <a:prstGeom prst="rect">
+            <a:avLst/>
+          </a:prstGeom>
+        </p:spPr>
+      </p:pic>
       <p:sp>
         <p:nvSpPr>
           <p:cNvPr id="2" name="Espace réservé du contenu 1"/>
@@ -10715,7 +11188,7 @@
           <p:nvPr/>
         </p:nvPicPr>
         <p:blipFill>
-          <a:blip r:embed="rId3" cstate="print"/>
+          <a:blip r:embed="rId4" cstate="print"/>
           <a:srcRect/>
           <a:stretch>
             <a:fillRect/>
@@ -10747,7 +11220,7 @@
           <p:nvPr/>
         </p:nvPicPr>
         <p:blipFill>
-          <a:blip r:embed="rId4" cstate="print"/>
+          <a:blip r:embed="rId5" cstate="print"/>
           <a:srcRect/>
           <a:stretch>
             <a:fillRect/>
@@ -10770,41 +11243,42 @@
           </a:ln>
         </p:spPr>
       </p:pic>
-      <p:pic>
-        <p:nvPicPr>
-          <p:cNvPr id="7" name="Image 6"/>
-          <p:cNvPicPr>
-            <a:picLocks noChangeAspect="1"/>
-          </p:cNvPicPr>
-          <p:nvPr/>
-        </p:nvPicPr>
-        <p:blipFill>
-          <a:blip r:embed="rId5" cstate="print">
-            <a:extLst>
-              <a:ext uri="{28A0092B-C50C-407E-A947-70E740481C1C}">
-                <a14:useLocalDpi xmlns:a14="http://schemas.microsoft.com/office/drawing/2010/main" xmlns="" val="0"/>
-              </a:ext>
-            </a:extLst>
-          </a:blip>
-          <a:stretch>
-            <a:fillRect/>
-          </a:stretch>
-        </p:blipFill>
-        <p:spPr>
-          <a:xfrm>
-            <a:off x="7956376" y="6070981"/>
-            <a:ext cx="943868" cy="608947"/>
-          </a:xfrm>
-          <a:prstGeom prst="rect">
-            <a:avLst/>
-          </a:prstGeom>
-        </p:spPr>
-      </p:pic>
+      <p:sp>
+        <p:nvSpPr>
+          <p:cNvPr id="4" name="Espace réservé du numéro de diapositive 3"/>
+          <p:cNvSpPr>
+            <a:spLocks noGrp="1"/>
+          </p:cNvSpPr>
+          <p:nvPr>
+            <p:ph type="sldNum" sz="quarter" idx="12"/>
+          </p:nvPr>
+        </p:nvSpPr>
+        <p:spPr/>
+        <p:txBody>
+          <a:bodyPr/>
+          <a:lstStyle/>
+          <a:p>
+            <a:fld id="{A8C328B4-C016-4A25-B59B-906578B0868C}" type="slidenum">
+              <a:rPr lang="fr-FR" smtClean="0"/>
+              <a:pPr/>
+              <a:t>22</a:t>
+            </a:fld>
+            <a:endParaRPr lang="fr-FR"/>
+          </a:p>
+        </p:txBody>
+      </p:sp>
     </p:spTree>
   </p:cSld>
   <p:clrMapOvr>
     <a:masterClrMapping/>
   </p:clrMapOvr>
+  <p:timing>
+    <p:tnLst>
+      <p:par>
+        <p:cTn id="1" dur="indefinite" restart="never" nodeType="tmRoot"/>
+      </p:par>
+    </p:tnLst>
+  </p:timing>
 </p:sld>
 </file>
 
@@ -10825,6 +11299,36 @@
           <a:chExt cx="0" cy="0"/>
         </a:xfrm>
       </p:grpSpPr>
+      <p:pic>
+        <p:nvPicPr>
+          <p:cNvPr id="9" name="Image 8"/>
+          <p:cNvPicPr>
+            <a:picLocks noChangeAspect="1"/>
+          </p:cNvPicPr>
+          <p:nvPr/>
+        </p:nvPicPr>
+        <p:blipFill>
+          <a:blip r:embed="rId3" cstate="print">
+            <a:extLst>
+              <a:ext uri="{28A0092B-C50C-407E-A947-70E740481C1C}">
+                <a14:useLocalDpi xmlns:a14="http://schemas.microsoft.com/office/drawing/2010/main" val="0"/>
+              </a:ext>
+            </a:extLst>
+          </a:blip>
+          <a:stretch>
+            <a:fillRect/>
+          </a:stretch>
+        </p:blipFill>
+        <p:spPr>
+          <a:xfrm>
+            <a:off x="179512" y="6309320"/>
+            <a:ext cx="727871" cy="469594"/>
+          </a:xfrm>
+          <a:prstGeom prst="rect">
+            <a:avLst/>
+          </a:prstGeom>
+        </p:spPr>
+      </p:pic>
       <p:sp>
         <p:nvSpPr>
           <p:cNvPr id="2" name="Espace réservé du contenu 1"/>
@@ -10931,7 +11435,7 @@
           <p:nvPr/>
         </p:nvPicPr>
         <p:blipFill>
-          <a:blip r:embed="rId3" cstate="print"/>
+          <a:blip r:embed="rId4" cstate="print"/>
           <a:srcRect/>
           <a:stretch>
             <a:fillRect/>
@@ -10963,7 +11467,7 @@
           <p:nvPr/>
         </p:nvPicPr>
         <p:blipFill>
-          <a:blip r:embed="rId4" cstate="print"/>
+          <a:blip r:embed="rId5" cstate="print"/>
           <a:srcRect/>
           <a:stretch>
             <a:fillRect/>
@@ -10986,41 +11490,42 @@
           </a:ln>
         </p:spPr>
       </p:pic>
-      <p:pic>
-        <p:nvPicPr>
-          <p:cNvPr id="7" name="Image 6"/>
-          <p:cNvPicPr>
-            <a:picLocks noChangeAspect="1"/>
-          </p:cNvPicPr>
-          <p:nvPr/>
-        </p:nvPicPr>
-        <p:blipFill>
-          <a:blip r:embed="rId5" cstate="print">
-            <a:extLst>
-              <a:ext uri="{28A0092B-C50C-407E-A947-70E740481C1C}">
-                <a14:useLocalDpi xmlns:a14="http://schemas.microsoft.com/office/drawing/2010/main" xmlns="" val="0"/>
-              </a:ext>
-            </a:extLst>
-          </a:blip>
-          <a:stretch>
-            <a:fillRect/>
-          </a:stretch>
-        </p:blipFill>
-        <p:spPr>
-          <a:xfrm>
-            <a:off x="7956376" y="6070981"/>
-            <a:ext cx="943868" cy="608947"/>
-          </a:xfrm>
-          <a:prstGeom prst="rect">
-            <a:avLst/>
-          </a:prstGeom>
-        </p:spPr>
-      </p:pic>
+      <p:sp>
+        <p:nvSpPr>
+          <p:cNvPr id="4" name="Espace réservé du numéro de diapositive 3"/>
+          <p:cNvSpPr>
+            <a:spLocks noGrp="1"/>
+          </p:cNvSpPr>
+          <p:nvPr>
+            <p:ph type="sldNum" sz="quarter" idx="12"/>
+          </p:nvPr>
+        </p:nvSpPr>
+        <p:spPr/>
+        <p:txBody>
+          <a:bodyPr/>
+          <a:lstStyle/>
+          <a:p>
+            <a:fld id="{A8C328B4-C016-4A25-B59B-906578B0868C}" type="slidenum">
+              <a:rPr lang="fr-FR" smtClean="0"/>
+              <a:pPr/>
+              <a:t>23</a:t>
+            </a:fld>
+            <a:endParaRPr lang="fr-FR"/>
+          </a:p>
+        </p:txBody>
+      </p:sp>
     </p:spTree>
   </p:cSld>
   <p:clrMapOvr>
     <a:masterClrMapping/>
   </p:clrMapOvr>
+  <p:timing>
+    <p:tnLst>
+      <p:par>
+        <p:cTn id="1" dur="indefinite" restart="never" nodeType="tmRoot"/>
+      </p:par>
+    </p:tnLst>
+  </p:timing>
 </p:sld>
 </file>
 
@@ -11099,9 +11604,33 @@
           </a:p>
         </p:txBody>
       </p:sp>
+      <p:sp>
+        <p:nvSpPr>
+          <p:cNvPr id="5" name="Espace réservé du numéro de diapositive 4"/>
+          <p:cNvSpPr>
+            <a:spLocks noGrp="1"/>
+          </p:cNvSpPr>
+          <p:nvPr>
+            <p:ph type="sldNum" sz="quarter" idx="12"/>
+          </p:nvPr>
+        </p:nvSpPr>
+        <p:spPr/>
+        <p:txBody>
+          <a:bodyPr/>
+          <a:lstStyle/>
+          <a:p>
+            <a:fld id="{A8C328B4-C016-4A25-B59B-906578B0868C}" type="slidenum">
+              <a:rPr lang="fr-FR" smtClean="0"/>
+              <a:pPr/>
+              <a:t>24</a:t>
+            </a:fld>
+            <a:endParaRPr lang="fr-FR"/>
+          </a:p>
+        </p:txBody>
+      </p:sp>
       <p:pic>
         <p:nvPicPr>
-          <p:cNvPr id="4" name="Image 3"/>
+          <p:cNvPr id="6" name="Image 5"/>
           <p:cNvPicPr>
             <a:picLocks noChangeAspect="1"/>
           </p:cNvPicPr>
@@ -11111,7 +11640,7 @@
           <a:blip r:embed="rId3" cstate="print">
             <a:extLst>
               <a:ext uri="{28A0092B-C50C-407E-A947-70E740481C1C}">
-                <a14:useLocalDpi xmlns:a14="http://schemas.microsoft.com/office/drawing/2010/main" xmlns="" val="0"/>
+                <a14:useLocalDpi xmlns:a14="http://schemas.microsoft.com/office/drawing/2010/main" val="0"/>
               </a:ext>
             </a:extLst>
           </a:blip>
@@ -11121,8 +11650,8 @@
         </p:blipFill>
         <p:spPr>
           <a:xfrm>
-            <a:off x="7956376" y="6070981"/>
-            <a:ext cx="943868" cy="608947"/>
+            <a:off x="179512" y="6309320"/>
+            <a:ext cx="727871" cy="469594"/>
           </a:xfrm>
           <a:prstGeom prst="rect">
             <a:avLst/>
@@ -11134,6 +11663,13 @@
   <p:clrMapOvr>
     <a:masterClrMapping/>
   </p:clrMapOvr>
+  <p:timing>
+    <p:tnLst>
+      <p:par>
+        <p:cTn id="1" dur="indefinite" restart="never" nodeType="tmRoot"/>
+      </p:par>
+    </p:tnLst>
+  </p:timing>
 </p:sld>
 </file>
 
@@ -11275,9 +11811,33 @@
           </a:p>
         </p:txBody>
       </p:sp>
+      <p:sp>
+        <p:nvSpPr>
+          <p:cNvPr id="4" name="Espace réservé du numéro de diapositive 3"/>
+          <p:cNvSpPr>
+            <a:spLocks noGrp="1"/>
+          </p:cNvSpPr>
+          <p:nvPr>
+            <p:ph type="sldNum" sz="quarter" idx="12"/>
+          </p:nvPr>
+        </p:nvSpPr>
+        <p:spPr/>
+        <p:txBody>
+          <a:bodyPr/>
+          <a:lstStyle/>
+          <a:p>
+            <a:fld id="{A8C328B4-C016-4A25-B59B-906578B0868C}" type="slidenum">
+              <a:rPr lang="fr-FR" smtClean="0"/>
+              <a:pPr/>
+              <a:t>25</a:t>
+            </a:fld>
+            <a:endParaRPr lang="fr-FR"/>
+          </a:p>
+        </p:txBody>
+      </p:sp>
       <p:pic>
         <p:nvPicPr>
-          <p:cNvPr id="5" name="Image 4"/>
+          <p:cNvPr id="7" name="Image 6"/>
           <p:cNvPicPr>
             <a:picLocks noChangeAspect="1"/>
           </p:cNvPicPr>
@@ -11287,7 +11847,7 @@
           <a:blip r:embed="rId3" cstate="print">
             <a:extLst>
               <a:ext uri="{28A0092B-C50C-407E-A947-70E740481C1C}">
-                <a14:useLocalDpi xmlns:a14="http://schemas.microsoft.com/office/drawing/2010/main" xmlns="" val="0"/>
+                <a14:useLocalDpi xmlns:a14="http://schemas.microsoft.com/office/drawing/2010/main" val="0"/>
               </a:ext>
             </a:extLst>
           </a:blip>
@@ -11297,8 +11857,8 @@
         </p:blipFill>
         <p:spPr>
           <a:xfrm>
-            <a:off x="7956376" y="6070981"/>
-            <a:ext cx="943868" cy="608947"/>
+            <a:off x="179512" y="6309320"/>
+            <a:ext cx="727871" cy="469594"/>
           </a:xfrm>
           <a:prstGeom prst="rect">
             <a:avLst/>
@@ -11310,6 +11870,13 @@
   <p:clrMapOvr>
     <a:masterClrMapping/>
   </p:clrMapOvr>
+  <p:timing>
+    <p:tnLst>
+      <p:par>
+        <p:cTn id="1" dur="indefinite" restart="never" nodeType="tmRoot"/>
+      </p:par>
+    </p:tnLst>
+  </p:timing>
 </p:sld>
 </file>
 
@@ -11388,9 +11955,33 @@
           </a:p>
         </p:txBody>
       </p:sp>
+      <p:sp>
+        <p:nvSpPr>
+          <p:cNvPr id="5" name="Espace réservé du numéro de diapositive 4"/>
+          <p:cNvSpPr>
+            <a:spLocks noGrp="1"/>
+          </p:cNvSpPr>
+          <p:nvPr>
+            <p:ph type="sldNum" sz="quarter" idx="12"/>
+          </p:nvPr>
+        </p:nvSpPr>
+        <p:spPr/>
+        <p:txBody>
+          <a:bodyPr/>
+          <a:lstStyle/>
+          <a:p>
+            <a:fld id="{A8C328B4-C016-4A25-B59B-906578B0868C}" type="slidenum">
+              <a:rPr lang="fr-FR" smtClean="0"/>
+              <a:pPr/>
+              <a:t>26</a:t>
+            </a:fld>
+            <a:endParaRPr lang="fr-FR"/>
+          </a:p>
+        </p:txBody>
+      </p:sp>
       <p:pic>
         <p:nvPicPr>
-          <p:cNvPr id="4" name="Image 3"/>
+          <p:cNvPr id="6" name="Image 5"/>
           <p:cNvPicPr>
             <a:picLocks noChangeAspect="1"/>
           </p:cNvPicPr>
@@ -11400,7 +11991,7 @@
           <a:blip r:embed="rId3" cstate="print">
             <a:extLst>
               <a:ext uri="{28A0092B-C50C-407E-A947-70E740481C1C}">
-                <a14:useLocalDpi xmlns:a14="http://schemas.microsoft.com/office/drawing/2010/main" xmlns="" val="0"/>
+                <a14:useLocalDpi xmlns:a14="http://schemas.microsoft.com/office/drawing/2010/main" val="0"/>
               </a:ext>
             </a:extLst>
           </a:blip>
@@ -11410,8 +12001,8 @@
         </p:blipFill>
         <p:spPr>
           <a:xfrm>
-            <a:off x="7956376" y="6070981"/>
-            <a:ext cx="943868" cy="608947"/>
+            <a:off x="179512" y="6309320"/>
+            <a:ext cx="727871" cy="469594"/>
           </a:xfrm>
           <a:prstGeom prst="rect">
             <a:avLst/>
@@ -11423,6 +12014,13 @@
   <p:clrMapOvr>
     <a:masterClrMapping/>
   </p:clrMapOvr>
+  <p:timing>
+    <p:tnLst>
+      <p:par>
+        <p:cTn id="1" dur="indefinite" restart="never" nodeType="tmRoot"/>
+      </p:par>
+    </p:tnLst>
+  </p:timing>
 </p:sld>
 </file>
 
@@ -11561,9 +12159,33 @@
           </a:p>
         </p:txBody>
       </p:sp>
+      <p:sp>
+        <p:nvSpPr>
+          <p:cNvPr id="4" name="Espace réservé du numéro de diapositive 3"/>
+          <p:cNvSpPr>
+            <a:spLocks noGrp="1"/>
+          </p:cNvSpPr>
+          <p:nvPr>
+            <p:ph type="sldNum" sz="quarter" idx="12"/>
+          </p:nvPr>
+        </p:nvSpPr>
+        <p:spPr/>
+        <p:txBody>
+          <a:bodyPr/>
+          <a:lstStyle/>
+          <a:p>
+            <a:fld id="{A8C328B4-C016-4A25-B59B-906578B0868C}" type="slidenum">
+              <a:rPr lang="fr-FR" smtClean="0"/>
+              <a:pPr/>
+              <a:t>3</a:t>
+            </a:fld>
+            <a:endParaRPr lang="fr-FR"/>
+          </a:p>
+        </p:txBody>
+      </p:sp>
       <p:pic>
         <p:nvPicPr>
-          <p:cNvPr id="6" name="Image 5"/>
+          <p:cNvPr id="7" name="Image 6"/>
           <p:cNvPicPr>
             <a:picLocks noChangeAspect="1"/>
           </p:cNvPicPr>
@@ -11573,7 +12195,7 @@
           <a:blip r:embed="rId3" cstate="print">
             <a:extLst>
               <a:ext uri="{28A0092B-C50C-407E-A947-70E740481C1C}">
-                <a14:useLocalDpi xmlns:a14="http://schemas.microsoft.com/office/drawing/2010/main" xmlns="" val="0"/>
+                <a14:useLocalDpi xmlns:a14="http://schemas.microsoft.com/office/drawing/2010/main" val="0"/>
               </a:ext>
             </a:extLst>
           </a:blip>
@@ -11583,8 +12205,8 @@
         </p:blipFill>
         <p:spPr>
           <a:xfrm>
-            <a:off x="7956376" y="6093296"/>
-            <a:ext cx="943868" cy="608947"/>
+            <a:off x="179512" y="6309320"/>
+            <a:ext cx="727871" cy="469594"/>
           </a:xfrm>
           <a:prstGeom prst="rect">
             <a:avLst/>
@@ -11596,6 +12218,13 @@
   <p:clrMapOvr>
     <a:masterClrMapping/>
   </p:clrMapOvr>
+  <p:timing>
+    <p:tnLst>
+      <p:par>
+        <p:cTn id="1" dur="indefinite" restart="never" nodeType="tmRoot"/>
+      </p:par>
+    </p:tnLst>
+  </p:timing>
 </p:sld>
 </file>
 
@@ -11848,9 +12477,33 @@
           </a:p>
         </p:txBody>
       </p:sp>
+      <p:sp>
+        <p:nvSpPr>
+          <p:cNvPr id="4" name="Espace réservé du numéro de diapositive 3"/>
+          <p:cNvSpPr>
+            <a:spLocks noGrp="1"/>
+          </p:cNvSpPr>
+          <p:nvPr>
+            <p:ph type="sldNum" sz="quarter" idx="12"/>
+          </p:nvPr>
+        </p:nvSpPr>
+        <p:spPr/>
+        <p:txBody>
+          <a:bodyPr/>
+          <a:lstStyle/>
+          <a:p>
+            <a:fld id="{A8C328B4-C016-4A25-B59B-906578B0868C}" type="slidenum">
+              <a:rPr lang="fr-FR" smtClean="0"/>
+              <a:pPr/>
+              <a:t>4</a:t>
+            </a:fld>
+            <a:endParaRPr lang="fr-FR"/>
+          </a:p>
+        </p:txBody>
+      </p:sp>
       <p:pic>
         <p:nvPicPr>
-          <p:cNvPr id="6" name="Image 5"/>
+          <p:cNvPr id="7" name="Image 6"/>
           <p:cNvPicPr>
             <a:picLocks noChangeAspect="1"/>
           </p:cNvPicPr>
@@ -11860,7 +12513,7 @@
           <a:blip r:embed="rId3" cstate="print">
             <a:extLst>
               <a:ext uri="{28A0092B-C50C-407E-A947-70E740481C1C}">
-                <a14:useLocalDpi xmlns:a14="http://schemas.microsoft.com/office/drawing/2010/main" xmlns="" val="0"/>
+                <a14:useLocalDpi xmlns:a14="http://schemas.microsoft.com/office/drawing/2010/main" val="0"/>
               </a:ext>
             </a:extLst>
           </a:blip>
@@ -11870,8 +12523,8 @@
         </p:blipFill>
         <p:spPr>
           <a:xfrm>
-            <a:off x="7956376" y="6070981"/>
-            <a:ext cx="943868" cy="608947"/>
+            <a:off x="179512" y="6309320"/>
+            <a:ext cx="727871" cy="469594"/>
           </a:xfrm>
           <a:prstGeom prst="rect">
             <a:avLst/>
@@ -11883,6 +12536,13 @@
   <p:clrMapOvr>
     <a:masterClrMapping/>
   </p:clrMapOvr>
+  <p:timing>
+    <p:tnLst>
+      <p:par>
+        <p:cTn id="1" dur="indefinite" restart="never" nodeType="tmRoot"/>
+      </p:par>
+    </p:tnLst>
+  </p:timing>
 </p:sld>
 </file>
 
@@ -12062,9 +12722,33 @@
           </a:p>
         </p:txBody>
       </p:sp>
+      <p:sp>
+        <p:nvSpPr>
+          <p:cNvPr id="4" name="Espace réservé du numéro de diapositive 3"/>
+          <p:cNvSpPr>
+            <a:spLocks noGrp="1"/>
+          </p:cNvSpPr>
+          <p:nvPr>
+            <p:ph type="sldNum" sz="quarter" idx="12"/>
+          </p:nvPr>
+        </p:nvSpPr>
+        <p:spPr/>
+        <p:txBody>
+          <a:bodyPr/>
+          <a:lstStyle/>
+          <a:p>
+            <a:fld id="{A8C328B4-C016-4A25-B59B-906578B0868C}" type="slidenum">
+              <a:rPr lang="fr-FR" smtClean="0"/>
+              <a:pPr/>
+              <a:t>5</a:t>
+            </a:fld>
+            <a:endParaRPr lang="fr-FR"/>
+          </a:p>
+        </p:txBody>
+      </p:sp>
       <p:pic>
         <p:nvPicPr>
-          <p:cNvPr id="6" name="Image 5"/>
+          <p:cNvPr id="7" name="Image 6"/>
           <p:cNvPicPr>
             <a:picLocks noChangeAspect="1"/>
           </p:cNvPicPr>
@@ -12074,7 +12758,7 @@
           <a:blip r:embed="rId3" cstate="print">
             <a:extLst>
               <a:ext uri="{28A0092B-C50C-407E-A947-70E740481C1C}">
-                <a14:useLocalDpi xmlns:a14="http://schemas.microsoft.com/office/drawing/2010/main" xmlns="" val="0"/>
+                <a14:useLocalDpi xmlns:a14="http://schemas.microsoft.com/office/drawing/2010/main" val="0"/>
               </a:ext>
             </a:extLst>
           </a:blip>
@@ -12084,8 +12768,8 @@
         </p:blipFill>
         <p:spPr>
           <a:xfrm>
-            <a:off x="7956376" y="6070981"/>
-            <a:ext cx="943868" cy="608947"/>
+            <a:off x="179512" y="6309320"/>
+            <a:ext cx="727871" cy="469594"/>
           </a:xfrm>
           <a:prstGeom prst="rect">
             <a:avLst/>
@@ -12097,6 +12781,13 @@
   <p:clrMapOvr>
     <a:masterClrMapping/>
   </p:clrMapOvr>
+  <p:timing>
+    <p:tnLst>
+      <p:par>
+        <p:cTn id="1" dur="indefinite" restart="never" nodeType="tmRoot"/>
+      </p:par>
+    </p:tnLst>
+  </p:timing>
 </p:sld>
 </file>
 
@@ -12181,36 +12872,6 @@
           </a:p>
         </p:txBody>
       </p:sp>
-      <p:pic>
-        <p:nvPicPr>
-          <p:cNvPr id="6" name="Image 5"/>
-          <p:cNvPicPr>
-            <a:picLocks noChangeAspect="1"/>
-          </p:cNvPicPr>
-          <p:nvPr/>
-        </p:nvPicPr>
-        <p:blipFill>
-          <a:blip r:embed="rId3" cstate="print">
-            <a:extLst>
-              <a:ext uri="{28A0092B-C50C-407E-A947-70E740481C1C}">
-                <a14:useLocalDpi xmlns:a14="http://schemas.microsoft.com/office/drawing/2010/main" xmlns="" val="0"/>
-              </a:ext>
-            </a:extLst>
-          </a:blip>
-          <a:stretch>
-            <a:fillRect/>
-          </a:stretch>
-        </p:blipFill>
-        <p:spPr>
-          <a:xfrm>
-            <a:off x="7956376" y="6070981"/>
-            <a:ext cx="943868" cy="608947"/>
-          </a:xfrm>
-          <a:prstGeom prst="rect">
-            <a:avLst/>
-          </a:prstGeom>
-        </p:spPr>
-      </p:pic>
       <p:graphicFrame>
         <p:nvGraphicFramePr>
           <p:cNvPr id="8" name="Tableau 7"/>
@@ -15223,11 +15884,72 @@
           </a:graphicData>
         </a:graphic>
       </p:graphicFrame>
+      <p:sp>
+        <p:nvSpPr>
+          <p:cNvPr id="2" name="Espace réservé du numéro de diapositive 1"/>
+          <p:cNvSpPr>
+            <a:spLocks noGrp="1"/>
+          </p:cNvSpPr>
+          <p:nvPr>
+            <p:ph type="sldNum" sz="quarter" idx="12"/>
+          </p:nvPr>
+        </p:nvSpPr>
+        <p:spPr/>
+        <p:txBody>
+          <a:bodyPr/>
+          <a:lstStyle/>
+          <a:p>
+            <a:fld id="{A8C328B4-C016-4A25-B59B-906578B0868C}" type="slidenum">
+              <a:rPr lang="fr-FR" smtClean="0"/>
+              <a:pPr/>
+              <a:t>6</a:t>
+            </a:fld>
+            <a:endParaRPr lang="fr-FR"/>
+          </a:p>
+        </p:txBody>
+      </p:sp>
+      <p:pic>
+        <p:nvPicPr>
+          <p:cNvPr id="7" name="Image 6"/>
+          <p:cNvPicPr>
+            <a:picLocks noChangeAspect="1"/>
+          </p:cNvPicPr>
+          <p:nvPr/>
+        </p:nvPicPr>
+        <p:blipFill>
+          <a:blip r:embed="rId3" cstate="print">
+            <a:extLst>
+              <a:ext uri="{28A0092B-C50C-407E-A947-70E740481C1C}">
+                <a14:useLocalDpi xmlns:a14="http://schemas.microsoft.com/office/drawing/2010/main" val="0"/>
+              </a:ext>
+            </a:extLst>
+          </a:blip>
+          <a:stretch>
+            <a:fillRect/>
+          </a:stretch>
+        </p:blipFill>
+        <p:spPr>
+          <a:xfrm>
+            <a:off x="179512" y="6309320"/>
+            <a:ext cx="727871" cy="469594"/>
+          </a:xfrm>
+          <a:prstGeom prst="rect">
+            <a:avLst/>
+          </a:prstGeom>
+        </p:spPr>
+      </p:pic>
     </p:spTree>
   </p:cSld>
   <p:clrMapOvr>
     <a:masterClrMapping/>
   </p:clrMapOvr>
+  <p:timing>
+    <p:tnLst>
+      <p:par>
+        <p:cTn id="1" dur="indefinite" restart="never" nodeType="tmRoot"/>
+      </p:par>
+    </p:tnLst>
+  </p:timing>
 </p:sld>
 </file>
 
@@ -15429,9 +16151,33 @@
           </a:p>
         </p:txBody>
       </p:sp>
+      <p:sp>
+        <p:nvSpPr>
+          <p:cNvPr id="4" name="Espace réservé du numéro de diapositive 3"/>
+          <p:cNvSpPr>
+            <a:spLocks noGrp="1"/>
+          </p:cNvSpPr>
+          <p:nvPr>
+            <p:ph type="sldNum" sz="quarter" idx="12"/>
+          </p:nvPr>
+        </p:nvSpPr>
+        <p:spPr/>
+        <p:txBody>
+          <a:bodyPr/>
+          <a:lstStyle/>
+          <a:p>
+            <a:fld id="{A8C328B4-C016-4A25-B59B-906578B0868C}" type="slidenum">
+              <a:rPr lang="fr-FR" smtClean="0"/>
+              <a:pPr/>
+              <a:t>7</a:t>
+            </a:fld>
+            <a:endParaRPr lang="fr-FR"/>
+          </a:p>
+        </p:txBody>
+      </p:sp>
       <p:pic>
         <p:nvPicPr>
-          <p:cNvPr id="6" name="Image 5"/>
+          <p:cNvPr id="7" name="Image 6"/>
           <p:cNvPicPr>
             <a:picLocks noChangeAspect="1"/>
           </p:cNvPicPr>
@@ -15441,7 +16187,7 @@
           <a:blip r:embed="rId3" cstate="print">
             <a:extLst>
               <a:ext uri="{28A0092B-C50C-407E-A947-70E740481C1C}">
-                <a14:useLocalDpi xmlns:a14="http://schemas.microsoft.com/office/drawing/2010/main" xmlns="" val="0"/>
+                <a14:useLocalDpi xmlns:a14="http://schemas.microsoft.com/office/drawing/2010/main" val="0"/>
               </a:ext>
             </a:extLst>
           </a:blip>
@@ -15451,8 +16197,8 @@
         </p:blipFill>
         <p:spPr>
           <a:xfrm>
-            <a:off x="7956376" y="6070981"/>
-            <a:ext cx="943868" cy="608947"/>
+            <a:off x="179512" y="6309320"/>
+            <a:ext cx="727871" cy="469594"/>
           </a:xfrm>
           <a:prstGeom prst="rect">
             <a:avLst/>
@@ -15464,6 +16210,13 @@
   <p:clrMapOvr>
     <a:masterClrMapping/>
   </p:clrMapOvr>
+  <p:timing>
+    <p:tnLst>
+      <p:par>
+        <p:cTn id="1" dur="indefinite" restart="never" nodeType="tmRoot"/>
+      </p:par>
+    </p:tnLst>
+  </p:timing>
 </p:sld>
 </file>
 
@@ -15835,9 +16588,33 @@
           </a:prstGeom>
         </p:spPr>
       </p:pic>
+      <p:sp>
+        <p:nvSpPr>
+          <p:cNvPr id="4" name="Espace réservé du numéro de diapositive 3"/>
+          <p:cNvSpPr>
+            <a:spLocks noGrp="1"/>
+          </p:cNvSpPr>
+          <p:nvPr>
+            <p:ph type="sldNum" sz="quarter" idx="12"/>
+          </p:nvPr>
+        </p:nvSpPr>
+        <p:spPr/>
+        <p:txBody>
+          <a:bodyPr/>
+          <a:lstStyle/>
+          <a:p>
+            <a:fld id="{A8C328B4-C016-4A25-B59B-906578B0868C}" type="slidenum">
+              <a:rPr lang="fr-FR" smtClean="0"/>
+              <a:pPr/>
+              <a:t>8</a:t>
+            </a:fld>
+            <a:endParaRPr lang="fr-FR"/>
+          </a:p>
+        </p:txBody>
+      </p:sp>
       <p:pic>
         <p:nvPicPr>
-          <p:cNvPr id="13" name="Image 12"/>
+          <p:cNvPr id="12" name="Image 11"/>
           <p:cNvPicPr>
             <a:picLocks noChangeAspect="1"/>
           </p:cNvPicPr>
@@ -15847,7 +16624,7 @@
           <a:blip r:embed="rId8" cstate="print">
             <a:extLst>
               <a:ext uri="{28A0092B-C50C-407E-A947-70E740481C1C}">
-                <a14:useLocalDpi xmlns:a14="http://schemas.microsoft.com/office/drawing/2010/main" xmlns="" val="0"/>
+                <a14:useLocalDpi xmlns:a14="http://schemas.microsoft.com/office/drawing/2010/main" val="0"/>
               </a:ext>
             </a:extLst>
           </a:blip>
@@ -15857,8 +16634,8 @@
         </p:blipFill>
         <p:spPr>
           <a:xfrm>
-            <a:off x="7956376" y="6070981"/>
-            <a:ext cx="943868" cy="608947"/>
+            <a:off x="179512" y="6309320"/>
+            <a:ext cx="727871" cy="469594"/>
           </a:xfrm>
           <a:prstGeom prst="rect">
             <a:avLst/>
@@ -15870,6 +16647,13 @@
   <p:clrMapOvr>
     <a:masterClrMapping/>
   </p:clrMapOvr>
+  <p:timing>
+    <p:tnLst>
+      <p:par>
+        <p:cTn id="1" dur="indefinite" restart="never" nodeType="tmRoot"/>
+      </p:par>
+    </p:tnLst>
+  </p:timing>
 </p:sld>
 </file>
 
@@ -16067,9 +16851,33 @@
           </a:p>
         </p:txBody>
       </p:sp>
+      <p:sp>
+        <p:nvSpPr>
+          <p:cNvPr id="4" name="Espace réservé du numéro de diapositive 3"/>
+          <p:cNvSpPr>
+            <a:spLocks noGrp="1"/>
+          </p:cNvSpPr>
+          <p:nvPr>
+            <p:ph type="sldNum" sz="quarter" idx="12"/>
+          </p:nvPr>
+        </p:nvSpPr>
+        <p:spPr/>
+        <p:txBody>
+          <a:bodyPr/>
+          <a:lstStyle/>
+          <a:p>
+            <a:fld id="{A8C328B4-C016-4A25-B59B-906578B0868C}" type="slidenum">
+              <a:rPr lang="fr-FR" smtClean="0"/>
+              <a:pPr/>
+              <a:t>9</a:t>
+            </a:fld>
+            <a:endParaRPr lang="fr-FR"/>
+          </a:p>
+        </p:txBody>
+      </p:sp>
       <p:pic>
         <p:nvPicPr>
-          <p:cNvPr id="6" name="Image 5"/>
+          <p:cNvPr id="7" name="Image 6"/>
           <p:cNvPicPr>
             <a:picLocks noChangeAspect="1"/>
           </p:cNvPicPr>
@@ -16079,7 +16887,7 @@
           <a:blip r:embed="rId3" cstate="print">
             <a:extLst>
               <a:ext uri="{28A0092B-C50C-407E-A947-70E740481C1C}">
-                <a14:useLocalDpi xmlns:a14="http://schemas.microsoft.com/office/drawing/2010/main" xmlns="" val="0"/>
+                <a14:useLocalDpi xmlns:a14="http://schemas.microsoft.com/office/drawing/2010/main" val="0"/>
               </a:ext>
             </a:extLst>
           </a:blip>
@@ -16089,8 +16897,8 @@
         </p:blipFill>
         <p:spPr>
           <a:xfrm>
-            <a:off x="7956376" y="6070981"/>
-            <a:ext cx="943868" cy="608947"/>
+            <a:off x="179512" y="6309320"/>
+            <a:ext cx="727871" cy="469594"/>
           </a:xfrm>
           <a:prstGeom prst="rect">
             <a:avLst/>
@@ -16102,6 +16910,13 @@
   <p:clrMapOvr>
     <a:masterClrMapping/>
   </p:clrMapOvr>
+  <p:timing>
+    <p:tnLst>
+      <p:par>
+        <p:cTn id="1" dur="indefinite" restart="never" nodeType="tmRoot"/>
+      </p:par>
+    </p:tnLst>
+  </p:timing>
 </p:sld>
 </file>
 

--- a/doc/Diapo.pptx
+++ b/doc/Diapo.pptx
@@ -134,7 +134,7 @@
   </p:defaultTextStyle>
   <p:extLst>
     <p:ext uri="{EFAFB233-063F-42B5-8137-9DF3F51BA10A}">
-      <p15:sldGuideLst xmlns:p15="http://schemas.microsoft.com/office/powerpoint/2012/main" xmlns="">
+      <p15:sldGuideLst xmlns="" xmlns:p15="http://schemas.microsoft.com/office/powerpoint/2012/main">
         <p15:guide id="1" orient="horz" pos="2160">
           <p15:clr>
             <a:srgbClr val="A4A3A4"/>
@@ -234,7 +234,7 @@
             <a:fld id="{BEF45B8F-C0FF-44EC-BB50-2DC2F163B972}" type="datetimeFigureOut">
               <a:rPr lang="fr-FR" smtClean="0"/>
               <a:pPr/>
-              <a:t>15/05/2017</a:t>
+              <a:t>16/05/2017</a:t>
             </a:fld>
             <a:endParaRPr lang="fr-FR"/>
           </a:p>
@@ -405,7 +405,7 @@
     </p:spTree>
     <p:extLst>
       <p:ext uri="{BB962C8B-B14F-4D97-AF65-F5344CB8AC3E}">
-        <p14:creationId xmlns:p14="http://schemas.microsoft.com/office/powerpoint/2010/main" xmlns="" val="45641624"/>
+        <p14:creationId xmlns="" xmlns:p14="http://schemas.microsoft.com/office/powerpoint/2010/main" val="45641624"/>
       </p:ext>
     </p:extLst>
   </p:cSld>
@@ -622,7 +622,7 @@
     </p:spTree>
     <p:extLst>
       <p:ext uri="{BB962C8B-B14F-4D97-AF65-F5344CB8AC3E}">
-        <p14:creationId xmlns:p14="http://schemas.microsoft.com/office/powerpoint/2010/main" xmlns="" val="2228747940"/>
+        <p14:creationId xmlns="" xmlns:p14="http://schemas.microsoft.com/office/powerpoint/2010/main" val="2228747940"/>
       </p:ext>
     </p:extLst>
   </p:cSld>
@@ -721,7 +721,7 @@
     </p:spTree>
     <p:extLst>
       <p:ext uri="{BB962C8B-B14F-4D97-AF65-F5344CB8AC3E}">
-        <p14:creationId xmlns:p14="http://schemas.microsoft.com/office/powerpoint/2010/main" xmlns="" val="3448461766"/>
+        <p14:creationId xmlns="" xmlns:p14="http://schemas.microsoft.com/office/powerpoint/2010/main" val="3448461766"/>
       </p:ext>
     </p:extLst>
   </p:cSld>
@@ -820,7 +820,7 @@
     </p:spTree>
     <p:extLst>
       <p:ext uri="{BB962C8B-B14F-4D97-AF65-F5344CB8AC3E}">
-        <p14:creationId xmlns:p14="http://schemas.microsoft.com/office/powerpoint/2010/main" xmlns="" val="3448461766"/>
+        <p14:creationId xmlns="" xmlns:p14="http://schemas.microsoft.com/office/powerpoint/2010/main" val="3448461766"/>
       </p:ext>
     </p:extLst>
   </p:cSld>
@@ -915,7 +915,7 @@
     </p:spTree>
     <p:extLst>
       <p:ext uri="{BB962C8B-B14F-4D97-AF65-F5344CB8AC3E}">
-        <p14:creationId xmlns:p14="http://schemas.microsoft.com/office/powerpoint/2010/main" xmlns="" val="212553317"/>
+        <p14:creationId xmlns="" xmlns:p14="http://schemas.microsoft.com/office/powerpoint/2010/main" val="212553317"/>
       </p:ext>
     </p:extLst>
   </p:cSld>
@@ -1076,7 +1076,7 @@
     </p:spTree>
     <p:extLst>
       <p:ext uri="{BB962C8B-B14F-4D97-AF65-F5344CB8AC3E}">
-        <p14:creationId xmlns:p14="http://schemas.microsoft.com/office/powerpoint/2010/main" xmlns="" val="1461847046"/>
+        <p14:creationId xmlns="" xmlns:p14="http://schemas.microsoft.com/office/powerpoint/2010/main" val="1461847046"/>
       </p:ext>
     </p:extLst>
   </p:cSld>
@@ -1237,7 +1237,7 @@
     </p:spTree>
     <p:extLst>
       <p:ext uri="{BB962C8B-B14F-4D97-AF65-F5344CB8AC3E}">
-        <p14:creationId xmlns:p14="http://schemas.microsoft.com/office/powerpoint/2010/main" xmlns="" val="1520764927"/>
+        <p14:creationId xmlns="" xmlns:p14="http://schemas.microsoft.com/office/powerpoint/2010/main" val="1520764927"/>
       </p:ext>
     </p:extLst>
   </p:cSld>
@@ -1324,7 +1324,7 @@
     </p:spTree>
     <p:extLst>
       <p:ext uri="{BB962C8B-B14F-4D97-AF65-F5344CB8AC3E}">
-        <p14:creationId xmlns:p14="http://schemas.microsoft.com/office/powerpoint/2010/main" xmlns="" val="1398145928"/>
+        <p14:creationId xmlns="" xmlns:p14="http://schemas.microsoft.com/office/powerpoint/2010/main" val="1398145928"/>
       </p:ext>
     </p:extLst>
   </p:cSld>
@@ -1411,7 +1411,7 @@
     </p:spTree>
     <p:extLst>
       <p:ext uri="{BB962C8B-B14F-4D97-AF65-F5344CB8AC3E}">
-        <p14:creationId xmlns:p14="http://schemas.microsoft.com/office/powerpoint/2010/main" xmlns="" val="2215035958"/>
+        <p14:creationId xmlns="" xmlns:p14="http://schemas.microsoft.com/office/powerpoint/2010/main" val="2215035958"/>
       </p:ext>
     </p:extLst>
   </p:cSld>
@@ -1498,7 +1498,7 @@
     </p:spTree>
     <p:extLst>
       <p:ext uri="{BB962C8B-B14F-4D97-AF65-F5344CB8AC3E}">
-        <p14:creationId xmlns:p14="http://schemas.microsoft.com/office/powerpoint/2010/main" xmlns="" val="4078183470"/>
+        <p14:creationId xmlns="" xmlns:p14="http://schemas.microsoft.com/office/powerpoint/2010/main" val="4078183470"/>
       </p:ext>
     </p:extLst>
   </p:cSld>
@@ -1585,7 +1585,7 @@
     </p:spTree>
     <p:extLst>
       <p:ext uri="{BB962C8B-B14F-4D97-AF65-F5344CB8AC3E}">
-        <p14:creationId xmlns:p14="http://schemas.microsoft.com/office/powerpoint/2010/main" xmlns="" val="511339895"/>
+        <p14:creationId xmlns="" xmlns:p14="http://schemas.microsoft.com/office/powerpoint/2010/main" val="511339895"/>
       </p:ext>
     </p:extLst>
   </p:cSld>
@@ -1672,7 +1672,7 @@
     </p:spTree>
     <p:extLst>
       <p:ext uri="{BB962C8B-B14F-4D97-AF65-F5344CB8AC3E}">
-        <p14:creationId xmlns:p14="http://schemas.microsoft.com/office/powerpoint/2010/main" xmlns="" val="1329930481"/>
+        <p14:creationId xmlns="" xmlns:p14="http://schemas.microsoft.com/office/powerpoint/2010/main" val="1329930481"/>
       </p:ext>
     </p:extLst>
   </p:cSld>
@@ -1849,7 +1849,7 @@
     </p:spTree>
     <p:extLst>
       <p:ext uri="{BB962C8B-B14F-4D97-AF65-F5344CB8AC3E}">
-        <p14:creationId xmlns:p14="http://schemas.microsoft.com/office/powerpoint/2010/main" xmlns="" val="1420921446"/>
+        <p14:creationId xmlns="" xmlns:p14="http://schemas.microsoft.com/office/powerpoint/2010/main" val="1420921446"/>
       </p:ext>
     </p:extLst>
   </p:cSld>
@@ -1936,7 +1936,7 @@
     </p:spTree>
     <p:extLst>
       <p:ext uri="{BB962C8B-B14F-4D97-AF65-F5344CB8AC3E}">
-        <p14:creationId xmlns:p14="http://schemas.microsoft.com/office/powerpoint/2010/main" xmlns="" val="2537194441"/>
+        <p14:creationId xmlns="" xmlns:p14="http://schemas.microsoft.com/office/powerpoint/2010/main" val="2537194441"/>
       </p:ext>
     </p:extLst>
   </p:cSld>
@@ -2023,7 +2023,7 @@
     </p:spTree>
     <p:extLst>
       <p:ext uri="{BB962C8B-B14F-4D97-AF65-F5344CB8AC3E}">
-        <p14:creationId xmlns:p14="http://schemas.microsoft.com/office/powerpoint/2010/main" xmlns="" val="4069220086"/>
+        <p14:creationId xmlns="" xmlns:p14="http://schemas.microsoft.com/office/powerpoint/2010/main" val="4069220086"/>
       </p:ext>
     </p:extLst>
   </p:cSld>
@@ -2110,7 +2110,7 @@
     </p:spTree>
     <p:extLst>
       <p:ext uri="{BB962C8B-B14F-4D97-AF65-F5344CB8AC3E}">
-        <p14:creationId xmlns:p14="http://schemas.microsoft.com/office/powerpoint/2010/main" xmlns="" val="2188083174"/>
+        <p14:creationId xmlns="" xmlns:p14="http://schemas.microsoft.com/office/powerpoint/2010/main" val="2188083174"/>
       </p:ext>
     </p:extLst>
   </p:cSld>
@@ -2197,7 +2197,7 @@
     </p:spTree>
     <p:extLst>
       <p:ext uri="{BB962C8B-B14F-4D97-AF65-F5344CB8AC3E}">
-        <p14:creationId xmlns:p14="http://schemas.microsoft.com/office/powerpoint/2010/main" xmlns="" val="1537290242"/>
+        <p14:creationId xmlns="" xmlns:p14="http://schemas.microsoft.com/office/powerpoint/2010/main" val="1537290242"/>
       </p:ext>
     </p:extLst>
   </p:cSld>
@@ -2284,7 +2284,7 @@
     </p:spTree>
     <p:extLst>
       <p:ext uri="{BB962C8B-B14F-4D97-AF65-F5344CB8AC3E}">
-        <p14:creationId xmlns:p14="http://schemas.microsoft.com/office/powerpoint/2010/main" xmlns="" val="725683917"/>
+        <p14:creationId xmlns="" xmlns:p14="http://schemas.microsoft.com/office/powerpoint/2010/main" val="725683917"/>
       </p:ext>
     </p:extLst>
   </p:cSld>
@@ -2668,7 +2668,7 @@
     </p:spTree>
     <p:extLst>
       <p:ext uri="{BB962C8B-B14F-4D97-AF65-F5344CB8AC3E}">
-        <p14:creationId xmlns:p14="http://schemas.microsoft.com/office/powerpoint/2010/main" xmlns="" val="1628508158"/>
+        <p14:creationId xmlns="" xmlns:p14="http://schemas.microsoft.com/office/powerpoint/2010/main" val="1628508158"/>
       </p:ext>
     </p:extLst>
   </p:cSld>
@@ -2763,7 +2763,7 @@
     </p:spTree>
     <p:extLst>
       <p:ext uri="{BB962C8B-B14F-4D97-AF65-F5344CB8AC3E}">
-        <p14:creationId xmlns:p14="http://schemas.microsoft.com/office/powerpoint/2010/main" xmlns="" val="3526639435"/>
+        <p14:creationId xmlns="" xmlns:p14="http://schemas.microsoft.com/office/powerpoint/2010/main" val="3526639435"/>
       </p:ext>
     </p:extLst>
   </p:cSld>
@@ -2858,7 +2858,7 @@
     </p:spTree>
     <p:extLst>
       <p:ext uri="{BB962C8B-B14F-4D97-AF65-F5344CB8AC3E}">
-        <p14:creationId xmlns:p14="http://schemas.microsoft.com/office/powerpoint/2010/main" xmlns="" val="1321478154"/>
+        <p14:creationId xmlns="" xmlns:p14="http://schemas.microsoft.com/office/powerpoint/2010/main" val="1321478154"/>
       </p:ext>
     </p:extLst>
   </p:cSld>
@@ -2953,7 +2953,7 @@
     </p:spTree>
     <p:extLst>
       <p:ext uri="{BB962C8B-B14F-4D97-AF65-F5344CB8AC3E}">
-        <p14:creationId xmlns:p14="http://schemas.microsoft.com/office/powerpoint/2010/main" xmlns="" val="2004548286"/>
+        <p14:creationId xmlns="" xmlns:p14="http://schemas.microsoft.com/office/powerpoint/2010/main" val="2004548286"/>
       </p:ext>
     </p:extLst>
   </p:cSld>
@@ -3589,7 +3589,7 @@
             <a:fld id="{D1AB72DB-2B36-4F14-9350-0913143174F8}" type="datetimeFigureOut">
               <a:rPr lang="fr-FR" smtClean="0"/>
               <a:pPr/>
-              <a:t>15/05/2017</a:t>
+              <a:t>16/05/2017</a:t>
             </a:fld>
             <a:endParaRPr lang="fr-FR"/>
           </a:p>
@@ -3787,7 +3787,7 @@
             <a:fld id="{D1AB72DB-2B36-4F14-9350-0913143174F8}" type="datetimeFigureOut">
               <a:rPr lang="fr-FR" smtClean="0"/>
               <a:pPr/>
-              <a:t>15/05/2017</a:t>
+              <a:t>16/05/2017</a:t>
             </a:fld>
             <a:endParaRPr lang="fr-FR"/>
           </a:p>
@@ -3974,7 +3974,7 @@
             <a:fld id="{D1AB72DB-2B36-4F14-9350-0913143174F8}" type="datetimeFigureOut">
               <a:rPr lang="fr-FR" smtClean="0"/>
               <a:pPr/>
-              <a:t>15/05/2017</a:t>
+              <a:t>16/05/2017</a:t>
             </a:fld>
             <a:endParaRPr lang="fr-FR"/>
           </a:p>
@@ -4126,7 +4126,7 @@
             <a:fld id="{D1AB72DB-2B36-4F14-9350-0913143174F8}" type="datetimeFigureOut">
               <a:rPr lang="fr-FR" smtClean="0"/>
               <a:pPr/>
-              <a:t>15/05/2017</a:t>
+              <a:t>16/05/2017</a:t>
             </a:fld>
             <a:endParaRPr lang="fr-FR"/>
           </a:p>
@@ -4378,7 +4378,7 @@
             <a:fld id="{D1AB72DB-2B36-4F14-9350-0913143174F8}" type="datetimeFigureOut">
               <a:rPr lang="fr-FR" smtClean="0"/>
               <a:pPr/>
-              <a:t>15/05/2017</a:t>
+              <a:t>16/05/2017</a:t>
             </a:fld>
             <a:endParaRPr lang="fr-FR"/>
           </a:p>
@@ -4784,7 +4784,7 @@
             <a:fld id="{D1AB72DB-2B36-4F14-9350-0913143174F8}" type="datetimeFigureOut">
               <a:rPr lang="fr-FR" smtClean="0"/>
               <a:pPr/>
-              <a:t>15/05/2017</a:t>
+              <a:t>16/05/2017</a:t>
             </a:fld>
             <a:endParaRPr lang="fr-FR"/>
           </a:p>
@@ -5227,7 +5227,7 @@
             <a:fld id="{D1AB72DB-2B36-4F14-9350-0913143174F8}" type="datetimeFigureOut">
               <a:rPr lang="fr-FR" smtClean="0"/>
               <a:pPr/>
-              <a:t>15/05/2017</a:t>
+              <a:t>16/05/2017</a:t>
             </a:fld>
             <a:endParaRPr lang="fr-FR"/>
           </a:p>
@@ -5325,7 +5325,7 @@
             <a:fld id="{D1AB72DB-2B36-4F14-9350-0913143174F8}" type="datetimeFigureOut">
               <a:rPr lang="fr-FR" smtClean="0"/>
               <a:pPr/>
-              <a:t>15/05/2017</a:t>
+              <a:t>16/05/2017</a:t>
             </a:fld>
             <a:endParaRPr lang="fr-FR"/>
           </a:p>
@@ -5448,7 +5448,7 @@
             <a:fld id="{D1AB72DB-2B36-4F14-9350-0913143174F8}" type="datetimeFigureOut">
               <a:rPr lang="fr-FR" smtClean="0"/>
               <a:pPr/>
-              <a:t>15/05/2017</a:t>
+              <a:t>16/05/2017</a:t>
             </a:fld>
             <a:endParaRPr lang="fr-FR"/>
           </a:p>
@@ -5719,7 +5719,7 @@
             <a:fld id="{D1AB72DB-2B36-4F14-9350-0913143174F8}" type="datetimeFigureOut">
               <a:rPr lang="fr-FR" smtClean="0"/>
               <a:pPr/>
-              <a:t>15/05/2017</a:t>
+              <a:t>16/05/2017</a:t>
             </a:fld>
             <a:endParaRPr lang="fr-FR"/>
           </a:p>
@@ -5921,7 +5921,7 @@
             <a:fld id="{D1AB72DB-2B36-4F14-9350-0913143174F8}" type="datetimeFigureOut">
               <a:rPr lang="fr-FR" smtClean="0"/>
               <a:pPr/>
-              <a:t>15/05/2017</a:t>
+              <a:t>16/05/2017</a:t>
             </a:fld>
             <a:endParaRPr lang="fr-FR"/>
           </a:p>
@@ -7032,7 +7032,7 @@
             <a:fld id="{D1AB72DB-2B36-4F14-9350-0913143174F8}" type="datetimeFigureOut">
               <a:rPr lang="fr-FR" smtClean="0"/>
               <a:pPr/>
-              <a:t>15/05/2017</a:t>
+              <a:t>16/05/2017</a:t>
             </a:fld>
             <a:endParaRPr lang="fr-FR"/>
           </a:p>
@@ -7514,7 +7514,7 @@
           <a:blip r:embed="rId2" cstate="print">
             <a:extLst>
               <a:ext uri="{28A0092B-C50C-407E-A947-70E740481C1C}">
-                <a14:useLocalDpi xmlns:a14="http://schemas.microsoft.com/office/drawing/2010/main" xmlns="" val="0"/>
+                <a14:useLocalDpi xmlns="" xmlns:a14="http://schemas.microsoft.com/office/drawing/2010/main" val="0"/>
               </a:ext>
             </a:extLst>
           </a:blip>
@@ -7720,7 +7720,7 @@
           <a:blip r:embed="rId3" cstate="print">
             <a:extLst>
               <a:ext uri="{28A0092B-C50C-407E-A947-70E740481C1C}">
-                <a14:useLocalDpi xmlns:a14="http://schemas.microsoft.com/office/drawing/2010/main" xmlns="" val="0"/>
+                <a14:useLocalDpi xmlns="" xmlns:a14="http://schemas.microsoft.com/office/drawing/2010/main" val="0"/>
               </a:ext>
             </a:extLst>
           </a:blip>
@@ -7881,7 +7881,7 @@
           <a:blip r:embed="rId4" cstate="print">
             <a:extLst>
               <a:ext uri="{28A0092B-C50C-407E-A947-70E740481C1C}">
-                <a14:useLocalDpi xmlns:a14="http://schemas.microsoft.com/office/drawing/2010/main" xmlns="" val="0"/>
+                <a14:useLocalDpi xmlns="" xmlns:a14="http://schemas.microsoft.com/office/drawing/2010/main" val="0"/>
               </a:ext>
             </a:extLst>
           </a:blip>
@@ -8008,7 +8008,7 @@
           <a:blip r:embed="rId3" cstate="print">
             <a:extLst>
               <a:ext uri="{28A0092B-C50C-407E-A947-70E740481C1C}">
-                <a14:useLocalDpi xmlns:a14="http://schemas.microsoft.com/office/drawing/2010/main" xmlns="" val="0"/>
+                <a14:useLocalDpi xmlns="" xmlns:a14="http://schemas.microsoft.com/office/drawing/2010/main" val="0"/>
               </a:ext>
             </a:extLst>
           </a:blip>
@@ -8097,7 +8097,7 @@
           <a:blip r:embed="rId3" cstate="print">
             <a:extLst>
               <a:ext uri="{28A0092B-C50C-407E-A947-70E740481C1C}">
-                <a14:useLocalDpi xmlns:a14="http://schemas.microsoft.com/office/drawing/2010/main" xmlns="" val="0"/>
+                <a14:useLocalDpi xmlns="" xmlns:a14="http://schemas.microsoft.com/office/drawing/2010/main" val="0"/>
               </a:ext>
             </a:extLst>
           </a:blip>
@@ -8668,7 +8668,7 @@
           <a:blip r:embed="rId8" cstate="print">
             <a:extLst>
               <a:ext uri="{28A0092B-C50C-407E-A947-70E740481C1C}">
-                <a14:useLocalDpi xmlns:a14="http://schemas.microsoft.com/office/drawing/2010/main" xmlns="" val="0"/>
+                <a14:useLocalDpi xmlns="" xmlns:a14="http://schemas.microsoft.com/office/drawing/2010/main" val="0"/>
               </a:ext>
             </a:extLst>
           </a:blip>
@@ -9203,7 +9203,7 @@
           <a:blip r:embed="rId13" cstate="print">
             <a:extLst>
               <a:ext uri="{28A0092B-C50C-407E-A947-70E740481C1C}">
-                <a14:useLocalDpi xmlns:a14="http://schemas.microsoft.com/office/drawing/2010/main" xmlns="" val="0"/>
+                <a14:useLocalDpi xmlns="" xmlns:a14="http://schemas.microsoft.com/office/drawing/2010/main" val="0"/>
               </a:ext>
             </a:extLst>
           </a:blip>
@@ -9387,7 +9387,7 @@
           <a:blip r:embed="rId4" cstate="print">
             <a:extLst>
               <a:ext uri="{28A0092B-C50C-407E-A947-70E740481C1C}">
-                <a14:useLocalDpi xmlns:a14="http://schemas.microsoft.com/office/drawing/2010/main" xmlns="" val="0"/>
+                <a14:useLocalDpi xmlns="" xmlns:a14="http://schemas.microsoft.com/office/drawing/2010/main" val="0"/>
               </a:ext>
             </a:extLst>
           </a:blip>
@@ -9571,7 +9571,7 @@
           <a:blip r:embed="rId4" cstate="print">
             <a:extLst>
               <a:ext uri="{28A0092B-C50C-407E-A947-70E740481C1C}">
-                <a14:useLocalDpi xmlns:a14="http://schemas.microsoft.com/office/drawing/2010/main" xmlns="" val="0"/>
+                <a14:useLocalDpi xmlns="" xmlns:a14="http://schemas.microsoft.com/office/drawing/2010/main" val="0"/>
               </a:ext>
             </a:extLst>
           </a:blip>
@@ -9787,7 +9787,7 @@
           <a:blip r:embed="rId5" cstate="print">
             <a:extLst>
               <a:ext uri="{28A0092B-C50C-407E-A947-70E740481C1C}">
-                <a14:useLocalDpi xmlns:a14="http://schemas.microsoft.com/office/drawing/2010/main" xmlns="" val="0"/>
+                <a14:useLocalDpi xmlns="" xmlns:a14="http://schemas.microsoft.com/office/drawing/2010/main" val="0"/>
               </a:ext>
             </a:extLst>
           </a:blip>
@@ -10003,7 +10003,7 @@
           <a:blip r:embed="rId5" cstate="print">
             <a:extLst>
               <a:ext uri="{28A0092B-C50C-407E-A947-70E740481C1C}">
-                <a14:useLocalDpi xmlns:a14="http://schemas.microsoft.com/office/drawing/2010/main" xmlns="" val="0"/>
+                <a14:useLocalDpi xmlns="" xmlns:a14="http://schemas.microsoft.com/office/drawing/2010/main" val="0"/>
               </a:ext>
             </a:extLst>
           </a:blip>
@@ -10134,7 +10134,7 @@
           <a:blip r:embed="rId3" cstate="print">
             <a:extLst>
               <a:ext uri="{28A0092B-C50C-407E-A947-70E740481C1C}">
-                <a14:useLocalDpi xmlns:a14="http://schemas.microsoft.com/office/drawing/2010/main" xmlns="" val="0"/>
+                <a14:useLocalDpi xmlns="" xmlns:a14="http://schemas.microsoft.com/office/drawing/2010/main" val="0"/>
               </a:ext>
             </a:extLst>
           </a:blip>
@@ -10350,7 +10350,7 @@
           <a:blip r:embed="rId5" cstate="print">
             <a:extLst>
               <a:ext uri="{28A0092B-C50C-407E-A947-70E740481C1C}">
-                <a14:useLocalDpi xmlns:a14="http://schemas.microsoft.com/office/drawing/2010/main" xmlns="" val="0"/>
+                <a14:useLocalDpi xmlns="" xmlns:a14="http://schemas.microsoft.com/office/drawing/2010/main" val="0"/>
               </a:ext>
             </a:extLst>
           </a:blip>
@@ -10566,7 +10566,7 @@
           <a:blip r:embed="rId5" cstate="print">
             <a:extLst>
               <a:ext uri="{28A0092B-C50C-407E-A947-70E740481C1C}">
-                <a14:useLocalDpi xmlns:a14="http://schemas.microsoft.com/office/drawing/2010/main" xmlns="" val="0"/>
+                <a14:useLocalDpi xmlns="" xmlns:a14="http://schemas.microsoft.com/office/drawing/2010/main" val="0"/>
               </a:ext>
             </a:extLst>
           </a:blip>
@@ -10782,7 +10782,7 @@
           <a:blip r:embed="rId5" cstate="print">
             <a:extLst>
               <a:ext uri="{28A0092B-C50C-407E-A947-70E740481C1C}">
-                <a14:useLocalDpi xmlns:a14="http://schemas.microsoft.com/office/drawing/2010/main" xmlns="" val="0"/>
+                <a14:useLocalDpi xmlns="" xmlns:a14="http://schemas.microsoft.com/office/drawing/2010/main" val="0"/>
               </a:ext>
             </a:extLst>
           </a:blip>
@@ -10998,7 +10998,7 @@
           <a:blip r:embed="rId5" cstate="print">
             <a:extLst>
               <a:ext uri="{28A0092B-C50C-407E-A947-70E740481C1C}">
-                <a14:useLocalDpi xmlns:a14="http://schemas.microsoft.com/office/drawing/2010/main" xmlns="" val="0"/>
+                <a14:useLocalDpi xmlns="" xmlns:a14="http://schemas.microsoft.com/office/drawing/2010/main" val="0"/>
               </a:ext>
             </a:extLst>
           </a:blip>
@@ -11111,7 +11111,7 @@
           <a:blip r:embed="rId3" cstate="print">
             <a:extLst>
               <a:ext uri="{28A0092B-C50C-407E-A947-70E740481C1C}">
-                <a14:useLocalDpi xmlns:a14="http://schemas.microsoft.com/office/drawing/2010/main" xmlns="" val="0"/>
+                <a14:useLocalDpi xmlns="" xmlns:a14="http://schemas.microsoft.com/office/drawing/2010/main" val="0"/>
               </a:ext>
             </a:extLst>
           </a:blip>
@@ -11287,7 +11287,7 @@
           <a:blip r:embed="rId3" cstate="print">
             <a:extLst>
               <a:ext uri="{28A0092B-C50C-407E-A947-70E740481C1C}">
-                <a14:useLocalDpi xmlns:a14="http://schemas.microsoft.com/office/drawing/2010/main" xmlns="" val="0"/>
+                <a14:useLocalDpi xmlns="" xmlns:a14="http://schemas.microsoft.com/office/drawing/2010/main" val="0"/>
               </a:ext>
             </a:extLst>
           </a:blip>
@@ -11400,7 +11400,7 @@
           <a:blip r:embed="rId3" cstate="print">
             <a:extLst>
               <a:ext uri="{28A0092B-C50C-407E-A947-70E740481C1C}">
-                <a14:useLocalDpi xmlns:a14="http://schemas.microsoft.com/office/drawing/2010/main" xmlns="" val="0"/>
+                <a14:useLocalDpi xmlns="" xmlns:a14="http://schemas.microsoft.com/office/drawing/2010/main" val="0"/>
               </a:ext>
             </a:extLst>
           </a:blip>
@@ -11573,7 +11573,7 @@
           <a:blip r:embed="rId3" cstate="print">
             <a:extLst>
               <a:ext uri="{28A0092B-C50C-407E-A947-70E740481C1C}">
-                <a14:useLocalDpi xmlns:a14="http://schemas.microsoft.com/office/drawing/2010/main" xmlns="" val="0"/>
+                <a14:useLocalDpi xmlns="" xmlns:a14="http://schemas.microsoft.com/office/drawing/2010/main" val="0"/>
               </a:ext>
             </a:extLst>
           </a:blip>
@@ -11860,7 +11860,7 @@
           <a:blip r:embed="rId3" cstate="print">
             <a:extLst>
               <a:ext uri="{28A0092B-C50C-407E-A947-70E740481C1C}">
-                <a14:useLocalDpi xmlns:a14="http://schemas.microsoft.com/office/drawing/2010/main" xmlns="" val="0"/>
+                <a14:useLocalDpi xmlns="" xmlns:a14="http://schemas.microsoft.com/office/drawing/2010/main" val="0"/>
               </a:ext>
             </a:extLst>
           </a:blip>
@@ -12074,7 +12074,7 @@
           <a:blip r:embed="rId3" cstate="print">
             <a:extLst>
               <a:ext uri="{28A0092B-C50C-407E-A947-70E740481C1C}">
-                <a14:useLocalDpi xmlns:a14="http://schemas.microsoft.com/office/drawing/2010/main" xmlns="" val="0"/>
+                <a14:useLocalDpi xmlns="" xmlns:a14="http://schemas.microsoft.com/office/drawing/2010/main" val="0"/>
               </a:ext>
             </a:extLst>
           </a:blip>
@@ -12193,7 +12193,7 @@
           <a:blip r:embed="rId3" cstate="print">
             <a:extLst>
               <a:ext uri="{28A0092B-C50C-407E-A947-70E740481C1C}">
-                <a14:useLocalDpi xmlns:a14="http://schemas.microsoft.com/office/drawing/2010/main" xmlns="" val="0"/>
+                <a14:useLocalDpi xmlns="" xmlns:a14="http://schemas.microsoft.com/office/drawing/2010/main" val="0"/>
               </a:ext>
             </a:extLst>
           </a:blip>
@@ -12221,7 +12221,7 @@
         </p:nvGraphicFramePr>
         <p:xfrm>
           <a:off x="919424" y="1885280"/>
-          <a:ext cx="4156632" cy="4064000"/>
+          <a:ext cx="4156632" cy="4202811"/>
         </p:xfrm>
         <a:graphic>
           <a:graphicData uri="http://schemas.openxmlformats.org/drawingml/2006/table">
@@ -14303,13 +14303,26 @@
                         </a:spcAft>
                       </a:pPr>
                       <a:r>
-                        <a:rPr lang="fr-FR" sz="900">
+                        <a:rPr lang="fr-FR" sz="900" dirty="0">
                           <a:latin typeface="Calibri"/>
                           <a:ea typeface="Calibri"/>
                           <a:cs typeface="Times New Roman"/>
                         </a:rPr>
-                        <a:t>Encryptions des mots de passes</a:t>
+                        <a:t>Encryptions des mots de </a:t>
                       </a:r>
+                      <a:r>
+                        <a:rPr lang="fr-FR" sz="900" dirty="0" smtClean="0">
+                          <a:latin typeface="Calibri"/>
+                          <a:ea typeface="Calibri"/>
+                          <a:cs typeface="Times New Roman"/>
+                        </a:rPr>
+                        <a:t>passes (chiffrement symétrique)</a:t>
+                      </a:r>
+                      <a:endParaRPr lang="fr-FR" sz="900" dirty="0">
+                        <a:latin typeface="Calibri"/>
+                        <a:ea typeface="Calibri"/>
+                        <a:cs typeface="Times New Roman"/>
+                      </a:endParaRPr>
                     </a:p>
                   </a:txBody>
                   <a:tcPr marL="57828" marR="57828" marT="0" marB="0">
@@ -14488,7 +14501,7 @@
                         </a:spcAft>
                       </a:pPr>
                       <a:r>
-                        <a:rPr lang="fr-FR" sz="900">
+                        <a:rPr lang="fr-FR" sz="900" dirty="0">
                           <a:latin typeface="Calibri"/>
                           <a:ea typeface="Calibri"/>
                           <a:cs typeface="Times New Roman"/>
@@ -15441,7 +15454,7 @@
           <a:blip r:embed="rId3" cstate="print">
             <a:extLst>
               <a:ext uri="{28A0092B-C50C-407E-A947-70E740481C1C}">
-                <a14:useLocalDpi xmlns:a14="http://schemas.microsoft.com/office/drawing/2010/main" xmlns="" val="0"/>
+                <a14:useLocalDpi xmlns="" xmlns:a14="http://schemas.microsoft.com/office/drawing/2010/main" val="0"/>
               </a:ext>
             </a:extLst>
           </a:blip>
@@ -15847,7 +15860,7 @@
           <a:blip r:embed="rId8" cstate="print">
             <a:extLst>
               <a:ext uri="{28A0092B-C50C-407E-A947-70E740481C1C}">
-                <a14:useLocalDpi xmlns:a14="http://schemas.microsoft.com/office/drawing/2010/main" xmlns="" val="0"/>
+                <a14:useLocalDpi xmlns="" xmlns:a14="http://schemas.microsoft.com/office/drawing/2010/main" val="0"/>
               </a:ext>
             </a:extLst>
           </a:blip>
@@ -16079,7 +16092,7 @@
           <a:blip r:embed="rId3" cstate="print">
             <a:extLst>
               <a:ext uri="{28A0092B-C50C-407E-A947-70E740481C1C}">
-                <a14:useLocalDpi xmlns:a14="http://schemas.microsoft.com/office/drawing/2010/main" xmlns="" val="0"/>
+                <a14:useLocalDpi xmlns="" xmlns:a14="http://schemas.microsoft.com/office/drawing/2010/main" val="0"/>
               </a:ext>
             </a:extLst>
           </a:blip>
